--- a/slides/ddl-w7l1.pptx
+++ b/slides/ddl-w7l1.pptx
@@ -5,23 +5,17 @@
     <p:sldMasterId id="2147483649" r:id="rId1"/>
   </p:sldMasterIdLst>
   <p:notesMasterIdLst>
-    <p:notesMasterId r:id="rId13"/>
+    <p:notesMasterId r:id="rId7"/>
   </p:notesMasterIdLst>
   <p:handoutMasterIdLst>
-    <p:handoutMasterId r:id="rId14"/>
+    <p:handoutMasterId r:id="rId8"/>
   </p:handoutMasterIdLst>
   <p:sldIdLst>
-    <p:sldId id="256" r:id="rId2"/>
-    <p:sldId id="263" r:id="rId3"/>
-    <p:sldId id="264" r:id="rId4"/>
-    <p:sldId id="265" r:id="rId5"/>
-    <p:sldId id="267" r:id="rId6"/>
-    <p:sldId id="268" r:id="rId7"/>
-    <p:sldId id="269" r:id="rId8"/>
-    <p:sldId id="270" r:id="rId9"/>
-    <p:sldId id="271" r:id="rId10"/>
-    <p:sldId id="272" r:id="rId11"/>
-    <p:sldId id="275" r:id="rId12"/>
+    <p:sldId id="276" r:id="rId2"/>
+    <p:sldId id="277" r:id="rId3"/>
+    <p:sldId id="278" r:id="rId4"/>
+    <p:sldId id="279" r:id="rId5"/>
+    <p:sldId id="280" r:id="rId6"/>
   </p:sldIdLst>
   <p:sldSz cx="9144000" cy="6858000" type="screen4x3"/>
   <p:notesSz cx="6858000" cy="9144000"/>
@@ -150,6 +144,40 @@
       </a:defRPr>
     </a:lvl9pPr>
   </p:defaultTextStyle>
+  <p:extLst>
+    <p:ext uri="{EFAFB233-063F-42B5-8137-9DF3F51BA10A}">
+      <p15:sldGuideLst xmlns:p15="http://schemas.microsoft.com/office/powerpoint/2012/main">
+        <p15:guide id="1" orient="horz" pos="2160">
+          <p15:clr>
+            <a:srgbClr val="A4A3A4"/>
+          </p15:clr>
+        </p15:guide>
+        <p15:guide id="2" orient="horz" pos="866">
+          <p15:clr>
+            <a:srgbClr val="A4A3A4"/>
+          </p15:clr>
+        </p15:guide>
+        <p15:guide id="3" pos="2880">
+          <p15:clr>
+            <a:srgbClr val="A4A3A4"/>
+          </p15:clr>
+        </p15:guide>
+        <p15:guide id="4" pos="476">
+          <p15:clr>
+            <a:srgbClr val="A4A3A4"/>
+          </p15:clr>
+        </p15:guide>
+        <p15:guide id="5" pos="1111">
+          <p15:clr>
+            <a:srgbClr val="A4A3A4"/>
+          </p15:clr>
+        </p15:guide>
+      </p15:sldGuideLst>
+    </p:ext>
+    <p:ext uri="{2D200454-40CA-4A62-9FC3-DE9A4176ACB9}">
+      <p15:notesGuideLst xmlns:p15="http://schemas.microsoft.com/office/powerpoint/2012/main"/>
+    </p:ext>
+  </p:extLst>
 </p:presentation>
 </file>
 
@@ -266,7 +294,7 @@
             <a:fld id="{373F1B60-BDF4-4D63-AD79-99D5A5B1DF99}" type="datetime1">
               <a:rPr lang="en-US"/>
               <a:pPr/>
-              <a:t>2/19/2013</a:t>
+              <a:t>12/12/2018</a:t>
             </a:fld>
             <a:endParaRPr lang="en-US"/>
           </a:p>
@@ -485,7 +513,7 @@
             <a:fld id="{4387A7AA-DFE9-4771-BEDE-3294FCEBFB02}" type="datetime1">
               <a:rPr lang="en-US"/>
               <a:pPr/>
-              <a:t>2/19/2013</a:t>
+              <a:t>12/12/2018</a:t>
             </a:fld>
             <a:endParaRPr lang="en-US"/>
           </a:p>
@@ -495,7 +523,7 @@
         <p:nvSpPr>
           <p:cNvPr id="50180" name="Rectangle 4"/>
           <p:cNvSpPr>
-            <a:spLocks noRot="1" noChangeArrowheads="1" noTextEdit="1"/>
+            <a:spLocks noGrp="1" noRot="1" noChangeAspect="1" noChangeArrowheads="1" noTextEdit="1"/>
           </p:cNvSpPr>
           <p:nvPr>
             <p:ph type="sldImg" idx="2"/>
@@ -876,7 +904,7 @@
             <a:fld id="{8541E2CD-DBF4-40F9-B6F8-EEFD0DF8A138}" type="datetime1">
               <a:rPr lang="en-US"/>
               <a:pPr/>
-              <a:t>2/19/2013</a:t>
+              <a:t>12/12/2018</a:t>
             </a:fld>
             <a:endParaRPr lang="en-US"/>
           </a:p>
@@ -936,7 +964,7 @@
         <p:nvSpPr>
           <p:cNvPr id="182274" name="Rectangle 2"/>
           <p:cNvSpPr>
-            <a:spLocks noRot="1" noChangeArrowheads="1" noTextEdit="1"/>
+            <a:spLocks noGrp="1" noRot="1" noChangeAspect="1" noChangeArrowheads="1" noTextEdit="1"/>
           </p:cNvSpPr>
           <p:nvPr>
             <p:ph type="sldImg"/>
@@ -966,1586 +994,11 @@
         </p:txBody>
       </p:sp>
     </p:spTree>
-  </p:cSld>
-  <p:clrMapOvr>
-    <a:masterClrMapping/>
-  </p:clrMapOvr>
-</p:notes>
-</file>
-
-<file path=ppt/notesSlides/notesSlide10.xml><?xml version="1.0" encoding="utf-8"?>
-<p:notes xmlns:a="http://schemas.openxmlformats.org/drawingml/2006/main" xmlns:r="http://schemas.openxmlformats.org/officeDocument/2006/relationships" xmlns:p="http://schemas.openxmlformats.org/presentationml/2006/main">
-  <p:cSld>
-    <p:spTree>
-      <p:nvGrpSpPr>
-        <p:cNvPr id="1" name=""/>
-        <p:cNvGrpSpPr/>
-        <p:nvPr/>
-      </p:nvGrpSpPr>
-      <p:grpSpPr>
-        <a:xfrm>
-          <a:off x="0" y="0"/>
-          <a:ext cx="0" cy="0"/>
-          <a:chOff x="0" y="0"/>
-          <a:chExt cx="0" cy="0"/>
-        </a:xfrm>
-      </p:grpSpPr>
-      <p:sp>
-        <p:nvSpPr>
-          <p:cNvPr id="4" name="Rectangle 2"/>
-          <p:cNvSpPr>
-            <a:spLocks noGrp="1" noChangeArrowheads="1"/>
-          </p:cNvSpPr>
-          <p:nvPr>
-            <p:ph type="hdr" sz="quarter"/>
-          </p:nvPr>
-        </p:nvSpPr>
-        <p:spPr>
-          <a:ln/>
-        </p:spPr>
-        <p:txBody>
-          <a:bodyPr/>
-          <a:lstStyle/>
-          <a:p>
-            <a:r>
-              <a:rPr lang="en-US"/>
-              <a:t>xxxxxxxxxxxxxxx</a:t>
-            </a:r>
-          </a:p>
-        </p:txBody>
-      </p:sp>
-      <p:sp>
-        <p:nvSpPr>
-          <p:cNvPr id="5" name="Rectangle 3"/>
-          <p:cNvSpPr>
-            <a:spLocks noGrp="1" noChangeArrowheads="1"/>
-          </p:cNvSpPr>
-          <p:nvPr>
-            <p:ph type="dt" idx="1"/>
-          </p:nvPr>
-        </p:nvSpPr>
-        <p:spPr>
-          <a:ln/>
-        </p:spPr>
-        <p:txBody>
-          <a:bodyPr/>
-          <a:lstStyle/>
-          <a:p>
-            <a:fld id="{A3734206-9E0D-45A8-9A9C-E9E820231454}" type="datetime1">
-              <a:rPr lang="en-US"/>
-              <a:pPr/>
-              <a:t>2/19/2013</a:t>
-            </a:fld>
-            <a:endParaRPr lang="en-US"/>
-          </a:p>
-        </p:txBody>
-      </p:sp>
-      <p:sp>
-        <p:nvSpPr>
-          <p:cNvPr id="6" name="Rectangle 6"/>
-          <p:cNvSpPr>
-            <a:spLocks noGrp="1" noChangeArrowheads="1"/>
-          </p:cNvSpPr>
-          <p:nvPr>
-            <p:ph type="ftr" sz="quarter" idx="4"/>
-          </p:nvPr>
-        </p:nvSpPr>
-        <p:spPr>
-          <a:ln/>
-        </p:spPr>
-        <p:txBody>
-          <a:bodyPr/>
-          <a:lstStyle/>
-          <a:p>
-            <a:r>
-              <a:rPr lang="en-US"/>
-              <a:t>xxxxxxxxxxxxx</a:t>
-            </a:r>
-          </a:p>
-        </p:txBody>
-      </p:sp>
-      <p:sp>
-        <p:nvSpPr>
-          <p:cNvPr id="7" name="Rectangle 7"/>
-          <p:cNvSpPr>
-            <a:spLocks noGrp="1" noChangeArrowheads="1"/>
-          </p:cNvSpPr>
-          <p:nvPr>
-            <p:ph type="sldNum" sz="quarter" idx="5"/>
-          </p:nvPr>
-        </p:nvSpPr>
-        <p:spPr>
-          <a:ln/>
-        </p:spPr>
-        <p:txBody>
-          <a:bodyPr/>
-          <a:lstStyle/>
-          <a:p>
-            <a:fld id="{3E24F508-BEE9-43B6-9C9C-05A1D82BD706}" type="slidenum">
-              <a:rPr lang="en-US"/>
-              <a:pPr/>
-              <a:t>10</a:t>
-            </a:fld>
-            <a:endParaRPr lang="en-US"/>
-          </a:p>
-        </p:txBody>
-      </p:sp>
-      <p:sp>
-        <p:nvSpPr>
-          <p:cNvPr id="191490" name="Rectangle 2"/>
-          <p:cNvSpPr>
-            <a:spLocks noRot="1" noChangeArrowheads="1" noTextEdit="1"/>
-          </p:cNvSpPr>
-          <p:nvPr>
-            <p:ph type="sldImg"/>
-          </p:nvPr>
-        </p:nvSpPr>
-        <p:spPr>
-          <a:ln/>
-        </p:spPr>
-      </p:sp>
-      <p:sp>
-        <p:nvSpPr>
-          <p:cNvPr id="191491" name="Rectangle 3"/>
-          <p:cNvSpPr>
-            <a:spLocks noGrp="1" noChangeArrowheads="1"/>
-          </p:cNvSpPr>
-          <p:nvPr>
-            <p:ph type="body" idx="1"/>
-          </p:nvPr>
-        </p:nvSpPr>
-        <p:spPr/>
-        <p:txBody>
-          <a:bodyPr/>
-          <a:lstStyle/>
-          <a:p>
-            <a:endParaRPr lang="nl-NL"/>
-          </a:p>
-        </p:txBody>
-      </p:sp>
-    </p:spTree>
-  </p:cSld>
-  <p:clrMapOvr>
-    <a:masterClrMapping/>
-  </p:clrMapOvr>
-</p:notes>
-</file>
-
-<file path=ppt/notesSlides/notesSlide11.xml><?xml version="1.0" encoding="utf-8"?>
-<p:notes xmlns:a="http://schemas.openxmlformats.org/drawingml/2006/main" xmlns:r="http://schemas.openxmlformats.org/officeDocument/2006/relationships" xmlns:p="http://schemas.openxmlformats.org/presentationml/2006/main">
-  <p:cSld>
-    <p:spTree>
-      <p:nvGrpSpPr>
-        <p:cNvPr id="1" name=""/>
-        <p:cNvGrpSpPr/>
-        <p:nvPr/>
-      </p:nvGrpSpPr>
-      <p:grpSpPr>
-        <a:xfrm>
-          <a:off x="0" y="0"/>
-          <a:ext cx="0" cy="0"/>
-          <a:chOff x="0" y="0"/>
-          <a:chExt cx="0" cy="0"/>
-        </a:xfrm>
-      </p:grpSpPr>
-      <p:sp>
-        <p:nvSpPr>
-          <p:cNvPr id="4" name="Rectangle 2"/>
-          <p:cNvSpPr>
-            <a:spLocks noGrp="1" noChangeArrowheads="1"/>
-          </p:cNvSpPr>
-          <p:nvPr>
-            <p:ph type="hdr" sz="quarter"/>
-          </p:nvPr>
-        </p:nvSpPr>
-        <p:spPr>
-          <a:ln/>
-        </p:spPr>
-        <p:txBody>
-          <a:bodyPr/>
-          <a:lstStyle/>
-          <a:p>
-            <a:r>
-              <a:rPr lang="en-US"/>
-              <a:t>xxxxxxxxxxxxxxx</a:t>
-            </a:r>
-          </a:p>
-        </p:txBody>
-      </p:sp>
-      <p:sp>
-        <p:nvSpPr>
-          <p:cNvPr id="5" name="Rectangle 3"/>
-          <p:cNvSpPr>
-            <a:spLocks noGrp="1" noChangeArrowheads="1"/>
-          </p:cNvSpPr>
-          <p:nvPr>
-            <p:ph type="dt" idx="1"/>
-          </p:nvPr>
-        </p:nvSpPr>
-        <p:spPr>
-          <a:ln/>
-        </p:spPr>
-        <p:txBody>
-          <a:bodyPr/>
-          <a:lstStyle/>
-          <a:p>
-            <a:fld id="{E01E3979-3EA1-4091-9A9F-0CDBD48FB10C}" type="datetime1">
-              <a:rPr lang="en-US"/>
-              <a:pPr/>
-              <a:t>2/19/2013</a:t>
-            </a:fld>
-            <a:endParaRPr lang="en-US"/>
-          </a:p>
-        </p:txBody>
-      </p:sp>
-      <p:sp>
-        <p:nvSpPr>
-          <p:cNvPr id="6" name="Rectangle 6"/>
-          <p:cNvSpPr>
-            <a:spLocks noGrp="1" noChangeArrowheads="1"/>
-          </p:cNvSpPr>
-          <p:nvPr>
-            <p:ph type="ftr" sz="quarter" idx="4"/>
-          </p:nvPr>
-        </p:nvSpPr>
-        <p:spPr>
-          <a:ln/>
-        </p:spPr>
-        <p:txBody>
-          <a:bodyPr/>
-          <a:lstStyle/>
-          <a:p>
-            <a:r>
-              <a:rPr lang="en-US"/>
-              <a:t>xxxxxxxxxxxxx</a:t>
-            </a:r>
-          </a:p>
-        </p:txBody>
-      </p:sp>
-      <p:sp>
-        <p:nvSpPr>
-          <p:cNvPr id="7" name="Rectangle 7"/>
-          <p:cNvSpPr>
-            <a:spLocks noGrp="1" noChangeArrowheads="1"/>
-          </p:cNvSpPr>
-          <p:nvPr>
-            <p:ph type="sldNum" sz="quarter" idx="5"/>
-          </p:nvPr>
-        </p:nvSpPr>
-        <p:spPr>
-          <a:ln/>
-        </p:spPr>
-        <p:txBody>
-          <a:bodyPr/>
-          <a:lstStyle/>
-          <a:p>
-            <a:fld id="{66654B76-19AB-4A8A-A997-35CF46824B95}" type="slidenum">
-              <a:rPr lang="en-US"/>
-              <a:pPr/>
-              <a:t>11</a:t>
-            </a:fld>
-            <a:endParaRPr lang="en-US"/>
-          </a:p>
-        </p:txBody>
-      </p:sp>
-      <p:sp>
-        <p:nvSpPr>
-          <p:cNvPr id="192514" name="Rectangle 2"/>
-          <p:cNvSpPr>
-            <a:spLocks noRot="1" noChangeArrowheads="1" noTextEdit="1"/>
-          </p:cNvSpPr>
-          <p:nvPr>
-            <p:ph type="sldImg"/>
-          </p:nvPr>
-        </p:nvSpPr>
-        <p:spPr>
-          <a:ln/>
-        </p:spPr>
-      </p:sp>
-      <p:sp>
-        <p:nvSpPr>
-          <p:cNvPr id="192515" name="Rectangle 3"/>
-          <p:cNvSpPr>
-            <a:spLocks noGrp="1" noChangeArrowheads="1"/>
-          </p:cNvSpPr>
-          <p:nvPr>
-            <p:ph type="body" idx="1"/>
-          </p:nvPr>
-        </p:nvSpPr>
-        <p:spPr/>
-        <p:txBody>
-          <a:bodyPr/>
-          <a:lstStyle/>
-          <a:p>
-            <a:endParaRPr lang="nl-NL"/>
-          </a:p>
-        </p:txBody>
-      </p:sp>
-    </p:spTree>
-  </p:cSld>
-  <p:clrMapOvr>
-    <a:masterClrMapping/>
-  </p:clrMapOvr>
-</p:notes>
-</file>
-
-<file path=ppt/notesSlides/notesSlide2.xml><?xml version="1.0" encoding="utf-8"?>
-<p:notes xmlns:a="http://schemas.openxmlformats.org/drawingml/2006/main" xmlns:r="http://schemas.openxmlformats.org/officeDocument/2006/relationships" xmlns:p="http://schemas.openxmlformats.org/presentationml/2006/main">
-  <p:cSld>
-    <p:spTree>
-      <p:nvGrpSpPr>
-        <p:cNvPr id="1" name=""/>
-        <p:cNvGrpSpPr/>
-        <p:nvPr/>
-      </p:nvGrpSpPr>
-      <p:grpSpPr>
-        <a:xfrm>
-          <a:off x="0" y="0"/>
-          <a:ext cx="0" cy="0"/>
-          <a:chOff x="0" y="0"/>
-          <a:chExt cx="0" cy="0"/>
-        </a:xfrm>
-      </p:grpSpPr>
-      <p:sp>
-        <p:nvSpPr>
-          <p:cNvPr id="4" name="Rectangle 2"/>
-          <p:cNvSpPr>
-            <a:spLocks noGrp="1" noChangeArrowheads="1"/>
-          </p:cNvSpPr>
-          <p:nvPr>
-            <p:ph type="hdr" sz="quarter"/>
-          </p:nvPr>
-        </p:nvSpPr>
-        <p:spPr>
-          <a:ln/>
-        </p:spPr>
-        <p:txBody>
-          <a:bodyPr/>
-          <a:lstStyle/>
-          <a:p>
-            <a:r>
-              <a:rPr lang="en-US"/>
-              <a:t>xxxxxxxxxxxxxxx</a:t>
-            </a:r>
-          </a:p>
-        </p:txBody>
-      </p:sp>
-      <p:sp>
-        <p:nvSpPr>
-          <p:cNvPr id="5" name="Rectangle 3"/>
-          <p:cNvSpPr>
-            <a:spLocks noGrp="1" noChangeArrowheads="1"/>
-          </p:cNvSpPr>
-          <p:nvPr>
-            <p:ph type="dt" idx="1"/>
-          </p:nvPr>
-        </p:nvSpPr>
-        <p:spPr>
-          <a:ln/>
-        </p:spPr>
-        <p:txBody>
-          <a:bodyPr/>
-          <a:lstStyle/>
-          <a:p>
-            <a:fld id="{D75D9CB6-A154-4961-BE96-B8A670095A3E}" type="datetime1">
-              <a:rPr lang="en-US"/>
-              <a:pPr/>
-              <a:t>2/19/2013</a:t>
-            </a:fld>
-            <a:endParaRPr lang="en-US"/>
-          </a:p>
-        </p:txBody>
-      </p:sp>
-      <p:sp>
-        <p:nvSpPr>
-          <p:cNvPr id="6" name="Rectangle 6"/>
-          <p:cNvSpPr>
-            <a:spLocks noGrp="1" noChangeArrowheads="1"/>
-          </p:cNvSpPr>
-          <p:nvPr>
-            <p:ph type="ftr" sz="quarter" idx="4"/>
-          </p:nvPr>
-        </p:nvSpPr>
-        <p:spPr>
-          <a:ln/>
-        </p:spPr>
-        <p:txBody>
-          <a:bodyPr/>
-          <a:lstStyle/>
-          <a:p>
-            <a:r>
-              <a:rPr lang="en-US"/>
-              <a:t>xxxxxxxxxxxxx</a:t>
-            </a:r>
-          </a:p>
-        </p:txBody>
-      </p:sp>
-      <p:sp>
-        <p:nvSpPr>
-          <p:cNvPr id="7" name="Rectangle 7"/>
-          <p:cNvSpPr>
-            <a:spLocks noGrp="1" noChangeArrowheads="1"/>
-          </p:cNvSpPr>
-          <p:nvPr>
-            <p:ph type="sldNum" sz="quarter" idx="5"/>
-          </p:nvPr>
-        </p:nvSpPr>
-        <p:spPr>
-          <a:ln/>
-        </p:spPr>
-        <p:txBody>
-          <a:bodyPr/>
-          <a:lstStyle/>
-          <a:p>
-            <a:fld id="{9670D17F-B3A3-4718-8A92-DA29315C8C76}" type="slidenum">
-              <a:rPr lang="en-US"/>
-              <a:pPr/>
-              <a:t>2</a:t>
-            </a:fld>
-            <a:endParaRPr lang="en-US"/>
-          </a:p>
-        </p:txBody>
-      </p:sp>
-      <p:sp>
-        <p:nvSpPr>
-          <p:cNvPr id="183298" name="Rectangle 2"/>
-          <p:cNvSpPr>
-            <a:spLocks noRot="1" noChangeArrowheads="1" noTextEdit="1"/>
-          </p:cNvSpPr>
-          <p:nvPr>
-            <p:ph type="sldImg"/>
-          </p:nvPr>
-        </p:nvSpPr>
-        <p:spPr>
-          <a:ln/>
-        </p:spPr>
-      </p:sp>
-      <p:sp>
-        <p:nvSpPr>
-          <p:cNvPr id="183299" name="Rectangle 3"/>
-          <p:cNvSpPr>
-            <a:spLocks noGrp="1" noChangeArrowheads="1"/>
-          </p:cNvSpPr>
-          <p:nvPr>
-            <p:ph type="body" idx="1"/>
-          </p:nvPr>
-        </p:nvSpPr>
-        <p:spPr/>
-        <p:txBody>
-          <a:bodyPr/>
-          <a:lstStyle/>
-          <a:p>
-            <a:endParaRPr lang="nl-NL"/>
-          </a:p>
-        </p:txBody>
-      </p:sp>
-    </p:spTree>
-  </p:cSld>
-  <p:clrMapOvr>
-    <a:masterClrMapping/>
-  </p:clrMapOvr>
-</p:notes>
-</file>
-
-<file path=ppt/notesSlides/notesSlide3.xml><?xml version="1.0" encoding="utf-8"?>
-<p:notes xmlns:a="http://schemas.openxmlformats.org/drawingml/2006/main" xmlns:r="http://schemas.openxmlformats.org/officeDocument/2006/relationships" xmlns:p="http://schemas.openxmlformats.org/presentationml/2006/main">
-  <p:cSld>
-    <p:spTree>
-      <p:nvGrpSpPr>
-        <p:cNvPr id="1" name=""/>
-        <p:cNvGrpSpPr/>
-        <p:nvPr/>
-      </p:nvGrpSpPr>
-      <p:grpSpPr>
-        <a:xfrm>
-          <a:off x="0" y="0"/>
-          <a:ext cx="0" cy="0"/>
-          <a:chOff x="0" y="0"/>
-          <a:chExt cx="0" cy="0"/>
-        </a:xfrm>
-      </p:grpSpPr>
-      <p:sp>
-        <p:nvSpPr>
-          <p:cNvPr id="4" name="Rectangle 2"/>
-          <p:cNvSpPr>
-            <a:spLocks noGrp="1" noChangeArrowheads="1"/>
-          </p:cNvSpPr>
-          <p:nvPr>
-            <p:ph type="hdr" sz="quarter"/>
-          </p:nvPr>
-        </p:nvSpPr>
-        <p:spPr>
-          <a:ln/>
-        </p:spPr>
-        <p:txBody>
-          <a:bodyPr/>
-          <a:lstStyle/>
-          <a:p>
-            <a:r>
-              <a:rPr lang="en-US"/>
-              <a:t>xxxxxxxxxxxxxxx</a:t>
-            </a:r>
-          </a:p>
-        </p:txBody>
-      </p:sp>
-      <p:sp>
-        <p:nvSpPr>
-          <p:cNvPr id="5" name="Rectangle 3"/>
-          <p:cNvSpPr>
-            <a:spLocks noGrp="1" noChangeArrowheads="1"/>
-          </p:cNvSpPr>
-          <p:nvPr>
-            <p:ph type="dt" idx="1"/>
-          </p:nvPr>
-        </p:nvSpPr>
-        <p:spPr>
-          <a:ln/>
-        </p:spPr>
-        <p:txBody>
-          <a:bodyPr/>
-          <a:lstStyle/>
-          <a:p>
-            <a:fld id="{FE64602E-BCD2-4C79-9F9B-2C05BD27637D}" type="datetime1">
-              <a:rPr lang="en-US"/>
-              <a:pPr/>
-              <a:t>2/19/2013</a:t>
-            </a:fld>
-            <a:endParaRPr lang="en-US"/>
-          </a:p>
-        </p:txBody>
-      </p:sp>
-      <p:sp>
-        <p:nvSpPr>
-          <p:cNvPr id="6" name="Rectangle 6"/>
-          <p:cNvSpPr>
-            <a:spLocks noGrp="1" noChangeArrowheads="1"/>
-          </p:cNvSpPr>
-          <p:nvPr>
-            <p:ph type="ftr" sz="quarter" idx="4"/>
-          </p:nvPr>
-        </p:nvSpPr>
-        <p:spPr>
-          <a:ln/>
-        </p:spPr>
-        <p:txBody>
-          <a:bodyPr/>
-          <a:lstStyle/>
-          <a:p>
-            <a:r>
-              <a:rPr lang="en-US"/>
-              <a:t>xxxxxxxxxxxxx</a:t>
-            </a:r>
-          </a:p>
-        </p:txBody>
-      </p:sp>
-      <p:sp>
-        <p:nvSpPr>
-          <p:cNvPr id="7" name="Rectangle 7"/>
-          <p:cNvSpPr>
-            <a:spLocks noGrp="1" noChangeArrowheads="1"/>
-          </p:cNvSpPr>
-          <p:nvPr>
-            <p:ph type="sldNum" sz="quarter" idx="5"/>
-          </p:nvPr>
-        </p:nvSpPr>
-        <p:spPr>
-          <a:ln/>
-        </p:spPr>
-        <p:txBody>
-          <a:bodyPr/>
-          <a:lstStyle/>
-          <a:p>
-            <a:fld id="{CDD309D1-08CF-441E-9DB4-960ECFE49892}" type="slidenum">
-              <a:rPr lang="en-US"/>
-              <a:pPr/>
-              <a:t>3</a:t>
-            </a:fld>
-            <a:endParaRPr lang="en-US"/>
-          </a:p>
-        </p:txBody>
-      </p:sp>
-      <p:sp>
-        <p:nvSpPr>
-          <p:cNvPr id="184322" name="Rectangle 2"/>
-          <p:cNvSpPr>
-            <a:spLocks noRot="1" noChangeArrowheads="1" noTextEdit="1"/>
-          </p:cNvSpPr>
-          <p:nvPr>
-            <p:ph type="sldImg"/>
-          </p:nvPr>
-        </p:nvSpPr>
-        <p:spPr>
-          <a:ln/>
-        </p:spPr>
-      </p:sp>
-      <p:sp>
-        <p:nvSpPr>
-          <p:cNvPr id="184323" name="Rectangle 3"/>
-          <p:cNvSpPr>
-            <a:spLocks noGrp="1" noChangeArrowheads="1"/>
-          </p:cNvSpPr>
-          <p:nvPr>
-            <p:ph type="body" idx="1"/>
-          </p:nvPr>
-        </p:nvSpPr>
-        <p:spPr/>
-        <p:txBody>
-          <a:bodyPr/>
-          <a:lstStyle/>
-          <a:p>
-            <a:endParaRPr lang="nl-NL"/>
-          </a:p>
-        </p:txBody>
-      </p:sp>
-    </p:spTree>
-  </p:cSld>
-  <p:clrMapOvr>
-    <a:masterClrMapping/>
-  </p:clrMapOvr>
-</p:notes>
-</file>
-
-<file path=ppt/notesSlides/notesSlide4.xml><?xml version="1.0" encoding="utf-8"?>
-<p:notes xmlns:a="http://schemas.openxmlformats.org/drawingml/2006/main" xmlns:r="http://schemas.openxmlformats.org/officeDocument/2006/relationships" xmlns:p="http://schemas.openxmlformats.org/presentationml/2006/main">
-  <p:cSld>
-    <p:spTree>
-      <p:nvGrpSpPr>
-        <p:cNvPr id="1" name=""/>
-        <p:cNvGrpSpPr/>
-        <p:nvPr/>
-      </p:nvGrpSpPr>
-      <p:grpSpPr>
-        <a:xfrm>
-          <a:off x="0" y="0"/>
-          <a:ext cx="0" cy="0"/>
-          <a:chOff x="0" y="0"/>
-          <a:chExt cx="0" cy="0"/>
-        </a:xfrm>
-      </p:grpSpPr>
-      <p:sp>
-        <p:nvSpPr>
-          <p:cNvPr id="4" name="Rectangle 2"/>
-          <p:cNvSpPr>
-            <a:spLocks noGrp="1" noChangeArrowheads="1"/>
-          </p:cNvSpPr>
-          <p:nvPr>
-            <p:ph type="hdr" sz="quarter"/>
-          </p:nvPr>
-        </p:nvSpPr>
-        <p:spPr>
-          <a:ln/>
-        </p:spPr>
-        <p:txBody>
-          <a:bodyPr/>
-          <a:lstStyle/>
-          <a:p>
-            <a:r>
-              <a:rPr lang="en-US"/>
-              <a:t>xxxxxxxxxxxxxxx</a:t>
-            </a:r>
-          </a:p>
-        </p:txBody>
-      </p:sp>
-      <p:sp>
-        <p:nvSpPr>
-          <p:cNvPr id="5" name="Rectangle 3"/>
-          <p:cNvSpPr>
-            <a:spLocks noGrp="1" noChangeArrowheads="1"/>
-          </p:cNvSpPr>
-          <p:nvPr>
-            <p:ph type="dt" idx="1"/>
-          </p:nvPr>
-        </p:nvSpPr>
-        <p:spPr>
-          <a:ln/>
-        </p:spPr>
-        <p:txBody>
-          <a:bodyPr/>
-          <a:lstStyle/>
-          <a:p>
-            <a:fld id="{3A9285C3-5D65-4A73-97EF-F314E52DFB4D}" type="datetime1">
-              <a:rPr lang="en-US"/>
-              <a:pPr/>
-              <a:t>2/19/2013</a:t>
-            </a:fld>
-            <a:endParaRPr lang="en-US"/>
-          </a:p>
-        </p:txBody>
-      </p:sp>
-      <p:sp>
-        <p:nvSpPr>
-          <p:cNvPr id="6" name="Rectangle 6"/>
-          <p:cNvSpPr>
-            <a:spLocks noGrp="1" noChangeArrowheads="1"/>
-          </p:cNvSpPr>
-          <p:nvPr>
-            <p:ph type="ftr" sz="quarter" idx="4"/>
-          </p:nvPr>
-        </p:nvSpPr>
-        <p:spPr>
-          <a:ln/>
-        </p:spPr>
-        <p:txBody>
-          <a:bodyPr/>
-          <a:lstStyle/>
-          <a:p>
-            <a:r>
-              <a:rPr lang="en-US"/>
-              <a:t>xxxxxxxxxxxxx</a:t>
-            </a:r>
-          </a:p>
-        </p:txBody>
-      </p:sp>
-      <p:sp>
-        <p:nvSpPr>
-          <p:cNvPr id="7" name="Rectangle 7"/>
-          <p:cNvSpPr>
-            <a:spLocks noGrp="1" noChangeArrowheads="1"/>
-          </p:cNvSpPr>
-          <p:nvPr>
-            <p:ph type="sldNum" sz="quarter" idx="5"/>
-          </p:nvPr>
-        </p:nvSpPr>
-        <p:spPr>
-          <a:ln/>
-        </p:spPr>
-        <p:txBody>
-          <a:bodyPr/>
-          <a:lstStyle/>
-          <a:p>
-            <a:fld id="{228D5BC3-B994-462F-A11D-9C2A0A52EDDD}" type="slidenum">
-              <a:rPr lang="en-US"/>
-              <a:pPr/>
-              <a:t>4</a:t>
-            </a:fld>
-            <a:endParaRPr lang="en-US"/>
-          </a:p>
-        </p:txBody>
-      </p:sp>
-      <p:sp>
-        <p:nvSpPr>
-          <p:cNvPr id="185346" name="Rectangle 2"/>
-          <p:cNvSpPr>
-            <a:spLocks noRot="1" noChangeArrowheads="1" noTextEdit="1"/>
-          </p:cNvSpPr>
-          <p:nvPr>
-            <p:ph type="sldImg"/>
-          </p:nvPr>
-        </p:nvSpPr>
-        <p:spPr>
-          <a:ln/>
-        </p:spPr>
-      </p:sp>
-      <p:sp>
-        <p:nvSpPr>
-          <p:cNvPr id="185347" name="Rectangle 3"/>
-          <p:cNvSpPr>
-            <a:spLocks noGrp="1" noChangeArrowheads="1"/>
-          </p:cNvSpPr>
-          <p:nvPr>
-            <p:ph type="body" idx="1"/>
-          </p:nvPr>
-        </p:nvSpPr>
-        <p:spPr/>
-        <p:txBody>
-          <a:bodyPr/>
-          <a:lstStyle/>
-          <a:p>
-            <a:endParaRPr lang="nl-NL"/>
-          </a:p>
-        </p:txBody>
-      </p:sp>
-    </p:spTree>
-  </p:cSld>
-  <p:clrMapOvr>
-    <a:masterClrMapping/>
-  </p:clrMapOvr>
-</p:notes>
-</file>
-
-<file path=ppt/notesSlides/notesSlide5.xml><?xml version="1.0" encoding="utf-8"?>
-<p:notes xmlns:a="http://schemas.openxmlformats.org/drawingml/2006/main" xmlns:r="http://schemas.openxmlformats.org/officeDocument/2006/relationships" xmlns:p="http://schemas.openxmlformats.org/presentationml/2006/main">
-  <p:cSld>
-    <p:spTree>
-      <p:nvGrpSpPr>
-        <p:cNvPr id="1" name=""/>
-        <p:cNvGrpSpPr/>
-        <p:nvPr/>
-      </p:nvGrpSpPr>
-      <p:grpSpPr>
-        <a:xfrm>
-          <a:off x="0" y="0"/>
-          <a:ext cx="0" cy="0"/>
-          <a:chOff x="0" y="0"/>
-          <a:chExt cx="0" cy="0"/>
-        </a:xfrm>
-      </p:grpSpPr>
-      <p:sp>
-        <p:nvSpPr>
-          <p:cNvPr id="4" name="Rectangle 2"/>
-          <p:cNvSpPr>
-            <a:spLocks noGrp="1" noChangeArrowheads="1"/>
-          </p:cNvSpPr>
-          <p:nvPr>
-            <p:ph type="hdr" sz="quarter"/>
-          </p:nvPr>
-        </p:nvSpPr>
-        <p:spPr>
-          <a:ln/>
-        </p:spPr>
-        <p:txBody>
-          <a:bodyPr/>
-          <a:lstStyle/>
-          <a:p>
-            <a:r>
-              <a:rPr lang="en-US"/>
-              <a:t>xxxxxxxxxxxxxxx</a:t>
-            </a:r>
-          </a:p>
-        </p:txBody>
-      </p:sp>
-      <p:sp>
-        <p:nvSpPr>
-          <p:cNvPr id="5" name="Rectangle 3"/>
-          <p:cNvSpPr>
-            <a:spLocks noGrp="1" noChangeArrowheads="1"/>
-          </p:cNvSpPr>
-          <p:nvPr>
-            <p:ph type="dt" idx="1"/>
-          </p:nvPr>
-        </p:nvSpPr>
-        <p:spPr>
-          <a:ln/>
-        </p:spPr>
-        <p:txBody>
-          <a:bodyPr/>
-          <a:lstStyle/>
-          <a:p>
-            <a:fld id="{A4B8657F-9B7B-42B4-A71A-56C1FB299691}" type="datetime1">
-              <a:rPr lang="en-US"/>
-              <a:pPr/>
-              <a:t>2/19/2013</a:t>
-            </a:fld>
-            <a:endParaRPr lang="en-US"/>
-          </a:p>
-        </p:txBody>
-      </p:sp>
-      <p:sp>
-        <p:nvSpPr>
-          <p:cNvPr id="6" name="Rectangle 6"/>
-          <p:cNvSpPr>
-            <a:spLocks noGrp="1" noChangeArrowheads="1"/>
-          </p:cNvSpPr>
-          <p:nvPr>
-            <p:ph type="ftr" sz="quarter" idx="4"/>
-          </p:nvPr>
-        </p:nvSpPr>
-        <p:spPr>
-          <a:ln/>
-        </p:spPr>
-        <p:txBody>
-          <a:bodyPr/>
-          <a:lstStyle/>
-          <a:p>
-            <a:r>
-              <a:rPr lang="en-US"/>
-              <a:t>xxxxxxxxxxxxx</a:t>
-            </a:r>
-          </a:p>
-        </p:txBody>
-      </p:sp>
-      <p:sp>
-        <p:nvSpPr>
-          <p:cNvPr id="7" name="Rectangle 7"/>
-          <p:cNvSpPr>
-            <a:spLocks noGrp="1" noChangeArrowheads="1"/>
-          </p:cNvSpPr>
-          <p:nvPr>
-            <p:ph type="sldNum" sz="quarter" idx="5"/>
-          </p:nvPr>
-        </p:nvSpPr>
-        <p:spPr>
-          <a:ln/>
-        </p:spPr>
-        <p:txBody>
-          <a:bodyPr/>
-          <a:lstStyle/>
-          <a:p>
-            <a:fld id="{98A3F1F1-1BE1-4826-8E66-04F9BEBFBA7E}" type="slidenum">
-              <a:rPr lang="en-US"/>
-              <a:pPr/>
-              <a:t>5</a:t>
-            </a:fld>
-            <a:endParaRPr lang="en-US"/>
-          </a:p>
-        </p:txBody>
-      </p:sp>
-      <p:sp>
-        <p:nvSpPr>
-          <p:cNvPr id="186370" name="Rectangle 2"/>
-          <p:cNvSpPr>
-            <a:spLocks noRot="1" noChangeArrowheads="1" noTextEdit="1"/>
-          </p:cNvSpPr>
-          <p:nvPr>
-            <p:ph type="sldImg"/>
-          </p:nvPr>
-        </p:nvSpPr>
-        <p:spPr>
-          <a:ln/>
-        </p:spPr>
-      </p:sp>
-      <p:sp>
-        <p:nvSpPr>
-          <p:cNvPr id="186371" name="Rectangle 3"/>
-          <p:cNvSpPr>
-            <a:spLocks noGrp="1" noChangeArrowheads="1"/>
-          </p:cNvSpPr>
-          <p:nvPr>
-            <p:ph type="body" idx="1"/>
-          </p:nvPr>
-        </p:nvSpPr>
-        <p:spPr/>
-        <p:txBody>
-          <a:bodyPr/>
-          <a:lstStyle/>
-          <a:p>
-            <a:endParaRPr lang="nl-NL"/>
-          </a:p>
-        </p:txBody>
-      </p:sp>
-    </p:spTree>
-  </p:cSld>
-  <p:clrMapOvr>
-    <a:masterClrMapping/>
-  </p:clrMapOvr>
-</p:notes>
-</file>
-
-<file path=ppt/notesSlides/notesSlide6.xml><?xml version="1.0" encoding="utf-8"?>
-<p:notes xmlns:a="http://schemas.openxmlformats.org/drawingml/2006/main" xmlns:r="http://schemas.openxmlformats.org/officeDocument/2006/relationships" xmlns:p="http://schemas.openxmlformats.org/presentationml/2006/main">
-  <p:cSld>
-    <p:spTree>
-      <p:nvGrpSpPr>
-        <p:cNvPr id="1" name=""/>
-        <p:cNvGrpSpPr/>
-        <p:nvPr/>
-      </p:nvGrpSpPr>
-      <p:grpSpPr>
-        <a:xfrm>
-          <a:off x="0" y="0"/>
-          <a:ext cx="0" cy="0"/>
-          <a:chOff x="0" y="0"/>
-          <a:chExt cx="0" cy="0"/>
-        </a:xfrm>
-      </p:grpSpPr>
-      <p:sp>
-        <p:nvSpPr>
-          <p:cNvPr id="4" name="Rectangle 2"/>
-          <p:cNvSpPr>
-            <a:spLocks noGrp="1" noChangeArrowheads="1"/>
-          </p:cNvSpPr>
-          <p:nvPr>
-            <p:ph type="hdr" sz="quarter"/>
-          </p:nvPr>
-        </p:nvSpPr>
-        <p:spPr>
-          <a:ln/>
-        </p:spPr>
-        <p:txBody>
-          <a:bodyPr/>
-          <a:lstStyle/>
-          <a:p>
-            <a:r>
-              <a:rPr lang="en-US"/>
-              <a:t>xxxxxxxxxxxxxxx</a:t>
-            </a:r>
-          </a:p>
-        </p:txBody>
-      </p:sp>
-      <p:sp>
-        <p:nvSpPr>
-          <p:cNvPr id="5" name="Rectangle 3"/>
-          <p:cNvSpPr>
-            <a:spLocks noGrp="1" noChangeArrowheads="1"/>
-          </p:cNvSpPr>
-          <p:nvPr>
-            <p:ph type="dt" idx="1"/>
-          </p:nvPr>
-        </p:nvSpPr>
-        <p:spPr>
-          <a:ln/>
-        </p:spPr>
-        <p:txBody>
-          <a:bodyPr/>
-          <a:lstStyle/>
-          <a:p>
-            <a:fld id="{2A04ECD9-CD1F-48DC-A3FA-02E8247F768F}" type="datetime1">
-              <a:rPr lang="en-US"/>
-              <a:pPr/>
-              <a:t>2/19/2013</a:t>
-            </a:fld>
-            <a:endParaRPr lang="en-US"/>
-          </a:p>
-        </p:txBody>
-      </p:sp>
-      <p:sp>
-        <p:nvSpPr>
-          <p:cNvPr id="6" name="Rectangle 6"/>
-          <p:cNvSpPr>
-            <a:spLocks noGrp="1" noChangeArrowheads="1"/>
-          </p:cNvSpPr>
-          <p:nvPr>
-            <p:ph type="ftr" sz="quarter" idx="4"/>
-          </p:nvPr>
-        </p:nvSpPr>
-        <p:spPr>
-          <a:ln/>
-        </p:spPr>
-        <p:txBody>
-          <a:bodyPr/>
-          <a:lstStyle/>
-          <a:p>
-            <a:r>
-              <a:rPr lang="en-US"/>
-              <a:t>xxxxxxxxxxxxx</a:t>
-            </a:r>
-          </a:p>
-        </p:txBody>
-      </p:sp>
-      <p:sp>
-        <p:nvSpPr>
-          <p:cNvPr id="7" name="Rectangle 7"/>
-          <p:cNvSpPr>
-            <a:spLocks noGrp="1" noChangeArrowheads="1"/>
-          </p:cNvSpPr>
-          <p:nvPr>
-            <p:ph type="sldNum" sz="quarter" idx="5"/>
-          </p:nvPr>
-        </p:nvSpPr>
-        <p:spPr>
-          <a:ln/>
-        </p:spPr>
-        <p:txBody>
-          <a:bodyPr/>
-          <a:lstStyle/>
-          <a:p>
-            <a:fld id="{A54D6D3A-60B6-4E2F-96FF-5A0A1570CE34}" type="slidenum">
-              <a:rPr lang="en-US"/>
-              <a:pPr/>
-              <a:t>6</a:t>
-            </a:fld>
-            <a:endParaRPr lang="en-US"/>
-          </a:p>
-        </p:txBody>
-      </p:sp>
-      <p:sp>
-        <p:nvSpPr>
-          <p:cNvPr id="187394" name="Rectangle 2"/>
-          <p:cNvSpPr>
-            <a:spLocks noRot="1" noChangeArrowheads="1" noTextEdit="1"/>
-          </p:cNvSpPr>
-          <p:nvPr>
-            <p:ph type="sldImg"/>
-          </p:nvPr>
-        </p:nvSpPr>
-        <p:spPr>
-          <a:ln/>
-        </p:spPr>
-      </p:sp>
-      <p:sp>
-        <p:nvSpPr>
-          <p:cNvPr id="187395" name="Rectangle 3"/>
-          <p:cNvSpPr>
-            <a:spLocks noGrp="1" noChangeArrowheads="1"/>
-          </p:cNvSpPr>
-          <p:nvPr>
-            <p:ph type="body" idx="1"/>
-          </p:nvPr>
-        </p:nvSpPr>
-        <p:spPr/>
-        <p:txBody>
-          <a:bodyPr/>
-          <a:lstStyle/>
-          <a:p>
-            <a:endParaRPr lang="nl-NL"/>
-          </a:p>
-        </p:txBody>
-      </p:sp>
-    </p:spTree>
-  </p:cSld>
-  <p:clrMapOvr>
-    <a:masterClrMapping/>
-  </p:clrMapOvr>
-</p:notes>
-</file>
-
-<file path=ppt/notesSlides/notesSlide7.xml><?xml version="1.0" encoding="utf-8"?>
-<p:notes xmlns:a="http://schemas.openxmlformats.org/drawingml/2006/main" xmlns:r="http://schemas.openxmlformats.org/officeDocument/2006/relationships" xmlns:p="http://schemas.openxmlformats.org/presentationml/2006/main">
-  <p:cSld>
-    <p:spTree>
-      <p:nvGrpSpPr>
-        <p:cNvPr id="1" name=""/>
-        <p:cNvGrpSpPr/>
-        <p:nvPr/>
-      </p:nvGrpSpPr>
-      <p:grpSpPr>
-        <a:xfrm>
-          <a:off x="0" y="0"/>
-          <a:ext cx="0" cy="0"/>
-          <a:chOff x="0" y="0"/>
-          <a:chExt cx="0" cy="0"/>
-        </a:xfrm>
-      </p:grpSpPr>
-      <p:sp>
-        <p:nvSpPr>
-          <p:cNvPr id="4" name="Rectangle 2"/>
-          <p:cNvSpPr>
-            <a:spLocks noGrp="1" noChangeArrowheads="1"/>
-          </p:cNvSpPr>
-          <p:nvPr>
-            <p:ph type="hdr" sz="quarter"/>
-          </p:nvPr>
-        </p:nvSpPr>
-        <p:spPr>
-          <a:ln/>
-        </p:spPr>
-        <p:txBody>
-          <a:bodyPr/>
-          <a:lstStyle/>
-          <a:p>
-            <a:r>
-              <a:rPr lang="en-US"/>
-              <a:t>xxxxxxxxxxxxxxx</a:t>
-            </a:r>
-          </a:p>
-        </p:txBody>
-      </p:sp>
-      <p:sp>
-        <p:nvSpPr>
-          <p:cNvPr id="5" name="Rectangle 3"/>
-          <p:cNvSpPr>
-            <a:spLocks noGrp="1" noChangeArrowheads="1"/>
-          </p:cNvSpPr>
-          <p:nvPr>
-            <p:ph type="dt" idx="1"/>
-          </p:nvPr>
-        </p:nvSpPr>
-        <p:spPr>
-          <a:ln/>
-        </p:spPr>
-        <p:txBody>
-          <a:bodyPr/>
-          <a:lstStyle/>
-          <a:p>
-            <a:fld id="{44D02D24-DF92-4868-A617-AFB17E64FD83}" type="datetime1">
-              <a:rPr lang="en-US"/>
-              <a:pPr/>
-              <a:t>2/19/2013</a:t>
-            </a:fld>
-            <a:endParaRPr lang="en-US"/>
-          </a:p>
-        </p:txBody>
-      </p:sp>
-      <p:sp>
-        <p:nvSpPr>
-          <p:cNvPr id="6" name="Rectangle 6"/>
-          <p:cNvSpPr>
-            <a:spLocks noGrp="1" noChangeArrowheads="1"/>
-          </p:cNvSpPr>
-          <p:nvPr>
-            <p:ph type="ftr" sz="quarter" idx="4"/>
-          </p:nvPr>
-        </p:nvSpPr>
-        <p:spPr>
-          <a:ln/>
-        </p:spPr>
-        <p:txBody>
-          <a:bodyPr/>
-          <a:lstStyle/>
-          <a:p>
-            <a:r>
-              <a:rPr lang="en-US"/>
-              <a:t>xxxxxxxxxxxxx</a:t>
-            </a:r>
-          </a:p>
-        </p:txBody>
-      </p:sp>
-      <p:sp>
-        <p:nvSpPr>
-          <p:cNvPr id="7" name="Rectangle 7"/>
-          <p:cNvSpPr>
-            <a:spLocks noGrp="1" noChangeArrowheads="1"/>
-          </p:cNvSpPr>
-          <p:nvPr>
-            <p:ph type="sldNum" sz="quarter" idx="5"/>
-          </p:nvPr>
-        </p:nvSpPr>
-        <p:spPr>
-          <a:ln/>
-        </p:spPr>
-        <p:txBody>
-          <a:bodyPr/>
-          <a:lstStyle/>
-          <a:p>
-            <a:fld id="{1CE20ECD-122A-431E-9180-D0AF6053AA97}" type="slidenum">
-              <a:rPr lang="en-US"/>
-              <a:pPr/>
-              <a:t>7</a:t>
-            </a:fld>
-            <a:endParaRPr lang="en-US"/>
-          </a:p>
-        </p:txBody>
-      </p:sp>
-      <p:sp>
-        <p:nvSpPr>
-          <p:cNvPr id="188418" name="Rectangle 2"/>
-          <p:cNvSpPr>
-            <a:spLocks noRot="1" noChangeArrowheads="1" noTextEdit="1"/>
-          </p:cNvSpPr>
-          <p:nvPr>
-            <p:ph type="sldImg"/>
-          </p:nvPr>
-        </p:nvSpPr>
-        <p:spPr>
-          <a:ln/>
-        </p:spPr>
-      </p:sp>
-      <p:sp>
-        <p:nvSpPr>
-          <p:cNvPr id="188419" name="Rectangle 3"/>
-          <p:cNvSpPr>
-            <a:spLocks noGrp="1" noChangeArrowheads="1"/>
-          </p:cNvSpPr>
-          <p:nvPr>
-            <p:ph type="body" idx="1"/>
-          </p:nvPr>
-        </p:nvSpPr>
-        <p:spPr/>
-        <p:txBody>
-          <a:bodyPr/>
-          <a:lstStyle/>
-          <a:p>
-            <a:endParaRPr lang="nl-NL"/>
-          </a:p>
-        </p:txBody>
-      </p:sp>
-    </p:spTree>
-  </p:cSld>
-  <p:clrMapOvr>
-    <a:masterClrMapping/>
-  </p:clrMapOvr>
-</p:notes>
-</file>
-
-<file path=ppt/notesSlides/notesSlide8.xml><?xml version="1.0" encoding="utf-8"?>
-<p:notes xmlns:a="http://schemas.openxmlformats.org/drawingml/2006/main" xmlns:r="http://schemas.openxmlformats.org/officeDocument/2006/relationships" xmlns:p="http://schemas.openxmlformats.org/presentationml/2006/main">
-  <p:cSld>
-    <p:spTree>
-      <p:nvGrpSpPr>
-        <p:cNvPr id="1" name=""/>
-        <p:cNvGrpSpPr/>
-        <p:nvPr/>
-      </p:nvGrpSpPr>
-      <p:grpSpPr>
-        <a:xfrm>
-          <a:off x="0" y="0"/>
-          <a:ext cx="0" cy="0"/>
-          <a:chOff x="0" y="0"/>
-          <a:chExt cx="0" cy="0"/>
-        </a:xfrm>
-      </p:grpSpPr>
-      <p:sp>
-        <p:nvSpPr>
-          <p:cNvPr id="4" name="Rectangle 2"/>
-          <p:cNvSpPr>
-            <a:spLocks noGrp="1" noChangeArrowheads="1"/>
-          </p:cNvSpPr>
-          <p:nvPr>
-            <p:ph type="hdr" sz="quarter"/>
-          </p:nvPr>
-        </p:nvSpPr>
-        <p:spPr>
-          <a:ln/>
-        </p:spPr>
-        <p:txBody>
-          <a:bodyPr/>
-          <a:lstStyle/>
-          <a:p>
-            <a:r>
-              <a:rPr lang="en-US"/>
-              <a:t>xxxxxxxxxxxxxxx</a:t>
-            </a:r>
-          </a:p>
-        </p:txBody>
-      </p:sp>
-      <p:sp>
-        <p:nvSpPr>
-          <p:cNvPr id="5" name="Rectangle 3"/>
-          <p:cNvSpPr>
-            <a:spLocks noGrp="1" noChangeArrowheads="1"/>
-          </p:cNvSpPr>
-          <p:nvPr>
-            <p:ph type="dt" idx="1"/>
-          </p:nvPr>
-        </p:nvSpPr>
-        <p:spPr>
-          <a:ln/>
-        </p:spPr>
-        <p:txBody>
-          <a:bodyPr/>
-          <a:lstStyle/>
-          <a:p>
-            <a:fld id="{65156C2C-AC52-4106-9D3A-30D2E7496094}" type="datetime1">
-              <a:rPr lang="en-US"/>
-              <a:pPr/>
-              <a:t>2/19/2013</a:t>
-            </a:fld>
-            <a:endParaRPr lang="en-US"/>
-          </a:p>
-        </p:txBody>
-      </p:sp>
-      <p:sp>
-        <p:nvSpPr>
-          <p:cNvPr id="6" name="Rectangle 6"/>
-          <p:cNvSpPr>
-            <a:spLocks noGrp="1" noChangeArrowheads="1"/>
-          </p:cNvSpPr>
-          <p:nvPr>
-            <p:ph type="ftr" sz="quarter" idx="4"/>
-          </p:nvPr>
-        </p:nvSpPr>
-        <p:spPr>
-          <a:ln/>
-        </p:spPr>
-        <p:txBody>
-          <a:bodyPr/>
-          <a:lstStyle/>
-          <a:p>
-            <a:r>
-              <a:rPr lang="en-US"/>
-              <a:t>xxxxxxxxxxxxx</a:t>
-            </a:r>
-          </a:p>
-        </p:txBody>
-      </p:sp>
-      <p:sp>
-        <p:nvSpPr>
-          <p:cNvPr id="7" name="Rectangle 7"/>
-          <p:cNvSpPr>
-            <a:spLocks noGrp="1" noChangeArrowheads="1"/>
-          </p:cNvSpPr>
-          <p:nvPr>
-            <p:ph type="sldNum" sz="quarter" idx="5"/>
-          </p:nvPr>
-        </p:nvSpPr>
-        <p:spPr>
-          <a:ln/>
-        </p:spPr>
-        <p:txBody>
-          <a:bodyPr/>
-          <a:lstStyle/>
-          <a:p>
-            <a:fld id="{22015A77-993A-47B7-8DFA-A8FC7083A1A9}" type="slidenum">
-              <a:rPr lang="en-US"/>
-              <a:pPr/>
-              <a:t>8</a:t>
-            </a:fld>
-            <a:endParaRPr lang="en-US"/>
-          </a:p>
-        </p:txBody>
-      </p:sp>
-      <p:sp>
-        <p:nvSpPr>
-          <p:cNvPr id="189442" name="Rectangle 2"/>
-          <p:cNvSpPr>
-            <a:spLocks noRot="1" noChangeArrowheads="1" noTextEdit="1"/>
-          </p:cNvSpPr>
-          <p:nvPr>
-            <p:ph type="sldImg"/>
-          </p:nvPr>
-        </p:nvSpPr>
-        <p:spPr>
-          <a:ln/>
-        </p:spPr>
-      </p:sp>
-      <p:sp>
-        <p:nvSpPr>
-          <p:cNvPr id="189443" name="Rectangle 3"/>
-          <p:cNvSpPr>
-            <a:spLocks noGrp="1" noChangeArrowheads="1"/>
-          </p:cNvSpPr>
-          <p:nvPr>
-            <p:ph type="body" idx="1"/>
-          </p:nvPr>
-        </p:nvSpPr>
-        <p:spPr/>
-        <p:txBody>
-          <a:bodyPr/>
-          <a:lstStyle/>
-          <a:p>
-            <a:endParaRPr lang="nl-NL"/>
-          </a:p>
-        </p:txBody>
-      </p:sp>
-    </p:spTree>
-  </p:cSld>
-  <p:clrMapOvr>
-    <a:masterClrMapping/>
-  </p:clrMapOvr>
-</p:notes>
-</file>
-
-<file path=ppt/notesSlides/notesSlide9.xml><?xml version="1.0" encoding="utf-8"?>
-<p:notes xmlns:a="http://schemas.openxmlformats.org/drawingml/2006/main" xmlns:r="http://schemas.openxmlformats.org/officeDocument/2006/relationships" xmlns:p="http://schemas.openxmlformats.org/presentationml/2006/main">
-  <p:cSld>
-    <p:spTree>
-      <p:nvGrpSpPr>
-        <p:cNvPr id="1" name=""/>
-        <p:cNvGrpSpPr/>
-        <p:nvPr/>
-      </p:nvGrpSpPr>
-      <p:grpSpPr>
-        <a:xfrm>
-          <a:off x="0" y="0"/>
-          <a:ext cx="0" cy="0"/>
-          <a:chOff x="0" y="0"/>
-          <a:chExt cx="0" cy="0"/>
-        </a:xfrm>
-      </p:grpSpPr>
-      <p:sp>
-        <p:nvSpPr>
-          <p:cNvPr id="4" name="Rectangle 2"/>
-          <p:cNvSpPr>
-            <a:spLocks noGrp="1" noChangeArrowheads="1"/>
-          </p:cNvSpPr>
-          <p:nvPr>
-            <p:ph type="hdr" sz="quarter"/>
-          </p:nvPr>
-        </p:nvSpPr>
-        <p:spPr>
-          <a:ln/>
-        </p:spPr>
-        <p:txBody>
-          <a:bodyPr/>
-          <a:lstStyle/>
-          <a:p>
-            <a:r>
-              <a:rPr lang="en-US"/>
-              <a:t>xxxxxxxxxxxxxxx</a:t>
-            </a:r>
-          </a:p>
-        </p:txBody>
-      </p:sp>
-      <p:sp>
-        <p:nvSpPr>
-          <p:cNvPr id="5" name="Rectangle 3"/>
-          <p:cNvSpPr>
-            <a:spLocks noGrp="1" noChangeArrowheads="1"/>
-          </p:cNvSpPr>
-          <p:nvPr>
-            <p:ph type="dt" idx="1"/>
-          </p:nvPr>
-        </p:nvSpPr>
-        <p:spPr>
-          <a:ln/>
-        </p:spPr>
-        <p:txBody>
-          <a:bodyPr/>
-          <a:lstStyle/>
-          <a:p>
-            <a:fld id="{6D2115F2-323E-4739-AAA5-A0527194E8D9}" type="datetime1">
-              <a:rPr lang="en-US"/>
-              <a:pPr/>
-              <a:t>2/19/2013</a:t>
-            </a:fld>
-            <a:endParaRPr lang="en-US"/>
-          </a:p>
-        </p:txBody>
-      </p:sp>
-      <p:sp>
-        <p:nvSpPr>
-          <p:cNvPr id="6" name="Rectangle 6"/>
-          <p:cNvSpPr>
-            <a:spLocks noGrp="1" noChangeArrowheads="1"/>
-          </p:cNvSpPr>
-          <p:nvPr>
-            <p:ph type="ftr" sz="quarter" idx="4"/>
-          </p:nvPr>
-        </p:nvSpPr>
-        <p:spPr>
-          <a:ln/>
-        </p:spPr>
-        <p:txBody>
-          <a:bodyPr/>
-          <a:lstStyle/>
-          <a:p>
-            <a:r>
-              <a:rPr lang="en-US"/>
-              <a:t>xxxxxxxxxxxxx</a:t>
-            </a:r>
-          </a:p>
-        </p:txBody>
-      </p:sp>
-      <p:sp>
-        <p:nvSpPr>
-          <p:cNvPr id="7" name="Rectangle 7"/>
-          <p:cNvSpPr>
-            <a:spLocks noGrp="1" noChangeArrowheads="1"/>
-          </p:cNvSpPr>
-          <p:nvPr>
-            <p:ph type="sldNum" sz="quarter" idx="5"/>
-          </p:nvPr>
-        </p:nvSpPr>
-        <p:spPr>
-          <a:ln/>
-        </p:spPr>
-        <p:txBody>
-          <a:bodyPr/>
-          <a:lstStyle/>
-          <a:p>
-            <a:fld id="{AD2C158C-A258-478D-9F91-4BA9D35DE1F3}" type="slidenum">
-              <a:rPr lang="en-US"/>
-              <a:pPr/>
-              <a:t>9</a:t>
-            </a:fld>
-            <a:endParaRPr lang="en-US"/>
-          </a:p>
-        </p:txBody>
-      </p:sp>
-      <p:sp>
-        <p:nvSpPr>
-          <p:cNvPr id="190466" name="Rectangle 2"/>
-          <p:cNvSpPr>
-            <a:spLocks noRot="1" noChangeArrowheads="1" noTextEdit="1"/>
-          </p:cNvSpPr>
-          <p:nvPr>
-            <p:ph type="sldImg"/>
-          </p:nvPr>
-        </p:nvSpPr>
-        <p:spPr>
-          <a:ln/>
-        </p:spPr>
-      </p:sp>
-      <p:sp>
-        <p:nvSpPr>
-          <p:cNvPr id="190467" name="Rectangle 3"/>
-          <p:cNvSpPr>
-            <a:spLocks noGrp="1" noChangeArrowheads="1"/>
-          </p:cNvSpPr>
-          <p:nvPr>
-            <p:ph type="body" idx="1"/>
-          </p:nvPr>
-        </p:nvSpPr>
-        <p:spPr/>
-        <p:txBody>
-          <a:bodyPr/>
-          <a:lstStyle/>
-          <a:p>
-            <a:endParaRPr lang="nl-NL"/>
-          </a:p>
-        </p:txBody>
-      </p:sp>
-    </p:spTree>
+    <p:extLst>
+      <p:ext uri="{BB962C8B-B14F-4D97-AF65-F5344CB8AC3E}">
+        <p14:creationId xmlns:p14="http://schemas.microsoft.com/office/powerpoint/2010/main" val="1045258791"/>
+      </p:ext>
+    </p:extLst>
   </p:cSld>
   <p:clrMapOvr>
     <a:masterClrMapping/>
@@ -2671,7 +1124,7 @@
             <a:fld id="{93F21019-3A00-48AC-9663-40DF67A83229}" type="datetime1">
               <a:rPr lang="en-US"/>
               <a:pPr/>
-              <a:t>2/19/2013</a:t>
+              <a:t>12/12/2018</a:t>
             </a:fld>
             <a:endParaRPr lang="en-US">
               <a:solidFill>
@@ -2857,7 +1310,7 @@
             <a:fld id="{8B2EF9C8-0AC3-4A53-9A61-1834A571F420}" type="datetime1">
               <a:rPr lang="en-US"/>
               <a:pPr/>
-              <a:t>2/19/2013</a:t>
+              <a:t>12/12/2018</a:t>
             </a:fld>
             <a:endParaRPr lang="en-US" sz="1400">
               <a:solidFill>
@@ -3054,7 +1507,7 @@
             <a:fld id="{F02960F3-A385-4905-A491-FDC17E063DD1}" type="datetime1">
               <a:rPr lang="en-US"/>
               <a:pPr/>
-              <a:t>2/19/2013</a:t>
+              <a:t>12/12/2018</a:t>
             </a:fld>
             <a:endParaRPr lang="en-US" sz="1400">
               <a:solidFill>
@@ -3313,7 +1766,7 @@
             <a:fld id="{CD3AD70A-8E2A-47B5-AC18-ABBB5A8E737D}" type="datetime1">
               <a:rPr lang="en-US"/>
               <a:pPr/>
-              <a:t>2/19/2013</a:t>
+              <a:t>12/12/2018</a:t>
             </a:fld>
             <a:endParaRPr lang="en-US" sz="1400">
               <a:solidFill>
@@ -3549,7 +2002,7 @@
             <a:fld id="{07008C2E-9BD6-496B-BFC3-B4A975EBC85E}" type="datetime1">
               <a:rPr lang="en-US"/>
               <a:pPr/>
-              <a:t>2/19/2013</a:t>
+              <a:t>12/12/2018</a:t>
             </a:fld>
             <a:endParaRPr lang="en-US" sz="1400">
               <a:solidFill>
@@ -3728,7 +2181,7 @@
             <a:fld id="{1AA2C3CF-866C-4FDE-B76D-4E9536901630}" type="datetime1">
               <a:rPr lang="en-US"/>
               <a:pPr/>
-              <a:t>2/19/2013</a:t>
+              <a:t>12/12/2018</a:t>
             </a:fld>
             <a:endParaRPr lang="en-US" sz="1400">
               <a:solidFill>
@@ -3907,7 +2360,7 @@
             <a:fld id="{555EE259-FE08-4558-B721-B189FFE77284}" type="datetime1">
               <a:rPr lang="en-US"/>
               <a:pPr/>
-              <a:t>2/19/2013</a:t>
+              <a:t>12/12/2018</a:t>
             </a:fld>
             <a:endParaRPr lang="en-US" sz="1400">
               <a:solidFill>
@@ -4176,7 +2629,7 @@
             <a:fld id="{0AF4064E-5624-49AB-B7C6-E301A8F6B1FF}" type="datetime1">
               <a:rPr lang="en-US"/>
               <a:pPr/>
-              <a:t>2/19/2013</a:t>
+              <a:t>12/12/2018</a:t>
             </a:fld>
             <a:endParaRPr lang="en-US" sz="1400">
               <a:solidFill>
@@ -4373,7 +2826,7 @@
             <a:fld id="{CBC97FCD-6C54-4833-B032-BFBCDFA8379D}" type="datetime1">
               <a:rPr lang="en-US"/>
               <a:pPr/>
-              <a:t>2/19/2013</a:t>
+              <a:t>12/12/2018</a:t>
             </a:fld>
             <a:endParaRPr lang="en-US" sz="1400">
               <a:solidFill>
@@ -4582,7 +3035,7 @@
             <a:fld id="{F04AA577-515A-431F-98B6-3B03494ABB11}" type="datetime1">
               <a:rPr lang="en-US"/>
               <a:pPr/>
-              <a:t>2/19/2013</a:t>
+              <a:t>12/12/2018</a:t>
             </a:fld>
             <a:endParaRPr lang="en-US" sz="1400">
               <a:solidFill>
@@ -4887,7 +3340,7 @@
             <a:fld id="{6475F1A4-C474-4345-A800-2F40B0E4E70C}" type="datetime1">
               <a:rPr lang="en-US"/>
               <a:pPr/>
-              <a:t>2/19/2013</a:t>
+              <a:t>12/12/2018</a:t>
             </a:fld>
             <a:endParaRPr lang="en-US" sz="1400">
               <a:solidFill>
@@ -5331,7 +3784,7 @@
             <a:fld id="{7BA535AB-820E-4207-9DA8-5F37106C7AF4}" type="datetime1">
               <a:rPr lang="en-US"/>
               <a:pPr/>
-              <a:t>2/19/2013</a:t>
+              <a:t>12/12/2018</a:t>
             </a:fld>
             <a:endParaRPr lang="en-US" sz="1400">
               <a:solidFill>
@@ -5466,7 +3919,7 @@
             <a:fld id="{0A7E69FA-D7EE-42C0-9117-1971B541885F}" type="datetime1">
               <a:rPr lang="en-US"/>
               <a:pPr/>
-              <a:t>2/19/2013</a:t>
+              <a:t>12/12/2018</a:t>
             </a:fld>
             <a:endParaRPr lang="en-US" sz="1400">
               <a:solidFill>
@@ -5578,7 +4031,7 @@
             <a:fld id="{10D7644E-1B5D-4325-BA79-338DF2B89B56}" type="datetime1">
               <a:rPr lang="en-US"/>
               <a:pPr/>
-              <a:t>2/19/2013</a:t>
+              <a:t>12/12/2018</a:t>
             </a:fld>
             <a:endParaRPr lang="en-US" sz="1400">
               <a:solidFill>
@@ -5872,7 +4325,7 @@
             <a:fld id="{B790C882-0B74-4932-8998-E9ABB8AF1740}" type="datetime1">
               <a:rPr lang="en-US"/>
               <a:pPr/>
-              <a:t>2/19/2013</a:t>
+              <a:t>12/12/2018</a:t>
             </a:fld>
             <a:endParaRPr lang="en-US" sz="1400">
               <a:solidFill>
@@ -6142,7 +4595,7 @@
             <a:fld id="{9DC585DC-AE7D-44C1-90AB-C3A391DEA065}" type="datetime1">
               <a:rPr lang="en-US"/>
               <a:pPr/>
-              <a:t>2/19/2013</a:t>
+              <a:t>12/12/2018</a:t>
             </a:fld>
             <a:endParaRPr lang="en-US" sz="1400">
               <a:solidFill>
@@ -6406,7 +4859,7 @@
             <a:fld id="{256CE565-1940-4E5F-9190-C0815CEAAA9D}" type="datetime1">
               <a:rPr lang="en-US"/>
               <a:pPr/>
-              <a:t>2/19/2013</a:t>
+              <a:t>12/12/2018</a:t>
             </a:fld>
             <a:endParaRPr lang="en-US"/>
           </a:p>
@@ -6976,15 +5429,42 @@
             <p:ph type="ctrTitle"/>
           </p:nvPr>
         </p:nvSpPr>
-        <p:spPr/>
+        <p:spPr>
+          <a:xfrm>
+            <a:off x="1798638" y="2286000"/>
+            <a:ext cx="6583362" cy="1569660"/>
+          </a:xfrm>
+        </p:spPr>
         <p:txBody>
           <a:bodyPr/>
           <a:lstStyle/>
           <a:p>
             <a:r>
-              <a:rPr lang="en-US"/>
-              <a:t>HU powerpoint-presentatie</a:t>
-            </a:r>
+              <a:rPr lang="en-US" dirty="0" smtClean="0"/>
+              <a:t>Data-driven learning</a:t>
+            </a:r>
+            <a:br>
+              <a:rPr lang="en-US" dirty="0" smtClean="0"/>
+            </a:br>
+            <a:r>
+              <a:rPr lang="en-US" sz="2400" dirty="0" smtClean="0"/>
+              <a:t>W7 L1:</a:t>
+            </a:r>
+            <a:r>
+              <a:rPr lang="en-US" sz="2400" smtClean="0"/>
+              <a:t/>
+            </a:r>
+            <a:br>
+              <a:rPr lang="en-US" sz="2400" smtClean="0"/>
+            </a:br>
+            <a:r>
+              <a:rPr lang="en-US" sz="2000" dirty="0" smtClean="0"/>
+              <a:t/>
+            </a:r>
+            <a:br>
+              <a:rPr lang="en-US" sz="2000" dirty="0" smtClean="0"/>
+            </a:br>
+            <a:endParaRPr lang="en-US" sz="2000" dirty="0"/>
           </a:p>
         </p:txBody>
       </p:sp>
@@ -7001,1682 +5481,39 @@
         <p:spPr>
           <a:xfrm>
             <a:off x="1798638" y="3886200"/>
-            <a:ext cx="6583362" cy="336550"/>
+            <a:ext cx="6583362" cy="1569660"/>
           </a:xfrm>
         </p:spPr>
         <p:txBody>
           <a:bodyPr/>
           <a:lstStyle/>
           <a:p>
-            <a:r>
-              <a:rPr lang="en-US"/>
-              <a:t>Voorbeelden en suggesties</a:t>
-            </a:r>
+            <a:endParaRPr lang="en-US" dirty="0" smtClean="0"/>
+          </a:p>
+          <a:p>
+            <a:endParaRPr lang="en-US" dirty="0"/>
+          </a:p>
+          <a:p>
+            <a:endParaRPr lang="en-US" dirty="0" smtClean="0"/>
+          </a:p>
+          <a:p>
+            <a:endParaRPr lang="en-US" dirty="0"/>
+          </a:p>
+          <a:p>
+            <a:r>
+              <a:rPr lang="en-US" dirty="0" smtClean="0"/>
+              <a:t>Jonas Moons</a:t>
+            </a:r>
+            <a:endParaRPr lang="en-US" dirty="0"/>
           </a:p>
         </p:txBody>
       </p:sp>
     </p:spTree>
-  </p:cSld>
-  <p:clrMapOvr>
-    <a:masterClrMapping/>
-  </p:clrMapOvr>
-  <p:timing>
-    <p:tnLst>
-      <p:par>
-        <p:cTn id="1" dur="indefinite" restart="never" nodeType="tmRoot"/>
-      </p:par>
-    </p:tnLst>
-  </p:timing>
-</p:sld>
-</file>
-
-<file path=ppt/slides/slide10.xml><?xml version="1.0" encoding="utf-8"?>
-<p:sld xmlns:a="http://schemas.openxmlformats.org/drawingml/2006/main" xmlns:r="http://schemas.openxmlformats.org/officeDocument/2006/relationships" xmlns:p="http://schemas.openxmlformats.org/presentationml/2006/main">
-  <p:cSld>
-    <p:spTree>
-      <p:nvGrpSpPr>
-        <p:cNvPr id="1" name=""/>
-        <p:cNvGrpSpPr/>
-        <p:nvPr/>
-      </p:nvGrpSpPr>
-      <p:grpSpPr>
-        <a:xfrm>
-          <a:off x="0" y="0"/>
-          <a:ext cx="0" cy="0"/>
-          <a:chOff x="0" y="0"/>
-          <a:chExt cx="0" cy="0"/>
-        </a:xfrm>
-      </p:grpSpPr>
-      <p:sp>
-        <p:nvSpPr>
-          <p:cNvPr id="176130" name="Rectangle 2"/>
-          <p:cNvSpPr>
-            <a:spLocks noGrp="1" noChangeArrowheads="1"/>
-          </p:cNvSpPr>
-          <p:nvPr>
-            <p:ph type="title"/>
-          </p:nvPr>
-        </p:nvSpPr>
-        <p:spPr/>
-        <p:txBody>
-          <a:bodyPr/>
-          <a:lstStyle/>
-          <a:p>
-            <a:r>
-              <a:rPr lang="en-US"/>
-              <a:t>HU ppt [tabel]</a:t>
-            </a:r>
-          </a:p>
-        </p:txBody>
-      </p:sp>
-      <p:graphicFrame>
-        <p:nvGraphicFramePr>
-          <p:cNvPr id="176488" name="Group 360"/>
-          <p:cNvGraphicFramePr>
-            <a:graphicFrameLocks noGrp="1"/>
-          </p:cNvGraphicFramePr>
-          <p:nvPr>
-            <p:ph type="tbl" idx="1"/>
-          </p:nvPr>
-        </p:nvGraphicFramePr>
-        <p:xfrm>
-          <a:off x="762000" y="1762125"/>
-          <a:ext cx="7620000" cy="2540002"/>
-        </p:xfrm>
-        <a:graphic>
-          <a:graphicData uri="http://schemas.openxmlformats.org/drawingml/2006/table">
-            <a:tbl>
-              <a:tblPr/>
-              <a:tblGrid>
-                <a:gridCol w="1905000"/>
-                <a:gridCol w="1905000"/>
-                <a:gridCol w="1905000"/>
-                <a:gridCol w="1905000"/>
-              </a:tblGrid>
-              <a:tr h="636588">
-                <a:tc>
-                  <a:txBody>
-                    <a:bodyPr/>
-                    <a:lstStyle/>
-                    <a:p>
-                      <a:pPr marL="0" marR="0" lvl="0" indent="0" algn="l" defTabSz="914400" rtl="0" eaLnBrk="1" fontAlgn="base" latinLnBrk="0" hangingPunct="1">
-                        <a:lnSpc>
-                          <a:spcPct val="100000"/>
-                        </a:lnSpc>
-                        <a:spcBef>
-                          <a:spcPct val="20000"/>
-                        </a:spcBef>
-                        <a:spcAft>
-                          <a:spcPct val="0"/>
-                        </a:spcAft>
-                        <a:buClr>
-                          <a:srgbClr val="ED0010"/>
-                        </a:buClr>
-                        <a:buSzPct val="60000"/>
-                        <a:buFont typeface="Zapf Dingbats" charset="2"/>
-                        <a:buNone/>
-                        <a:tabLst/>
-                      </a:pPr>
-                      <a:endParaRPr kumimoji="0" lang="nl-NL" sz="2400" b="0" i="0" u="none" strike="noStrike" cap="none" normalizeH="0" baseline="0" smtClean="0">
-                        <a:ln>
-                          <a:noFill/>
-                        </a:ln>
-                        <a:solidFill>
-                          <a:srgbClr val="000000"/>
-                        </a:solidFill>
-                        <a:effectLst/>
-                        <a:latin typeface="Arial" charset="0"/>
-                      </a:endParaRPr>
-                    </a:p>
-                  </a:txBody>
-                  <a:tcPr horzOverflow="overflow">
-                    <a:lnL w="12700" cap="flat" cmpd="sng" algn="ctr">
-                      <a:solidFill>
-                        <a:schemeClr val="bg1"/>
-                      </a:solidFill>
-                      <a:prstDash val="solid"/>
-                      <a:round/>
-                      <a:headEnd type="none" w="med" len="med"/>
-                      <a:tailEnd type="none" w="med" len="med"/>
-                    </a:lnL>
-                    <a:lnR w="28575" cap="flat" cmpd="sng" algn="ctr">
-                      <a:solidFill>
-                        <a:schemeClr val="bg1"/>
-                      </a:solidFill>
-                      <a:prstDash val="solid"/>
-                      <a:round/>
-                      <a:headEnd type="none" w="med" len="med"/>
-                      <a:tailEnd type="none" w="med" len="med"/>
-                    </a:lnR>
-                    <a:lnT w="12700" cap="flat" cmpd="sng" algn="ctr">
-                      <a:solidFill>
-                        <a:schemeClr val="bg1"/>
-                      </a:solidFill>
-                      <a:prstDash val="solid"/>
-                      <a:round/>
-                      <a:headEnd type="none" w="med" len="med"/>
-                      <a:tailEnd type="none" w="med" len="med"/>
-                    </a:lnT>
-                    <a:lnB w="28575" cap="flat" cmpd="sng" algn="ctr">
-                      <a:solidFill>
-                        <a:schemeClr val="bg1"/>
-                      </a:solidFill>
-                      <a:prstDash val="solid"/>
-                      <a:round/>
-                      <a:headEnd type="none" w="med" len="med"/>
-                      <a:tailEnd type="none" w="med" len="med"/>
-                    </a:lnB>
-                    <a:lnTlToBr>
-                      <a:noFill/>
-                    </a:lnTlToBr>
-                    <a:lnBlToTr>
-                      <a:noFill/>
-                    </a:lnBlToTr>
-                    <a:solidFill>
-                      <a:schemeClr val="accent1"/>
-                    </a:solidFill>
-                  </a:tcPr>
-                </a:tc>
-                <a:tc>
-                  <a:txBody>
-                    <a:bodyPr/>
-                    <a:lstStyle/>
-                    <a:p>
-                      <a:pPr marL="0" marR="0" lvl="0" indent="0" algn="l" defTabSz="914400" rtl="0" eaLnBrk="1" fontAlgn="base" latinLnBrk="0" hangingPunct="1">
-                        <a:lnSpc>
-                          <a:spcPct val="100000"/>
-                        </a:lnSpc>
-                        <a:spcBef>
-                          <a:spcPct val="20000"/>
-                        </a:spcBef>
-                        <a:spcAft>
-                          <a:spcPct val="0"/>
-                        </a:spcAft>
-                        <a:buClr>
-                          <a:srgbClr val="ED0010"/>
-                        </a:buClr>
-                        <a:buSzPct val="60000"/>
-                        <a:buFont typeface="Zapf Dingbats" charset="2"/>
-                        <a:buNone/>
-                        <a:tabLst/>
-                      </a:pPr>
-                      <a:r>
-                        <a:rPr kumimoji="0" lang="en-US" sz="2400" b="1" i="0" u="none" strike="noStrike" cap="none" normalizeH="0" baseline="0" smtClean="0">
-                          <a:ln>
-                            <a:noFill/>
-                          </a:ln>
-                          <a:solidFill>
-                            <a:srgbClr val="000000"/>
-                          </a:solidFill>
-                          <a:effectLst/>
-                          <a:latin typeface="Arial" charset="0"/>
-                        </a:rPr>
-                        <a:t>Instituut</a:t>
-                      </a:r>
-                      <a:endParaRPr kumimoji="0" lang="en-US" sz="2400" b="0" i="0" u="none" strike="noStrike" cap="none" normalizeH="0" baseline="0" smtClean="0">
-                        <a:ln>
-                          <a:noFill/>
-                        </a:ln>
-                        <a:solidFill>
-                          <a:srgbClr val="000000"/>
-                        </a:solidFill>
-                        <a:effectLst/>
-                        <a:latin typeface="Arial" charset="0"/>
-                      </a:endParaRPr>
-                    </a:p>
-                  </a:txBody>
-                  <a:tcPr horzOverflow="overflow">
-                    <a:lnL w="28575" cap="flat" cmpd="sng" algn="ctr">
-                      <a:solidFill>
-                        <a:schemeClr val="bg1"/>
-                      </a:solidFill>
-                      <a:prstDash val="solid"/>
-                      <a:round/>
-                      <a:headEnd type="none" w="med" len="med"/>
-                      <a:tailEnd type="none" w="med" len="med"/>
-                    </a:lnL>
-                    <a:lnR w="28575" cap="flat" cmpd="sng" algn="ctr">
-                      <a:solidFill>
-                        <a:schemeClr val="bg1"/>
-                      </a:solidFill>
-                      <a:prstDash val="solid"/>
-                      <a:round/>
-                      <a:headEnd type="none" w="med" len="med"/>
-                      <a:tailEnd type="none" w="med" len="med"/>
-                    </a:lnR>
-                    <a:lnT w="12700" cap="flat" cmpd="sng" algn="ctr">
-                      <a:solidFill>
-                        <a:schemeClr val="bg1"/>
-                      </a:solidFill>
-                      <a:prstDash val="solid"/>
-                      <a:round/>
-                      <a:headEnd type="none" w="med" len="med"/>
-                      <a:tailEnd type="none" w="med" len="med"/>
-                    </a:lnT>
-                    <a:lnB w="28575" cap="flat" cmpd="sng" algn="ctr">
-                      <a:solidFill>
-                        <a:schemeClr val="bg1"/>
-                      </a:solidFill>
-                      <a:prstDash val="solid"/>
-                      <a:round/>
-                      <a:headEnd type="none" w="med" len="med"/>
-                      <a:tailEnd type="none" w="med" len="med"/>
-                    </a:lnB>
-                    <a:lnTlToBr>
-                      <a:noFill/>
-                    </a:lnTlToBr>
-                    <a:lnBlToTr>
-                      <a:noFill/>
-                    </a:lnBlToTr>
-                    <a:solidFill>
-                      <a:schemeClr val="accent1"/>
-                    </a:solidFill>
-                  </a:tcPr>
-                </a:tc>
-                <a:tc>
-                  <a:txBody>
-                    <a:bodyPr/>
-                    <a:lstStyle/>
-                    <a:p>
-                      <a:pPr marL="0" marR="0" lvl="0" indent="0" algn="l" defTabSz="914400" rtl="0" eaLnBrk="1" fontAlgn="base" latinLnBrk="0" hangingPunct="1">
-                        <a:lnSpc>
-                          <a:spcPct val="100000"/>
-                        </a:lnSpc>
-                        <a:spcBef>
-                          <a:spcPct val="20000"/>
-                        </a:spcBef>
-                        <a:spcAft>
-                          <a:spcPct val="0"/>
-                        </a:spcAft>
-                        <a:buClr>
-                          <a:srgbClr val="ED0010"/>
-                        </a:buClr>
-                        <a:buSzPct val="60000"/>
-                        <a:buFont typeface="Zapf Dingbats" charset="2"/>
-                        <a:buNone/>
-                        <a:tabLst/>
-                      </a:pPr>
-                      <a:r>
-                        <a:rPr kumimoji="0" lang="en-US" sz="2400" b="1" i="0" u="none" strike="noStrike" cap="none" normalizeH="0" baseline="0" smtClean="0">
-                          <a:ln>
-                            <a:noFill/>
-                          </a:ln>
-                          <a:solidFill>
-                            <a:srgbClr val="000000"/>
-                          </a:solidFill>
-                          <a:effectLst/>
-                          <a:latin typeface="Arial" charset="0"/>
-                        </a:rPr>
-                        <a:t>academie</a:t>
-                      </a:r>
-                    </a:p>
-                  </a:txBody>
-                  <a:tcPr horzOverflow="overflow">
-                    <a:lnL w="28575" cap="flat" cmpd="sng" algn="ctr">
-                      <a:solidFill>
-                        <a:schemeClr val="bg1"/>
-                      </a:solidFill>
-                      <a:prstDash val="solid"/>
-                      <a:round/>
-                      <a:headEnd type="none" w="med" len="med"/>
-                      <a:tailEnd type="none" w="med" len="med"/>
-                    </a:lnL>
-                    <a:lnR w="28575" cap="flat" cmpd="sng" algn="ctr">
-                      <a:solidFill>
-                        <a:schemeClr val="bg1"/>
-                      </a:solidFill>
-                      <a:prstDash val="solid"/>
-                      <a:round/>
-                      <a:headEnd type="none" w="med" len="med"/>
-                      <a:tailEnd type="none" w="med" len="med"/>
-                    </a:lnR>
-                    <a:lnT w="12700" cap="flat" cmpd="sng" algn="ctr">
-                      <a:solidFill>
-                        <a:schemeClr val="bg1"/>
-                      </a:solidFill>
-                      <a:prstDash val="solid"/>
-                      <a:round/>
-                      <a:headEnd type="none" w="med" len="med"/>
-                      <a:tailEnd type="none" w="med" len="med"/>
-                    </a:lnT>
-                    <a:lnB w="28575" cap="flat" cmpd="sng" algn="ctr">
-                      <a:solidFill>
-                        <a:schemeClr val="bg1"/>
-                      </a:solidFill>
-                      <a:prstDash val="solid"/>
-                      <a:round/>
-                      <a:headEnd type="none" w="med" len="med"/>
-                      <a:tailEnd type="none" w="med" len="med"/>
-                    </a:lnB>
-                    <a:lnTlToBr>
-                      <a:noFill/>
-                    </a:lnTlToBr>
-                    <a:lnBlToTr>
-                      <a:noFill/>
-                    </a:lnBlToTr>
-                    <a:solidFill>
-                      <a:schemeClr val="accent1"/>
-                    </a:solidFill>
-                  </a:tcPr>
-                </a:tc>
-                <a:tc>
-                  <a:txBody>
-                    <a:bodyPr/>
-                    <a:lstStyle/>
-                    <a:p>
-                      <a:pPr marL="0" marR="0" lvl="0" indent="0" algn="l" defTabSz="914400" rtl="0" eaLnBrk="1" fontAlgn="base" latinLnBrk="0" hangingPunct="1">
-                        <a:lnSpc>
-                          <a:spcPct val="100000"/>
-                        </a:lnSpc>
-                        <a:spcBef>
-                          <a:spcPct val="20000"/>
-                        </a:spcBef>
-                        <a:spcAft>
-                          <a:spcPct val="0"/>
-                        </a:spcAft>
-                        <a:buClr>
-                          <a:srgbClr val="ED0010"/>
-                        </a:buClr>
-                        <a:buSzPct val="60000"/>
-                        <a:buFont typeface="Zapf Dingbats" charset="2"/>
-                        <a:buNone/>
-                        <a:tabLst/>
-                      </a:pPr>
-                      <a:r>
-                        <a:rPr kumimoji="0" lang="en-US" sz="2400" b="1" i="0" u="none" strike="noStrike" cap="none" normalizeH="0" baseline="0" smtClean="0">
-                          <a:ln>
-                            <a:noFill/>
-                          </a:ln>
-                          <a:solidFill>
-                            <a:srgbClr val="000000"/>
-                          </a:solidFill>
-                          <a:effectLst/>
-                          <a:latin typeface="Arial" charset="0"/>
-                        </a:rPr>
-                        <a:t>centrum</a:t>
-                      </a:r>
-                    </a:p>
-                  </a:txBody>
-                  <a:tcPr horzOverflow="overflow">
-                    <a:lnL w="28575" cap="flat" cmpd="sng" algn="ctr">
-                      <a:solidFill>
-                        <a:schemeClr val="bg1"/>
-                      </a:solidFill>
-                      <a:prstDash val="solid"/>
-                      <a:round/>
-                      <a:headEnd type="none" w="med" len="med"/>
-                      <a:tailEnd type="none" w="med" len="med"/>
-                    </a:lnL>
-                    <a:lnR w="12700" cap="flat" cmpd="sng" algn="ctr">
-                      <a:solidFill>
-                        <a:schemeClr val="bg1"/>
-                      </a:solidFill>
-                      <a:prstDash val="solid"/>
-                      <a:round/>
-                      <a:headEnd type="none" w="med" len="med"/>
-                      <a:tailEnd type="none" w="med" len="med"/>
-                    </a:lnR>
-                    <a:lnT w="12700" cap="flat" cmpd="sng" algn="ctr">
-                      <a:solidFill>
-                        <a:schemeClr val="bg1"/>
-                      </a:solidFill>
-                      <a:prstDash val="solid"/>
-                      <a:round/>
-                      <a:headEnd type="none" w="med" len="med"/>
-                      <a:tailEnd type="none" w="med" len="med"/>
-                    </a:lnT>
-                    <a:lnB w="28575" cap="flat" cmpd="sng" algn="ctr">
-                      <a:solidFill>
-                        <a:schemeClr val="bg1"/>
-                      </a:solidFill>
-                      <a:prstDash val="solid"/>
-                      <a:round/>
-                      <a:headEnd type="none" w="med" len="med"/>
-                      <a:tailEnd type="none" w="med" len="med"/>
-                    </a:lnB>
-                    <a:lnTlToBr>
-                      <a:noFill/>
-                    </a:lnTlToBr>
-                    <a:lnBlToTr>
-                      <a:noFill/>
-                    </a:lnBlToTr>
-                    <a:solidFill>
-                      <a:schemeClr val="accent1"/>
-                    </a:solidFill>
-                  </a:tcPr>
-                </a:tc>
-              </a:tr>
-              <a:tr h="633413">
-                <a:tc>
-                  <a:txBody>
-                    <a:bodyPr/>
-                    <a:lstStyle/>
-                    <a:p>
-                      <a:pPr marL="0" marR="0" lvl="0" indent="0" algn="l" defTabSz="914400" rtl="0" eaLnBrk="1" fontAlgn="base" latinLnBrk="0" hangingPunct="1">
-                        <a:lnSpc>
-                          <a:spcPct val="100000"/>
-                        </a:lnSpc>
-                        <a:spcBef>
-                          <a:spcPct val="20000"/>
-                        </a:spcBef>
-                        <a:spcAft>
-                          <a:spcPct val="0"/>
-                        </a:spcAft>
-                        <a:buClr>
-                          <a:srgbClr val="ED0010"/>
-                        </a:buClr>
-                        <a:buSzPct val="60000"/>
-                        <a:buFont typeface="Zapf Dingbats" charset="2"/>
-                        <a:buNone/>
-                        <a:tabLst/>
-                      </a:pPr>
-                      <a:r>
-                        <a:rPr kumimoji="0" lang="en-US" sz="2400" b="1" i="0" u="none" strike="noStrike" cap="none" normalizeH="0" baseline="0" smtClean="0">
-                          <a:ln>
-                            <a:noFill/>
-                          </a:ln>
-                          <a:solidFill>
-                            <a:srgbClr val="000000"/>
-                          </a:solidFill>
-                          <a:effectLst/>
-                          <a:latin typeface="Arial" charset="0"/>
-                        </a:rPr>
-                        <a:t>2003</a:t>
-                      </a:r>
-                      <a:endParaRPr kumimoji="0" lang="en-US" sz="2400" b="0" i="0" u="none" strike="noStrike" cap="none" normalizeH="0" baseline="0" smtClean="0">
-                        <a:ln>
-                          <a:noFill/>
-                        </a:ln>
-                        <a:solidFill>
-                          <a:srgbClr val="000000"/>
-                        </a:solidFill>
-                        <a:effectLst/>
-                        <a:latin typeface="Arial" charset="0"/>
-                      </a:endParaRPr>
-                    </a:p>
-                  </a:txBody>
-                  <a:tcPr horzOverflow="overflow">
-                    <a:lnL w="12700" cap="flat" cmpd="sng" algn="ctr">
-                      <a:solidFill>
-                        <a:schemeClr val="bg1"/>
-                      </a:solidFill>
-                      <a:prstDash val="solid"/>
-                      <a:round/>
-                      <a:headEnd type="none" w="med" len="med"/>
-                      <a:tailEnd type="none" w="med" len="med"/>
-                    </a:lnL>
-                    <a:lnR w="28575" cap="flat" cmpd="sng" algn="ctr">
-                      <a:solidFill>
-                        <a:schemeClr val="bg1"/>
-                      </a:solidFill>
-                      <a:prstDash val="solid"/>
-                      <a:round/>
-                      <a:headEnd type="none" w="med" len="med"/>
-                      <a:tailEnd type="none" w="med" len="med"/>
-                    </a:lnR>
-                    <a:lnT w="28575" cap="flat" cmpd="sng" algn="ctr">
-                      <a:solidFill>
-                        <a:schemeClr val="bg1"/>
-                      </a:solidFill>
-                      <a:prstDash val="solid"/>
-                      <a:round/>
-                      <a:headEnd type="none" w="med" len="med"/>
-                      <a:tailEnd type="none" w="med" len="med"/>
-                    </a:lnT>
-                    <a:lnB w="28575" cap="flat" cmpd="sng" algn="ctr">
-                      <a:solidFill>
-                        <a:schemeClr val="bg1"/>
-                      </a:solidFill>
-                      <a:prstDash val="solid"/>
-                      <a:round/>
-                      <a:headEnd type="none" w="med" len="med"/>
-                      <a:tailEnd type="none" w="med" len="med"/>
-                    </a:lnB>
-                    <a:lnTlToBr>
-                      <a:noFill/>
-                    </a:lnTlToBr>
-                    <a:lnBlToTr>
-                      <a:noFill/>
-                    </a:lnBlToTr>
-                    <a:solidFill>
-                      <a:schemeClr val="accent1"/>
-                    </a:solidFill>
-                  </a:tcPr>
-                </a:tc>
-                <a:tc>
-                  <a:txBody>
-                    <a:bodyPr/>
-                    <a:lstStyle/>
-                    <a:p>
-                      <a:pPr marL="0" marR="0" lvl="0" indent="0" algn="l" defTabSz="914400" rtl="0" eaLnBrk="1" fontAlgn="base" latinLnBrk="0" hangingPunct="1">
-                        <a:lnSpc>
-                          <a:spcPct val="100000"/>
-                        </a:lnSpc>
-                        <a:spcBef>
-                          <a:spcPct val="20000"/>
-                        </a:spcBef>
-                        <a:spcAft>
-                          <a:spcPct val="0"/>
-                        </a:spcAft>
-                        <a:buClr>
-                          <a:srgbClr val="ED0010"/>
-                        </a:buClr>
-                        <a:buSzPct val="60000"/>
-                        <a:buFont typeface="Zapf Dingbats" charset="2"/>
-                        <a:buNone/>
-                        <a:tabLst/>
-                      </a:pPr>
-                      <a:r>
-                        <a:rPr kumimoji="0" lang="en-US" sz="2400" b="0" i="0" u="none" strike="noStrike" cap="none" normalizeH="0" baseline="0" smtClean="0">
-                          <a:ln>
-                            <a:noFill/>
-                          </a:ln>
-                          <a:solidFill>
-                            <a:srgbClr val="000000"/>
-                          </a:solidFill>
-                          <a:effectLst/>
-                          <a:latin typeface="Arial" charset="0"/>
-                        </a:rPr>
-                        <a:t>30%</a:t>
-                      </a:r>
-                    </a:p>
-                  </a:txBody>
-                  <a:tcPr horzOverflow="overflow">
-                    <a:lnL w="28575" cap="flat" cmpd="sng" algn="ctr">
-                      <a:solidFill>
-                        <a:schemeClr val="bg1"/>
-                      </a:solidFill>
-                      <a:prstDash val="solid"/>
-                      <a:round/>
-                      <a:headEnd type="none" w="med" len="med"/>
-                      <a:tailEnd type="none" w="med" len="med"/>
-                    </a:lnL>
-                    <a:lnR w="28575" cap="flat" cmpd="sng" algn="ctr">
-                      <a:solidFill>
-                        <a:schemeClr val="bg1"/>
-                      </a:solidFill>
-                      <a:prstDash val="solid"/>
-                      <a:round/>
-                      <a:headEnd type="none" w="med" len="med"/>
-                      <a:tailEnd type="none" w="med" len="med"/>
-                    </a:lnR>
-                    <a:lnT w="28575" cap="flat" cmpd="sng" algn="ctr">
-                      <a:solidFill>
-                        <a:schemeClr val="bg1"/>
-                      </a:solidFill>
-                      <a:prstDash val="solid"/>
-                      <a:round/>
-                      <a:headEnd type="none" w="med" len="med"/>
-                      <a:tailEnd type="none" w="med" len="med"/>
-                    </a:lnT>
-                    <a:lnB w="28575" cap="flat" cmpd="sng" algn="ctr">
-                      <a:solidFill>
-                        <a:schemeClr val="bg1"/>
-                      </a:solidFill>
-                      <a:prstDash val="solid"/>
-                      <a:round/>
-                      <a:headEnd type="none" w="med" len="med"/>
-                      <a:tailEnd type="none" w="med" len="med"/>
-                    </a:lnB>
-                    <a:lnTlToBr>
-                      <a:noFill/>
-                    </a:lnTlToBr>
-                    <a:lnBlToTr>
-                      <a:noFill/>
-                    </a:lnBlToTr>
-                    <a:solidFill>
-                      <a:schemeClr val="accent1"/>
-                    </a:solidFill>
-                  </a:tcPr>
-                </a:tc>
-                <a:tc>
-                  <a:txBody>
-                    <a:bodyPr/>
-                    <a:lstStyle/>
-                    <a:p>
-                      <a:pPr marL="0" marR="0" lvl="0" indent="0" algn="l" defTabSz="914400" rtl="0" eaLnBrk="1" fontAlgn="base" latinLnBrk="0" hangingPunct="1">
-                        <a:lnSpc>
-                          <a:spcPct val="100000"/>
-                        </a:lnSpc>
-                        <a:spcBef>
-                          <a:spcPct val="20000"/>
-                        </a:spcBef>
-                        <a:spcAft>
-                          <a:spcPct val="0"/>
-                        </a:spcAft>
-                        <a:buClr>
-                          <a:srgbClr val="ED0010"/>
-                        </a:buClr>
-                        <a:buSzPct val="60000"/>
-                        <a:buFont typeface="Zapf Dingbats" charset="2"/>
-                        <a:buNone/>
-                        <a:tabLst/>
-                      </a:pPr>
-                      <a:r>
-                        <a:rPr kumimoji="0" lang="en-US" sz="2400" b="0" i="0" u="none" strike="noStrike" cap="none" normalizeH="0" baseline="0" smtClean="0">
-                          <a:ln>
-                            <a:noFill/>
-                          </a:ln>
-                          <a:solidFill>
-                            <a:srgbClr val="000000"/>
-                          </a:solidFill>
-                          <a:effectLst/>
-                          <a:latin typeface="Arial" charset="0"/>
-                        </a:rPr>
-                        <a:t>28%</a:t>
-                      </a:r>
-                    </a:p>
-                  </a:txBody>
-                  <a:tcPr horzOverflow="overflow">
-                    <a:lnL w="28575" cap="flat" cmpd="sng" algn="ctr">
-                      <a:solidFill>
-                        <a:schemeClr val="bg1"/>
-                      </a:solidFill>
-                      <a:prstDash val="solid"/>
-                      <a:round/>
-                      <a:headEnd type="none" w="med" len="med"/>
-                      <a:tailEnd type="none" w="med" len="med"/>
-                    </a:lnL>
-                    <a:lnR w="28575" cap="flat" cmpd="sng" algn="ctr">
-                      <a:solidFill>
-                        <a:schemeClr val="bg1"/>
-                      </a:solidFill>
-                      <a:prstDash val="solid"/>
-                      <a:round/>
-                      <a:headEnd type="none" w="med" len="med"/>
-                      <a:tailEnd type="none" w="med" len="med"/>
-                    </a:lnR>
-                    <a:lnT w="28575" cap="flat" cmpd="sng" algn="ctr">
-                      <a:solidFill>
-                        <a:schemeClr val="bg1"/>
-                      </a:solidFill>
-                      <a:prstDash val="solid"/>
-                      <a:round/>
-                      <a:headEnd type="none" w="med" len="med"/>
-                      <a:tailEnd type="none" w="med" len="med"/>
-                    </a:lnT>
-                    <a:lnB w="28575" cap="flat" cmpd="sng" algn="ctr">
-                      <a:solidFill>
-                        <a:schemeClr val="bg1"/>
-                      </a:solidFill>
-                      <a:prstDash val="solid"/>
-                      <a:round/>
-                      <a:headEnd type="none" w="med" len="med"/>
-                      <a:tailEnd type="none" w="med" len="med"/>
-                    </a:lnB>
-                    <a:lnTlToBr>
-                      <a:noFill/>
-                    </a:lnTlToBr>
-                    <a:lnBlToTr>
-                      <a:noFill/>
-                    </a:lnBlToTr>
-                    <a:solidFill>
-                      <a:schemeClr val="accent1"/>
-                    </a:solidFill>
-                  </a:tcPr>
-                </a:tc>
-                <a:tc>
-                  <a:txBody>
-                    <a:bodyPr/>
-                    <a:lstStyle/>
-                    <a:p>
-                      <a:pPr marL="0" marR="0" lvl="0" indent="0" algn="l" defTabSz="914400" rtl="0" eaLnBrk="1" fontAlgn="base" latinLnBrk="0" hangingPunct="1">
-                        <a:lnSpc>
-                          <a:spcPct val="100000"/>
-                        </a:lnSpc>
-                        <a:spcBef>
-                          <a:spcPct val="20000"/>
-                        </a:spcBef>
-                        <a:spcAft>
-                          <a:spcPct val="0"/>
-                        </a:spcAft>
-                        <a:buClr>
-                          <a:srgbClr val="ED0010"/>
-                        </a:buClr>
-                        <a:buSzPct val="60000"/>
-                        <a:buFont typeface="Zapf Dingbats" charset="2"/>
-                        <a:buNone/>
-                        <a:tabLst/>
-                      </a:pPr>
-                      <a:r>
-                        <a:rPr kumimoji="0" lang="en-US" sz="2400" b="0" i="0" u="none" strike="noStrike" cap="none" normalizeH="0" baseline="0" smtClean="0">
-                          <a:ln>
-                            <a:noFill/>
-                          </a:ln>
-                          <a:solidFill>
-                            <a:srgbClr val="000000"/>
-                          </a:solidFill>
-                          <a:effectLst/>
-                          <a:latin typeface="Arial" charset="0"/>
-                        </a:rPr>
-                        <a:t>32%</a:t>
-                      </a:r>
-                    </a:p>
-                  </a:txBody>
-                  <a:tcPr horzOverflow="overflow">
-                    <a:lnL w="28575" cap="flat" cmpd="sng" algn="ctr">
-                      <a:solidFill>
-                        <a:schemeClr val="bg1"/>
-                      </a:solidFill>
-                      <a:prstDash val="solid"/>
-                      <a:round/>
-                      <a:headEnd type="none" w="med" len="med"/>
-                      <a:tailEnd type="none" w="med" len="med"/>
-                    </a:lnL>
-                    <a:lnR w="12700" cap="flat" cmpd="sng" algn="ctr">
-                      <a:solidFill>
-                        <a:schemeClr val="bg1"/>
-                      </a:solidFill>
-                      <a:prstDash val="solid"/>
-                      <a:round/>
-                      <a:headEnd type="none" w="med" len="med"/>
-                      <a:tailEnd type="none" w="med" len="med"/>
-                    </a:lnR>
-                    <a:lnT w="28575" cap="flat" cmpd="sng" algn="ctr">
-                      <a:solidFill>
-                        <a:schemeClr val="bg1"/>
-                      </a:solidFill>
-                      <a:prstDash val="solid"/>
-                      <a:round/>
-                      <a:headEnd type="none" w="med" len="med"/>
-                      <a:tailEnd type="none" w="med" len="med"/>
-                    </a:lnT>
-                    <a:lnB w="28575" cap="flat" cmpd="sng" algn="ctr">
-                      <a:solidFill>
-                        <a:schemeClr val="bg1"/>
-                      </a:solidFill>
-                      <a:prstDash val="solid"/>
-                      <a:round/>
-                      <a:headEnd type="none" w="med" len="med"/>
-                      <a:tailEnd type="none" w="med" len="med"/>
-                    </a:lnB>
-                    <a:lnTlToBr>
-                      <a:noFill/>
-                    </a:lnTlToBr>
-                    <a:lnBlToTr>
-                      <a:noFill/>
-                    </a:lnBlToTr>
-                    <a:solidFill>
-                      <a:schemeClr val="accent1"/>
-                    </a:solidFill>
-                  </a:tcPr>
-                </a:tc>
-              </a:tr>
-              <a:tr h="636588">
-                <a:tc>
-                  <a:txBody>
-                    <a:bodyPr/>
-                    <a:lstStyle/>
-                    <a:p>
-                      <a:pPr marL="0" marR="0" lvl="0" indent="0" algn="l" defTabSz="914400" rtl="0" eaLnBrk="1" fontAlgn="base" latinLnBrk="0" hangingPunct="1">
-                        <a:lnSpc>
-                          <a:spcPct val="100000"/>
-                        </a:lnSpc>
-                        <a:spcBef>
-                          <a:spcPct val="20000"/>
-                        </a:spcBef>
-                        <a:spcAft>
-                          <a:spcPct val="0"/>
-                        </a:spcAft>
-                        <a:buClr>
-                          <a:srgbClr val="ED0010"/>
-                        </a:buClr>
-                        <a:buSzPct val="60000"/>
-                        <a:buFont typeface="Zapf Dingbats" charset="2"/>
-                        <a:buNone/>
-                        <a:tabLst/>
-                      </a:pPr>
-                      <a:r>
-                        <a:rPr kumimoji="0" lang="en-US" sz="2400" b="1" i="0" u="none" strike="noStrike" cap="none" normalizeH="0" baseline="0" smtClean="0">
-                          <a:ln>
-                            <a:noFill/>
-                          </a:ln>
-                          <a:solidFill>
-                            <a:srgbClr val="000000"/>
-                          </a:solidFill>
-                          <a:effectLst/>
-                          <a:latin typeface="Arial" charset="0"/>
-                        </a:rPr>
-                        <a:t>2004</a:t>
-                      </a:r>
-                      <a:endParaRPr kumimoji="0" lang="en-US" sz="2400" b="0" i="0" u="none" strike="noStrike" cap="none" normalizeH="0" baseline="0" smtClean="0">
-                        <a:ln>
-                          <a:noFill/>
-                        </a:ln>
-                        <a:solidFill>
-                          <a:srgbClr val="000000"/>
-                        </a:solidFill>
-                        <a:effectLst/>
-                        <a:latin typeface="Arial" charset="0"/>
-                      </a:endParaRPr>
-                    </a:p>
-                  </a:txBody>
-                  <a:tcPr horzOverflow="overflow">
-                    <a:lnL w="12700" cap="flat" cmpd="sng" algn="ctr">
-                      <a:solidFill>
-                        <a:schemeClr val="bg1"/>
-                      </a:solidFill>
-                      <a:prstDash val="solid"/>
-                      <a:round/>
-                      <a:headEnd type="none" w="med" len="med"/>
-                      <a:tailEnd type="none" w="med" len="med"/>
-                    </a:lnL>
-                    <a:lnR w="28575" cap="flat" cmpd="sng" algn="ctr">
-                      <a:solidFill>
-                        <a:schemeClr val="bg1"/>
-                      </a:solidFill>
-                      <a:prstDash val="solid"/>
-                      <a:round/>
-                      <a:headEnd type="none" w="med" len="med"/>
-                      <a:tailEnd type="none" w="med" len="med"/>
-                    </a:lnR>
-                    <a:lnT w="28575" cap="flat" cmpd="sng" algn="ctr">
-                      <a:solidFill>
-                        <a:schemeClr val="bg1"/>
-                      </a:solidFill>
-                      <a:prstDash val="solid"/>
-                      <a:round/>
-                      <a:headEnd type="none" w="med" len="med"/>
-                      <a:tailEnd type="none" w="med" len="med"/>
-                    </a:lnT>
-                    <a:lnB w="28575" cap="flat" cmpd="sng" algn="ctr">
-                      <a:solidFill>
-                        <a:schemeClr val="bg1"/>
-                      </a:solidFill>
-                      <a:prstDash val="solid"/>
-                      <a:round/>
-                      <a:headEnd type="none" w="med" len="med"/>
-                      <a:tailEnd type="none" w="med" len="med"/>
-                    </a:lnB>
-                    <a:lnTlToBr>
-                      <a:noFill/>
-                    </a:lnTlToBr>
-                    <a:lnBlToTr>
-                      <a:noFill/>
-                    </a:lnBlToTr>
-                    <a:solidFill>
-                      <a:schemeClr val="accent1"/>
-                    </a:solidFill>
-                  </a:tcPr>
-                </a:tc>
-                <a:tc>
-                  <a:txBody>
-                    <a:bodyPr/>
-                    <a:lstStyle/>
-                    <a:p>
-                      <a:pPr marL="0" marR="0" lvl="0" indent="0" algn="l" defTabSz="914400" rtl="0" eaLnBrk="1" fontAlgn="base" latinLnBrk="0" hangingPunct="1">
-                        <a:lnSpc>
-                          <a:spcPct val="100000"/>
-                        </a:lnSpc>
-                        <a:spcBef>
-                          <a:spcPct val="20000"/>
-                        </a:spcBef>
-                        <a:spcAft>
-                          <a:spcPct val="0"/>
-                        </a:spcAft>
-                        <a:buClr>
-                          <a:srgbClr val="ED0010"/>
-                        </a:buClr>
-                        <a:buSzPct val="60000"/>
-                        <a:buFont typeface="Zapf Dingbats" charset="2"/>
-                        <a:buNone/>
-                        <a:tabLst/>
-                      </a:pPr>
-                      <a:r>
-                        <a:rPr kumimoji="0" lang="en-US" sz="2400" b="0" i="0" u="none" strike="noStrike" cap="none" normalizeH="0" baseline="0" smtClean="0">
-                          <a:ln>
-                            <a:noFill/>
-                          </a:ln>
-                          <a:solidFill>
-                            <a:srgbClr val="000000"/>
-                          </a:solidFill>
-                          <a:effectLst/>
-                          <a:latin typeface="Arial" charset="0"/>
-                        </a:rPr>
-                        <a:t>28%</a:t>
-                      </a:r>
-                    </a:p>
-                  </a:txBody>
-                  <a:tcPr horzOverflow="overflow">
-                    <a:lnL w="28575" cap="flat" cmpd="sng" algn="ctr">
-                      <a:solidFill>
-                        <a:schemeClr val="bg1"/>
-                      </a:solidFill>
-                      <a:prstDash val="solid"/>
-                      <a:round/>
-                      <a:headEnd type="none" w="med" len="med"/>
-                      <a:tailEnd type="none" w="med" len="med"/>
-                    </a:lnL>
-                    <a:lnR w="28575" cap="flat" cmpd="sng" algn="ctr">
-                      <a:solidFill>
-                        <a:schemeClr val="bg1"/>
-                      </a:solidFill>
-                      <a:prstDash val="solid"/>
-                      <a:round/>
-                      <a:headEnd type="none" w="med" len="med"/>
-                      <a:tailEnd type="none" w="med" len="med"/>
-                    </a:lnR>
-                    <a:lnT w="28575" cap="flat" cmpd="sng" algn="ctr">
-                      <a:solidFill>
-                        <a:schemeClr val="bg1"/>
-                      </a:solidFill>
-                      <a:prstDash val="solid"/>
-                      <a:round/>
-                      <a:headEnd type="none" w="med" len="med"/>
-                      <a:tailEnd type="none" w="med" len="med"/>
-                    </a:lnT>
-                    <a:lnB w="28575" cap="flat" cmpd="sng" algn="ctr">
-                      <a:solidFill>
-                        <a:schemeClr val="bg1"/>
-                      </a:solidFill>
-                      <a:prstDash val="solid"/>
-                      <a:round/>
-                      <a:headEnd type="none" w="med" len="med"/>
-                      <a:tailEnd type="none" w="med" len="med"/>
-                    </a:lnB>
-                    <a:lnTlToBr>
-                      <a:noFill/>
-                    </a:lnTlToBr>
-                    <a:lnBlToTr>
-                      <a:noFill/>
-                    </a:lnBlToTr>
-                    <a:solidFill>
-                      <a:schemeClr val="accent1"/>
-                    </a:solidFill>
-                  </a:tcPr>
-                </a:tc>
-                <a:tc>
-                  <a:txBody>
-                    <a:bodyPr/>
-                    <a:lstStyle/>
-                    <a:p>
-                      <a:pPr marL="0" marR="0" lvl="0" indent="0" algn="l" defTabSz="914400" rtl="0" eaLnBrk="1" fontAlgn="base" latinLnBrk="0" hangingPunct="1">
-                        <a:lnSpc>
-                          <a:spcPct val="100000"/>
-                        </a:lnSpc>
-                        <a:spcBef>
-                          <a:spcPct val="20000"/>
-                        </a:spcBef>
-                        <a:spcAft>
-                          <a:spcPct val="0"/>
-                        </a:spcAft>
-                        <a:buClr>
-                          <a:srgbClr val="ED0010"/>
-                        </a:buClr>
-                        <a:buSzPct val="60000"/>
-                        <a:buFont typeface="Zapf Dingbats" charset="2"/>
-                        <a:buNone/>
-                        <a:tabLst/>
-                      </a:pPr>
-                      <a:r>
-                        <a:rPr kumimoji="0" lang="en-US" sz="2400" b="0" i="0" u="none" strike="noStrike" cap="none" normalizeH="0" baseline="0" smtClean="0">
-                          <a:ln>
-                            <a:noFill/>
-                          </a:ln>
-                          <a:solidFill>
-                            <a:srgbClr val="000000"/>
-                          </a:solidFill>
-                          <a:effectLst/>
-                          <a:latin typeface="Arial" charset="0"/>
-                        </a:rPr>
-                        <a:t>32%</a:t>
-                      </a:r>
-                    </a:p>
-                  </a:txBody>
-                  <a:tcPr horzOverflow="overflow">
-                    <a:lnL w="28575" cap="flat" cmpd="sng" algn="ctr">
-                      <a:solidFill>
-                        <a:schemeClr val="bg1"/>
-                      </a:solidFill>
-                      <a:prstDash val="solid"/>
-                      <a:round/>
-                      <a:headEnd type="none" w="med" len="med"/>
-                      <a:tailEnd type="none" w="med" len="med"/>
-                    </a:lnL>
-                    <a:lnR w="28575" cap="flat" cmpd="sng" algn="ctr">
-                      <a:solidFill>
-                        <a:schemeClr val="bg1"/>
-                      </a:solidFill>
-                      <a:prstDash val="solid"/>
-                      <a:round/>
-                      <a:headEnd type="none" w="med" len="med"/>
-                      <a:tailEnd type="none" w="med" len="med"/>
-                    </a:lnR>
-                    <a:lnT w="28575" cap="flat" cmpd="sng" algn="ctr">
-                      <a:solidFill>
-                        <a:schemeClr val="bg1"/>
-                      </a:solidFill>
-                      <a:prstDash val="solid"/>
-                      <a:round/>
-                      <a:headEnd type="none" w="med" len="med"/>
-                      <a:tailEnd type="none" w="med" len="med"/>
-                    </a:lnT>
-                    <a:lnB w="28575" cap="flat" cmpd="sng" algn="ctr">
-                      <a:solidFill>
-                        <a:schemeClr val="bg1"/>
-                      </a:solidFill>
-                      <a:prstDash val="solid"/>
-                      <a:round/>
-                      <a:headEnd type="none" w="med" len="med"/>
-                      <a:tailEnd type="none" w="med" len="med"/>
-                    </a:lnB>
-                    <a:lnTlToBr>
-                      <a:noFill/>
-                    </a:lnTlToBr>
-                    <a:lnBlToTr>
-                      <a:noFill/>
-                    </a:lnBlToTr>
-                    <a:solidFill>
-                      <a:schemeClr val="accent1"/>
-                    </a:solidFill>
-                  </a:tcPr>
-                </a:tc>
-                <a:tc>
-                  <a:txBody>
-                    <a:bodyPr/>
-                    <a:lstStyle/>
-                    <a:p>
-                      <a:pPr marL="0" marR="0" lvl="0" indent="0" algn="l" defTabSz="914400" rtl="0" eaLnBrk="1" fontAlgn="base" latinLnBrk="0" hangingPunct="1">
-                        <a:lnSpc>
-                          <a:spcPct val="100000"/>
-                        </a:lnSpc>
-                        <a:spcBef>
-                          <a:spcPct val="20000"/>
-                        </a:spcBef>
-                        <a:spcAft>
-                          <a:spcPct val="0"/>
-                        </a:spcAft>
-                        <a:buClr>
-                          <a:srgbClr val="ED0010"/>
-                        </a:buClr>
-                        <a:buSzPct val="60000"/>
-                        <a:buFont typeface="Zapf Dingbats" charset="2"/>
-                        <a:buNone/>
-                        <a:tabLst/>
-                      </a:pPr>
-                      <a:r>
-                        <a:rPr kumimoji="0" lang="en-US" sz="2400" b="0" i="0" u="none" strike="noStrike" cap="none" normalizeH="0" baseline="0" smtClean="0">
-                          <a:ln>
-                            <a:noFill/>
-                          </a:ln>
-                          <a:solidFill>
-                            <a:srgbClr val="000000"/>
-                          </a:solidFill>
-                          <a:effectLst/>
-                          <a:latin typeface="Arial" charset="0"/>
-                        </a:rPr>
-                        <a:t>30%</a:t>
-                      </a:r>
-                    </a:p>
-                  </a:txBody>
-                  <a:tcPr horzOverflow="overflow">
-                    <a:lnL w="28575" cap="flat" cmpd="sng" algn="ctr">
-                      <a:solidFill>
-                        <a:schemeClr val="bg1"/>
-                      </a:solidFill>
-                      <a:prstDash val="solid"/>
-                      <a:round/>
-                      <a:headEnd type="none" w="med" len="med"/>
-                      <a:tailEnd type="none" w="med" len="med"/>
-                    </a:lnL>
-                    <a:lnR w="12700" cap="flat" cmpd="sng" algn="ctr">
-                      <a:solidFill>
-                        <a:schemeClr val="bg1"/>
-                      </a:solidFill>
-                      <a:prstDash val="solid"/>
-                      <a:round/>
-                      <a:headEnd type="none" w="med" len="med"/>
-                      <a:tailEnd type="none" w="med" len="med"/>
-                    </a:lnR>
-                    <a:lnT w="28575" cap="flat" cmpd="sng" algn="ctr">
-                      <a:solidFill>
-                        <a:schemeClr val="bg1"/>
-                      </a:solidFill>
-                      <a:prstDash val="solid"/>
-                      <a:round/>
-                      <a:headEnd type="none" w="med" len="med"/>
-                      <a:tailEnd type="none" w="med" len="med"/>
-                    </a:lnT>
-                    <a:lnB w="28575" cap="flat" cmpd="sng" algn="ctr">
-                      <a:solidFill>
-                        <a:schemeClr val="bg1"/>
-                      </a:solidFill>
-                      <a:prstDash val="solid"/>
-                      <a:round/>
-                      <a:headEnd type="none" w="med" len="med"/>
-                      <a:tailEnd type="none" w="med" len="med"/>
-                    </a:lnB>
-                    <a:lnTlToBr>
-                      <a:noFill/>
-                    </a:lnTlToBr>
-                    <a:lnBlToTr>
-                      <a:noFill/>
-                    </a:lnBlToTr>
-                    <a:solidFill>
-                      <a:schemeClr val="accent1"/>
-                    </a:solidFill>
-                  </a:tcPr>
-                </a:tc>
-              </a:tr>
-              <a:tr h="633413">
-                <a:tc>
-                  <a:txBody>
-                    <a:bodyPr/>
-                    <a:lstStyle/>
-                    <a:p>
-                      <a:pPr marL="0" marR="0" lvl="0" indent="0" algn="l" defTabSz="914400" rtl="0" eaLnBrk="1" fontAlgn="base" latinLnBrk="0" hangingPunct="1">
-                        <a:lnSpc>
-                          <a:spcPct val="100000"/>
-                        </a:lnSpc>
-                        <a:spcBef>
-                          <a:spcPct val="20000"/>
-                        </a:spcBef>
-                        <a:spcAft>
-                          <a:spcPct val="0"/>
-                        </a:spcAft>
-                        <a:buClr>
-                          <a:srgbClr val="ED0010"/>
-                        </a:buClr>
-                        <a:buSzPct val="60000"/>
-                        <a:buFont typeface="Zapf Dingbats" charset="2"/>
-                        <a:buNone/>
-                        <a:tabLst/>
-                      </a:pPr>
-                      <a:r>
-                        <a:rPr kumimoji="0" lang="en-US" sz="2400" b="1" i="0" u="none" strike="noStrike" cap="none" normalizeH="0" baseline="0" smtClean="0">
-                          <a:ln>
-                            <a:noFill/>
-                          </a:ln>
-                          <a:solidFill>
-                            <a:srgbClr val="000000"/>
-                          </a:solidFill>
-                          <a:effectLst/>
-                          <a:latin typeface="Arial" charset="0"/>
-                        </a:rPr>
-                        <a:t>2005</a:t>
-                      </a:r>
-                      <a:endParaRPr kumimoji="0" lang="en-US" sz="2400" b="0" i="0" u="none" strike="noStrike" cap="none" normalizeH="0" baseline="0" smtClean="0">
-                        <a:ln>
-                          <a:noFill/>
-                        </a:ln>
-                        <a:solidFill>
-                          <a:srgbClr val="000000"/>
-                        </a:solidFill>
-                        <a:effectLst/>
-                        <a:latin typeface="Arial" charset="0"/>
-                      </a:endParaRPr>
-                    </a:p>
-                  </a:txBody>
-                  <a:tcPr horzOverflow="overflow">
-                    <a:lnL w="12700" cap="flat" cmpd="sng" algn="ctr">
-                      <a:solidFill>
-                        <a:schemeClr val="bg1"/>
-                      </a:solidFill>
-                      <a:prstDash val="solid"/>
-                      <a:round/>
-                      <a:headEnd type="none" w="med" len="med"/>
-                      <a:tailEnd type="none" w="med" len="med"/>
-                    </a:lnL>
-                    <a:lnR w="28575" cap="flat" cmpd="sng" algn="ctr">
-                      <a:solidFill>
-                        <a:schemeClr val="bg1"/>
-                      </a:solidFill>
-                      <a:prstDash val="solid"/>
-                      <a:round/>
-                      <a:headEnd type="none" w="med" len="med"/>
-                      <a:tailEnd type="none" w="med" len="med"/>
-                    </a:lnR>
-                    <a:lnT w="28575" cap="flat" cmpd="sng" algn="ctr">
-                      <a:solidFill>
-                        <a:schemeClr val="bg1"/>
-                      </a:solidFill>
-                      <a:prstDash val="solid"/>
-                      <a:round/>
-                      <a:headEnd type="none" w="med" len="med"/>
-                      <a:tailEnd type="none" w="med" len="med"/>
-                    </a:lnT>
-                    <a:lnB w="12700" cap="flat" cmpd="sng" algn="ctr">
-                      <a:solidFill>
-                        <a:schemeClr val="bg1"/>
-                      </a:solidFill>
-                      <a:prstDash val="solid"/>
-                      <a:round/>
-                      <a:headEnd type="none" w="med" len="med"/>
-                      <a:tailEnd type="none" w="med" len="med"/>
-                    </a:lnB>
-                    <a:lnTlToBr>
-                      <a:noFill/>
-                    </a:lnTlToBr>
-                    <a:lnBlToTr>
-                      <a:noFill/>
-                    </a:lnBlToTr>
-                    <a:solidFill>
-                      <a:schemeClr val="accent1"/>
-                    </a:solidFill>
-                  </a:tcPr>
-                </a:tc>
-                <a:tc>
-                  <a:txBody>
-                    <a:bodyPr/>
-                    <a:lstStyle/>
-                    <a:p>
-                      <a:pPr marL="0" marR="0" lvl="0" indent="0" algn="l" defTabSz="914400" rtl="0" eaLnBrk="1" fontAlgn="base" latinLnBrk="0" hangingPunct="1">
-                        <a:lnSpc>
-                          <a:spcPct val="100000"/>
-                        </a:lnSpc>
-                        <a:spcBef>
-                          <a:spcPct val="20000"/>
-                        </a:spcBef>
-                        <a:spcAft>
-                          <a:spcPct val="0"/>
-                        </a:spcAft>
-                        <a:buClr>
-                          <a:srgbClr val="ED0010"/>
-                        </a:buClr>
-                        <a:buSzPct val="60000"/>
-                        <a:buFont typeface="Zapf Dingbats" charset="2"/>
-                        <a:buNone/>
-                        <a:tabLst/>
-                      </a:pPr>
-                      <a:r>
-                        <a:rPr kumimoji="0" lang="en-US" sz="2400" b="0" i="0" u="none" strike="noStrike" cap="none" normalizeH="0" baseline="0" smtClean="0">
-                          <a:ln>
-                            <a:noFill/>
-                          </a:ln>
-                          <a:solidFill>
-                            <a:srgbClr val="000000"/>
-                          </a:solidFill>
-                          <a:effectLst/>
-                          <a:latin typeface="Arial" charset="0"/>
-                        </a:rPr>
-                        <a:t>32%</a:t>
-                      </a:r>
-                    </a:p>
-                  </a:txBody>
-                  <a:tcPr horzOverflow="overflow">
-                    <a:lnL w="28575" cap="flat" cmpd="sng" algn="ctr">
-                      <a:solidFill>
-                        <a:schemeClr val="bg1"/>
-                      </a:solidFill>
-                      <a:prstDash val="solid"/>
-                      <a:round/>
-                      <a:headEnd type="none" w="med" len="med"/>
-                      <a:tailEnd type="none" w="med" len="med"/>
-                    </a:lnL>
-                    <a:lnR w="28575" cap="flat" cmpd="sng" algn="ctr">
-                      <a:solidFill>
-                        <a:schemeClr val="bg1"/>
-                      </a:solidFill>
-                      <a:prstDash val="solid"/>
-                      <a:round/>
-                      <a:headEnd type="none" w="med" len="med"/>
-                      <a:tailEnd type="none" w="med" len="med"/>
-                    </a:lnR>
-                    <a:lnT w="28575" cap="flat" cmpd="sng" algn="ctr">
-                      <a:solidFill>
-                        <a:schemeClr val="bg1"/>
-                      </a:solidFill>
-                      <a:prstDash val="solid"/>
-                      <a:round/>
-                      <a:headEnd type="none" w="med" len="med"/>
-                      <a:tailEnd type="none" w="med" len="med"/>
-                    </a:lnT>
-                    <a:lnB w="12700" cap="flat" cmpd="sng" algn="ctr">
-                      <a:solidFill>
-                        <a:schemeClr val="bg1"/>
-                      </a:solidFill>
-                      <a:prstDash val="solid"/>
-                      <a:round/>
-                      <a:headEnd type="none" w="med" len="med"/>
-                      <a:tailEnd type="none" w="med" len="med"/>
-                    </a:lnB>
-                    <a:lnTlToBr>
-                      <a:noFill/>
-                    </a:lnTlToBr>
-                    <a:lnBlToTr>
-                      <a:noFill/>
-                    </a:lnBlToTr>
-                    <a:solidFill>
-                      <a:schemeClr val="accent1"/>
-                    </a:solidFill>
-                  </a:tcPr>
-                </a:tc>
-                <a:tc>
-                  <a:txBody>
-                    <a:bodyPr/>
-                    <a:lstStyle/>
-                    <a:p>
-                      <a:pPr marL="0" marR="0" lvl="0" indent="0" algn="l" defTabSz="914400" rtl="0" eaLnBrk="1" fontAlgn="base" latinLnBrk="0" hangingPunct="1">
-                        <a:lnSpc>
-                          <a:spcPct val="100000"/>
-                        </a:lnSpc>
-                        <a:spcBef>
-                          <a:spcPct val="20000"/>
-                        </a:spcBef>
-                        <a:spcAft>
-                          <a:spcPct val="0"/>
-                        </a:spcAft>
-                        <a:buClr>
-                          <a:srgbClr val="ED0010"/>
-                        </a:buClr>
-                        <a:buSzPct val="60000"/>
-                        <a:buFont typeface="Zapf Dingbats" charset="2"/>
-                        <a:buNone/>
-                        <a:tabLst/>
-                      </a:pPr>
-                      <a:r>
-                        <a:rPr kumimoji="0" lang="en-US" sz="2400" b="0" i="0" u="none" strike="noStrike" cap="none" normalizeH="0" baseline="0" smtClean="0">
-                          <a:ln>
-                            <a:noFill/>
-                          </a:ln>
-                          <a:solidFill>
-                            <a:srgbClr val="000000"/>
-                          </a:solidFill>
-                          <a:effectLst/>
-                          <a:latin typeface="Arial" charset="0"/>
-                        </a:rPr>
-                        <a:t>30%</a:t>
-                      </a:r>
-                    </a:p>
-                  </a:txBody>
-                  <a:tcPr horzOverflow="overflow">
-                    <a:lnL w="28575" cap="flat" cmpd="sng" algn="ctr">
-                      <a:solidFill>
-                        <a:schemeClr val="bg1"/>
-                      </a:solidFill>
-                      <a:prstDash val="solid"/>
-                      <a:round/>
-                      <a:headEnd type="none" w="med" len="med"/>
-                      <a:tailEnd type="none" w="med" len="med"/>
-                    </a:lnL>
-                    <a:lnR w="28575" cap="flat" cmpd="sng" algn="ctr">
-                      <a:solidFill>
-                        <a:schemeClr val="bg1"/>
-                      </a:solidFill>
-                      <a:prstDash val="solid"/>
-                      <a:round/>
-                      <a:headEnd type="none" w="med" len="med"/>
-                      <a:tailEnd type="none" w="med" len="med"/>
-                    </a:lnR>
-                    <a:lnT w="28575" cap="flat" cmpd="sng" algn="ctr">
-                      <a:solidFill>
-                        <a:schemeClr val="bg1"/>
-                      </a:solidFill>
-                      <a:prstDash val="solid"/>
-                      <a:round/>
-                      <a:headEnd type="none" w="med" len="med"/>
-                      <a:tailEnd type="none" w="med" len="med"/>
-                    </a:lnT>
-                    <a:lnB w="12700" cap="flat" cmpd="sng" algn="ctr">
-                      <a:solidFill>
-                        <a:schemeClr val="bg1"/>
-                      </a:solidFill>
-                      <a:prstDash val="solid"/>
-                      <a:round/>
-                      <a:headEnd type="none" w="med" len="med"/>
-                      <a:tailEnd type="none" w="med" len="med"/>
-                    </a:lnB>
-                    <a:lnTlToBr>
-                      <a:noFill/>
-                    </a:lnTlToBr>
-                    <a:lnBlToTr>
-                      <a:noFill/>
-                    </a:lnBlToTr>
-                    <a:solidFill>
-                      <a:schemeClr val="accent1"/>
-                    </a:solidFill>
-                  </a:tcPr>
-                </a:tc>
-                <a:tc>
-                  <a:txBody>
-                    <a:bodyPr/>
-                    <a:lstStyle/>
-                    <a:p>
-                      <a:pPr marL="0" marR="0" lvl="0" indent="0" algn="l" defTabSz="914400" rtl="0" eaLnBrk="1" fontAlgn="base" latinLnBrk="0" hangingPunct="1">
-                        <a:lnSpc>
-                          <a:spcPct val="100000"/>
-                        </a:lnSpc>
-                        <a:spcBef>
-                          <a:spcPct val="20000"/>
-                        </a:spcBef>
-                        <a:spcAft>
-                          <a:spcPct val="0"/>
-                        </a:spcAft>
-                        <a:buClr>
-                          <a:srgbClr val="ED0010"/>
-                        </a:buClr>
-                        <a:buSzPct val="60000"/>
-                        <a:buFont typeface="Zapf Dingbats" charset="2"/>
-                        <a:buNone/>
-                        <a:tabLst/>
-                      </a:pPr>
-                      <a:r>
-                        <a:rPr kumimoji="0" lang="en-US" sz="2400" b="0" i="0" u="none" strike="noStrike" cap="none" normalizeH="0" baseline="0" smtClean="0">
-                          <a:ln>
-                            <a:noFill/>
-                          </a:ln>
-                          <a:solidFill>
-                            <a:srgbClr val="000000"/>
-                          </a:solidFill>
-                          <a:effectLst/>
-                          <a:latin typeface="Arial" charset="0"/>
-                        </a:rPr>
-                        <a:t>28%</a:t>
-                      </a:r>
-                    </a:p>
-                  </a:txBody>
-                  <a:tcPr horzOverflow="overflow">
-                    <a:lnL w="28575" cap="flat" cmpd="sng" algn="ctr">
-                      <a:solidFill>
-                        <a:schemeClr val="bg1"/>
-                      </a:solidFill>
-                      <a:prstDash val="solid"/>
-                      <a:round/>
-                      <a:headEnd type="none" w="med" len="med"/>
-                      <a:tailEnd type="none" w="med" len="med"/>
-                    </a:lnL>
-                    <a:lnR w="12700" cap="flat" cmpd="sng" algn="ctr">
-                      <a:solidFill>
-                        <a:schemeClr val="bg1"/>
-                      </a:solidFill>
-                      <a:prstDash val="solid"/>
-                      <a:round/>
-                      <a:headEnd type="none" w="med" len="med"/>
-                      <a:tailEnd type="none" w="med" len="med"/>
-                    </a:lnR>
-                    <a:lnT w="28575" cap="flat" cmpd="sng" algn="ctr">
-                      <a:solidFill>
-                        <a:schemeClr val="bg1"/>
-                      </a:solidFill>
-                      <a:prstDash val="solid"/>
-                      <a:round/>
-                      <a:headEnd type="none" w="med" len="med"/>
-                      <a:tailEnd type="none" w="med" len="med"/>
-                    </a:lnT>
-                    <a:lnB w="12700" cap="flat" cmpd="sng" algn="ctr">
-                      <a:solidFill>
-                        <a:schemeClr val="bg1"/>
-                      </a:solidFill>
-                      <a:prstDash val="solid"/>
-                      <a:round/>
-                      <a:headEnd type="none" w="med" len="med"/>
-                      <a:tailEnd type="none" w="med" len="med"/>
-                    </a:lnB>
-                    <a:lnTlToBr>
-                      <a:noFill/>
-                    </a:lnTlToBr>
-                    <a:lnBlToTr>
-                      <a:noFill/>
-                    </a:lnBlToTr>
-                    <a:solidFill>
-                      <a:schemeClr val="accent1"/>
-                    </a:solidFill>
-                  </a:tcPr>
-                </a:tc>
-              </a:tr>
-            </a:tbl>
-          </a:graphicData>
-        </a:graphic>
-      </p:graphicFrame>
-    </p:spTree>
-  </p:cSld>
-  <p:clrMapOvr>
-    <a:masterClrMapping/>
-  </p:clrMapOvr>
-  <p:timing>
-    <p:tnLst>
-      <p:par>
-        <p:cTn id="1" dur="indefinite" restart="never" nodeType="tmRoot"/>
-      </p:par>
-    </p:tnLst>
-  </p:timing>
-</p:sld>
-</file>
-
-<file path=ppt/slides/slide11.xml><?xml version="1.0" encoding="utf-8"?>
-<p:sld xmlns:a="http://schemas.openxmlformats.org/drawingml/2006/main" xmlns:r="http://schemas.openxmlformats.org/officeDocument/2006/relationships" xmlns:p="http://schemas.openxmlformats.org/presentationml/2006/main">
-  <p:cSld>
-    <p:spTree>
-      <p:nvGrpSpPr>
-        <p:cNvPr id="1" name=""/>
-        <p:cNvGrpSpPr/>
-        <p:nvPr/>
-      </p:nvGrpSpPr>
-      <p:grpSpPr>
-        <a:xfrm>
-          <a:off x="0" y="0"/>
-          <a:ext cx="0" cy="0"/>
-          <a:chOff x="0" y="0"/>
-          <a:chExt cx="0" cy="0"/>
-        </a:xfrm>
-      </p:grpSpPr>
-      <p:sp>
-        <p:nvSpPr>
-          <p:cNvPr id="5" name="Tijdelijke aanduiding voor dianummer 5"/>
-          <p:cNvSpPr>
-            <a:spLocks noGrp="1"/>
-          </p:cNvSpPr>
-          <p:nvPr>
-            <p:ph type="sldNum" sz="quarter" idx="11"/>
-          </p:nvPr>
-        </p:nvSpPr>
-        <p:spPr/>
-        <p:txBody>
-          <a:bodyPr/>
-          <a:lstStyle/>
-          <a:p>
-            <a:fld id="{E1AE7EA4-5A90-44E6-8B58-0534BBE8B606}" type="slidenum">
-              <a:rPr lang="en-US"/>
-              <a:pPr/>
-              <a:t>11</a:t>
-            </a:fld>
-            <a:endParaRPr lang="en-US"/>
-          </a:p>
-        </p:txBody>
-      </p:sp>
-      <p:sp>
-        <p:nvSpPr>
-          <p:cNvPr id="6" name="Tijdelijke aanduiding voor voettekst 6"/>
-          <p:cNvSpPr>
-            <a:spLocks noGrp="1"/>
-          </p:cNvSpPr>
-          <p:nvPr>
-            <p:ph type="ftr" sz="quarter" idx="12"/>
-          </p:nvPr>
-        </p:nvSpPr>
-        <p:spPr/>
-        <p:txBody>
-          <a:bodyPr/>
-          <a:lstStyle/>
-          <a:p>
-            <a:r>
-              <a:rPr lang="en-US"/>
-              <a:t>HU powerpoint template</a:t>
-            </a:r>
-            <a:endParaRPr lang="en-US" sz="1400"/>
-          </a:p>
-        </p:txBody>
-      </p:sp>
-      <p:sp>
-        <p:nvSpPr>
-          <p:cNvPr id="179202" name="Rectangle 2"/>
-          <p:cNvSpPr>
-            <a:spLocks noGrp="1" noChangeArrowheads="1"/>
-          </p:cNvSpPr>
-          <p:nvPr>
-            <p:ph type="title"/>
-          </p:nvPr>
-        </p:nvSpPr>
-        <p:spPr/>
-        <p:txBody>
-          <a:bodyPr/>
-          <a:lstStyle/>
-          <a:p>
-            <a:r>
-              <a:rPr lang="en-US"/>
-              <a:t>HU ppt [kop- en voetregels]</a:t>
-            </a:r>
-          </a:p>
-        </p:txBody>
-      </p:sp>
-      <p:sp>
-        <p:nvSpPr>
-          <p:cNvPr id="179203" name="Rectangle 3"/>
-          <p:cNvSpPr>
-            <a:spLocks noGrp="1" noChangeAspect="1" noChangeArrowheads="1"/>
-          </p:cNvSpPr>
-          <p:nvPr>
-            <p:ph type="body" sz="half" idx="1"/>
-          </p:nvPr>
-        </p:nvSpPr>
-        <p:spPr>
-          <a:xfrm>
-            <a:off x="457200" y="1762125"/>
-            <a:ext cx="4168775" cy="1552575"/>
-          </a:xfrm>
-        </p:spPr>
-        <p:txBody>
-          <a:bodyPr/>
-          <a:lstStyle/>
-          <a:p>
-            <a:pPr>
-              <a:buFont typeface="Zapf Dingbats" charset="2"/>
-              <a:buNone/>
-            </a:pPr>
-            <a:r>
-              <a:rPr lang="en-US" sz="2400"/>
-              <a:t>	Door ‘Footer’ te activeren in het hiernaast getoonde venster kunt u voetregels activeren</a:t>
-            </a:r>
-          </a:p>
-        </p:txBody>
-      </p:sp>
-      <p:pic>
-        <p:nvPicPr>
-          <p:cNvPr id="179209" name="Picture 9" descr="kop en voet.pdf                                                000C6298Macintosh HD                   BB707946:"/>
-          <p:cNvPicPr>
-            <a:picLocks noChangeAspect="1" noChangeArrowheads="1"/>
-          </p:cNvPicPr>
-          <p:nvPr/>
-        </p:nvPicPr>
-        <p:blipFill>
-          <a:blip r:embed="rId3" r:link="rId4" cstate="print"/>
-          <a:srcRect/>
-          <a:stretch>
-            <a:fillRect/>
-          </a:stretch>
-        </p:blipFill>
-        <p:spPr bwMode="auto">
-          <a:xfrm>
-            <a:off x="4876800" y="1828800"/>
-            <a:ext cx="3482975" cy="3657600"/>
-          </a:xfrm>
-          <a:prstGeom prst="rect">
-            <a:avLst/>
-          </a:prstGeom>
-          <a:noFill/>
-        </p:spPr>
-      </p:pic>
-    </p:spTree>
+    <p:extLst>
+      <p:ext uri="{BB962C8B-B14F-4D97-AF65-F5344CB8AC3E}">
+        <p14:creationId xmlns:p14="http://schemas.microsoft.com/office/powerpoint/2010/main" val="1039547953"/>
+      </p:ext>
+    </p:extLst>
   </p:cSld>
   <p:clrMapOvr>
     <a:masterClrMapping/>
@@ -8710,9 +5547,9 @@
       </p:grpSpPr>
       <p:sp>
         <p:nvSpPr>
-          <p:cNvPr id="164866" name="Rectangle 2"/>
-          <p:cNvSpPr>
-            <a:spLocks noGrp="1" noChangeArrowheads="1"/>
+          <p:cNvPr id="2" name="Titel 1"/>
+          <p:cNvSpPr>
+            <a:spLocks noGrp="1"/>
           </p:cNvSpPr>
           <p:nvPr>
             <p:ph type="title"/>
@@ -8724,66 +5561,110 @@
           <a:lstStyle/>
           <a:p>
             <a:r>
-              <a:rPr lang="en-US"/>
-              <a:t>HU-ppt [bullets 1 kolom]</a:t>
-            </a:r>
-          </a:p>
-        </p:txBody>
-      </p:sp>
-      <p:sp>
-        <p:nvSpPr>
-          <p:cNvPr id="164867" name="Rectangle 3"/>
-          <p:cNvSpPr>
-            <a:spLocks noGrp="1" noChangeAspect="1" noChangeArrowheads="1"/>
-          </p:cNvSpPr>
-          <p:nvPr>
-            <p:ph type="body" idx="1"/>
-          </p:nvPr>
-        </p:nvSpPr>
+              <a:rPr lang="nl-NL" dirty="0" smtClean="0"/>
+              <a:t>Check-in</a:t>
+            </a:r>
+            <a:endParaRPr lang="nl-NL" dirty="0"/>
+          </a:p>
+        </p:txBody>
+      </p:sp>
+      <p:sp>
+        <p:nvSpPr>
+          <p:cNvPr id="9" name="Tijdelijke aanduiding voor inhoud 8"/>
+          <p:cNvSpPr>
+            <a:spLocks noGrp="1"/>
+          </p:cNvSpPr>
+          <p:nvPr>
+            <p:ph idx="1"/>
+          </p:nvPr>
+        </p:nvSpPr>
+        <p:spPr/>
+        <p:txBody>
+          <a:bodyPr/>
+          <a:lstStyle/>
+          <a:p>
+            <a:endParaRPr lang="nl-NL"/>
+          </a:p>
+        </p:txBody>
+      </p:sp>
+      <p:pic>
+        <p:nvPicPr>
+          <p:cNvPr id="12" name="Afbeelding 11"/>
+          <p:cNvPicPr>
+            <a:picLocks noChangeAspect="1"/>
+          </p:cNvPicPr>
+          <p:nvPr/>
+        </p:nvPicPr>
+        <p:blipFill>
+          <a:blip r:embed="rId2"/>
+          <a:stretch>
+            <a:fillRect/>
+          </a:stretch>
+        </p:blipFill>
         <p:spPr>
           <a:xfrm>
-            <a:off x="762000" y="1762125"/>
-            <a:ext cx="7881938" cy="1947863"/>
+            <a:off x="6156176" y="2492896"/>
+            <a:ext cx="2253070" cy="2016224"/>
           </a:xfrm>
+          <a:prstGeom prst="rect">
+            <a:avLst/>
+          </a:prstGeom>
         </p:spPr>
-        <p:txBody>
-          <a:bodyPr/>
-          <a:lstStyle/>
-          <a:p>
-            <a:pPr>
-              <a:buClr>
-                <a:schemeClr val="accent2"/>
-              </a:buClr>
-            </a:pPr>
-            <a:r>
-              <a:rPr lang="en-US"/>
-              <a:t>HU huisstijl kernbegrippen </a:t>
-            </a:r>
-          </a:p>
-          <a:p>
-            <a:pPr lvl="1"/>
-            <a:r>
-              <a:rPr lang="en-US"/>
-              <a:t>krachtig</a:t>
-            </a:r>
-          </a:p>
-          <a:p>
-            <a:pPr lvl="1"/>
-            <a:r>
-              <a:rPr lang="en-US"/>
-              <a:t>vriendelijk</a:t>
-            </a:r>
-          </a:p>
-          <a:p>
-            <a:pPr lvl="1"/>
-            <a:r>
-              <a:rPr lang="en-US"/>
-              <a:t>helder</a:t>
-            </a:r>
-          </a:p>
-        </p:txBody>
-      </p:sp>
+      </p:pic>
+      <p:pic>
+        <p:nvPicPr>
+          <p:cNvPr id="13" name="Afbeelding 12"/>
+          <p:cNvPicPr>
+            <a:picLocks noChangeAspect="1"/>
+          </p:cNvPicPr>
+          <p:nvPr/>
+        </p:nvPicPr>
+        <p:blipFill>
+          <a:blip r:embed="rId3"/>
+          <a:stretch>
+            <a:fillRect/>
+          </a:stretch>
+        </p:blipFill>
+        <p:spPr>
+          <a:xfrm>
+            <a:off x="3491880" y="2616786"/>
+            <a:ext cx="2129219" cy="1988089"/>
+          </a:xfrm>
+          <a:prstGeom prst="rect">
+            <a:avLst/>
+          </a:prstGeom>
+        </p:spPr>
+      </p:pic>
+      <p:pic>
+        <p:nvPicPr>
+          <p:cNvPr id="14" name="Afbeelding 13"/>
+          <p:cNvPicPr>
+            <a:picLocks noChangeAspect="1"/>
+          </p:cNvPicPr>
+          <p:nvPr/>
+        </p:nvPicPr>
+        <p:blipFill>
+          <a:blip r:embed="rId4"/>
+          <a:stretch>
+            <a:fillRect/>
+          </a:stretch>
+        </p:blipFill>
+        <p:spPr>
+          <a:xfrm>
+            <a:off x="869217" y="2712543"/>
+            <a:ext cx="1873659" cy="1796577"/>
+          </a:xfrm>
+          <a:prstGeom prst="rect">
+            <a:avLst/>
+          </a:prstGeom>
+        </p:spPr>
+      </p:pic>
     </p:spTree>
+    <p:extLst>
+      <p:ext uri="{BB962C8B-B14F-4D97-AF65-F5344CB8AC3E}">
+        <p14:creationId xmlns:p14="http://schemas.microsoft.com/office/powerpoint/2010/main" val="3997097280"/>
+      </p:ext>
+    </p:extLst>
   </p:cSld>
   <p:clrMapOvr>
     <a:masterClrMapping/>
@@ -8817,9 +5698,9 @@
       </p:grpSpPr>
       <p:sp>
         <p:nvSpPr>
-          <p:cNvPr id="165890" name="Rectangle 2"/>
-          <p:cNvSpPr>
-            <a:spLocks noGrp="1" noChangeArrowheads="1"/>
+          <p:cNvPr id="2" name="Titel 1"/>
+          <p:cNvSpPr>
+            <a:spLocks noGrp="1"/>
           </p:cNvSpPr>
           <p:nvPr>
             <p:ph type="title"/>
@@ -8831,240 +5712,42 @@
           <a:lstStyle/>
           <a:p>
             <a:r>
-              <a:rPr lang="en-US"/>
-              <a:t>HU-ppt [bullets 2 kolommen]</a:t>
-            </a:r>
-          </a:p>
-        </p:txBody>
-      </p:sp>
-      <p:sp>
-        <p:nvSpPr>
-          <p:cNvPr id="165891" name="Rectangle 3"/>
-          <p:cNvSpPr>
-            <a:spLocks noGrp="1" noChangeAspect="1" noChangeArrowheads="1"/>
-          </p:cNvSpPr>
-          <p:nvPr>
-            <p:ph type="body" sz="half" idx="1"/>
-          </p:nvPr>
-        </p:nvSpPr>
-        <p:spPr>
-          <a:xfrm>
-            <a:off x="762000" y="1762125"/>
-            <a:ext cx="3863975" cy="2465388"/>
-          </a:xfrm>
-        </p:spPr>
+              <a:rPr lang="nl-NL" dirty="0" smtClean="0"/>
+              <a:t>Intro</a:t>
+            </a:r>
+            <a:endParaRPr lang="nl-NL" dirty="0"/>
+          </a:p>
+        </p:txBody>
+      </p:sp>
+      <p:sp>
+        <p:nvSpPr>
+          <p:cNvPr id="3" name="Tijdelijke aanduiding voor inhoud 2"/>
+          <p:cNvSpPr>
+            <a:spLocks noGrp="1"/>
+          </p:cNvSpPr>
+          <p:nvPr>
+            <p:ph idx="1"/>
+          </p:nvPr>
+        </p:nvSpPr>
+        <p:spPr/>
         <p:txBody>
           <a:bodyPr/>
           <a:lstStyle/>
           <a:p>
-            <a:pPr>
-              <a:buClr>
-                <a:schemeClr val="accent2"/>
-              </a:buClr>
-            </a:pPr>
-            <a:r>
-              <a:rPr lang="en-US" sz="2400"/>
-              <a:t>HU Blauw</a:t>
-            </a:r>
-          </a:p>
-          <a:p>
-            <a:pPr lvl="1"/>
-            <a:r>
-              <a:rPr lang="en-US" sz="2200"/>
-              <a:t>PMS 639</a:t>
-            </a:r>
-          </a:p>
-          <a:p>
-            <a:pPr lvl="1"/>
-            <a:r>
-              <a:rPr lang="en-US" sz="2200"/>
-              <a:t>CMYK 100/0/5/5</a:t>
-            </a:r>
-          </a:p>
-          <a:p>
-            <a:pPr lvl="1"/>
-            <a:r>
-              <a:rPr lang="en-US" sz="2200"/>
-              <a:t>RGB 0/160/210</a:t>
-            </a:r>
-          </a:p>
-          <a:p>
-            <a:pPr lvl="1"/>
-            <a:r>
-              <a:rPr lang="en-US" sz="2200"/>
-              <a:t>RAL Himmelblau</a:t>
-            </a:r>
-          </a:p>
-          <a:p>
-            <a:pPr lvl="1"/>
-            <a:endParaRPr lang="en-US" sz="2200"/>
-          </a:p>
-        </p:txBody>
-      </p:sp>
-      <p:sp>
-        <p:nvSpPr>
-          <p:cNvPr id="165892" name="Rectangle 4"/>
-          <p:cNvSpPr>
-            <a:spLocks noGrp="1" noChangeAspect="1" noChangeArrowheads="1"/>
-          </p:cNvSpPr>
-          <p:nvPr>
-            <p:ph type="body" sz="half" idx="2"/>
-          </p:nvPr>
-        </p:nvSpPr>
-        <p:spPr>
-          <a:xfrm>
-            <a:off x="4778375" y="1762125"/>
-            <a:ext cx="3865563" cy="2063750"/>
-          </a:xfrm>
-        </p:spPr>
-        <p:txBody>
-          <a:bodyPr/>
-          <a:lstStyle/>
-          <a:p>
-            <a:pPr>
-              <a:buClr>
-                <a:schemeClr val="accent2"/>
-              </a:buClr>
-            </a:pPr>
-            <a:r>
-              <a:rPr lang="en-US" sz="2400"/>
-              <a:t>HU Rood</a:t>
-            </a:r>
-          </a:p>
-          <a:p>
-            <a:pPr lvl="1"/>
-            <a:r>
-              <a:rPr lang="en-US" sz="2200"/>
-              <a:t>PMS 485</a:t>
-            </a:r>
-          </a:p>
-          <a:p>
-            <a:pPr lvl="1"/>
-            <a:r>
-              <a:rPr lang="en-US" sz="2200"/>
-              <a:t>CMYK 0/85/100/0</a:t>
-            </a:r>
-          </a:p>
-          <a:p>
-            <a:pPr lvl="1"/>
-            <a:r>
-              <a:rPr lang="en-US" sz="2200"/>
-              <a:t>RGB 237/0/16</a:t>
-            </a:r>
-          </a:p>
-          <a:p>
-            <a:pPr lvl="1"/>
-            <a:r>
-              <a:rPr lang="en-US" sz="2200"/>
-              <a:t>RAL 2002 Blutorange</a:t>
-            </a:r>
-          </a:p>
-        </p:txBody>
-      </p:sp>
-      <p:sp>
-        <p:nvSpPr>
-          <p:cNvPr id="165893" name="Rectangle 5"/>
-          <p:cNvSpPr>
-            <a:spLocks noChangeArrowheads="1"/>
-          </p:cNvSpPr>
-          <p:nvPr/>
-        </p:nvSpPr>
-        <p:spPr bwMode="auto">
-          <a:xfrm>
-            <a:off x="914400" y="4114800"/>
-            <a:ext cx="2133600" cy="2133600"/>
-          </a:xfrm>
-          <a:prstGeom prst="rect">
-            <a:avLst/>
-          </a:prstGeom>
-          <a:solidFill>
-            <a:schemeClr val="bg1"/>
-          </a:solidFill>
-          <a:ln w="9525">
-            <a:solidFill>
-              <a:schemeClr val="tx1"/>
-            </a:solidFill>
-            <a:miter lim="800000"/>
-            <a:headEnd/>
-            <a:tailEnd/>
-          </a:ln>
-          <a:effectLst>
-            <a:outerShdw dist="35921" dir="2700000" algn="ctr" rotWithShape="0">
-              <a:schemeClr val="bg2"/>
-            </a:outerShdw>
-          </a:effectLst>
-        </p:spPr>
-        <p:txBody>
-          <a:bodyPr wrap="none" anchor="ctr"/>
-          <a:lstStyle/>
-          <a:p>
-            <a:pPr algn="ctr"/>
-            <a:endParaRPr lang="nl-NL">
-              <a:solidFill>
-                <a:schemeClr val="accent2"/>
-              </a:solidFill>
-            </a:endParaRPr>
-          </a:p>
-        </p:txBody>
-      </p:sp>
-      <p:sp>
-        <p:nvSpPr>
-          <p:cNvPr id="165895" name="Rectangle 7"/>
-          <p:cNvSpPr>
-            <a:spLocks noChangeArrowheads="1"/>
-          </p:cNvSpPr>
-          <p:nvPr/>
-        </p:nvSpPr>
-        <p:spPr bwMode="auto">
-          <a:xfrm>
-            <a:off x="4876800" y="4114800"/>
-            <a:ext cx="2133600" cy="2133600"/>
-          </a:xfrm>
-          <a:prstGeom prst="rect">
-            <a:avLst/>
-          </a:prstGeom>
-          <a:solidFill>
-            <a:schemeClr val="accent2"/>
-          </a:solidFill>
-          <a:ln w="9525">
-            <a:solidFill>
-              <a:schemeClr val="accent2"/>
-            </a:solidFill>
-            <a:miter lim="800000"/>
-            <a:headEnd/>
-            <a:tailEnd/>
-          </a:ln>
-          <a:effectLst>
-            <a:outerShdw dist="35921" dir="2700000" algn="ctr" rotWithShape="0">
-              <a:schemeClr val="bg2"/>
-            </a:outerShdw>
-          </a:effectLst>
-        </p:spPr>
-        <p:txBody>
-          <a:bodyPr wrap="none" anchor="ctr"/>
-          <a:lstStyle/>
-          <a:p>
-            <a:pPr algn="ctr"/>
-            <a:endParaRPr lang="nl-NL">
-              <a:solidFill>
-                <a:schemeClr val="accent2"/>
-              </a:solidFill>
-            </a:endParaRPr>
+            <a:endParaRPr lang="nl-NL"/>
           </a:p>
         </p:txBody>
       </p:sp>
     </p:spTree>
+    <p:extLst>
+      <p:ext uri="{BB962C8B-B14F-4D97-AF65-F5344CB8AC3E}">
+        <p14:creationId xmlns:p14="http://schemas.microsoft.com/office/powerpoint/2010/main" val="2976808540"/>
+      </p:ext>
+    </p:extLst>
   </p:cSld>
   <p:clrMapOvr>
     <a:masterClrMapping/>
   </p:clrMapOvr>
-  <p:timing>
-    <p:tnLst>
-      <p:par>
-        <p:cTn id="1" dur="indefinite" restart="never" nodeType="tmRoot"/>
-      </p:par>
-    </p:tnLst>
-  </p:timing>
 </p:sld>
 </file>
 
@@ -9087,9 +5770,9 @@
       </p:grpSpPr>
       <p:sp>
         <p:nvSpPr>
-          <p:cNvPr id="166914" name="Rectangle 2"/>
-          <p:cNvSpPr>
-            <a:spLocks noGrp="1" noChangeArrowheads="1"/>
+          <p:cNvPr id="2" name="Titel 1"/>
+          <p:cNvSpPr>
+            <a:spLocks noGrp="1"/>
           </p:cNvSpPr>
           <p:nvPr>
             <p:ph type="title"/>
@@ -9101,82 +5784,42 @@
           <a:lstStyle/>
           <a:p>
             <a:r>
-              <a:rPr lang="en-US"/>
-              <a:t>Hu ppt [fotografie]</a:t>
-            </a:r>
-          </a:p>
-        </p:txBody>
-      </p:sp>
-      <p:sp>
-        <p:nvSpPr>
-          <p:cNvPr id="166915" name="Rectangle 3"/>
-          <p:cNvSpPr>
-            <a:spLocks noGrp="1" noChangeAspect="1" noChangeArrowheads="1"/>
-          </p:cNvSpPr>
-          <p:nvPr>
-            <p:ph type="body" idx="1"/>
-          </p:nvPr>
-        </p:nvSpPr>
-        <p:spPr>
-          <a:xfrm>
-            <a:off x="3962400" y="3206750"/>
-            <a:ext cx="3843338" cy="946150"/>
-          </a:xfrm>
-          <a:noFill/>
-        </p:spPr>
+              <a:rPr lang="nl-NL" dirty="0" smtClean="0"/>
+              <a:t>Feedback</a:t>
+            </a:r>
+            <a:endParaRPr lang="nl-NL" dirty="0"/>
+          </a:p>
+        </p:txBody>
+      </p:sp>
+      <p:sp>
+        <p:nvSpPr>
+          <p:cNvPr id="3" name="Tijdelijke aanduiding voor inhoud 2"/>
+          <p:cNvSpPr>
+            <a:spLocks noGrp="1"/>
+          </p:cNvSpPr>
+          <p:nvPr>
+            <p:ph idx="1"/>
+          </p:nvPr>
+        </p:nvSpPr>
+        <p:spPr/>
         <p:txBody>
           <a:bodyPr/>
           <a:lstStyle/>
           <a:p>
-            <a:pPr>
-              <a:buFont typeface="Zapf Dingbats" charset="2"/>
-              <a:buNone/>
-            </a:pPr>
-            <a:r>
-              <a:rPr lang="en-US"/>
-              <a:t>	foto’s bij voorkeur aflopend plaatsen</a:t>
-            </a:r>
-          </a:p>
-        </p:txBody>
-      </p:sp>
-      <p:pic>
-        <p:nvPicPr>
-          <p:cNvPr id="166923" name="Picture 11" descr="fotografie.pdf                                                 000C6298Macintosh HD                   BB707946:"/>
-          <p:cNvPicPr>
-            <a:picLocks noChangeAspect="1" noChangeArrowheads="1"/>
-          </p:cNvPicPr>
-          <p:nvPr/>
-        </p:nvPicPr>
-        <p:blipFill>
-          <a:blip r:embed="rId3" r:link="rId4" cstate="print"/>
-          <a:srcRect/>
-          <a:stretch>
-            <a:fillRect/>
-          </a:stretch>
-        </p:blipFill>
-        <p:spPr bwMode="auto">
-          <a:xfrm>
-            <a:off x="-63500" y="1371600"/>
-            <a:ext cx="3949700" cy="5715000"/>
-          </a:xfrm>
-          <a:prstGeom prst="rect">
-            <a:avLst/>
-          </a:prstGeom>
-          <a:noFill/>
-        </p:spPr>
-      </p:pic>
+            <a:endParaRPr lang="nl-NL"/>
+          </a:p>
+        </p:txBody>
+      </p:sp>
     </p:spTree>
+    <p:extLst>
+      <p:ext uri="{BB962C8B-B14F-4D97-AF65-F5344CB8AC3E}">
+        <p14:creationId xmlns:p14="http://schemas.microsoft.com/office/powerpoint/2010/main" val="3365219589"/>
+      </p:ext>
+    </p:extLst>
   </p:cSld>
   <p:clrMapOvr>
     <a:masterClrMapping/>
   </p:clrMapOvr>
-  <p:timing>
-    <p:tnLst>
-      <p:par>
-        <p:cTn id="1" dur="indefinite" restart="never" nodeType="tmRoot"/>
-      </p:par>
-    </p:tnLst>
-  </p:timing>
 </p:sld>
 </file>
 
@@ -9199,9 +5842,9 @@
       </p:grpSpPr>
       <p:sp>
         <p:nvSpPr>
-          <p:cNvPr id="169986" name="Rectangle 2"/>
-          <p:cNvSpPr>
-            <a:spLocks noGrp="1" noChangeArrowheads="1"/>
+          <p:cNvPr id="2" name="Titel 1"/>
+          <p:cNvSpPr>
+            <a:spLocks noGrp="1"/>
           </p:cNvSpPr>
           <p:nvPr>
             <p:ph type="title"/>
@@ -9213,558 +5856,42 @@
           <a:lstStyle/>
           <a:p>
             <a:r>
-              <a:rPr lang="en-US"/>
-              <a:t>HU ppt kleurenschema</a:t>
-            </a:r>
-          </a:p>
-        </p:txBody>
-      </p:sp>
-      <p:sp>
-        <p:nvSpPr>
-          <p:cNvPr id="169988" name="Rectangle 4"/>
-          <p:cNvSpPr>
-            <a:spLocks noGrp="1" noChangeAspect="1" noChangeArrowheads="1"/>
-          </p:cNvSpPr>
-          <p:nvPr>
-            <p:ph type="body" sz="half" idx="2"/>
-          </p:nvPr>
-        </p:nvSpPr>
-        <p:spPr>
-          <a:xfrm>
-            <a:off x="4191000" y="3111500"/>
-            <a:ext cx="4724400" cy="1552575"/>
-          </a:xfrm>
-        </p:spPr>
+              <a:rPr lang="nl-NL" dirty="0" smtClean="0"/>
+              <a:t>Topics</a:t>
+            </a:r>
+            <a:endParaRPr lang="nl-NL" dirty="0"/>
+          </a:p>
+        </p:txBody>
+      </p:sp>
+      <p:sp>
+        <p:nvSpPr>
+          <p:cNvPr id="3" name="Tijdelijke aanduiding voor inhoud 2"/>
+          <p:cNvSpPr>
+            <a:spLocks noGrp="1"/>
+          </p:cNvSpPr>
+          <p:nvPr>
+            <p:ph idx="1"/>
+          </p:nvPr>
+        </p:nvSpPr>
+        <p:spPr/>
         <p:txBody>
           <a:bodyPr/>
           <a:lstStyle/>
           <a:p>
-            <a:pPr>
-              <a:buClr>
-                <a:schemeClr val="tx1"/>
-              </a:buClr>
-              <a:buSzPct val="70000"/>
-              <a:buFont typeface="Wingdings" pitchFamily="2" charset="2"/>
-              <a:buNone/>
-            </a:pPr>
-            <a:r>
-              <a:rPr lang="en-US" sz="2400"/>
-              <a:t>	Het hiernaast weergegeven kleurenschema is in de        HU-template ingesteld als voorkeursschema</a:t>
-            </a:r>
-          </a:p>
-        </p:txBody>
-      </p:sp>
-      <p:pic>
-        <p:nvPicPr>
-          <p:cNvPr id="169993" name="Picture 9" descr="kleurenschema.pdf                                              000C6298Macintosh HD                   BB707946:"/>
-          <p:cNvPicPr>
-            <a:picLocks noGrp="1" noChangeAspect="1" noChangeArrowheads="1"/>
-          </p:cNvPicPr>
-          <p:nvPr>
-            <p:ph sz="half" idx="1"/>
-          </p:nvPr>
-        </p:nvPicPr>
-        <p:blipFill>
-          <a:blip r:embed="rId3" r:link="rId4" cstate="print"/>
-          <a:srcRect/>
-          <a:stretch>
-            <a:fillRect/>
-          </a:stretch>
-        </p:blipFill>
-        <p:spPr>
-          <a:xfrm>
-            <a:off x="928688" y="1752600"/>
-            <a:ext cx="3262312" cy="3810000"/>
-          </a:xfrm>
-        </p:spPr>
-      </p:pic>
+            <a:endParaRPr lang="nl-NL" dirty="0"/>
+          </a:p>
+        </p:txBody>
+      </p:sp>
     </p:spTree>
+    <p:extLst>
+      <p:ext uri="{BB962C8B-B14F-4D97-AF65-F5344CB8AC3E}">
+        <p14:creationId xmlns:p14="http://schemas.microsoft.com/office/powerpoint/2010/main" val="2881181814"/>
+      </p:ext>
+    </p:extLst>
   </p:cSld>
   <p:clrMapOvr>
     <a:masterClrMapping/>
   </p:clrMapOvr>
-  <p:timing>
-    <p:tnLst>
-      <p:par>
-        <p:cTn id="1" dur="indefinite" restart="never" nodeType="tmRoot"/>
-      </p:par>
-    </p:tnLst>
-  </p:timing>
-</p:sld>
-</file>
-
-<file path=ppt/slides/slide6.xml><?xml version="1.0" encoding="utf-8"?>
-<p:sld xmlns:a="http://schemas.openxmlformats.org/drawingml/2006/main" xmlns:r="http://schemas.openxmlformats.org/officeDocument/2006/relationships" xmlns:p="http://schemas.openxmlformats.org/presentationml/2006/main">
-  <p:cSld>
-    <p:spTree>
-      <p:nvGrpSpPr>
-        <p:cNvPr id="1" name=""/>
-        <p:cNvGrpSpPr/>
-        <p:nvPr/>
-      </p:nvGrpSpPr>
-      <p:grpSpPr>
-        <a:xfrm>
-          <a:off x="0" y="0"/>
-          <a:ext cx="0" cy="0"/>
-          <a:chOff x="0" y="0"/>
-          <a:chExt cx="0" cy="0"/>
-        </a:xfrm>
-      </p:grpSpPr>
-      <p:sp>
-        <p:nvSpPr>
-          <p:cNvPr id="171010" name="Rectangle 2"/>
-          <p:cNvSpPr>
-            <a:spLocks noGrp="1" noChangeArrowheads="1"/>
-          </p:cNvSpPr>
-          <p:nvPr>
-            <p:ph type="title"/>
-          </p:nvPr>
-        </p:nvSpPr>
-        <p:spPr/>
-        <p:txBody>
-          <a:bodyPr/>
-          <a:lstStyle/>
-          <a:p>
-            <a:r>
-              <a:rPr lang="en-US"/>
-              <a:t>HU ppt [taart]</a:t>
-            </a:r>
-          </a:p>
-        </p:txBody>
-      </p:sp>
-      <p:graphicFrame>
-        <p:nvGraphicFramePr>
-          <p:cNvPr id="171011" name="Object 3"/>
-          <p:cNvGraphicFramePr>
-            <a:graphicFrameLocks noChangeAspect="1"/>
-          </p:cNvGraphicFramePr>
-          <p:nvPr>
-            <p:ph type="chart" sz="half" idx="1"/>
-          </p:nvPr>
-        </p:nvGraphicFramePr>
-        <p:xfrm>
-          <a:off x="-1219200" y="1219200"/>
-          <a:ext cx="5943600" cy="3406775"/>
-        </p:xfrm>
-        <a:graphic>
-          <a:graphicData uri="http://schemas.openxmlformats.org/presentationml/2006/ole">
-            <p:oleObj spid="_x0000_s171011" name="Chart" r:id="rId4" imgW="8991600" imgH="5152934" progId="MSGraph.Chart.8">
-              <p:embed followColorScheme="full"/>
-            </p:oleObj>
-          </a:graphicData>
-        </a:graphic>
-      </p:graphicFrame>
-      <p:sp>
-        <p:nvSpPr>
-          <p:cNvPr id="171012" name="Rectangle 4"/>
-          <p:cNvSpPr>
-            <a:spLocks noGrp="1" noChangeAspect="1" noChangeArrowheads="1"/>
-          </p:cNvSpPr>
-          <p:nvPr>
-            <p:ph type="body" sz="half" idx="2"/>
-          </p:nvPr>
-        </p:nvSpPr>
-        <p:spPr>
-          <a:xfrm>
-            <a:off x="381000" y="4953000"/>
-            <a:ext cx="8262938" cy="822325"/>
-          </a:xfrm>
-        </p:spPr>
-        <p:txBody>
-          <a:bodyPr/>
-          <a:lstStyle/>
-          <a:p>
-            <a:pPr>
-              <a:buFont typeface="Zapf Dingbats" charset="2"/>
-              <a:buNone/>
-            </a:pPr>
-            <a:r>
-              <a:rPr lang="en-US" sz="2400"/>
-              <a:t>	Door dubbel te klikken op de ‘taart’ kunt u deze toevoegen aan uw persoonlijke voorkeuren</a:t>
-            </a:r>
-          </a:p>
-        </p:txBody>
-      </p:sp>
-      <p:pic>
-        <p:nvPicPr>
-          <p:cNvPr id="171015" name="Picture 7" descr="hu-taart.pdf                                                   000C6298Macintosh HD                   BB707946:"/>
-          <p:cNvPicPr>
-            <a:picLocks noChangeAspect="1" noChangeArrowheads="1"/>
-          </p:cNvPicPr>
-          <p:nvPr/>
-        </p:nvPicPr>
-        <p:blipFill>
-          <a:blip r:embed="rId5" r:link="rId6" cstate="print"/>
-          <a:srcRect/>
-          <a:stretch>
-            <a:fillRect/>
-          </a:stretch>
-        </p:blipFill>
-        <p:spPr bwMode="auto">
-          <a:xfrm>
-            <a:off x="4953000" y="1828800"/>
-            <a:ext cx="2328863" cy="2514600"/>
-          </a:xfrm>
-          <a:prstGeom prst="rect">
-            <a:avLst/>
-          </a:prstGeom>
-          <a:noFill/>
-        </p:spPr>
-      </p:pic>
-    </p:spTree>
-  </p:cSld>
-  <p:clrMapOvr>
-    <a:masterClrMapping/>
-  </p:clrMapOvr>
-  <p:timing>
-    <p:tnLst>
-      <p:par>
-        <p:cTn id="1" dur="indefinite" restart="never" nodeType="tmRoot"/>
-      </p:par>
-    </p:tnLst>
-  </p:timing>
-</p:sld>
-</file>
-
-<file path=ppt/slides/slide7.xml><?xml version="1.0" encoding="utf-8"?>
-<p:sld xmlns:a="http://schemas.openxmlformats.org/drawingml/2006/main" xmlns:r="http://schemas.openxmlformats.org/officeDocument/2006/relationships" xmlns:p="http://schemas.openxmlformats.org/presentationml/2006/main">
-  <p:cSld>
-    <p:spTree>
-      <p:nvGrpSpPr>
-        <p:cNvPr id="1" name=""/>
-        <p:cNvGrpSpPr/>
-        <p:nvPr/>
-      </p:nvGrpSpPr>
-      <p:grpSpPr>
-        <a:xfrm>
-          <a:off x="0" y="0"/>
-          <a:ext cx="0" cy="0"/>
-          <a:chOff x="0" y="0"/>
-          <a:chExt cx="0" cy="0"/>
-        </a:xfrm>
-      </p:grpSpPr>
-      <p:sp>
-        <p:nvSpPr>
-          <p:cNvPr id="172034" name="Rectangle 2"/>
-          <p:cNvSpPr>
-            <a:spLocks noGrp="1" noChangeArrowheads="1"/>
-          </p:cNvSpPr>
-          <p:nvPr>
-            <p:ph type="title"/>
-          </p:nvPr>
-        </p:nvSpPr>
-        <p:spPr/>
-        <p:txBody>
-          <a:bodyPr/>
-          <a:lstStyle/>
-          <a:p>
-            <a:r>
-              <a:rPr lang="en-US"/>
-              <a:t>HU ppt [staaf]</a:t>
-            </a:r>
-          </a:p>
-        </p:txBody>
-      </p:sp>
-      <p:graphicFrame>
-        <p:nvGraphicFramePr>
-          <p:cNvPr id="172035" name="Object 3"/>
-          <p:cNvGraphicFramePr>
-            <a:graphicFrameLocks noChangeAspect="1"/>
-          </p:cNvGraphicFramePr>
-          <p:nvPr>
-            <p:ph type="chart" sz="half" idx="1"/>
-          </p:nvPr>
-        </p:nvGraphicFramePr>
-        <p:xfrm>
-          <a:off x="-1295400" y="1681163"/>
-          <a:ext cx="6096000" cy="3494087"/>
-        </p:xfrm>
-        <a:graphic>
-          <a:graphicData uri="http://schemas.openxmlformats.org/presentationml/2006/ole">
-            <p:oleObj spid="_x0000_s172035" name="Chart" r:id="rId4" imgW="8991600" imgH="5152934" progId="MSGraph.Chart.8">
-              <p:embed followColorScheme="full"/>
-            </p:oleObj>
-          </a:graphicData>
-        </a:graphic>
-      </p:graphicFrame>
-      <p:sp>
-        <p:nvSpPr>
-          <p:cNvPr id="172036" name="Rectangle 4"/>
-          <p:cNvSpPr>
-            <a:spLocks noGrp="1" noChangeAspect="1" noChangeArrowheads="1"/>
-          </p:cNvSpPr>
-          <p:nvPr>
-            <p:ph type="body" sz="half" idx="2"/>
-          </p:nvPr>
-        </p:nvSpPr>
-        <p:spPr>
-          <a:xfrm>
-            <a:off x="457200" y="4953000"/>
-            <a:ext cx="8262938" cy="822325"/>
-          </a:xfrm>
-        </p:spPr>
-        <p:txBody>
-          <a:bodyPr/>
-          <a:lstStyle/>
-          <a:p>
-            <a:pPr>
-              <a:buFont typeface="Zapf Dingbats" charset="2"/>
-              <a:buNone/>
-            </a:pPr>
-            <a:r>
-              <a:rPr lang="en-US" sz="2400"/>
-              <a:t>	Door dubbel te klikken op de ‘staafdiagram’ kunt u deze toevoegen aan uw persoonlijke voorkeuren</a:t>
-            </a:r>
-          </a:p>
-        </p:txBody>
-      </p:sp>
-      <p:pic>
-        <p:nvPicPr>
-          <p:cNvPr id="172040" name="Picture 8" descr=" staaf.pdf                                                      000C6298Macintosh HD                   BB707946:"/>
-          <p:cNvPicPr>
-            <a:picLocks noChangeAspect="1" noChangeArrowheads="1"/>
-          </p:cNvPicPr>
-          <p:nvPr/>
-        </p:nvPicPr>
-        <p:blipFill>
-          <a:blip r:embed="rId5" r:link="rId6" cstate="print"/>
-          <a:srcRect/>
-          <a:stretch>
-            <a:fillRect/>
-          </a:stretch>
-        </p:blipFill>
-        <p:spPr bwMode="auto">
-          <a:xfrm>
-            <a:off x="4953000" y="1828800"/>
-            <a:ext cx="2654300" cy="2819400"/>
-          </a:xfrm>
-          <a:prstGeom prst="rect">
-            <a:avLst/>
-          </a:prstGeom>
-          <a:noFill/>
-        </p:spPr>
-      </p:pic>
-    </p:spTree>
-  </p:cSld>
-  <p:clrMapOvr>
-    <a:masterClrMapping/>
-  </p:clrMapOvr>
-  <p:timing>
-    <p:tnLst>
-      <p:par>
-        <p:cTn id="1" dur="indefinite" restart="never" nodeType="tmRoot"/>
-      </p:par>
-    </p:tnLst>
-  </p:timing>
-</p:sld>
-</file>
-
-<file path=ppt/slides/slide8.xml><?xml version="1.0" encoding="utf-8"?>
-<p:sld xmlns:a="http://schemas.openxmlformats.org/drawingml/2006/main" xmlns:r="http://schemas.openxmlformats.org/officeDocument/2006/relationships" xmlns:p="http://schemas.openxmlformats.org/presentationml/2006/main">
-  <p:cSld>
-    <p:spTree>
-      <p:nvGrpSpPr>
-        <p:cNvPr id="1" name=""/>
-        <p:cNvGrpSpPr/>
-        <p:nvPr/>
-      </p:nvGrpSpPr>
-      <p:grpSpPr>
-        <a:xfrm>
-          <a:off x="0" y="0"/>
-          <a:ext cx="0" cy="0"/>
-          <a:chOff x="0" y="0"/>
-          <a:chExt cx="0" cy="0"/>
-        </a:xfrm>
-      </p:grpSpPr>
-      <p:sp>
-        <p:nvSpPr>
-          <p:cNvPr id="173058" name="Rectangle 2"/>
-          <p:cNvSpPr>
-            <a:spLocks noGrp="1" noChangeArrowheads="1"/>
-          </p:cNvSpPr>
-          <p:nvPr>
-            <p:ph type="title"/>
-          </p:nvPr>
-        </p:nvSpPr>
-        <p:spPr/>
-        <p:txBody>
-          <a:bodyPr/>
-          <a:lstStyle/>
-          <a:p>
-            <a:r>
-              <a:rPr lang="en-US"/>
-              <a:t>HU ppt [lijn]</a:t>
-            </a:r>
-          </a:p>
-        </p:txBody>
-      </p:sp>
-      <p:graphicFrame>
-        <p:nvGraphicFramePr>
-          <p:cNvPr id="173059" name="Object 3"/>
-          <p:cNvGraphicFramePr>
-            <a:graphicFrameLocks noChangeAspect="1"/>
-          </p:cNvGraphicFramePr>
-          <p:nvPr>
-            <p:ph type="chart" sz="half" idx="1"/>
-          </p:nvPr>
-        </p:nvGraphicFramePr>
-        <p:xfrm>
-          <a:off x="-1219200" y="1681163"/>
-          <a:ext cx="6096000" cy="3494087"/>
-        </p:xfrm>
-        <a:graphic>
-          <a:graphicData uri="http://schemas.openxmlformats.org/presentationml/2006/ole">
-            <p:oleObj spid="_x0000_s173059" name="Chart" r:id="rId4" imgW="8991600" imgH="5152934" progId="MSGraph.Chart.8">
-              <p:embed followColorScheme="full"/>
-            </p:oleObj>
-          </a:graphicData>
-        </a:graphic>
-      </p:graphicFrame>
-      <p:sp>
-        <p:nvSpPr>
-          <p:cNvPr id="173060" name="Rectangle 4"/>
-          <p:cNvSpPr>
-            <a:spLocks noGrp="1" noChangeAspect="1" noChangeArrowheads="1"/>
-          </p:cNvSpPr>
-          <p:nvPr>
-            <p:ph type="body" sz="half" idx="2"/>
-          </p:nvPr>
-        </p:nvSpPr>
-        <p:spPr>
-          <a:xfrm>
-            <a:off x="457200" y="4953000"/>
-            <a:ext cx="8262938" cy="822325"/>
-          </a:xfrm>
-        </p:spPr>
-        <p:txBody>
-          <a:bodyPr/>
-          <a:lstStyle/>
-          <a:p>
-            <a:pPr>
-              <a:buFont typeface="Zapf Dingbats" charset="2"/>
-              <a:buNone/>
-            </a:pPr>
-            <a:r>
-              <a:rPr lang="en-US" sz="2400"/>
-              <a:t>	Door dubbel te klikken op de ‘lijndiagram’ kunt u deze toevoegen aan uw persoonlijke voorkeuren</a:t>
-            </a:r>
-          </a:p>
-        </p:txBody>
-      </p:sp>
-      <p:pic>
-        <p:nvPicPr>
-          <p:cNvPr id="173063" name="Picture 7" descr="lijn.pdf                                                       000C6298Macintosh HD                   BB707946:"/>
-          <p:cNvPicPr>
-            <a:picLocks noChangeAspect="1" noChangeArrowheads="1"/>
-          </p:cNvPicPr>
-          <p:nvPr/>
-        </p:nvPicPr>
-        <p:blipFill>
-          <a:blip r:embed="rId5" r:link="rId6" cstate="print"/>
-          <a:srcRect/>
-          <a:stretch>
-            <a:fillRect/>
-          </a:stretch>
-        </p:blipFill>
-        <p:spPr bwMode="auto">
-          <a:xfrm>
-            <a:off x="4875213" y="1828800"/>
-            <a:ext cx="2617787" cy="2819400"/>
-          </a:xfrm>
-          <a:prstGeom prst="rect">
-            <a:avLst/>
-          </a:prstGeom>
-          <a:noFill/>
-        </p:spPr>
-      </p:pic>
-    </p:spTree>
-  </p:cSld>
-  <p:clrMapOvr>
-    <a:masterClrMapping/>
-  </p:clrMapOvr>
-  <p:timing>
-    <p:tnLst>
-      <p:par>
-        <p:cTn id="1" dur="indefinite" restart="never" nodeType="tmRoot"/>
-      </p:par>
-    </p:tnLst>
-  </p:timing>
-</p:sld>
-</file>
-
-<file path=ppt/slides/slide9.xml><?xml version="1.0" encoding="utf-8"?>
-<p:sld xmlns:a="http://schemas.openxmlformats.org/drawingml/2006/main" xmlns:r="http://schemas.openxmlformats.org/officeDocument/2006/relationships" xmlns:p="http://schemas.openxmlformats.org/presentationml/2006/main">
-  <p:cSld>
-    <p:spTree>
-      <p:nvGrpSpPr>
-        <p:cNvPr id="1" name=""/>
-        <p:cNvGrpSpPr/>
-        <p:nvPr/>
-      </p:nvGrpSpPr>
-      <p:grpSpPr>
-        <a:xfrm>
-          <a:off x="0" y="0"/>
-          <a:ext cx="0" cy="0"/>
-          <a:chOff x="0" y="0"/>
-          <a:chExt cx="0" cy="0"/>
-        </a:xfrm>
-      </p:grpSpPr>
-      <p:sp>
-        <p:nvSpPr>
-          <p:cNvPr id="175106" name="Rectangle 2"/>
-          <p:cNvSpPr>
-            <a:spLocks noGrp="1" noChangeArrowheads="1"/>
-          </p:cNvSpPr>
-          <p:nvPr>
-            <p:ph type="title"/>
-          </p:nvPr>
-        </p:nvSpPr>
-        <p:spPr/>
-        <p:txBody>
-          <a:bodyPr/>
-          <a:lstStyle/>
-          <a:p>
-            <a:r>
-              <a:rPr lang="en-US"/>
-              <a:t>HU ppt [organisatieschema]</a:t>
-            </a:r>
-          </a:p>
-        </p:txBody>
-      </p:sp>
-      <p:graphicFrame>
-        <p:nvGraphicFramePr>
-          <p:cNvPr id="175107" name="Object 3"/>
-          <p:cNvGraphicFramePr>
-            <a:graphicFrameLocks noChangeAspect="1"/>
-          </p:cNvGraphicFramePr>
-          <p:nvPr>
-            <p:ph type="dgm" idx="1"/>
-          </p:nvPr>
-        </p:nvGraphicFramePr>
-        <p:xfrm>
-          <a:off x="1187450" y="2060575"/>
-          <a:ext cx="6769100" cy="1368425"/>
-        </p:xfrm>
-        <a:graphic>
-          <a:graphicData uri="http://schemas.openxmlformats.org/presentationml/2006/ole">
-            <p:oleObj spid="_x0000_s175107" name="Microsoft Organization Chart" r:id="rId4" imgW="9550400" imgH="2667000" progId="MSOrgChart.2">
-              <p:embed followColorScheme="full"/>
-            </p:oleObj>
-          </a:graphicData>
-        </a:graphic>
-      </p:graphicFrame>
-    </p:spTree>
-  </p:cSld>
-  <p:clrMapOvr>
-    <a:masterClrMapping/>
-  </p:clrMapOvr>
-  <p:timing>
-    <p:tnLst>
-      <p:par>
-        <p:cTn id="1" dur="indefinite" restart="never" nodeType="tmRoot"/>
-      </p:par>
-    </p:tnLst>
-  </p:timing>
 </p:sld>
 </file>
 

--- a/slides/ddl-w7l1.pptx
+++ b/slides/ddl-w7l1.pptx
@@ -5,17 +5,32 @@
     <p:sldMasterId id="2147483649" r:id="rId1"/>
   </p:sldMasterIdLst>
   <p:notesMasterIdLst>
-    <p:notesMasterId r:id="rId7"/>
+    <p:notesMasterId r:id="rId22"/>
   </p:notesMasterIdLst>
   <p:handoutMasterIdLst>
-    <p:handoutMasterId r:id="rId8"/>
+    <p:handoutMasterId r:id="rId23"/>
   </p:handoutMasterIdLst>
   <p:sldIdLst>
     <p:sldId id="276" r:id="rId2"/>
     <p:sldId id="277" r:id="rId3"/>
-    <p:sldId id="278" r:id="rId4"/>
-    <p:sldId id="279" r:id="rId5"/>
-    <p:sldId id="280" r:id="rId6"/>
+    <p:sldId id="286" r:id="rId4"/>
+    <p:sldId id="294" r:id="rId5"/>
+    <p:sldId id="282" r:id="rId6"/>
+    <p:sldId id="299" r:id="rId7"/>
+    <p:sldId id="300" r:id="rId8"/>
+    <p:sldId id="291" r:id="rId9"/>
+    <p:sldId id="281" r:id="rId10"/>
+    <p:sldId id="290" r:id="rId11"/>
+    <p:sldId id="292" r:id="rId12"/>
+    <p:sldId id="293" r:id="rId13"/>
+    <p:sldId id="295" r:id="rId14"/>
+    <p:sldId id="297" r:id="rId15"/>
+    <p:sldId id="302" r:id="rId16"/>
+    <p:sldId id="288" r:id="rId17"/>
+    <p:sldId id="284" r:id="rId18"/>
+    <p:sldId id="283" r:id="rId19"/>
+    <p:sldId id="301" r:id="rId20"/>
+    <p:sldId id="285" r:id="rId21"/>
   </p:sldIdLst>
   <p:sldSz cx="9144000" cy="6858000" type="screen4x3"/>
   <p:notesSz cx="6858000" cy="9144000"/>
@@ -294,7 +309,7 @@
             <a:fld id="{373F1B60-BDF4-4D63-AD79-99D5A5B1DF99}" type="datetime1">
               <a:rPr lang="en-US"/>
               <a:pPr/>
-              <a:t>12/12/2018</a:t>
+              <a:t>1/3/2019</a:t>
             </a:fld>
             <a:endParaRPr lang="en-US"/>
           </a:p>
@@ -513,7 +528,7 @@
             <a:fld id="{4387A7AA-DFE9-4771-BEDE-3294FCEBFB02}" type="datetime1">
               <a:rPr lang="en-US"/>
               <a:pPr/>
-              <a:t>12/12/2018</a:t>
+              <a:t>1/3/2019</a:t>
             </a:fld>
             <a:endParaRPr lang="en-US"/>
           </a:p>
@@ -904,7 +919,7 @@
             <a:fld id="{8541E2CD-DBF4-40F9-B6F8-EEFD0DF8A138}" type="datetime1">
               <a:rPr lang="en-US"/>
               <a:pPr/>
-              <a:t>12/12/2018</a:t>
+              <a:t>1/3/2019</a:t>
             </a:fld>
             <a:endParaRPr lang="en-US"/>
           </a:p>
@@ -1124,7 +1139,7 @@
             <a:fld id="{93F21019-3A00-48AC-9663-40DF67A83229}" type="datetime1">
               <a:rPr lang="en-US"/>
               <a:pPr/>
-              <a:t>12/12/2018</a:t>
+              <a:t>1/3/2019</a:t>
             </a:fld>
             <a:endParaRPr lang="en-US">
               <a:solidFill>
@@ -1310,7 +1325,7 @@
             <a:fld id="{8B2EF9C8-0AC3-4A53-9A61-1834A571F420}" type="datetime1">
               <a:rPr lang="en-US"/>
               <a:pPr/>
-              <a:t>12/12/2018</a:t>
+              <a:t>1/3/2019</a:t>
             </a:fld>
             <a:endParaRPr lang="en-US" sz="1400">
               <a:solidFill>
@@ -1507,7 +1522,7 @@
             <a:fld id="{F02960F3-A385-4905-A491-FDC17E063DD1}" type="datetime1">
               <a:rPr lang="en-US"/>
               <a:pPr/>
-              <a:t>12/12/2018</a:t>
+              <a:t>1/3/2019</a:t>
             </a:fld>
             <a:endParaRPr lang="en-US" sz="1400">
               <a:solidFill>
@@ -1766,7 +1781,7 @@
             <a:fld id="{CD3AD70A-8E2A-47B5-AC18-ABBB5A8E737D}" type="datetime1">
               <a:rPr lang="en-US"/>
               <a:pPr/>
-              <a:t>12/12/2018</a:t>
+              <a:t>1/3/2019</a:t>
             </a:fld>
             <a:endParaRPr lang="en-US" sz="1400">
               <a:solidFill>
@@ -2002,7 +2017,7 @@
             <a:fld id="{07008C2E-9BD6-496B-BFC3-B4A975EBC85E}" type="datetime1">
               <a:rPr lang="en-US"/>
               <a:pPr/>
-              <a:t>12/12/2018</a:t>
+              <a:t>1/3/2019</a:t>
             </a:fld>
             <a:endParaRPr lang="en-US" sz="1400">
               <a:solidFill>
@@ -2181,7 +2196,7 @@
             <a:fld id="{1AA2C3CF-866C-4FDE-B76D-4E9536901630}" type="datetime1">
               <a:rPr lang="en-US"/>
               <a:pPr/>
-              <a:t>12/12/2018</a:t>
+              <a:t>1/3/2019</a:t>
             </a:fld>
             <a:endParaRPr lang="en-US" sz="1400">
               <a:solidFill>
@@ -2360,7 +2375,7 @@
             <a:fld id="{555EE259-FE08-4558-B721-B189FFE77284}" type="datetime1">
               <a:rPr lang="en-US"/>
               <a:pPr/>
-              <a:t>12/12/2018</a:t>
+              <a:t>1/3/2019</a:t>
             </a:fld>
             <a:endParaRPr lang="en-US" sz="1400">
               <a:solidFill>
@@ -2629,7 +2644,7 @@
             <a:fld id="{0AF4064E-5624-49AB-B7C6-E301A8F6B1FF}" type="datetime1">
               <a:rPr lang="en-US"/>
               <a:pPr/>
-              <a:t>12/12/2018</a:t>
+              <a:t>1/3/2019</a:t>
             </a:fld>
             <a:endParaRPr lang="en-US" sz="1400">
               <a:solidFill>
@@ -2826,7 +2841,7 @@
             <a:fld id="{CBC97FCD-6C54-4833-B032-BFBCDFA8379D}" type="datetime1">
               <a:rPr lang="en-US"/>
               <a:pPr/>
-              <a:t>12/12/2018</a:t>
+              <a:t>1/3/2019</a:t>
             </a:fld>
             <a:endParaRPr lang="en-US" sz="1400">
               <a:solidFill>
@@ -3035,7 +3050,7 @@
             <a:fld id="{F04AA577-515A-431F-98B6-3B03494ABB11}" type="datetime1">
               <a:rPr lang="en-US"/>
               <a:pPr/>
-              <a:t>12/12/2018</a:t>
+              <a:t>1/3/2019</a:t>
             </a:fld>
             <a:endParaRPr lang="en-US" sz="1400">
               <a:solidFill>
@@ -3340,7 +3355,7 @@
             <a:fld id="{6475F1A4-C474-4345-A800-2F40B0E4E70C}" type="datetime1">
               <a:rPr lang="en-US"/>
               <a:pPr/>
-              <a:t>12/12/2018</a:t>
+              <a:t>1/3/2019</a:t>
             </a:fld>
             <a:endParaRPr lang="en-US" sz="1400">
               <a:solidFill>
@@ -3784,7 +3799,7 @@
             <a:fld id="{7BA535AB-820E-4207-9DA8-5F37106C7AF4}" type="datetime1">
               <a:rPr lang="en-US"/>
               <a:pPr/>
-              <a:t>12/12/2018</a:t>
+              <a:t>1/3/2019</a:t>
             </a:fld>
             <a:endParaRPr lang="en-US" sz="1400">
               <a:solidFill>
@@ -3919,7 +3934,7 @@
             <a:fld id="{0A7E69FA-D7EE-42C0-9117-1971B541885F}" type="datetime1">
               <a:rPr lang="en-US"/>
               <a:pPr/>
-              <a:t>12/12/2018</a:t>
+              <a:t>1/3/2019</a:t>
             </a:fld>
             <a:endParaRPr lang="en-US" sz="1400">
               <a:solidFill>
@@ -4031,7 +4046,7 @@
             <a:fld id="{10D7644E-1B5D-4325-BA79-338DF2B89B56}" type="datetime1">
               <a:rPr lang="en-US"/>
               <a:pPr/>
-              <a:t>12/12/2018</a:t>
+              <a:t>1/3/2019</a:t>
             </a:fld>
             <a:endParaRPr lang="en-US" sz="1400">
               <a:solidFill>
@@ -4325,7 +4340,7 @@
             <a:fld id="{B790C882-0B74-4932-8998-E9ABB8AF1740}" type="datetime1">
               <a:rPr lang="en-US"/>
               <a:pPr/>
-              <a:t>12/12/2018</a:t>
+              <a:t>1/3/2019</a:t>
             </a:fld>
             <a:endParaRPr lang="en-US" sz="1400">
               <a:solidFill>
@@ -4595,7 +4610,7 @@
             <a:fld id="{9DC585DC-AE7D-44C1-90AB-C3A391DEA065}" type="datetime1">
               <a:rPr lang="en-US"/>
               <a:pPr/>
-              <a:t>12/12/2018</a:t>
+              <a:t>1/3/2019</a:t>
             </a:fld>
             <a:endParaRPr lang="en-US" sz="1400">
               <a:solidFill>
@@ -4859,7 +4874,7 @@
             <a:fld id="{256CE565-1940-4E5F-9190-C0815CEAAA9D}" type="datetime1">
               <a:rPr lang="en-US"/>
               <a:pPr/>
-              <a:t>12/12/2018</a:t>
+              <a:t>1/3/2019</a:t>
             </a:fld>
             <a:endParaRPr lang="en-US"/>
           </a:p>
@@ -5448,14 +5463,18 @@
             </a:br>
             <a:r>
               <a:rPr lang="en-US" sz="2400" dirty="0" smtClean="0"/>
-              <a:t>W7 L1:</a:t>
-            </a:r>
-            <a:r>
-              <a:rPr lang="en-US" sz="2400" smtClean="0"/>
+              <a:t>W7 L1: </a:t>
+            </a:r>
+            <a:r>
+              <a:rPr lang="en-US" sz="2400" dirty="0" smtClean="0"/>
+              <a:t>Clustering introduction</a:t>
+            </a:r>
+            <a:r>
+              <a:rPr lang="en-US" sz="2400" dirty="0" smtClean="0"/>
               <a:t/>
             </a:r>
             <a:br>
-              <a:rPr lang="en-US" sz="2400" smtClean="0"/>
+              <a:rPr lang="en-US" sz="2400" dirty="0" smtClean="0"/>
             </a:br>
             <a:r>
               <a:rPr lang="en-US" sz="2000" dirty="0" smtClean="0"/>
@@ -5525,6 +5544,5160 @@
       </p:par>
     </p:tnLst>
   </p:timing>
+</p:sld>
+</file>
+
+<file path=ppt/slides/slide10.xml><?xml version="1.0" encoding="utf-8"?>
+<p:sld xmlns:a="http://schemas.openxmlformats.org/drawingml/2006/main" xmlns:r="http://schemas.openxmlformats.org/officeDocument/2006/relationships" xmlns:p="http://schemas.openxmlformats.org/presentationml/2006/main">
+  <p:cSld>
+    <p:spTree>
+      <p:nvGrpSpPr>
+        <p:cNvPr id="1" name=""/>
+        <p:cNvGrpSpPr/>
+        <p:nvPr/>
+      </p:nvGrpSpPr>
+      <p:grpSpPr>
+        <a:xfrm>
+          <a:off x="0" y="0"/>
+          <a:ext cx="0" cy="0"/>
+          <a:chOff x="0" y="0"/>
+          <a:chExt cx="0" cy="0"/>
+        </a:xfrm>
+      </p:grpSpPr>
+      <p:sp>
+        <p:nvSpPr>
+          <p:cNvPr id="2" name="Titel 1"/>
+          <p:cNvSpPr>
+            <a:spLocks noGrp="1"/>
+          </p:cNvSpPr>
+          <p:nvPr>
+            <p:ph type="title"/>
+          </p:nvPr>
+        </p:nvSpPr>
+        <p:spPr/>
+        <p:txBody>
+          <a:bodyPr/>
+          <a:lstStyle/>
+          <a:p>
+            <a:r>
+              <a:rPr lang="nl-NL" dirty="0" smtClean="0"/>
+              <a:t>Topics</a:t>
+            </a:r>
+            <a:endParaRPr lang="nl-NL" dirty="0"/>
+          </a:p>
+        </p:txBody>
+      </p:sp>
+      <p:sp>
+        <p:nvSpPr>
+          <p:cNvPr id="3" name="Tijdelijke aanduiding voor inhoud 2"/>
+          <p:cNvSpPr>
+            <a:spLocks noGrp="1"/>
+          </p:cNvSpPr>
+          <p:nvPr>
+            <p:ph idx="1"/>
+          </p:nvPr>
+        </p:nvSpPr>
+        <p:spPr>
+          <a:xfrm>
+            <a:off x="762000" y="1762125"/>
+            <a:ext cx="7881938" cy="2308324"/>
+          </a:xfrm>
+        </p:spPr>
+        <p:txBody>
+          <a:bodyPr/>
+          <a:lstStyle/>
+          <a:p>
+            <a:r>
+              <a:rPr lang="nl-NL" sz="2400" dirty="0" smtClean="0"/>
+              <a:t>User ratings</a:t>
+            </a:r>
+          </a:p>
+          <a:p>
+            <a:endParaRPr lang="nl-NL" sz="2400" dirty="0"/>
+          </a:p>
+          <a:p>
+            <a:r>
+              <a:rPr lang="nl-NL" sz="2400" dirty="0" smtClean="0"/>
+              <a:t>Clustering</a:t>
+            </a:r>
+          </a:p>
+          <a:p>
+            <a:endParaRPr lang="nl-NL" sz="2400" dirty="0"/>
+          </a:p>
+          <a:p>
+            <a:r>
+              <a:rPr lang="nl-NL" sz="2400" i="1" dirty="0" smtClean="0"/>
+              <a:t>k</a:t>
+            </a:r>
+            <a:r>
+              <a:rPr lang="nl-NL" sz="2400" dirty="0" smtClean="0"/>
+              <a:t>-means clustering</a:t>
+            </a:r>
+            <a:endParaRPr lang="nl-NL" sz="2400" i="1" dirty="0"/>
+          </a:p>
+        </p:txBody>
+      </p:sp>
+    </p:spTree>
+    <p:extLst>
+      <p:ext uri="{BB962C8B-B14F-4D97-AF65-F5344CB8AC3E}">
+        <p14:creationId xmlns:p14="http://schemas.microsoft.com/office/powerpoint/2010/main" val="1474508821"/>
+      </p:ext>
+    </p:extLst>
+  </p:cSld>
+  <p:clrMapOvr>
+    <a:masterClrMapping/>
+  </p:clrMapOvr>
+</p:sld>
+</file>
+
+<file path=ppt/slides/slide11.xml><?xml version="1.0" encoding="utf-8"?>
+<p:sld xmlns:a="http://schemas.openxmlformats.org/drawingml/2006/main" xmlns:r="http://schemas.openxmlformats.org/officeDocument/2006/relationships" xmlns:p="http://schemas.openxmlformats.org/presentationml/2006/main">
+  <p:cSld>
+    <p:spTree>
+      <p:nvGrpSpPr>
+        <p:cNvPr id="1" name=""/>
+        <p:cNvGrpSpPr/>
+        <p:nvPr/>
+      </p:nvGrpSpPr>
+      <p:grpSpPr>
+        <a:xfrm>
+          <a:off x="0" y="0"/>
+          <a:ext cx="0" cy="0"/>
+          <a:chOff x="0" y="0"/>
+          <a:chExt cx="0" cy="0"/>
+        </a:xfrm>
+      </p:grpSpPr>
+      <p:sp>
+        <p:nvSpPr>
+          <p:cNvPr id="2" name="Titel 1"/>
+          <p:cNvSpPr>
+            <a:spLocks noGrp="1"/>
+          </p:cNvSpPr>
+          <p:nvPr>
+            <p:ph type="title"/>
+          </p:nvPr>
+        </p:nvSpPr>
+        <p:spPr>
+          <a:xfrm>
+            <a:off x="838200" y="727373"/>
+            <a:ext cx="6172200" cy="461665"/>
+          </a:xfrm>
+        </p:spPr>
+        <p:txBody>
+          <a:bodyPr/>
+          <a:lstStyle/>
+          <a:p>
+            <a:r>
+              <a:rPr lang="nl-NL" sz="2400" dirty="0" err="1" smtClean="0"/>
+              <a:t>Supervised</a:t>
+            </a:r>
+            <a:r>
+              <a:rPr lang="nl-NL" sz="2400" dirty="0" smtClean="0"/>
+              <a:t> vs. </a:t>
+            </a:r>
+            <a:r>
+              <a:rPr lang="nl-NL" sz="2400" dirty="0" err="1" smtClean="0"/>
+              <a:t>unsupervised</a:t>
+            </a:r>
+            <a:r>
+              <a:rPr lang="nl-NL" sz="2400" dirty="0" smtClean="0"/>
+              <a:t> </a:t>
+            </a:r>
+            <a:r>
+              <a:rPr lang="nl-NL" sz="2400" dirty="0" err="1" smtClean="0"/>
+              <a:t>learning</a:t>
+            </a:r>
+            <a:endParaRPr lang="nl-NL" sz="2400" dirty="0"/>
+          </a:p>
+        </p:txBody>
+      </p:sp>
+      <p:pic>
+        <p:nvPicPr>
+          <p:cNvPr id="4" name="Tijdelijke aanduiding voor inhoud 3"/>
+          <p:cNvPicPr>
+            <a:picLocks noGrp="1" noChangeAspect="1"/>
+          </p:cNvPicPr>
+          <p:nvPr>
+            <p:ph idx="1"/>
+          </p:nvPr>
+        </p:nvPicPr>
+        <p:blipFill>
+          <a:blip r:embed="rId2" cstate="print">
+            <a:extLst>
+              <a:ext uri="{28A0092B-C50C-407E-A947-70E740481C1C}">
+                <a14:useLocalDpi xmlns:a14="http://schemas.microsoft.com/office/drawing/2010/main" val="0"/>
+              </a:ext>
+            </a:extLst>
+          </a:blip>
+          <a:stretch>
+            <a:fillRect/>
+          </a:stretch>
+        </p:blipFill>
+        <p:spPr>
+          <a:xfrm>
+            <a:off x="5796136" y="3428999"/>
+            <a:ext cx="2139900" cy="2304256"/>
+          </a:xfrm>
+        </p:spPr>
+      </p:pic>
+      <p:pic>
+        <p:nvPicPr>
+          <p:cNvPr id="5" name="Afbeelding 4"/>
+          <p:cNvPicPr>
+            <a:picLocks noChangeAspect="1"/>
+          </p:cNvPicPr>
+          <p:nvPr/>
+        </p:nvPicPr>
+        <p:blipFill>
+          <a:blip r:embed="rId3" cstate="print">
+            <a:extLst>
+              <a:ext uri="{28A0092B-C50C-407E-A947-70E740481C1C}">
+                <a14:useLocalDpi xmlns:a14="http://schemas.microsoft.com/office/drawing/2010/main" val="0"/>
+              </a:ext>
+            </a:extLst>
+          </a:blip>
+          <a:stretch>
+            <a:fillRect/>
+          </a:stretch>
+        </p:blipFill>
+        <p:spPr>
+          <a:xfrm>
+            <a:off x="5796136" y="5729791"/>
+            <a:ext cx="2322209" cy="698477"/>
+          </a:xfrm>
+          <a:prstGeom prst="rect">
+            <a:avLst/>
+          </a:prstGeom>
+        </p:spPr>
+      </p:pic>
+      <p:sp>
+        <p:nvSpPr>
+          <p:cNvPr id="6" name="Tijdelijke aanduiding voor inhoud 2"/>
+          <p:cNvSpPr txBox="1">
+            <a:spLocks/>
+          </p:cNvSpPr>
+          <p:nvPr/>
+        </p:nvSpPr>
+        <p:spPr bwMode="auto">
+          <a:xfrm>
+            <a:off x="762000" y="1762125"/>
+            <a:ext cx="4509730" cy="4493538"/>
+          </a:xfrm>
+          <a:prstGeom prst="rect">
+            <a:avLst/>
+          </a:prstGeom>
+          <a:noFill/>
+          <a:ln w="9525">
+            <a:noFill/>
+            <a:miter lim="800000"/>
+            <a:headEnd/>
+            <a:tailEnd/>
+          </a:ln>
+          <a:effectLst/>
+        </p:spPr>
+        <p:txBody>
+          <a:bodyPr vert="horz" wrap="square" lIns="91440" tIns="45720" rIns="91440" bIns="45720" numCol="1" anchor="t" anchorCtr="0" compatLnSpc="1">
+            <a:prstTxWarp prst="textNoShape">
+              <a:avLst/>
+            </a:prstTxWarp>
+            <a:spAutoFit/>
+          </a:bodyPr>
+          <a:lstStyle>
+            <a:lvl1pPr marL="342900" indent="-342900" algn="l" rtl="0" fontAlgn="base">
+              <a:spcBef>
+                <a:spcPct val="20000"/>
+              </a:spcBef>
+              <a:spcAft>
+                <a:spcPct val="0"/>
+              </a:spcAft>
+              <a:buClr>
+                <a:srgbClr val="ED0010"/>
+              </a:buClr>
+              <a:buSzPct val="60000"/>
+              <a:buFont typeface="Zapf Dingbats" charset="2"/>
+              <a:buChar char="n"/>
+              <a:defRPr sz="2800">
+                <a:solidFill>
+                  <a:srgbClr val="000000"/>
+                </a:solidFill>
+                <a:latin typeface="+mn-lt"/>
+                <a:ea typeface="+mn-ea"/>
+                <a:cs typeface="+mn-cs"/>
+              </a:defRPr>
+            </a:lvl1pPr>
+            <a:lvl2pPr marL="819150" indent="-285750" algn="l" rtl="0" fontAlgn="base">
+              <a:spcBef>
+                <a:spcPct val="20000"/>
+              </a:spcBef>
+              <a:spcAft>
+                <a:spcPct val="0"/>
+              </a:spcAft>
+              <a:buClr>
+                <a:schemeClr val="accent1"/>
+              </a:buClr>
+              <a:buSzPct val="60000"/>
+              <a:buFont typeface="Zapf Dingbats" charset="2"/>
+              <a:buChar char="n"/>
+              <a:defRPr sz="2600">
+                <a:solidFill>
+                  <a:srgbClr val="000000"/>
+                </a:solidFill>
+                <a:latin typeface="+mn-lt"/>
+              </a:defRPr>
+            </a:lvl2pPr>
+            <a:lvl3pPr marL="1143000" indent="-228600" algn="l" rtl="0" fontAlgn="base">
+              <a:spcBef>
+                <a:spcPct val="20000"/>
+              </a:spcBef>
+              <a:spcAft>
+                <a:spcPct val="0"/>
+              </a:spcAft>
+              <a:buClr>
+                <a:schemeClr val="accent1"/>
+              </a:buClr>
+              <a:buSzPct val="60000"/>
+              <a:buFont typeface="Zapf Dingbats" charset="2"/>
+              <a:buChar char="n"/>
+              <a:defRPr sz="2400">
+                <a:solidFill>
+                  <a:srgbClr val="000000"/>
+                </a:solidFill>
+                <a:latin typeface="+mn-lt"/>
+              </a:defRPr>
+            </a:lvl3pPr>
+            <a:lvl4pPr marL="1562100" indent="-228600" algn="l" rtl="0" fontAlgn="base">
+              <a:spcBef>
+                <a:spcPct val="20000"/>
+              </a:spcBef>
+              <a:spcAft>
+                <a:spcPct val="0"/>
+              </a:spcAft>
+              <a:buClr>
+                <a:schemeClr val="accent1"/>
+              </a:buClr>
+              <a:buSzPct val="60000"/>
+              <a:buFont typeface="Zapf Dingbats" charset="2"/>
+              <a:buChar char="n"/>
+              <a:defRPr sz="2200">
+                <a:solidFill>
+                  <a:srgbClr val="000000"/>
+                </a:solidFill>
+                <a:latin typeface="+mn-lt"/>
+              </a:defRPr>
+            </a:lvl4pPr>
+            <a:lvl5pPr marL="1981200" indent="-228600" algn="l" rtl="0" fontAlgn="base">
+              <a:spcBef>
+                <a:spcPct val="20000"/>
+              </a:spcBef>
+              <a:spcAft>
+                <a:spcPct val="0"/>
+              </a:spcAft>
+              <a:buClr>
+                <a:schemeClr val="accent1"/>
+              </a:buClr>
+              <a:buSzPct val="60000"/>
+              <a:buFont typeface="Zapf Dingbats" charset="2"/>
+              <a:buChar char="n"/>
+              <a:defRPr sz="2000">
+                <a:solidFill>
+                  <a:srgbClr val="000000"/>
+                </a:solidFill>
+                <a:latin typeface="+mn-lt"/>
+              </a:defRPr>
+            </a:lvl5pPr>
+            <a:lvl6pPr marL="2438400" indent="-228600" algn="l" rtl="0" fontAlgn="base">
+              <a:spcBef>
+                <a:spcPct val="20000"/>
+              </a:spcBef>
+              <a:spcAft>
+                <a:spcPct val="0"/>
+              </a:spcAft>
+              <a:buClr>
+                <a:schemeClr val="accent1"/>
+              </a:buClr>
+              <a:buSzPct val="60000"/>
+              <a:buFont typeface="Zapf Dingbats" charset="2"/>
+              <a:buChar char="n"/>
+              <a:defRPr sz="2000">
+                <a:solidFill>
+                  <a:srgbClr val="000000"/>
+                </a:solidFill>
+                <a:latin typeface="+mn-lt"/>
+              </a:defRPr>
+            </a:lvl6pPr>
+            <a:lvl7pPr marL="2895600" indent="-228600" algn="l" rtl="0" fontAlgn="base">
+              <a:spcBef>
+                <a:spcPct val="20000"/>
+              </a:spcBef>
+              <a:spcAft>
+                <a:spcPct val="0"/>
+              </a:spcAft>
+              <a:buClr>
+                <a:schemeClr val="accent1"/>
+              </a:buClr>
+              <a:buSzPct val="60000"/>
+              <a:buFont typeface="Zapf Dingbats" charset="2"/>
+              <a:buChar char="n"/>
+              <a:defRPr sz="2000">
+                <a:solidFill>
+                  <a:srgbClr val="000000"/>
+                </a:solidFill>
+                <a:latin typeface="+mn-lt"/>
+              </a:defRPr>
+            </a:lvl7pPr>
+            <a:lvl8pPr marL="3352800" indent="-228600" algn="l" rtl="0" fontAlgn="base">
+              <a:spcBef>
+                <a:spcPct val="20000"/>
+              </a:spcBef>
+              <a:spcAft>
+                <a:spcPct val="0"/>
+              </a:spcAft>
+              <a:buClr>
+                <a:schemeClr val="accent1"/>
+              </a:buClr>
+              <a:buSzPct val="60000"/>
+              <a:buFont typeface="Zapf Dingbats" charset="2"/>
+              <a:buChar char="n"/>
+              <a:defRPr sz="2000">
+                <a:solidFill>
+                  <a:srgbClr val="000000"/>
+                </a:solidFill>
+                <a:latin typeface="+mn-lt"/>
+              </a:defRPr>
+            </a:lvl8pPr>
+            <a:lvl9pPr marL="3810000" indent="-228600" algn="l" rtl="0" fontAlgn="base">
+              <a:spcBef>
+                <a:spcPct val="20000"/>
+              </a:spcBef>
+              <a:spcAft>
+                <a:spcPct val="0"/>
+              </a:spcAft>
+              <a:buClr>
+                <a:schemeClr val="accent1"/>
+              </a:buClr>
+              <a:buSzPct val="60000"/>
+              <a:buFont typeface="Zapf Dingbats" charset="2"/>
+              <a:buChar char="n"/>
+              <a:defRPr sz="2000">
+                <a:solidFill>
+                  <a:srgbClr val="000000"/>
+                </a:solidFill>
+                <a:latin typeface="+mn-lt"/>
+              </a:defRPr>
+            </a:lvl9pPr>
+          </a:lstStyle>
+          <a:p>
+            <a:r>
+              <a:rPr lang="nl-NL" sz="2400" kern="0" dirty="0" err="1" smtClean="0"/>
+              <a:t>Supervised</a:t>
+            </a:r>
+            <a:r>
+              <a:rPr lang="nl-NL" sz="2400" kern="0" dirty="0" smtClean="0"/>
+              <a:t>: </a:t>
+            </a:r>
+            <a:r>
+              <a:rPr lang="nl-NL" sz="2400" kern="0" dirty="0" err="1" smtClean="0"/>
+              <a:t>use</a:t>
+            </a:r>
+            <a:r>
+              <a:rPr lang="nl-NL" sz="2400" kern="0" dirty="0" smtClean="0"/>
+              <a:t> </a:t>
+            </a:r>
+            <a:r>
+              <a:rPr lang="nl-NL" sz="2400" kern="0" dirty="0" err="1" smtClean="0"/>
+              <a:t>known</a:t>
+            </a:r>
+            <a:r>
+              <a:rPr lang="nl-NL" sz="2400" kern="0" dirty="0" smtClean="0"/>
+              <a:t> </a:t>
+            </a:r>
+            <a:r>
+              <a:rPr lang="nl-NL" sz="2400" kern="0" dirty="0" err="1" smtClean="0"/>
+              <a:t>patterns</a:t>
+            </a:r>
+            <a:r>
+              <a:rPr lang="nl-NL" sz="2400" kern="0" dirty="0" smtClean="0"/>
+              <a:t> </a:t>
+            </a:r>
+            <a:r>
+              <a:rPr lang="nl-NL" sz="2400" kern="0" dirty="0" err="1" smtClean="0"/>
+              <a:t>to</a:t>
+            </a:r>
+            <a:r>
+              <a:rPr lang="nl-NL" sz="2400" kern="0" dirty="0" smtClean="0"/>
+              <a:t> </a:t>
+            </a:r>
+            <a:r>
+              <a:rPr lang="nl-NL" sz="2400" kern="0" dirty="0" err="1" smtClean="0"/>
+              <a:t>predict</a:t>
+            </a:r>
+            <a:r>
+              <a:rPr lang="nl-NL" sz="2400" kern="0" dirty="0" smtClean="0"/>
+              <a:t> new cases</a:t>
+            </a:r>
+          </a:p>
+          <a:p>
+            <a:pPr lvl="1"/>
+            <a:r>
+              <a:rPr lang="nl-NL" sz="2200" kern="0" dirty="0" err="1" smtClean="0"/>
+              <a:t>Handwriting</a:t>
+            </a:r>
+            <a:r>
+              <a:rPr lang="nl-NL" sz="2200" kern="0" dirty="0" smtClean="0"/>
+              <a:t> </a:t>
+            </a:r>
+            <a:r>
+              <a:rPr lang="nl-NL" sz="2200" kern="0" dirty="0" err="1" smtClean="0"/>
+              <a:t>recognition</a:t>
+            </a:r>
+            <a:endParaRPr lang="nl-NL" sz="2200" kern="0" dirty="0" smtClean="0"/>
+          </a:p>
+          <a:p>
+            <a:endParaRPr lang="nl-NL" sz="2400" kern="0" dirty="0"/>
+          </a:p>
+          <a:p>
+            <a:r>
+              <a:rPr lang="nl-NL" sz="2400" kern="0" dirty="0" err="1" smtClean="0"/>
+              <a:t>Unsupervised</a:t>
+            </a:r>
+            <a:r>
+              <a:rPr lang="nl-NL" sz="2400" kern="0" dirty="0" smtClean="0"/>
+              <a:t>: </a:t>
+            </a:r>
+            <a:r>
+              <a:rPr lang="nl-NL" sz="2400" kern="0" dirty="0" err="1" smtClean="0"/>
+              <a:t>you</a:t>
+            </a:r>
+            <a:r>
+              <a:rPr lang="nl-NL" sz="2400" kern="0" dirty="0" smtClean="0"/>
+              <a:t> let the </a:t>
+            </a:r>
+            <a:r>
+              <a:rPr lang="nl-NL" sz="2400" kern="0" dirty="0" err="1" smtClean="0"/>
+              <a:t>algorithm</a:t>
+            </a:r>
+            <a:r>
+              <a:rPr lang="nl-NL" sz="2400" kern="0" dirty="0" smtClean="0"/>
+              <a:t> discover </a:t>
+            </a:r>
+            <a:r>
+              <a:rPr lang="nl-NL" sz="2400" kern="0" dirty="0" err="1" smtClean="0"/>
+              <a:t>patterns</a:t>
+            </a:r>
+            <a:r>
+              <a:rPr lang="nl-NL" sz="2400" kern="0" dirty="0" smtClean="0"/>
+              <a:t>/clusters on </a:t>
+            </a:r>
+            <a:r>
+              <a:rPr lang="nl-NL" sz="2400" kern="0" dirty="0" err="1" smtClean="0"/>
+              <a:t>its</a:t>
+            </a:r>
+            <a:r>
+              <a:rPr lang="nl-NL" sz="2400" kern="0" dirty="0" smtClean="0"/>
+              <a:t> </a:t>
+            </a:r>
+            <a:r>
+              <a:rPr lang="nl-NL" sz="2400" kern="0" dirty="0" err="1" smtClean="0"/>
+              <a:t>own</a:t>
+            </a:r>
+            <a:endParaRPr lang="nl-NL" sz="2400" kern="0" dirty="0" smtClean="0"/>
+          </a:p>
+          <a:p>
+            <a:pPr lvl="1"/>
+            <a:r>
+              <a:rPr lang="nl-NL" sz="2200" kern="0" dirty="0" err="1" smtClean="0"/>
+              <a:t>Spotify</a:t>
+            </a:r>
+            <a:r>
+              <a:rPr lang="nl-NL" sz="2200" kern="0" dirty="0" smtClean="0"/>
+              <a:t> Radio / Discover </a:t>
+            </a:r>
+            <a:r>
+              <a:rPr lang="nl-NL" sz="2200" kern="0" dirty="0" err="1" smtClean="0"/>
+              <a:t>Weekly</a:t>
+            </a:r>
+            <a:endParaRPr lang="nl-NL" sz="2200" kern="0" dirty="0" smtClean="0"/>
+          </a:p>
+          <a:p>
+            <a:pPr marL="0" indent="0">
+              <a:buNone/>
+            </a:pPr>
+            <a:endParaRPr lang="nl-NL" sz="2400" kern="0" dirty="0" smtClean="0"/>
+          </a:p>
+          <a:p>
+            <a:pPr marL="0" indent="0">
+              <a:buNone/>
+            </a:pPr>
+            <a:r>
+              <a:rPr lang="nl-NL" sz="2400" kern="0" dirty="0"/>
+              <a:t>	</a:t>
+            </a:r>
+          </a:p>
+        </p:txBody>
+      </p:sp>
+      <p:pic>
+        <p:nvPicPr>
+          <p:cNvPr id="7" name="Afbeelding 6"/>
+          <p:cNvPicPr>
+            <a:picLocks noChangeAspect="1"/>
+          </p:cNvPicPr>
+          <p:nvPr/>
+        </p:nvPicPr>
+        <p:blipFill>
+          <a:blip r:embed="rId4">
+            <a:extLst>
+              <a:ext uri="{28A0092B-C50C-407E-A947-70E740481C1C}">
+                <a14:useLocalDpi xmlns:a14="http://schemas.microsoft.com/office/drawing/2010/main" val="0"/>
+              </a:ext>
+            </a:extLst>
+          </a:blip>
+          <a:stretch>
+            <a:fillRect/>
+          </a:stretch>
+        </p:blipFill>
+        <p:spPr>
+          <a:xfrm>
+            <a:off x="5815528" y="1543778"/>
+            <a:ext cx="2469436" cy="1500785"/>
+          </a:xfrm>
+          <a:prstGeom prst="rect">
+            <a:avLst/>
+          </a:prstGeom>
+        </p:spPr>
+      </p:pic>
+      <p:sp>
+        <p:nvSpPr>
+          <p:cNvPr id="9" name="Tijdelijke aanduiding voor inhoud 2"/>
+          <p:cNvSpPr txBox="1">
+            <a:spLocks/>
+          </p:cNvSpPr>
+          <p:nvPr/>
+        </p:nvSpPr>
+        <p:spPr bwMode="auto">
+          <a:xfrm>
+            <a:off x="6300192" y="3054786"/>
+            <a:ext cx="2160250" cy="972574"/>
+          </a:xfrm>
+          <a:prstGeom prst="rect">
+            <a:avLst/>
+          </a:prstGeom>
+          <a:noFill/>
+          <a:ln w="9525">
+            <a:noFill/>
+            <a:miter lim="800000"/>
+            <a:headEnd/>
+            <a:tailEnd/>
+          </a:ln>
+          <a:effectLst/>
+        </p:spPr>
+        <p:txBody>
+          <a:bodyPr vert="horz" wrap="square" lIns="91440" tIns="45720" rIns="91440" bIns="45720" numCol="1" anchor="t" anchorCtr="0" compatLnSpc="1">
+            <a:prstTxWarp prst="textNoShape">
+              <a:avLst/>
+            </a:prstTxWarp>
+            <a:spAutoFit/>
+          </a:bodyPr>
+          <a:lstStyle>
+            <a:lvl1pPr marL="342900" indent="-342900" algn="l" rtl="0" fontAlgn="base">
+              <a:spcBef>
+                <a:spcPct val="20000"/>
+              </a:spcBef>
+              <a:spcAft>
+                <a:spcPct val="0"/>
+              </a:spcAft>
+              <a:buClr>
+                <a:srgbClr val="ED0010"/>
+              </a:buClr>
+              <a:buSzPct val="60000"/>
+              <a:buFont typeface="Zapf Dingbats" charset="2"/>
+              <a:buChar char="n"/>
+              <a:defRPr sz="2800">
+                <a:solidFill>
+                  <a:srgbClr val="000000"/>
+                </a:solidFill>
+                <a:latin typeface="+mn-lt"/>
+                <a:ea typeface="+mn-ea"/>
+                <a:cs typeface="+mn-cs"/>
+              </a:defRPr>
+            </a:lvl1pPr>
+            <a:lvl2pPr marL="819150" indent="-285750" algn="l" rtl="0" fontAlgn="base">
+              <a:spcBef>
+                <a:spcPct val="20000"/>
+              </a:spcBef>
+              <a:spcAft>
+                <a:spcPct val="0"/>
+              </a:spcAft>
+              <a:buClr>
+                <a:schemeClr val="accent1"/>
+              </a:buClr>
+              <a:buSzPct val="60000"/>
+              <a:buFont typeface="Zapf Dingbats" charset="2"/>
+              <a:buChar char="n"/>
+              <a:defRPr sz="2600">
+                <a:solidFill>
+                  <a:srgbClr val="000000"/>
+                </a:solidFill>
+                <a:latin typeface="+mn-lt"/>
+              </a:defRPr>
+            </a:lvl2pPr>
+            <a:lvl3pPr marL="1143000" indent="-228600" algn="l" rtl="0" fontAlgn="base">
+              <a:spcBef>
+                <a:spcPct val="20000"/>
+              </a:spcBef>
+              <a:spcAft>
+                <a:spcPct val="0"/>
+              </a:spcAft>
+              <a:buClr>
+                <a:schemeClr val="accent1"/>
+              </a:buClr>
+              <a:buSzPct val="60000"/>
+              <a:buFont typeface="Zapf Dingbats" charset="2"/>
+              <a:buChar char="n"/>
+              <a:defRPr sz="2400">
+                <a:solidFill>
+                  <a:srgbClr val="000000"/>
+                </a:solidFill>
+                <a:latin typeface="+mn-lt"/>
+              </a:defRPr>
+            </a:lvl3pPr>
+            <a:lvl4pPr marL="1562100" indent="-228600" algn="l" rtl="0" fontAlgn="base">
+              <a:spcBef>
+                <a:spcPct val="20000"/>
+              </a:spcBef>
+              <a:spcAft>
+                <a:spcPct val="0"/>
+              </a:spcAft>
+              <a:buClr>
+                <a:schemeClr val="accent1"/>
+              </a:buClr>
+              <a:buSzPct val="60000"/>
+              <a:buFont typeface="Zapf Dingbats" charset="2"/>
+              <a:buChar char="n"/>
+              <a:defRPr sz="2200">
+                <a:solidFill>
+                  <a:srgbClr val="000000"/>
+                </a:solidFill>
+                <a:latin typeface="+mn-lt"/>
+              </a:defRPr>
+            </a:lvl4pPr>
+            <a:lvl5pPr marL="1981200" indent="-228600" algn="l" rtl="0" fontAlgn="base">
+              <a:spcBef>
+                <a:spcPct val="20000"/>
+              </a:spcBef>
+              <a:spcAft>
+                <a:spcPct val="0"/>
+              </a:spcAft>
+              <a:buClr>
+                <a:schemeClr val="accent1"/>
+              </a:buClr>
+              <a:buSzPct val="60000"/>
+              <a:buFont typeface="Zapf Dingbats" charset="2"/>
+              <a:buChar char="n"/>
+              <a:defRPr sz="2000">
+                <a:solidFill>
+                  <a:srgbClr val="000000"/>
+                </a:solidFill>
+                <a:latin typeface="+mn-lt"/>
+              </a:defRPr>
+            </a:lvl5pPr>
+            <a:lvl6pPr marL="2438400" indent="-228600" algn="l" rtl="0" fontAlgn="base">
+              <a:spcBef>
+                <a:spcPct val="20000"/>
+              </a:spcBef>
+              <a:spcAft>
+                <a:spcPct val="0"/>
+              </a:spcAft>
+              <a:buClr>
+                <a:schemeClr val="accent1"/>
+              </a:buClr>
+              <a:buSzPct val="60000"/>
+              <a:buFont typeface="Zapf Dingbats" charset="2"/>
+              <a:buChar char="n"/>
+              <a:defRPr sz="2000">
+                <a:solidFill>
+                  <a:srgbClr val="000000"/>
+                </a:solidFill>
+                <a:latin typeface="+mn-lt"/>
+              </a:defRPr>
+            </a:lvl6pPr>
+            <a:lvl7pPr marL="2895600" indent="-228600" algn="l" rtl="0" fontAlgn="base">
+              <a:spcBef>
+                <a:spcPct val="20000"/>
+              </a:spcBef>
+              <a:spcAft>
+                <a:spcPct val="0"/>
+              </a:spcAft>
+              <a:buClr>
+                <a:schemeClr val="accent1"/>
+              </a:buClr>
+              <a:buSzPct val="60000"/>
+              <a:buFont typeface="Zapf Dingbats" charset="2"/>
+              <a:buChar char="n"/>
+              <a:defRPr sz="2000">
+                <a:solidFill>
+                  <a:srgbClr val="000000"/>
+                </a:solidFill>
+                <a:latin typeface="+mn-lt"/>
+              </a:defRPr>
+            </a:lvl7pPr>
+            <a:lvl8pPr marL="3352800" indent="-228600" algn="l" rtl="0" fontAlgn="base">
+              <a:spcBef>
+                <a:spcPct val="20000"/>
+              </a:spcBef>
+              <a:spcAft>
+                <a:spcPct val="0"/>
+              </a:spcAft>
+              <a:buClr>
+                <a:schemeClr val="accent1"/>
+              </a:buClr>
+              <a:buSzPct val="60000"/>
+              <a:buFont typeface="Zapf Dingbats" charset="2"/>
+              <a:buChar char="n"/>
+              <a:defRPr sz="2000">
+                <a:solidFill>
+                  <a:srgbClr val="000000"/>
+                </a:solidFill>
+                <a:latin typeface="+mn-lt"/>
+              </a:defRPr>
+            </a:lvl8pPr>
+            <a:lvl9pPr marL="3810000" indent="-228600" algn="l" rtl="0" fontAlgn="base">
+              <a:spcBef>
+                <a:spcPct val="20000"/>
+              </a:spcBef>
+              <a:spcAft>
+                <a:spcPct val="0"/>
+              </a:spcAft>
+              <a:buClr>
+                <a:schemeClr val="accent1"/>
+              </a:buClr>
+              <a:buSzPct val="60000"/>
+              <a:buFont typeface="Zapf Dingbats" charset="2"/>
+              <a:buChar char="n"/>
+              <a:defRPr sz="2000">
+                <a:solidFill>
+                  <a:srgbClr val="000000"/>
+                </a:solidFill>
+                <a:latin typeface="+mn-lt"/>
+              </a:defRPr>
+            </a:lvl9pPr>
+          </a:lstStyle>
+          <a:p>
+            <a:pPr marL="0" indent="0">
+              <a:buNone/>
+            </a:pPr>
+            <a:r>
+              <a:rPr lang="nl-NL" sz="1400" kern="0" dirty="0" smtClean="0"/>
+              <a:t>MNIST data set</a:t>
+            </a:r>
+          </a:p>
+          <a:p>
+            <a:pPr marL="0" indent="0">
+              <a:buNone/>
+            </a:pPr>
+            <a:endParaRPr lang="nl-NL" sz="1800" kern="0" dirty="0" smtClean="0"/>
+          </a:p>
+          <a:p>
+            <a:pPr marL="0" indent="0">
+              <a:buNone/>
+            </a:pPr>
+            <a:r>
+              <a:rPr lang="nl-NL" sz="1800" kern="0" dirty="0"/>
+              <a:t>	</a:t>
+            </a:r>
+          </a:p>
+        </p:txBody>
+      </p:sp>
+    </p:spTree>
+    <p:extLst>
+      <p:ext uri="{BB962C8B-B14F-4D97-AF65-F5344CB8AC3E}">
+        <p14:creationId xmlns:p14="http://schemas.microsoft.com/office/powerpoint/2010/main" val="2307939898"/>
+      </p:ext>
+    </p:extLst>
+  </p:cSld>
+  <p:clrMapOvr>
+    <a:masterClrMapping/>
+  </p:clrMapOvr>
+  <p:timing>
+    <p:tnLst>
+      <p:par>
+        <p:cTn id="1" dur="indefinite" restart="never" nodeType="tmRoot"/>
+      </p:par>
+    </p:tnLst>
+  </p:timing>
+</p:sld>
+</file>
+
+<file path=ppt/slides/slide12.xml><?xml version="1.0" encoding="utf-8"?>
+<p:sld xmlns:a="http://schemas.openxmlformats.org/drawingml/2006/main" xmlns:r="http://schemas.openxmlformats.org/officeDocument/2006/relationships" xmlns:p="http://schemas.openxmlformats.org/presentationml/2006/main">
+  <p:cSld>
+    <p:spTree>
+      <p:nvGrpSpPr>
+        <p:cNvPr id="1" name=""/>
+        <p:cNvGrpSpPr/>
+        <p:nvPr/>
+      </p:nvGrpSpPr>
+      <p:grpSpPr>
+        <a:xfrm>
+          <a:off x="0" y="0"/>
+          <a:ext cx="0" cy="0"/>
+          <a:chOff x="0" y="0"/>
+          <a:chExt cx="0" cy="0"/>
+        </a:xfrm>
+      </p:grpSpPr>
+      <p:sp>
+        <p:nvSpPr>
+          <p:cNvPr id="2" name="Titel 1"/>
+          <p:cNvSpPr>
+            <a:spLocks noGrp="1"/>
+          </p:cNvSpPr>
+          <p:nvPr>
+            <p:ph type="title"/>
+          </p:nvPr>
+        </p:nvSpPr>
+        <p:spPr/>
+        <p:txBody>
+          <a:bodyPr/>
+          <a:lstStyle/>
+          <a:p>
+            <a:r>
+              <a:rPr lang="nl-NL" dirty="0" err="1" smtClean="0"/>
+              <a:t>Why</a:t>
+            </a:r>
+            <a:r>
+              <a:rPr lang="nl-NL" dirty="0" smtClean="0"/>
+              <a:t> clustering?</a:t>
+            </a:r>
+            <a:endParaRPr lang="nl-NL" dirty="0"/>
+          </a:p>
+        </p:txBody>
+      </p:sp>
+      <p:sp>
+        <p:nvSpPr>
+          <p:cNvPr id="3" name="Tijdelijke aanduiding voor inhoud 2"/>
+          <p:cNvSpPr>
+            <a:spLocks noGrp="1"/>
+          </p:cNvSpPr>
+          <p:nvPr>
+            <p:ph idx="1"/>
+          </p:nvPr>
+        </p:nvSpPr>
+        <p:spPr>
+          <a:xfrm>
+            <a:off x="762000" y="1762125"/>
+            <a:ext cx="7881938" cy="5595378"/>
+          </a:xfrm>
+        </p:spPr>
+        <p:txBody>
+          <a:bodyPr/>
+          <a:lstStyle/>
+          <a:p>
+            <a:r>
+              <a:rPr lang="nl-NL" sz="2400" dirty="0" err="1" smtClean="0"/>
+              <a:t>To</a:t>
+            </a:r>
+            <a:r>
+              <a:rPr lang="nl-NL" sz="2400" dirty="0" smtClean="0"/>
+              <a:t> discover </a:t>
+            </a:r>
+            <a:r>
+              <a:rPr lang="nl-NL" sz="2400" dirty="0" err="1" smtClean="0"/>
+              <a:t>interesting</a:t>
+            </a:r>
+            <a:r>
+              <a:rPr lang="nl-NL" sz="2400" dirty="0" smtClean="0"/>
+              <a:t> </a:t>
+            </a:r>
+            <a:r>
+              <a:rPr lang="nl-NL" sz="2400" dirty="0" err="1" smtClean="0"/>
+              <a:t>and</a:t>
+            </a:r>
+            <a:r>
+              <a:rPr lang="nl-NL" sz="2400" dirty="0" smtClean="0"/>
+              <a:t> </a:t>
+            </a:r>
+            <a:r>
+              <a:rPr lang="nl-NL" sz="2400" dirty="0" err="1" smtClean="0"/>
+              <a:t>useful</a:t>
+            </a:r>
+            <a:r>
+              <a:rPr lang="nl-NL" sz="2400" dirty="0" smtClean="0"/>
+              <a:t> clusters in the data </a:t>
+            </a:r>
+            <a:r>
+              <a:rPr lang="nl-NL" sz="2400" dirty="0" err="1" smtClean="0"/>
+              <a:t>and</a:t>
+            </a:r>
+            <a:r>
+              <a:rPr lang="nl-NL" sz="2400" dirty="0" smtClean="0"/>
+              <a:t> </a:t>
+            </a:r>
+            <a:r>
+              <a:rPr lang="nl-NL" sz="2400" dirty="0" err="1" smtClean="0"/>
+              <a:t>adapt</a:t>
+            </a:r>
+            <a:r>
+              <a:rPr lang="nl-NL" sz="2400" dirty="0" smtClean="0"/>
+              <a:t> </a:t>
+            </a:r>
+            <a:r>
+              <a:rPr lang="nl-NL" sz="2400" dirty="0" err="1" smtClean="0"/>
+              <a:t>our</a:t>
+            </a:r>
+            <a:r>
+              <a:rPr lang="nl-NL" sz="2400" dirty="0" smtClean="0"/>
+              <a:t> content or marketing </a:t>
+            </a:r>
+            <a:r>
+              <a:rPr lang="nl-NL" sz="2400" dirty="0" err="1" smtClean="0"/>
+              <a:t>strategy</a:t>
+            </a:r>
+            <a:endParaRPr lang="nl-NL" sz="2400" dirty="0" smtClean="0"/>
+          </a:p>
+          <a:p>
+            <a:endParaRPr lang="nl-NL" sz="2400" dirty="0"/>
+          </a:p>
+          <a:p>
+            <a:r>
+              <a:rPr lang="nl-NL" sz="2400" dirty="0" smtClean="0"/>
+              <a:t>For </a:t>
+            </a:r>
+            <a:r>
+              <a:rPr lang="nl-NL" sz="2400" dirty="0" err="1" smtClean="0"/>
+              <a:t>instance</a:t>
+            </a:r>
+            <a:r>
+              <a:rPr lang="nl-NL" sz="2400" dirty="0" smtClean="0"/>
+              <a:t>, different user types </a:t>
+            </a:r>
+            <a:r>
+              <a:rPr lang="nl-NL" sz="2400" dirty="0" err="1" smtClean="0"/>
+              <a:t>based</a:t>
+            </a:r>
+            <a:r>
+              <a:rPr lang="nl-NL" sz="2400" dirty="0" smtClean="0"/>
+              <a:t> on </a:t>
+            </a:r>
+            <a:r>
+              <a:rPr lang="nl-NL" sz="2400" dirty="0" err="1" smtClean="0"/>
+              <a:t>behavior</a:t>
+            </a:r>
+            <a:r>
+              <a:rPr lang="nl-NL" sz="2400" dirty="0" smtClean="0"/>
+              <a:t> (user </a:t>
+            </a:r>
+            <a:r>
+              <a:rPr lang="nl-NL" sz="2400" dirty="0" err="1" smtClean="0"/>
+              <a:t>profiling</a:t>
+            </a:r>
+            <a:r>
+              <a:rPr lang="nl-NL" sz="2400" dirty="0" smtClean="0"/>
+              <a:t>), e.g.</a:t>
+            </a:r>
+          </a:p>
+          <a:p>
+            <a:pPr lvl="1"/>
+            <a:r>
+              <a:rPr lang="nl-NL" sz="2400" dirty="0" smtClean="0"/>
+              <a:t>Explicit: </a:t>
+            </a:r>
+            <a:r>
+              <a:rPr lang="nl-NL" sz="2400" dirty="0" err="1" smtClean="0"/>
+              <a:t>likes</a:t>
+            </a:r>
+            <a:r>
+              <a:rPr lang="nl-NL" sz="2400" dirty="0" smtClean="0"/>
+              <a:t>, </a:t>
+            </a:r>
+            <a:r>
+              <a:rPr lang="nl-NL" sz="2400" dirty="0" err="1" smtClean="0"/>
+              <a:t>favorites</a:t>
+            </a:r>
+            <a:r>
+              <a:rPr lang="nl-NL" sz="2400" dirty="0" smtClean="0"/>
+              <a:t>, ratings, </a:t>
+            </a:r>
+            <a:r>
+              <a:rPr lang="nl-NL" sz="2400" dirty="0" err="1" smtClean="0"/>
+              <a:t>comments</a:t>
+            </a:r>
+            <a:r>
+              <a:rPr lang="nl-NL" sz="2400" dirty="0" smtClean="0"/>
+              <a:t>, etc.</a:t>
+            </a:r>
+          </a:p>
+          <a:p>
+            <a:pPr lvl="1"/>
+            <a:r>
+              <a:rPr lang="nl-NL" sz="2400" dirty="0" err="1" smtClean="0"/>
+              <a:t>Implicit</a:t>
+            </a:r>
+            <a:r>
+              <a:rPr lang="nl-NL" sz="2400" dirty="0" smtClean="0"/>
+              <a:t>: pages </a:t>
+            </a:r>
+            <a:r>
+              <a:rPr lang="nl-NL" sz="2400" dirty="0" err="1" smtClean="0"/>
+              <a:t>visited</a:t>
+            </a:r>
+            <a:r>
+              <a:rPr lang="nl-NL" sz="2400" dirty="0" smtClean="0"/>
+              <a:t>, content </a:t>
+            </a:r>
+            <a:r>
+              <a:rPr lang="nl-NL" sz="2400" dirty="0" err="1" smtClean="0"/>
+              <a:t>seen</a:t>
+            </a:r>
+            <a:r>
+              <a:rPr lang="nl-NL" sz="2400" dirty="0" smtClean="0"/>
+              <a:t>, mouse </a:t>
+            </a:r>
+            <a:r>
+              <a:rPr lang="nl-NL" sz="2400" dirty="0" err="1" smtClean="0"/>
+              <a:t>movements</a:t>
+            </a:r>
+            <a:r>
+              <a:rPr lang="nl-NL" sz="2400" dirty="0" smtClean="0"/>
+              <a:t>, etc.</a:t>
+            </a:r>
+          </a:p>
+          <a:p>
+            <a:pPr lvl="1"/>
+            <a:endParaRPr lang="nl-NL" sz="2400" dirty="0"/>
+          </a:p>
+          <a:p>
+            <a:pPr marL="0" indent="0">
+              <a:buNone/>
+            </a:pPr>
+            <a:endParaRPr lang="nl-NL" sz="2600" dirty="0" smtClean="0"/>
+          </a:p>
+          <a:p>
+            <a:pPr lvl="1"/>
+            <a:endParaRPr lang="nl-NL" sz="2400" dirty="0" smtClean="0"/>
+          </a:p>
+          <a:p>
+            <a:endParaRPr lang="nl-NL" sz="2400" dirty="0"/>
+          </a:p>
+          <a:p>
+            <a:pPr marL="0" indent="0">
+              <a:buNone/>
+            </a:pPr>
+            <a:endParaRPr lang="nl-NL" sz="2400" dirty="0"/>
+          </a:p>
+        </p:txBody>
+      </p:sp>
+    </p:spTree>
+    <p:extLst>
+      <p:ext uri="{BB962C8B-B14F-4D97-AF65-F5344CB8AC3E}">
+        <p14:creationId xmlns:p14="http://schemas.microsoft.com/office/powerpoint/2010/main" val="3922257689"/>
+      </p:ext>
+    </p:extLst>
+  </p:cSld>
+  <p:clrMapOvr>
+    <a:masterClrMapping/>
+  </p:clrMapOvr>
+</p:sld>
+</file>
+
+<file path=ppt/slides/slide13.xml><?xml version="1.0" encoding="utf-8"?>
+<p:sld xmlns:a="http://schemas.openxmlformats.org/drawingml/2006/main" xmlns:r="http://schemas.openxmlformats.org/officeDocument/2006/relationships" xmlns:p="http://schemas.openxmlformats.org/presentationml/2006/main">
+  <p:cSld>
+    <p:spTree>
+      <p:nvGrpSpPr>
+        <p:cNvPr id="1" name=""/>
+        <p:cNvGrpSpPr/>
+        <p:nvPr/>
+      </p:nvGrpSpPr>
+      <p:grpSpPr>
+        <a:xfrm>
+          <a:off x="0" y="0"/>
+          <a:ext cx="0" cy="0"/>
+          <a:chOff x="0" y="0"/>
+          <a:chExt cx="0" cy="0"/>
+        </a:xfrm>
+      </p:grpSpPr>
+      <p:sp>
+        <p:nvSpPr>
+          <p:cNvPr id="2" name="Titel 1"/>
+          <p:cNvSpPr>
+            <a:spLocks noGrp="1"/>
+          </p:cNvSpPr>
+          <p:nvPr>
+            <p:ph type="title"/>
+          </p:nvPr>
+        </p:nvSpPr>
+        <p:spPr/>
+        <p:txBody>
+          <a:bodyPr/>
+          <a:lstStyle/>
+          <a:p>
+            <a:r>
+              <a:rPr lang="nl-NL" dirty="0" err="1" smtClean="0"/>
+              <a:t>What</a:t>
+            </a:r>
+            <a:r>
+              <a:rPr lang="nl-NL" dirty="0" smtClean="0"/>
+              <a:t> is clustering?</a:t>
+            </a:r>
+            <a:endParaRPr lang="nl-NL" dirty="0"/>
+          </a:p>
+        </p:txBody>
+      </p:sp>
+      <p:pic>
+        <p:nvPicPr>
+          <p:cNvPr id="4" name="Tijdelijke aanduiding voor inhoud 3"/>
+          <p:cNvPicPr>
+            <a:picLocks noGrp="1" noChangeAspect="1"/>
+          </p:cNvPicPr>
+          <p:nvPr>
+            <p:ph idx="1"/>
+          </p:nvPr>
+        </p:nvPicPr>
+        <p:blipFill>
+          <a:blip r:embed="rId2" cstate="print">
+            <a:extLst>
+              <a:ext uri="{28A0092B-C50C-407E-A947-70E740481C1C}">
+                <a14:useLocalDpi xmlns:a14="http://schemas.microsoft.com/office/drawing/2010/main" val="0"/>
+              </a:ext>
+            </a:extLst>
+          </a:blip>
+          <a:stretch>
+            <a:fillRect/>
+          </a:stretch>
+        </p:blipFill>
+        <p:spPr>
+          <a:xfrm>
+            <a:off x="5508104" y="2060848"/>
+            <a:ext cx="3928692" cy="2627313"/>
+          </a:xfrm>
+        </p:spPr>
+      </p:pic>
+      <p:sp>
+        <p:nvSpPr>
+          <p:cNvPr id="5" name="Tijdelijke aanduiding voor inhoud 2"/>
+          <p:cNvSpPr txBox="1">
+            <a:spLocks/>
+          </p:cNvSpPr>
+          <p:nvPr/>
+        </p:nvSpPr>
+        <p:spPr bwMode="auto">
+          <a:xfrm>
+            <a:off x="762000" y="1762125"/>
+            <a:ext cx="4746104" cy="6383286"/>
+          </a:xfrm>
+          <a:prstGeom prst="rect">
+            <a:avLst/>
+          </a:prstGeom>
+          <a:noFill/>
+          <a:ln w="9525">
+            <a:noFill/>
+            <a:miter lim="800000"/>
+            <a:headEnd/>
+            <a:tailEnd/>
+          </a:ln>
+          <a:effectLst/>
+        </p:spPr>
+        <p:txBody>
+          <a:bodyPr vert="horz" wrap="square" lIns="91440" tIns="45720" rIns="91440" bIns="45720" numCol="1" anchor="t" anchorCtr="0" compatLnSpc="1">
+            <a:prstTxWarp prst="textNoShape">
+              <a:avLst/>
+            </a:prstTxWarp>
+            <a:spAutoFit/>
+          </a:bodyPr>
+          <a:lstStyle>
+            <a:lvl1pPr marL="342900" indent="-342900" algn="l" rtl="0" fontAlgn="base">
+              <a:spcBef>
+                <a:spcPct val="20000"/>
+              </a:spcBef>
+              <a:spcAft>
+                <a:spcPct val="0"/>
+              </a:spcAft>
+              <a:buClr>
+                <a:srgbClr val="ED0010"/>
+              </a:buClr>
+              <a:buSzPct val="60000"/>
+              <a:buFont typeface="Zapf Dingbats" charset="2"/>
+              <a:buChar char="n"/>
+              <a:defRPr sz="2800">
+                <a:solidFill>
+                  <a:srgbClr val="000000"/>
+                </a:solidFill>
+                <a:latin typeface="+mn-lt"/>
+                <a:ea typeface="+mn-ea"/>
+                <a:cs typeface="+mn-cs"/>
+              </a:defRPr>
+            </a:lvl1pPr>
+            <a:lvl2pPr marL="819150" indent="-285750" algn="l" rtl="0" fontAlgn="base">
+              <a:spcBef>
+                <a:spcPct val="20000"/>
+              </a:spcBef>
+              <a:spcAft>
+                <a:spcPct val="0"/>
+              </a:spcAft>
+              <a:buClr>
+                <a:schemeClr val="accent1"/>
+              </a:buClr>
+              <a:buSzPct val="60000"/>
+              <a:buFont typeface="Zapf Dingbats" charset="2"/>
+              <a:buChar char="n"/>
+              <a:defRPr sz="2600">
+                <a:solidFill>
+                  <a:srgbClr val="000000"/>
+                </a:solidFill>
+                <a:latin typeface="+mn-lt"/>
+              </a:defRPr>
+            </a:lvl2pPr>
+            <a:lvl3pPr marL="1143000" indent="-228600" algn="l" rtl="0" fontAlgn="base">
+              <a:spcBef>
+                <a:spcPct val="20000"/>
+              </a:spcBef>
+              <a:spcAft>
+                <a:spcPct val="0"/>
+              </a:spcAft>
+              <a:buClr>
+                <a:schemeClr val="accent1"/>
+              </a:buClr>
+              <a:buSzPct val="60000"/>
+              <a:buFont typeface="Zapf Dingbats" charset="2"/>
+              <a:buChar char="n"/>
+              <a:defRPr sz="2400">
+                <a:solidFill>
+                  <a:srgbClr val="000000"/>
+                </a:solidFill>
+                <a:latin typeface="+mn-lt"/>
+              </a:defRPr>
+            </a:lvl3pPr>
+            <a:lvl4pPr marL="1562100" indent="-228600" algn="l" rtl="0" fontAlgn="base">
+              <a:spcBef>
+                <a:spcPct val="20000"/>
+              </a:spcBef>
+              <a:spcAft>
+                <a:spcPct val="0"/>
+              </a:spcAft>
+              <a:buClr>
+                <a:schemeClr val="accent1"/>
+              </a:buClr>
+              <a:buSzPct val="60000"/>
+              <a:buFont typeface="Zapf Dingbats" charset="2"/>
+              <a:buChar char="n"/>
+              <a:defRPr sz="2200">
+                <a:solidFill>
+                  <a:srgbClr val="000000"/>
+                </a:solidFill>
+                <a:latin typeface="+mn-lt"/>
+              </a:defRPr>
+            </a:lvl4pPr>
+            <a:lvl5pPr marL="1981200" indent="-228600" algn="l" rtl="0" fontAlgn="base">
+              <a:spcBef>
+                <a:spcPct val="20000"/>
+              </a:spcBef>
+              <a:spcAft>
+                <a:spcPct val="0"/>
+              </a:spcAft>
+              <a:buClr>
+                <a:schemeClr val="accent1"/>
+              </a:buClr>
+              <a:buSzPct val="60000"/>
+              <a:buFont typeface="Zapf Dingbats" charset="2"/>
+              <a:buChar char="n"/>
+              <a:defRPr sz="2000">
+                <a:solidFill>
+                  <a:srgbClr val="000000"/>
+                </a:solidFill>
+                <a:latin typeface="+mn-lt"/>
+              </a:defRPr>
+            </a:lvl5pPr>
+            <a:lvl6pPr marL="2438400" indent="-228600" algn="l" rtl="0" fontAlgn="base">
+              <a:spcBef>
+                <a:spcPct val="20000"/>
+              </a:spcBef>
+              <a:spcAft>
+                <a:spcPct val="0"/>
+              </a:spcAft>
+              <a:buClr>
+                <a:schemeClr val="accent1"/>
+              </a:buClr>
+              <a:buSzPct val="60000"/>
+              <a:buFont typeface="Zapf Dingbats" charset="2"/>
+              <a:buChar char="n"/>
+              <a:defRPr sz="2000">
+                <a:solidFill>
+                  <a:srgbClr val="000000"/>
+                </a:solidFill>
+                <a:latin typeface="+mn-lt"/>
+              </a:defRPr>
+            </a:lvl6pPr>
+            <a:lvl7pPr marL="2895600" indent="-228600" algn="l" rtl="0" fontAlgn="base">
+              <a:spcBef>
+                <a:spcPct val="20000"/>
+              </a:spcBef>
+              <a:spcAft>
+                <a:spcPct val="0"/>
+              </a:spcAft>
+              <a:buClr>
+                <a:schemeClr val="accent1"/>
+              </a:buClr>
+              <a:buSzPct val="60000"/>
+              <a:buFont typeface="Zapf Dingbats" charset="2"/>
+              <a:buChar char="n"/>
+              <a:defRPr sz="2000">
+                <a:solidFill>
+                  <a:srgbClr val="000000"/>
+                </a:solidFill>
+                <a:latin typeface="+mn-lt"/>
+              </a:defRPr>
+            </a:lvl7pPr>
+            <a:lvl8pPr marL="3352800" indent="-228600" algn="l" rtl="0" fontAlgn="base">
+              <a:spcBef>
+                <a:spcPct val="20000"/>
+              </a:spcBef>
+              <a:spcAft>
+                <a:spcPct val="0"/>
+              </a:spcAft>
+              <a:buClr>
+                <a:schemeClr val="accent1"/>
+              </a:buClr>
+              <a:buSzPct val="60000"/>
+              <a:buFont typeface="Zapf Dingbats" charset="2"/>
+              <a:buChar char="n"/>
+              <a:defRPr sz="2000">
+                <a:solidFill>
+                  <a:srgbClr val="000000"/>
+                </a:solidFill>
+                <a:latin typeface="+mn-lt"/>
+              </a:defRPr>
+            </a:lvl8pPr>
+            <a:lvl9pPr marL="3810000" indent="-228600" algn="l" rtl="0" fontAlgn="base">
+              <a:spcBef>
+                <a:spcPct val="20000"/>
+              </a:spcBef>
+              <a:spcAft>
+                <a:spcPct val="0"/>
+              </a:spcAft>
+              <a:buClr>
+                <a:schemeClr val="accent1"/>
+              </a:buClr>
+              <a:buSzPct val="60000"/>
+              <a:buFont typeface="Zapf Dingbats" charset="2"/>
+              <a:buChar char="n"/>
+              <a:defRPr sz="2000">
+                <a:solidFill>
+                  <a:srgbClr val="000000"/>
+                </a:solidFill>
+                <a:latin typeface="+mn-lt"/>
+              </a:defRPr>
+            </a:lvl9pPr>
+          </a:lstStyle>
+          <a:p>
+            <a:r>
+              <a:rPr lang="nl-NL" sz="2000" kern="0" dirty="0" err="1" smtClean="0"/>
+              <a:t>Assign</a:t>
+            </a:r>
+            <a:r>
+              <a:rPr lang="nl-NL" sz="2000" kern="0" dirty="0" smtClean="0"/>
+              <a:t> </a:t>
+            </a:r>
+            <a:r>
+              <a:rPr lang="nl-NL" sz="2000" kern="0" dirty="0" err="1" smtClean="0"/>
+              <a:t>observations</a:t>
+            </a:r>
+            <a:r>
+              <a:rPr lang="nl-NL" sz="2000" kern="0" dirty="0" smtClean="0"/>
+              <a:t> </a:t>
+            </a:r>
+            <a:r>
+              <a:rPr lang="nl-NL" sz="2000" kern="0" dirty="0" err="1" smtClean="0"/>
+              <a:t>to</a:t>
+            </a:r>
+            <a:r>
+              <a:rPr lang="nl-NL" sz="2000" kern="0" dirty="0" smtClean="0"/>
+              <a:t> </a:t>
+            </a:r>
+            <a:r>
+              <a:rPr lang="nl-NL" sz="2000" kern="0" dirty="0" err="1" smtClean="0"/>
+              <a:t>several</a:t>
+            </a:r>
+            <a:r>
+              <a:rPr lang="nl-NL" sz="2000" kern="0" dirty="0" smtClean="0"/>
+              <a:t> clusters</a:t>
+            </a:r>
+          </a:p>
+          <a:p>
+            <a:endParaRPr lang="nl-NL" sz="2000" kern="0" dirty="0"/>
+          </a:p>
+          <a:p>
+            <a:r>
+              <a:rPr lang="nl-NL" sz="2000" kern="0" dirty="0" smtClean="0"/>
+              <a:t>It’s </a:t>
+            </a:r>
+            <a:r>
+              <a:rPr lang="nl-NL" sz="2000" kern="0" dirty="0" err="1" smtClean="0"/>
+              <a:t>not</a:t>
+            </a:r>
+            <a:r>
+              <a:rPr lang="nl-NL" sz="2000" kern="0" dirty="0" smtClean="0"/>
+              <a:t> </a:t>
+            </a:r>
+            <a:r>
+              <a:rPr lang="nl-NL" sz="2000" kern="0" dirty="0" err="1" smtClean="0"/>
+              <a:t>always</a:t>
+            </a:r>
+            <a:r>
+              <a:rPr lang="nl-NL" sz="2000" kern="0" dirty="0" smtClean="0"/>
+              <a:t> </a:t>
+            </a:r>
+            <a:r>
+              <a:rPr lang="nl-NL" sz="2000" kern="0" dirty="0" err="1" smtClean="0"/>
+              <a:t>clear</a:t>
+            </a:r>
+            <a:r>
+              <a:rPr lang="nl-NL" sz="2000" kern="0" dirty="0" smtClean="0"/>
+              <a:t> </a:t>
+            </a:r>
+            <a:r>
+              <a:rPr lang="nl-NL" sz="2000" kern="0" dirty="0" err="1" smtClean="0"/>
+              <a:t>which</a:t>
+            </a:r>
+            <a:r>
+              <a:rPr lang="nl-NL" sz="2000" kern="0" dirty="0" smtClean="0"/>
+              <a:t> solution is ‘correct’</a:t>
+            </a:r>
+          </a:p>
+          <a:p>
+            <a:endParaRPr lang="nl-NL" sz="2000" kern="0" dirty="0"/>
+          </a:p>
+          <a:p>
+            <a:r>
+              <a:rPr lang="nl-NL" sz="2000" kern="0" dirty="0" err="1" smtClean="0"/>
+              <a:t>There</a:t>
+            </a:r>
+            <a:r>
+              <a:rPr lang="nl-NL" sz="2000" kern="0" dirty="0" smtClean="0"/>
+              <a:t> are </a:t>
+            </a:r>
+            <a:r>
+              <a:rPr lang="nl-NL" sz="2000" kern="0" dirty="0" err="1" smtClean="0"/>
+              <a:t>many</a:t>
+            </a:r>
+            <a:r>
+              <a:rPr lang="nl-NL" sz="2000" kern="0" dirty="0" smtClean="0"/>
+              <a:t> </a:t>
+            </a:r>
+            <a:r>
+              <a:rPr lang="nl-NL" sz="2000" kern="0" dirty="0" err="1" smtClean="0"/>
+              <a:t>algorithms</a:t>
+            </a:r>
+            <a:r>
+              <a:rPr lang="nl-NL" sz="2000" kern="0" dirty="0"/>
+              <a:t>;</a:t>
+            </a:r>
+            <a:r>
+              <a:rPr lang="nl-NL" sz="2000" kern="0" dirty="0" smtClean="0"/>
+              <a:t> we </a:t>
+            </a:r>
+            <a:r>
+              <a:rPr lang="nl-NL" sz="2000" kern="0" dirty="0" err="1" smtClean="0"/>
+              <a:t>will</a:t>
+            </a:r>
+            <a:r>
+              <a:rPr lang="nl-NL" sz="2000" kern="0" dirty="0" smtClean="0"/>
+              <a:t> </a:t>
+            </a:r>
+            <a:r>
+              <a:rPr lang="nl-NL" sz="2000" kern="0" dirty="0" err="1" smtClean="0"/>
+              <a:t>use</a:t>
+            </a:r>
+            <a:r>
+              <a:rPr lang="nl-NL" sz="2000" kern="0" dirty="0" smtClean="0"/>
+              <a:t> </a:t>
+            </a:r>
+            <a:r>
+              <a:rPr lang="nl-NL" sz="2000" i="1" kern="0" dirty="0" smtClean="0"/>
+              <a:t>k-</a:t>
+            </a:r>
+            <a:r>
+              <a:rPr lang="nl-NL" sz="2000" kern="0" dirty="0" smtClean="0"/>
+              <a:t>means (</a:t>
+            </a:r>
+            <a:r>
+              <a:rPr lang="nl-NL" sz="2000" kern="0" dirty="0" err="1" smtClean="0"/>
+              <a:t>simple</a:t>
+            </a:r>
+            <a:r>
+              <a:rPr lang="nl-NL" sz="2000" kern="0" dirty="0" smtClean="0"/>
+              <a:t> </a:t>
+            </a:r>
+            <a:r>
+              <a:rPr lang="nl-NL" sz="2000" kern="0" dirty="0" err="1" smtClean="0"/>
+              <a:t>to</a:t>
+            </a:r>
+            <a:r>
+              <a:rPr lang="nl-NL" sz="2000" kern="0" dirty="0" smtClean="0"/>
+              <a:t> </a:t>
+            </a:r>
+            <a:r>
+              <a:rPr lang="nl-NL" sz="2000" kern="0" dirty="0" err="1" smtClean="0"/>
+              <a:t>understand</a:t>
+            </a:r>
+            <a:r>
+              <a:rPr lang="nl-NL" sz="2000" kern="0" dirty="0" smtClean="0"/>
+              <a:t> but </a:t>
+            </a:r>
+            <a:r>
+              <a:rPr lang="nl-NL" sz="2000" kern="0" dirty="0" err="1" smtClean="0"/>
+              <a:t>often</a:t>
+            </a:r>
+            <a:r>
+              <a:rPr lang="nl-NL" sz="2000" kern="0" dirty="0" smtClean="0"/>
+              <a:t> </a:t>
+            </a:r>
+            <a:r>
+              <a:rPr lang="nl-NL" sz="2000" kern="0" dirty="0" err="1" smtClean="0"/>
+              <a:t>suboptimal</a:t>
+            </a:r>
+            <a:r>
+              <a:rPr lang="nl-NL" sz="2000" kern="0" dirty="0" smtClean="0"/>
+              <a:t>)</a:t>
+            </a:r>
+          </a:p>
+          <a:p>
+            <a:endParaRPr lang="nl-NL" sz="2000" kern="0" dirty="0"/>
+          </a:p>
+          <a:p>
+            <a:r>
+              <a:rPr lang="nl-NL" sz="2000" kern="0" dirty="0" err="1" smtClean="0"/>
+              <a:t>Remember</a:t>
+            </a:r>
+            <a:r>
+              <a:rPr lang="nl-NL" sz="2000" kern="0" dirty="0" smtClean="0"/>
+              <a:t>: </a:t>
+            </a:r>
+            <a:r>
+              <a:rPr lang="nl-NL" sz="2000" kern="0" dirty="0" err="1" smtClean="0"/>
+              <a:t>shown</a:t>
+            </a:r>
+            <a:r>
+              <a:rPr lang="nl-NL" sz="2000" kern="0" dirty="0" smtClean="0"/>
+              <a:t> as 2-dimensional here but </a:t>
+            </a:r>
+            <a:r>
+              <a:rPr lang="nl-NL" sz="2000" i="1" kern="0" dirty="0" smtClean="0"/>
+              <a:t>n</a:t>
+            </a:r>
+            <a:r>
+              <a:rPr lang="nl-NL" sz="2000" kern="0" dirty="0" smtClean="0"/>
+              <a:t>-</a:t>
+            </a:r>
+            <a:r>
+              <a:rPr lang="nl-NL" sz="2000" kern="0" dirty="0" err="1" smtClean="0"/>
+              <a:t>dimensional</a:t>
+            </a:r>
+            <a:r>
+              <a:rPr lang="nl-NL" sz="2000" kern="0" dirty="0" smtClean="0"/>
+              <a:t> in </a:t>
+            </a:r>
+            <a:r>
+              <a:rPr lang="nl-NL" sz="2000" kern="0" dirty="0" err="1" smtClean="0"/>
+              <a:t>reality</a:t>
+            </a:r>
+            <a:r>
+              <a:rPr lang="nl-NL" sz="2000" kern="0" dirty="0" smtClean="0"/>
+              <a:t>, </a:t>
+            </a:r>
+            <a:r>
+              <a:rPr lang="nl-NL" sz="2000" i="1" kern="0" dirty="0" smtClean="0"/>
+              <a:t>n </a:t>
+            </a:r>
+            <a:r>
+              <a:rPr lang="nl-NL" sz="2000" kern="0" dirty="0" err="1" smtClean="0"/>
+              <a:t>being</a:t>
+            </a:r>
+            <a:r>
+              <a:rPr lang="nl-NL" sz="2000" kern="0" dirty="0" smtClean="0"/>
+              <a:t> the </a:t>
+            </a:r>
+            <a:r>
+              <a:rPr lang="nl-NL" sz="2000" kern="0" dirty="0" err="1" smtClean="0"/>
+              <a:t>number</a:t>
+            </a:r>
+            <a:r>
+              <a:rPr lang="nl-NL" sz="2000" kern="0" dirty="0" smtClean="0"/>
+              <a:t> of variables </a:t>
+            </a:r>
+            <a:r>
+              <a:rPr lang="nl-NL" sz="2000" kern="0" dirty="0" err="1" smtClean="0"/>
+              <a:t>used</a:t>
+            </a:r>
+            <a:endParaRPr lang="nl-NL" sz="2000" kern="0" dirty="0" smtClean="0"/>
+          </a:p>
+          <a:p>
+            <a:pPr lvl="1"/>
+            <a:endParaRPr lang="nl-NL" sz="2000" kern="0" dirty="0" smtClean="0"/>
+          </a:p>
+          <a:p>
+            <a:pPr marL="0" indent="0">
+              <a:buFont typeface="Zapf Dingbats" charset="2"/>
+              <a:buNone/>
+            </a:pPr>
+            <a:endParaRPr lang="nl-NL" sz="2400" kern="0" dirty="0" smtClean="0"/>
+          </a:p>
+          <a:p>
+            <a:pPr lvl="1"/>
+            <a:endParaRPr lang="nl-NL" sz="2000" kern="0" dirty="0" smtClean="0"/>
+          </a:p>
+          <a:p>
+            <a:endParaRPr lang="nl-NL" sz="2000" kern="0" dirty="0" smtClean="0"/>
+          </a:p>
+          <a:p>
+            <a:pPr marL="0" indent="0">
+              <a:buFont typeface="Zapf Dingbats" charset="2"/>
+              <a:buNone/>
+            </a:pPr>
+            <a:endParaRPr lang="nl-NL" sz="2000" kern="0" dirty="0"/>
+          </a:p>
+        </p:txBody>
+      </p:sp>
+    </p:spTree>
+    <p:extLst>
+      <p:ext uri="{BB962C8B-B14F-4D97-AF65-F5344CB8AC3E}">
+        <p14:creationId xmlns:p14="http://schemas.microsoft.com/office/powerpoint/2010/main" val="2434215405"/>
+      </p:ext>
+    </p:extLst>
+  </p:cSld>
+  <p:clrMapOvr>
+    <a:masterClrMapping/>
+  </p:clrMapOvr>
+</p:sld>
+</file>
+
+<file path=ppt/slides/slide14.xml><?xml version="1.0" encoding="utf-8"?>
+<p:sld xmlns:a="http://schemas.openxmlformats.org/drawingml/2006/main" xmlns:r="http://schemas.openxmlformats.org/officeDocument/2006/relationships" xmlns:p="http://schemas.openxmlformats.org/presentationml/2006/main">
+  <p:cSld>
+    <p:spTree>
+      <p:nvGrpSpPr>
+        <p:cNvPr id="1" name=""/>
+        <p:cNvGrpSpPr/>
+        <p:nvPr/>
+      </p:nvGrpSpPr>
+      <p:grpSpPr>
+        <a:xfrm>
+          <a:off x="0" y="0"/>
+          <a:ext cx="0" cy="0"/>
+          <a:chOff x="0" y="0"/>
+          <a:chExt cx="0" cy="0"/>
+        </a:xfrm>
+      </p:grpSpPr>
+      <p:sp>
+        <p:nvSpPr>
+          <p:cNvPr id="2" name="Titel 1"/>
+          <p:cNvSpPr>
+            <a:spLocks noGrp="1"/>
+          </p:cNvSpPr>
+          <p:nvPr>
+            <p:ph type="title"/>
+          </p:nvPr>
+        </p:nvSpPr>
+        <p:spPr/>
+        <p:txBody>
+          <a:bodyPr/>
+          <a:lstStyle/>
+          <a:p>
+            <a:r>
+              <a:rPr lang="nl-NL" dirty="0" err="1" smtClean="0"/>
+              <a:t>Distance</a:t>
+            </a:r>
+            <a:endParaRPr lang="nl-NL" dirty="0"/>
+          </a:p>
+        </p:txBody>
+      </p:sp>
+      <p:sp>
+        <p:nvSpPr>
+          <p:cNvPr id="3" name="Tijdelijke aanduiding voor inhoud 2"/>
+          <p:cNvSpPr>
+            <a:spLocks noGrp="1"/>
+          </p:cNvSpPr>
+          <p:nvPr>
+            <p:ph idx="1"/>
+          </p:nvPr>
+        </p:nvSpPr>
+        <p:spPr>
+          <a:xfrm>
+            <a:off x="755576" y="1628800"/>
+            <a:ext cx="3168352" cy="6223242"/>
+          </a:xfrm>
+        </p:spPr>
+        <p:txBody>
+          <a:bodyPr/>
+          <a:lstStyle/>
+          <a:p>
+            <a:r>
+              <a:rPr lang="nl-NL" sz="2000" dirty="0" err="1" smtClean="0"/>
+              <a:t>Each</a:t>
+            </a:r>
+            <a:r>
+              <a:rPr lang="nl-NL" sz="2000" dirty="0" smtClean="0"/>
+              <a:t> user is </a:t>
+            </a:r>
+            <a:r>
+              <a:rPr lang="nl-NL" sz="2000" dirty="0" err="1" smtClean="0"/>
+              <a:t>represented</a:t>
+            </a:r>
+            <a:r>
+              <a:rPr lang="nl-NL" sz="2000" dirty="0" smtClean="0"/>
+              <a:t> </a:t>
+            </a:r>
+            <a:r>
+              <a:rPr lang="nl-NL" sz="2000" dirty="0" err="1" smtClean="0"/>
+              <a:t>by</a:t>
+            </a:r>
+            <a:r>
+              <a:rPr lang="nl-NL" sz="2000" dirty="0" smtClean="0"/>
+              <a:t> a point in </a:t>
+            </a:r>
+            <a:r>
+              <a:rPr lang="nl-NL" sz="2000" dirty="0" err="1" smtClean="0"/>
+              <a:t>space</a:t>
+            </a:r>
+            <a:endParaRPr lang="nl-NL" sz="2000" dirty="0" smtClean="0"/>
+          </a:p>
+          <a:p>
+            <a:endParaRPr lang="nl-NL" sz="2000" dirty="0"/>
+          </a:p>
+          <a:p>
+            <a:r>
+              <a:rPr lang="nl-NL" sz="2000" dirty="0" err="1" smtClean="0"/>
+              <a:t>Each</a:t>
+            </a:r>
+            <a:r>
+              <a:rPr lang="nl-NL" sz="2000" dirty="0" smtClean="0"/>
+              <a:t> item (movie) is a </a:t>
+            </a:r>
+            <a:r>
+              <a:rPr lang="nl-NL" sz="2000" dirty="0" err="1" smtClean="0"/>
+              <a:t>dimension</a:t>
+            </a:r>
+            <a:endParaRPr lang="nl-NL" sz="2000" dirty="0" smtClean="0"/>
+          </a:p>
+          <a:p>
+            <a:endParaRPr lang="nl-NL" sz="2000" dirty="0"/>
+          </a:p>
+          <a:p>
+            <a:r>
+              <a:rPr lang="nl-NL" sz="2000" dirty="0" smtClean="0"/>
+              <a:t>The </a:t>
+            </a:r>
+            <a:r>
+              <a:rPr lang="nl-NL" sz="2000" dirty="0" err="1" smtClean="0"/>
+              <a:t>distance</a:t>
+            </a:r>
+            <a:r>
+              <a:rPr lang="nl-NL" sz="2000" dirty="0" smtClean="0"/>
+              <a:t> </a:t>
+            </a:r>
+            <a:r>
+              <a:rPr lang="nl-NL" sz="2000" dirty="0" err="1" smtClean="0"/>
+              <a:t>between</a:t>
+            </a:r>
+            <a:r>
+              <a:rPr lang="nl-NL" sz="2000" dirty="0" smtClean="0"/>
+              <a:t> </a:t>
+            </a:r>
+            <a:r>
+              <a:rPr lang="nl-NL" sz="2000" dirty="0" err="1" smtClean="0"/>
+              <a:t>two</a:t>
+            </a:r>
+            <a:r>
+              <a:rPr lang="nl-NL" sz="2000" dirty="0" smtClean="0"/>
+              <a:t> users </a:t>
+            </a:r>
+            <a:r>
+              <a:rPr lang="nl-NL" sz="2000" dirty="0" err="1" smtClean="0"/>
+              <a:t>can</a:t>
+            </a:r>
+            <a:r>
+              <a:rPr lang="nl-NL" sz="2000" dirty="0" smtClean="0"/>
+              <a:t> </a:t>
+            </a:r>
+            <a:r>
+              <a:rPr lang="nl-NL" sz="2000" dirty="0" err="1" smtClean="0"/>
+              <a:t>be</a:t>
+            </a:r>
+            <a:r>
+              <a:rPr lang="nl-NL" sz="2000" dirty="0" smtClean="0"/>
+              <a:t> </a:t>
+            </a:r>
+            <a:r>
+              <a:rPr lang="nl-NL" sz="2000" dirty="0" err="1" smtClean="0"/>
+              <a:t>calculated</a:t>
+            </a:r>
+            <a:r>
+              <a:rPr lang="nl-NL" sz="2000" dirty="0" smtClean="0"/>
+              <a:t> </a:t>
+            </a:r>
+            <a:r>
+              <a:rPr lang="nl-NL" sz="2000" dirty="0" err="1" smtClean="0"/>
+              <a:t>for</a:t>
+            </a:r>
+            <a:r>
+              <a:rPr lang="nl-NL" sz="2000" dirty="0" smtClean="0"/>
+              <a:t> </a:t>
+            </a:r>
+            <a:r>
+              <a:rPr lang="nl-NL" sz="2000" i="1" dirty="0" err="1" smtClean="0"/>
+              <a:t>any</a:t>
+            </a:r>
+            <a:r>
+              <a:rPr lang="nl-NL" sz="2000" dirty="0" smtClean="0"/>
+              <a:t> </a:t>
+            </a:r>
+            <a:r>
+              <a:rPr lang="nl-NL" sz="2000" dirty="0" err="1" smtClean="0"/>
+              <a:t>number</a:t>
+            </a:r>
+            <a:r>
+              <a:rPr lang="nl-NL" sz="2000" dirty="0" smtClean="0"/>
+              <a:t> of </a:t>
+            </a:r>
+            <a:r>
+              <a:rPr lang="nl-NL" sz="2000" dirty="0" err="1" smtClean="0"/>
+              <a:t>dimensions</a:t>
+            </a:r>
+            <a:r>
+              <a:rPr lang="nl-NL" sz="2000" dirty="0" smtClean="0"/>
+              <a:t>/</a:t>
+            </a:r>
+            <a:r>
+              <a:rPr lang="nl-NL" sz="2000" dirty="0" err="1" smtClean="0"/>
+              <a:t>movies</a:t>
+            </a:r>
+            <a:r>
+              <a:rPr lang="nl-NL" sz="2000" dirty="0" smtClean="0"/>
+              <a:t> (</a:t>
+            </a:r>
+            <a:r>
+              <a:rPr lang="nl-NL" sz="2000" dirty="0" err="1" smtClean="0"/>
+              <a:t>shown</a:t>
+            </a:r>
+            <a:r>
+              <a:rPr lang="nl-NL" sz="2000" dirty="0" smtClean="0"/>
+              <a:t>: 3)</a:t>
+            </a:r>
+            <a:endParaRPr lang="nl-NL" sz="1800" i="1" dirty="0">
+              <a:latin typeface="Cambria Math" panose="02040503050406030204" pitchFamily="18" charset="0"/>
+            </a:endParaRPr>
+          </a:p>
+          <a:p>
+            <a:pPr marL="0" indent="0">
+              <a:buNone/>
+            </a:pPr>
+            <a:endParaRPr lang="nl-NL" sz="2000" dirty="0"/>
+          </a:p>
+          <a:p>
+            <a:endParaRPr lang="nl-NL" sz="2200" dirty="0"/>
+          </a:p>
+          <a:p>
+            <a:pPr marL="0" indent="0">
+              <a:buNone/>
+            </a:pPr>
+            <a:endParaRPr lang="nl-NL" sz="2000" dirty="0" smtClean="0"/>
+          </a:p>
+          <a:p>
+            <a:pPr marL="0" indent="0">
+              <a:buNone/>
+            </a:pPr>
+            <a:endParaRPr lang="nl-NL" sz="2000" dirty="0"/>
+          </a:p>
+          <a:p>
+            <a:endParaRPr lang="nl-NL" sz="2000" dirty="0"/>
+          </a:p>
+        </p:txBody>
+      </p:sp>
+      <p:graphicFrame>
+        <p:nvGraphicFramePr>
+          <p:cNvPr id="5" name="Tabel 4"/>
+          <p:cNvGraphicFramePr>
+            <a:graphicFrameLocks noGrp="1"/>
+          </p:cNvGraphicFramePr>
+          <p:nvPr>
+            <p:extLst>
+              <p:ext uri="{D42A27DB-BD31-4B8C-83A1-F6EECF244321}">
+                <p14:modId xmlns:p14="http://schemas.microsoft.com/office/powerpoint/2010/main" val="1955386339"/>
+              </p:ext>
+            </p:extLst>
+          </p:nvPr>
+        </p:nvGraphicFramePr>
+        <p:xfrm>
+          <a:off x="4644008" y="1844824"/>
+          <a:ext cx="4143128" cy="1786629"/>
+        </p:xfrm>
+        <a:graphic>
+          <a:graphicData uri="http://schemas.openxmlformats.org/drawingml/2006/table">
+            <a:tbl>
+              <a:tblPr firstRow="1" bandRow="1">
+                <a:tableStyleId>{5C22544A-7EE6-4342-B048-85BDC9FD1C3A}</a:tableStyleId>
+              </a:tblPr>
+              <a:tblGrid>
+                <a:gridCol w="546338">
+                  <a:extLst>
+                    <a:ext uri="{9D8B030D-6E8A-4147-A177-3AD203B41FA5}">
+                      <a16:colId xmlns:a16="http://schemas.microsoft.com/office/drawing/2014/main" val="2894678915"/>
+                    </a:ext>
+                  </a:extLst>
+                </a:gridCol>
+                <a:gridCol w="1220182">
+                  <a:extLst>
+                    <a:ext uri="{9D8B030D-6E8A-4147-A177-3AD203B41FA5}">
+                      <a16:colId xmlns:a16="http://schemas.microsoft.com/office/drawing/2014/main" val="7167211"/>
+                    </a:ext>
+                  </a:extLst>
+                </a:gridCol>
+                <a:gridCol w="1133024">
+                  <a:extLst>
+                    <a:ext uri="{9D8B030D-6E8A-4147-A177-3AD203B41FA5}">
+                      <a16:colId xmlns:a16="http://schemas.microsoft.com/office/drawing/2014/main" val="950369505"/>
+                    </a:ext>
+                  </a:extLst>
+                </a:gridCol>
+                <a:gridCol w="1243584">
+                  <a:extLst>
+                    <a:ext uri="{9D8B030D-6E8A-4147-A177-3AD203B41FA5}">
+                      <a16:colId xmlns:a16="http://schemas.microsoft.com/office/drawing/2014/main" val="2868849188"/>
+                    </a:ext>
+                  </a:extLst>
+                </a:gridCol>
+              </a:tblGrid>
+              <a:tr h="830803">
+                <a:tc>
+                  <a:txBody>
+                    <a:bodyPr/>
+                    <a:lstStyle/>
+                    <a:p>
+                      <a:r>
+                        <a:rPr lang="nl-NL" sz="1200" dirty="0" smtClean="0"/>
+                        <a:t>User</a:t>
+                      </a:r>
+                      <a:endParaRPr lang="nl-NL" sz="1200" dirty="0"/>
+                    </a:p>
+                  </a:txBody>
+                  <a:tcPr/>
+                </a:tc>
+                <a:tc>
+                  <a:txBody>
+                    <a:bodyPr/>
+                    <a:lstStyle/>
+                    <a:p>
+                      <a:r>
+                        <a:rPr lang="nl-NL" sz="1200" dirty="0" smtClean="0"/>
+                        <a:t>Movie 1</a:t>
+                      </a:r>
+                      <a:endParaRPr lang="nl-NL" sz="1200" dirty="0"/>
+                    </a:p>
+                  </a:txBody>
+                  <a:tcPr/>
+                </a:tc>
+                <a:tc>
+                  <a:txBody>
+                    <a:bodyPr/>
+                    <a:lstStyle/>
+                    <a:p>
+                      <a:r>
+                        <a:rPr lang="nl-NL" sz="1200" dirty="0" smtClean="0"/>
+                        <a:t>Movie</a:t>
+                      </a:r>
+                      <a:r>
+                        <a:rPr lang="nl-NL" sz="1200" baseline="0" dirty="0" smtClean="0"/>
+                        <a:t> 2</a:t>
+                      </a:r>
+                      <a:endParaRPr lang="nl-NL" sz="1200" dirty="0"/>
+                    </a:p>
+                  </a:txBody>
+                  <a:tcPr/>
+                </a:tc>
+                <a:tc>
+                  <a:txBody>
+                    <a:bodyPr/>
+                    <a:lstStyle/>
+                    <a:p>
+                      <a:r>
+                        <a:rPr lang="nl-NL" sz="1100" dirty="0" smtClean="0"/>
+                        <a:t>Movie 3</a:t>
+                      </a:r>
+                      <a:endParaRPr lang="nl-NL" sz="1100" dirty="0"/>
+                    </a:p>
+                  </a:txBody>
+                  <a:tcPr/>
+                </a:tc>
+                <a:extLst>
+                  <a:ext uri="{0D108BD9-81ED-4DB2-BD59-A6C34878D82A}">
+                    <a16:rowId xmlns:a16="http://schemas.microsoft.com/office/drawing/2014/main" val="4165841752"/>
+                  </a:ext>
+                </a:extLst>
+              </a:tr>
+              <a:tr h="477913">
+                <a:tc>
+                  <a:txBody>
+                    <a:bodyPr/>
+                    <a:lstStyle/>
+                    <a:p>
+                      <a:r>
+                        <a:rPr lang="nl-NL" dirty="0" smtClean="0"/>
+                        <a:t>1</a:t>
+                      </a:r>
+                      <a:endParaRPr lang="nl-NL" dirty="0"/>
+                    </a:p>
+                  </a:txBody>
+                  <a:tcPr/>
+                </a:tc>
+                <a:tc>
+                  <a:txBody>
+                    <a:bodyPr/>
+                    <a:lstStyle/>
+                    <a:p>
+                      <a:pPr lvl="2"/>
+                      <a:r>
+                        <a:rPr lang="nl-NL" dirty="0" smtClean="0"/>
+                        <a:t>5</a:t>
+                      </a:r>
+                      <a:endParaRPr lang="nl-NL" dirty="0"/>
+                    </a:p>
+                  </a:txBody>
+                  <a:tcPr/>
+                </a:tc>
+                <a:tc>
+                  <a:txBody>
+                    <a:bodyPr/>
+                    <a:lstStyle/>
+                    <a:p>
+                      <a:pPr lvl="2"/>
+                      <a:r>
+                        <a:rPr lang="nl-NL" dirty="0" smtClean="0"/>
+                        <a:t>3</a:t>
+                      </a:r>
+                      <a:endParaRPr lang="nl-NL" dirty="0"/>
+                    </a:p>
+                  </a:txBody>
+                  <a:tcPr/>
+                </a:tc>
+                <a:tc>
+                  <a:txBody>
+                    <a:bodyPr/>
+                    <a:lstStyle/>
+                    <a:p>
+                      <a:pPr lvl="2" algn="r"/>
+                      <a:r>
+                        <a:rPr lang="nl-NL" dirty="0" smtClean="0"/>
+                        <a:t>5</a:t>
+                      </a:r>
+                      <a:endParaRPr lang="nl-NL" dirty="0"/>
+                    </a:p>
+                  </a:txBody>
+                  <a:tcPr/>
+                </a:tc>
+                <a:extLst>
+                  <a:ext uri="{0D108BD9-81ED-4DB2-BD59-A6C34878D82A}">
+                    <a16:rowId xmlns:a16="http://schemas.microsoft.com/office/drawing/2014/main" val="1370868939"/>
+                  </a:ext>
+                </a:extLst>
+              </a:tr>
+              <a:tr h="477913">
+                <a:tc>
+                  <a:txBody>
+                    <a:bodyPr/>
+                    <a:lstStyle/>
+                    <a:p>
+                      <a:r>
+                        <a:rPr lang="nl-NL" dirty="0" smtClean="0"/>
+                        <a:t>2</a:t>
+                      </a:r>
+                      <a:endParaRPr lang="nl-NL" dirty="0"/>
+                    </a:p>
+                  </a:txBody>
+                  <a:tcPr/>
+                </a:tc>
+                <a:tc>
+                  <a:txBody>
+                    <a:bodyPr/>
+                    <a:lstStyle/>
+                    <a:p>
+                      <a:pPr lvl="2"/>
+                      <a:r>
+                        <a:rPr lang="nl-NL" dirty="0" smtClean="0"/>
+                        <a:t>4</a:t>
+                      </a:r>
+                      <a:endParaRPr lang="nl-NL" dirty="0"/>
+                    </a:p>
+                  </a:txBody>
+                  <a:tcPr/>
+                </a:tc>
+                <a:tc>
+                  <a:txBody>
+                    <a:bodyPr/>
+                    <a:lstStyle/>
+                    <a:p>
+                      <a:pPr lvl="2"/>
+                      <a:r>
+                        <a:rPr lang="nl-NL" dirty="0" smtClean="0"/>
+                        <a:t>1</a:t>
+                      </a:r>
+                      <a:endParaRPr lang="nl-NL" dirty="0"/>
+                    </a:p>
+                  </a:txBody>
+                  <a:tcPr/>
+                </a:tc>
+                <a:tc>
+                  <a:txBody>
+                    <a:bodyPr/>
+                    <a:lstStyle/>
+                    <a:p>
+                      <a:pPr lvl="2" algn="r"/>
+                      <a:r>
+                        <a:rPr lang="nl-NL" dirty="0" smtClean="0"/>
+                        <a:t>2</a:t>
+                      </a:r>
+                      <a:endParaRPr lang="nl-NL" dirty="0"/>
+                    </a:p>
+                  </a:txBody>
+                  <a:tcPr/>
+                </a:tc>
+                <a:extLst>
+                  <a:ext uri="{0D108BD9-81ED-4DB2-BD59-A6C34878D82A}">
+                    <a16:rowId xmlns:a16="http://schemas.microsoft.com/office/drawing/2014/main" val="3685187167"/>
+                  </a:ext>
+                </a:extLst>
+              </a:tr>
+            </a:tbl>
+          </a:graphicData>
+        </a:graphic>
+      </p:graphicFrame>
+      <p:pic>
+        <p:nvPicPr>
+          <p:cNvPr id="4" name="Afbeelding 3"/>
+          <p:cNvPicPr>
+            <a:picLocks noChangeAspect="1"/>
+          </p:cNvPicPr>
+          <p:nvPr/>
+        </p:nvPicPr>
+        <p:blipFill>
+          <a:blip r:embed="rId2" cstate="print">
+            <a:extLst>
+              <a:ext uri="{28A0092B-C50C-407E-A947-70E740481C1C}">
+                <a14:useLocalDpi xmlns:a14="http://schemas.microsoft.com/office/drawing/2010/main" val="0"/>
+              </a:ext>
+            </a:extLst>
+          </a:blip>
+          <a:stretch>
+            <a:fillRect/>
+          </a:stretch>
+        </p:blipFill>
+        <p:spPr>
+          <a:xfrm>
+            <a:off x="4932040" y="4437112"/>
+            <a:ext cx="2933549" cy="1959519"/>
+          </a:xfrm>
+          <a:prstGeom prst="rect">
+            <a:avLst/>
+          </a:prstGeom>
+        </p:spPr>
+      </p:pic>
+    </p:spTree>
+    <p:extLst>
+      <p:ext uri="{BB962C8B-B14F-4D97-AF65-F5344CB8AC3E}">
+        <p14:creationId xmlns:p14="http://schemas.microsoft.com/office/powerpoint/2010/main" val="1927865524"/>
+      </p:ext>
+    </p:extLst>
+  </p:cSld>
+  <p:clrMapOvr>
+    <a:masterClrMapping/>
+  </p:clrMapOvr>
+  <p:timing>
+    <p:tnLst>
+      <p:par>
+        <p:cTn id="1" dur="indefinite" restart="never" nodeType="tmRoot"/>
+      </p:par>
+    </p:tnLst>
+  </p:timing>
+</p:sld>
+</file>
+
+<file path=ppt/slides/slide15.xml><?xml version="1.0" encoding="utf-8"?>
+<p:sld xmlns:a="http://schemas.openxmlformats.org/drawingml/2006/main" xmlns:r="http://schemas.openxmlformats.org/officeDocument/2006/relationships" xmlns:p="http://schemas.openxmlformats.org/presentationml/2006/main">
+  <p:cSld>
+    <p:spTree>
+      <p:nvGrpSpPr>
+        <p:cNvPr id="1" name=""/>
+        <p:cNvGrpSpPr/>
+        <p:nvPr/>
+      </p:nvGrpSpPr>
+      <p:grpSpPr>
+        <a:xfrm>
+          <a:off x="0" y="0"/>
+          <a:ext cx="0" cy="0"/>
+          <a:chOff x="0" y="0"/>
+          <a:chExt cx="0" cy="0"/>
+        </a:xfrm>
+      </p:grpSpPr>
+      <p:sp>
+        <p:nvSpPr>
+          <p:cNvPr id="2" name="Titel 1"/>
+          <p:cNvSpPr>
+            <a:spLocks noGrp="1"/>
+          </p:cNvSpPr>
+          <p:nvPr>
+            <p:ph type="title"/>
+          </p:nvPr>
+        </p:nvSpPr>
+        <p:spPr/>
+        <p:txBody>
+          <a:bodyPr/>
+          <a:lstStyle/>
+          <a:p>
+            <a:r>
+              <a:rPr lang="nl-NL" dirty="0" smtClean="0"/>
+              <a:t>Topics</a:t>
+            </a:r>
+            <a:endParaRPr lang="nl-NL" dirty="0"/>
+          </a:p>
+        </p:txBody>
+      </p:sp>
+      <p:sp>
+        <p:nvSpPr>
+          <p:cNvPr id="3" name="Tijdelijke aanduiding voor inhoud 2"/>
+          <p:cNvSpPr>
+            <a:spLocks noGrp="1"/>
+          </p:cNvSpPr>
+          <p:nvPr>
+            <p:ph idx="1"/>
+          </p:nvPr>
+        </p:nvSpPr>
+        <p:spPr>
+          <a:xfrm>
+            <a:off x="762000" y="1762125"/>
+            <a:ext cx="7881938" cy="2308324"/>
+          </a:xfrm>
+        </p:spPr>
+        <p:txBody>
+          <a:bodyPr/>
+          <a:lstStyle/>
+          <a:p>
+            <a:r>
+              <a:rPr lang="nl-NL" sz="2400" dirty="0" err="1" smtClean="0"/>
+              <a:t>MovieLens</a:t>
+            </a:r>
+            <a:r>
+              <a:rPr lang="nl-NL" sz="2400" dirty="0" smtClean="0"/>
+              <a:t> data set</a:t>
+            </a:r>
+          </a:p>
+          <a:p>
+            <a:endParaRPr lang="nl-NL" sz="2400" dirty="0"/>
+          </a:p>
+          <a:p>
+            <a:r>
+              <a:rPr lang="nl-NL" sz="2400" dirty="0" smtClean="0"/>
+              <a:t>Clustering</a:t>
+            </a:r>
+          </a:p>
+          <a:p>
+            <a:endParaRPr lang="nl-NL" sz="2400" dirty="0"/>
+          </a:p>
+          <a:p>
+            <a:r>
+              <a:rPr lang="nl-NL" sz="2400" i="1" dirty="0" smtClean="0"/>
+              <a:t>k</a:t>
+            </a:r>
+            <a:r>
+              <a:rPr lang="nl-NL" sz="2400" dirty="0" smtClean="0"/>
+              <a:t>-means clustering</a:t>
+            </a:r>
+            <a:endParaRPr lang="nl-NL" sz="2400" i="1" dirty="0"/>
+          </a:p>
+        </p:txBody>
+      </p:sp>
+    </p:spTree>
+    <p:extLst>
+      <p:ext uri="{BB962C8B-B14F-4D97-AF65-F5344CB8AC3E}">
+        <p14:creationId xmlns:p14="http://schemas.microsoft.com/office/powerpoint/2010/main" val="1448868471"/>
+      </p:ext>
+    </p:extLst>
+  </p:cSld>
+  <p:clrMapOvr>
+    <a:masterClrMapping/>
+  </p:clrMapOvr>
+</p:sld>
+</file>
+
+<file path=ppt/slides/slide16.xml><?xml version="1.0" encoding="utf-8"?>
+<p:sld xmlns:a="http://schemas.openxmlformats.org/drawingml/2006/main" xmlns:r="http://schemas.openxmlformats.org/officeDocument/2006/relationships" xmlns:p="http://schemas.openxmlformats.org/presentationml/2006/main">
+  <p:cSld>
+    <p:spTree>
+      <p:nvGrpSpPr>
+        <p:cNvPr id="1" name=""/>
+        <p:cNvGrpSpPr/>
+        <p:nvPr/>
+      </p:nvGrpSpPr>
+      <p:grpSpPr>
+        <a:xfrm>
+          <a:off x="0" y="0"/>
+          <a:ext cx="0" cy="0"/>
+          <a:chOff x="0" y="0"/>
+          <a:chExt cx="0" cy="0"/>
+        </a:xfrm>
+      </p:grpSpPr>
+      <p:sp>
+        <p:nvSpPr>
+          <p:cNvPr id="2" name="Titel 1"/>
+          <p:cNvSpPr>
+            <a:spLocks noGrp="1"/>
+          </p:cNvSpPr>
+          <p:nvPr>
+            <p:ph type="title"/>
+          </p:nvPr>
+        </p:nvSpPr>
+        <p:spPr/>
+        <p:txBody>
+          <a:bodyPr/>
+          <a:lstStyle/>
+          <a:p>
+            <a:r>
+              <a:rPr lang="nl-NL" i="1" dirty="0"/>
+              <a:t>k</a:t>
+            </a:r>
+            <a:r>
+              <a:rPr lang="nl-NL" dirty="0" smtClean="0"/>
+              <a:t>-means </a:t>
+            </a:r>
+            <a:r>
+              <a:rPr lang="nl-NL" dirty="0" err="1" smtClean="0"/>
+              <a:t>algorithm</a:t>
+            </a:r>
+            <a:endParaRPr lang="nl-NL" dirty="0"/>
+          </a:p>
+        </p:txBody>
+      </p:sp>
+      <p:sp>
+        <p:nvSpPr>
+          <p:cNvPr id="3" name="Tijdelijke aanduiding voor inhoud 2"/>
+          <p:cNvSpPr>
+            <a:spLocks noGrp="1"/>
+          </p:cNvSpPr>
+          <p:nvPr>
+            <p:ph idx="1"/>
+          </p:nvPr>
+        </p:nvSpPr>
+        <p:spPr>
+          <a:xfrm>
+            <a:off x="4737126" y="4146370"/>
+            <a:ext cx="2148868" cy="1532727"/>
+          </a:xfrm>
+        </p:spPr>
+        <p:txBody>
+          <a:bodyPr/>
+          <a:lstStyle/>
+          <a:p>
+            <a:pPr marL="0" indent="0">
+              <a:buNone/>
+            </a:pPr>
+            <a:r>
+              <a:rPr lang="nl-NL" sz="2000" dirty="0" smtClean="0"/>
+              <a:t>3. Move cluster centers </a:t>
+            </a:r>
+            <a:r>
+              <a:rPr lang="nl-NL" sz="2000" dirty="0" err="1" smtClean="0"/>
+              <a:t>to</a:t>
+            </a:r>
+            <a:r>
+              <a:rPr lang="nl-NL" sz="2000" dirty="0" smtClean="0"/>
+              <a:t> center of </a:t>
+            </a:r>
+            <a:r>
+              <a:rPr lang="nl-NL" sz="2000" dirty="0" err="1" smtClean="0"/>
+              <a:t>observations</a:t>
+            </a:r>
+            <a:endParaRPr lang="nl-NL" sz="2000" dirty="0" smtClean="0"/>
+          </a:p>
+          <a:p>
+            <a:pPr marL="0" indent="0">
+              <a:buNone/>
+            </a:pPr>
+            <a:endParaRPr lang="nl-NL" dirty="0"/>
+          </a:p>
+        </p:txBody>
+      </p:sp>
+      <p:pic>
+        <p:nvPicPr>
+          <p:cNvPr id="4" name="Afbeelding 3"/>
+          <p:cNvPicPr>
+            <a:picLocks noChangeAspect="1"/>
+          </p:cNvPicPr>
+          <p:nvPr/>
+        </p:nvPicPr>
+        <p:blipFill>
+          <a:blip r:embed="rId2">
+            <a:extLst>
+              <a:ext uri="{28A0092B-C50C-407E-A947-70E740481C1C}">
+                <a14:useLocalDpi xmlns:a14="http://schemas.microsoft.com/office/drawing/2010/main" val="0"/>
+              </a:ext>
+            </a:extLst>
+          </a:blip>
+          <a:stretch>
+            <a:fillRect/>
+          </a:stretch>
+        </p:blipFill>
+        <p:spPr>
+          <a:xfrm>
+            <a:off x="335488" y="2321322"/>
+            <a:ext cx="1728192" cy="1663969"/>
+          </a:xfrm>
+          <a:prstGeom prst="rect">
+            <a:avLst/>
+          </a:prstGeom>
+        </p:spPr>
+      </p:pic>
+      <p:pic>
+        <p:nvPicPr>
+          <p:cNvPr id="5" name="Afbeelding 4"/>
+          <p:cNvPicPr>
+            <a:picLocks noChangeAspect="1"/>
+          </p:cNvPicPr>
+          <p:nvPr/>
+        </p:nvPicPr>
+        <p:blipFill>
+          <a:blip r:embed="rId3">
+            <a:extLst>
+              <a:ext uri="{28A0092B-C50C-407E-A947-70E740481C1C}">
+                <a14:useLocalDpi xmlns:a14="http://schemas.microsoft.com/office/drawing/2010/main" val="0"/>
+              </a:ext>
+            </a:extLst>
+          </a:blip>
+          <a:stretch>
+            <a:fillRect/>
+          </a:stretch>
+        </p:blipFill>
+        <p:spPr>
+          <a:xfrm>
+            <a:off x="2612273" y="2421152"/>
+            <a:ext cx="1816139" cy="1564139"/>
+          </a:xfrm>
+          <a:prstGeom prst="rect">
+            <a:avLst/>
+          </a:prstGeom>
+        </p:spPr>
+      </p:pic>
+      <p:pic>
+        <p:nvPicPr>
+          <p:cNvPr id="6" name="Afbeelding 5"/>
+          <p:cNvPicPr>
+            <a:picLocks noChangeAspect="1"/>
+          </p:cNvPicPr>
+          <p:nvPr/>
+        </p:nvPicPr>
+        <p:blipFill>
+          <a:blip r:embed="rId4">
+            <a:extLst>
+              <a:ext uri="{28A0092B-C50C-407E-A947-70E740481C1C}">
+                <a14:useLocalDpi xmlns:a14="http://schemas.microsoft.com/office/drawing/2010/main" val="0"/>
+              </a:ext>
+            </a:extLst>
+          </a:blip>
+          <a:stretch>
+            <a:fillRect/>
+          </a:stretch>
+        </p:blipFill>
+        <p:spPr>
+          <a:xfrm>
+            <a:off x="4743443" y="2270791"/>
+            <a:ext cx="1990725" cy="1714500"/>
+          </a:xfrm>
+          <a:prstGeom prst="rect">
+            <a:avLst/>
+          </a:prstGeom>
+        </p:spPr>
+      </p:pic>
+      <p:pic>
+        <p:nvPicPr>
+          <p:cNvPr id="7" name="Afbeelding 6"/>
+          <p:cNvPicPr>
+            <a:picLocks noChangeAspect="1"/>
+          </p:cNvPicPr>
+          <p:nvPr/>
+        </p:nvPicPr>
+        <p:blipFill>
+          <a:blip r:embed="rId5">
+            <a:extLst>
+              <a:ext uri="{28A0092B-C50C-407E-A947-70E740481C1C}">
+                <a14:useLocalDpi xmlns:a14="http://schemas.microsoft.com/office/drawing/2010/main" val="0"/>
+              </a:ext>
+            </a:extLst>
+          </a:blip>
+          <a:stretch>
+            <a:fillRect/>
+          </a:stretch>
+        </p:blipFill>
+        <p:spPr>
+          <a:xfrm>
+            <a:off x="7010400" y="2348880"/>
+            <a:ext cx="1900055" cy="1636411"/>
+          </a:xfrm>
+          <a:prstGeom prst="rect">
+            <a:avLst/>
+          </a:prstGeom>
+        </p:spPr>
+      </p:pic>
+      <p:sp>
+        <p:nvSpPr>
+          <p:cNvPr id="9" name="Tijdelijke aanduiding voor inhoud 2"/>
+          <p:cNvSpPr txBox="1">
+            <a:spLocks/>
+          </p:cNvSpPr>
+          <p:nvPr/>
+        </p:nvSpPr>
+        <p:spPr bwMode="auto">
+          <a:xfrm>
+            <a:off x="2588257" y="4146368"/>
+            <a:ext cx="2148868" cy="1532727"/>
+          </a:xfrm>
+          <a:prstGeom prst="rect">
+            <a:avLst/>
+          </a:prstGeom>
+          <a:noFill/>
+          <a:ln w="9525">
+            <a:noFill/>
+            <a:miter lim="800000"/>
+            <a:headEnd/>
+            <a:tailEnd/>
+          </a:ln>
+          <a:effectLst/>
+        </p:spPr>
+        <p:txBody>
+          <a:bodyPr vert="horz" wrap="square" lIns="91440" tIns="45720" rIns="91440" bIns="45720" numCol="1" anchor="t" anchorCtr="0" compatLnSpc="1">
+            <a:prstTxWarp prst="textNoShape">
+              <a:avLst/>
+            </a:prstTxWarp>
+            <a:spAutoFit/>
+          </a:bodyPr>
+          <a:lstStyle>
+            <a:lvl1pPr marL="342900" indent="-342900" algn="l" rtl="0" fontAlgn="base">
+              <a:spcBef>
+                <a:spcPct val="20000"/>
+              </a:spcBef>
+              <a:spcAft>
+                <a:spcPct val="0"/>
+              </a:spcAft>
+              <a:buClr>
+                <a:srgbClr val="ED0010"/>
+              </a:buClr>
+              <a:buSzPct val="60000"/>
+              <a:buFont typeface="Zapf Dingbats" charset="2"/>
+              <a:buChar char="n"/>
+              <a:defRPr sz="2800">
+                <a:solidFill>
+                  <a:srgbClr val="000000"/>
+                </a:solidFill>
+                <a:latin typeface="+mn-lt"/>
+                <a:ea typeface="+mn-ea"/>
+                <a:cs typeface="+mn-cs"/>
+              </a:defRPr>
+            </a:lvl1pPr>
+            <a:lvl2pPr marL="819150" indent="-285750" algn="l" rtl="0" fontAlgn="base">
+              <a:spcBef>
+                <a:spcPct val="20000"/>
+              </a:spcBef>
+              <a:spcAft>
+                <a:spcPct val="0"/>
+              </a:spcAft>
+              <a:buClr>
+                <a:schemeClr val="accent1"/>
+              </a:buClr>
+              <a:buSzPct val="60000"/>
+              <a:buFont typeface="Zapf Dingbats" charset="2"/>
+              <a:buChar char="n"/>
+              <a:defRPr sz="2600">
+                <a:solidFill>
+                  <a:srgbClr val="000000"/>
+                </a:solidFill>
+                <a:latin typeface="+mn-lt"/>
+              </a:defRPr>
+            </a:lvl2pPr>
+            <a:lvl3pPr marL="1143000" indent="-228600" algn="l" rtl="0" fontAlgn="base">
+              <a:spcBef>
+                <a:spcPct val="20000"/>
+              </a:spcBef>
+              <a:spcAft>
+                <a:spcPct val="0"/>
+              </a:spcAft>
+              <a:buClr>
+                <a:schemeClr val="accent1"/>
+              </a:buClr>
+              <a:buSzPct val="60000"/>
+              <a:buFont typeface="Zapf Dingbats" charset="2"/>
+              <a:buChar char="n"/>
+              <a:defRPr sz="2400">
+                <a:solidFill>
+                  <a:srgbClr val="000000"/>
+                </a:solidFill>
+                <a:latin typeface="+mn-lt"/>
+              </a:defRPr>
+            </a:lvl3pPr>
+            <a:lvl4pPr marL="1562100" indent="-228600" algn="l" rtl="0" fontAlgn="base">
+              <a:spcBef>
+                <a:spcPct val="20000"/>
+              </a:spcBef>
+              <a:spcAft>
+                <a:spcPct val="0"/>
+              </a:spcAft>
+              <a:buClr>
+                <a:schemeClr val="accent1"/>
+              </a:buClr>
+              <a:buSzPct val="60000"/>
+              <a:buFont typeface="Zapf Dingbats" charset="2"/>
+              <a:buChar char="n"/>
+              <a:defRPr sz="2200">
+                <a:solidFill>
+                  <a:srgbClr val="000000"/>
+                </a:solidFill>
+                <a:latin typeface="+mn-lt"/>
+              </a:defRPr>
+            </a:lvl4pPr>
+            <a:lvl5pPr marL="1981200" indent="-228600" algn="l" rtl="0" fontAlgn="base">
+              <a:spcBef>
+                <a:spcPct val="20000"/>
+              </a:spcBef>
+              <a:spcAft>
+                <a:spcPct val="0"/>
+              </a:spcAft>
+              <a:buClr>
+                <a:schemeClr val="accent1"/>
+              </a:buClr>
+              <a:buSzPct val="60000"/>
+              <a:buFont typeface="Zapf Dingbats" charset="2"/>
+              <a:buChar char="n"/>
+              <a:defRPr sz="2000">
+                <a:solidFill>
+                  <a:srgbClr val="000000"/>
+                </a:solidFill>
+                <a:latin typeface="+mn-lt"/>
+              </a:defRPr>
+            </a:lvl5pPr>
+            <a:lvl6pPr marL="2438400" indent="-228600" algn="l" rtl="0" fontAlgn="base">
+              <a:spcBef>
+                <a:spcPct val="20000"/>
+              </a:spcBef>
+              <a:spcAft>
+                <a:spcPct val="0"/>
+              </a:spcAft>
+              <a:buClr>
+                <a:schemeClr val="accent1"/>
+              </a:buClr>
+              <a:buSzPct val="60000"/>
+              <a:buFont typeface="Zapf Dingbats" charset="2"/>
+              <a:buChar char="n"/>
+              <a:defRPr sz="2000">
+                <a:solidFill>
+                  <a:srgbClr val="000000"/>
+                </a:solidFill>
+                <a:latin typeface="+mn-lt"/>
+              </a:defRPr>
+            </a:lvl6pPr>
+            <a:lvl7pPr marL="2895600" indent="-228600" algn="l" rtl="0" fontAlgn="base">
+              <a:spcBef>
+                <a:spcPct val="20000"/>
+              </a:spcBef>
+              <a:spcAft>
+                <a:spcPct val="0"/>
+              </a:spcAft>
+              <a:buClr>
+                <a:schemeClr val="accent1"/>
+              </a:buClr>
+              <a:buSzPct val="60000"/>
+              <a:buFont typeface="Zapf Dingbats" charset="2"/>
+              <a:buChar char="n"/>
+              <a:defRPr sz="2000">
+                <a:solidFill>
+                  <a:srgbClr val="000000"/>
+                </a:solidFill>
+                <a:latin typeface="+mn-lt"/>
+              </a:defRPr>
+            </a:lvl7pPr>
+            <a:lvl8pPr marL="3352800" indent="-228600" algn="l" rtl="0" fontAlgn="base">
+              <a:spcBef>
+                <a:spcPct val="20000"/>
+              </a:spcBef>
+              <a:spcAft>
+                <a:spcPct val="0"/>
+              </a:spcAft>
+              <a:buClr>
+                <a:schemeClr val="accent1"/>
+              </a:buClr>
+              <a:buSzPct val="60000"/>
+              <a:buFont typeface="Zapf Dingbats" charset="2"/>
+              <a:buChar char="n"/>
+              <a:defRPr sz="2000">
+                <a:solidFill>
+                  <a:srgbClr val="000000"/>
+                </a:solidFill>
+                <a:latin typeface="+mn-lt"/>
+              </a:defRPr>
+            </a:lvl8pPr>
+            <a:lvl9pPr marL="3810000" indent="-228600" algn="l" rtl="0" fontAlgn="base">
+              <a:spcBef>
+                <a:spcPct val="20000"/>
+              </a:spcBef>
+              <a:spcAft>
+                <a:spcPct val="0"/>
+              </a:spcAft>
+              <a:buClr>
+                <a:schemeClr val="accent1"/>
+              </a:buClr>
+              <a:buSzPct val="60000"/>
+              <a:buFont typeface="Zapf Dingbats" charset="2"/>
+              <a:buChar char="n"/>
+              <a:defRPr sz="2000">
+                <a:solidFill>
+                  <a:srgbClr val="000000"/>
+                </a:solidFill>
+                <a:latin typeface="+mn-lt"/>
+              </a:defRPr>
+            </a:lvl9pPr>
+          </a:lstStyle>
+          <a:p>
+            <a:pPr marL="0" indent="0">
+              <a:buNone/>
+            </a:pPr>
+            <a:r>
+              <a:rPr lang="nl-NL" sz="2000" kern="0" dirty="0" smtClean="0"/>
+              <a:t>2. </a:t>
+            </a:r>
+            <a:r>
+              <a:rPr lang="nl-NL" sz="2000" kern="0" dirty="0" err="1" smtClean="0"/>
+              <a:t>Assign</a:t>
+            </a:r>
+            <a:r>
+              <a:rPr lang="nl-NL" sz="2000" kern="0" dirty="0" smtClean="0"/>
+              <a:t> </a:t>
+            </a:r>
+            <a:r>
+              <a:rPr lang="nl-NL" sz="2000" kern="0" dirty="0" err="1" smtClean="0"/>
+              <a:t>each</a:t>
+            </a:r>
+            <a:r>
+              <a:rPr lang="nl-NL" sz="2000" kern="0" dirty="0" smtClean="0"/>
+              <a:t> </a:t>
+            </a:r>
+            <a:r>
+              <a:rPr lang="nl-NL" sz="2000" kern="0" dirty="0" err="1" smtClean="0"/>
+              <a:t>observation</a:t>
+            </a:r>
+            <a:r>
+              <a:rPr lang="nl-NL" sz="2000" kern="0" dirty="0" smtClean="0"/>
+              <a:t> </a:t>
+            </a:r>
+            <a:r>
+              <a:rPr lang="nl-NL" sz="2000" kern="0" dirty="0" err="1" smtClean="0"/>
+              <a:t>to</a:t>
+            </a:r>
+            <a:r>
+              <a:rPr lang="nl-NL" sz="2000" kern="0" dirty="0" smtClean="0"/>
+              <a:t> </a:t>
+            </a:r>
+            <a:r>
+              <a:rPr lang="nl-NL" sz="2000" kern="0" dirty="0" err="1" smtClean="0"/>
+              <a:t>nearest</a:t>
+            </a:r>
+            <a:r>
+              <a:rPr lang="nl-NL" sz="2000" kern="0" dirty="0" smtClean="0"/>
+              <a:t> center</a:t>
+            </a:r>
+          </a:p>
+          <a:p>
+            <a:pPr marL="514350" indent="-514350">
+              <a:buFont typeface="+mj-lt"/>
+              <a:buAutoNum type="arabicPeriod"/>
+            </a:pPr>
+            <a:endParaRPr lang="nl-NL" kern="0" dirty="0"/>
+          </a:p>
+        </p:txBody>
+      </p:sp>
+      <p:sp>
+        <p:nvSpPr>
+          <p:cNvPr id="10" name="Tijdelijke aanduiding voor inhoud 2"/>
+          <p:cNvSpPr txBox="1">
+            <a:spLocks/>
+          </p:cNvSpPr>
+          <p:nvPr/>
+        </p:nvSpPr>
+        <p:spPr bwMode="auto">
+          <a:xfrm>
+            <a:off x="313808" y="4193530"/>
+            <a:ext cx="2148868" cy="1532727"/>
+          </a:xfrm>
+          <a:prstGeom prst="rect">
+            <a:avLst/>
+          </a:prstGeom>
+          <a:noFill/>
+          <a:ln w="9525">
+            <a:noFill/>
+            <a:miter lim="800000"/>
+            <a:headEnd/>
+            <a:tailEnd/>
+          </a:ln>
+          <a:effectLst/>
+        </p:spPr>
+        <p:txBody>
+          <a:bodyPr vert="horz" wrap="square" lIns="91440" tIns="45720" rIns="91440" bIns="45720" numCol="1" anchor="t" anchorCtr="0" compatLnSpc="1">
+            <a:prstTxWarp prst="textNoShape">
+              <a:avLst/>
+            </a:prstTxWarp>
+            <a:spAutoFit/>
+          </a:bodyPr>
+          <a:lstStyle>
+            <a:lvl1pPr marL="342900" indent="-342900" algn="l" rtl="0" fontAlgn="base">
+              <a:spcBef>
+                <a:spcPct val="20000"/>
+              </a:spcBef>
+              <a:spcAft>
+                <a:spcPct val="0"/>
+              </a:spcAft>
+              <a:buClr>
+                <a:srgbClr val="ED0010"/>
+              </a:buClr>
+              <a:buSzPct val="60000"/>
+              <a:buFont typeface="Zapf Dingbats" charset="2"/>
+              <a:buChar char="n"/>
+              <a:defRPr sz="2800">
+                <a:solidFill>
+                  <a:srgbClr val="000000"/>
+                </a:solidFill>
+                <a:latin typeface="+mn-lt"/>
+                <a:ea typeface="+mn-ea"/>
+                <a:cs typeface="+mn-cs"/>
+              </a:defRPr>
+            </a:lvl1pPr>
+            <a:lvl2pPr marL="819150" indent="-285750" algn="l" rtl="0" fontAlgn="base">
+              <a:spcBef>
+                <a:spcPct val="20000"/>
+              </a:spcBef>
+              <a:spcAft>
+                <a:spcPct val="0"/>
+              </a:spcAft>
+              <a:buClr>
+                <a:schemeClr val="accent1"/>
+              </a:buClr>
+              <a:buSzPct val="60000"/>
+              <a:buFont typeface="Zapf Dingbats" charset="2"/>
+              <a:buChar char="n"/>
+              <a:defRPr sz="2600">
+                <a:solidFill>
+                  <a:srgbClr val="000000"/>
+                </a:solidFill>
+                <a:latin typeface="+mn-lt"/>
+              </a:defRPr>
+            </a:lvl2pPr>
+            <a:lvl3pPr marL="1143000" indent="-228600" algn="l" rtl="0" fontAlgn="base">
+              <a:spcBef>
+                <a:spcPct val="20000"/>
+              </a:spcBef>
+              <a:spcAft>
+                <a:spcPct val="0"/>
+              </a:spcAft>
+              <a:buClr>
+                <a:schemeClr val="accent1"/>
+              </a:buClr>
+              <a:buSzPct val="60000"/>
+              <a:buFont typeface="Zapf Dingbats" charset="2"/>
+              <a:buChar char="n"/>
+              <a:defRPr sz="2400">
+                <a:solidFill>
+                  <a:srgbClr val="000000"/>
+                </a:solidFill>
+                <a:latin typeface="+mn-lt"/>
+              </a:defRPr>
+            </a:lvl3pPr>
+            <a:lvl4pPr marL="1562100" indent="-228600" algn="l" rtl="0" fontAlgn="base">
+              <a:spcBef>
+                <a:spcPct val="20000"/>
+              </a:spcBef>
+              <a:spcAft>
+                <a:spcPct val="0"/>
+              </a:spcAft>
+              <a:buClr>
+                <a:schemeClr val="accent1"/>
+              </a:buClr>
+              <a:buSzPct val="60000"/>
+              <a:buFont typeface="Zapf Dingbats" charset="2"/>
+              <a:buChar char="n"/>
+              <a:defRPr sz="2200">
+                <a:solidFill>
+                  <a:srgbClr val="000000"/>
+                </a:solidFill>
+                <a:latin typeface="+mn-lt"/>
+              </a:defRPr>
+            </a:lvl4pPr>
+            <a:lvl5pPr marL="1981200" indent="-228600" algn="l" rtl="0" fontAlgn="base">
+              <a:spcBef>
+                <a:spcPct val="20000"/>
+              </a:spcBef>
+              <a:spcAft>
+                <a:spcPct val="0"/>
+              </a:spcAft>
+              <a:buClr>
+                <a:schemeClr val="accent1"/>
+              </a:buClr>
+              <a:buSzPct val="60000"/>
+              <a:buFont typeface="Zapf Dingbats" charset="2"/>
+              <a:buChar char="n"/>
+              <a:defRPr sz="2000">
+                <a:solidFill>
+                  <a:srgbClr val="000000"/>
+                </a:solidFill>
+                <a:latin typeface="+mn-lt"/>
+              </a:defRPr>
+            </a:lvl5pPr>
+            <a:lvl6pPr marL="2438400" indent="-228600" algn="l" rtl="0" fontAlgn="base">
+              <a:spcBef>
+                <a:spcPct val="20000"/>
+              </a:spcBef>
+              <a:spcAft>
+                <a:spcPct val="0"/>
+              </a:spcAft>
+              <a:buClr>
+                <a:schemeClr val="accent1"/>
+              </a:buClr>
+              <a:buSzPct val="60000"/>
+              <a:buFont typeface="Zapf Dingbats" charset="2"/>
+              <a:buChar char="n"/>
+              <a:defRPr sz="2000">
+                <a:solidFill>
+                  <a:srgbClr val="000000"/>
+                </a:solidFill>
+                <a:latin typeface="+mn-lt"/>
+              </a:defRPr>
+            </a:lvl6pPr>
+            <a:lvl7pPr marL="2895600" indent="-228600" algn="l" rtl="0" fontAlgn="base">
+              <a:spcBef>
+                <a:spcPct val="20000"/>
+              </a:spcBef>
+              <a:spcAft>
+                <a:spcPct val="0"/>
+              </a:spcAft>
+              <a:buClr>
+                <a:schemeClr val="accent1"/>
+              </a:buClr>
+              <a:buSzPct val="60000"/>
+              <a:buFont typeface="Zapf Dingbats" charset="2"/>
+              <a:buChar char="n"/>
+              <a:defRPr sz="2000">
+                <a:solidFill>
+                  <a:srgbClr val="000000"/>
+                </a:solidFill>
+                <a:latin typeface="+mn-lt"/>
+              </a:defRPr>
+            </a:lvl7pPr>
+            <a:lvl8pPr marL="3352800" indent="-228600" algn="l" rtl="0" fontAlgn="base">
+              <a:spcBef>
+                <a:spcPct val="20000"/>
+              </a:spcBef>
+              <a:spcAft>
+                <a:spcPct val="0"/>
+              </a:spcAft>
+              <a:buClr>
+                <a:schemeClr val="accent1"/>
+              </a:buClr>
+              <a:buSzPct val="60000"/>
+              <a:buFont typeface="Zapf Dingbats" charset="2"/>
+              <a:buChar char="n"/>
+              <a:defRPr sz="2000">
+                <a:solidFill>
+                  <a:srgbClr val="000000"/>
+                </a:solidFill>
+                <a:latin typeface="+mn-lt"/>
+              </a:defRPr>
+            </a:lvl8pPr>
+            <a:lvl9pPr marL="3810000" indent="-228600" algn="l" rtl="0" fontAlgn="base">
+              <a:spcBef>
+                <a:spcPct val="20000"/>
+              </a:spcBef>
+              <a:spcAft>
+                <a:spcPct val="0"/>
+              </a:spcAft>
+              <a:buClr>
+                <a:schemeClr val="accent1"/>
+              </a:buClr>
+              <a:buSzPct val="60000"/>
+              <a:buFont typeface="Zapf Dingbats" charset="2"/>
+              <a:buChar char="n"/>
+              <a:defRPr sz="2000">
+                <a:solidFill>
+                  <a:srgbClr val="000000"/>
+                </a:solidFill>
+                <a:latin typeface="+mn-lt"/>
+              </a:defRPr>
+            </a:lvl9pPr>
+          </a:lstStyle>
+          <a:p>
+            <a:pPr marL="0" indent="0">
+              <a:buNone/>
+            </a:pPr>
+            <a:r>
+              <a:rPr lang="nl-NL" sz="2000" kern="0" dirty="0" smtClean="0"/>
+              <a:t>1. Start </a:t>
+            </a:r>
+            <a:r>
+              <a:rPr lang="nl-NL" sz="2000" kern="0" dirty="0" err="1" smtClean="0"/>
+              <a:t>with</a:t>
+            </a:r>
+            <a:r>
+              <a:rPr lang="nl-NL" sz="2000" kern="0" dirty="0" smtClean="0"/>
+              <a:t> </a:t>
+            </a:r>
+            <a:r>
+              <a:rPr lang="nl-NL" sz="2000" i="1" kern="0" dirty="0" smtClean="0"/>
+              <a:t>k </a:t>
+            </a:r>
+            <a:r>
+              <a:rPr lang="nl-NL" sz="2000" kern="0" dirty="0" smtClean="0"/>
+              <a:t>cluster centers at random</a:t>
+            </a:r>
+          </a:p>
+          <a:p>
+            <a:pPr marL="514350" indent="-514350">
+              <a:buFont typeface="+mj-lt"/>
+              <a:buAutoNum type="arabicPeriod"/>
+            </a:pPr>
+            <a:endParaRPr lang="nl-NL" kern="0" dirty="0"/>
+          </a:p>
+        </p:txBody>
+      </p:sp>
+      <p:sp>
+        <p:nvSpPr>
+          <p:cNvPr id="11" name="Tijdelijke aanduiding voor inhoud 2"/>
+          <p:cNvSpPr txBox="1">
+            <a:spLocks/>
+          </p:cNvSpPr>
+          <p:nvPr/>
+        </p:nvSpPr>
+        <p:spPr bwMode="auto">
+          <a:xfrm>
+            <a:off x="6885994" y="4178352"/>
+            <a:ext cx="2148868" cy="1224951"/>
+          </a:xfrm>
+          <a:prstGeom prst="rect">
+            <a:avLst/>
+          </a:prstGeom>
+          <a:noFill/>
+          <a:ln w="9525">
+            <a:noFill/>
+            <a:miter lim="800000"/>
+            <a:headEnd/>
+            <a:tailEnd/>
+          </a:ln>
+          <a:effectLst/>
+        </p:spPr>
+        <p:txBody>
+          <a:bodyPr vert="horz" wrap="square" lIns="91440" tIns="45720" rIns="91440" bIns="45720" numCol="1" anchor="t" anchorCtr="0" compatLnSpc="1">
+            <a:prstTxWarp prst="textNoShape">
+              <a:avLst/>
+            </a:prstTxWarp>
+            <a:spAutoFit/>
+          </a:bodyPr>
+          <a:lstStyle>
+            <a:lvl1pPr marL="342900" indent="-342900" algn="l" rtl="0" fontAlgn="base">
+              <a:spcBef>
+                <a:spcPct val="20000"/>
+              </a:spcBef>
+              <a:spcAft>
+                <a:spcPct val="0"/>
+              </a:spcAft>
+              <a:buClr>
+                <a:srgbClr val="ED0010"/>
+              </a:buClr>
+              <a:buSzPct val="60000"/>
+              <a:buFont typeface="Zapf Dingbats" charset="2"/>
+              <a:buChar char="n"/>
+              <a:defRPr sz="2800">
+                <a:solidFill>
+                  <a:srgbClr val="000000"/>
+                </a:solidFill>
+                <a:latin typeface="+mn-lt"/>
+                <a:ea typeface="+mn-ea"/>
+                <a:cs typeface="+mn-cs"/>
+              </a:defRPr>
+            </a:lvl1pPr>
+            <a:lvl2pPr marL="819150" indent="-285750" algn="l" rtl="0" fontAlgn="base">
+              <a:spcBef>
+                <a:spcPct val="20000"/>
+              </a:spcBef>
+              <a:spcAft>
+                <a:spcPct val="0"/>
+              </a:spcAft>
+              <a:buClr>
+                <a:schemeClr val="accent1"/>
+              </a:buClr>
+              <a:buSzPct val="60000"/>
+              <a:buFont typeface="Zapf Dingbats" charset="2"/>
+              <a:buChar char="n"/>
+              <a:defRPr sz="2600">
+                <a:solidFill>
+                  <a:srgbClr val="000000"/>
+                </a:solidFill>
+                <a:latin typeface="+mn-lt"/>
+              </a:defRPr>
+            </a:lvl2pPr>
+            <a:lvl3pPr marL="1143000" indent="-228600" algn="l" rtl="0" fontAlgn="base">
+              <a:spcBef>
+                <a:spcPct val="20000"/>
+              </a:spcBef>
+              <a:spcAft>
+                <a:spcPct val="0"/>
+              </a:spcAft>
+              <a:buClr>
+                <a:schemeClr val="accent1"/>
+              </a:buClr>
+              <a:buSzPct val="60000"/>
+              <a:buFont typeface="Zapf Dingbats" charset="2"/>
+              <a:buChar char="n"/>
+              <a:defRPr sz="2400">
+                <a:solidFill>
+                  <a:srgbClr val="000000"/>
+                </a:solidFill>
+                <a:latin typeface="+mn-lt"/>
+              </a:defRPr>
+            </a:lvl3pPr>
+            <a:lvl4pPr marL="1562100" indent="-228600" algn="l" rtl="0" fontAlgn="base">
+              <a:spcBef>
+                <a:spcPct val="20000"/>
+              </a:spcBef>
+              <a:spcAft>
+                <a:spcPct val="0"/>
+              </a:spcAft>
+              <a:buClr>
+                <a:schemeClr val="accent1"/>
+              </a:buClr>
+              <a:buSzPct val="60000"/>
+              <a:buFont typeface="Zapf Dingbats" charset="2"/>
+              <a:buChar char="n"/>
+              <a:defRPr sz="2200">
+                <a:solidFill>
+                  <a:srgbClr val="000000"/>
+                </a:solidFill>
+                <a:latin typeface="+mn-lt"/>
+              </a:defRPr>
+            </a:lvl4pPr>
+            <a:lvl5pPr marL="1981200" indent="-228600" algn="l" rtl="0" fontAlgn="base">
+              <a:spcBef>
+                <a:spcPct val="20000"/>
+              </a:spcBef>
+              <a:spcAft>
+                <a:spcPct val="0"/>
+              </a:spcAft>
+              <a:buClr>
+                <a:schemeClr val="accent1"/>
+              </a:buClr>
+              <a:buSzPct val="60000"/>
+              <a:buFont typeface="Zapf Dingbats" charset="2"/>
+              <a:buChar char="n"/>
+              <a:defRPr sz="2000">
+                <a:solidFill>
+                  <a:srgbClr val="000000"/>
+                </a:solidFill>
+                <a:latin typeface="+mn-lt"/>
+              </a:defRPr>
+            </a:lvl5pPr>
+            <a:lvl6pPr marL="2438400" indent="-228600" algn="l" rtl="0" fontAlgn="base">
+              <a:spcBef>
+                <a:spcPct val="20000"/>
+              </a:spcBef>
+              <a:spcAft>
+                <a:spcPct val="0"/>
+              </a:spcAft>
+              <a:buClr>
+                <a:schemeClr val="accent1"/>
+              </a:buClr>
+              <a:buSzPct val="60000"/>
+              <a:buFont typeface="Zapf Dingbats" charset="2"/>
+              <a:buChar char="n"/>
+              <a:defRPr sz="2000">
+                <a:solidFill>
+                  <a:srgbClr val="000000"/>
+                </a:solidFill>
+                <a:latin typeface="+mn-lt"/>
+              </a:defRPr>
+            </a:lvl6pPr>
+            <a:lvl7pPr marL="2895600" indent="-228600" algn="l" rtl="0" fontAlgn="base">
+              <a:spcBef>
+                <a:spcPct val="20000"/>
+              </a:spcBef>
+              <a:spcAft>
+                <a:spcPct val="0"/>
+              </a:spcAft>
+              <a:buClr>
+                <a:schemeClr val="accent1"/>
+              </a:buClr>
+              <a:buSzPct val="60000"/>
+              <a:buFont typeface="Zapf Dingbats" charset="2"/>
+              <a:buChar char="n"/>
+              <a:defRPr sz="2000">
+                <a:solidFill>
+                  <a:srgbClr val="000000"/>
+                </a:solidFill>
+                <a:latin typeface="+mn-lt"/>
+              </a:defRPr>
+            </a:lvl7pPr>
+            <a:lvl8pPr marL="3352800" indent="-228600" algn="l" rtl="0" fontAlgn="base">
+              <a:spcBef>
+                <a:spcPct val="20000"/>
+              </a:spcBef>
+              <a:spcAft>
+                <a:spcPct val="0"/>
+              </a:spcAft>
+              <a:buClr>
+                <a:schemeClr val="accent1"/>
+              </a:buClr>
+              <a:buSzPct val="60000"/>
+              <a:buFont typeface="Zapf Dingbats" charset="2"/>
+              <a:buChar char="n"/>
+              <a:defRPr sz="2000">
+                <a:solidFill>
+                  <a:srgbClr val="000000"/>
+                </a:solidFill>
+                <a:latin typeface="+mn-lt"/>
+              </a:defRPr>
+            </a:lvl8pPr>
+            <a:lvl9pPr marL="3810000" indent="-228600" algn="l" rtl="0" fontAlgn="base">
+              <a:spcBef>
+                <a:spcPct val="20000"/>
+              </a:spcBef>
+              <a:spcAft>
+                <a:spcPct val="0"/>
+              </a:spcAft>
+              <a:buClr>
+                <a:schemeClr val="accent1"/>
+              </a:buClr>
+              <a:buSzPct val="60000"/>
+              <a:buFont typeface="Zapf Dingbats" charset="2"/>
+              <a:buChar char="n"/>
+              <a:defRPr sz="2000">
+                <a:solidFill>
+                  <a:srgbClr val="000000"/>
+                </a:solidFill>
+                <a:latin typeface="+mn-lt"/>
+              </a:defRPr>
+            </a:lvl9pPr>
+          </a:lstStyle>
+          <a:p>
+            <a:pPr marL="0" indent="0">
+              <a:buNone/>
+            </a:pPr>
+            <a:r>
+              <a:rPr lang="nl-NL" sz="2000" kern="0" dirty="0" smtClean="0"/>
+              <a:t>4. </a:t>
+            </a:r>
+            <a:r>
+              <a:rPr lang="nl-NL" sz="2000" kern="0" dirty="0" err="1" smtClean="0"/>
+              <a:t>Repeat</a:t>
+            </a:r>
+            <a:r>
+              <a:rPr lang="nl-NL" sz="2000" kern="0" dirty="0" smtClean="0"/>
+              <a:t> </a:t>
+            </a:r>
+            <a:r>
+              <a:rPr lang="nl-NL" sz="2000" kern="0" dirty="0" err="1" smtClean="0"/>
+              <a:t>until</a:t>
+            </a:r>
+            <a:r>
+              <a:rPr lang="nl-NL" sz="2000" kern="0" dirty="0" smtClean="0"/>
+              <a:t> </a:t>
+            </a:r>
+            <a:r>
+              <a:rPr lang="nl-NL" sz="2000" kern="0" dirty="0" err="1" smtClean="0"/>
+              <a:t>stable</a:t>
+            </a:r>
+            <a:endParaRPr lang="nl-NL" sz="2000" kern="0" dirty="0" smtClean="0"/>
+          </a:p>
+          <a:p>
+            <a:pPr marL="514350" indent="-514350">
+              <a:buFont typeface="+mj-lt"/>
+              <a:buAutoNum type="arabicPeriod"/>
+            </a:pPr>
+            <a:endParaRPr lang="nl-NL" kern="0" dirty="0"/>
+          </a:p>
+        </p:txBody>
+      </p:sp>
+    </p:spTree>
+    <p:extLst>
+      <p:ext uri="{BB962C8B-B14F-4D97-AF65-F5344CB8AC3E}">
+        <p14:creationId xmlns:p14="http://schemas.microsoft.com/office/powerpoint/2010/main" val="1846426790"/>
+      </p:ext>
+    </p:extLst>
+  </p:cSld>
+  <p:clrMapOvr>
+    <a:masterClrMapping/>
+  </p:clrMapOvr>
+</p:sld>
+</file>
+
+<file path=ppt/slides/slide17.xml><?xml version="1.0" encoding="utf-8"?>
+<p:sld xmlns:a="http://schemas.openxmlformats.org/drawingml/2006/main" xmlns:r="http://schemas.openxmlformats.org/officeDocument/2006/relationships" xmlns:p="http://schemas.openxmlformats.org/presentationml/2006/main">
+  <p:cSld>
+    <p:spTree>
+      <p:nvGrpSpPr>
+        <p:cNvPr id="1" name=""/>
+        <p:cNvGrpSpPr/>
+        <p:nvPr/>
+      </p:nvGrpSpPr>
+      <p:grpSpPr>
+        <a:xfrm>
+          <a:off x="0" y="0"/>
+          <a:ext cx="0" cy="0"/>
+          <a:chOff x="0" y="0"/>
+          <a:chExt cx="0" cy="0"/>
+        </a:xfrm>
+      </p:grpSpPr>
+      <p:sp>
+        <p:nvSpPr>
+          <p:cNvPr id="2" name="Titel 1"/>
+          <p:cNvSpPr>
+            <a:spLocks noGrp="1"/>
+          </p:cNvSpPr>
+          <p:nvPr>
+            <p:ph type="title"/>
+          </p:nvPr>
+        </p:nvSpPr>
+        <p:spPr/>
+        <p:txBody>
+          <a:bodyPr/>
+          <a:lstStyle/>
+          <a:p>
+            <a:r>
+              <a:rPr lang="nl-NL" dirty="0" smtClean="0"/>
+              <a:t>K-means clustering</a:t>
+            </a:r>
+            <a:endParaRPr lang="nl-NL" dirty="0"/>
+          </a:p>
+        </p:txBody>
+      </p:sp>
+      <p:pic>
+        <p:nvPicPr>
+          <p:cNvPr id="4" name="Tijdelijke aanduiding voor inhoud 3"/>
+          <p:cNvPicPr>
+            <a:picLocks noGrp="1" noChangeAspect="1"/>
+          </p:cNvPicPr>
+          <p:nvPr>
+            <p:ph idx="1"/>
+          </p:nvPr>
+        </p:nvPicPr>
+        <p:blipFill>
+          <a:blip r:embed="rId2">
+            <a:extLst>
+              <a:ext uri="{28A0092B-C50C-407E-A947-70E740481C1C}">
+                <a14:useLocalDpi xmlns:a14="http://schemas.microsoft.com/office/drawing/2010/main" val="0"/>
+              </a:ext>
+            </a:extLst>
+          </a:blip>
+          <a:stretch>
+            <a:fillRect/>
+          </a:stretch>
+        </p:blipFill>
+        <p:spPr>
+          <a:xfrm>
+            <a:off x="2329880" y="1628800"/>
+            <a:ext cx="4680520" cy="4548261"/>
+          </a:xfrm>
+        </p:spPr>
+      </p:pic>
+    </p:spTree>
+    <p:extLst>
+      <p:ext uri="{BB962C8B-B14F-4D97-AF65-F5344CB8AC3E}">
+        <p14:creationId xmlns:p14="http://schemas.microsoft.com/office/powerpoint/2010/main" val="1625180845"/>
+      </p:ext>
+    </p:extLst>
+  </p:cSld>
+  <p:clrMapOvr>
+    <a:masterClrMapping/>
+  </p:clrMapOvr>
+  <p:timing>
+    <p:tnLst>
+      <p:par>
+        <p:cTn id="1" dur="indefinite" restart="never" nodeType="tmRoot"/>
+      </p:par>
+    </p:tnLst>
+  </p:timing>
+</p:sld>
+</file>
+
+<file path=ppt/slides/slide18.xml><?xml version="1.0" encoding="utf-8"?>
+<p:sld xmlns:a="http://schemas.openxmlformats.org/drawingml/2006/main" xmlns:r="http://schemas.openxmlformats.org/officeDocument/2006/relationships" xmlns:p="http://schemas.openxmlformats.org/presentationml/2006/main">
+  <p:cSld>
+    <p:spTree>
+      <p:nvGrpSpPr>
+        <p:cNvPr id="1" name=""/>
+        <p:cNvGrpSpPr/>
+        <p:nvPr/>
+      </p:nvGrpSpPr>
+      <p:grpSpPr>
+        <a:xfrm>
+          <a:off x="0" y="0"/>
+          <a:ext cx="0" cy="0"/>
+          <a:chOff x="0" y="0"/>
+          <a:chExt cx="0" cy="0"/>
+        </a:xfrm>
+      </p:grpSpPr>
+      <p:sp>
+        <p:nvSpPr>
+          <p:cNvPr id="2" name="Titel 1"/>
+          <p:cNvSpPr>
+            <a:spLocks noGrp="1"/>
+          </p:cNvSpPr>
+          <p:nvPr>
+            <p:ph type="title"/>
+          </p:nvPr>
+        </p:nvSpPr>
+        <p:spPr>
+          <a:xfrm>
+            <a:off x="838200" y="665818"/>
+            <a:ext cx="6172200" cy="523220"/>
+          </a:xfrm>
+        </p:spPr>
+        <p:txBody>
+          <a:bodyPr/>
+          <a:lstStyle/>
+          <a:p>
+            <a:r>
+              <a:rPr lang="nl-NL" sz="2800" dirty="0" err="1" smtClean="0"/>
+              <a:t>Exercise</a:t>
+            </a:r>
+            <a:r>
+              <a:rPr lang="nl-NL" sz="2800" dirty="0" smtClean="0"/>
+              <a:t> 2: clustering </a:t>
+            </a:r>
+            <a:r>
+              <a:rPr lang="nl-NL" sz="2800" i="1" dirty="0" smtClean="0"/>
+              <a:t>Iris </a:t>
+            </a:r>
+            <a:r>
+              <a:rPr lang="nl-NL" sz="2800" dirty="0" smtClean="0"/>
+              <a:t>data set</a:t>
+            </a:r>
+            <a:endParaRPr lang="nl-NL" sz="2800" dirty="0"/>
+          </a:p>
+        </p:txBody>
+      </p:sp>
+      <p:sp>
+        <p:nvSpPr>
+          <p:cNvPr id="4" name="Tijdelijke aanduiding voor inhoud 2"/>
+          <p:cNvSpPr txBox="1">
+            <a:spLocks/>
+          </p:cNvSpPr>
+          <p:nvPr/>
+        </p:nvSpPr>
+        <p:spPr bwMode="auto">
+          <a:xfrm>
+            <a:off x="838200" y="1484784"/>
+            <a:ext cx="7881938" cy="6383286"/>
+          </a:xfrm>
+          <a:prstGeom prst="rect">
+            <a:avLst/>
+          </a:prstGeom>
+          <a:noFill/>
+          <a:ln w="9525">
+            <a:noFill/>
+            <a:miter lim="800000"/>
+            <a:headEnd/>
+            <a:tailEnd/>
+          </a:ln>
+          <a:effectLst/>
+        </p:spPr>
+        <p:txBody>
+          <a:bodyPr vert="horz" wrap="square" lIns="91440" tIns="45720" rIns="91440" bIns="45720" numCol="1" anchor="t" anchorCtr="0" compatLnSpc="1">
+            <a:prstTxWarp prst="textNoShape">
+              <a:avLst/>
+            </a:prstTxWarp>
+            <a:spAutoFit/>
+          </a:bodyPr>
+          <a:lstStyle>
+            <a:lvl1pPr marL="342900" indent="-342900" algn="l" rtl="0" fontAlgn="base">
+              <a:spcBef>
+                <a:spcPct val="20000"/>
+              </a:spcBef>
+              <a:spcAft>
+                <a:spcPct val="0"/>
+              </a:spcAft>
+              <a:buClr>
+                <a:srgbClr val="ED0010"/>
+              </a:buClr>
+              <a:buSzPct val="60000"/>
+              <a:buFont typeface="Zapf Dingbats" charset="2"/>
+              <a:buChar char="n"/>
+              <a:defRPr sz="2800">
+                <a:solidFill>
+                  <a:srgbClr val="000000"/>
+                </a:solidFill>
+                <a:latin typeface="+mn-lt"/>
+                <a:ea typeface="+mn-ea"/>
+                <a:cs typeface="+mn-cs"/>
+              </a:defRPr>
+            </a:lvl1pPr>
+            <a:lvl2pPr marL="819150" indent="-285750" algn="l" rtl="0" fontAlgn="base">
+              <a:spcBef>
+                <a:spcPct val="20000"/>
+              </a:spcBef>
+              <a:spcAft>
+                <a:spcPct val="0"/>
+              </a:spcAft>
+              <a:buClr>
+                <a:schemeClr val="accent1"/>
+              </a:buClr>
+              <a:buSzPct val="60000"/>
+              <a:buFont typeface="Zapf Dingbats" charset="2"/>
+              <a:buChar char="n"/>
+              <a:defRPr sz="2600">
+                <a:solidFill>
+                  <a:srgbClr val="000000"/>
+                </a:solidFill>
+                <a:latin typeface="+mn-lt"/>
+              </a:defRPr>
+            </a:lvl2pPr>
+            <a:lvl3pPr marL="1143000" indent="-228600" algn="l" rtl="0" fontAlgn="base">
+              <a:spcBef>
+                <a:spcPct val="20000"/>
+              </a:spcBef>
+              <a:spcAft>
+                <a:spcPct val="0"/>
+              </a:spcAft>
+              <a:buClr>
+                <a:schemeClr val="accent1"/>
+              </a:buClr>
+              <a:buSzPct val="60000"/>
+              <a:buFont typeface="Zapf Dingbats" charset="2"/>
+              <a:buChar char="n"/>
+              <a:defRPr sz="2400">
+                <a:solidFill>
+                  <a:srgbClr val="000000"/>
+                </a:solidFill>
+                <a:latin typeface="+mn-lt"/>
+              </a:defRPr>
+            </a:lvl3pPr>
+            <a:lvl4pPr marL="1562100" indent="-228600" algn="l" rtl="0" fontAlgn="base">
+              <a:spcBef>
+                <a:spcPct val="20000"/>
+              </a:spcBef>
+              <a:spcAft>
+                <a:spcPct val="0"/>
+              </a:spcAft>
+              <a:buClr>
+                <a:schemeClr val="accent1"/>
+              </a:buClr>
+              <a:buSzPct val="60000"/>
+              <a:buFont typeface="Zapf Dingbats" charset="2"/>
+              <a:buChar char="n"/>
+              <a:defRPr sz="2200">
+                <a:solidFill>
+                  <a:srgbClr val="000000"/>
+                </a:solidFill>
+                <a:latin typeface="+mn-lt"/>
+              </a:defRPr>
+            </a:lvl4pPr>
+            <a:lvl5pPr marL="1981200" indent="-228600" algn="l" rtl="0" fontAlgn="base">
+              <a:spcBef>
+                <a:spcPct val="20000"/>
+              </a:spcBef>
+              <a:spcAft>
+                <a:spcPct val="0"/>
+              </a:spcAft>
+              <a:buClr>
+                <a:schemeClr val="accent1"/>
+              </a:buClr>
+              <a:buSzPct val="60000"/>
+              <a:buFont typeface="Zapf Dingbats" charset="2"/>
+              <a:buChar char="n"/>
+              <a:defRPr sz="2000">
+                <a:solidFill>
+                  <a:srgbClr val="000000"/>
+                </a:solidFill>
+                <a:latin typeface="+mn-lt"/>
+              </a:defRPr>
+            </a:lvl5pPr>
+            <a:lvl6pPr marL="2438400" indent="-228600" algn="l" rtl="0" fontAlgn="base">
+              <a:spcBef>
+                <a:spcPct val="20000"/>
+              </a:spcBef>
+              <a:spcAft>
+                <a:spcPct val="0"/>
+              </a:spcAft>
+              <a:buClr>
+                <a:schemeClr val="accent1"/>
+              </a:buClr>
+              <a:buSzPct val="60000"/>
+              <a:buFont typeface="Zapf Dingbats" charset="2"/>
+              <a:buChar char="n"/>
+              <a:defRPr sz="2000">
+                <a:solidFill>
+                  <a:srgbClr val="000000"/>
+                </a:solidFill>
+                <a:latin typeface="+mn-lt"/>
+              </a:defRPr>
+            </a:lvl6pPr>
+            <a:lvl7pPr marL="2895600" indent="-228600" algn="l" rtl="0" fontAlgn="base">
+              <a:spcBef>
+                <a:spcPct val="20000"/>
+              </a:spcBef>
+              <a:spcAft>
+                <a:spcPct val="0"/>
+              </a:spcAft>
+              <a:buClr>
+                <a:schemeClr val="accent1"/>
+              </a:buClr>
+              <a:buSzPct val="60000"/>
+              <a:buFont typeface="Zapf Dingbats" charset="2"/>
+              <a:buChar char="n"/>
+              <a:defRPr sz="2000">
+                <a:solidFill>
+                  <a:srgbClr val="000000"/>
+                </a:solidFill>
+                <a:latin typeface="+mn-lt"/>
+              </a:defRPr>
+            </a:lvl7pPr>
+            <a:lvl8pPr marL="3352800" indent="-228600" algn="l" rtl="0" fontAlgn="base">
+              <a:spcBef>
+                <a:spcPct val="20000"/>
+              </a:spcBef>
+              <a:spcAft>
+                <a:spcPct val="0"/>
+              </a:spcAft>
+              <a:buClr>
+                <a:schemeClr val="accent1"/>
+              </a:buClr>
+              <a:buSzPct val="60000"/>
+              <a:buFont typeface="Zapf Dingbats" charset="2"/>
+              <a:buChar char="n"/>
+              <a:defRPr sz="2000">
+                <a:solidFill>
+                  <a:srgbClr val="000000"/>
+                </a:solidFill>
+                <a:latin typeface="+mn-lt"/>
+              </a:defRPr>
+            </a:lvl8pPr>
+            <a:lvl9pPr marL="3810000" indent="-228600" algn="l" rtl="0" fontAlgn="base">
+              <a:spcBef>
+                <a:spcPct val="20000"/>
+              </a:spcBef>
+              <a:spcAft>
+                <a:spcPct val="0"/>
+              </a:spcAft>
+              <a:buClr>
+                <a:schemeClr val="accent1"/>
+              </a:buClr>
+              <a:buSzPct val="60000"/>
+              <a:buFont typeface="Zapf Dingbats" charset="2"/>
+              <a:buChar char="n"/>
+              <a:defRPr sz="2000">
+                <a:solidFill>
+                  <a:srgbClr val="000000"/>
+                </a:solidFill>
+                <a:latin typeface="+mn-lt"/>
+              </a:defRPr>
+            </a:lvl9pPr>
+          </a:lstStyle>
+          <a:p>
+            <a:pPr marL="0" indent="0">
+              <a:buNone/>
+            </a:pPr>
+            <a:r>
+              <a:rPr lang="nl-NL" sz="1400" kern="0" dirty="0" smtClean="0">
+                <a:latin typeface="Courier New" panose="02070309020205020404" pitchFamily="49" charset="0"/>
+                <a:cs typeface="Courier New" panose="02070309020205020404" pitchFamily="49" charset="0"/>
+              </a:rPr>
+              <a:t>In this </a:t>
+            </a:r>
+            <a:r>
+              <a:rPr lang="nl-NL" sz="1400" kern="0" dirty="0" err="1" smtClean="0">
+                <a:latin typeface="Courier New" panose="02070309020205020404" pitchFamily="49" charset="0"/>
+                <a:cs typeface="Courier New" panose="02070309020205020404" pitchFamily="49" charset="0"/>
+              </a:rPr>
+              <a:t>exercise</a:t>
+            </a:r>
+            <a:r>
+              <a:rPr lang="nl-NL" sz="1400" kern="0" dirty="0" smtClean="0">
+                <a:latin typeface="Courier New" panose="02070309020205020404" pitchFamily="49" charset="0"/>
+                <a:cs typeface="Courier New" panose="02070309020205020404" pitchFamily="49" charset="0"/>
+              </a:rPr>
+              <a:t>, </a:t>
+            </a:r>
+            <a:r>
+              <a:rPr lang="nl-NL" sz="1400" kern="0" dirty="0" err="1" smtClean="0">
+                <a:latin typeface="Courier New" panose="02070309020205020404" pitchFamily="49" charset="0"/>
+                <a:cs typeface="Courier New" panose="02070309020205020404" pitchFamily="49" charset="0"/>
+              </a:rPr>
+              <a:t>you</a:t>
+            </a:r>
+            <a:r>
+              <a:rPr lang="nl-NL" sz="1400" kern="0" dirty="0" smtClean="0">
+                <a:latin typeface="Courier New" panose="02070309020205020404" pitchFamily="49" charset="0"/>
+                <a:cs typeface="Courier New" panose="02070309020205020404" pitchFamily="49" charset="0"/>
+              </a:rPr>
+              <a:t> </a:t>
+            </a:r>
+            <a:r>
+              <a:rPr lang="nl-NL" sz="1400" kern="0" dirty="0" err="1" smtClean="0">
+                <a:latin typeface="Courier New" panose="02070309020205020404" pitchFamily="49" charset="0"/>
+                <a:cs typeface="Courier New" panose="02070309020205020404" pitchFamily="49" charset="0"/>
+              </a:rPr>
+              <a:t>will</a:t>
+            </a:r>
+            <a:r>
+              <a:rPr lang="nl-NL" sz="1400" kern="0" dirty="0" smtClean="0">
+                <a:latin typeface="Courier New" panose="02070309020205020404" pitchFamily="49" charset="0"/>
+                <a:cs typeface="Courier New" panose="02070309020205020404" pitchFamily="49" charset="0"/>
+              </a:rPr>
+              <a:t> </a:t>
+            </a:r>
+            <a:r>
+              <a:rPr lang="nl-NL" sz="1400" kern="0" dirty="0" err="1" smtClean="0">
+                <a:latin typeface="Courier New" panose="02070309020205020404" pitchFamily="49" charset="0"/>
+                <a:cs typeface="Courier New" panose="02070309020205020404" pitchFamily="49" charset="0"/>
+              </a:rPr>
+              <a:t>explore</a:t>
+            </a:r>
+            <a:r>
+              <a:rPr lang="nl-NL" sz="1400" kern="0" dirty="0" smtClean="0">
+                <a:latin typeface="Courier New" panose="02070309020205020404" pitchFamily="49" charset="0"/>
+                <a:cs typeface="Courier New" panose="02070309020205020404" pitchFamily="49" charset="0"/>
+              </a:rPr>
+              <a:t> the logic of clustering </a:t>
+            </a:r>
+            <a:r>
+              <a:rPr lang="nl-NL" sz="1400" kern="0" dirty="0" err="1" smtClean="0">
+                <a:latin typeface="Courier New" panose="02070309020205020404" pitchFamily="49" charset="0"/>
+                <a:cs typeface="Courier New" panose="02070309020205020404" pitchFamily="49" charset="0"/>
+              </a:rPr>
+              <a:t>using</a:t>
+            </a:r>
+            <a:r>
+              <a:rPr lang="nl-NL" sz="1400" kern="0" dirty="0" smtClean="0">
+                <a:latin typeface="Courier New" panose="02070309020205020404" pitchFamily="49" charset="0"/>
+                <a:cs typeface="Courier New" panose="02070309020205020404" pitchFamily="49" charset="0"/>
+              </a:rPr>
+              <a:t> the </a:t>
+            </a:r>
+            <a:r>
+              <a:rPr lang="nl-NL" sz="1400" kern="0" dirty="0" err="1" smtClean="0">
+                <a:latin typeface="Courier New" panose="02070309020205020404" pitchFamily="49" charset="0"/>
+                <a:cs typeface="Courier New" panose="02070309020205020404" pitchFamily="49" charset="0"/>
+              </a:rPr>
+              <a:t>famous</a:t>
+            </a:r>
+            <a:r>
+              <a:rPr lang="nl-NL" sz="1400" kern="0" dirty="0" smtClean="0">
+                <a:latin typeface="Courier New" panose="02070309020205020404" pitchFamily="49" charset="0"/>
+                <a:cs typeface="Courier New" panose="02070309020205020404" pitchFamily="49" charset="0"/>
+              </a:rPr>
+              <a:t> </a:t>
+            </a:r>
+            <a:r>
+              <a:rPr lang="nl-NL" sz="1400" i="1" kern="0" dirty="0" smtClean="0">
+                <a:latin typeface="Courier New" panose="02070309020205020404" pitchFamily="49" charset="0"/>
+                <a:cs typeface="Courier New" panose="02070309020205020404" pitchFamily="49" charset="0"/>
+              </a:rPr>
+              <a:t>Iris</a:t>
+            </a:r>
+            <a:r>
+              <a:rPr lang="nl-NL" sz="1400" kern="0" dirty="0" smtClean="0">
+                <a:latin typeface="Courier New" panose="02070309020205020404" pitchFamily="49" charset="0"/>
+                <a:cs typeface="Courier New" panose="02070309020205020404" pitchFamily="49" charset="0"/>
+              </a:rPr>
+              <a:t> data set. See the </a:t>
+            </a:r>
+            <a:r>
+              <a:rPr lang="nl-NL" sz="1400" kern="0" dirty="0" err="1" smtClean="0">
+                <a:latin typeface="Courier New" panose="02070309020205020404" pitchFamily="49" charset="0"/>
+                <a:cs typeface="Courier New" panose="02070309020205020404" pitchFamily="49" charset="0"/>
+              </a:rPr>
+              <a:t>Exercises</a:t>
+            </a:r>
+            <a:r>
+              <a:rPr lang="nl-NL" sz="1400" kern="0" dirty="0" smtClean="0">
+                <a:latin typeface="Courier New" panose="02070309020205020404" pitchFamily="49" charset="0"/>
+                <a:cs typeface="Courier New" panose="02070309020205020404" pitchFamily="49" charset="0"/>
+              </a:rPr>
+              <a:t> folder </a:t>
+            </a:r>
+            <a:r>
+              <a:rPr lang="nl-NL" sz="1400" kern="0" dirty="0" err="1" smtClean="0">
+                <a:latin typeface="Courier New" panose="02070309020205020404" pitchFamily="49" charset="0"/>
+                <a:cs typeface="Courier New" panose="02070309020205020404" pitchFamily="49" charset="0"/>
+              </a:rPr>
+              <a:t>for</a:t>
+            </a:r>
+            <a:r>
+              <a:rPr lang="nl-NL" sz="1400" kern="0" dirty="0" smtClean="0">
+                <a:latin typeface="Courier New" panose="02070309020205020404" pitchFamily="49" charset="0"/>
+                <a:cs typeface="Courier New" panose="02070309020205020404" pitchFamily="49" charset="0"/>
+              </a:rPr>
+              <a:t> the data set (</a:t>
+            </a:r>
+            <a:r>
+              <a:rPr lang="nl-NL" sz="1400" i="1" kern="0" dirty="0" smtClean="0">
+                <a:latin typeface="Courier New" panose="02070309020205020404" pitchFamily="49" charset="0"/>
+                <a:cs typeface="Courier New" panose="02070309020205020404" pitchFamily="49" charset="0"/>
+              </a:rPr>
+              <a:t>iris.csv</a:t>
+            </a:r>
+            <a:r>
+              <a:rPr lang="nl-NL" sz="1400" kern="0" dirty="0" smtClean="0">
+                <a:latin typeface="Courier New" panose="02070309020205020404" pitchFamily="49" charset="0"/>
+                <a:cs typeface="Courier New" panose="02070309020205020404" pitchFamily="49" charset="0"/>
+              </a:rPr>
+              <a:t>), </a:t>
+            </a:r>
+            <a:r>
+              <a:rPr lang="nl-NL" sz="1400" kern="0" dirty="0" err="1" smtClean="0">
+                <a:latin typeface="Courier New" panose="02070309020205020404" pitchFamily="49" charset="0"/>
+                <a:cs typeface="Courier New" panose="02070309020205020404" pitchFamily="49" charset="0"/>
+              </a:rPr>
+              <a:t>and</a:t>
+            </a:r>
+            <a:r>
+              <a:rPr lang="nl-NL" sz="1400" kern="0" dirty="0" smtClean="0">
+                <a:latin typeface="Courier New" panose="02070309020205020404" pitchFamily="49" charset="0"/>
+                <a:cs typeface="Courier New" panose="02070309020205020404" pitchFamily="49" charset="0"/>
+              </a:rPr>
+              <a:t> the Notebook </a:t>
+            </a:r>
+            <a:r>
+              <a:rPr lang="nl-NL" sz="1400" i="1" kern="0" dirty="0" smtClean="0">
+                <a:latin typeface="Courier New" panose="02070309020205020404" pitchFamily="49" charset="0"/>
+                <a:cs typeface="Courier New" panose="02070309020205020404" pitchFamily="49" charset="0"/>
+              </a:rPr>
+              <a:t>k-means </a:t>
+            </a:r>
+            <a:r>
+              <a:rPr lang="nl-NL" sz="1400" kern="0" dirty="0" smtClean="0">
+                <a:latin typeface="Courier New" panose="02070309020205020404" pitchFamily="49" charset="0"/>
+                <a:cs typeface="Courier New" panose="02070309020205020404" pitchFamily="49" charset="0"/>
+              </a:rPr>
+              <a:t>in the </a:t>
+            </a:r>
+            <a:r>
+              <a:rPr lang="nl-NL" sz="1400" kern="0" dirty="0" err="1" smtClean="0">
+                <a:latin typeface="Courier New" panose="02070309020205020404" pitchFamily="49" charset="0"/>
+                <a:cs typeface="Courier New" panose="02070309020205020404" pitchFamily="49" charset="0"/>
+              </a:rPr>
+              <a:t>Examples</a:t>
+            </a:r>
+            <a:r>
+              <a:rPr lang="nl-NL" sz="1400" kern="0" dirty="0" smtClean="0">
+                <a:latin typeface="Courier New" panose="02070309020205020404" pitchFamily="49" charset="0"/>
+                <a:cs typeface="Courier New" panose="02070309020205020404" pitchFamily="49" charset="0"/>
+              </a:rPr>
+              <a:t> folder. </a:t>
+            </a:r>
+            <a:endParaRPr lang="nl-NL" sz="1400" kern="0" dirty="0">
+              <a:latin typeface="Courier New" panose="02070309020205020404" pitchFamily="49" charset="0"/>
+              <a:cs typeface="Courier New" panose="02070309020205020404" pitchFamily="49" charset="0"/>
+            </a:endParaRPr>
+          </a:p>
+          <a:p>
+            <a:pPr>
+              <a:buFont typeface="+mj-lt"/>
+              <a:buAutoNum type="arabicPeriod"/>
+            </a:pPr>
+            <a:endParaRPr lang="nl-NL" sz="1400" kern="0" dirty="0" smtClean="0">
+              <a:latin typeface="Courier New" panose="02070309020205020404" pitchFamily="49" charset="0"/>
+              <a:cs typeface="Courier New" panose="02070309020205020404" pitchFamily="49" charset="0"/>
+            </a:endParaRPr>
+          </a:p>
+          <a:p>
+            <a:pPr>
+              <a:buFont typeface="+mj-lt"/>
+              <a:buAutoNum type="arabicPeriod"/>
+            </a:pPr>
+            <a:r>
+              <a:rPr lang="nl-NL" sz="1400" kern="0" dirty="0" smtClean="0">
+                <a:latin typeface="Courier New" panose="02070309020205020404" pitchFamily="49" charset="0"/>
+                <a:cs typeface="Courier New" panose="02070309020205020404" pitchFamily="49" charset="0"/>
+              </a:rPr>
+              <a:t>Read in the </a:t>
+            </a:r>
+            <a:r>
+              <a:rPr lang="nl-NL" sz="1400" kern="0" dirty="0" err="1" smtClean="0">
+                <a:latin typeface="Courier New" panose="02070309020205020404" pitchFamily="49" charset="0"/>
+                <a:cs typeface="Courier New" panose="02070309020205020404" pitchFamily="49" charset="0"/>
+              </a:rPr>
+              <a:t>csv</a:t>
+            </a:r>
+            <a:r>
+              <a:rPr lang="nl-NL" sz="1400" kern="0" dirty="0" smtClean="0">
+                <a:latin typeface="Courier New" panose="02070309020205020404" pitchFamily="49" charset="0"/>
+                <a:cs typeface="Courier New" panose="02070309020205020404" pitchFamily="49" charset="0"/>
+              </a:rPr>
+              <a:t> file.</a:t>
+            </a:r>
+          </a:p>
+          <a:p>
+            <a:pPr>
+              <a:buFont typeface="+mj-lt"/>
+              <a:buAutoNum type="arabicPeriod"/>
+            </a:pPr>
+            <a:endParaRPr lang="nl-NL" sz="1400" kern="0" dirty="0">
+              <a:latin typeface="Courier New" panose="02070309020205020404" pitchFamily="49" charset="0"/>
+              <a:cs typeface="Courier New" panose="02070309020205020404" pitchFamily="49" charset="0"/>
+            </a:endParaRPr>
+          </a:p>
+          <a:p>
+            <a:pPr>
+              <a:buFont typeface="+mj-lt"/>
+              <a:buAutoNum type="arabicPeriod"/>
+            </a:pPr>
+            <a:r>
+              <a:rPr lang="nl-NL" sz="1400" kern="0" dirty="0" smtClean="0">
+                <a:latin typeface="Courier New" panose="02070309020205020404" pitchFamily="49" charset="0"/>
+                <a:cs typeface="Courier New" panose="02070309020205020404" pitchFamily="49" charset="0"/>
+              </a:rPr>
+              <a:t>Using a Seaborn </a:t>
+            </a:r>
+            <a:r>
+              <a:rPr lang="nl-NL" sz="1400" kern="0" dirty="0" err="1" smtClean="0">
+                <a:latin typeface="Courier New" panose="02070309020205020404" pitchFamily="49" charset="0"/>
+                <a:cs typeface="Courier New" panose="02070309020205020404" pitchFamily="49" charset="0"/>
+              </a:rPr>
+              <a:t>scatterplot</a:t>
+            </a:r>
+            <a:r>
+              <a:rPr lang="nl-NL" sz="1400" kern="0" dirty="0" smtClean="0">
+                <a:latin typeface="Courier New" panose="02070309020205020404" pitchFamily="49" charset="0"/>
+                <a:cs typeface="Courier New" panose="02070309020205020404" pitchFamily="49" charset="0"/>
+              </a:rPr>
+              <a:t>, plot the </a:t>
+            </a:r>
+            <a:r>
+              <a:rPr lang="nl-NL" sz="1400" i="1" kern="0" dirty="0" smtClean="0">
+                <a:latin typeface="Courier New" panose="02070309020205020404" pitchFamily="49" charset="0"/>
+                <a:cs typeface="Courier New" panose="02070309020205020404" pitchFamily="49" charset="0"/>
+              </a:rPr>
+              <a:t>Iris </a:t>
+            </a:r>
+            <a:r>
+              <a:rPr lang="nl-NL" sz="1400" kern="0" dirty="0" smtClean="0">
+                <a:latin typeface="Courier New" panose="02070309020205020404" pitchFamily="49" charset="0"/>
+                <a:cs typeface="Courier New" panose="02070309020205020404" pitchFamily="49" charset="0"/>
+              </a:rPr>
+              <a:t>data set </a:t>
+            </a:r>
+            <a:r>
+              <a:rPr lang="nl-NL" sz="1400" kern="0" dirty="0" err="1" smtClean="0">
+                <a:latin typeface="Courier New" panose="02070309020205020404" pitchFamily="49" charset="0"/>
+                <a:cs typeface="Courier New" panose="02070309020205020404" pitchFamily="49" charset="0"/>
+              </a:rPr>
+              <a:t>with</a:t>
+            </a:r>
+            <a:r>
+              <a:rPr lang="nl-NL" sz="1400" kern="0" dirty="0" smtClean="0">
+                <a:latin typeface="Courier New" panose="02070309020205020404" pitchFamily="49" charset="0"/>
+                <a:cs typeface="Courier New" panose="02070309020205020404" pitchFamily="49" charset="0"/>
+              </a:rPr>
+              <a:t> </a:t>
+            </a:r>
+            <a:r>
+              <a:rPr lang="nl-NL" sz="1400" kern="0" dirty="0" err="1" smtClean="0">
+                <a:latin typeface="Courier New" panose="02070309020205020404" pitchFamily="49" charset="0"/>
+                <a:cs typeface="Courier New" panose="02070309020205020404" pitchFamily="49" charset="0"/>
+              </a:rPr>
+              <a:t>petal</a:t>
+            </a:r>
+            <a:r>
+              <a:rPr lang="nl-NL" sz="1400" kern="0" dirty="0" smtClean="0">
+                <a:latin typeface="Courier New" panose="02070309020205020404" pitchFamily="49" charset="0"/>
+                <a:cs typeface="Courier New" panose="02070309020205020404" pitchFamily="49" charset="0"/>
+              </a:rPr>
+              <a:t> </a:t>
+            </a:r>
+            <a:r>
+              <a:rPr lang="nl-NL" sz="1400" kern="0" dirty="0" err="1" smtClean="0">
+                <a:latin typeface="Courier New" panose="02070309020205020404" pitchFamily="49" charset="0"/>
+                <a:cs typeface="Courier New" panose="02070309020205020404" pitchFamily="49" charset="0"/>
+              </a:rPr>
+              <a:t>length</a:t>
+            </a:r>
+            <a:r>
+              <a:rPr lang="nl-NL" sz="1400" kern="0" dirty="0" smtClean="0">
+                <a:latin typeface="Courier New" panose="02070309020205020404" pitchFamily="49" charset="0"/>
+                <a:cs typeface="Courier New" panose="02070309020205020404" pitchFamily="49" charset="0"/>
+              </a:rPr>
+              <a:t> on the x-</a:t>
+            </a:r>
+            <a:r>
+              <a:rPr lang="nl-NL" sz="1400" kern="0" dirty="0" err="1" smtClean="0">
+                <a:latin typeface="Courier New" panose="02070309020205020404" pitchFamily="49" charset="0"/>
+                <a:cs typeface="Courier New" panose="02070309020205020404" pitchFamily="49" charset="0"/>
+              </a:rPr>
+              <a:t>axis</a:t>
+            </a:r>
+            <a:r>
+              <a:rPr lang="nl-NL" sz="1400" kern="0" dirty="0" smtClean="0">
+                <a:latin typeface="Courier New" panose="02070309020205020404" pitchFamily="49" charset="0"/>
+                <a:cs typeface="Courier New" panose="02070309020205020404" pitchFamily="49" charset="0"/>
+              </a:rPr>
+              <a:t> </a:t>
+            </a:r>
+            <a:r>
+              <a:rPr lang="nl-NL" sz="1400" kern="0" dirty="0" err="1" smtClean="0">
+                <a:latin typeface="Courier New" panose="02070309020205020404" pitchFamily="49" charset="0"/>
+                <a:cs typeface="Courier New" panose="02070309020205020404" pitchFamily="49" charset="0"/>
+              </a:rPr>
+              <a:t>and</a:t>
+            </a:r>
+            <a:r>
+              <a:rPr lang="nl-NL" sz="1400" kern="0" dirty="0" smtClean="0">
+                <a:latin typeface="Courier New" panose="02070309020205020404" pitchFamily="49" charset="0"/>
+                <a:cs typeface="Courier New" panose="02070309020205020404" pitchFamily="49" charset="0"/>
+              </a:rPr>
+              <a:t> </a:t>
+            </a:r>
+            <a:r>
+              <a:rPr lang="nl-NL" sz="1400" kern="0" dirty="0" err="1" smtClean="0">
+                <a:latin typeface="Courier New" panose="02070309020205020404" pitchFamily="49" charset="0"/>
+                <a:cs typeface="Courier New" panose="02070309020205020404" pitchFamily="49" charset="0"/>
+              </a:rPr>
+              <a:t>sepal</a:t>
+            </a:r>
+            <a:r>
+              <a:rPr lang="nl-NL" sz="1400" kern="0" dirty="0" smtClean="0">
+                <a:latin typeface="Courier New" panose="02070309020205020404" pitchFamily="49" charset="0"/>
+                <a:cs typeface="Courier New" panose="02070309020205020404" pitchFamily="49" charset="0"/>
+              </a:rPr>
+              <a:t> </a:t>
+            </a:r>
+            <a:r>
+              <a:rPr lang="nl-NL" sz="1400" kern="0" dirty="0" err="1" smtClean="0">
+                <a:latin typeface="Courier New" panose="02070309020205020404" pitchFamily="49" charset="0"/>
+                <a:cs typeface="Courier New" panose="02070309020205020404" pitchFamily="49" charset="0"/>
+              </a:rPr>
+              <a:t>length</a:t>
+            </a:r>
+            <a:r>
+              <a:rPr lang="nl-NL" sz="1400" kern="0" dirty="0" smtClean="0">
+                <a:latin typeface="Courier New" panose="02070309020205020404" pitchFamily="49" charset="0"/>
+                <a:cs typeface="Courier New" panose="02070309020205020404" pitchFamily="49" charset="0"/>
+              </a:rPr>
+              <a:t> on the y-</a:t>
+            </a:r>
+            <a:r>
+              <a:rPr lang="nl-NL" sz="1400" kern="0" dirty="0" err="1" smtClean="0">
+                <a:latin typeface="Courier New" panose="02070309020205020404" pitchFamily="49" charset="0"/>
+                <a:cs typeface="Courier New" panose="02070309020205020404" pitchFamily="49" charset="0"/>
+              </a:rPr>
+              <a:t>axis</a:t>
+            </a:r>
+            <a:r>
+              <a:rPr lang="nl-NL" sz="1400" kern="0" dirty="0" smtClean="0">
+                <a:latin typeface="Courier New" panose="02070309020205020404" pitchFamily="49" charset="0"/>
+                <a:cs typeface="Courier New" panose="02070309020205020404" pitchFamily="49" charset="0"/>
+              </a:rPr>
+              <a:t>. Plot the different Iris species </a:t>
+            </a:r>
+            <a:r>
+              <a:rPr lang="nl-NL" sz="1400" kern="0" dirty="0" err="1" smtClean="0">
+                <a:latin typeface="Courier New" panose="02070309020205020404" pitchFamily="49" charset="0"/>
+                <a:cs typeface="Courier New" panose="02070309020205020404" pitchFamily="49" charset="0"/>
+              </a:rPr>
+              <a:t>with</a:t>
+            </a:r>
+            <a:r>
+              <a:rPr lang="nl-NL" sz="1400" kern="0" dirty="0" smtClean="0">
+                <a:latin typeface="Courier New" panose="02070309020205020404" pitchFamily="49" charset="0"/>
+                <a:cs typeface="Courier New" panose="02070309020205020404" pitchFamily="49" charset="0"/>
+              </a:rPr>
+              <a:t> a different </a:t>
+            </a:r>
+            <a:r>
+              <a:rPr lang="nl-NL" sz="1400" kern="0" dirty="0" err="1" smtClean="0">
+                <a:latin typeface="Courier New" panose="02070309020205020404" pitchFamily="49" charset="0"/>
+                <a:cs typeface="Courier New" panose="02070309020205020404" pitchFamily="49" charset="0"/>
+              </a:rPr>
+              <a:t>symbol</a:t>
+            </a:r>
+            <a:r>
+              <a:rPr lang="nl-NL" sz="1400" kern="0" dirty="0" smtClean="0">
+                <a:latin typeface="Courier New" panose="02070309020205020404" pitchFamily="49" charset="0"/>
+                <a:cs typeface="Courier New" panose="02070309020205020404" pitchFamily="49" charset="0"/>
+              </a:rPr>
+              <a:t> (</a:t>
+            </a:r>
+            <a:r>
+              <a:rPr lang="nl-NL" sz="1400" b="1" kern="0" dirty="0" err="1" smtClean="0">
+                <a:latin typeface="Courier New" panose="02070309020205020404" pitchFamily="49" charset="0"/>
+                <a:cs typeface="Courier New" panose="02070309020205020404" pitchFamily="49" charset="0"/>
+              </a:rPr>
+              <a:t>see</a:t>
+            </a:r>
+            <a:r>
+              <a:rPr lang="nl-NL" sz="1400" b="1" kern="0" dirty="0" smtClean="0">
+                <a:latin typeface="Courier New" panose="02070309020205020404" pitchFamily="49" charset="0"/>
+                <a:cs typeface="Courier New" panose="02070309020205020404" pitchFamily="49" charset="0"/>
+              </a:rPr>
+              <a:t> the Seaborn documentation</a:t>
+            </a:r>
+            <a:r>
+              <a:rPr lang="nl-NL" sz="1400" kern="0" dirty="0" smtClean="0">
+                <a:latin typeface="Courier New" panose="02070309020205020404" pitchFamily="49" charset="0"/>
+                <a:cs typeface="Courier New" panose="02070309020205020404" pitchFamily="49" charset="0"/>
+              </a:rPr>
+              <a:t>). </a:t>
+            </a:r>
+          </a:p>
+          <a:p>
+            <a:pPr>
+              <a:buFont typeface="+mj-lt"/>
+              <a:buAutoNum type="arabicPeriod"/>
+            </a:pPr>
+            <a:endParaRPr lang="nl-NL" sz="1400" kern="0" dirty="0">
+              <a:latin typeface="Courier New" panose="02070309020205020404" pitchFamily="49" charset="0"/>
+              <a:cs typeface="Courier New" panose="02070309020205020404" pitchFamily="49" charset="0"/>
+            </a:endParaRPr>
+          </a:p>
+          <a:p>
+            <a:pPr>
+              <a:buFont typeface="+mj-lt"/>
+              <a:buAutoNum type="arabicPeriod"/>
+            </a:pPr>
+            <a:r>
+              <a:rPr lang="nl-NL" sz="1400" kern="0" dirty="0" err="1" smtClean="0">
+                <a:latin typeface="Courier New" panose="02070309020205020404" pitchFamily="49" charset="0"/>
+                <a:cs typeface="Courier New" panose="02070309020205020404" pitchFamily="49" charset="0"/>
+              </a:rPr>
+              <a:t>What</a:t>
+            </a:r>
+            <a:r>
+              <a:rPr lang="nl-NL" sz="1400" kern="0" dirty="0" smtClean="0">
+                <a:latin typeface="Courier New" panose="02070309020205020404" pitchFamily="49" charset="0"/>
+                <a:cs typeface="Courier New" panose="02070309020205020404" pitchFamily="49" charset="0"/>
+              </a:rPr>
+              <a:t> </a:t>
+            </a:r>
+            <a:r>
+              <a:rPr lang="nl-NL" sz="1400" kern="0" dirty="0" err="1" smtClean="0">
+                <a:latin typeface="Courier New" panose="02070309020205020404" pitchFamily="49" charset="0"/>
+                <a:cs typeface="Courier New" panose="02070309020205020404" pitchFamily="49" charset="0"/>
+              </a:rPr>
+              <a:t>possible</a:t>
+            </a:r>
+            <a:r>
+              <a:rPr lang="nl-NL" sz="1400" kern="0" dirty="0" smtClean="0">
+                <a:latin typeface="Courier New" panose="02070309020205020404" pitchFamily="49" charset="0"/>
+                <a:cs typeface="Courier New" panose="02070309020205020404" pitchFamily="49" charset="0"/>
+              </a:rPr>
+              <a:t> clusters do </a:t>
+            </a:r>
+            <a:r>
+              <a:rPr lang="nl-NL" sz="1400" kern="0" dirty="0" err="1" smtClean="0">
+                <a:latin typeface="Courier New" panose="02070309020205020404" pitchFamily="49" charset="0"/>
+                <a:cs typeface="Courier New" panose="02070309020205020404" pitchFamily="49" charset="0"/>
+              </a:rPr>
+              <a:t>you</a:t>
+            </a:r>
+            <a:r>
+              <a:rPr lang="nl-NL" sz="1400" kern="0" dirty="0" smtClean="0">
+                <a:latin typeface="Courier New" panose="02070309020205020404" pitchFamily="49" charset="0"/>
+                <a:cs typeface="Courier New" panose="02070309020205020404" pitchFamily="49" charset="0"/>
+              </a:rPr>
+              <a:t> </a:t>
+            </a:r>
+            <a:r>
+              <a:rPr lang="nl-NL" sz="1400" kern="0" dirty="0" err="1" smtClean="0">
+                <a:latin typeface="Courier New" panose="02070309020205020404" pitchFamily="49" charset="0"/>
+                <a:cs typeface="Courier New" panose="02070309020205020404" pitchFamily="49" charset="0"/>
+              </a:rPr>
+              <a:t>see</a:t>
+            </a:r>
+            <a:r>
+              <a:rPr lang="nl-NL" sz="1400" kern="0" dirty="0" smtClean="0">
+                <a:latin typeface="Courier New" panose="02070309020205020404" pitchFamily="49" charset="0"/>
+                <a:cs typeface="Courier New" panose="02070309020205020404" pitchFamily="49" charset="0"/>
+              </a:rPr>
+              <a:t> </a:t>
+            </a:r>
+            <a:r>
+              <a:rPr lang="nl-NL" sz="1400" kern="0" dirty="0" err="1" smtClean="0">
+                <a:latin typeface="Courier New" panose="02070309020205020404" pitchFamily="49" charset="0"/>
+                <a:cs typeface="Courier New" panose="02070309020205020404" pitchFamily="49" charset="0"/>
+              </a:rPr>
+              <a:t>with</a:t>
+            </a:r>
+            <a:r>
+              <a:rPr lang="nl-NL" sz="1400" kern="0" dirty="0" smtClean="0">
+                <a:latin typeface="Courier New" panose="02070309020205020404" pitchFamily="49" charset="0"/>
+                <a:cs typeface="Courier New" panose="02070309020205020404" pitchFamily="49" charset="0"/>
+              </a:rPr>
+              <a:t> the </a:t>
+            </a:r>
+            <a:r>
+              <a:rPr lang="nl-NL" sz="1400" kern="0" dirty="0" err="1" smtClean="0">
+                <a:latin typeface="Courier New" panose="02070309020205020404" pitchFamily="49" charset="0"/>
+                <a:cs typeface="Courier New" panose="02070309020205020404" pitchFamily="49" charset="0"/>
+              </a:rPr>
+              <a:t>naked</a:t>
+            </a:r>
+            <a:r>
+              <a:rPr lang="nl-NL" sz="1400" kern="0" dirty="0" smtClean="0">
+                <a:latin typeface="Courier New" panose="02070309020205020404" pitchFamily="49" charset="0"/>
+                <a:cs typeface="Courier New" panose="02070309020205020404" pitchFamily="49" charset="0"/>
+              </a:rPr>
+              <a:t> </a:t>
+            </a:r>
+            <a:r>
+              <a:rPr lang="nl-NL" sz="1400" kern="0" dirty="0" err="1" smtClean="0">
+                <a:latin typeface="Courier New" panose="02070309020205020404" pitchFamily="49" charset="0"/>
+                <a:cs typeface="Courier New" panose="02070309020205020404" pitchFamily="49" charset="0"/>
+              </a:rPr>
+              <a:t>eye</a:t>
+            </a:r>
+            <a:r>
+              <a:rPr lang="nl-NL" sz="1400" kern="0" dirty="0" smtClean="0">
+                <a:latin typeface="Courier New" panose="02070309020205020404" pitchFamily="49" charset="0"/>
+                <a:cs typeface="Courier New" panose="02070309020205020404" pitchFamily="49" charset="0"/>
+              </a:rPr>
+              <a:t>? How do </a:t>
+            </a:r>
+            <a:r>
+              <a:rPr lang="nl-NL" sz="1400" kern="0" dirty="0" err="1" smtClean="0">
+                <a:latin typeface="Courier New" panose="02070309020205020404" pitchFamily="49" charset="0"/>
+                <a:cs typeface="Courier New" panose="02070309020205020404" pitchFamily="49" charset="0"/>
+              </a:rPr>
+              <a:t>they</a:t>
+            </a:r>
+            <a:r>
+              <a:rPr lang="nl-NL" sz="1400" kern="0" dirty="0" smtClean="0">
+                <a:latin typeface="Courier New" panose="02070309020205020404" pitchFamily="49" charset="0"/>
+                <a:cs typeface="Courier New" panose="02070309020205020404" pitchFamily="49" charset="0"/>
+              </a:rPr>
+              <a:t> </a:t>
+            </a:r>
+            <a:r>
+              <a:rPr lang="nl-NL" sz="1400" kern="0" dirty="0" err="1" smtClean="0">
+                <a:latin typeface="Courier New" panose="02070309020205020404" pitchFamily="49" charset="0"/>
+                <a:cs typeface="Courier New" panose="02070309020205020404" pitchFamily="49" charset="0"/>
+              </a:rPr>
+              <a:t>relate</a:t>
+            </a:r>
+            <a:r>
+              <a:rPr lang="nl-NL" sz="1400" kern="0" dirty="0" smtClean="0">
+                <a:latin typeface="Courier New" panose="02070309020205020404" pitchFamily="49" charset="0"/>
+                <a:cs typeface="Courier New" panose="02070309020205020404" pitchFamily="49" charset="0"/>
+              </a:rPr>
+              <a:t> </a:t>
+            </a:r>
+            <a:r>
+              <a:rPr lang="nl-NL" sz="1400" kern="0" dirty="0" err="1" smtClean="0">
+                <a:latin typeface="Courier New" panose="02070309020205020404" pitchFamily="49" charset="0"/>
+                <a:cs typeface="Courier New" panose="02070309020205020404" pitchFamily="49" charset="0"/>
+              </a:rPr>
+              <a:t>to</a:t>
+            </a:r>
+            <a:r>
+              <a:rPr lang="nl-NL" sz="1400" kern="0" dirty="0" smtClean="0">
+                <a:latin typeface="Courier New" panose="02070309020205020404" pitchFamily="49" charset="0"/>
+                <a:cs typeface="Courier New" panose="02070309020205020404" pitchFamily="49" charset="0"/>
+              </a:rPr>
+              <a:t> the </a:t>
+            </a:r>
+            <a:r>
+              <a:rPr lang="nl-NL" sz="1400" kern="0" dirty="0" err="1" smtClean="0">
+                <a:latin typeface="Courier New" panose="02070309020205020404" pitchFamily="49" charset="0"/>
+                <a:cs typeface="Courier New" panose="02070309020205020404" pitchFamily="49" charset="0"/>
+              </a:rPr>
+              <a:t>three</a:t>
+            </a:r>
+            <a:r>
+              <a:rPr lang="nl-NL" sz="1400" kern="0" dirty="0" smtClean="0">
+                <a:latin typeface="Courier New" panose="02070309020205020404" pitchFamily="49" charset="0"/>
+                <a:cs typeface="Courier New" panose="02070309020205020404" pitchFamily="49" charset="0"/>
+              </a:rPr>
+              <a:t> species?</a:t>
+            </a:r>
+          </a:p>
+          <a:p>
+            <a:pPr>
+              <a:buFont typeface="+mj-lt"/>
+              <a:buAutoNum type="arabicPeriod"/>
+            </a:pPr>
+            <a:endParaRPr lang="nl-NL" sz="1400" kern="0" dirty="0" smtClean="0">
+              <a:latin typeface="Courier New" panose="02070309020205020404" pitchFamily="49" charset="0"/>
+              <a:cs typeface="Courier New" panose="02070309020205020404" pitchFamily="49" charset="0"/>
+            </a:endParaRPr>
+          </a:p>
+          <a:p>
+            <a:pPr>
+              <a:buFont typeface="+mj-lt"/>
+              <a:buAutoNum type="arabicPeriod"/>
+            </a:pPr>
+            <a:r>
+              <a:rPr lang="nl-NL" sz="1400" kern="0" dirty="0" smtClean="0">
+                <a:latin typeface="Courier New" panose="02070309020205020404" pitchFamily="49" charset="0"/>
+                <a:cs typeface="Courier New" panose="02070309020205020404" pitchFamily="49" charset="0"/>
+              </a:rPr>
+              <a:t>Using </a:t>
+            </a:r>
+            <a:r>
+              <a:rPr lang="nl-NL" sz="1400" i="1" kern="0" dirty="0" smtClean="0">
+                <a:latin typeface="Courier New" panose="02070309020205020404" pitchFamily="49" charset="0"/>
+                <a:cs typeface="Courier New" panose="02070309020205020404" pitchFamily="49" charset="0"/>
+              </a:rPr>
+              <a:t>k-</a:t>
+            </a:r>
+            <a:r>
+              <a:rPr lang="nl-NL" sz="1400" kern="0" dirty="0" smtClean="0">
+                <a:latin typeface="Courier New" panose="02070309020205020404" pitchFamily="49" charset="0"/>
+                <a:cs typeface="Courier New" panose="02070309020205020404" pitchFamily="49" charset="0"/>
+              </a:rPr>
+              <a:t>means clustering </a:t>
+            </a:r>
+            <a:r>
+              <a:rPr lang="nl-NL" sz="1400" kern="0" dirty="0" err="1" smtClean="0">
+                <a:latin typeface="Courier New" panose="02070309020205020404" pitchFamily="49" charset="0"/>
+                <a:cs typeface="Courier New" panose="02070309020205020404" pitchFamily="49" charset="0"/>
+              </a:rPr>
+              <a:t>with</a:t>
+            </a:r>
+            <a:r>
+              <a:rPr lang="nl-NL" sz="1400" kern="0" dirty="0" smtClean="0">
+                <a:latin typeface="Courier New" panose="02070309020205020404" pitchFamily="49" charset="0"/>
+                <a:cs typeface="Courier New" panose="02070309020205020404" pitchFamily="49" charset="0"/>
+              </a:rPr>
+              <a:t> 3 clusters (</a:t>
+            </a:r>
+            <a:r>
+              <a:rPr lang="nl-NL" sz="1400" kern="0" dirty="0" err="1" smtClean="0">
+                <a:latin typeface="Courier New" panose="02070309020205020404" pitchFamily="49" charset="0"/>
+                <a:cs typeface="Courier New" panose="02070309020205020404" pitchFamily="49" charset="0"/>
+              </a:rPr>
+              <a:t>using</a:t>
+            </a:r>
+            <a:r>
+              <a:rPr lang="nl-NL" sz="1400" kern="0" dirty="0" smtClean="0">
+                <a:latin typeface="Courier New" panose="02070309020205020404" pitchFamily="49" charset="0"/>
+                <a:cs typeface="Courier New" panose="02070309020205020404" pitchFamily="49" charset="0"/>
+              </a:rPr>
+              <a:t> </a:t>
+            </a:r>
+            <a:r>
+              <a:rPr lang="nl-NL" sz="1400" b="1" kern="0" dirty="0" err="1" smtClean="0">
+                <a:latin typeface="Courier New" panose="02070309020205020404" pitchFamily="49" charset="0"/>
+                <a:cs typeface="Courier New" panose="02070309020205020404" pitchFamily="49" charset="0"/>
+              </a:rPr>
+              <a:t>only</a:t>
+            </a:r>
+            <a:r>
+              <a:rPr lang="nl-NL" sz="1400" b="1" kern="0" dirty="0" smtClean="0">
+                <a:latin typeface="Courier New" panose="02070309020205020404" pitchFamily="49" charset="0"/>
+                <a:cs typeface="Courier New" panose="02070309020205020404" pitchFamily="49" charset="0"/>
+              </a:rPr>
+              <a:t> </a:t>
+            </a:r>
+            <a:r>
+              <a:rPr lang="nl-NL" sz="1400" kern="0" dirty="0" err="1" smtClean="0">
+                <a:latin typeface="Courier New" panose="02070309020205020404" pitchFamily="49" charset="0"/>
+                <a:cs typeface="Courier New" panose="02070309020205020404" pitchFamily="49" charset="0"/>
+              </a:rPr>
+              <a:t>petal</a:t>
+            </a:r>
+            <a:r>
+              <a:rPr lang="nl-NL" sz="1400" kern="0" dirty="0" smtClean="0">
+                <a:latin typeface="Courier New" panose="02070309020205020404" pitchFamily="49" charset="0"/>
+                <a:cs typeface="Courier New" panose="02070309020205020404" pitchFamily="49" charset="0"/>
+              </a:rPr>
+              <a:t> </a:t>
+            </a:r>
+            <a:r>
+              <a:rPr lang="nl-NL" sz="1400" kern="0" dirty="0" err="1" smtClean="0">
+                <a:latin typeface="Courier New" panose="02070309020205020404" pitchFamily="49" charset="0"/>
+                <a:cs typeface="Courier New" panose="02070309020205020404" pitchFamily="49" charset="0"/>
+              </a:rPr>
+              <a:t>length</a:t>
+            </a:r>
+            <a:r>
+              <a:rPr lang="nl-NL" sz="1400" kern="0" dirty="0" smtClean="0">
+                <a:latin typeface="Courier New" panose="02070309020205020404" pitchFamily="49" charset="0"/>
+                <a:cs typeface="Courier New" panose="02070309020205020404" pitchFamily="49" charset="0"/>
+              </a:rPr>
+              <a:t> </a:t>
+            </a:r>
+            <a:r>
+              <a:rPr lang="nl-NL" sz="1400" kern="0" dirty="0" err="1" smtClean="0">
+                <a:latin typeface="Courier New" panose="02070309020205020404" pitchFamily="49" charset="0"/>
+                <a:cs typeface="Courier New" panose="02070309020205020404" pitchFamily="49" charset="0"/>
+              </a:rPr>
+              <a:t>and</a:t>
+            </a:r>
+            <a:r>
+              <a:rPr lang="nl-NL" sz="1400" kern="0" dirty="0" smtClean="0">
+                <a:latin typeface="Courier New" panose="02070309020205020404" pitchFamily="49" charset="0"/>
+                <a:cs typeface="Courier New" panose="02070309020205020404" pitchFamily="49" charset="0"/>
+              </a:rPr>
+              <a:t> </a:t>
+            </a:r>
+            <a:r>
+              <a:rPr lang="nl-NL" sz="1400" kern="0" dirty="0" err="1" smtClean="0">
+                <a:latin typeface="Courier New" panose="02070309020205020404" pitchFamily="49" charset="0"/>
+                <a:cs typeface="Courier New" panose="02070309020205020404" pitchFamily="49" charset="0"/>
+              </a:rPr>
+              <a:t>sepal</a:t>
+            </a:r>
+            <a:r>
+              <a:rPr lang="nl-NL" sz="1400" kern="0" dirty="0" smtClean="0">
+                <a:latin typeface="Courier New" panose="02070309020205020404" pitchFamily="49" charset="0"/>
+                <a:cs typeface="Courier New" panose="02070309020205020404" pitchFamily="49" charset="0"/>
+              </a:rPr>
+              <a:t> </a:t>
+            </a:r>
+            <a:r>
+              <a:rPr lang="nl-NL" sz="1400" kern="0" dirty="0" err="1" smtClean="0">
+                <a:latin typeface="Courier New" panose="02070309020205020404" pitchFamily="49" charset="0"/>
+                <a:cs typeface="Courier New" panose="02070309020205020404" pitchFamily="49" charset="0"/>
+              </a:rPr>
+              <a:t>length</a:t>
+            </a:r>
+            <a:r>
+              <a:rPr lang="nl-NL" sz="1400" kern="0" dirty="0" smtClean="0">
+                <a:latin typeface="Courier New" panose="02070309020205020404" pitchFamily="49" charset="0"/>
+                <a:cs typeface="Courier New" panose="02070309020205020404" pitchFamily="49" charset="0"/>
+              </a:rPr>
+              <a:t> as X variables), </a:t>
+            </a:r>
+            <a:r>
+              <a:rPr lang="nl-NL" sz="1400" kern="0" dirty="0" err="1" smtClean="0">
+                <a:latin typeface="Courier New" panose="02070309020205020404" pitchFamily="49" charset="0"/>
+                <a:cs typeface="Courier New" panose="02070309020205020404" pitchFamily="49" charset="0"/>
+              </a:rPr>
+              <a:t>create</a:t>
+            </a:r>
+            <a:r>
+              <a:rPr lang="nl-NL" sz="1400" kern="0" dirty="0" smtClean="0">
+                <a:latin typeface="Courier New" panose="02070309020205020404" pitchFamily="49" charset="0"/>
+                <a:cs typeface="Courier New" panose="02070309020205020404" pitchFamily="49" charset="0"/>
+              </a:rPr>
+              <a:t> a new </a:t>
+            </a:r>
+            <a:r>
+              <a:rPr lang="nl-NL" sz="1400" kern="0" dirty="0" err="1" smtClean="0">
+                <a:latin typeface="Courier New" panose="02070309020205020404" pitchFamily="49" charset="0"/>
+                <a:cs typeface="Courier New" panose="02070309020205020404" pitchFamily="49" charset="0"/>
+              </a:rPr>
+              <a:t>variable</a:t>
+            </a:r>
+            <a:r>
+              <a:rPr lang="nl-NL" sz="1400" kern="0" dirty="0" smtClean="0">
+                <a:latin typeface="Courier New" panose="02070309020205020404" pitchFamily="49" charset="0"/>
+                <a:cs typeface="Courier New" panose="02070309020205020404" pitchFamily="49" charset="0"/>
+              </a:rPr>
+              <a:t> </a:t>
+            </a:r>
+            <a:r>
+              <a:rPr lang="nl-NL" sz="1400" i="1" kern="0" dirty="0" smtClean="0">
+                <a:latin typeface="Courier New" panose="02070309020205020404" pitchFamily="49" charset="0"/>
+                <a:cs typeface="Courier New" panose="02070309020205020404" pitchFamily="49" charset="0"/>
+              </a:rPr>
+              <a:t>cluster</a:t>
+            </a:r>
+            <a:r>
+              <a:rPr lang="nl-NL" sz="1400" kern="0" dirty="0" smtClean="0">
+                <a:latin typeface="Courier New" panose="02070309020205020404" pitchFamily="49" charset="0"/>
+                <a:cs typeface="Courier New" panose="02070309020205020404" pitchFamily="49" charset="0"/>
+              </a:rPr>
+              <a:t> </a:t>
+            </a:r>
+            <a:r>
+              <a:rPr lang="nl-NL" sz="1400" kern="0" dirty="0" err="1" smtClean="0">
+                <a:latin typeface="Courier New" panose="02070309020205020404" pitchFamily="49" charset="0"/>
+                <a:cs typeface="Courier New" panose="02070309020205020404" pitchFamily="49" charset="0"/>
+              </a:rPr>
+              <a:t>and</a:t>
+            </a:r>
+            <a:r>
+              <a:rPr lang="nl-NL" sz="1400" kern="0" dirty="0" smtClean="0">
+                <a:latin typeface="Courier New" panose="02070309020205020404" pitchFamily="49" charset="0"/>
+                <a:cs typeface="Courier New" panose="02070309020205020404" pitchFamily="49" charset="0"/>
+              </a:rPr>
+              <a:t> </a:t>
+            </a:r>
+            <a:r>
+              <a:rPr lang="nl-NL" sz="1400" kern="0" dirty="0" err="1" smtClean="0">
+                <a:latin typeface="Courier New" panose="02070309020205020404" pitchFamily="49" charset="0"/>
+                <a:cs typeface="Courier New" panose="02070309020205020404" pitchFamily="49" charset="0"/>
+              </a:rPr>
+              <a:t>use</a:t>
+            </a:r>
+            <a:r>
+              <a:rPr lang="nl-NL" sz="1400" kern="0" dirty="0" smtClean="0">
+                <a:latin typeface="Courier New" panose="02070309020205020404" pitchFamily="49" charset="0"/>
+                <a:cs typeface="Courier New" panose="02070309020205020404" pitchFamily="49" charset="0"/>
+              </a:rPr>
+              <a:t> this </a:t>
+            </a:r>
+            <a:r>
+              <a:rPr lang="nl-NL" sz="1400" kern="0" dirty="0" err="1" smtClean="0">
+                <a:latin typeface="Courier New" panose="02070309020205020404" pitchFamily="49" charset="0"/>
+                <a:cs typeface="Courier New" panose="02070309020205020404" pitchFamily="49" charset="0"/>
+              </a:rPr>
+              <a:t>to</a:t>
+            </a:r>
+            <a:r>
+              <a:rPr lang="nl-NL" sz="1400" kern="0" dirty="0" smtClean="0">
+                <a:latin typeface="Courier New" panose="02070309020205020404" pitchFamily="49" charset="0"/>
+                <a:cs typeface="Courier New" panose="02070309020205020404" pitchFamily="49" charset="0"/>
+              </a:rPr>
+              <a:t> make </a:t>
+            </a:r>
+            <a:r>
+              <a:rPr lang="nl-NL" sz="1400" kern="0" dirty="0" err="1" smtClean="0">
+                <a:latin typeface="Courier New" panose="02070309020205020404" pitchFamily="49" charset="0"/>
+                <a:cs typeface="Courier New" panose="02070309020205020404" pitchFamily="49" charset="0"/>
+              </a:rPr>
+              <a:t>another</a:t>
+            </a:r>
+            <a:r>
+              <a:rPr lang="nl-NL" sz="1400" kern="0" dirty="0" smtClean="0">
+                <a:latin typeface="Courier New" panose="02070309020205020404" pitchFamily="49" charset="0"/>
+                <a:cs typeface="Courier New" panose="02070309020205020404" pitchFamily="49" charset="0"/>
+              </a:rPr>
+              <a:t> </a:t>
+            </a:r>
+            <a:r>
+              <a:rPr lang="nl-NL" sz="1400" kern="0" dirty="0" err="1" smtClean="0">
+                <a:latin typeface="Courier New" panose="02070309020205020404" pitchFamily="49" charset="0"/>
+                <a:cs typeface="Courier New" panose="02070309020205020404" pitchFamily="49" charset="0"/>
+              </a:rPr>
+              <a:t>scatterplot</a:t>
+            </a:r>
+            <a:r>
+              <a:rPr lang="nl-NL" sz="1400" kern="0" dirty="0" smtClean="0">
+                <a:latin typeface="Courier New" panose="02070309020205020404" pitchFamily="49" charset="0"/>
+                <a:cs typeface="Courier New" panose="02070309020205020404" pitchFamily="49" charset="0"/>
+              </a:rPr>
+              <a:t>, </a:t>
+            </a:r>
+            <a:r>
+              <a:rPr lang="nl-NL" sz="1400" kern="0" dirty="0" err="1" smtClean="0">
+                <a:latin typeface="Courier New" panose="02070309020205020404" pitchFamily="49" charset="0"/>
+                <a:cs typeface="Courier New" panose="02070309020205020404" pitchFamily="49" charset="0"/>
+              </a:rPr>
+              <a:t>using</a:t>
+            </a:r>
+            <a:r>
+              <a:rPr lang="nl-NL" sz="1400" kern="0" dirty="0" smtClean="0">
+                <a:latin typeface="Courier New" panose="02070309020205020404" pitchFamily="49" charset="0"/>
+                <a:cs typeface="Courier New" panose="02070309020205020404" pitchFamily="49" charset="0"/>
+              </a:rPr>
+              <a:t> </a:t>
+            </a:r>
+            <a:r>
+              <a:rPr lang="nl-NL" sz="1400" kern="0" dirty="0" err="1" smtClean="0">
+                <a:latin typeface="Courier New" panose="02070309020205020404" pitchFamily="49" charset="0"/>
+                <a:cs typeface="Courier New" panose="02070309020205020404" pitchFamily="49" charset="0"/>
+              </a:rPr>
+              <a:t>color</a:t>
+            </a:r>
+            <a:r>
+              <a:rPr lang="nl-NL" sz="1400" kern="0" dirty="0" smtClean="0">
+                <a:latin typeface="Courier New" panose="02070309020205020404" pitchFamily="49" charset="0"/>
+                <a:cs typeface="Courier New" panose="02070309020205020404" pitchFamily="49" charset="0"/>
+              </a:rPr>
+              <a:t> </a:t>
+            </a:r>
+            <a:r>
+              <a:rPr lang="nl-NL" sz="1400" kern="0" dirty="0" err="1" smtClean="0">
+                <a:latin typeface="Courier New" panose="02070309020205020404" pitchFamily="49" charset="0"/>
+                <a:cs typeface="Courier New" panose="02070309020205020404" pitchFamily="49" charset="0"/>
+              </a:rPr>
+              <a:t>for</a:t>
+            </a:r>
+            <a:r>
+              <a:rPr lang="nl-NL" sz="1400" kern="0" dirty="0" smtClean="0">
+                <a:latin typeface="Courier New" panose="02070309020205020404" pitchFamily="49" charset="0"/>
+                <a:cs typeface="Courier New" panose="02070309020205020404" pitchFamily="49" charset="0"/>
+              </a:rPr>
+              <a:t> </a:t>
+            </a:r>
+            <a:r>
+              <a:rPr lang="nl-NL" sz="1400" i="1" kern="0" dirty="0" smtClean="0">
+                <a:latin typeface="Courier New" panose="02070309020205020404" pitchFamily="49" charset="0"/>
+                <a:cs typeface="Courier New" panose="02070309020205020404" pitchFamily="49" charset="0"/>
+              </a:rPr>
+              <a:t>cluster</a:t>
+            </a:r>
+            <a:r>
+              <a:rPr lang="nl-NL" sz="1400" kern="0" dirty="0" smtClean="0">
+                <a:latin typeface="Courier New" panose="02070309020205020404" pitchFamily="49" charset="0"/>
+                <a:cs typeface="Courier New" panose="02070309020205020404" pitchFamily="49" charset="0"/>
+              </a:rPr>
+              <a:t>.</a:t>
+            </a:r>
+          </a:p>
+          <a:p>
+            <a:pPr>
+              <a:buFont typeface="+mj-lt"/>
+              <a:buAutoNum type="arabicPeriod"/>
+            </a:pPr>
+            <a:endParaRPr lang="nl-NL" sz="1400" kern="0" dirty="0">
+              <a:latin typeface="Courier New" panose="02070309020205020404" pitchFamily="49" charset="0"/>
+              <a:cs typeface="Courier New" panose="02070309020205020404" pitchFamily="49" charset="0"/>
+            </a:endParaRPr>
+          </a:p>
+          <a:p>
+            <a:pPr>
+              <a:buFont typeface="+mj-lt"/>
+              <a:buAutoNum type="arabicPeriod"/>
+            </a:pPr>
+            <a:r>
+              <a:rPr lang="nl-NL" sz="1400" kern="0" dirty="0" smtClean="0">
+                <a:latin typeface="Courier New" panose="02070309020205020404" pitchFamily="49" charset="0"/>
+                <a:cs typeface="Courier New" panose="02070309020205020404" pitchFamily="49" charset="0"/>
+              </a:rPr>
+              <a:t>How does </a:t>
+            </a:r>
+            <a:r>
+              <a:rPr lang="nl-NL" sz="1400" i="1" kern="0" dirty="0" smtClean="0">
+                <a:latin typeface="Courier New" panose="02070309020205020404" pitchFamily="49" charset="0"/>
+                <a:cs typeface="Courier New" panose="02070309020205020404" pitchFamily="49" charset="0"/>
+              </a:rPr>
+              <a:t>k-</a:t>
+            </a:r>
+            <a:r>
+              <a:rPr lang="nl-NL" sz="1400" kern="0" dirty="0" smtClean="0">
+                <a:latin typeface="Courier New" panose="02070309020205020404" pitchFamily="49" charset="0"/>
+                <a:cs typeface="Courier New" panose="02070309020205020404" pitchFamily="49" charset="0"/>
+              </a:rPr>
+              <a:t>means </a:t>
+            </a:r>
+            <a:r>
+              <a:rPr lang="nl-NL" sz="1400" kern="0" dirty="0" err="1" smtClean="0">
+                <a:latin typeface="Courier New" panose="02070309020205020404" pitchFamily="49" charset="0"/>
+                <a:cs typeface="Courier New" panose="02070309020205020404" pitchFamily="49" charset="0"/>
+              </a:rPr>
+              <a:t>perform</a:t>
+            </a:r>
+            <a:r>
+              <a:rPr lang="nl-NL" sz="1400" kern="0" dirty="0" smtClean="0">
+                <a:latin typeface="Courier New" panose="02070309020205020404" pitchFamily="49" charset="0"/>
+                <a:cs typeface="Courier New" panose="02070309020205020404" pitchFamily="49" charset="0"/>
+              </a:rPr>
+              <a:t>?</a:t>
+            </a:r>
+          </a:p>
+          <a:p>
+            <a:pPr>
+              <a:buFont typeface="+mj-lt"/>
+              <a:buAutoNum type="arabicPeriod"/>
+            </a:pPr>
+            <a:endParaRPr lang="nl-NL" sz="1400" kern="0" dirty="0">
+              <a:latin typeface="Courier New" panose="02070309020205020404" pitchFamily="49" charset="0"/>
+              <a:cs typeface="Courier New" panose="02070309020205020404" pitchFamily="49" charset="0"/>
+            </a:endParaRPr>
+          </a:p>
+          <a:p>
+            <a:pPr>
+              <a:buFont typeface="+mj-lt"/>
+              <a:buAutoNum type="arabicPeriod"/>
+            </a:pPr>
+            <a:r>
+              <a:rPr lang="nl-NL" sz="1400" kern="0" dirty="0" err="1" smtClean="0">
+                <a:latin typeface="Courier New" panose="02070309020205020404" pitchFamily="49" charset="0"/>
+                <a:cs typeface="Courier New" panose="02070309020205020404" pitchFamily="49" charset="0"/>
+              </a:rPr>
+              <a:t>Try</a:t>
+            </a:r>
+            <a:r>
+              <a:rPr lang="nl-NL" sz="1400" kern="0" dirty="0" smtClean="0">
+                <a:latin typeface="Courier New" panose="02070309020205020404" pitchFamily="49" charset="0"/>
+                <a:cs typeface="Courier New" panose="02070309020205020404" pitchFamily="49" charset="0"/>
+              </a:rPr>
+              <a:t> out different </a:t>
+            </a:r>
+            <a:r>
+              <a:rPr lang="nl-NL" sz="1400" kern="0" dirty="0" err="1" smtClean="0">
+                <a:latin typeface="Courier New" panose="02070309020205020404" pitchFamily="49" charset="0"/>
+                <a:cs typeface="Courier New" panose="02070309020205020404" pitchFamily="49" charset="0"/>
+              </a:rPr>
+              <a:t>numbers</a:t>
+            </a:r>
+            <a:r>
+              <a:rPr lang="nl-NL" sz="1400" kern="0" dirty="0" smtClean="0">
+                <a:latin typeface="Courier New" panose="02070309020205020404" pitchFamily="49" charset="0"/>
+                <a:cs typeface="Courier New" panose="02070309020205020404" pitchFamily="49" charset="0"/>
+              </a:rPr>
+              <a:t> of clusters </a:t>
+            </a:r>
+            <a:r>
+              <a:rPr lang="nl-NL" sz="1400" kern="0" dirty="0" err="1" smtClean="0">
+                <a:latin typeface="Courier New" panose="02070309020205020404" pitchFamily="49" charset="0"/>
+                <a:cs typeface="Courier New" panose="02070309020205020404" pitchFamily="49" charset="0"/>
+              </a:rPr>
+              <a:t>to</a:t>
+            </a:r>
+            <a:r>
+              <a:rPr lang="nl-NL" sz="1400" kern="0" dirty="0" smtClean="0">
+                <a:latin typeface="Courier New" panose="02070309020205020404" pitchFamily="49" charset="0"/>
+                <a:cs typeface="Courier New" panose="02070309020205020404" pitchFamily="49" charset="0"/>
+              </a:rPr>
+              <a:t> </a:t>
+            </a:r>
+            <a:r>
+              <a:rPr lang="nl-NL" sz="1400" kern="0" dirty="0" err="1" smtClean="0">
+                <a:latin typeface="Courier New" panose="02070309020205020404" pitchFamily="49" charset="0"/>
+                <a:cs typeface="Courier New" panose="02070309020205020404" pitchFamily="49" charset="0"/>
+              </a:rPr>
+              <a:t>see</a:t>
+            </a:r>
+            <a:r>
+              <a:rPr lang="nl-NL" sz="1400" kern="0" dirty="0" smtClean="0">
+                <a:latin typeface="Courier New" panose="02070309020205020404" pitchFamily="49" charset="0"/>
+                <a:cs typeface="Courier New" panose="02070309020205020404" pitchFamily="49" charset="0"/>
+              </a:rPr>
+              <a:t> </a:t>
+            </a:r>
+            <a:r>
+              <a:rPr lang="nl-NL" sz="1400" kern="0" dirty="0" err="1" smtClean="0">
+                <a:latin typeface="Courier New" panose="02070309020205020404" pitchFamily="49" charset="0"/>
+                <a:cs typeface="Courier New" panose="02070309020205020404" pitchFamily="49" charset="0"/>
+              </a:rPr>
+              <a:t>what</a:t>
+            </a:r>
+            <a:r>
+              <a:rPr lang="nl-NL" sz="1400" kern="0" dirty="0" smtClean="0">
+                <a:latin typeface="Courier New" panose="02070309020205020404" pitchFamily="49" charset="0"/>
+                <a:cs typeface="Courier New" panose="02070309020205020404" pitchFamily="49" charset="0"/>
+              </a:rPr>
+              <a:t> </a:t>
+            </a:r>
+            <a:r>
+              <a:rPr lang="nl-NL" sz="1400" kern="0" dirty="0" err="1" smtClean="0">
+                <a:latin typeface="Courier New" panose="02070309020205020404" pitchFamily="49" charset="0"/>
+                <a:cs typeface="Courier New" panose="02070309020205020404" pitchFamily="49" charset="0"/>
+              </a:rPr>
+              <a:t>happens</a:t>
+            </a:r>
+            <a:r>
+              <a:rPr lang="nl-NL" sz="1400" kern="0" dirty="0" smtClean="0">
+                <a:latin typeface="Courier New" panose="02070309020205020404" pitchFamily="49" charset="0"/>
+                <a:cs typeface="Courier New" panose="02070309020205020404" pitchFamily="49" charset="0"/>
+              </a:rPr>
+              <a:t>. </a:t>
+            </a:r>
+            <a:r>
+              <a:rPr lang="nl-NL" sz="1400" kern="0" dirty="0" err="1" smtClean="0">
+                <a:latin typeface="Courier New" panose="02070309020205020404" pitchFamily="49" charset="0"/>
+                <a:cs typeface="Courier New" panose="02070309020205020404" pitchFamily="49" charset="0"/>
+              </a:rPr>
+              <a:t>What</a:t>
+            </a:r>
+            <a:r>
+              <a:rPr lang="nl-NL" sz="1400" kern="0" dirty="0" smtClean="0">
+                <a:latin typeface="Courier New" panose="02070309020205020404" pitchFamily="49" charset="0"/>
+                <a:cs typeface="Courier New" panose="02070309020205020404" pitchFamily="49" charset="0"/>
+              </a:rPr>
+              <a:t> </a:t>
+            </a:r>
+            <a:r>
+              <a:rPr lang="nl-NL" sz="1400" kern="0" dirty="0" err="1" smtClean="0">
+                <a:latin typeface="Courier New" panose="02070309020205020404" pitchFamily="49" charset="0"/>
+                <a:cs typeface="Courier New" panose="02070309020205020404" pitchFamily="49" charset="0"/>
+              </a:rPr>
+              <a:t>seems</a:t>
+            </a:r>
+            <a:r>
+              <a:rPr lang="nl-NL" sz="1400" kern="0" dirty="0" smtClean="0">
+                <a:latin typeface="Courier New" panose="02070309020205020404" pitchFamily="49" charset="0"/>
+                <a:cs typeface="Courier New" panose="02070309020205020404" pitchFamily="49" charset="0"/>
+              </a:rPr>
+              <a:t> like the ‘</a:t>
+            </a:r>
+            <a:r>
+              <a:rPr lang="nl-NL" sz="1400" kern="0" dirty="0" err="1" smtClean="0">
+                <a:latin typeface="Courier New" panose="02070309020205020404" pitchFamily="49" charset="0"/>
+                <a:cs typeface="Courier New" panose="02070309020205020404" pitchFamily="49" charset="0"/>
+              </a:rPr>
+              <a:t>natural</a:t>
+            </a:r>
+            <a:r>
+              <a:rPr lang="nl-NL" sz="1400" kern="0" dirty="0" smtClean="0">
+                <a:latin typeface="Courier New" panose="02070309020205020404" pitchFamily="49" charset="0"/>
+                <a:cs typeface="Courier New" panose="02070309020205020404" pitchFamily="49" charset="0"/>
+              </a:rPr>
+              <a:t>’ </a:t>
+            </a:r>
+            <a:r>
+              <a:rPr lang="nl-NL" sz="1400" kern="0" dirty="0" err="1" smtClean="0">
+                <a:latin typeface="Courier New" panose="02070309020205020404" pitchFamily="49" charset="0"/>
+                <a:cs typeface="Courier New" panose="02070309020205020404" pitchFamily="49" charset="0"/>
+              </a:rPr>
+              <a:t>number</a:t>
+            </a:r>
+            <a:r>
+              <a:rPr lang="nl-NL" sz="1400" kern="0" dirty="0" smtClean="0">
+                <a:latin typeface="Courier New" panose="02070309020205020404" pitchFamily="49" charset="0"/>
+                <a:cs typeface="Courier New" panose="02070309020205020404" pitchFamily="49" charset="0"/>
+              </a:rPr>
+              <a:t> of clusters </a:t>
+            </a:r>
+            <a:r>
+              <a:rPr lang="nl-NL" sz="1400" kern="0" dirty="0" err="1" smtClean="0">
+                <a:latin typeface="Courier New" panose="02070309020205020404" pitchFamily="49" charset="0"/>
+                <a:cs typeface="Courier New" panose="02070309020205020404" pitchFamily="49" charset="0"/>
+              </a:rPr>
+              <a:t>for</a:t>
+            </a:r>
+            <a:r>
+              <a:rPr lang="nl-NL" sz="1400" kern="0" dirty="0" smtClean="0">
+                <a:latin typeface="Courier New" panose="02070309020205020404" pitchFamily="49" charset="0"/>
+                <a:cs typeface="Courier New" panose="02070309020205020404" pitchFamily="49" charset="0"/>
+              </a:rPr>
+              <a:t> this data set?</a:t>
+            </a:r>
+          </a:p>
+          <a:p>
+            <a:pPr marL="0" indent="0">
+              <a:buFont typeface="Zapf Dingbats" charset="2"/>
+              <a:buNone/>
+            </a:pPr>
+            <a:endParaRPr lang="nl-NL" sz="1400" kern="0" dirty="0">
+              <a:latin typeface="Courier New" panose="02070309020205020404" pitchFamily="49" charset="0"/>
+              <a:cs typeface="Courier New" panose="02070309020205020404" pitchFamily="49" charset="0"/>
+            </a:endParaRPr>
+          </a:p>
+          <a:p>
+            <a:pPr marL="0" indent="0">
+              <a:buFont typeface="Zapf Dingbats" charset="2"/>
+              <a:buNone/>
+            </a:pPr>
+            <a:endParaRPr lang="nl-NL" sz="1400" kern="0" dirty="0" smtClean="0">
+              <a:latin typeface="Courier New" panose="02070309020205020404" pitchFamily="49" charset="0"/>
+              <a:cs typeface="Courier New" panose="02070309020205020404" pitchFamily="49" charset="0"/>
+            </a:endParaRPr>
+          </a:p>
+          <a:p>
+            <a:pPr marL="0" indent="0">
+              <a:buFont typeface="Zapf Dingbats" charset="2"/>
+              <a:buNone/>
+            </a:pPr>
+            <a:endParaRPr lang="nl-NL" sz="1400" kern="0" dirty="0">
+              <a:latin typeface="Courier New" panose="02070309020205020404" pitchFamily="49" charset="0"/>
+              <a:cs typeface="Courier New" panose="02070309020205020404" pitchFamily="49" charset="0"/>
+            </a:endParaRPr>
+          </a:p>
+          <a:p>
+            <a:pPr marL="0" indent="0">
+              <a:buFont typeface="Zapf Dingbats" charset="2"/>
+              <a:buNone/>
+            </a:pPr>
+            <a:endParaRPr lang="nl-NL" sz="1400" kern="0" dirty="0" smtClean="0">
+              <a:latin typeface="Courier New" panose="02070309020205020404" pitchFamily="49" charset="0"/>
+              <a:cs typeface="Courier New" panose="02070309020205020404" pitchFamily="49" charset="0"/>
+            </a:endParaRPr>
+          </a:p>
+        </p:txBody>
+      </p:sp>
+    </p:spTree>
+    <p:extLst>
+      <p:ext uri="{BB962C8B-B14F-4D97-AF65-F5344CB8AC3E}">
+        <p14:creationId xmlns:p14="http://schemas.microsoft.com/office/powerpoint/2010/main" val="1748469836"/>
+      </p:ext>
+    </p:extLst>
+  </p:cSld>
+  <p:clrMapOvr>
+    <a:masterClrMapping/>
+  </p:clrMapOvr>
+  <p:timing>
+    <p:tnLst>
+      <p:par>
+        <p:cTn id="1" dur="indefinite" restart="never" nodeType="tmRoot"/>
+      </p:par>
+    </p:tnLst>
+  </p:timing>
+</p:sld>
+</file>
+
+<file path=ppt/slides/slide19.xml><?xml version="1.0" encoding="utf-8"?>
+<p:sld xmlns:a="http://schemas.openxmlformats.org/drawingml/2006/main" xmlns:r="http://schemas.openxmlformats.org/officeDocument/2006/relationships" xmlns:p="http://schemas.openxmlformats.org/presentationml/2006/main">
+  <p:cSld>
+    <p:spTree>
+      <p:nvGrpSpPr>
+        <p:cNvPr id="1" name=""/>
+        <p:cNvGrpSpPr/>
+        <p:nvPr/>
+      </p:nvGrpSpPr>
+      <p:grpSpPr>
+        <a:xfrm>
+          <a:off x="0" y="0"/>
+          <a:ext cx="0" cy="0"/>
+          <a:chOff x="0" y="0"/>
+          <a:chExt cx="0" cy="0"/>
+        </a:xfrm>
+      </p:grpSpPr>
+      <p:sp>
+        <p:nvSpPr>
+          <p:cNvPr id="2" name="Titel 1"/>
+          <p:cNvSpPr>
+            <a:spLocks noGrp="1"/>
+          </p:cNvSpPr>
+          <p:nvPr>
+            <p:ph type="title"/>
+          </p:nvPr>
+        </p:nvSpPr>
+        <p:spPr/>
+        <p:txBody>
+          <a:bodyPr/>
+          <a:lstStyle/>
+          <a:p>
+            <a:r>
+              <a:rPr lang="nl-NL" dirty="0" err="1" smtClean="0"/>
+              <a:t>Problems</a:t>
+            </a:r>
+            <a:r>
+              <a:rPr lang="nl-NL" dirty="0" smtClean="0"/>
+              <a:t> </a:t>
+            </a:r>
+            <a:r>
+              <a:rPr lang="nl-NL" dirty="0" err="1" smtClean="0"/>
+              <a:t>with</a:t>
+            </a:r>
+            <a:r>
+              <a:rPr lang="nl-NL" dirty="0" smtClean="0"/>
+              <a:t> clustering</a:t>
+            </a:r>
+            <a:endParaRPr lang="nl-NL" dirty="0"/>
+          </a:p>
+        </p:txBody>
+      </p:sp>
+      <p:sp>
+        <p:nvSpPr>
+          <p:cNvPr id="3" name="Tijdelijke aanduiding voor inhoud 2"/>
+          <p:cNvSpPr>
+            <a:spLocks noGrp="1"/>
+          </p:cNvSpPr>
+          <p:nvPr>
+            <p:ph idx="1"/>
+          </p:nvPr>
+        </p:nvSpPr>
+        <p:spPr>
+          <a:xfrm>
+            <a:off x="762000" y="1762125"/>
+            <a:ext cx="7881938" cy="2603790"/>
+          </a:xfrm>
+        </p:spPr>
+        <p:txBody>
+          <a:bodyPr/>
+          <a:lstStyle/>
+          <a:p>
+            <a:r>
+              <a:rPr lang="nl-NL" sz="2400" dirty="0" smtClean="0"/>
+              <a:t>K-means </a:t>
+            </a:r>
+            <a:r>
+              <a:rPr lang="nl-NL" sz="2400" dirty="0" err="1" smtClean="0"/>
+              <a:t>can</a:t>
+            </a:r>
+            <a:r>
+              <a:rPr lang="nl-NL" sz="2400" dirty="0" smtClean="0"/>
+              <a:t> </a:t>
+            </a:r>
+            <a:r>
+              <a:rPr lang="nl-NL" sz="2400" dirty="0" err="1" smtClean="0"/>
+              <a:t>only</a:t>
+            </a:r>
+            <a:r>
+              <a:rPr lang="nl-NL" sz="2400" dirty="0" smtClean="0"/>
+              <a:t> make </a:t>
+            </a:r>
+            <a:r>
+              <a:rPr lang="nl-NL" sz="2400" dirty="0" err="1" smtClean="0"/>
+              <a:t>Voronoi</a:t>
+            </a:r>
+            <a:r>
+              <a:rPr lang="nl-NL" sz="2400" dirty="0" smtClean="0"/>
+              <a:t> </a:t>
+            </a:r>
+            <a:r>
+              <a:rPr lang="nl-NL" sz="2400" dirty="0" err="1" smtClean="0"/>
+              <a:t>cells</a:t>
+            </a:r>
+            <a:r>
+              <a:rPr lang="nl-NL" sz="2400" dirty="0" smtClean="0"/>
+              <a:t> (straight </a:t>
+            </a:r>
+            <a:r>
+              <a:rPr lang="nl-NL" sz="2400" dirty="0" err="1" smtClean="0"/>
+              <a:t>lines</a:t>
+            </a:r>
+            <a:r>
+              <a:rPr lang="nl-NL" sz="2400" dirty="0" smtClean="0"/>
+              <a:t>)</a:t>
+            </a:r>
+          </a:p>
+          <a:p>
+            <a:endParaRPr lang="nl-NL" sz="2400" dirty="0"/>
+          </a:p>
+          <a:p>
+            <a:r>
+              <a:rPr lang="nl-NL" sz="2400" dirty="0" err="1" smtClean="0"/>
+              <a:t>Suitable</a:t>
+            </a:r>
+            <a:r>
+              <a:rPr lang="nl-NL" sz="2400" dirty="0" smtClean="0"/>
+              <a:t> </a:t>
+            </a:r>
+            <a:r>
+              <a:rPr lang="nl-NL" sz="2400" dirty="0" err="1" smtClean="0"/>
+              <a:t>number</a:t>
+            </a:r>
+            <a:r>
+              <a:rPr lang="nl-NL" sz="2400" dirty="0" smtClean="0"/>
+              <a:t> of clusters </a:t>
+            </a:r>
+            <a:r>
+              <a:rPr lang="nl-NL" sz="2400" dirty="0" err="1" smtClean="0"/>
+              <a:t>often</a:t>
+            </a:r>
+            <a:r>
+              <a:rPr lang="nl-NL" sz="2400" dirty="0" smtClean="0"/>
+              <a:t> hard </a:t>
+            </a:r>
+            <a:r>
+              <a:rPr lang="nl-NL" sz="2400" dirty="0" err="1" smtClean="0"/>
+              <a:t>to</a:t>
+            </a:r>
+            <a:r>
+              <a:rPr lang="nl-NL" sz="2400" dirty="0" smtClean="0"/>
+              <a:t> </a:t>
+            </a:r>
+            <a:r>
+              <a:rPr lang="nl-NL" sz="2400" dirty="0" err="1" smtClean="0"/>
+              <a:t>determine</a:t>
+            </a:r>
+            <a:r>
+              <a:rPr lang="nl-NL" sz="2400" dirty="0" smtClean="0"/>
+              <a:t> in </a:t>
+            </a:r>
+            <a:r>
+              <a:rPr lang="nl-NL" sz="2400" dirty="0" err="1" smtClean="0"/>
+              <a:t>practice</a:t>
+            </a:r>
+            <a:endParaRPr lang="nl-NL" sz="2400" dirty="0" smtClean="0"/>
+          </a:p>
+          <a:p>
+            <a:endParaRPr lang="nl-NL" sz="2400" dirty="0"/>
+          </a:p>
+          <a:p>
+            <a:endParaRPr lang="nl-NL" sz="2400" dirty="0"/>
+          </a:p>
+        </p:txBody>
+      </p:sp>
+    </p:spTree>
+    <p:extLst>
+      <p:ext uri="{BB962C8B-B14F-4D97-AF65-F5344CB8AC3E}">
+        <p14:creationId xmlns:p14="http://schemas.microsoft.com/office/powerpoint/2010/main" val="1217448092"/>
+      </p:ext>
+    </p:extLst>
+  </p:cSld>
+  <p:clrMapOvr>
+    <a:masterClrMapping/>
+  </p:clrMapOvr>
 </p:sld>
 </file>
 
@@ -5679,6 +10852,155 @@
 </p:sld>
 </file>
 
+<file path=ppt/slides/slide20.xml><?xml version="1.0" encoding="utf-8"?>
+<p:sld xmlns:a="http://schemas.openxmlformats.org/drawingml/2006/main" xmlns:r="http://schemas.openxmlformats.org/officeDocument/2006/relationships" xmlns:p="http://schemas.openxmlformats.org/presentationml/2006/main">
+  <p:cSld>
+    <p:spTree>
+      <p:nvGrpSpPr>
+        <p:cNvPr id="1" name=""/>
+        <p:cNvGrpSpPr/>
+        <p:nvPr/>
+      </p:nvGrpSpPr>
+      <p:grpSpPr>
+        <a:xfrm>
+          <a:off x="0" y="0"/>
+          <a:ext cx="0" cy="0"/>
+          <a:chOff x="0" y="0"/>
+          <a:chExt cx="0" cy="0"/>
+        </a:xfrm>
+      </p:grpSpPr>
+      <p:sp>
+        <p:nvSpPr>
+          <p:cNvPr id="2" name="Titel 1"/>
+          <p:cNvSpPr>
+            <a:spLocks noGrp="1"/>
+          </p:cNvSpPr>
+          <p:nvPr>
+            <p:ph type="title"/>
+          </p:nvPr>
+        </p:nvSpPr>
+        <p:spPr/>
+        <p:txBody>
+          <a:bodyPr/>
+          <a:lstStyle/>
+          <a:p>
+            <a:r>
+              <a:rPr lang="nl-NL" dirty="0" smtClean="0"/>
+              <a:t>Image credit</a:t>
+            </a:r>
+            <a:endParaRPr lang="nl-NL" dirty="0"/>
+          </a:p>
+        </p:txBody>
+      </p:sp>
+      <p:sp>
+        <p:nvSpPr>
+          <p:cNvPr id="3" name="Tijdelijke aanduiding voor inhoud 2"/>
+          <p:cNvSpPr>
+            <a:spLocks noGrp="1"/>
+          </p:cNvSpPr>
+          <p:nvPr>
+            <p:ph idx="1"/>
+          </p:nvPr>
+        </p:nvSpPr>
+        <p:spPr>
+          <a:xfrm>
+            <a:off x="762000" y="1762125"/>
+            <a:ext cx="7881938" cy="1717393"/>
+          </a:xfrm>
+        </p:spPr>
+        <p:txBody>
+          <a:bodyPr/>
+          <a:lstStyle/>
+          <a:p>
+            <a:r>
+              <a:rPr lang="nl-NL" sz="2400" dirty="0" smtClean="0"/>
+              <a:t>Pythagoras </a:t>
+            </a:r>
+            <a:r>
+              <a:rPr lang="nl-NL" sz="2400" dirty="0" err="1" smtClean="0"/>
+              <a:t>by</a:t>
+            </a:r>
+            <a:r>
+              <a:rPr lang="nl-NL" sz="2400" dirty="0" smtClean="0"/>
+              <a:t> </a:t>
+            </a:r>
+            <a:r>
+              <a:rPr lang="nl-NL" sz="2400" dirty="0" err="1" smtClean="0"/>
+              <a:t>CheCheDaWaff</a:t>
+            </a:r>
+            <a:r>
+              <a:rPr lang="nl-NL" sz="2400" dirty="0" smtClean="0"/>
+              <a:t> (CC-BY-SA)</a:t>
+            </a:r>
+          </a:p>
+          <a:p>
+            <a:r>
+              <a:rPr lang="nl-NL" sz="2400" dirty="0" smtClean="0"/>
+              <a:t>K-means </a:t>
+            </a:r>
+            <a:r>
+              <a:rPr lang="nl-NL" sz="2400" dirty="0" err="1" smtClean="0"/>
+              <a:t>algorithm</a:t>
+            </a:r>
+            <a:r>
+              <a:rPr lang="nl-NL" sz="2400" dirty="0" smtClean="0"/>
+              <a:t> pictures </a:t>
+            </a:r>
+            <a:r>
+              <a:rPr lang="nl-NL" sz="2400" dirty="0" err="1" smtClean="0"/>
+              <a:t>by</a:t>
+            </a:r>
+            <a:r>
+              <a:rPr lang="nl-NL" sz="2400" dirty="0" smtClean="0"/>
+              <a:t> </a:t>
+            </a:r>
+            <a:r>
+              <a:rPr lang="nl-NL" sz="2400" dirty="0" err="1" smtClean="0"/>
+              <a:t>Weston.pace</a:t>
+            </a:r>
+            <a:r>
+              <a:rPr lang="nl-NL" sz="2400" dirty="0" smtClean="0"/>
+              <a:t> (CC-BY-SA)</a:t>
+            </a:r>
+          </a:p>
+          <a:p>
+            <a:r>
+              <a:rPr lang="nl-NL" sz="2400" dirty="0" smtClean="0"/>
+              <a:t>K-means gif </a:t>
+            </a:r>
+            <a:r>
+              <a:rPr lang="nl-NL" sz="2400" dirty="0" err="1" smtClean="0"/>
+              <a:t>by</a:t>
+            </a:r>
+            <a:r>
+              <a:rPr lang="nl-NL" sz="2400" dirty="0" smtClean="0"/>
+              <a:t> </a:t>
+            </a:r>
+            <a:r>
+              <a:rPr lang="nl-NL" sz="2400" dirty="0" err="1" smtClean="0"/>
+              <a:t>Chire</a:t>
+            </a:r>
+            <a:r>
+              <a:rPr lang="nl-NL" sz="2400" dirty="0" smtClean="0"/>
+              <a:t> (CC-BY-SA)</a:t>
+            </a:r>
+            <a:endParaRPr lang="nl-NL" sz="2400" dirty="0"/>
+          </a:p>
+        </p:txBody>
+      </p:sp>
+    </p:spTree>
+    <p:extLst>
+      <p:ext uri="{BB962C8B-B14F-4D97-AF65-F5344CB8AC3E}">
+        <p14:creationId xmlns:p14="http://schemas.microsoft.com/office/powerpoint/2010/main" val="3380440173"/>
+      </p:ext>
+    </p:extLst>
+  </p:cSld>
+  <p:clrMapOvr>
+    <a:masterClrMapping/>
+  </p:clrMapOvr>
+</p:sld>
+</file>
+
 <file path=ppt/slides/slide3.xml><?xml version="1.0" encoding="utf-8"?>
 <p:sld xmlns:a="http://schemas.openxmlformats.org/drawingml/2006/main" xmlns:r="http://schemas.openxmlformats.org/officeDocument/2006/relationships" xmlns:p="http://schemas.openxmlformats.org/presentationml/2006/main">
   <p:cSld>
@@ -5719,29 +11041,34 @@
           </a:p>
         </p:txBody>
       </p:sp>
-      <p:sp>
-        <p:nvSpPr>
-          <p:cNvPr id="3" name="Tijdelijke aanduiding voor inhoud 2"/>
-          <p:cNvSpPr>
-            <a:spLocks noGrp="1"/>
-          </p:cNvSpPr>
-          <p:nvPr>
-            <p:ph idx="1"/>
-          </p:nvPr>
-        </p:nvSpPr>
-        <p:spPr/>
-        <p:txBody>
-          <a:bodyPr/>
-          <a:lstStyle/>
-          <a:p>
-            <a:endParaRPr lang="nl-NL"/>
-          </a:p>
-        </p:txBody>
-      </p:sp>
+      <p:pic>
+        <p:nvPicPr>
+          <p:cNvPr id="4" name="Afbeelding 3"/>
+          <p:cNvPicPr>
+            <a:picLocks noChangeAspect="1"/>
+          </p:cNvPicPr>
+          <p:nvPr/>
+        </p:nvPicPr>
+        <p:blipFill>
+          <a:blip r:embed="rId2"/>
+          <a:stretch>
+            <a:fillRect/>
+          </a:stretch>
+        </p:blipFill>
+        <p:spPr>
+          <a:xfrm>
+            <a:off x="467544" y="1916832"/>
+            <a:ext cx="8203334" cy="3241154"/>
+          </a:xfrm>
+          <a:prstGeom prst="rect">
+            <a:avLst/>
+          </a:prstGeom>
+        </p:spPr>
+      </p:pic>
     </p:spTree>
     <p:extLst>
       <p:ext uri="{BB962C8B-B14F-4D97-AF65-F5344CB8AC3E}">
-        <p14:creationId xmlns:p14="http://schemas.microsoft.com/office/powerpoint/2010/main" val="2976808540"/>
+        <p14:creationId xmlns:p14="http://schemas.microsoft.com/office/powerpoint/2010/main" val="3968631881"/>
       </p:ext>
     </p:extLst>
   </p:cSld>
@@ -5785,7 +11112,7 @@
           <a:p>
             <a:r>
               <a:rPr lang="nl-NL" dirty="0" smtClean="0"/>
-              <a:t>Feedback</a:t>
+              <a:t>This week</a:t>
             </a:r>
             <a:endParaRPr lang="nl-NL" dirty="0"/>
           </a:p>
@@ -5801,19 +11128,134 @@
             <p:ph idx="1"/>
           </p:nvPr>
         </p:nvSpPr>
-        <p:spPr/>
+        <p:spPr>
+          <a:xfrm>
+            <a:off x="762000" y="1762125"/>
+            <a:ext cx="7881938" cy="3083921"/>
+          </a:xfrm>
+        </p:spPr>
         <p:txBody>
           <a:bodyPr/>
           <a:lstStyle/>
           <a:p>
-            <a:endParaRPr lang="nl-NL"/>
+            <a:r>
+              <a:rPr lang="nl-NL" sz="2400" dirty="0" smtClean="0"/>
+              <a:t>How </a:t>
+            </a:r>
+            <a:r>
+              <a:rPr lang="nl-NL" sz="2400" dirty="0" err="1" smtClean="0"/>
+              <a:t>to</a:t>
+            </a:r>
+            <a:r>
+              <a:rPr lang="nl-NL" sz="2400" dirty="0" smtClean="0"/>
+              <a:t> </a:t>
+            </a:r>
+            <a:r>
+              <a:rPr lang="nl-NL" sz="2400" dirty="0" err="1" smtClean="0"/>
+              <a:t>use</a:t>
+            </a:r>
+            <a:r>
+              <a:rPr lang="nl-NL" sz="2400" dirty="0" smtClean="0"/>
+              <a:t> information from users…</a:t>
+            </a:r>
+          </a:p>
+          <a:p>
+            <a:pPr lvl="1"/>
+            <a:endParaRPr lang="nl-NL" sz="2400" dirty="0" smtClean="0"/>
+          </a:p>
+          <a:p>
+            <a:pPr lvl="1"/>
+            <a:r>
+              <a:rPr lang="nl-NL" sz="2400" dirty="0" err="1" smtClean="0"/>
+              <a:t>To</a:t>
+            </a:r>
+            <a:r>
+              <a:rPr lang="nl-NL" sz="2400" dirty="0" smtClean="0"/>
+              <a:t> </a:t>
+            </a:r>
+            <a:r>
+              <a:rPr lang="nl-NL" sz="2400" dirty="0" err="1" smtClean="0"/>
+              <a:t>generate</a:t>
+            </a:r>
+            <a:r>
+              <a:rPr lang="nl-NL" sz="2400" dirty="0" smtClean="0"/>
+              <a:t> user or item ‘</a:t>
+            </a:r>
+            <a:r>
+              <a:rPr lang="nl-NL" sz="2400" dirty="0" err="1" smtClean="0"/>
+              <a:t>profiles</a:t>
+            </a:r>
+            <a:r>
+              <a:rPr lang="nl-NL" sz="2400" dirty="0" smtClean="0"/>
+              <a:t>’ </a:t>
+            </a:r>
+            <a:r>
+              <a:rPr lang="nl-NL" sz="2400" dirty="0" err="1" smtClean="0"/>
+              <a:t>with</a:t>
+            </a:r>
+            <a:r>
+              <a:rPr lang="nl-NL" sz="2400" dirty="0" smtClean="0"/>
+              <a:t> clustering (this </a:t>
+            </a:r>
+            <a:r>
+              <a:rPr lang="nl-NL" sz="2400" dirty="0" err="1" smtClean="0"/>
+              <a:t>lesson</a:t>
+            </a:r>
+            <a:r>
+              <a:rPr lang="nl-NL" sz="2400" dirty="0" smtClean="0"/>
+              <a:t>)</a:t>
+            </a:r>
+          </a:p>
+          <a:p>
+            <a:pPr lvl="1"/>
+            <a:endParaRPr lang="nl-NL" sz="2400" dirty="0" smtClean="0"/>
+          </a:p>
+          <a:p>
+            <a:pPr lvl="1"/>
+            <a:r>
+              <a:rPr lang="nl-NL" sz="2400" dirty="0" err="1" smtClean="0"/>
+              <a:t>To</a:t>
+            </a:r>
+            <a:r>
+              <a:rPr lang="nl-NL" sz="2400" dirty="0" smtClean="0"/>
+              <a:t> make </a:t>
+            </a:r>
+            <a:r>
+              <a:rPr lang="nl-NL" sz="2400" dirty="0" err="1" smtClean="0"/>
+              <a:t>recommendations</a:t>
+            </a:r>
+            <a:r>
+              <a:rPr lang="nl-NL" sz="2400" dirty="0" smtClean="0"/>
+              <a:t> </a:t>
+            </a:r>
+            <a:r>
+              <a:rPr lang="nl-NL" sz="2400" dirty="0" err="1" smtClean="0"/>
+              <a:t>to</a:t>
+            </a:r>
+            <a:r>
+              <a:rPr lang="nl-NL" sz="2400" dirty="0" smtClean="0"/>
+              <a:t> users (next </a:t>
+            </a:r>
+            <a:r>
+              <a:rPr lang="nl-NL" sz="2400" dirty="0" err="1" smtClean="0"/>
+              <a:t>lesson</a:t>
+            </a:r>
+            <a:r>
+              <a:rPr lang="nl-NL" sz="2400" dirty="0" smtClean="0"/>
+              <a:t>)</a:t>
+            </a:r>
+            <a:endParaRPr lang="nl-NL" sz="2400" dirty="0"/>
+          </a:p>
+          <a:p>
+            <a:pPr lvl="1"/>
+            <a:endParaRPr lang="nl-NL" dirty="0"/>
           </a:p>
         </p:txBody>
       </p:sp>
     </p:spTree>
     <p:extLst>
       <p:ext uri="{BB962C8B-B14F-4D97-AF65-F5344CB8AC3E}">
-        <p14:creationId xmlns:p14="http://schemas.microsoft.com/office/powerpoint/2010/main" val="3365219589"/>
+        <p14:creationId xmlns:p14="http://schemas.microsoft.com/office/powerpoint/2010/main" val="720033819"/>
       </p:ext>
     </p:extLst>
   </p:cSld>
@@ -5873,25 +11315,2609 @@
             <p:ph idx="1"/>
           </p:nvPr>
         </p:nvSpPr>
-        <p:spPr/>
+        <p:spPr>
+          <a:xfrm>
+            <a:off x="762000" y="1762125"/>
+            <a:ext cx="7881938" cy="2308324"/>
+          </a:xfrm>
+        </p:spPr>
         <p:txBody>
           <a:bodyPr/>
           <a:lstStyle/>
           <a:p>
-            <a:endParaRPr lang="nl-NL" dirty="0"/>
+            <a:r>
+              <a:rPr lang="nl-NL" sz="2400" dirty="0" err="1" smtClean="0"/>
+              <a:t>MovieLens</a:t>
+            </a:r>
+            <a:r>
+              <a:rPr lang="nl-NL" sz="2400" dirty="0" smtClean="0"/>
+              <a:t> data set</a:t>
+            </a:r>
+          </a:p>
+          <a:p>
+            <a:endParaRPr lang="nl-NL" sz="2400" dirty="0"/>
+          </a:p>
+          <a:p>
+            <a:r>
+              <a:rPr lang="nl-NL" sz="2400" dirty="0" smtClean="0"/>
+              <a:t>Clustering</a:t>
+            </a:r>
+          </a:p>
+          <a:p>
+            <a:endParaRPr lang="nl-NL" sz="2400" dirty="0"/>
+          </a:p>
+          <a:p>
+            <a:r>
+              <a:rPr lang="nl-NL" sz="2400" i="1" dirty="0" smtClean="0"/>
+              <a:t>k</a:t>
+            </a:r>
+            <a:r>
+              <a:rPr lang="nl-NL" sz="2400" dirty="0" smtClean="0"/>
+              <a:t>-means clustering</a:t>
+            </a:r>
+            <a:endParaRPr lang="nl-NL" sz="2400" i="1" dirty="0"/>
           </a:p>
         </p:txBody>
       </p:sp>
     </p:spTree>
     <p:extLst>
       <p:ext uri="{BB962C8B-B14F-4D97-AF65-F5344CB8AC3E}">
-        <p14:creationId xmlns:p14="http://schemas.microsoft.com/office/powerpoint/2010/main" val="2881181814"/>
+        <p14:creationId xmlns:p14="http://schemas.microsoft.com/office/powerpoint/2010/main" val="316601671"/>
       </p:ext>
     </p:extLst>
   </p:cSld>
   <p:clrMapOvr>
     <a:masterClrMapping/>
   </p:clrMapOvr>
+</p:sld>
+</file>
+
+<file path=ppt/slides/slide6.xml><?xml version="1.0" encoding="utf-8"?>
+<p:sld xmlns:a="http://schemas.openxmlformats.org/drawingml/2006/main" xmlns:r="http://schemas.openxmlformats.org/officeDocument/2006/relationships" xmlns:p="http://schemas.openxmlformats.org/presentationml/2006/main">
+  <p:cSld>
+    <p:spTree>
+      <p:nvGrpSpPr>
+        <p:cNvPr id="1" name=""/>
+        <p:cNvGrpSpPr/>
+        <p:nvPr/>
+      </p:nvGrpSpPr>
+      <p:grpSpPr>
+        <a:xfrm>
+          <a:off x="0" y="0"/>
+          <a:ext cx="0" cy="0"/>
+          <a:chOff x="0" y="0"/>
+          <a:chExt cx="0" cy="0"/>
+        </a:xfrm>
+      </p:grpSpPr>
+      <p:sp>
+        <p:nvSpPr>
+          <p:cNvPr id="2" name="Titel 1"/>
+          <p:cNvSpPr>
+            <a:spLocks noGrp="1"/>
+          </p:cNvSpPr>
+          <p:nvPr>
+            <p:ph type="title"/>
+          </p:nvPr>
+        </p:nvSpPr>
+        <p:spPr/>
+        <p:txBody>
+          <a:bodyPr/>
+          <a:lstStyle/>
+          <a:p>
+            <a:endParaRPr lang="nl-NL"/>
+          </a:p>
+        </p:txBody>
+      </p:sp>
+      <p:sp>
+        <p:nvSpPr>
+          <p:cNvPr id="3" name="Tijdelijke aanduiding voor inhoud 2"/>
+          <p:cNvSpPr>
+            <a:spLocks noGrp="1"/>
+          </p:cNvSpPr>
+          <p:nvPr>
+            <p:ph idx="1"/>
+          </p:nvPr>
+        </p:nvSpPr>
+        <p:spPr/>
+        <p:txBody>
+          <a:bodyPr/>
+          <a:lstStyle/>
+          <a:p>
+            <a:endParaRPr lang="nl-NL"/>
+          </a:p>
+        </p:txBody>
+      </p:sp>
+      <p:pic>
+        <p:nvPicPr>
+          <p:cNvPr id="4" name="Afbeelding 3"/>
+          <p:cNvPicPr>
+            <a:picLocks noChangeAspect="1"/>
+          </p:cNvPicPr>
+          <p:nvPr/>
+        </p:nvPicPr>
+        <p:blipFill>
+          <a:blip r:embed="rId2"/>
+          <a:stretch>
+            <a:fillRect/>
+          </a:stretch>
+        </p:blipFill>
+        <p:spPr>
+          <a:xfrm>
+            <a:off x="467544" y="1189038"/>
+            <a:ext cx="8063190" cy="5472607"/>
+          </a:xfrm>
+          <a:prstGeom prst="rect">
+            <a:avLst/>
+          </a:prstGeom>
+        </p:spPr>
+      </p:pic>
+    </p:spTree>
+    <p:extLst>
+      <p:ext uri="{BB962C8B-B14F-4D97-AF65-F5344CB8AC3E}">
+        <p14:creationId xmlns:p14="http://schemas.microsoft.com/office/powerpoint/2010/main" val="1291456126"/>
+      </p:ext>
+    </p:extLst>
+  </p:cSld>
+  <p:clrMapOvr>
+    <a:masterClrMapping/>
+  </p:clrMapOvr>
+</p:sld>
+</file>
+
+<file path=ppt/slides/slide7.xml><?xml version="1.0" encoding="utf-8"?>
+<p:sld xmlns:a="http://schemas.openxmlformats.org/drawingml/2006/main" xmlns:r="http://schemas.openxmlformats.org/officeDocument/2006/relationships" xmlns:p="http://schemas.openxmlformats.org/presentationml/2006/main">
+  <p:cSld>
+    <p:spTree>
+      <p:nvGrpSpPr>
+        <p:cNvPr id="1" name=""/>
+        <p:cNvGrpSpPr/>
+        <p:nvPr/>
+      </p:nvGrpSpPr>
+      <p:grpSpPr>
+        <a:xfrm>
+          <a:off x="0" y="0"/>
+          <a:ext cx="0" cy="0"/>
+          <a:chOff x="0" y="0"/>
+          <a:chExt cx="0" cy="0"/>
+        </a:xfrm>
+      </p:grpSpPr>
+      <p:sp>
+        <p:nvSpPr>
+          <p:cNvPr id="2" name="Titel 1"/>
+          <p:cNvSpPr>
+            <a:spLocks noGrp="1"/>
+          </p:cNvSpPr>
+          <p:nvPr>
+            <p:ph type="title"/>
+          </p:nvPr>
+        </p:nvSpPr>
+        <p:spPr/>
+        <p:txBody>
+          <a:bodyPr/>
+          <a:lstStyle/>
+          <a:p>
+            <a:r>
+              <a:rPr lang="nl-NL" dirty="0" err="1" smtClean="0"/>
+              <a:t>MovieLens</a:t>
+            </a:r>
+            <a:r>
+              <a:rPr lang="nl-NL" dirty="0" smtClean="0"/>
+              <a:t> data set</a:t>
+            </a:r>
+            <a:endParaRPr lang="nl-NL" dirty="0"/>
+          </a:p>
+        </p:txBody>
+      </p:sp>
+      <p:sp>
+        <p:nvSpPr>
+          <p:cNvPr id="3" name="Tijdelijke aanduiding voor inhoud 2"/>
+          <p:cNvSpPr>
+            <a:spLocks noGrp="1"/>
+          </p:cNvSpPr>
+          <p:nvPr>
+            <p:ph idx="1"/>
+          </p:nvPr>
+        </p:nvSpPr>
+        <p:spPr>
+          <a:xfrm>
+            <a:off x="762000" y="1762125"/>
+            <a:ext cx="7881938" cy="3711785"/>
+          </a:xfrm>
+        </p:spPr>
+        <p:txBody>
+          <a:bodyPr/>
+          <a:lstStyle/>
+          <a:p>
+            <a:r>
+              <a:rPr lang="nl-NL" sz="2400" dirty="0" smtClean="0"/>
+              <a:t>Project </a:t>
+            </a:r>
+            <a:r>
+              <a:rPr lang="nl-NL" sz="2400" dirty="0" err="1" smtClean="0"/>
+              <a:t>for</a:t>
+            </a:r>
+            <a:r>
+              <a:rPr lang="nl-NL" sz="2400" dirty="0" smtClean="0"/>
+              <a:t> movie </a:t>
+            </a:r>
+            <a:r>
+              <a:rPr lang="nl-NL" sz="2400" dirty="0" err="1" smtClean="0"/>
+              <a:t>recommendations</a:t>
+            </a:r>
+            <a:r>
+              <a:rPr lang="nl-NL" sz="2400" dirty="0" smtClean="0"/>
+              <a:t> </a:t>
+            </a:r>
+            <a:r>
+              <a:rPr lang="nl-NL" sz="2400" dirty="0" err="1" smtClean="0"/>
+              <a:t>and</a:t>
+            </a:r>
+            <a:r>
+              <a:rPr lang="nl-NL" sz="2400" dirty="0" smtClean="0"/>
+              <a:t> </a:t>
+            </a:r>
+            <a:r>
+              <a:rPr lang="nl-NL" sz="2400" dirty="0" err="1" smtClean="0"/>
+              <a:t>academic</a:t>
+            </a:r>
+            <a:r>
+              <a:rPr lang="nl-NL" sz="2400" dirty="0" smtClean="0"/>
+              <a:t> research from University of Minnesota (grouplens.org)</a:t>
+            </a:r>
+          </a:p>
+          <a:p>
+            <a:endParaRPr lang="nl-NL" sz="2400" dirty="0"/>
+          </a:p>
+          <a:p>
+            <a:r>
+              <a:rPr lang="nl-NL" sz="2400" dirty="0" smtClean="0"/>
+              <a:t>Full dataset: 20 </a:t>
+            </a:r>
+            <a:r>
+              <a:rPr lang="nl-NL" sz="2400" dirty="0" err="1" smtClean="0"/>
+              <a:t>million</a:t>
+            </a:r>
+            <a:r>
+              <a:rPr lang="nl-NL" sz="2400" dirty="0" smtClean="0"/>
+              <a:t> ratings </a:t>
+            </a:r>
+            <a:r>
+              <a:rPr lang="nl-NL" sz="2400" dirty="0" err="1" smtClean="0"/>
+              <a:t>and</a:t>
+            </a:r>
+            <a:r>
+              <a:rPr lang="nl-NL" sz="2400" dirty="0" smtClean="0"/>
+              <a:t> 465,000 tag </a:t>
+            </a:r>
+            <a:r>
+              <a:rPr lang="nl-NL" sz="2400" dirty="0" err="1" smtClean="0"/>
+              <a:t>applications</a:t>
+            </a:r>
+            <a:r>
+              <a:rPr lang="nl-NL" sz="2400" dirty="0" smtClean="0"/>
+              <a:t> </a:t>
+            </a:r>
+            <a:r>
+              <a:rPr lang="nl-NL" sz="2400" dirty="0" err="1" smtClean="0"/>
+              <a:t>to</a:t>
+            </a:r>
+            <a:r>
+              <a:rPr lang="nl-NL" sz="2400" dirty="0" smtClean="0"/>
+              <a:t> 27,000 </a:t>
+            </a:r>
+            <a:r>
+              <a:rPr lang="nl-NL" sz="2400" dirty="0" err="1" smtClean="0"/>
+              <a:t>movies</a:t>
+            </a:r>
+            <a:r>
+              <a:rPr lang="nl-NL" sz="2400" dirty="0" smtClean="0"/>
+              <a:t> </a:t>
+            </a:r>
+            <a:r>
+              <a:rPr lang="nl-NL" sz="2400" dirty="0" err="1" smtClean="0"/>
+              <a:t>by</a:t>
+            </a:r>
+            <a:r>
+              <a:rPr lang="nl-NL" sz="2400" dirty="0" smtClean="0"/>
+              <a:t> 138,000 users.</a:t>
+            </a:r>
+          </a:p>
+          <a:p>
+            <a:endParaRPr lang="nl-NL" sz="2400" dirty="0"/>
+          </a:p>
+          <a:p>
+            <a:r>
+              <a:rPr lang="nl-NL" sz="2400" dirty="0" smtClean="0"/>
+              <a:t>For a </a:t>
+            </a:r>
+            <a:r>
+              <a:rPr lang="nl-NL" sz="2400" dirty="0" err="1" smtClean="0"/>
+              <a:t>better</a:t>
+            </a:r>
+            <a:r>
+              <a:rPr lang="nl-NL" sz="2400" dirty="0" smtClean="0"/>
+              <a:t> </a:t>
+            </a:r>
+            <a:r>
+              <a:rPr lang="nl-NL" sz="2400" dirty="0" err="1" smtClean="0"/>
+              <a:t>overview</a:t>
+            </a:r>
+            <a:r>
+              <a:rPr lang="nl-NL" sz="2400" dirty="0" smtClean="0"/>
+              <a:t>, we </a:t>
+            </a:r>
+            <a:r>
+              <a:rPr lang="nl-NL" sz="2400" dirty="0" err="1" smtClean="0"/>
+              <a:t>will</a:t>
+            </a:r>
+            <a:r>
+              <a:rPr lang="nl-NL" sz="2400" dirty="0" smtClean="0"/>
+              <a:t> </a:t>
+            </a:r>
+            <a:r>
+              <a:rPr lang="nl-NL" sz="2400" dirty="0" err="1" smtClean="0"/>
+              <a:t>work</a:t>
+            </a:r>
+            <a:r>
+              <a:rPr lang="nl-NL" sz="2400" dirty="0" smtClean="0"/>
+              <a:t> </a:t>
+            </a:r>
+            <a:r>
+              <a:rPr lang="nl-NL" sz="2400" dirty="0" err="1" smtClean="0"/>
+              <a:t>with</a:t>
+            </a:r>
+            <a:r>
+              <a:rPr lang="nl-NL" sz="2400" dirty="0" smtClean="0"/>
+              <a:t> the smaller dataset </a:t>
+            </a:r>
+            <a:r>
+              <a:rPr lang="nl-NL" sz="2400" dirty="0" err="1" smtClean="0"/>
+              <a:t>with</a:t>
+            </a:r>
+            <a:r>
+              <a:rPr lang="nl-NL" sz="2400" dirty="0" smtClean="0"/>
+              <a:t> 100,000 ratings </a:t>
+            </a:r>
+            <a:r>
+              <a:rPr lang="nl-NL" sz="2400" dirty="0" err="1" smtClean="0"/>
+              <a:t>to</a:t>
+            </a:r>
+            <a:r>
+              <a:rPr lang="nl-NL" sz="2400" dirty="0" smtClean="0"/>
+              <a:t> 9,000 </a:t>
+            </a:r>
+            <a:r>
+              <a:rPr lang="nl-NL" sz="2400" dirty="0" err="1" smtClean="0"/>
+              <a:t>movies</a:t>
+            </a:r>
+            <a:r>
+              <a:rPr lang="nl-NL" sz="2400" dirty="0" smtClean="0"/>
+              <a:t> </a:t>
+            </a:r>
+            <a:r>
+              <a:rPr lang="nl-NL" sz="2400" dirty="0" err="1" smtClean="0"/>
+              <a:t>by</a:t>
+            </a:r>
+            <a:r>
+              <a:rPr lang="nl-NL" sz="2400" dirty="0" smtClean="0"/>
+              <a:t> 600 users</a:t>
+            </a:r>
+            <a:endParaRPr lang="nl-NL" sz="2400" dirty="0"/>
+          </a:p>
+        </p:txBody>
+      </p:sp>
+    </p:spTree>
+    <p:extLst>
+      <p:ext uri="{BB962C8B-B14F-4D97-AF65-F5344CB8AC3E}">
+        <p14:creationId xmlns:p14="http://schemas.microsoft.com/office/powerpoint/2010/main" val="1705224759"/>
+      </p:ext>
+    </p:extLst>
+  </p:cSld>
+  <p:clrMapOvr>
+    <a:masterClrMapping/>
+  </p:clrMapOvr>
+</p:sld>
+</file>
+
+<file path=ppt/slides/slide8.xml><?xml version="1.0" encoding="utf-8"?>
+<p:sld xmlns:a="http://schemas.openxmlformats.org/drawingml/2006/main" xmlns:r="http://schemas.openxmlformats.org/officeDocument/2006/relationships" xmlns:p="http://schemas.openxmlformats.org/presentationml/2006/main">
+  <p:cSld>
+    <p:spTree>
+      <p:nvGrpSpPr>
+        <p:cNvPr id="1" name=""/>
+        <p:cNvGrpSpPr/>
+        <p:nvPr/>
+      </p:nvGrpSpPr>
+      <p:grpSpPr>
+        <a:xfrm>
+          <a:off x="0" y="0"/>
+          <a:ext cx="0" cy="0"/>
+          <a:chOff x="0" y="0"/>
+          <a:chExt cx="0" cy="0"/>
+        </a:xfrm>
+      </p:grpSpPr>
+      <p:sp>
+        <p:nvSpPr>
+          <p:cNvPr id="2" name="Titel 1"/>
+          <p:cNvSpPr>
+            <a:spLocks noGrp="1"/>
+          </p:cNvSpPr>
+          <p:nvPr>
+            <p:ph type="title"/>
+          </p:nvPr>
+        </p:nvSpPr>
+        <p:spPr/>
+        <p:txBody>
+          <a:bodyPr/>
+          <a:lstStyle/>
+          <a:p>
+            <a:r>
+              <a:rPr lang="nl-NL" dirty="0" smtClean="0"/>
+              <a:t>User-item matrix</a:t>
+            </a:r>
+            <a:endParaRPr lang="nl-NL" dirty="0"/>
+          </a:p>
+        </p:txBody>
+      </p:sp>
+      <p:graphicFrame>
+        <p:nvGraphicFramePr>
+          <p:cNvPr id="4" name="Tabel 3"/>
+          <p:cNvGraphicFramePr>
+            <a:graphicFrameLocks noGrp="1"/>
+          </p:cNvGraphicFramePr>
+          <p:nvPr>
+            <p:extLst>
+              <p:ext uri="{D42A27DB-BD31-4B8C-83A1-F6EECF244321}">
+                <p14:modId xmlns:p14="http://schemas.microsoft.com/office/powerpoint/2010/main" val="1194108947"/>
+              </p:ext>
+            </p:extLst>
+          </p:nvPr>
+        </p:nvGraphicFramePr>
+        <p:xfrm>
+          <a:off x="1331640" y="1700808"/>
+          <a:ext cx="7190184" cy="3960438"/>
+        </p:xfrm>
+        <a:graphic>
+          <a:graphicData uri="http://schemas.openxmlformats.org/drawingml/2006/table">
+            <a:tbl>
+              <a:tblPr firstRow="1" firstCol="1">
+                <a:tableStyleId>{5C22544A-7EE6-4342-B048-85BDC9FD1C3A}</a:tableStyleId>
+              </a:tblPr>
+              <a:tblGrid>
+                <a:gridCol w="1198364">
+                  <a:extLst>
+                    <a:ext uri="{9D8B030D-6E8A-4147-A177-3AD203B41FA5}">
+                      <a16:colId xmlns:a16="http://schemas.microsoft.com/office/drawing/2014/main" val="4041177173"/>
+                    </a:ext>
+                  </a:extLst>
+                </a:gridCol>
+                <a:gridCol w="1198364">
+                  <a:extLst>
+                    <a:ext uri="{9D8B030D-6E8A-4147-A177-3AD203B41FA5}">
+                      <a16:colId xmlns:a16="http://schemas.microsoft.com/office/drawing/2014/main" val="2257742739"/>
+                    </a:ext>
+                  </a:extLst>
+                </a:gridCol>
+                <a:gridCol w="1198364">
+                  <a:extLst>
+                    <a:ext uri="{9D8B030D-6E8A-4147-A177-3AD203B41FA5}">
+                      <a16:colId xmlns:a16="http://schemas.microsoft.com/office/drawing/2014/main" val="1999952126"/>
+                    </a:ext>
+                  </a:extLst>
+                </a:gridCol>
+                <a:gridCol w="1198364">
+                  <a:extLst>
+                    <a:ext uri="{9D8B030D-6E8A-4147-A177-3AD203B41FA5}">
+                      <a16:colId xmlns:a16="http://schemas.microsoft.com/office/drawing/2014/main" val="4062598759"/>
+                    </a:ext>
+                  </a:extLst>
+                </a:gridCol>
+                <a:gridCol w="1198364">
+                  <a:extLst>
+                    <a:ext uri="{9D8B030D-6E8A-4147-A177-3AD203B41FA5}">
+                      <a16:colId xmlns:a16="http://schemas.microsoft.com/office/drawing/2014/main" val="117225038"/>
+                    </a:ext>
+                  </a:extLst>
+                </a:gridCol>
+                <a:gridCol w="1198364">
+                  <a:extLst>
+                    <a:ext uri="{9D8B030D-6E8A-4147-A177-3AD203B41FA5}">
+                      <a16:colId xmlns:a16="http://schemas.microsoft.com/office/drawing/2014/main" val="80280137"/>
+                    </a:ext>
+                  </a:extLst>
+                </a:gridCol>
+              </a:tblGrid>
+              <a:tr h="660073">
+                <a:tc>
+                  <a:txBody>
+                    <a:bodyPr/>
+                    <a:lstStyle/>
+                    <a:p>
+                      <a:endParaRPr lang="nl-NL" dirty="0"/>
+                    </a:p>
+                  </a:txBody>
+                  <a:tcPr/>
+                </a:tc>
+                <a:tc>
+                  <a:txBody>
+                    <a:bodyPr/>
+                    <a:lstStyle/>
+                    <a:p>
+                      <a:r>
+                        <a:rPr lang="nl-NL" dirty="0" smtClean="0"/>
+                        <a:t>Pulp Fiction</a:t>
+                      </a:r>
+                      <a:endParaRPr lang="nl-NL" dirty="0"/>
+                    </a:p>
+                  </a:txBody>
+                  <a:tcPr/>
+                </a:tc>
+                <a:tc>
+                  <a:txBody>
+                    <a:bodyPr/>
+                    <a:lstStyle/>
+                    <a:p>
+                      <a:r>
+                        <a:rPr lang="nl-NL" dirty="0" smtClean="0"/>
+                        <a:t>Toy Story</a:t>
+                      </a:r>
+                      <a:endParaRPr lang="nl-NL" dirty="0"/>
+                    </a:p>
+                  </a:txBody>
+                  <a:tcPr/>
+                </a:tc>
+                <a:tc>
+                  <a:txBody>
+                    <a:bodyPr/>
+                    <a:lstStyle/>
+                    <a:p>
+                      <a:r>
+                        <a:rPr lang="nl-NL" dirty="0" smtClean="0"/>
+                        <a:t>The Dark Knight</a:t>
+                      </a:r>
+                      <a:endParaRPr lang="nl-NL" dirty="0"/>
+                    </a:p>
+                  </a:txBody>
+                  <a:tcPr/>
+                </a:tc>
+                <a:tc>
+                  <a:txBody>
+                    <a:bodyPr/>
+                    <a:lstStyle/>
+                    <a:p>
+                      <a:r>
+                        <a:rPr lang="nl-NL" dirty="0" smtClean="0"/>
+                        <a:t>La</a:t>
+                      </a:r>
+                      <a:r>
+                        <a:rPr lang="nl-NL" baseline="0" dirty="0" smtClean="0"/>
+                        <a:t> </a:t>
+                      </a:r>
+                      <a:r>
+                        <a:rPr lang="nl-NL" baseline="0" dirty="0" err="1" smtClean="0"/>
+                        <a:t>La</a:t>
+                      </a:r>
+                      <a:r>
+                        <a:rPr lang="nl-NL" baseline="0" dirty="0" smtClean="0"/>
+                        <a:t> Land</a:t>
+                      </a:r>
+                      <a:endParaRPr lang="nl-NL" dirty="0"/>
+                    </a:p>
+                  </a:txBody>
+                  <a:tcPr/>
+                </a:tc>
+                <a:tc>
+                  <a:txBody>
+                    <a:bodyPr/>
+                    <a:lstStyle/>
+                    <a:p>
+                      <a:r>
+                        <a:rPr lang="nl-NL" dirty="0" smtClean="0"/>
+                        <a:t>Star Wars</a:t>
+                      </a:r>
+                      <a:endParaRPr lang="nl-NL" dirty="0"/>
+                    </a:p>
+                  </a:txBody>
+                  <a:tcPr/>
+                </a:tc>
+                <a:extLst>
+                  <a:ext uri="{0D108BD9-81ED-4DB2-BD59-A6C34878D82A}">
+                    <a16:rowId xmlns:a16="http://schemas.microsoft.com/office/drawing/2014/main" val="3336187894"/>
+                  </a:ext>
+                </a:extLst>
+              </a:tr>
+              <a:tr h="660073">
+                <a:tc>
+                  <a:txBody>
+                    <a:bodyPr/>
+                    <a:lstStyle/>
+                    <a:p>
+                      <a:r>
+                        <a:rPr lang="nl-NL" dirty="0" smtClean="0"/>
+                        <a:t>User 1</a:t>
+                      </a:r>
+                      <a:endParaRPr lang="nl-NL" dirty="0"/>
+                    </a:p>
+                  </a:txBody>
+                  <a:tcPr/>
+                </a:tc>
+                <a:tc>
+                  <a:txBody>
+                    <a:bodyPr/>
+                    <a:lstStyle/>
+                    <a:p>
+                      <a:r>
+                        <a:rPr lang="nl-NL" dirty="0" smtClean="0"/>
+                        <a:t>4</a:t>
+                      </a:r>
+                      <a:endParaRPr lang="nl-NL" dirty="0"/>
+                    </a:p>
+                  </a:txBody>
+                  <a:tcPr/>
+                </a:tc>
+                <a:tc>
+                  <a:txBody>
+                    <a:bodyPr/>
+                    <a:lstStyle/>
+                    <a:p>
+                      <a:r>
+                        <a:rPr lang="nl-NL" dirty="0" smtClean="0"/>
+                        <a:t>-</a:t>
+                      </a:r>
+                      <a:endParaRPr lang="nl-NL" dirty="0"/>
+                    </a:p>
+                  </a:txBody>
+                  <a:tcPr/>
+                </a:tc>
+                <a:tc>
+                  <a:txBody>
+                    <a:bodyPr/>
+                    <a:lstStyle/>
+                    <a:p>
+                      <a:r>
+                        <a:rPr lang="nl-NL" dirty="0" smtClean="0"/>
+                        <a:t>-</a:t>
+                      </a:r>
+                      <a:endParaRPr lang="nl-NL" dirty="0"/>
+                    </a:p>
+                  </a:txBody>
+                  <a:tcPr/>
+                </a:tc>
+                <a:tc>
+                  <a:txBody>
+                    <a:bodyPr/>
+                    <a:lstStyle/>
+                    <a:p>
+                      <a:r>
+                        <a:rPr lang="nl-NL" dirty="0" smtClean="0"/>
+                        <a:t>-</a:t>
+                      </a:r>
+                      <a:endParaRPr lang="nl-NL" dirty="0"/>
+                    </a:p>
+                  </a:txBody>
+                  <a:tcPr/>
+                </a:tc>
+                <a:tc>
+                  <a:txBody>
+                    <a:bodyPr/>
+                    <a:lstStyle/>
+                    <a:p>
+                      <a:r>
+                        <a:rPr lang="nl-NL" dirty="0" smtClean="0"/>
+                        <a:t>4</a:t>
+                      </a:r>
+                      <a:endParaRPr lang="nl-NL" dirty="0"/>
+                    </a:p>
+                  </a:txBody>
+                  <a:tcPr/>
+                </a:tc>
+                <a:extLst>
+                  <a:ext uri="{0D108BD9-81ED-4DB2-BD59-A6C34878D82A}">
+                    <a16:rowId xmlns:a16="http://schemas.microsoft.com/office/drawing/2014/main" val="4085380114"/>
+                  </a:ext>
+                </a:extLst>
+              </a:tr>
+              <a:tr h="660073">
+                <a:tc>
+                  <a:txBody>
+                    <a:bodyPr/>
+                    <a:lstStyle/>
+                    <a:p>
+                      <a:r>
+                        <a:rPr lang="nl-NL" dirty="0" smtClean="0"/>
+                        <a:t>User 2</a:t>
+                      </a:r>
+                      <a:endParaRPr lang="nl-NL" dirty="0"/>
+                    </a:p>
+                  </a:txBody>
+                  <a:tcPr/>
+                </a:tc>
+                <a:tc>
+                  <a:txBody>
+                    <a:bodyPr/>
+                    <a:lstStyle/>
+                    <a:p>
+                      <a:r>
+                        <a:rPr lang="nl-NL" dirty="0" smtClean="0"/>
+                        <a:t>3</a:t>
+                      </a:r>
+                      <a:endParaRPr lang="nl-NL" dirty="0"/>
+                    </a:p>
+                  </a:txBody>
+                  <a:tcPr/>
+                </a:tc>
+                <a:tc>
+                  <a:txBody>
+                    <a:bodyPr/>
+                    <a:lstStyle/>
+                    <a:p>
+                      <a:r>
+                        <a:rPr lang="nl-NL" dirty="0" smtClean="0"/>
+                        <a:t>2</a:t>
+                      </a:r>
+                      <a:endParaRPr lang="nl-NL" dirty="0"/>
+                    </a:p>
+                  </a:txBody>
+                  <a:tcPr/>
+                </a:tc>
+                <a:tc>
+                  <a:txBody>
+                    <a:bodyPr/>
+                    <a:lstStyle/>
+                    <a:p>
+                      <a:r>
+                        <a:rPr lang="nl-NL" dirty="0" smtClean="0"/>
+                        <a:t>5</a:t>
+                      </a:r>
+                      <a:endParaRPr lang="nl-NL" dirty="0"/>
+                    </a:p>
+                  </a:txBody>
+                  <a:tcPr/>
+                </a:tc>
+                <a:tc>
+                  <a:txBody>
+                    <a:bodyPr/>
+                    <a:lstStyle/>
+                    <a:p>
+                      <a:r>
+                        <a:rPr lang="nl-NL" dirty="0" smtClean="0"/>
+                        <a:t>-</a:t>
+                      </a:r>
+                      <a:endParaRPr lang="nl-NL" dirty="0"/>
+                    </a:p>
+                  </a:txBody>
+                  <a:tcPr/>
+                </a:tc>
+                <a:tc>
+                  <a:txBody>
+                    <a:bodyPr/>
+                    <a:lstStyle/>
+                    <a:p>
+                      <a:r>
+                        <a:rPr lang="nl-NL" dirty="0" smtClean="0"/>
+                        <a:t>3</a:t>
+                      </a:r>
+                      <a:endParaRPr lang="nl-NL" dirty="0"/>
+                    </a:p>
+                  </a:txBody>
+                  <a:tcPr/>
+                </a:tc>
+                <a:extLst>
+                  <a:ext uri="{0D108BD9-81ED-4DB2-BD59-A6C34878D82A}">
+                    <a16:rowId xmlns:a16="http://schemas.microsoft.com/office/drawing/2014/main" val="1895938459"/>
+                  </a:ext>
+                </a:extLst>
+              </a:tr>
+              <a:tr h="660073">
+                <a:tc>
+                  <a:txBody>
+                    <a:bodyPr/>
+                    <a:lstStyle/>
+                    <a:p>
+                      <a:r>
+                        <a:rPr lang="nl-NL" dirty="0" smtClean="0"/>
+                        <a:t>User 3</a:t>
+                      </a:r>
+                      <a:endParaRPr lang="nl-NL" dirty="0"/>
+                    </a:p>
+                  </a:txBody>
+                  <a:tcPr/>
+                </a:tc>
+                <a:tc>
+                  <a:txBody>
+                    <a:bodyPr/>
+                    <a:lstStyle/>
+                    <a:p>
+                      <a:r>
+                        <a:rPr lang="nl-NL" dirty="0" smtClean="0"/>
+                        <a:t>5</a:t>
+                      </a:r>
+                      <a:endParaRPr lang="nl-NL" dirty="0"/>
+                    </a:p>
+                  </a:txBody>
+                  <a:tcPr/>
+                </a:tc>
+                <a:tc>
+                  <a:txBody>
+                    <a:bodyPr/>
+                    <a:lstStyle/>
+                    <a:p>
+                      <a:r>
+                        <a:rPr lang="nl-NL" dirty="0" smtClean="0"/>
+                        <a:t>4</a:t>
+                      </a:r>
+                      <a:endParaRPr lang="nl-NL" dirty="0"/>
+                    </a:p>
+                  </a:txBody>
+                  <a:tcPr/>
+                </a:tc>
+                <a:tc>
+                  <a:txBody>
+                    <a:bodyPr/>
+                    <a:lstStyle/>
+                    <a:p>
+                      <a:r>
+                        <a:rPr lang="nl-NL" dirty="0" smtClean="0"/>
+                        <a:t>-</a:t>
+                      </a:r>
+                      <a:endParaRPr lang="nl-NL" dirty="0"/>
+                    </a:p>
+                  </a:txBody>
+                  <a:tcPr/>
+                </a:tc>
+                <a:tc>
+                  <a:txBody>
+                    <a:bodyPr/>
+                    <a:lstStyle/>
+                    <a:p>
+                      <a:pPr marL="0" marR="0" lvl="0" indent="0" algn="l" defTabSz="914400" rtl="0" eaLnBrk="1" fontAlgn="auto" latinLnBrk="0" hangingPunct="1">
+                        <a:lnSpc>
+                          <a:spcPct val="100000"/>
+                        </a:lnSpc>
+                        <a:spcBef>
+                          <a:spcPts val="0"/>
+                        </a:spcBef>
+                        <a:spcAft>
+                          <a:spcPts val="0"/>
+                        </a:spcAft>
+                        <a:buClrTx/>
+                        <a:buSzTx/>
+                        <a:buFontTx/>
+                        <a:buNone/>
+                        <a:tabLst/>
+                        <a:defRPr/>
+                      </a:pPr>
+                      <a:r>
+                        <a:rPr lang="nl-NL" dirty="0" smtClean="0"/>
+                        <a:t>-</a:t>
+                      </a:r>
+                    </a:p>
+                    <a:p>
+                      <a:endParaRPr lang="nl-NL" dirty="0"/>
+                    </a:p>
+                  </a:txBody>
+                  <a:tcPr/>
+                </a:tc>
+                <a:tc>
+                  <a:txBody>
+                    <a:bodyPr/>
+                    <a:lstStyle/>
+                    <a:p>
+                      <a:r>
+                        <a:rPr lang="nl-NL" dirty="0" smtClean="0"/>
+                        <a:t>4</a:t>
+                      </a:r>
+                      <a:endParaRPr lang="nl-NL" dirty="0"/>
+                    </a:p>
+                  </a:txBody>
+                  <a:tcPr/>
+                </a:tc>
+                <a:extLst>
+                  <a:ext uri="{0D108BD9-81ED-4DB2-BD59-A6C34878D82A}">
+                    <a16:rowId xmlns:a16="http://schemas.microsoft.com/office/drawing/2014/main" val="860894665"/>
+                  </a:ext>
+                </a:extLst>
+              </a:tr>
+              <a:tr h="660073">
+                <a:tc>
+                  <a:txBody>
+                    <a:bodyPr/>
+                    <a:lstStyle/>
+                    <a:p>
+                      <a:r>
+                        <a:rPr lang="nl-NL" dirty="0" smtClean="0"/>
+                        <a:t>User 4</a:t>
+                      </a:r>
+                      <a:endParaRPr lang="nl-NL" dirty="0"/>
+                    </a:p>
+                  </a:txBody>
+                  <a:tcPr/>
+                </a:tc>
+                <a:tc>
+                  <a:txBody>
+                    <a:bodyPr/>
+                    <a:lstStyle/>
+                    <a:p>
+                      <a:r>
+                        <a:rPr lang="nl-NL" dirty="0" smtClean="0"/>
+                        <a:t>-</a:t>
+                      </a:r>
+                      <a:endParaRPr lang="nl-NL" dirty="0"/>
+                    </a:p>
+                  </a:txBody>
+                  <a:tcPr/>
+                </a:tc>
+                <a:tc>
+                  <a:txBody>
+                    <a:bodyPr/>
+                    <a:lstStyle/>
+                    <a:p>
+                      <a:r>
+                        <a:rPr lang="nl-NL" dirty="0" smtClean="0"/>
+                        <a:t>-</a:t>
+                      </a:r>
+                      <a:endParaRPr lang="nl-NL" dirty="0"/>
+                    </a:p>
+                  </a:txBody>
+                  <a:tcPr/>
+                </a:tc>
+                <a:tc>
+                  <a:txBody>
+                    <a:bodyPr/>
+                    <a:lstStyle/>
+                    <a:p>
+                      <a:r>
+                        <a:rPr lang="nl-NL" dirty="0" smtClean="0"/>
+                        <a:t>5</a:t>
+                      </a:r>
+                      <a:endParaRPr lang="nl-NL" dirty="0"/>
+                    </a:p>
+                  </a:txBody>
+                  <a:tcPr/>
+                </a:tc>
+                <a:tc>
+                  <a:txBody>
+                    <a:bodyPr/>
+                    <a:lstStyle/>
+                    <a:p>
+                      <a:r>
+                        <a:rPr lang="nl-NL" dirty="0" smtClean="0"/>
+                        <a:t>4</a:t>
+                      </a:r>
+                      <a:endParaRPr lang="nl-NL" dirty="0"/>
+                    </a:p>
+                  </a:txBody>
+                  <a:tcPr/>
+                </a:tc>
+                <a:tc>
+                  <a:txBody>
+                    <a:bodyPr/>
+                    <a:lstStyle/>
+                    <a:p>
+                      <a:r>
+                        <a:rPr lang="nl-NL" dirty="0" smtClean="0"/>
+                        <a:t>-</a:t>
+                      </a:r>
+                      <a:endParaRPr lang="nl-NL" dirty="0"/>
+                    </a:p>
+                  </a:txBody>
+                  <a:tcPr/>
+                </a:tc>
+                <a:extLst>
+                  <a:ext uri="{0D108BD9-81ED-4DB2-BD59-A6C34878D82A}">
+                    <a16:rowId xmlns:a16="http://schemas.microsoft.com/office/drawing/2014/main" val="867549744"/>
+                  </a:ext>
+                </a:extLst>
+              </a:tr>
+              <a:tr h="660073">
+                <a:tc>
+                  <a:txBody>
+                    <a:bodyPr/>
+                    <a:lstStyle/>
+                    <a:p>
+                      <a:r>
+                        <a:rPr lang="nl-NL" dirty="0" smtClean="0"/>
+                        <a:t>User 5</a:t>
+                      </a:r>
+                      <a:endParaRPr lang="nl-NL" dirty="0"/>
+                    </a:p>
+                  </a:txBody>
+                  <a:tcPr/>
+                </a:tc>
+                <a:tc>
+                  <a:txBody>
+                    <a:bodyPr/>
+                    <a:lstStyle/>
+                    <a:p>
+                      <a:r>
+                        <a:rPr lang="nl-NL" dirty="0" smtClean="0"/>
+                        <a:t>4</a:t>
+                      </a:r>
+                      <a:endParaRPr lang="nl-NL" dirty="0"/>
+                    </a:p>
+                  </a:txBody>
+                  <a:tcPr/>
+                </a:tc>
+                <a:tc>
+                  <a:txBody>
+                    <a:bodyPr/>
+                    <a:lstStyle/>
+                    <a:p>
+                      <a:r>
+                        <a:rPr lang="nl-NL" dirty="0" smtClean="0"/>
+                        <a:t>4</a:t>
+                      </a:r>
+                      <a:endParaRPr lang="nl-NL" dirty="0"/>
+                    </a:p>
+                  </a:txBody>
+                  <a:tcPr/>
+                </a:tc>
+                <a:tc>
+                  <a:txBody>
+                    <a:bodyPr/>
+                    <a:lstStyle/>
+                    <a:p>
+                      <a:r>
+                        <a:rPr lang="nl-NL" dirty="0" smtClean="0"/>
+                        <a:t>-</a:t>
+                      </a:r>
+                      <a:endParaRPr lang="nl-NL" dirty="0"/>
+                    </a:p>
+                  </a:txBody>
+                  <a:tcPr/>
+                </a:tc>
+                <a:tc>
+                  <a:txBody>
+                    <a:bodyPr/>
+                    <a:lstStyle/>
+                    <a:p>
+                      <a:r>
+                        <a:rPr lang="nl-NL" dirty="0" smtClean="0"/>
+                        <a:t>3</a:t>
+                      </a:r>
+                      <a:endParaRPr lang="nl-NL" dirty="0"/>
+                    </a:p>
+                  </a:txBody>
+                  <a:tcPr/>
+                </a:tc>
+                <a:tc>
+                  <a:txBody>
+                    <a:bodyPr/>
+                    <a:lstStyle/>
+                    <a:p>
+                      <a:r>
+                        <a:rPr lang="nl-NL" dirty="0" smtClean="0"/>
+                        <a:t>-</a:t>
+                      </a:r>
+                      <a:endParaRPr lang="nl-NL" dirty="0"/>
+                    </a:p>
+                  </a:txBody>
+                  <a:tcPr/>
+                </a:tc>
+                <a:extLst>
+                  <a:ext uri="{0D108BD9-81ED-4DB2-BD59-A6C34878D82A}">
+                    <a16:rowId xmlns:a16="http://schemas.microsoft.com/office/drawing/2014/main" val="3433680433"/>
+                  </a:ext>
+                </a:extLst>
+              </a:tr>
+            </a:tbl>
+          </a:graphicData>
+        </a:graphic>
+      </p:graphicFrame>
+    </p:spTree>
+    <p:extLst>
+      <p:ext uri="{BB962C8B-B14F-4D97-AF65-F5344CB8AC3E}">
+        <p14:creationId xmlns:p14="http://schemas.microsoft.com/office/powerpoint/2010/main" val="4045737333"/>
+      </p:ext>
+    </p:extLst>
+  </p:cSld>
+  <p:clrMapOvr>
+    <a:masterClrMapping/>
+  </p:clrMapOvr>
+</p:sld>
+</file>
+
+<file path=ppt/slides/slide9.xml><?xml version="1.0" encoding="utf-8"?>
+<p:sld xmlns:a="http://schemas.openxmlformats.org/drawingml/2006/main" xmlns:r="http://schemas.openxmlformats.org/officeDocument/2006/relationships" xmlns:p="http://schemas.openxmlformats.org/presentationml/2006/main">
+  <p:cSld>
+    <p:spTree>
+      <p:nvGrpSpPr>
+        <p:cNvPr id="1" name=""/>
+        <p:cNvGrpSpPr/>
+        <p:nvPr/>
+      </p:nvGrpSpPr>
+      <p:grpSpPr>
+        <a:xfrm>
+          <a:off x="0" y="0"/>
+          <a:ext cx="0" cy="0"/>
+          <a:chOff x="0" y="0"/>
+          <a:chExt cx="0" cy="0"/>
+        </a:xfrm>
+      </p:grpSpPr>
+      <p:sp>
+        <p:nvSpPr>
+          <p:cNvPr id="2" name="Titel 1"/>
+          <p:cNvSpPr>
+            <a:spLocks noGrp="1"/>
+          </p:cNvSpPr>
+          <p:nvPr>
+            <p:ph type="title"/>
+          </p:nvPr>
+        </p:nvSpPr>
+        <p:spPr/>
+        <p:txBody>
+          <a:bodyPr/>
+          <a:lstStyle/>
+          <a:p>
+            <a:r>
+              <a:rPr lang="nl-NL" dirty="0" err="1" smtClean="0"/>
+              <a:t>Exercise</a:t>
+            </a:r>
+            <a:r>
+              <a:rPr lang="nl-NL" dirty="0" smtClean="0"/>
+              <a:t> 1: data </a:t>
+            </a:r>
+            <a:r>
+              <a:rPr lang="nl-NL" dirty="0" err="1" smtClean="0"/>
+              <a:t>wrangling</a:t>
+            </a:r>
+            <a:endParaRPr lang="nl-NL" dirty="0"/>
+          </a:p>
+        </p:txBody>
+      </p:sp>
+      <p:sp>
+        <p:nvSpPr>
+          <p:cNvPr id="4" name="Tijdelijke aanduiding voor inhoud 2"/>
+          <p:cNvSpPr txBox="1">
+            <a:spLocks/>
+          </p:cNvSpPr>
+          <p:nvPr/>
+        </p:nvSpPr>
+        <p:spPr bwMode="auto">
+          <a:xfrm>
+            <a:off x="833592" y="1556792"/>
+            <a:ext cx="7881938" cy="7115794"/>
+          </a:xfrm>
+          <a:prstGeom prst="rect">
+            <a:avLst/>
+          </a:prstGeom>
+          <a:noFill/>
+          <a:ln w="9525">
+            <a:noFill/>
+            <a:miter lim="800000"/>
+            <a:headEnd/>
+            <a:tailEnd/>
+          </a:ln>
+          <a:effectLst/>
+        </p:spPr>
+        <p:txBody>
+          <a:bodyPr vert="horz" wrap="square" lIns="91440" tIns="45720" rIns="91440" bIns="45720" numCol="1" anchor="t" anchorCtr="0" compatLnSpc="1">
+            <a:prstTxWarp prst="textNoShape">
+              <a:avLst/>
+            </a:prstTxWarp>
+            <a:spAutoFit/>
+          </a:bodyPr>
+          <a:lstStyle>
+            <a:lvl1pPr marL="342900" indent="-342900" algn="l" rtl="0" fontAlgn="base">
+              <a:spcBef>
+                <a:spcPct val="20000"/>
+              </a:spcBef>
+              <a:spcAft>
+                <a:spcPct val="0"/>
+              </a:spcAft>
+              <a:buClr>
+                <a:srgbClr val="ED0010"/>
+              </a:buClr>
+              <a:buSzPct val="60000"/>
+              <a:buFont typeface="Zapf Dingbats" charset="2"/>
+              <a:buChar char="n"/>
+              <a:defRPr sz="2800">
+                <a:solidFill>
+                  <a:srgbClr val="000000"/>
+                </a:solidFill>
+                <a:latin typeface="+mn-lt"/>
+                <a:ea typeface="+mn-ea"/>
+                <a:cs typeface="+mn-cs"/>
+              </a:defRPr>
+            </a:lvl1pPr>
+            <a:lvl2pPr marL="819150" indent="-285750" algn="l" rtl="0" fontAlgn="base">
+              <a:spcBef>
+                <a:spcPct val="20000"/>
+              </a:spcBef>
+              <a:spcAft>
+                <a:spcPct val="0"/>
+              </a:spcAft>
+              <a:buClr>
+                <a:schemeClr val="accent1"/>
+              </a:buClr>
+              <a:buSzPct val="60000"/>
+              <a:buFont typeface="Zapf Dingbats" charset="2"/>
+              <a:buChar char="n"/>
+              <a:defRPr sz="2600">
+                <a:solidFill>
+                  <a:srgbClr val="000000"/>
+                </a:solidFill>
+                <a:latin typeface="+mn-lt"/>
+              </a:defRPr>
+            </a:lvl2pPr>
+            <a:lvl3pPr marL="1143000" indent="-228600" algn="l" rtl="0" fontAlgn="base">
+              <a:spcBef>
+                <a:spcPct val="20000"/>
+              </a:spcBef>
+              <a:spcAft>
+                <a:spcPct val="0"/>
+              </a:spcAft>
+              <a:buClr>
+                <a:schemeClr val="accent1"/>
+              </a:buClr>
+              <a:buSzPct val="60000"/>
+              <a:buFont typeface="Zapf Dingbats" charset="2"/>
+              <a:buChar char="n"/>
+              <a:defRPr sz="2400">
+                <a:solidFill>
+                  <a:srgbClr val="000000"/>
+                </a:solidFill>
+                <a:latin typeface="+mn-lt"/>
+              </a:defRPr>
+            </a:lvl3pPr>
+            <a:lvl4pPr marL="1562100" indent="-228600" algn="l" rtl="0" fontAlgn="base">
+              <a:spcBef>
+                <a:spcPct val="20000"/>
+              </a:spcBef>
+              <a:spcAft>
+                <a:spcPct val="0"/>
+              </a:spcAft>
+              <a:buClr>
+                <a:schemeClr val="accent1"/>
+              </a:buClr>
+              <a:buSzPct val="60000"/>
+              <a:buFont typeface="Zapf Dingbats" charset="2"/>
+              <a:buChar char="n"/>
+              <a:defRPr sz="2200">
+                <a:solidFill>
+                  <a:srgbClr val="000000"/>
+                </a:solidFill>
+                <a:latin typeface="+mn-lt"/>
+              </a:defRPr>
+            </a:lvl4pPr>
+            <a:lvl5pPr marL="1981200" indent="-228600" algn="l" rtl="0" fontAlgn="base">
+              <a:spcBef>
+                <a:spcPct val="20000"/>
+              </a:spcBef>
+              <a:spcAft>
+                <a:spcPct val="0"/>
+              </a:spcAft>
+              <a:buClr>
+                <a:schemeClr val="accent1"/>
+              </a:buClr>
+              <a:buSzPct val="60000"/>
+              <a:buFont typeface="Zapf Dingbats" charset="2"/>
+              <a:buChar char="n"/>
+              <a:defRPr sz="2000">
+                <a:solidFill>
+                  <a:srgbClr val="000000"/>
+                </a:solidFill>
+                <a:latin typeface="+mn-lt"/>
+              </a:defRPr>
+            </a:lvl5pPr>
+            <a:lvl6pPr marL="2438400" indent="-228600" algn="l" rtl="0" fontAlgn="base">
+              <a:spcBef>
+                <a:spcPct val="20000"/>
+              </a:spcBef>
+              <a:spcAft>
+                <a:spcPct val="0"/>
+              </a:spcAft>
+              <a:buClr>
+                <a:schemeClr val="accent1"/>
+              </a:buClr>
+              <a:buSzPct val="60000"/>
+              <a:buFont typeface="Zapf Dingbats" charset="2"/>
+              <a:buChar char="n"/>
+              <a:defRPr sz="2000">
+                <a:solidFill>
+                  <a:srgbClr val="000000"/>
+                </a:solidFill>
+                <a:latin typeface="+mn-lt"/>
+              </a:defRPr>
+            </a:lvl6pPr>
+            <a:lvl7pPr marL="2895600" indent="-228600" algn="l" rtl="0" fontAlgn="base">
+              <a:spcBef>
+                <a:spcPct val="20000"/>
+              </a:spcBef>
+              <a:spcAft>
+                <a:spcPct val="0"/>
+              </a:spcAft>
+              <a:buClr>
+                <a:schemeClr val="accent1"/>
+              </a:buClr>
+              <a:buSzPct val="60000"/>
+              <a:buFont typeface="Zapf Dingbats" charset="2"/>
+              <a:buChar char="n"/>
+              <a:defRPr sz="2000">
+                <a:solidFill>
+                  <a:srgbClr val="000000"/>
+                </a:solidFill>
+                <a:latin typeface="+mn-lt"/>
+              </a:defRPr>
+            </a:lvl7pPr>
+            <a:lvl8pPr marL="3352800" indent="-228600" algn="l" rtl="0" fontAlgn="base">
+              <a:spcBef>
+                <a:spcPct val="20000"/>
+              </a:spcBef>
+              <a:spcAft>
+                <a:spcPct val="0"/>
+              </a:spcAft>
+              <a:buClr>
+                <a:schemeClr val="accent1"/>
+              </a:buClr>
+              <a:buSzPct val="60000"/>
+              <a:buFont typeface="Zapf Dingbats" charset="2"/>
+              <a:buChar char="n"/>
+              <a:defRPr sz="2000">
+                <a:solidFill>
+                  <a:srgbClr val="000000"/>
+                </a:solidFill>
+                <a:latin typeface="+mn-lt"/>
+              </a:defRPr>
+            </a:lvl8pPr>
+            <a:lvl9pPr marL="3810000" indent="-228600" algn="l" rtl="0" fontAlgn="base">
+              <a:spcBef>
+                <a:spcPct val="20000"/>
+              </a:spcBef>
+              <a:spcAft>
+                <a:spcPct val="0"/>
+              </a:spcAft>
+              <a:buClr>
+                <a:schemeClr val="accent1"/>
+              </a:buClr>
+              <a:buSzPct val="60000"/>
+              <a:buFont typeface="Zapf Dingbats" charset="2"/>
+              <a:buChar char="n"/>
+              <a:defRPr sz="2000">
+                <a:solidFill>
+                  <a:srgbClr val="000000"/>
+                </a:solidFill>
+                <a:latin typeface="+mn-lt"/>
+              </a:defRPr>
+            </a:lvl9pPr>
+          </a:lstStyle>
+          <a:p>
+            <a:pPr marL="0" indent="0">
+              <a:buNone/>
+            </a:pPr>
+            <a:r>
+              <a:rPr lang="nl-NL" sz="1400" kern="0" dirty="0" smtClean="0">
+                <a:latin typeface="Courier New" panose="02070309020205020404" pitchFamily="49" charset="0"/>
+                <a:cs typeface="Courier New" panose="02070309020205020404" pitchFamily="49" charset="0"/>
+              </a:rPr>
+              <a:t>In this </a:t>
+            </a:r>
+            <a:r>
+              <a:rPr lang="nl-NL" sz="1400" kern="0" dirty="0" err="1" smtClean="0">
+                <a:latin typeface="Courier New" panose="02070309020205020404" pitchFamily="49" charset="0"/>
+                <a:cs typeface="Courier New" panose="02070309020205020404" pitchFamily="49" charset="0"/>
+              </a:rPr>
+              <a:t>Exercise</a:t>
+            </a:r>
+            <a:r>
+              <a:rPr lang="nl-NL" sz="1400" kern="0" dirty="0" smtClean="0">
+                <a:latin typeface="Courier New" panose="02070309020205020404" pitchFamily="49" charset="0"/>
+                <a:cs typeface="Courier New" panose="02070309020205020404" pitchFamily="49" charset="0"/>
+              </a:rPr>
+              <a:t> </a:t>
+            </a:r>
+            <a:r>
+              <a:rPr lang="nl-NL" sz="1400" kern="0" dirty="0" err="1" smtClean="0">
+                <a:latin typeface="Courier New" panose="02070309020205020404" pitchFamily="49" charset="0"/>
+                <a:cs typeface="Courier New" panose="02070309020205020404" pitchFamily="49" charset="0"/>
+              </a:rPr>
+              <a:t>you</a:t>
+            </a:r>
+            <a:r>
+              <a:rPr lang="nl-NL" sz="1400" kern="0" dirty="0" smtClean="0">
+                <a:latin typeface="Courier New" panose="02070309020205020404" pitchFamily="49" charset="0"/>
+                <a:cs typeface="Courier New" panose="02070309020205020404" pitchFamily="49" charset="0"/>
+              </a:rPr>
+              <a:t> are </a:t>
+            </a:r>
+            <a:r>
+              <a:rPr lang="nl-NL" sz="1400" kern="0" dirty="0" err="1" smtClean="0">
+                <a:latin typeface="Courier New" panose="02070309020205020404" pitchFamily="49" charset="0"/>
+                <a:cs typeface="Courier New" panose="02070309020205020404" pitchFamily="49" charset="0"/>
+              </a:rPr>
+              <a:t>going</a:t>
+            </a:r>
+            <a:r>
+              <a:rPr lang="nl-NL" sz="1400" kern="0" dirty="0" smtClean="0">
+                <a:latin typeface="Courier New" panose="02070309020205020404" pitchFamily="49" charset="0"/>
+                <a:cs typeface="Courier New" panose="02070309020205020404" pitchFamily="49" charset="0"/>
+              </a:rPr>
+              <a:t> </a:t>
+            </a:r>
+            <a:r>
+              <a:rPr lang="nl-NL" sz="1400" kern="0" dirty="0" err="1" smtClean="0">
+                <a:latin typeface="Courier New" panose="02070309020205020404" pitchFamily="49" charset="0"/>
+                <a:cs typeface="Courier New" panose="02070309020205020404" pitchFamily="49" charset="0"/>
+              </a:rPr>
+              <a:t>to</a:t>
+            </a:r>
+            <a:r>
+              <a:rPr lang="nl-NL" sz="1400" kern="0" dirty="0" smtClean="0">
+                <a:latin typeface="Courier New" panose="02070309020205020404" pitchFamily="49" charset="0"/>
+                <a:cs typeface="Courier New" panose="02070309020205020404" pitchFamily="49" charset="0"/>
+              </a:rPr>
+              <a:t> </a:t>
+            </a:r>
+            <a:r>
+              <a:rPr lang="nl-NL" sz="1400" kern="0" dirty="0" err="1" smtClean="0">
+                <a:latin typeface="Courier New" panose="02070309020205020404" pitchFamily="49" charset="0"/>
+                <a:cs typeface="Courier New" panose="02070309020205020404" pitchFamily="49" charset="0"/>
+              </a:rPr>
+              <a:t>prepare</a:t>
+            </a:r>
+            <a:r>
+              <a:rPr lang="nl-NL" sz="1400" kern="0" dirty="0" smtClean="0">
+                <a:latin typeface="Courier New" panose="02070309020205020404" pitchFamily="49" charset="0"/>
+                <a:cs typeface="Courier New" panose="02070309020205020404" pitchFamily="49" charset="0"/>
+              </a:rPr>
+              <a:t> the </a:t>
+            </a:r>
+            <a:r>
+              <a:rPr lang="nl-NL" sz="1400" kern="0" dirty="0" err="1" smtClean="0">
+                <a:latin typeface="Courier New" panose="02070309020205020404" pitchFamily="49" charset="0"/>
+                <a:cs typeface="Courier New" panose="02070309020205020404" pitchFamily="49" charset="0"/>
+              </a:rPr>
+              <a:t>MovieLens</a:t>
+            </a:r>
+            <a:r>
+              <a:rPr lang="nl-NL" sz="1400" kern="0" dirty="0" smtClean="0">
+                <a:latin typeface="Courier New" panose="02070309020205020404" pitchFamily="49" charset="0"/>
+                <a:cs typeface="Courier New" panose="02070309020205020404" pitchFamily="49" charset="0"/>
+              </a:rPr>
+              <a:t> dataset </a:t>
+            </a:r>
+            <a:r>
+              <a:rPr lang="nl-NL" sz="1400" kern="0" dirty="0" err="1" smtClean="0">
+                <a:latin typeface="Courier New" panose="02070309020205020404" pitchFamily="49" charset="0"/>
+                <a:cs typeface="Courier New" panose="02070309020205020404" pitchFamily="49" charset="0"/>
+              </a:rPr>
+              <a:t>for</a:t>
+            </a:r>
+            <a:r>
+              <a:rPr lang="nl-NL" sz="1400" kern="0" dirty="0" smtClean="0">
+                <a:latin typeface="Courier New" panose="02070309020205020404" pitchFamily="49" charset="0"/>
+                <a:cs typeface="Courier New" panose="02070309020205020404" pitchFamily="49" charset="0"/>
+              </a:rPr>
+              <a:t> </a:t>
+            </a:r>
+            <a:r>
+              <a:rPr lang="nl-NL" sz="1400" kern="0" dirty="0" err="1" smtClean="0">
+                <a:latin typeface="Courier New" panose="02070309020205020404" pitchFamily="49" charset="0"/>
+                <a:cs typeface="Courier New" panose="02070309020205020404" pitchFamily="49" charset="0"/>
+              </a:rPr>
+              <a:t>use</a:t>
+            </a:r>
+            <a:r>
+              <a:rPr lang="nl-NL" sz="1400" kern="0" dirty="0" smtClean="0">
+                <a:latin typeface="Courier New" panose="02070309020205020404" pitchFamily="49" charset="0"/>
+                <a:cs typeface="Courier New" panose="02070309020205020404" pitchFamily="49" charset="0"/>
+              </a:rPr>
+              <a:t> this week. See the </a:t>
+            </a:r>
+            <a:r>
+              <a:rPr lang="nl-NL" sz="1400" i="1" kern="0" dirty="0" err="1" smtClean="0">
+                <a:latin typeface="Courier New" panose="02070309020205020404" pitchFamily="49" charset="0"/>
+                <a:cs typeface="Courier New" panose="02070309020205020404" pitchFamily="49" charset="0"/>
+              </a:rPr>
+              <a:t>pivot_table</a:t>
+            </a:r>
+            <a:r>
+              <a:rPr lang="nl-NL" sz="1400" i="1" kern="0" dirty="0" smtClean="0">
+                <a:latin typeface="Courier New" panose="02070309020205020404" pitchFamily="49" charset="0"/>
+                <a:cs typeface="Courier New" panose="02070309020205020404" pitchFamily="49" charset="0"/>
+              </a:rPr>
+              <a:t> </a:t>
+            </a:r>
+            <a:r>
+              <a:rPr lang="nl-NL" sz="1400" kern="0" dirty="0" smtClean="0">
+                <a:latin typeface="Courier New" panose="02070309020205020404" pitchFamily="49" charset="0"/>
+                <a:cs typeface="Courier New" panose="02070309020205020404" pitchFamily="49" charset="0"/>
+              </a:rPr>
+              <a:t>Notebook</a:t>
+            </a:r>
+            <a:r>
+              <a:rPr lang="nl-NL" sz="1400" i="1" kern="0" dirty="0" smtClean="0">
+                <a:latin typeface="Courier New" panose="02070309020205020404" pitchFamily="49" charset="0"/>
+                <a:cs typeface="Courier New" panose="02070309020205020404" pitchFamily="49" charset="0"/>
+              </a:rPr>
+              <a:t> </a:t>
+            </a:r>
+            <a:r>
+              <a:rPr lang="nl-NL" sz="1400" kern="0" dirty="0" smtClean="0">
+                <a:latin typeface="Courier New" panose="02070309020205020404" pitchFamily="49" charset="0"/>
+                <a:cs typeface="Courier New" panose="02070309020205020404" pitchFamily="49" charset="0"/>
+              </a:rPr>
+              <a:t>in the </a:t>
+            </a:r>
+            <a:r>
+              <a:rPr lang="nl-NL" sz="1400" i="1" kern="0" dirty="0" err="1" smtClean="0">
+                <a:latin typeface="Courier New" panose="02070309020205020404" pitchFamily="49" charset="0"/>
+                <a:cs typeface="Courier New" panose="02070309020205020404" pitchFamily="49" charset="0"/>
+              </a:rPr>
+              <a:t>Examples</a:t>
+            </a:r>
+            <a:r>
+              <a:rPr lang="nl-NL" sz="1400" kern="0" dirty="0" smtClean="0">
+                <a:latin typeface="Courier New" panose="02070309020205020404" pitchFamily="49" charset="0"/>
+                <a:cs typeface="Courier New" panose="02070309020205020404" pitchFamily="49" charset="0"/>
+              </a:rPr>
+              <a:t> folder </a:t>
+            </a:r>
+            <a:r>
+              <a:rPr lang="nl-NL" sz="1400" kern="0" dirty="0" err="1" smtClean="0">
+                <a:latin typeface="Courier New" panose="02070309020205020404" pitchFamily="49" charset="0"/>
+                <a:cs typeface="Courier New" panose="02070309020205020404" pitchFamily="49" charset="0"/>
+              </a:rPr>
+              <a:t>and</a:t>
+            </a:r>
+            <a:r>
+              <a:rPr lang="nl-NL" sz="1400" kern="0" dirty="0" smtClean="0">
+                <a:latin typeface="Courier New" panose="02070309020205020404" pitchFamily="49" charset="0"/>
+                <a:cs typeface="Courier New" panose="02070309020205020404" pitchFamily="49" charset="0"/>
+              </a:rPr>
+              <a:t> the </a:t>
+            </a:r>
+            <a:r>
+              <a:rPr lang="nl-NL" sz="1400" i="1" kern="0" dirty="0" err="1">
+                <a:latin typeface="Courier New" panose="02070309020205020404" pitchFamily="49" charset="0"/>
+                <a:cs typeface="Courier New" panose="02070309020205020404" pitchFamily="49" charset="0"/>
+              </a:rPr>
+              <a:t>c</a:t>
+            </a:r>
+            <a:r>
+              <a:rPr lang="nl-NL" sz="1400" i="1" kern="0" dirty="0" err="1" smtClean="0">
+                <a:latin typeface="Courier New" panose="02070309020205020404" pitchFamily="49" charset="0"/>
+                <a:cs typeface="Courier New" panose="02070309020205020404" pitchFamily="49" charset="0"/>
+              </a:rPr>
+              <a:t>ookbook</a:t>
+            </a:r>
+            <a:r>
+              <a:rPr lang="nl-NL" sz="1400" i="1" kern="0" dirty="0" smtClean="0">
+                <a:latin typeface="Courier New" panose="02070309020205020404" pitchFamily="49" charset="0"/>
+                <a:cs typeface="Courier New" panose="02070309020205020404" pitchFamily="49" charset="0"/>
+              </a:rPr>
+              <a:t> </a:t>
+            </a:r>
+            <a:r>
+              <a:rPr lang="nl-NL" sz="1400" kern="0" dirty="0" err="1" smtClean="0">
+                <a:latin typeface="Courier New" panose="02070309020205020404" pitchFamily="49" charset="0"/>
+                <a:cs typeface="Courier New" panose="02070309020205020404" pitchFamily="49" charset="0"/>
+              </a:rPr>
+              <a:t>for</a:t>
+            </a:r>
+            <a:r>
+              <a:rPr lang="nl-NL" sz="1400" kern="0" dirty="0" smtClean="0">
+                <a:latin typeface="Courier New" panose="02070309020205020404" pitchFamily="49" charset="0"/>
+                <a:cs typeface="Courier New" panose="02070309020205020404" pitchFamily="49" charset="0"/>
+              </a:rPr>
+              <a:t> </a:t>
+            </a:r>
+            <a:r>
+              <a:rPr lang="nl-NL" sz="1400" kern="0" dirty="0" err="1" smtClean="0">
+                <a:latin typeface="Courier New" panose="02070309020205020404" pitchFamily="49" charset="0"/>
+                <a:cs typeface="Courier New" panose="02070309020205020404" pitchFamily="49" charset="0"/>
+              </a:rPr>
+              <a:t>reference</a:t>
+            </a:r>
+            <a:r>
+              <a:rPr lang="nl-NL" sz="1400" kern="0" dirty="0" smtClean="0">
+                <a:latin typeface="Courier New" panose="02070309020205020404" pitchFamily="49" charset="0"/>
+                <a:cs typeface="Courier New" panose="02070309020205020404" pitchFamily="49" charset="0"/>
+              </a:rPr>
+              <a:t> </a:t>
+            </a:r>
+            <a:r>
+              <a:rPr lang="nl-NL" sz="1400" kern="0" dirty="0" err="1" smtClean="0">
+                <a:latin typeface="Courier New" panose="02070309020205020404" pitchFamily="49" charset="0"/>
+                <a:cs typeface="Courier New" panose="02070309020205020404" pitchFamily="49" charset="0"/>
+              </a:rPr>
+              <a:t>to</a:t>
+            </a:r>
+            <a:r>
+              <a:rPr lang="nl-NL" sz="1400" kern="0" dirty="0" smtClean="0">
+                <a:latin typeface="Courier New" panose="02070309020205020404" pitchFamily="49" charset="0"/>
+                <a:cs typeface="Courier New" panose="02070309020205020404" pitchFamily="49" charset="0"/>
+              </a:rPr>
+              <a:t> </a:t>
+            </a:r>
+            <a:r>
+              <a:rPr lang="nl-NL" sz="1400" kern="0" dirty="0" err="1" smtClean="0">
+                <a:latin typeface="Courier New" panose="02070309020205020404" pitchFamily="49" charset="0"/>
+                <a:cs typeface="Courier New" panose="02070309020205020404" pitchFamily="49" charset="0"/>
+              </a:rPr>
+              <a:t>material</a:t>
+            </a:r>
+            <a:r>
+              <a:rPr lang="nl-NL" sz="1400" kern="0" dirty="0" smtClean="0">
+                <a:latin typeface="Courier New" panose="02070309020205020404" pitchFamily="49" charset="0"/>
+                <a:cs typeface="Courier New" panose="02070309020205020404" pitchFamily="49" charset="0"/>
+              </a:rPr>
+              <a:t> from </a:t>
+            </a:r>
+            <a:r>
+              <a:rPr lang="nl-NL" sz="1400" kern="0" dirty="0" err="1" smtClean="0">
+                <a:latin typeface="Courier New" panose="02070309020205020404" pitchFamily="49" charset="0"/>
+                <a:cs typeface="Courier New" panose="02070309020205020404" pitchFamily="49" charset="0"/>
+              </a:rPr>
+              <a:t>earlier</a:t>
+            </a:r>
+            <a:r>
+              <a:rPr lang="nl-NL" sz="1400" kern="0" dirty="0" smtClean="0">
+                <a:latin typeface="Courier New" panose="02070309020205020404" pitchFamily="49" charset="0"/>
+                <a:cs typeface="Courier New" panose="02070309020205020404" pitchFamily="49" charset="0"/>
+              </a:rPr>
+              <a:t> weeks. See the </a:t>
+            </a:r>
+            <a:r>
+              <a:rPr lang="nl-NL" sz="1400" i="1" kern="0" dirty="0" err="1" smtClean="0">
+                <a:latin typeface="Courier New" panose="02070309020205020404" pitchFamily="49" charset="0"/>
+                <a:cs typeface="Courier New" panose="02070309020205020404" pitchFamily="49" charset="0"/>
+              </a:rPr>
+              <a:t>Exercise</a:t>
+            </a:r>
+            <a:r>
+              <a:rPr lang="nl-NL" sz="1400" i="1" kern="0" dirty="0" smtClean="0">
+                <a:latin typeface="Courier New" panose="02070309020205020404" pitchFamily="49" charset="0"/>
+                <a:cs typeface="Courier New" panose="02070309020205020404" pitchFamily="49" charset="0"/>
+              </a:rPr>
+              <a:t> </a:t>
+            </a:r>
+            <a:r>
+              <a:rPr lang="nl-NL" sz="1400" kern="0" dirty="0" smtClean="0">
+                <a:latin typeface="Courier New" panose="02070309020205020404" pitchFamily="49" charset="0"/>
+                <a:cs typeface="Courier New" panose="02070309020205020404" pitchFamily="49" charset="0"/>
+              </a:rPr>
+              <a:t>folder </a:t>
+            </a:r>
+            <a:r>
+              <a:rPr lang="nl-NL" sz="1400" kern="0" dirty="0" err="1" smtClean="0">
+                <a:latin typeface="Courier New" panose="02070309020205020404" pitchFamily="49" charset="0"/>
+                <a:cs typeface="Courier New" panose="02070309020205020404" pitchFamily="49" charset="0"/>
+              </a:rPr>
+              <a:t>for</a:t>
+            </a:r>
+            <a:r>
+              <a:rPr lang="nl-NL" sz="1400" kern="0" dirty="0" smtClean="0">
+                <a:latin typeface="Courier New" panose="02070309020205020404" pitchFamily="49" charset="0"/>
+                <a:cs typeface="Courier New" panose="02070309020205020404" pitchFamily="49" charset="0"/>
+              </a:rPr>
+              <a:t> the data set.</a:t>
+            </a:r>
+          </a:p>
+          <a:p>
+            <a:pPr marL="0" indent="0">
+              <a:buNone/>
+            </a:pPr>
+            <a:endParaRPr lang="nl-NL" sz="1400" kern="0" dirty="0">
+              <a:latin typeface="Courier New" panose="02070309020205020404" pitchFamily="49" charset="0"/>
+              <a:cs typeface="Courier New" panose="02070309020205020404" pitchFamily="49" charset="0"/>
+            </a:endParaRPr>
+          </a:p>
+          <a:p>
+            <a:pPr>
+              <a:buFont typeface="+mj-lt"/>
+              <a:buAutoNum type="arabicPeriod"/>
+            </a:pPr>
+            <a:r>
+              <a:rPr lang="nl-NL" sz="1400" kern="0" dirty="0" err="1" smtClean="0">
+                <a:latin typeface="Courier New" panose="02070309020205020404" pitchFamily="49" charset="0"/>
+                <a:cs typeface="Courier New" panose="02070309020205020404" pitchFamily="49" charset="0"/>
+              </a:rPr>
+              <a:t>Inspect</a:t>
+            </a:r>
+            <a:r>
+              <a:rPr lang="nl-NL" sz="1400" kern="0" dirty="0" smtClean="0">
+                <a:latin typeface="Courier New" panose="02070309020205020404" pitchFamily="49" charset="0"/>
+                <a:cs typeface="Courier New" panose="02070309020205020404" pitchFamily="49" charset="0"/>
+              </a:rPr>
+              <a:t> the files </a:t>
+            </a:r>
+            <a:r>
+              <a:rPr lang="nl-NL" sz="1400" i="1" kern="0" dirty="0" smtClean="0">
+                <a:latin typeface="Courier New" panose="02070309020205020404" pitchFamily="49" charset="0"/>
+                <a:cs typeface="Courier New" panose="02070309020205020404" pitchFamily="49" charset="0"/>
+              </a:rPr>
+              <a:t>movies.csv</a:t>
+            </a:r>
+            <a:r>
+              <a:rPr lang="nl-NL" sz="1400" kern="0" dirty="0" smtClean="0">
+                <a:latin typeface="Courier New" panose="02070309020205020404" pitchFamily="49" charset="0"/>
+                <a:cs typeface="Courier New" panose="02070309020205020404" pitchFamily="49" charset="0"/>
+              </a:rPr>
+              <a:t> </a:t>
+            </a:r>
+            <a:r>
+              <a:rPr lang="nl-NL" sz="1400" kern="0" dirty="0" err="1" smtClean="0">
+                <a:latin typeface="Courier New" panose="02070309020205020404" pitchFamily="49" charset="0"/>
+                <a:cs typeface="Courier New" panose="02070309020205020404" pitchFamily="49" charset="0"/>
+              </a:rPr>
+              <a:t>and</a:t>
+            </a:r>
+            <a:r>
+              <a:rPr lang="nl-NL" sz="1400" kern="0" dirty="0" smtClean="0">
+                <a:latin typeface="Courier New" panose="02070309020205020404" pitchFamily="49" charset="0"/>
+                <a:cs typeface="Courier New" panose="02070309020205020404" pitchFamily="49" charset="0"/>
+              </a:rPr>
+              <a:t> </a:t>
+            </a:r>
+            <a:r>
+              <a:rPr lang="nl-NL" sz="1400" i="1" kern="0" dirty="0" smtClean="0">
+                <a:latin typeface="Courier New" panose="02070309020205020404" pitchFamily="49" charset="0"/>
+                <a:cs typeface="Courier New" panose="02070309020205020404" pitchFamily="49" charset="0"/>
+              </a:rPr>
+              <a:t>rating.csv</a:t>
+            </a:r>
+            <a:r>
+              <a:rPr lang="nl-NL" sz="1400" kern="0" dirty="0" smtClean="0">
+                <a:latin typeface="Courier New" panose="02070309020205020404" pitchFamily="49" charset="0"/>
+                <a:cs typeface="Courier New" panose="02070309020205020404" pitchFamily="49" charset="0"/>
+              </a:rPr>
+              <a:t>. Using a </a:t>
+            </a:r>
+            <a:r>
+              <a:rPr lang="nl-NL" sz="1400" kern="0" dirty="0" err="1" smtClean="0">
+                <a:latin typeface="Courier New" panose="02070309020205020404" pitchFamily="49" charset="0"/>
+                <a:cs typeface="Courier New" panose="02070309020205020404" pitchFamily="49" charset="0"/>
+              </a:rPr>
+              <a:t>text</a:t>
+            </a:r>
+            <a:r>
+              <a:rPr lang="nl-NL" sz="1400" kern="0" dirty="0" smtClean="0">
+                <a:latin typeface="Courier New" panose="02070309020205020404" pitchFamily="49" charset="0"/>
+                <a:cs typeface="Courier New" panose="02070309020205020404" pitchFamily="49" charset="0"/>
+              </a:rPr>
+              <a:t> editor, </a:t>
+            </a:r>
+            <a:r>
+              <a:rPr lang="nl-NL" sz="1400" kern="0" dirty="0" err="1" smtClean="0">
+                <a:latin typeface="Courier New" panose="02070309020205020404" pitchFamily="49" charset="0"/>
+                <a:cs typeface="Courier New" panose="02070309020205020404" pitchFamily="49" charset="0"/>
+              </a:rPr>
+              <a:t>add</a:t>
+            </a:r>
+            <a:r>
+              <a:rPr lang="nl-NL" sz="1400" kern="0" dirty="0" smtClean="0">
+                <a:latin typeface="Courier New" panose="02070309020205020404" pitchFamily="49" charset="0"/>
+                <a:cs typeface="Courier New" panose="02070309020205020404" pitchFamily="49" charset="0"/>
+              </a:rPr>
+              <a:t> </a:t>
+            </a:r>
+            <a:r>
+              <a:rPr lang="nl-NL" sz="1400" kern="0" dirty="0" err="1" smtClean="0">
+                <a:latin typeface="Courier New" panose="02070309020205020404" pitchFamily="49" charset="0"/>
+                <a:cs typeface="Courier New" panose="02070309020205020404" pitchFamily="49" charset="0"/>
+              </a:rPr>
+              <a:t>yourself</a:t>
+            </a:r>
+            <a:r>
+              <a:rPr lang="nl-NL" sz="1400" kern="0" dirty="0" smtClean="0">
+                <a:latin typeface="Courier New" panose="02070309020205020404" pitchFamily="49" charset="0"/>
+                <a:cs typeface="Courier New" panose="02070309020205020404" pitchFamily="49" charset="0"/>
+              </a:rPr>
+              <a:t> as user 611 </a:t>
+            </a:r>
+            <a:r>
+              <a:rPr lang="nl-NL" sz="1400" kern="0" dirty="0" err="1" smtClean="0">
+                <a:latin typeface="Courier New" panose="02070309020205020404" pitchFamily="49" charset="0"/>
+                <a:cs typeface="Courier New" panose="02070309020205020404" pitchFamily="49" charset="0"/>
+              </a:rPr>
+              <a:t>and</a:t>
+            </a:r>
+            <a:r>
+              <a:rPr lang="nl-NL" sz="1400" kern="0" dirty="0" smtClean="0">
+                <a:latin typeface="Courier New" panose="02070309020205020404" pitchFamily="49" charset="0"/>
+                <a:cs typeface="Courier New" panose="02070309020205020404" pitchFamily="49" charset="0"/>
+              </a:rPr>
+              <a:t> </a:t>
+            </a:r>
+            <a:r>
+              <a:rPr lang="nl-NL" sz="1400" kern="0" dirty="0" err="1" smtClean="0">
+                <a:latin typeface="Courier New" panose="02070309020205020404" pitchFamily="49" charset="0"/>
+                <a:cs typeface="Courier New" panose="02070309020205020404" pitchFamily="49" charset="0"/>
+              </a:rPr>
+              <a:t>add</a:t>
+            </a:r>
+            <a:r>
+              <a:rPr lang="nl-NL" sz="1400" kern="0" dirty="0" smtClean="0">
+                <a:latin typeface="Courier New" panose="02070309020205020404" pitchFamily="49" charset="0"/>
+                <a:cs typeface="Courier New" panose="02070309020205020404" pitchFamily="49" charset="0"/>
+              </a:rPr>
+              <a:t> </a:t>
+            </a:r>
+            <a:r>
+              <a:rPr lang="nl-NL" sz="1400" kern="0" dirty="0" err="1" smtClean="0">
+                <a:latin typeface="Courier New" panose="02070309020205020404" pitchFamily="49" charset="0"/>
+                <a:cs typeface="Courier New" panose="02070309020205020404" pitchFamily="49" charset="0"/>
+              </a:rPr>
+              <a:t>your</a:t>
+            </a:r>
+            <a:r>
+              <a:rPr lang="nl-NL" sz="1400" kern="0" dirty="0" smtClean="0">
+                <a:latin typeface="Courier New" panose="02070309020205020404" pitchFamily="49" charset="0"/>
+                <a:cs typeface="Courier New" panose="02070309020205020404" pitchFamily="49" charset="0"/>
+              </a:rPr>
+              <a:t> scores </a:t>
+            </a:r>
+            <a:r>
+              <a:rPr lang="nl-NL" sz="1400" kern="0" dirty="0" err="1" smtClean="0">
+                <a:latin typeface="Courier New" panose="02070309020205020404" pitchFamily="49" charset="0"/>
+                <a:cs typeface="Courier New" panose="02070309020205020404" pitchFamily="49" charset="0"/>
+              </a:rPr>
+              <a:t>for</a:t>
+            </a:r>
+            <a:r>
+              <a:rPr lang="nl-NL" sz="1400" kern="0" dirty="0" smtClean="0">
+                <a:latin typeface="Courier New" panose="02070309020205020404" pitchFamily="49" charset="0"/>
+                <a:cs typeface="Courier New" panose="02070309020205020404" pitchFamily="49" charset="0"/>
+              </a:rPr>
+              <a:t> 10 </a:t>
+            </a:r>
+            <a:r>
+              <a:rPr lang="nl-NL" sz="1400" kern="0" dirty="0" err="1" smtClean="0">
+                <a:latin typeface="Courier New" panose="02070309020205020404" pitchFamily="49" charset="0"/>
+                <a:cs typeface="Courier New" panose="02070309020205020404" pitchFamily="49" charset="0"/>
+              </a:rPr>
+              <a:t>movies</a:t>
+            </a:r>
+            <a:r>
+              <a:rPr lang="nl-NL" sz="1400" kern="0" dirty="0" smtClean="0">
+                <a:latin typeface="Courier New" panose="02070309020205020404" pitchFamily="49" charset="0"/>
+                <a:cs typeface="Courier New" panose="02070309020205020404" pitchFamily="49" charset="0"/>
+              </a:rPr>
+              <a:t> (</a:t>
+            </a:r>
+            <a:r>
+              <a:rPr lang="nl-NL" sz="1400" kern="0" dirty="0" err="1" smtClean="0">
+                <a:latin typeface="Courier New" panose="02070309020205020404" pitchFamily="49" charset="0"/>
+                <a:cs typeface="Courier New" panose="02070309020205020404" pitchFamily="49" charset="0"/>
+              </a:rPr>
+              <a:t>don’t</a:t>
+            </a:r>
+            <a:r>
+              <a:rPr lang="nl-NL" sz="1400" kern="0" dirty="0" smtClean="0">
+                <a:latin typeface="Courier New" panose="02070309020205020404" pitchFamily="49" charset="0"/>
+                <a:cs typeface="Courier New" panose="02070309020205020404" pitchFamily="49" charset="0"/>
+              </a:rPr>
+              <a:t> </a:t>
+            </a:r>
+            <a:r>
+              <a:rPr lang="nl-NL" sz="1400" kern="0" dirty="0" err="1" smtClean="0">
+                <a:latin typeface="Courier New" panose="02070309020205020404" pitchFamily="49" charset="0"/>
+                <a:cs typeface="Courier New" panose="02070309020205020404" pitchFamily="49" charset="0"/>
+              </a:rPr>
+              <a:t>spend</a:t>
+            </a:r>
+            <a:r>
+              <a:rPr lang="nl-NL" sz="1400" kern="0" dirty="0" smtClean="0">
+                <a:latin typeface="Courier New" panose="02070309020205020404" pitchFamily="49" charset="0"/>
+                <a:cs typeface="Courier New" panose="02070309020205020404" pitchFamily="49" charset="0"/>
+              </a:rPr>
+              <a:t> </a:t>
+            </a:r>
+            <a:r>
+              <a:rPr lang="nl-NL" sz="1400" kern="0" dirty="0" err="1" smtClean="0">
+                <a:latin typeface="Courier New" panose="02070309020205020404" pitchFamily="49" charset="0"/>
+                <a:cs typeface="Courier New" panose="02070309020205020404" pitchFamily="49" charset="0"/>
+              </a:rPr>
+              <a:t>too</a:t>
+            </a:r>
+            <a:r>
+              <a:rPr lang="nl-NL" sz="1400" kern="0" dirty="0" smtClean="0">
+                <a:latin typeface="Courier New" panose="02070309020205020404" pitchFamily="49" charset="0"/>
+                <a:cs typeface="Courier New" panose="02070309020205020404" pitchFamily="49" charset="0"/>
+              </a:rPr>
+              <a:t> </a:t>
+            </a:r>
+            <a:r>
+              <a:rPr lang="nl-NL" sz="1400" kern="0" dirty="0" err="1" smtClean="0">
+                <a:latin typeface="Courier New" panose="02070309020205020404" pitchFamily="49" charset="0"/>
+                <a:cs typeface="Courier New" panose="02070309020205020404" pitchFamily="49" charset="0"/>
+              </a:rPr>
+              <a:t>much</a:t>
+            </a:r>
+            <a:r>
+              <a:rPr lang="nl-NL" sz="1400" kern="0" dirty="0" smtClean="0">
+                <a:latin typeface="Courier New" panose="02070309020205020404" pitchFamily="49" charset="0"/>
+                <a:cs typeface="Courier New" panose="02070309020205020404" pitchFamily="49" charset="0"/>
+              </a:rPr>
+              <a:t> time on this, </a:t>
+            </a:r>
+            <a:r>
+              <a:rPr lang="nl-NL" sz="1400" kern="0" dirty="0" err="1" smtClean="0">
+                <a:latin typeface="Courier New" panose="02070309020205020404" pitchFamily="49" charset="0"/>
+                <a:cs typeface="Courier New" panose="02070309020205020404" pitchFamily="49" charset="0"/>
+              </a:rPr>
+              <a:t>just</a:t>
+            </a:r>
+            <a:r>
+              <a:rPr lang="nl-NL" sz="1400" kern="0" dirty="0" smtClean="0">
+                <a:latin typeface="Courier New" panose="02070309020205020404" pitchFamily="49" charset="0"/>
+                <a:cs typeface="Courier New" panose="02070309020205020404" pitchFamily="49" charset="0"/>
+              </a:rPr>
+              <a:t> </a:t>
+            </a:r>
+            <a:r>
+              <a:rPr lang="nl-NL" sz="1400" kern="0" dirty="0" err="1" smtClean="0">
+                <a:latin typeface="Courier New" panose="02070309020205020404" pitchFamily="49" charset="0"/>
+                <a:cs typeface="Courier New" panose="02070309020205020404" pitchFamily="49" charset="0"/>
+              </a:rPr>
+              <a:t>pick</a:t>
+            </a:r>
+            <a:r>
+              <a:rPr lang="nl-NL" sz="1400" kern="0" dirty="0" smtClean="0">
+                <a:latin typeface="Courier New" panose="02070309020205020404" pitchFamily="49" charset="0"/>
+                <a:cs typeface="Courier New" panose="02070309020205020404" pitchFamily="49" charset="0"/>
+              </a:rPr>
+              <a:t> the </a:t>
+            </a:r>
+            <a:r>
+              <a:rPr lang="nl-NL" sz="1400" kern="0" dirty="0" err="1" smtClean="0">
+                <a:latin typeface="Courier New" panose="02070309020205020404" pitchFamily="49" charset="0"/>
+                <a:cs typeface="Courier New" panose="02070309020205020404" pitchFamily="49" charset="0"/>
+              </a:rPr>
+              <a:t>ones</a:t>
+            </a:r>
+            <a:r>
+              <a:rPr lang="nl-NL" sz="1400" kern="0" dirty="0" smtClean="0">
+                <a:latin typeface="Courier New" panose="02070309020205020404" pitchFamily="49" charset="0"/>
+                <a:cs typeface="Courier New" panose="02070309020205020404" pitchFamily="49" charset="0"/>
+              </a:rPr>
+              <a:t> </a:t>
+            </a:r>
+            <a:r>
+              <a:rPr lang="nl-NL" sz="1400" kern="0" dirty="0" err="1" smtClean="0">
+                <a:latin typeface="Courier New" panose="02070309020205020404" pitchFamily="49" charset="0"/>
+                <a:cs typeface="Courier New" panose="02070309020205020404" pitchFamily="49" charset="0"/>
+              </a:rPr>
+              <a:t>you</a:t>
+            </a:r>
+            <a:r>
+              <a:rPr lang="nl-NL" sz="1400" kern="0" dirty="0" smtClean="0">
+                <a:latin typeface="Courier New" panose="02070309020205020404" pitchFamily="49" charset="0"/>
+                <a:cs typeface="Courier New" panose="02070309020205020404" pitchFamily="49" charset="0"/>
+              </a:rPr>
+              <a:t> </a:t>
+            </a:r>
+            <a:r>
+              <a:rPr lang="nl-NL" sz="1400" kern="0" dirty="0" err="1" smtClean="0">
+                <a:latin typeface="Courier New" panose="02070309020205020404" pitchFamily="49" charset="0"/>
+                <a:cs typeface="Courier New" panose="02070309020205020404" pitchFamily="49" charset="0"/>
+              </a:rPr>
+              <a:t>recognize</a:t>
+            </a:r>
+            <a:r>
+              <a:rPr lang="nl-NL" sz="1400" kern="0" dirty="0" smtClean="0">
+                <a:latin typeface="Courier New" panose="02070309020205020404" pitchFamily="49" charset="0"/>
+                <a:cs typeface="Courier New" panose="02070309020205020404" pitchFamily="49" charset="0"/>
+              </a:rPr>
+              <a:t>). Scores are from 0.5-5 stars </a:t>
+            </a:r>
+            <a:r>
+              <a:rPr lang="nl-NL" sz="1400" kern="0" dirty="0" err="1" smtClean="0">
+                <a:latin typeface="Courier New" panose="02070309020205020404" pitchFamily="49" charset="0"/>
+                <a:cs typeface="Courier New" panose="02070309020205020404" pitchFamily="49" charset="0"/>
+              </a:rPr>
+              <a:t>with</a:t>
+            </a:r>
+            <a:r>
+              <a:rPr lang="nl-NL" sz="1400" kern="0" dirty="0" smtClean="0">
+                <a:latin typeface="Courier New" panose="02070309020205020404" pitchFamily="49" charset="0"/>
+                <a:cs typeface="Courier New" panose="02070309020205020404" pitchFamily="49" charset="0"/>
+              </a:rPr>
+              <a:t> half a star </a:t>
+            </a:r>
+            <a:r>
+              <a:rPr lang="nl-NL" sz="1400" kern="0" dirty="0" err="1" smtClean="0">
+                <a:latin typeface="Courier New" panose="02070309020205020404" pitchFamily="49" charset="0"/>
+                <a:cs typeface="Courier New" panose="02070309020205020404" pitchFamily="49" charset="0"/>
+              </a:rPr>
+              <a:t>possible</a:t>
+            </a:r>
+            <a:r>
+              <a:rPr lang="nl-NL" sz="1400" kern="0" dirty="0" smtClean="0">
+                <a:latin typeface="Courier New" panose="02070309020205020404" pitchFamily="49" charset="0"/>
+                <a:cs typeface="Courier New" panose="02070309020205020404" pitchFamily="49" charset="0"/>
+              </a:rPr>
+              <a:t>.</a:t>
+            </a:r>
+          </a:p>
+          <a:p>
+            <a:pPr>
+              <a:buFont typeface="+mj-lt"/>
+              <a:buAutoNum type="arabicPeriod"/>
+            </a:pPr>
+            <a:endParaRPr lang="nl-NL" sz="1400" kern="0" dirty="0">
+              <a:latin typeface="Courier New" panose="02070309020205020404" pitchFamily="49" charset="0"/>
+              <a:cs typeface="Courier New" panose="02070309020205020404" pitchFamily="49" charset="0"/>
+            </a:endParaRPr>
+          </a:p>
+          <a:p>
+            <a:pPr>
+              <a:buFont typeface="+mj-lt"/>
+              <a:buAutoNum type="arabicPeriod"/>
+            </a:pPr>
+            <a:r>
+              <a:rPr lang="nl-NL" sz="1400" kern="0" dirty="0" smtClean="0">
+                <a:latin typeface="Courier New" panose="02070309020205020404" pitchFamily="49" charset="0"/>
+                <a:cs typeface="Courier New" panose="02070309020205020404" pitchFamily="49" charset="0"/>
+              </a:rPr>
+              <a:t>Load the files in a Notebook </a:t>
+            </a:r>
+            <a:r>
+              <a:rPr lang="nl-NL" sz="1400" kern="0" dirty="0" err="1" smtClean="0">
+                <a:latin typeface="Courier New" panose="02070309020205020404" pitchFamily="49" charset="0"/>
+                <a:cs typeface="Courier New" panose="02070309020205020404" pitchFamily="49" charset="0"/>
+              </a:rPr>
+              <a:t>and</a:t>
+            </a:r>
+            <a:r>
+              <a:rPr lang="nl-NL" sz="1400" kern="0" dirty="0" smtClean="0">
+                <a:latin typeface="Courier New" panose="02070309020205020404" pitchFamily="49" charset="0"/>
+                <a:cs typeface="Courier New" panose="02070309020205020404" pitchFamily="49" charset="0"/>
+              </a:rPr>
+              <a:t> </a:t>
+            </a:r>
+            <a:r>
+              <a:rPr lang="nl-NL" sz="1400" kern="0" dirty="0" err="1" smtClean="0">
+                <a:latin typeface="Courier New" panose="02070309020205020404" pitchFamily="49" charset="0"/>
+                <a:cs typeface="Courier New" panose="02070309020205020404" pitchFamily="49" charset="0"/>
+              </a:rPr>
+              <a:t>merge</a:t>
+            </a:r>
+            <a:r>
+              <a:rPr lang="nl-NL" sz="1400" kern="0" dirty="0" smtClean="0">
+                <a:latin typeface="Courier New" panose="02070309020205020404" pitchFamily="49" charset="0"/>
+                <a:cs typeface="Courier New" panose="02070309020205020404" pitchFamily="49" charset="0"/>
+              </a:rPr>
+              <a:t> </a:t>
+            </a:r>
+            <a:r>
+              <a:rPr lang="nl-NL" sz="1400" kern="0" dirty="0" err="1" smtClean="0">
+                <a:latin typeface="Courier New" panose="02070309020205020404" pitchFamily="49" charset="0"/>
+                <a:cs typeface="Courier New" panose="02070309020205020404" pitchFamily="49" charset="0"/>
+              </a:rPr>
+              <a:t>them</a:t>
+            </a:r>
+            <a:r>
+              <a:rPr lang="nl-NL" sz="1400" kern="0" dirty="0" smtClean="0">
+                <a:latin typeface="Courier New" panose="02070309020205020404" pitchFamily="49" charset="0"/>
+                <a:cs typeface="Courier New" panose="02070309020205020404" pitchFamily="49" charset="0"/>
+              </a:rPr>
+              <a:t> (</a:t>
+            </a:r>
+            <a:r>
+              <a:rPr lang="nl-NL" sz="1400" kern="0" dirty="0" err="1" smtClean="0">
+                <a:latin typeface="Courier New" panose="02070309020205020404" pitchFamily="49" charset="0"/>
+                <a:cs typeface="Courier New" panose="02070309020205020404" pitchFamily="49" charset="0"/>
+              </a:rPr>
+              <a:t>remember</a:t>
+            </a:r>
+            <a:r>
+              <a:rPr lang="nl-NL" sz="1400" kern="0" dirty="0" smtClean="0">
+                <a:latin typeface="Courier New" panose="02070309020205020404" pitchFamily="49" charset="0"/>
+                <a:cs typeface="Courier New" panose="02070309020205020404" pitchFamily="49" charset="0"/>
+              </a:rPr>
+              <a:t> </a:t>
+            </a:r>
+            <a:r>
+              <a:rPr lang="nl-NL" sz="1400" kern="0" dirty="0" err="1" smtClean="0">
+                <a:latin typeface="Courier New" panose="02070309020205020404" pitchFamily="49" charset="0"/>
+                <a:cs typeface="Courier New" panose="02070309020205020404" pitchFamily="49" charset="0"/>
+              </a:rPr>
+              <a:t>which</a:t>
+            </a:r>
+            <a:r>
+              <a:rPr lang="nl-NL" sz="1400" kern="0" dirty="0" smtClean="0">
+                <a:latin typeface="Courier New" panose="02070309020205020404" pitchFamily="49" charset="0"/>
+                <a:cs typeface="Courier New" panose="02070309020205020404" pitchFamily="49" charset="0"/>
+              </a:rPr>
+              <a:t> </a:t>
+            </a:r>
+            <a:r>
+              <a:rPr lang="nl-NL" sz="1400" kern="0" dirty="0" err="1" smtClean="0">
+                <a:latin typeface="Courier New" panose="02070309020205020404" pitchFamily="49" charset="0"/>
+                <a:cs typeface="Courier New" panose="02070309020205020404" pitchFamily="49" charset="0"/>
+              </a:rPr>
+              <a:t>function</a:t>
+            </a:r>
+            <a:r>
+              <a:rPr lang="nl-NL" sz="1400" kern="0" dirty="0" smtClean="0">
+                <a:latin typeface="Courier New" panose="02070309020205020404" pitchFamily="49" charset="0"/>
+                <a:cs typeface="Courier New" panose="02070309020205020404" pitchFamily="49" charset="0"/>
+              </a:rPr>
+              <a:t> </a:t>
+            </a:r>
+            <a:r>
+              <a:rPr lang="nl-NL" sz="1400" kern="0" dirty="0" err="1" smtClean="0">
+                <a:latin typeface="Courier New" panose="02070309020205020404" pitchFamily="49" charset="0"/>
+                <a:cs typeface="Courier New" panose="02070309020205020404" pitchFamily="49" charset="0"/>
+              </a:rPr>
+              <a:t>to</a:t>
+            </a:r>
+            <a:r>
+              <a:rPr lang="nl-NL" sz="1400" kern="0" dirty="0" smtClean="0">
+                <a:latin typeface="Courier New" panose="02070309020205020404" pitchFamily="49" charset="0"/>
+                <a:cs typeface="Courier New" panose="02070309020205020404" pitchFamily="49" charset="0"/>
+              </a:rPr>
+              <a:t> </a:t>
+            </a:r>
+            <a:r>
+              <a:rPr lang="nl-NL" sz="1400" kern="0" dirty="0" err="1" smtClean="0">
+                <a:latin typeface="Courier New" panose="02070309020205020404" pitchFamily="49" charset="0"/>
+                <a:cs typeface="Courier New" panose="02070309020205020404" pitchFamily="49" charset="0"/>
+              </a:rPr>
+              <a:t>use</a:t>
+            </a:r>
+            <a:r>
+              <a:rPr lang="nl-NL" sz="1400" kern="0" dirty="0" smtClean="0">
+                <a:latin typeface="Courier New" panose="02070309020205020404" pitchFamily="49" charset="0"/>
+                <a:cs typeface="Courier New" panose="02070309020205020404" pitchFamily="49" charset="0"/>
+              </a:rPr>
+              <a:t>?).</a:t>
+            </a:r>
+          </a:p>
+          <a:p>
+            <a:pPr>
+              <a:buFont typeface="+mj-lt"/>
+              <a:buAutoNum type="arabicPeriod"/>
+            </a:pPr>
+            <a:endParaRPr lang="nl-NL" sz="1400" kern="0" dirty="0" smtClean="0">
+              <a:latin typeface="Courier New" panose="02070309020205020404" pitchFamily="49" charset="0"/>
+              <a:cs typeface="Courier New" panose="02070309020205020404" pitchFamily="49" charset="0"/>
+            </a:endParaRPr>
+          </a:p>
+          <a:p>
+            <a:pPr>
+              <a:buFont typeface="+mj-lt"/>
+              <a:buAutoNum type="arabicPeriod"/>
+            </a:pPr>
+            <a:r>
+              <a:rPr lang="nl-NL" sz="1400" kern="0" dirty="0" smtClean="0">
+                <a:latin typeface="Courier New" panose="02070309020205020404" pitchFamily="49" charset="0"/>
+                <a:cs typeface="Courier New" panose="02070309020205020404" pitchFamily="49" charset="0"/>
+              </a:rPr>
+              <a:t>Look at the </a:t>
+            </a:r>
+            <a:r>
+              <a:rPr lang="nl-NL" sz="1400" i="1" kern="0" dirty="0" err="1" smtClean="0">
+                <a:latin typeface="Courier New" panose="02070309020205020404" pitchFamily="49" charset="0"/>
+                <a:cs typeface="Courier New" panose="02070309020205020404" pitchFamily="49" charset="0"/>
+              </a:rPr>
+              <a:t>pivot_table</a:t>
+            </a:r>
+            <a:r>
+              <a:rPr lang="nl-NL" sz="1400" i="1" kern="0" dirty="0" smtClean="0">
+                <a:latin typeface="Courier New" panose="02070309020205020404" pitchFamily="49" charset="0"/>
+                <a:cs typeface="Courier New" panose="02070309020205020404" pitchFamily="49" charset="0"/>
+              </a:rPr>
+              <a:t> </a:t>
+            </a:r>
+            <a:r>
+              <a:rPr lang="nl-NL" sz="1400" kern="0" dirty="0" smtClean="0">
+                <a:latin typeface="Courier New" panose="02070309020205020404" pitchFamily="49" charset="0"/>
+                <a:cs typeface="Courier New" panose="02070309020205020404" pitchFamily="49" charset="0"/>
+              </a:rPr>
+              <a:t>Notebook in the </a:t>
+            </a:r>
+            <a:r>
+              <a:rPr lang="nl-NL" sz="1400" kern="0" dirty="0" err="1" smtClean="0">
+                <a:latin typeface="Courier New" panose="02070309020205020404" pitchFamily="49" charset="0"/>
+                <a:cs typeface="Courier New" panose="02070309020205020404" pitchFamily="49" charset="0"/>
+              </a:rPr>
+              <a:t>Examples</a:t>
+            </a:r>
+            <a:r>
+              <a:rPr lang="nl-NL" sz="1400" kern="0" dirty="0" smtClean="0">
+                <a:latin typeface="Courier New" panose="02070309020205020404" pitchFamily="49" charset="0"/>
+                <a:cs typeface="Courier New" panose="02070309020205020404" pitchFamily="49" charset="0"/>
+              </a:rPr>
+              <a:t> folder. How </a:t>
+            </a:r>
+            <a:r>
+              <a:rPr lang="nl-NL" sz="1400" kern="0" dirty="0" err="1" smtClean="0">
+                <a:latin typeface="Courier New" panose="02070309020205020404" pitchFamily="49" charset="0"/>
+                <a:cs typeface="Courier New" panose="02070309020205020404" pitchFamily="49" charset="0"/>
+              </a:rPr>
+              <a:t>might</a:t>
+            </a:r>
+            <a:r>
+              <a:rPr lang="nl-NL" sz="1400" kern="0" dirty="0" smtClean="0">
+                <a:latin typeface="Courier New" panose="02070309020205020404" pitchFamily="49" charset="0"/>
+                <a:cs typeface="Courier New" panose="02070309020205020404" pitchFamily="49" charset="0"/>
+              </a:rPr>
+              <a:t> </a:t>
+            </a:r>
+            <a:r>
+              <a:rPr lang="nl-NL" sz="1400" kern="0" dirty="0" err="1" smtClean="0">
+                <a:latin typeface="Courier New" panose="02070309020205020404" pitchFamily="49" charset="0"/>
+                <a:cs typeface="Courier New" panose="02070309020205020404" pitchFamily="49" charset="0"/>
+              </a:rPr>
+              <a:t>you</a:t>
+            </a:r>
+            <a:r>
+              <a:rPr lang="nl-NL" sz="1400" kern="0" dirty="0" smtClean="0">
+                <a:latin typeface="Courier New" panose="02070309020205020404" pitchFamily="49" charset="0"/>
+                <a:cs typeface="Courier New" panose="02070309020205020404" pitchFamily="49" charset="0"/>
+              </a:rPr>
+              <a:t> </a:t>
+            </a:r>
+            <a:r>
+              <a:rPr lang="nl-NL" sz="1400" kern="0" dirty="0" err="1" smtClean="0">
+                <a:latin typeface="Courier New" panose="02070309020205020404" pitchFamily="49" charset="0"/>
+                <a:cs typeface="Courier New" panose="02070309020205020404" pitchFamily="49" charset="0"/>
+              </a:rPr>
+              <a:t>use</a:t>
+            </a:r>
+            <a:r>
+              <a:rPr lang="nl-NL" sz="1400" kern="0" dirty="0" smtClean="0">
+                <a:latin typeface="Courier New" panose="02070309020205020404" pitchFamily="49" charset="0"/>
+                <a:cs typeface="Courier New" panose="02070309020205020404" pitchFamily="49" charset="0"/>
+              </a:rPr>
+              <a:t> a pivot </a:t>
+            </a:r>
+            <a:r>
+              <a:rPr lang="nl-NL" sz="1400" kern="0" dirty="0" err="1" smtClean="0">
+                <a:latin typeface="Courier New" panose="02070309020205020404" pitchFamily="49" charset="0"/>
+                <a:cs typeface="Courier New" panose="02070309020205020404" pitchFamily="49" charset="0"/>
+              </a:rPr>
+              <a:t>table</a:t>
+            </a:r>
+            <a:r>
+              <a:rPr lang="nl-NL" sz="1400" kern="0" dirty="0" smtClean="0">
+                <a:latin typeface="Courier New" panose="02070309020205020404" pitchFamily="49" charset="0"/>
+                <a:cs typeface="Courier New" panose="02070309020205020404" pitchFamily="49" charset="0"/>
+              </a:rPr>
+              <a:t> </a:t>
+            </a:r>
+            <a:r>
+              <a:rPr lang="nl-NL" sz="1400" kern="0" dirty="0" err="1" smtClean="0">
+                <a:latin typeface="Courier New" panose="02070309020205020404" pitchFamily="49" charset="0"/>
+                <a:cs typeface="Courier New" panose="02070309020205020404" pitchFamily="49" charset="0"/>
+              </a:rPr>
+              <a:t>to</a:t>
+            </a:r>
+            <a:r>
+              <a:rPr lang="nl-NL" sz="1400" kern="0" dirty="0" smtClean="0">
+                <a:latin typeface="Courier New" panose="02070309020205020404" pitchFamily="49" charset="0"/>
+                <a:cs typeface="Courier New" panose="02070309020205020404" pitchFamily="49" charset="0"/>
+              </a:rPr>
+              <a:t> make a user-item matrix? </a:t>
+            </a:r>
+            <a:r>
+              <a:rPr lang="nl-NL" sz="1400" kern="0" dirty="0" err="1" smtClean="0">
+                <a:latin typeface="Courier New" panose="02070309020205020404" pitchFamily="49" charset="0"/>
+                <a:cs typeface="Courier New" panose="02070309020205020404" pitchFamily="49" charset="0"/>
+              </a:rPr>
+              <a:t>Remember</a:t>
+            </a:r>
+            <a:r>
+              <a:rPr lang="nl-NL" sz="1400" kern="0" dirty="0" smtClean="0">
+                <a:latin typeface="Courier New" panose="02070309020205020404" pitchFamily="49" charset="0"/>
+                <a:cs typeface="Courier New" panose="02070309020205020404" pitchFamily="49" charset="0"/>
+              </a:rPr>
+              <a:t>: a user-item matrix is a </a:t>
+            </a:r>
+            <a:r>
+              <a:rPr lang="nl-NL" sz="1400" kern="0" dirty="0" err="1" smtClean="0">
+                <a:latin typeface="Courier New" panose="02070309020205020404" pitchFamily="49" charset="0"/>
+                <a:cs typeface="Courier New" panose="02070309020205020404" pitchFamily="49" charset="0"/>
+              </a:rPr>
+              <a:t>table</a:t>
+            </a:r>
+            <a:r>
+              <a:rPr lang="nl-NL" sz="1400" kern="0" dirty="0" smtClean="0">
+                <a:latin typeface="Courier New" panose="02070309020205020404" pitchFamily="49" charset="0"/>
+                <a:cs typeface="Courier New" panose="02070309020205020404" pitchFamily="49" charset="0"/>
+              </a:rPr>
+              <a:t> of the ratings, </a:t>
+            </a:r>
+            <a:r>
+              <a:rPr lang="nl-NL" sz="1400" kern="0" dirty="0" err="1" smtClean="0">
+                <a:latin typeface="Courier New" panose="02070309020205020404" pitchFamily="49" charset="0"/>
+                <a:cs typeface="Courier New" panose="02070309020205020404" pitchFamily="49" charset="0"/>
+              </a:rPr>
+              <a:t>with</a:t>
+            </a:r>
+            <a:r>
+              <a:rPr lang="nl-NL" sz="1400" kern="0" dirty="0" smtClean="0">
+                <a:latin typeface="Courier New" panose="02070309020205020404" pitchFamily="49" charset="0"/>
+                <a:cs typeface="Courier New" panose="02070309020205020404" pitchFamily="49" charset="0"/>
+              </a:rPr>
+              <a:t> users in the </a:t>
+            </a:r>
+            <a:r>
+              <a:rPr lang="nl-NL" sz="1400" kern="0" dirty="0" err="1" smtClean="0">
+                <a:latin typeface="Courier New" panose="02070309020205020404" pitchFamily="49" charset="0"/>
+                <a:cs typeface="Courier New" panose="02070309020205020404" pitchFamily="49" charset="0"/>
+              </a:rPr>
+              <a:t>rows</a:t>
+            </a:r>
+            <a:r>
+              <a:rPr lang="nl-NL" sz="1400" kern="0" dirty="0" smtClean="0">
+                <a:latin typeface="Courier New" panose="02070309020205020404" pitchFamily="49" charset="0"/>
+                <a:cs typeface="Courier New" panose="02070309020205020404" pitchFamily="49" charset="0"/>
+              </a:rPr>
+              <a:t> </a:t>
+            </a:r>
+            <a:r>
+              <a:rPr lang="nl-NL" sz="1400" kern="0" dirty="0" err="1" smtClean="0">
+                <a:latin typeface="Courier New" panose="02070309020205020404" pitchFamily="49" charset="0"/>
+                <a:cs typeface="Courier New" panose="02070309020205020404" pitchFamily="49" charset="0"/>
+              </a:rPr>
+              <a:t>and</a:t>
+            </a:r>
+            <a:r>
+              <a:rPr lang="nl-NL" sz="1400" kern="0" dirty="0" smtClean="0">
+                <a:latin typeface="Courier New" panose="02070309020205020404" pitchFamily="49" charset="0"/>
+                <a:cs typeface="Courier New" panose="02070309020205020404" pitchFamily="49" charset="0"/>
+              </a:rPr>
+              <a:t> items in the columns. </a:t>
+            </a:r>
+            <a:r>
+              <a:rPr lang="nl-NL" sz="1400" kern="0" dirty="0" err="1" smtClean="0">
+                <a:latin typeface="Courier New" panose="02070309020205020404" pitchFamily="49" charset="0"/>
+                <a:cs typeface="Courier New" panose="02070309020205020404" pitchFamily="49" charset="0"/>
+              </a:rPr>
+              <a:t>What</a:t>
+            </a:r>
+            <a:r>
+              <a:rPr lang="nl-NL" sz="1400" kern="0" dirty="0" smtClean="0">
+                <a:latin typeface="Courier New" panose="02070309020205020404" pitchFamily="49" charset="0"/>
+                <a:cs typeface="Courier New" panose="02070309020205020404" pitchFamily="49" charset="0"/>
+              </a:rPr>
+              <a:t> are the items?</a:t>
+            </a:r>
+          </a:p>
+          <a:p>
+            <a:pPr>
+              <a:buFont typeface="+mj-lt"/>
+              <a:buAutoNum type="arabicPeriod"/>
+            </a:pPr>
+            <a:endParaRPr lang="nl-NL" sz="1400" kern="0" dirty="0">
+              <a:latin typeface="Courier New" panose="02070309020205020404" pitchFamily="49" charset="0"/>
+              <a:cs typeface="Courier New" panose="02070309020205020404" pitchFamily="49" charset="0"/>
+            </a:endParaRPr>
+          </a:p>
+          <a:p>
+            <a:pPr>
+              <a:buFont typeface="+mj-lt"/>
+              <a:buAutoNum type="arabicPeriod"/>
+            </a:pPr>
+            <a:r>
+              <a:rPr lang="nl-NL" sz="1400" kern="0" dirty="0" smtClean="0">
+                <a:latin typeface="Courier New" panose="02070309020205020404" pitchFamily="49" charset="0"/>
+                <a:cs typeface="Courier New" panose="02070309020205020404" pitchFamily="49" charset="0"/>
+              </a:rPr>
+              <a:t>Using </a:t>
+            </a:r>
+            <a:r>
+              <a:rPr lang="nl-NL" sz="1400" i="1" kern="0" dirty="0" err="1" smtClean="0">
+                <a:latin typeface="Courier New" panose="02070309020205020404" pitchFamily="49" charset="0"/>
+                <a:cs typeface="Courier New" panose="02070309020205020404" pitchFamily="49" charset="0"/>
+              </a:rPr>
+              <a:t>head</a:t>
+            </a:r>
+            <a:r>
+              <a:rPr lang="nl-NL" sz="1400" i="1" kern="0" dirty="0" smtClean="0">
+                <a:latin typeface="Courier New" panose="02070309020205020404" pitchFamily="49" charset="0"/>
+                <a:cs typeface="Courier New" panose="02070309020205020404" pitchFamily="49" charset="0"/>
+              </a:rPr>
+              <a:t>()</a:t>
+            </a:r>
+            <a:r>
+              <a:rPr lang="nl-NL" sz="1400" kern="0" dirty="0" smtClean="0">
+                <a:latin typeface="Courier New" panose="02070309020205020404" pitchFamily="49" charset="0"/>
+                <a:cs typeface="Courier New" panose="02070309020205020404" pitchFamily="49" charset="0"/>
+              </a:rPr>
+              <a:t>, check </a:t>
+            </a:r>
+            <a:r>
+              <a:rPr lang="nl-NL" sz="1400" kern="0" dirty="0" err="1" smtClean="0">
+                <a:latin typeface="Courier New" panose="02070309020205020404" pitchFamily="49" charset="0"/>
+                <a:cs typeface="Courier New" panose="02070309020205020404" pitchFamily="49" charset="0"/>
+              </a:rPr>
+              <a:t>if</a:t>
+            </a:r>
+            <a:r>
+              <a:rPr lang="nl-NL" sz="1400" kern="0" dirty="0" smtClean="0">
+                <a:latin typeface="Courier New" panose="02070309020205020404" pitchFamily="49" charset="0"/>
+                <a:cs typeface="Courier New" panose="02070309020205020404" pitchFamily="49" charset="0"/>
+              </a:rPr>
+              <a:t> </a:t>
+            </a:r>
+            <a:r>
+              <a:rPr lang="nl-NL" sz="1400" kern="0" dirty="0" err="1" smtClean="0">
+                <a:latin typeface="Courier New" panose="02070309020205020404" pitchFamily="49" charset="0"/>
+                <a:cs typeface="Courier New" panose="02070309020205020404" pitchFamily="49" charset="0"/>
+              </a:rPr>
+              <a:t>your</a:t>
+            </a:r>
+            <a:r>
+              <a:rPr lang="nl-NL" sz="1400" kern="0" dirty="0" smtClean="0">
+                <a:latin typeface="Courier New" panose="02070309020205020404" pitchFamily="49" charset="0"/>
+                <a:cs typeface="Courier New" panose="02070309020205020404" pitchFamily="49" charset="0"/>
+              </a:rPr>
+              <a:t> matrix is correct.</a:t>
+            </a:r>
+            <a:endParaRPr lang="nl-NL" sz="1400" kern="0" dirty="0">
+              <a:latin typeface="Courier New" panose="02070309020205020404" pitchFamily="49" charset="0"/>
+              <a:cs typeface="Courier New" panose="02070309020205020404" pitchFamily="49" charset="0"/>
+            </a:endParaRPr>
+          </a:p>
+          <a:p>
+            <a:pPr>
+              <a:buFont typeface="+mj-lt"/>
+              <a:buAutoNum type="arabicPeriod"/>
+            </a:pPr>
+            <a:endParaRPr lang="nl-NL" sz="1400" kern="0" dirty="0" smtClean="0">
+              <a:latin typeface="Courier New" panose="02070309020205020404" pitchFamily="49" charset="0"/>
+              <a:cs typeface="Courier New" panose="02070309020205020404" pitchFamily="49" charset="0"/>
+            </a:endParaRPr>
+          </a:p>
+          <a:p>
+            <a:pPr>
+              <a:buFont typeface="+mj-lt"/>
+              <a:buAutoNum type="arabicPeriod"/>
+            </a:pPr>
+            <a:r>
+              <a:rPr lang="nl-NL" sz="1400" kern="0" dirty="0" smtClean="0">
+                <a:latin typeface="Courier New" panose="02070309020205020404" pitchFamily="49" charset="0"/>
+                <a:cs typeface="Courier New" panose="02070309020205020404" pitchFamily="49" charset="0"/>
+              </a:rPr>
+              <a:t>Plot a histogram of </a:t>
+            </a:r>
+            <a:r>
+              <a:rPr lang="nl-NL" sz="1400" kern="0" dirty="0" err="1" smtClean="0">
+                <a:latin typeface="Courier New" panose="02070309020205020404" pitchFamily="49" charset="0"/>
+                <a:cs typeface="Courier New" panose="02070309020205020404" pitchFamily="49" charset="0"/>
+              </a:rPr>
+              <a:t>all</a:t>
+            </a:r>
+            <a:r>
+              <a:rPr lang="nl-NL" sz="1400" kern="0" dirty="0" smtClean="0">
+                <a:latin typeface="Courier New" panose="02070309020205020404" pitchFamily="49" charset="0"/>
+                <a:cs typeface="Courier New" panose="02070309020205020404" pitchFamily="49" charset="0"/>
+              </a:rPr>
+              <a:t> the ratings of a movie of </a:t>
+            </a:r>
+            <a:r>
+              <a:rPr lang="nl-NL" sz="1400" kern="0" dirty="0" err="1" smtClean="0">
+                <a:latin typeface="Courier New" panose="02070309020205020404" pitchFamily="49" charset="0"/>
+                <a:cs typeface="Courier New" panose="02070309020205020404" pitchFamily="49" charset="0"/>
+              </a:rPr>
+              <a:t>your</a:t>
+            </a:r>
+            <a:r>
+              <a:rPr lang="nl-NL" sz="1400" kern="0" dirty="0" smtClean="0">
+                <a:latin typeface="Courier New" panose="02070309020205020404" pitchFamily="49" charset="0"/>
+                <a:cs typeface="Courier New" panose="02070309020205020404" pitchFamily="49" charset="0"/>
+              </a:rPr>
+              <a:t> </a:t>
+            </a:r>
+            <a:r>
+              <a:rPr lang="nl-NL" sz="1400" kern="0" dirty="0" err="1" smtClean="0">
+                <a:latin typeface="Courier New" panose="02070309020205020404" pitchFamily="49" charset="0"/>
+                <a:cs typeface="Courier New" panose="02070309020205020404" pitchFamily="49" charset="0"/>
+              </a:rPr>
+              <a:t>choice</a:t>
+            </a:r>
+            <a:r>
+              <a:rPr lang="nl-NL" sz="1400" kern="0" dirty="0" smtClean="0">
+                <a:latin typeface="Courier New" panose="02070309020205020404" pitchFamily="49" charset="0"/>
+                <a:cs typeface="Courier New" panose="02070309020205020404" pitchFamily="49" charset="0"/>
+              </a:rPr>
+              <a:t>.</a:t>
+            </a:r>
+          </a:p>
+          <a:p>
+            <a:pPr>
+              <a:buFont typeface="+mj-lt"/>
+              <a:buAutoNum type="arabicPeriod"/>
+            </a:pPr>
+            <a:endParaRPr lang="nl-NL" sz="1400" kern="0" dirty="0">
+              <a:latin typeface="Courier New" panose="02070309020205020404" pitchFamily="49" charset="0"/>
+              <a:cs typeface="Courier New" panose="02070309020205020404" pitchFamily="49" charset="0"/>
+            </a:endParaRPr>
+          </a:p>
+          <a:p>
+            <a:pPr>
+              <a:buFont typeface="+mj-lt"/>
+              <a:buAutoNum type="arabicPeriod"/>
+            </a:pPr>
+            <a:endParaRPr lang="nl-NL" sz="1400" kern="0" dirty="0" smtClean="0">
+              <a:latin typeface="Courier New" panose="02070309020205020404" pitchFamily="49" charset="0"/>
+              <a:cs typeface="Courier New" panose="02070309020205020404" pitchFamily="49" charset="0"/>
+            </a:endParaRPr>
+          </a:p>
+          <a:p>
+            <a:pPr marL="0" indent="0">
+              <a:buFont typeface="Zapf Dingbats" charset="2"/>
+              <a:buNone/>
+            </a:pPr>
+            <a:endParaRPr lang="nl-NL" sz="1400" kern="0" dirty="0">
+              <a:latin typeface="Courier New" panose="02070309020205020404" pitchFamily="49" charset="0"/>
+              <a:cs typeface="Courier New" panose="02070309020205020404" pitchFamily="49" charset="0"/>
+            </a:endParaRPr>
+          </a:p>
+          <a:p>
+            <a:pPr marL="0" indent="0">
+              <a:buFont typeface="Zapf Dingbats" charset="2"/>
+              <a:buNone/>
+            </a:pPr>
+            <a:endParaRPr lang="nl-NL" sz="1400" kern="0" dirty="0">
+              <a:latin typeface="Courier New" panose="02070309020205020404" pitchFamily="49" charset="0"/>
+              <a:cs typeface="Courier New" panose="02070309020205020404" pitchFamily="49" charset="0"/>
+            </a:endParaRPr>
+          </a:p>
+          <a:p>
+            <a:pPr marL="0" indent="0">
+              <a:buFont typeface="Zapf Dingbats" charset="2"/>
+              <a:buNone/>
+            </a:pPr>
+            <a:endParaRPr lang="nl-NL" sz="1400" kern="0" dirty="0">
+              <a:latin typeface="Courier New" panose="02070309020205020404" pitchFamily="49" charset="0"/>
+              <a:cs typeface="Courier New" panose="02070309020205020404" pitchFamily="49" charset="0"/>
+            </a:endParaRPr>
+          </a:p>
+          <a:p>
+            <a:pPr marL="0" indent="0">
+              <a:buFont typeface="Zapf Dingbats" charset="2"/>
+              <a:buNone/>
+            </a:pPr>
+            <a:endParaRPr lang="nl-NL" sz="1400" kern="0" dirty="0" smtClean="0">
+              <a:latin typeface="Courier New" panose="02070309020205020404" pitchFamily="49" charset="0"/>
+              <a:cs typeface="Courier New" panose="02070309020205020404" pitchFamily="49" charset="0"/>
+            </a:endParaRPr>
+          </a:p>
+          <a:p>
+            <a:pPr marL="0" indent="0">
+              <a:buFont typeface="Zapf Dingbats" charset="2"/>
+              <a:buNone/>
+            </a:pPr>
+            <a:endParaRPr lang="nl-NL" sz="1400" kern="0" dirty="0">
+              <a:latin typeface="Courier New" panose="02070309020205020404" pitchFamily="49" charset="0"/>
+              <a:cs typeface="Courier New" panose="02070309020205020404" pitchFamily="49" charset="0"/>
+            </a:endParaRPr>
+          </a:p>
+          <a:p>
+            <a:pPr marL="0" indent="0">
+              <a:buFont typeface="Zapf Dingbats" charset="2"/>
+              <a:buNone/>
+            </a:pPr>
+            <a:endParaRPr lang="nl-NL" sz="1400" kern="0" dirty="0" smtClean="0">
+              <a:latin typeface="Courier New" panose="02070309020205020404" pitchFamily="49" charset="0"/>
+              <a:cs typeface="Courier New" panose="02070309020205020404" pitchFamily="49" charset="0"/>
+            </a:endParaRPr>
+          </a:p>
+        </p:txBody>
+      </p:sp>
+    </p:spTree>
+    <p:extLst>
+      <p:ext uri="{BB962C8B-B14F-4D97-AF65-F5344CB8AC3E}">
+        <p14:creationId xmlns:p14="http://schemas.microsoft.com/office/powerpoint/2010/main" val="2151871792"/>
+      </p:ext>
+    </p:extLst>
+  </p:cSld>
+  <p:clrMapOvr>
+    <a:masterClrMapping/>
+  </p:clrMapOvr>
+  <p:timing>
+    <p:tnLst>
+      <p:par>
+        <p:cTn id="1" dur="indefinite" restart="never" nodeType="tmRoot"/>
+      </p:par>
+    </p:tnLst>
+  </p:timing>
 </p:sld>
 </file>
 

--- a/slides/ddl-w7l1.pptx
+++ b/slides/ddl-w7l1.pptx
@@ -309,7 +309,7 @@
             <a:fld id="{373F1B60-BDF4-4D63-AD79-99D5A5B1DF99}" type="datetime1">
               <a:rPr lang="en-US"/>
               <a:pPr/>
-              <a:t>1/3/2019</a:t>
+              <a:t>1/7/2019</a:t>
             </a:fld>
             <a:endParaRPr lang="en-US"/>
           </a:p>
@@ -528,7 +528,7 @@
             <a:fld id="{4387A7AA-DFE9-4771-BEDE-3294FCEBFB02}" type="datetime1">
               <a:rPr lang="en-US"/>
               <a:pPr/>
-              <a:t>1/3/2019</a:t>
+              <a:t>1/7/2019</a:t>
             </a:fld>
             <a:endParaRPr lang="en-US"/>
           </a:p>
@@ -919,7 +919,7 @@
             <a:fld id="{8541E2CD-DBF4-40F9-B6F8-EEFD0DF8A138}" type="datetime1">
               <a:rPr lang="en-US"/>
               <a:pPr/>
-              <a:t>1/3/2019</a:t>
+              <a:t>1/7/2019</a:t>
             </a:fld>
             <a:endParaRPr lang="en-US"/>
           </a:p>
@@ -1139,7 +1139,7 @@
             <a:fld id="{93F21019-3A00-48AC-9663-40DF67A83229}" type="datetime1">
               <a:rPr lang="en-US"/>
               <a:pPr/>
-              <a:t>1/3/2019</a:t>
+              <a:t>1/7/2019</a:t>
             </a:fld>
             <a:endParaRPr lang="en-US">
               <a:solidFill>
@@ -1325,7 +1325,7 @@
             <a:fld id="{8B2EF9C8-0AC3-4A53-9A61-1834A571F420}" type="datetime1">
               <a:rPr lang="en-US"/>
               <a:pPr/>
-              <a:t>1/3/2019</a:t>
+              <a:t>1/7/2019</a:t>
             </a:fld>
             <a:endParaRPr lang="en-US" sz="1400">
               <a:solidFill>
@@ -1522,7 +1522,7 @@
             <a:fld id="{F02960F3-A385-4905-A491-FDC17E063DD1}" type="datetime1">
               <a:rPr lang="en-US"/>
               <a:pPr/>
-              <a:t>1/3/2019</a:t>
+              <a:t>1/7/2019</a:t>
             </a:fld>
             <a:endParaRPr lang="en-US" sz="1400">
               <a:solidFill>
@@ -1781,7 +1781,7 @@
             <a:fld id="{CD3AD70A-8E2A-47B5-AC18-ABBB5A8E737D}" type="datetime1">
               <a:rPr lang="en-US"/>
               <a:pPr/>
-              <a:t>1/3/2019</a:t>
+              <a:t>1/7/2019</a:t>
             </a:fld>
             <a:endParaRPr lang="en-US" sz="1400">
               <a:solidFill>
@@ -2017,7 +2017,7 @@
             <a:fld id="{07008C2E-9BD6-496B-BFC3-B4A975EBC85E}" type="datetime1">
               <a:rPr lang="en-US"/>
               <a:pPr/>
-              <a:t>1/3/2019</a:t>
+              <a:t>1/7/2019</a:t>
             </a:fld>
             <a:endParaRPr lang="en-US" sz="1400">
               <a:solidFill>
@@ -2196,7 +2196,7 @@
             <a:fld id="{1AA2C3CF-866C-4FDE-B76D-4E9536901630}" type="datetime1">
               <a:rPr lang="en-US"/>
               <a:pPr/>
-              <a:t>1/3/2019</a:t>
+              <a:t>1/7/2019</a:t>
             </a:fld>
             <a:endParaRPr lang="en-US" sz="1400">
               <a:solidFill>
@@ -2375,7 +2375,7 @@
             <a:fld id="{555EE259-FE08-4558-B721-B189FFE77284}" type="datetime1">
               <a:rPr lang="en-US"/>
               <a:pPr/>
-              <a:t>1/3/2019</a:t>
+              <a:t>1/7/2019</a:t>
             </a:fld>
             <a:endParaRPr lang="en-US" sz="1400">
               <a:solidFill>
@@ -2644,7 +2644,7 @@
             <a:fld id="{0AF4064E-5624-49AB-B7C6-E301A8F6B1FF}" type="datetime1">
               <a:rPr lang="en-US"/>
               <a:pPr/>
-              <a:t>1/3/2019</a:t>
+              <a:t>1/7/2019</a:t>
             </a:fld>
             <a:endParaRPr lang="en-US" sz="1400">
               <a:solidFill>
@@ -2841,7 +2841,7 @@
             <a:fld id="{CBC97FCD-6C54-4833-B032-BFBCDFA8379D}" type="datetime1">
               <a:rPr lang="en-US"/>
               <a:pPr/>
-              <a:t>1/3/2019</a:t>
+              <a:t>1/7/2019</a:t>
             </a:fld>
             <a:endParaRPr lang="en-US" sz="1400">
               <a:solidFill>
@@ -3050,7 +3050,7 @@
             <a:fld id="{F04AA577-515A-431F-98B6-3B03494ABB11}" type="datetime1">
               <a:rPr lang="en-US"/>
               <a:pPr/>
-              <a:t>1/3/2019</a:t>
+              <a:t>1/7/2019</a:t>
             </a:fld>
             <a:endParaRPr lang="en-US" sz="1400">
               <a:solidFill>
@@ -3355,7 +3355,7 @@
             <a:fld id="{6475F1A4-C474-4345-A800-2F40B0E4E70C}" type="datetime1">
               <a:rPr lang="en-US"/>
               <a:pPr/>
-              <a:t>1/3/2019</a:t>
+              <a:t>1/7/2019</a:t>
             </a:fld>
             <a:endParaRPr lang="en-US" sz="1400">
               <a:solidFill>
@@ -3799,7 +3799,7 @@
             <a:fld id="{7BA535AB-820E-4207-9DA8-5F37106C7AF4}" type="datetime1">
               <a:rPr lang="en-US"/>
               <a:pPr/>
-              <a:t>1/3/2019</a:t>
+              <a:t>1/7/2019</a:t>
             </a:fld>
             <a:endParaRPr lang="en-US" sz="1400">
               <a:solidFill>
@@ -3934,7 +3934,7 @@
             <a:fld id="{0A7E69FA-D7EE-42C0-9117-1971B541885F}" type="datetime1">
               <a:rPr lang="en-US"/>
               <a:pPr/>
-              <a:t>1/3/2019</a:t>
+              <a:t>1/7/2019</a:t>
             </a:fld>
             <a:endParaRPr lang="en-US" sz="1400">
               <a:solidFill>
@@ -4046,7 +4046,7 @@
             <a:fld id="{10D7644E-1B5D-4325-BA79-338DF2B89B56}" type="datetime1">
               <a:rPr lang="en-US"/>
               <a:pPr/>
-              <a:t>1/3/2019</a:t>
+              <a:t>1/7/2019</a:t>
             </a:fld>
             <a:endParaRPr lang="en-US" sz="1400">
               <a:solidFill>
@@ -4340,7 +4340,7 @@
             <a:fld id="{B790C882-0B74-4932-8998-E9ABB8AF1740}" type="datetime1">
               <a:rPr lang="en-US"/>
               <a:pPr/>
-              <a:t>1/3/2019</a:t>
+              <a:t>1/7/2019</a:t>
             </a:fld>
             <a:endParaRPr lang="en-US" sz="1400">
               <a:solidFill>
@@ -4610,7 +4610,7 @@
             <a:fld id="{9DC585DC-AE7D-44C1-90AB-C3A391DEA065}" type="datetime1">
               <a:rPr lang="en-US"/>
               <a:pPr/>
-              <a:t>1/3/2019</a:t>
+              <a:t>1/7/2019</a:t>
             </a:fld>
             <a:endParaRPr lang="en-US" sz="1400">
               <a:solidFill>
@@ -4874,7 +4874,7 @@
             <a:fld id="{256CE565-1940-4E5F-9190-C0815CEAAA9D}" type="datetime1">
               <a:rPr lang="en-US"/>
               <a:pPr/>
-              <a:t>1/3/2019</a:t>
+              <a:t>1/7/2019</a:t>
             </a:fld>
             <a:endParaRPr lang="en-US"/>
           </a:p>
@@ -5463,15 +5463,7 @@
             </a:br>
             <a:r>
               <a:rPr lang="en-US" sz="2400" dirty="0" smtClean="0"/>
-              <a:t>W7 L1: </a:t>
-            </a:r>
-            <a:r>
-              <a:rPr lang="en-US" sz="2400" dirty="0" smtClean="0"/>
-              <a:t>Clustering introduction</a:t>
-            </a:r>
-            <a:r>
-              <a:rPr lang="en-US" sz="2400" dirty="0" smtClean="0"/>
-              <a:t/>
+              <a:t>W7 L1: Clustering introduction</a:t>
             </a:r>
             <a:br>
               <a:rPr lang="en-US" sz="2400" dirty="0" smtClean="0"/>
@@ -5647,6 +5639,13 @@
   <p:clrMapOvr>
     <a:masterClrMapping/>
   </p:clrMapOvr>
+  <p:timing>
+    <p:tnLst>
+      <p:par>
+        <p:cTn id="1" dur="indefinite" restart="never" nodeType="tmRoot"/>
+      </p:par>
+    </p:tnLst>
+  </p:timing>
 </p:sld>
 </file>
 
@@ -6695,6 +6694,13 @@
   <p:clrMapOvr>
     <a:masterClrMapping/>
   </p:clrMapOvr>
+  <p:timing>
+    <p:tnLst>
+      <p:par>
+        <p:cTn id="1" dur="indefinite" restart="never" nodeType="tmRoot"/>
+      </p:par>
+    </p:tnLst>
+  </p:timing>
 </p:sld>
 </file>
 
@@ -7266,6 +7272,13 @@
   <p:clrMapOvr>
     <a:masterClrMapping/>
   </p:clrMapOvr>
+  <p:timing>
+    <p:tnLst>
+      <p:par>
+        <p:cTn id="1" dur="indefinite" restart="never" nodeType="tmRoot"/>
+      </p:par>
+    </p:tnLst>
+  </p:timing>
 </p:sld>
 </file>
 
@@ -7922,6 +7935,13 @@
   <p:clrMapOvr>
     <a:masterClrMapping/>
   </p:clrMapOvr>
+  <p:timing>
+    <p:tnLst>
+      <p:par>
+        <p:cTn id="1" dur="indefinite" restart="never" nodeType="tmRoot"/>
+      </p:par>
+    </p:tnLst>
+  </p:timing>
 </p:sld>
 </file>
 
@@ -8931,6 +8951,13 @@
   <p:clrMapOvr>
     <a:masterClrMapping/>
   </p:clrMapOvr>
+  <p:timing>
+    <p:tnLst>
+      <p:par>
+        <p:cTn id="1" dur="indefinite" restart="never" nodeType="tmRoot"/>
+      </p:par>
+    </p:tnLst>
+  </p:timing>
 </p:sld>
 </file>
 
@@ -10559,9 +10586,17 @@
             </a:r>
             <a:r>
               <a:rPr lang="nl-NL" dirty="0" smtClean="0"/>
-              <a:t> clustering</a:t>
-            </a:r>
-            <a:endParaRPr lang="nl-NL" dirty="0"/>
+              <a:t> </a:t>
+            </a:r>
+            <a:r>
+              <a:rPr lang="nl-NL" i="1" dirty="0" smtClean="0"/>
+              <a:t>k</a:t>
+            </a:r>
+            <a:r>
+              <a:rPr lang="nl-NL" dirty="0" smtClean="0"/>
+              <a:t>-means</a:t>
+            </a:r>
+            <a:endParaRPr lang="nl-NL" i="1" dirty="0"/>
           </a:p>
         </p:txBody>
       </p:sp>
@@ -10586,8 +10621,12 @@
           <a:lstStyle/>
           <a:p>
             <a:r>
+              <a:rPr lang="nl-NL" sz="2400" i="1" dirty="0"/>
+              <a:t>k</a:t>
+            </a:r>
+            <a:r>
               <a:rPr lang="nl-NL" sz="2400" dirty="0" smtClean="0"/>
-              <a:t>K-means </a:t>
+              <a:t>-means </a:t>
             </a:r>
             <a:r>
               <a:rPr lang="nl-NL" sz="2400" dirty="0" err="1" smtClean="0"/>
@@ -10698,6 +10737,13 @@
   <p:clrMapOvr>
     <a:masterClrMapping/>
   </p:clrMapOvr>
+  <p:timing>
+    <p:tnLst>
+      <p:par>
+        <p:cTn id="1" dur="indefinite" restart="never" nodeType="tmRoot"/>
+      </p:par>
+    </p:tnLst>
+  </p:timing>
 </p:sld>
 </file>
 
@@ -10998,6 +11044,13 @@
   <p:clrMapOvr>
     <a:masterClrMapping/>
   </p:clrMapOvr>
+  <p:timing>
+    <p:tnLst>
+      <p:par>
+        <p:cTn id="1" dur="indefinite" restart="never" nodeType="tmRoot"/>
+      </p:par>
+    </p:tnLst>
+  </p:timing>
 </p:sld>
 </file>
 
@@ -11075,6 +11128,13 @@
   <p:clrMapOvr>
     <a:masterClrMapping/>
   </p:clrMapOvr>
+  <p:timing>
+    <p:tnLst>
+      <p:par>
+        <p:cTn id="1" dur="indefinite" restart="never" nodeType="tmRoot"/>
+      </p:par>
+    </p:tnLst>
+  </p:timing>
 </p:sld>
 </file>
 
@@ -11262,6 +11322,13 @@
   <p:clrMapOvr>
     <a:masterClrMapping/>
   </p:clrMapOvr>
+  <p:timing>
+    <p:tnLst>
+      <p:par>
+        <p:cTn id="1" dur="indefinite" restart="never" nodeType="tmRoot"/>
+      </p:par>
+    </p:tnLst>
+  </p:timing>
 </p:sld>
 </file>
 
@@ -11369,6 +11436,13 @@
   <p:clrMapOvr>
     <a:masterClrMapping/>
   </p:clrMapOvr>
+  <p:timing>
+    <p:tnLst>
+      <p:par>
+        <p:cTn id="1" dur="indefinite" restart="never" nodeType="tmRoot"/>
+      </p:par>
+    </p:tnLst>
+  </p:timing>
 </p:sld>
 </file>
 
@@ -11461,6 +11535,13 @@
   <p:clrMapOvr>
     <a:masterClrMapping/>
   </p:clrMapOvr>
+  <p:timing>
+    <p:tnLst>
+      <p:par>
+        <p:cTn id="1" dur="indefinite" restart="never" nodeType="tmRoot"/>
+      </p:par>
+    </p:tnLst>
+  </p:timing>
 </p:sld>
 </file>
 
@@ -11716,6 +11797,13 @@
   <p:clrMapOvr>
     <a:masterClrMapping/>
   </p:clrMapOvr>
+  <p:timing>
+    <p:tnLst>
+      <p:par>
+        <p:cTn id="1" dur="indefinite" restart="never" nodeType="tmRoot"/>
+      </p:par>
+    </p:tnLst>
+  </p:timing>
 </p:sld>
 </file>
 
@@ -12414,6 +12502,13 @@
   <p:clrMapOvr>
     <a:masterClrMapping/>
   </p:clrMapOvr>
+  <p:timing>
+    <p:tnLst>
+      <p:par>
+        <p:cTn id="1" dur="indefinite" restart="never" nodeType="tmRoot"/>
+      </p:par>
+    </p:tnLst>
+  </p:timing>
 </p:sld>
 </file>
 
@@ -12476,7 +12571,7 @@
         <p:spPr bwMode="auto">
           <a:xfrm>
             <a:off x="833592" y="1556792"/>
-            <a:ext cx="7881938" cy="7115794"/>
+            <a:ext cx="7881938" cy="5952399"/>
           </a:xfrm>
           <a:prstGeom prst="rect">
             <a:avLst/>
@@ -13009,18 +13104,32 @@
               <a:buAutoNum type="arabicPeriod"/>
             </a:pPr>
             <a:r>
+              <a:rPr lang="nl-NL" sz="1400" kern="0" dirty="0" smtClean="0">
+                <a:latin typeface="Courier New" panose="02070309020205020404" pitchFamily="49" charset="0"/>
+                <a:cs typeface="Courier New" panose="02070309020205020404" pitchFamily="49" charset="0"/>
+              </a:rPr>
+              <a:t>Load the files </a:t>
+            </a:r>
+            <a:r>
+              <a:rPr lang="nl-NL" sz="1400" i="1" kern="0" dirty="0" smtClean="0">
+                <a:latin typeface="Courier New" panose="02070309020205020404" pitchFamily="49" charset="0"/>
+                <a:cs typeface="Courier New" panose="02070309020205020404" pitchFamily="49" charset="0"/>
+              </a:rPr>
+              <a:t>ratings.csv </a:t>
+            </a:r>
+            <a:r>
               <a:rPr lang="nl-NL" sz="1400" kern="0" dirty="0" err="1" smtClean="0">
                 <a:latin typeface="Courier New" panose="02070309020205020404" pitchFamily="49" charset="0"/>
                 <a:cs typeface="Courier New" panose="02070309020205020404" pitchFamily="49" charset="0"/>
               </a:rPr>
-              <a:t>Inspect</a:t>
+              <a:t>and</a:t>
             </a:r>
             <a:r>
               <a:rPr lang="nl-NL" sz="1400" kern="0" dirty="0" smtClean="0">
                 <a:latin typeface="Courier New" panose="02070309020205020404" pitchFamily="49" charset="0"/>
                 <a:cs typeface="Courier New" panose="02070309020205020404" pitchFamily="49" charset="0"/>
               </a:rPr>
-              <a:t> the files </a:t>
+              <a:t> </a:t>
             </a:r>
             <a:r>
               <a:rPr lang="nl-NL" sz="1400" i="1" kern="0" dirty="0" smtClean="0">
@@ -13034,324 +13143,14 @@
                 <a:latin typeface="Courier New" panose="02070309020205020404" pitchFamily="49" charset="0"/>
                 <a:cs typeface="Courier New" panose="02070309020205020404" pitchFamily="49" charset="0"/>
               </a:rPr>
-              <a:t> </a:t>
-            </a:r>
-            <a:r>
-              <a:rPr lang="nl-NL" sz="1400" kern="0" dirty="0" err="1" smtClean="0">
-                <a:latin typeface="Courier New" panose="02070309020205020404" pitchFamily="49" charset="0"/>
-                <a:cs typeface="Courier New" panose="02070309020205020404" pitchFamily="49" charset="0"/>
-              </a:rPr>
-              <a:t>and</a:t>
+              <a:t> in </a:t>
             </a:r>
             <a:r>
               <a:rPr lang="nl-NL" sz="1400" kern="0" dirty="0" smtClean="0">
                 <a:latin typeface="Courier New" panose="02070309020205020404" pitchFamily="49" charset="0"/>
                 <a:cs typeface="Courier New" panose="02070309020205020404" pitchFamily="49" charset="0"/>
               </a:rPr>
-              <a:t> </a:t>
-            </a:r>
-            <a:r>
-              <a:rPr lang="nl-NL" sz="1400" i="1" kern="0" dirty="0" smtClean="0">
-                <a:latin typeface="Courier New" panose="02070309020205020404" pitchFamily="49" charset="0"/>
-                <a:cs typeface="Courier New" panose="02070309020205020404" pitchFamily="49" charset="0"/>
-              </a:rPr>
-              <a:t>rating.csv</a:t>
-            </a:r>
-            <a:r>
-              <a:rPr lang="nl-NL" sz="1400" kern="0" dirty="0" smtClean="0">
-                <a:latin typeface="Courier New" panose="02070309020205020404" pitchFamily="49" charset="0"/>
-                <a:cs typeface="Courier New" panose="02070309020205020404" pitchFamily="49" charset="0"/>
-              </a:rPr>
-              <a:t>. Using a </a:t>
-            </a:r>
-            <a:r>
-              <a:rPr lang="nl-NL" sz="1400" kern="0" dirty="0" err="1" smtClean="0">
-                <a:latin typeface="Courier New" panose="02070309020205020404" pitchFamily="49" charset="0"/>
-                <a:cs typeface="Courier New" panose="02070309020205020404" pitchFamily="49" charset="0"/>
-              </a:rPr>
-              <a:t>text</a:t>
-            </a:r>
-            <a:r>
-              <a:rPr lang="nl-NL" sz="1400" kern="0" dirty="0" smtClean="0">
-                <a:latin typeface="Courier New" panose="02070309020205020404" pitchFamily="49" charset="0"/>
-                <a:cs typeface="Courier New" panose="02070309020205020404" pitchFamily="49" charset="0"/>
-              </a:rPr>
-              <a:t> editor, </a:t>
-            </a:r>
-            <a:r>
-              <a:rPr lang="nl-NL" sz="1400" kern="0" dirty="0" err="1" smtClean="0">
-                <a:latin typeface="Courier New" panose="02070309020205020404" pitchFamily="49" charset="0"/>
-                <a:cs typeface="Courier New" panose="02070309020205020404" pitchFamily="49" charset="0"/>
-              </a:rPr>
-              <a:t>add</a:t>
-            </a:r>
-            <a:r>
-              <a:rPr lang="nl-NL" sz="1400" kern="0" dirty="0" smtClean="0">
-                <a:latin typeface="Courier New" panose="02070309020205020404" pitchFamily="49" charset="0"/>
-                <a:cs typeface="Courier New" panose="02070309020205020404" pitchFamily="49" charset="0"/>
-              </a:rPr>
-              <a:t> </a:t>
-            </a:r>
-            <a:r>
-              <a:rPr lang="nl-NL" sz="1400" kern="0" dirty="0" err="1" smtClean="0">
-                <a:latin typeface="Courier New" panose="02070309020205020404" pitchFamily="49" charset="0"/>
-                <a:cs typeface="Courier New" panose="02070309020205020404" pitchFamily="49" charset="0"/>
-              </a:rPr>
-              <a:t>yourself</a:t>
-            </a:r>
-            <a:r>
-              <a:rPr lang="nl-NL" sz="1400" kern="0" dirty="0" smtClean="0">
-                <a:latin typeface="Courier New" panose="02070309020205020404" pitchFamily="49" charset="0"/>
-                <a:cs typeface="Courier New" panose="02070309020205020404" pitchFamily="49" charset="0"/>
-              </a:rPr>
-              <a:t> as user 611 </a:t>
-            </a:r>
-            <a:r>
-              <a:rPr lang="nl-NL" sz="1400" kern="0" dirty="0" err="1" smtClean="0">
-                <a:latin typeface="Courier New" panose="02070309020205020404" pitchFamily="49" charset="0"/>
-                <a:cs typeface="Courier New" panose="02070309020205020404" pitchFamily="49" charset="0"/>
-              </a:rPr>
-              <a:t>and</a:t>
-            </a:r>
-            <a:r>
-              <a:rPr lang="nl-NL" sz="1400" kern="0" dirty="0" smtClean="0">
-                <a:latin typeface="Courier New" panose="02070309020205020404" pitchFamily="49" charset="0"/>
-                <a:cs typeface="Courier New" panose="02070309020205020404" pitchFamily="49" charset="0"/>
-              </a:rPr>
-              <a:t> </a:t>
-            </a:r>
-            <a:r>
-              <a:rPr lang="nl-NL" sz="1400" kern="0" dirty="0" err="1" smtClean="0">
-                <a:latin typeface="Courier New" panose="02070309020205020404" pitchFamily="49" charset="0"/>
-                <a:cs typeface="Courier New" panose="02070309020205020404" pitchFamily="49" charset="0"/>
-              </a:rPr>
-              <a:t>add</a:t>
-            </a:r>
-            <a:r>
-              <a:rPr lang="nl-NL" sz="1400" kern="0" dirty="0" smtClean="0">
-                <a:latin typeface="Courier New" panose="02070309020205020404" pitchFamily="49" charset="0"/>
-                <a:cs typeface="Courier New" panose="02070309020205020404" pitchFamily="49" charset="0"/>
-              </a:rPr>
-              <a:t> </a:t>
-            </a:r>
-            <a:r>
-              <a:rPr lang="nl-NL" sz="1400" kern="0" dirty="0" err="1" smtClean="0">
-                <a:latin typeface="Courier New" panose="02070309020205020404" pitchFamily="49" charset="0"/>
-                <a:cs typeface="Courier New" panose="02070309020205020404" pitchFamily="49" charset="0"/>
-              </a:rPr>
-              <a:t>your</a:t>
-            </a:r>
-            <a:r>
-              <a:rPr lang="nl-NL" sz="1400" kern="0" dirty="0" smtClean="0">
-                <a:latin typeface="Courier New" panose="02070309020205020404" pitchFamily="49" charset="0"/>
-                <a:cs typeface="Courier New" panose="02070309020205020404" pitchFamily="49" charset="0"/>
-              </a:rPr>
-              <a:t> scores </a:t>
-            </a:r>
-            <a:r>
-              <a:rPr lang="nl-NL" sz="1400" kern="0" dirty="0" err="1" smtClean="0">
-                <a:latin typeface="Courier New" panose="02070309020205020404" pitchFamily="49" charset="0"/>
-                <a:cs typeface="Courier New" panose="02070309020205020404" pitchFamily="49" charset="0"/>
-              </a:rPr>
-              <a:t>for</a:t>
-            </a:r>
-            <a:r>
-              <a:rPr lang="nl-NL" sz="1400" kern="0" dirty="0" smtClean="0">
-                <a:latin typeface="Courier New" panose="02070309020205020404" pitchFamily="49" charset="0"/>
-                <a:cs typeface="Courier New" panose="02070309020205020404" pitchFamily="49" charset="0"/>
-              </a:rPr>
-              <a:t> 10 </a:t>
-            </a:r>
-            <a:r>
-              <a:rPr lang="nl-NL" sz="1400" kern="0" dirty="0" err="1" smtClean="0">
-                <a:latin typeface="Courier New" panose="02070309020205020404" pitchFamily="49" charset="0"/>
-                <a:cs typeface="Courier New" panose="02070309020205020404" pitchFamily="49" charset="0"/>
-              </a:rPr>
-              <a:t>movies</a:t>
-            </a:r>
-            <a:r>
-              <a:rPr lang="nl-NL" sz="1400" kern="0" dirty="0" smtClean="0">
-                <a:latin typeface="Courier New" panose="02070309020205020404" pitchFamily="49" charset="0"/>
-                <a:cs typeface="Courier New" panose="02070309020205020404" pitchFamily="49" charset="0"/>
-              </a:rPr>
-              <a:t> (</a:t>
-            </a:r>
-            <a:r>
-              <a:rPr lang="nl-NL" sz="1400" kern="0" dirty="0" err="1" smtClean="0">
-                <a:latin typeface="Courier New" panose="02070309020205020404" pitchFamily="49" charset="0"/>
-                <a:cs typeface="Courier New" panose="02070309020205020404" pitchFamily="49" charset="0"/>
-              </a:rPr>
-              <a:t>don’t</a:t>
-            </a:r>
-            <a:r>
-              <a:rPr lang="nl-NL" sz="1400" kern="0" dirty="0" smtClean="0">
-                <a:latin typeface="Courier New" panose="02070309020205020404" pitchFamily="49" charset="0"/>
-                <a:cs typeface="Courier New" panose="02070309020205020404" pitchFamily="49" charset="0"/>
-              </a:rPr>
-              <a:t> </a:t>
-            </a:r>
-            <a:r>
-              <a:rPr lang="nl-NL" sz="1400" kern="0" dirty="0" err="1" smtClean="0">
-                <a:latin typeface="Courier New" panose="02070309020205020404" pitchFamily="49" charset="0"/>
-                <a:cs typeface="Courier New" panose="02070309020205020404" pitchFamily="49" charset="0"/>
-              </a:rPr>
-              <a:t>spend</a:t>
-            </a:r>
-            <a:r>
-              <a:rPr lang="nl-NL" sz="1400" kern="0" dirty="0" smtClean="0">
-                <a:latin typeface="Courier New" panose="02070309020205020404" pitchFamily="49" charset="0"/>
-                <a:cs typeface="Courier New" panose="02070309020205020404" pitchFamily="49" charset="0"/>
-              </a:rPr>
-              <a:t> </a:t>
-            </a:r>
-            <a:r>
-              <a:rPr lang="nl-NL" sz="1400" kern="0" dirty="0" err="1" smtClean="0">
-                <a:latin typeface="Courier New" panose="02070309020205020404" pitchFamily="49" charset="0"/>
-                <a:cs typeface="Courier New" panose="02070309020205020404" pitchFamily="49" charset="0"/>
-              </a:rPr>
-              <a:t>too</a:t>
-            </a:r>
-            <a:r>
-              <a:rPr lang="nl-NL" sz="1400" kern="0" dirty="0" smtClean="0">
-                <a:latin typeface="Courier New" panose="02070309020205020404" pitchFamily="49" charset="0"/>
-                <a:cs typeface="Courier New" panose="02070309020205020404" pitchFamily="49" charset="0"/>
-              </a:rPr>
-              <a:t> </a:t>
-            </a:r>
-            <a:r>
-              <a:rPr lang="nl-NL" sz="1400" kern="0" dirty="0" err="1" smtClean="0">
-                <a:latin typeface="Courier New" panose="02070309020205020404" pitchFamily="49" charset="0"/>
-                <a:cs typeface="Courier New" panose="02070309020205020404" pitchFamily="49" charset="0"/>
-              </a:rPr>
-              <a:t>much</a:t>
-            </a:r>
-            <a:r>
-              <a:rPr lang="nl-NL" sz="1400" kern="0" dirty="0" smtClean="0">
-                <a:latin typeface="Courier New" panose="02070309020205020404" pitchFamily="49" charset="0"/>
-                <a:cs typeface="Courier New" panose="02070309020205020404" pitchFamily="49" charset="0"/>
-              </a:rPr>
-              <a:t> time on this, </a:t>
-            </a:r>
-            <a:r>
-              <a:rPr lang="nl-NL" sz="1400" kern="0" dirty="0" err="1" smtClean="0">
-                <a:latin typeface="Courier New" panose="02070309020205020404" pitchFamily="49" charset="0"/>
-                <a:cs typeface="Courier New" panose="02070309020205020404" pitchFamily="49" charset="0"/>
-              </a:rPr>
-              <a:t>just</a:t>
-            </a:r>
-            <a:r>
-              <a:rPr lang="nl-NL" sz="1400" kern="0" dirty="0" smtClean="0">
-                <a:latin typeface="Courier New" panose="02070309020205020404" pitchFamily="49" charset="0"/>
-                <a:cs typeface="Courier New" panose="02070309020205020404" pitchFamily="49" charset="0"/>
-              </a:rPr>
-              <a:t> </a:t>
-            </a:r>
-            <a:r>
-              <a:rPr lang="nl-NL" sz="1400" kern="0" dirty="0" err="1" smtClean="0">
-                <a:latin typeface="Courier New" panose="02070309020205020404" pitchFamily="49" charset="0"/>
-                <a:cs typeface="Courier New" panose="02070309020205020404" pitchFamily="49" charset="0"/>
-              </a:rPr>
-              <a:t>pick</a:t>
-            </a:r>
-            <a:r>
-              <a:rPr lang="nl-NL" sz="1400" kern="0" dirty="0" smtClean="0">
-                <a:latin typeface="Courier New" panose="02070309020205020404" pitchFamily="49" charset="0"/>
-                <a:cs typeface="Courier New" panose="02070309020205020404" pitchFamily="49" charset="0"/>
-              </a:rPr>
-              <a:t> the </a:t>
-            </a:r>
-            <a:r>
-              <a:rPr lang="nl-NL" sz="1400" kern="0" dirty="0" err="1" smtClean="0">
-                <a:latin typeface="Courier New" panose="02070309020205020404" pitchFamily="49" charset="0"/>
-                <a:cs typeface="Courier New" panose="02070309020205020404" pitchFamily="49" charset="0"/>
-              </a:rPr>
-              <a:t>ones</a:t>
-            </a:r>
-            <a:r>
-              <a:rPr lang="nl-NL" sz="1400" kern="0" dirty="0" smtClean="0">
-                <a:latin typeface="Courier New" panose="02070309020205020404" pitchFamily="49" charset="0"/>
-                <a:cs typeface="Courier New" panose="02070309020205020404" pitchFamily="49" charset="0"/>
-              </a:rPr>
-              <a:t> </a:t>
-            </a:r>
-            <a:r>
-              <a:rPr lang="nl-NL" sz="1400" kern="0" dirty="0" err="1" smtClean="0">
-                <a:latin typeface="Courier New" panose="02070309020205020404" pitchFamily="49" charset="0"/>
-                <a:cs typeface="Courier New" panose="02070309020205020404" pitchFamily="49" charset="0"/>
-              </a:rPr>
-              <a:t>you</a:t>
-            </a:r>
-            <a:r>
-              <a:rPr lang="nl-NL" sz="1400" kern="0" dirty="0" smtClean="0">
-                <a:latin typeface="Courier New" panose="02070309020205020404" pitchFamily="49" charset="0"/>
-                <a:cs typeface="Courier New" panose="02070309020205020404" pitchFamily="49" charset="0"/>
-              </a:rPr>
-              <a:t> </a:t>
-            </a:r>
-            <a:r>
-              <a:rPr lang="nl-NL" sz="1400" kern="0" dirty="0" err="1" smtClean="0">
-                <a:latin typeface="Courier New" panose="02070309020205020404" pitchFamily="49" charset="0"/>
-                <a:cs typeface="Courier New" panose="02070309020205020404" pitchFamily="49" charset="0"/>
-              </a:rPr>
-              <a:t>recognize</a:t>
-            </a:r>
-            <a:r>
-              <a:rPr lang="nl-NL" sz="1400" kern="0" dirty="0" smtClean="0">
-                <a:latin typeface="Courier New" panose="02070309020205020404" pitchFamily="49" charset="0"/>
-                <a:cs typeface="Courier New" panose="02070309020205020404" pitchFamily="49" charset="0"/>
-              </a:rPr>
-              <a:t>). Scores are from 0.5-5 stars </a:t>
-            </a:r>
-            <a:r>
-              <a:rPr lang="nl-NL" sz="1400" kern="0" dirty="0" err="1" smtClean="0">
-                <a:latin typeface="Courier New" panose="02070309020205020404" pitchFamily="49" charset="0"/>
-                <a:cs typeface="Courier New" panose="02070309020205020404" pitchFamily="49" charset="0"/>
-              </a:rPr>
-              <a:t>with</a:t>
-            </a:r>
-            <a:r>
-              <a:rPr lang="nl-NL" sz="1400" kern="0" dirty="0" smtClean="0">
-                <a:latin typeface="Courier New" panose="02070309020205020404" pitchFamily="49" charset="0"/>
-                <a:cs typeface="Courier New" panose="02070309020205020404" pitchFamily="49" charset="0"/>
-              </a:rPr>
-              <a:t> half a star </a:t>
-            </a:r>
-            <a:r>
-              <a:rPr lang="nl-NL" sz="1400" kern="0" dirty="0" err="1" smtClean="0">
-                <a:latin typeface="Courier New" panose="02070309020205020404" pitchFamily="49" charset="0"/>
-                <a:cs typeface="Courier New" panose="02070309020205020404" pitchFamily="49" charset="0"/>
-              </a:rPr>
-              <a:t>possible</a:t>
-            </a:r>
-            <a:r>
-              <a:rPr lang="nl-NL" sz="1400" kern="0" dirty="0" smtClean="0">
-                <a:latin typeface="Courier New" panose="02070309020205020404" pitchFamily="49" charset="0"/>
-                <a:cs typeface="Courier New" panose="02070309020205020404" pitchFamily="49" charset="0"/>
-              </a:rPr>
-              <a:t>.</a:t>
-            </a:r>
-          </a:p>
-          <a:p>
-            <a:pPr>
-              <a:buFont typeface="+mj-lt"/>
-              <a:buAutoNum type="arabicPeriod"/>
-            </a:pPr>
-            <a:endParaRPr lang="nl-NL" sz="1400" kern="0" dirty="0">
-              <a:latin typeface="Courier New" panose="02070309020205020404" pitchFamily="49" charset="0"/>
-              <a:cs typeface="Courier New" panose="02070309020205020404" pitchFamily="49" charset="0"/>
-            </a:endParaRPr>
-          </a:p>
-          <a:p>
-            <a:pPr>
-              <a:buFont typeface="+mj-lt"/>
-              <a:buAutoNum type="arabicPeriod"/>
-            </a:pPr>
-            <a:r>
-              <a:rPr lang="nl-NL" sz="1400" kern="0" dirty="0" smtClean="0">
-                <a:latin typeface="Courier New" panose="02070309020205020404" pitchFamily="49" charset="0"/>
-                <a:cs typeface="Courier New" panose="02070309020205020404" pitchFamily="49" charset="0"/>
-              </a:rPr>
-              <a:t>Load the files in a Notebook </a:t>
+              <a:t>a Notebook </a:t>
             </a:r>
             <a:r>
               <a:rPr lang="nl-NL" sz="1400" kern="0" dirty="0" err="1" smtClean="0">

--- a/slides/ddl-w7l1.pptx
+++ b/slides/ddl-w7l1.pptx
@@ -5,10 +5,10 @@
     <p:sldMasterId id="2147483649" r:id="rId1"/>
   </p:sldMasterIdLst>
   <p:notesMasterIdLst>
-    <p:notesMasterId r:id="rId22"/>
+    <p:notesMasterId r:id="rId25"/>
   </p:notesMasterIdLst>
   <p:handoutMasterIdLst>
-    <p:handoutMasterId r:id="rId23"/>
+    <p:handoutMasterId r:id="rId26"/>
   </p:handoutMasterIdLst>
   <p:sldIdLst>
     <p:sldId id="276" r:id="rId2"/>
@@ -19,18 +19,21 @@
     <p:sldId id="299" r:id="rId7"/>
     <p:sldId id="300" r:id="rId8"/>
     <p:sldId id="291" r:id="rId9"/>
-    <p:sldId id="281" r:id="rId10"/>
-    <p:sldId id="290" r:id="rId11"/>
-    <p:sldId id="292" r:id="rId12"/>
-    <p:sldId id="293" r:id="rId13"/>
-    <p:sldId id="295" r:id="rId14"/>
-    <p:sldId id="297" r:id="rId15"/>
-    <p:sldId id="302" r:id="rId16"/>
-    <p:sldId id="288" r:id="rId17"/>
-    <p:sldId id="284" r:id="rId18"/>
-    <p:sldId id="283" r:id="rId19"/>
-    <p:sldId id="301" r:id="rId20"/>
-    <p:sldId id="285" r:id="rId21"/>
+    <p:sldId id="305" r:id="rId10"/>
+    <p:sldId id="281" r:id="rId11"/>
+    <p:sldId id="290" r:id="rId12"/>
+    <p:sldId id="292" r:id="rId13"/>
+    <p:sldId id="293" r:id="rId14"/>
+    <p:sldId id="295" r:id="rId15"/>
+    <p:sldId id="297" r:id="rId16"/>
+    <p:sldId id="302" r:id="rId17"/>
+    <p:sldId id="288" r:id="rId18"/>
+    <p:sldId id="284" r:id="rId19"/>
+    <p:sldId id="283" r:id="rId20"/>
+    <p:sldId id="301" r:id="rId21"/>
+    <p:sldId id="303" r:id="rId22"/>
+    <p:sldId id="304" r:id="rId23"/>
+    <p:sldId id="285" r:id="rId24"/>
   </p:sldIdLst>
   <p:sldSz cx="9144000" cy="6858000" type="screen4x3"/>
   <p:notesSz cx="6858000" cy="9144000"/>
@@ -309,7 +312,7 @@
             <a:fld id="{373F1B60-BDF4-4D63-AD79-99D5A5B1DF99}" type="datetime1">
               <a:rPr lang="en-US"/>
               <a:pPr/>
-              <a:t>1/7/2019</a:t>
+              <a:t>1/8/2019</a:t>
             </a:fld>
             <a:endParaRPr lang="en-US"/>
           </a:p>
@@ -528,7 +531,7 @@
             <a:fld id="{4387A7AA-DFE9-4771-BEDE-3294FCEBFB02}" type="datetime1">
               <a:rPr lang="en-US"/>
               <a:pPr/>
-              <a:t>1/7/2019</a:t>
+              <a:t>1/8/2019</a:t>
             </a:fld>
             <a:endParaRPr lang="en-US"/>
           </a:p>
@@ -919,7 +922,7 @@
             <a:fld id="{8541E2CD-DBF4-40F9-B6F8-EEFD0DF8A138}" type="datetime1">
               <a:rPr lang="en-US"/>
               <a:pPr/>
-              <a:t>1/7/2019</a:t>
+              <a:t>1/8/2019</a:t>
             </a:fld>
             <a:endParaRPr lang="en-US"/>
           </a:p>
@@ -1139,7 +1142,7 @@
             <a:fld id="{93F21019-3A00-48AC-9663-40DF67A83229}" type="datetime1">
               <a:rPr lang="en-US"/>
               <a:pPr/>
-              <a:t>1/7/2019</a:t>
+              <a:t>1/8/2019</a:t>
             </a:fld>
             <a:endParaRPr lang="en-US">
               <a:solidFill>
@@ -1325,7 +1328,7 @@
             <a:fld id="{8B2EF9C8-0AC3-4A53-9A61-1834A571F420}" type="datetime1">
               <a:rPr lang="en-US"/>
               <a:pPr/>
-              <a:t>1/7/2019</a:t>
+              <a:t>1/8/2019</a:t>
             </a:fld>
             <a:endParaRPr lang="en-US" sz="1400">
               <a:solidFill>
@@ -1522,7 +1525,7 @@
             <a:fld id="{F02960F3-A385-4905-A491-FDC17E063DD1}" type="datetime1">
               <a:rPr lang="en-US"/>
               <a:pPr/>
-              <a:t>1/7/2019</a:t>
+              <a:t>1/8/2019</a:t>
             </a:fld>
             <a:endParaRPr lang="en-US" sz="1400">
               <a:solidFill>
@@ -1781,7 +1784,7 @@
             <a:fld id="{CD3AD70A-8E2A-47B5-AC18-ABBB5A8E737D}" type="datetime1">
               <a:rPr lang="en-US"/>
               <a:pPr/>
-              <a:t>1/7/2019</a:t>
+              <a:t>1/8/2019</a:t>
             </a:fld>
             <a:endParaRPr lang="en-US" sz="1400">
               <a:solidFill>
@@ -2017,7 +2020,7 @@
             <a:fld id="{07008C2E-9BD6-496B-BFC3-B4A975EBC85E}" type="datetime1">
               <a:rPr lang="en-US"/>
               <a:pPr/>
-              <a:t>1/7/2019</a:t>
+              <a:t>1/8/2019</a:t>
             </a:fld>
             <a:endParaRPr lang="en-US" sz="1400">
               <a:solidFill>
@@ -2196,7 +2199,7 @@
             <a:fld id="{1AA2C3CF-866C-4FDE-B76D-4E9536901630}" type="datetime1">
               <a:rPr lang="en-US"/>
               <a:pPr/>
-              <a:t>1/7/2019</a:t>
+              <a:t>1/8/2019</a:t>
             </a:fld>
             <a:endParaRPr lang="en-US" sz="1400">
               <a:solidFill>
@@ -2375,7 +2378,7 @@
             <a:fld id="{555EE259-FE08-4558-B721-B189FFE77284}" type="datetime1">
               <a:rPr lang="en-US"/>
               <a:pPr/>
-              <a:t>1/7/2019</a:t>
+              <a:t>1/8/2019</a:t>
             </a:fld>
             <a:endParaRPr lang="en-US" sz="1400">
               <a:solidFill>
@@ -2644,7 +2647,7 @@
             <a:fld id="{0AF4064E-5624-49AB-B7C6-E301A8F6B1FF}" type="datetime1">
               <a:rPr lang="en-US"/>
               <a:pPr/>
-              <a:t>1/7/2019</a:t>
+              <a:t>1/8/2019</a:t>
             </a:fld>
             <a:endParaRPr lang="en-US" sz="1400">
               <a:solidFill>
@@ -2841,7 +2844,7 @@
             <a:fld id="{CBC97FCD-6C54-4833-B032-BFBCDFA8379D}" type="datetime1">
               <a:rPr lang="en-US"/>
               <a:pPr/>
-              <a:t>1/7/2019</a:t>
+              <a:t>1/8/2019</a:t>
             </a:fld>
             <a:endParaRPr lang="en-US" sz="1400">
               <a:solidFill>
@@ -3050,7 +3053,7 @@
             <a:fld id="{F04AA577-515A-431F-98B6-3B03494ABB11}" type="datetime1">
               <a:rPr lang="en-US"/>
               <a:pPr/>
-              <a:t>1/7/2019</a:t>
+              <a:t>1/8/2019</a:t>
             </a:fld>
             <a:endParaRPr lang="en-US" sz="1400">
               <a:solidFill>
@@ -3355,7 +3358,7 @@
             <a:fld id="{6475F1A4-C474-4345-A800-2F40B0E4E70C}" type="datetime1">
               <a:rPr lang="en-US"/>
               <a:pPr/>
-              <a:t>1/7/2019</a:t>
+              <a:t>1/8/2019</a:t>
             </a:fld>
             <a:endParaRPr lang="en-US" sz="1400">
               <a:solidFill>
@@ -3799,7 +3802,7 @@
             <a:fld id="{7BA535AB-820E-4207-9DA8-5F37106C7AF4}" type="datetime1">
               <a:rPr lang="en-US"/>
               <a:pPr/>
-              <a:t>1/7/2019</a:t>
+              <a:t>1/8/2019</a:t>
             </a:fld>
             <a:endParaRPr lang="en-US" sz="1400">
               <a:solidFill>
@@ -3934,7 +3937,7 @@
             <a:fld id="{0A7E69FA-D7EE-42C0-9117-1971B541885F}" type="datetime1">
               <a:rPr lang="en-US"/>
               <a:pPr/>
-              <a:t>1/7/2019</a:t>
+              <a:t>1/8/2019</a:t>
             </a:fld>
             <a:endParaRPr lang="en-US" sz="1400">
               <a:solidFill>
@@ -4046,7 +4049,7 @@
             <a:fld id="{10D7644E-1B5D-4325-BA79-338DF2B89B56}" type="datetime1">
               <a:rPr lang="en-US"/>
               <a:pPr/>
-              <a:t>1/7/2019</a:t>
+              <a:t>1/8/2019</a:t>
             </a:fld>
             <a:endParaRPr lang="en-US" sz="1400">
               <a:solidFill>
@@ -4340,7 +4343,7 @@
             <a:fld id="{B790C882-0B74-4932-8998-E9ABB8AF1740}" type="datetime1">
               <a:rPr lang="en-US"/>
               <a:pPr/>
-              <a:t>1/7/2019</a:t>
+              <a:t>1/8/2019</a:t>
             </a:fld>
             <a:endParaRPr lang="en-US" sz="1400">
               <a:solidFill>
@@ -4610,7 +4613,7 @@
             <a:fld id="{9DC585DC-AE7D-44C1-90AB-C3A391DEA065}" type="datetime1">
               <a:rPr lang="en-US"/>
               <a:pPr/>
-              <a:t>1/7/2019</a:t>
+              <a:t>1/8/2019</a:t>
             </a:fld>
             <a:endParaRPr lang="en-US" sz="1400">
               <a:solidFill>
@@ -4874,7 +4877,7 @@
             <a:fld id="{256CE565-1940-4E5F-9190-C0815CEAAA9D}" type="datetime1">
               <a:rPr lang="en-US"/>
               <a:pPr/>
-              <a:t>1/7/2019</a:t>
+              <a:t>1/8/2019</a:t>
             </a:fld>
             <a:endParaRPr lang="en-US"/>
           </a:p>
@@ -5572,6 +5575,1207 @@
           <a:lstStyle/>
           <a:p>
             <a:r>
+              <a:rPr lang="nl-NL" dirty="0" err="1" smtClean="0"/>
+              <a:t>Exercise</a:t>
+            </a:r>
+            <a:r>
+              <a:rPr lang="nl-NL" dirty="0" smtClean="0"/>
+              <a:t> 1: data </a:t>
+            </a:r>
+            <a:r>
+              <a:rPr lang="nl-NL" dirty="0" err="1" smtClean="0"/>
+              <a:t>wrangling</a:t>
+            </a:r>
+            <a:endParaRPr lang="nl-NL" dirty="0"/>
+          </a:p>
+        </p:txBody>
+      </p:sp>
+      <p:sp>
+        <p:nvSpPr>
+          <p:cNvPr id="4" name="Tijdelijke aanduiding voor inhoud 2"/>
+          <p:cNvSpPr txBox="1">
+            <a:spLocks/>
+          </p:cNvSpPr>
+          <p:nvPr/>
+        </p:nvSpPr>
+        <p:spPr bwMode="auto">
+          <a:xfrm>
+            <a:off x="833592" y="1556792"/>
+            <a:ext cx="7881938" cy="5952399"/>
+          </a:xfrm>
+          <a:prstGeom prst="rect">
+            <a:avLst/>
+          </a:prstGeom>
+          <a:noFill/>
+          <a:ln w="9525">
+            <a:noFill/>
+            <a:miter lim="800000"/>
+            <a:headEnd/>
+            <a:tailEnd/>
+          </a:ln>
+          <a:effectLst/>
+        </p:spPr>
+        <p:txBody>
+          <a:bodyPr vert="horz" wrap="square" lIns="91440" tIns="45720" rIns="91440" bIns="45720" numCol="1" anchor="t" anchorCtr="0" compatLnSpc="1">
+            <a:prstTxWarp prst="textNoShape">
+              <a:avLst/>
+            </a:prstTxWarp>
+            <a:spAutoFit/>
+          </a:bodyPr>
+          <a:lstStyle>
+            <a:lvl1pPr marL="342900" indent="-342900" algn="l" rtl="0" fontAlgn="base">
+              <a:spcBef>
+                <a:spcPct val="20000"/>
+              </a:spcBef>
+              <a:spcAft>
+                <a:spcPct val="0"/>
+              </a:spcAft>
+              <a:buClr>
+                <a:srgbClr val="ED0010"/>
+              </a:buClr>
+              <a:buSzPct val="60000"/>
+              <a:buFont typeface="Zapf Dingbats" charset="2"/>
+              <a:buChar char="n"/>
+              <a:defRPr sz="2800">
+                <a:solidFill>
+                  <a:srgbClr val="000000"/>
+                </a:solidFill>
+                <a:latin typeface="+mn-lt"/>
+                <a:ea typeface="+mn-ea"/>
+                <a:cs typeface="+mn-cs"/>
+              </a:defRPr>
+            </a:lvl1pPr>
+            <a:lvl2pPr marL="819150" indent="-285750" algn="l" rtl="0" fontAlgn="base">
+              <a:spcBef>
+                <a:spcPct val="20000"/>
+              </a:spcBef>
+              <a:spcAft>
+                <a:spcPct val="0"/>
+              </a:spcAft>
+              <a:buClr>
+                <a:schemeClr val="accent1"/>
+              </a:buClr>
+              <a:buSzPct val="60000"/>
+              <a:buFont typeface="Zapf Dingbats" charset="2"/>
+              <a:buChar char="n"/>
+              <a:defRPr sz="2600">
+                <a:solidFill>
+                  <a:srgbClr val="000000"/>
+                </a:solidFill>
+                <a:latin typeface="+mn-lt"/>
+              </a:defRPr>
+            </a:lvl2pPr>
+            <a:lvl3pPr marL="1143000" indent="-228600" algn="l" rtl="0" fontAlgn="base">
+              <a:spcBef>
+                <a:spcPct val="20000"/>
+              </a:spcBef>
+              <a:spcAft>
+                <a:spcPct val="0"/>
+              </a:spcAft>
+              <a:buClr>
+                <a:schemeClr val="accent1"/>
+              </a:buClr>
+              <a:buSzPct val="60000"/>
+              <a:buFont typeface="Zapf Dingbats" charset="2"/>
+              <a:buChar char="n"/>
+              <a:defRPr sz="2400">
+                <a:solidFill>
+                  <a:srgbClr val="000000"/>
+                </a:solidFill>
+                <a:latin typeface="+mn-lt"/>
+              </a:defRPr>
+            </a:lvl3pPr>
+            <a:lvl4pPr marL="1562100" indent="-228600" algn="l" rtl="0" fontAlgn="base">
+              <a:spcBef>
+                <a:spcPct val="20000"/>
+              </a:spcBef>
+              <a:spcAft>
+                <a:spcPct val="0"/>
+              </a:spcAft>
+              <a:buClr>
+                <a:schemeClr val="accent1"/>
+              </a:buClr>
+              <a:buSzPct val="60000"/>
+              <a:buFont typeface="Zapf Dingbats" charset="2"/>
+              <a:buChar char="n"/>
+              <a:defRPr sz="2200">
+                <a:solidFill>
+                  <a:srgbClr val="000000"/>
+                </a:solidFill>
+                <a:latin typeface="+mn-lt"/>
+              </a:defRPr>
+            </a:lvl4pPr>
+            <a:lvl5pPr marL="1981200" indent="-228600" algn="l" rtl="0" fontAlgn="base">
+              <a:spcBef>
+                <a:spcPct val="20000"/>
+              </a:spcBef>
+              <a:spcAft>
+                <a:spcPct val="0"/>
+              </a:spcAft>
+              <a:buClr>
+                <a:schemeClr val="accent1"/>
+              </a:buClr>
+              <a:buSzPct val="60000"/>
+              <a:buFont typeface="Zapf Dingbats" charset="2"/>
+              <a:buChar char="n"/>
+              <a:defRPr sz="2000">
+                <a:solidFill>
+                  <a:srgbClr val="000000"/>
+                </a:solidFill>
+                <a:latin typeface="+mn-lt"/>
+              </a:defRPr>
+            </a:lvl5pPr>
+            <a:lvl6pPr marL="2438400" indent="-228600" algn="l" rtl="0" fontAlgn="base">
+              <a:spcBef>
+                <a:spcPct val="20000"/>
+              </a:spcBef>
+              <a:spcAft>
+                <a:spcPct val="0"/>
+              </a:spcAft>
+              <a:buClr>
+                <a:schemeClr val="accent1"/>
+              </a:buClr>
+              <a:buSzPct val="60000"/>
+              <a:buFont typeface="Zapf Dingbats" charset="2"/>
+              <a:buChar char="n"/>
+              <a:defRPr sz="2000">
+                <a:solidFill>
+                  <a:srgbClr val="000000"/>
+                </a:solidFill>
+                <a:latin typeface="+mn-lt"/>
+              </a:defRPr>
+            </a:lvl6pPr>
+            <a:lvl7pPr marL="2895600" indent="-228600" algn="l" rtl="0" fontAlgn="base">
+              <a:spcBef>
+                <a:spcPct val="20000"/>
+              </a:spcBef>
+              <a:spcAft>
+                <a:spcPct val="0"/>
+              </a:spcAft>
+              <a:buClr>
+                <a:schemeClr val="accent1"/>
+              </a:buClr>
+              <a:buSzPct val="60000"/>
+              <a:buFont typeface="Zapf Dingbats" charset="2"/>
+              <a:buChar char="n"/>
+              <a:defRPr sz="2000">
+                <a:solidFill>
+                  <a:srgbClr val="000000"/>
+                </a:solidFill>
+                <a:latin typeface="+mn-lt"/>
+              </a:defRPr>
+            </a:lvl7pPr>
+            <a:lvl8pPr marL="3352800" indent="-228600" algn="l" rtl="0" fontAlgn="base">
+              <a:spcBef>
+                <a:spcPct val="20000"/>
+              </a:spcBef>
+              <a:spcAft>
+                <a:spcPct val="0"/>
+              </a:spcAft>
+              <a:buClr>
+                <a:schemeClr val="accent1"/>
+              </a:buClr>
+              <a:buSzPct val="60000"/>
+              <a:buFont typeface="Zapf Dingbats" charset="2"/>
+              <a:buChar char="n"/>
+              <a:defRPr sz="2000">
+                <a:solidFill>
+                  <a:srgbClr val="000000"/>
+                </a:solidFill>
+                <a:latin typeface="+mn-lt"/>
+              </a:defRPr>
+            </a:lvl8pPr>
+            <a:lvl9pPr marL="3810000" indent="-228600" algn="l" rtl="0" fontAlgn="base">
+              <a:spcBef>
+                <a:spcPct val="20000"/>
+              </a:spcBef>
+              <a:spcAft>
+                <a:spcPct val="0"/>
+              </a:spcAft>
+              <a:buClr>
+                <a:schemeClr val="accent1"/>
+              </a:buClr>
+              <a:buSzPct val="60000"/>
+              <a:buFont typeface="Zapf Dingbats" charset="2"/>
+              <a:buChar char="n"/>
+              <a:defRPr sz="2000">
+                <a:solidFill>
+                  <a:srgbClr val="000000"/>
+                </a:solidFill>
+                <a:latin typeface="+mn-lt"/>
+              </a:defRPr>
+            </a:lvl9pPr>
+          </a:lstStyle>
+          <a:p>
+            <a:pPr marL="0" indent="0">
+              <a:buNone/>
+            </a:pPr>
+            <a:r>
+              <a:rPr lang="nl-NL" sz="1400" kern="0" dirty="0" smtClean="0">
+                <a:latin typeface="Courier New" panose="02070309020205020404" pitchFamily="49" charset="0"/>
+                <a:cs typeface="Courier New" panose="02070309020205020404" pitchFamily="49" charset="0"/>
+              </a:rPr>
+              <a:t>In this </a:t>
+            </a:r>
+            <a:r>
+              <a:rPr lang="nl-NL" sz="1400" kern="0" dirty="0" err="1" smtClean="0">
+                <a:latin typeface="Courier New" panose="02070309020205020404" pitchFamily="49" charset="0"/>
+                <a:cs typeface="Courier New" panose="02070309020205020404" pitchFamily="49" charset="0"/>
+              </a:rPr>
+              <a:t>Exercise</a:t>
+            </a:r>
+            <a:r>
+              <a:rPr lang="nl-NL" sz="1400" kern="0" dirty="0" smtClean="0">
+                <a:latin typeface="Courier New" panose="02070309020205020404" pitchFamily="49" charset="0"/>
+                <a:cs typeface="Courier New" panose="02070309020205020404" pitchFamily="49" charset="0"/>
+              </a:rPr>
+              <a:t> </a:t>
+            </a:r>
+            <a:r>
+              <a:rPr lang="nl-NL" sz="1400" kern="0" dirty="0" err="1" smtClean="0">
+                <a:latin typeface="Courier New" panose="02070309020205020404" pitchFamily="49" charset="0"/>
+                <a:cs typeface="Courier New" panose="02070309020205020404" pitchFamily="49" charset="0"/>
+              </a:rPr>
+              <a:t>you</a:t>
+            </a:r>
+            <a:r>
+              <a:rPr lang="nl-NL" sz="1400" kern="0" dirty="0" smtClean="0">
+                <a:latin typeface="Courier New" panose="02070309020205020404" pitchFamily="49" charset="0"/>
+                <a:cs typeface="Courier New" panose="02070309020205020404" pitchFamily="49" charset="0"/>
+              </a:rPr>
+              <a:t> are </a:t>
+            </a:r>
+            <a:r>
+              <a:rPr lang="nl-NL" sz="1400" kern="0" dirty="0" err="1" smtClean="0">
+                <a:latin typeface="Courier New" panose="02070309020205020404" pitchFamily="49" charset="0"/>
+                <a:cs typeface="Courier New" panose="02070309020205020404" pitchFamily="49" charset="0"/>
+              </a:rPr>
+              <a:t>going</a:t>
+            </a:r>
+            <a:r>
+              <a:rPr lang="nl-NL" sz="1400" kern="0" dirty="0" smtClean="0">
+                <a:latin typeface="Courier New" panose="02070309020205020404" pitchFamily="49" charset="0"/>
+                <a:cs typeface="Courier New" panose="02070309020205020404" pitchFamily="49" charset="0"/>
+              </a:rPr>
+              <a:t> </a:t>
+            </a:r>
+            <a:r>
+              <a:rPr lang="nl-NL" sz="1400" kern="0" dirty="0" err="1" smtClean="0">
+                <a:latin typeface="Courier New" panose="02070309020205020404" pitchFamily="49" charset="0"/>
+                <a:cs typeface="Courier New" panose="02070309020205020404" pitchFamily="49" charset="0"/>
+              </a:rPr>
+              <a:t>to</a:t>
+            </a:r>
+            <a:r>
+              <a:rPr lang="nl-NL" sz="1400" kern="0" dirty="0" smtClean="0">
+                <a:latin typeface="Courier New" panose="02070309020205020404" pitchFamily="49" charset="0"/>
+                <a:cs typeface="Courier New" panose="02070309020205020404" pitchFamily="49" charset="0"/>
+              </a:rPr>
+              <a:t> </a:t>
+            </a:r>
+            <a:r>
+              <a:rPr lang="nl-NL" sz="1400" kern="0" dirty="0" err="1" smtClean="0">
+                <a:latin typeface="Courier New" panose="02070309020205020404" pitchFamily="49" charset="0"/>
+                <a:cs typeface="Courier New" panose="02070309020205020404" pitchFamily="49" charset="0"/>
+              </a:rPr>
+              <a:t>prepare</a:t>
+            </a:r>
+            <a:r>
+              <a:rPr lang="nl-NL" sz="1400" kern="0" dirty="0" smtClean="0">
+                <a:latin typeface="Courier New" panose="02070309020205020404" pitchFamily="49" charset="0"/>
+                <a:cs typeface="Courier New" panose="02070309020205020404" pitchFamily="49" charset="0"/>
+              </a:rPr>
+              <a:t> the </a:t>
+            </a:r>
+            <a:r>
+              <a:rPr lang="nl-NL" sz="1400" kern="0" dirty="0" err="1" smtClean="0">
+                <a:latin typeface="Courier New" panose="02070309020205020404" pitchFamily="49" charset="0"/>
+                <a:cs typeface="Courier New" panose="02070309020205020404" pitchFamily="49" charset="0"/>
+              </a:rPr>
+              <a:t>MovieLens</a:t>
+            </a:r>
+            <a:r>
+              <a:rPr lang="nl-NL" sz="1400" kern="0" dirty="0" smtClean="0">
+                <a:latin typeface="Courier New" panose="02070309020205020404" pitchFamily="49" charset="0"/>
+                <a:cs typeface="Courier New" panose="02070309020205020404" pitchFamily="49" charset="0"/>
+              </a:rPr>
+              <a:t> dataset </a:t>
+            </a:r>
+            <a:r>
+              <a:rPr lang="nl-NL" sz="1400" kern="0" dirty="0" err="1" smtClean="0">
+                <a:latin typeface="Courier New" panose="02070309020205020404" pitchFamily="49" charset="0"/>
+                <a:cs typeface="Courier New" panose="02070309020205020404" pitchFamily="49" charset="0"/>
+              </a:rPr>
+              <a:t>for</a:t>
+            </a:r>
+            <a:r>
+              <a:rPr lang="nl-NL" sz="1400" kern="0" dirty="0" smtClean="0">
+                <a:latin typeface="Courier New" panose="02070309020205020404" pitchFamily="49" charset="0"/>
+                <a:cs typeface="Courier New" panose="02070309020205020404" pitchFamily="49" charset="0"/>
+              </a:rPr>
+              <a:t> </a:t>
+            </a:r>
+            <a:r>
+              <a:rPr lang="nl-NL" sz="1400" kern="0" dirty="0" err="1" smtClean="0">
+                <a:latin typeface="Courier New" panose="02070309020205020404" pitchFamily="49" charset="0"/>
+                <a:cs typeface="Courier New" panose="02070309020205020404" pitchFamily="49" charset="0"/>
+              </a:rPr>
+              <a:t>use</a:t>
+            </a:r>
+            <a:r>
+              <a:rPr lang="nl-NL" sz="1400" kern="0" dirty="0" smtClean="0">
+                <a:latin typeface="Courier New" panose="02070309020205020404" pitchFamily="49" charset="0"/>
+                <a:cs typeface="Courier New" panose="02070309020205020404" pitchFamily="49" charset="0"/>
+              </a:rPr>
+              <a:t> this week. See the </a:t>
+            </a:r>
+            <a:r>
+              <a:rPr lang="nl-NL" sz="1400" i="1" kern="0" dirty="0" err="1" smtClean="0">
+                <a:latin typeface="Courier New" panose="02070309020205020404" pitchFamily="49" charset="0"/>
+                <a:cs typeface="Courier New" panose="02070309020205020404" pitchFamily="49" charset="0"/>
+              </a:rPr>
+              <a:t>pivot_table</a:t>
+            </a:r>
+            <a:r>
+              <a:rPr lang="nl-NL" sz="1400" i="1" kern="0" dirty="0" smtClean="0">
+                <a:latin typeface="Courier New" panose="02070309020205020404" pitchFamily="49" charset="0"/>
+                <a:cs typeface="Courier New" panose="02070309020205020404" pitchFamily="49" charset="0"/>
+              </a:rPr>
+              <a:t> </a:t>
+            </a:r>
+            <a:r>
+              <a:rPr lang="nl-NL" sz="1400" kern="0" dirty="0" smtClean="0">
+                <a:latin typeface="Courier New" panose="02070309020205020404" pitchFamily="49" charset="0"/>
+                <a:cs typeface="Courier New" panose="02070309020205020404" pitchFamily="49" charset="0"/>
+              </a:rPr>
+              <a:t>Notebook</a:t>
+            </a:r>
+            <a:r>
+              <a:rPr lang="nl-NL" sz="1400" i="1" kern="0" dirty="0" smtClean="0">
+                <a:latin typeface="Courier New" panose="02070309020205020404" pitchFamily="49" charset="0"/>
+                <a:cs typeface="Courier New" panose="02070309020205020404" pitchFamily="49" charset="0"/>
+              </a:rPr>
+              <a:t> </a:t>
+            </a:r>
+            <a:r>
+              <a:rPr lang="nl-NL" sz="1400" kern="0" dirty="0" smtClean="0">
+                <a:latin typeface="Courier New" panose="02070309020205020404" pitchFamily="49" charset="0"/>
+                <a:cs typeface="Courier New" panose="02070309020205020404" pitchFamily="49" charset="0"/>
+              </a:rPr>
+              <a:t>in the </a:t>
+            </a:r>
+            <a:r>
+              <a:rPr lang="nl-NL" sz="1400" i="1" kern="0" dirty="0" err="1" smtClean="0">
+                <a:latin typeface="Courier New" panose="02070309020205020404" pitchFamily="49" charset="0"/>
+                <a:cs typeface="Courier New" panose="02070309020205020404" pitchFamily="49" charset="0"/>
+              </a:rPr>
+              <a:t>Examples</a:t>
+            </a:r>
+            <a:r>
+              <a:rPr lang="nl-NL" sz="1400" kern="0" dirty="0" smtClean="0">
+                <a:latin typeface="Courier New" panose="02070309020205020404" pitchFamily="49" charset="0"/>
+                <a:cs typeface="Courier New" panose="02070309020205020404" pitchFamily="49" charset="0"/>
+              </a:rPr>
+              <a:t> folder </a:t>
+            </a:r>
+            <a:r>
+              <a:rPr lang="nl-NL" sz="1400" kern="0" dirty="0" err="1" smtClean="0">
+                <a:latin typeface="Courier New" panose="02070309020205020404" pitchFamily="49" charset="0"/>
+                <a:cs typeface="Courier New" panose="02070309020205020404" pitchFamily="49" charset="0"/>
+              </a:rPr>
+              <a:t>and</a:t>
+            </a:r>
+            <a:r>
+              <a:rPr lang="nl-NL" sz="1400" kern="0" dirty="0" smtClean="0">
+                <a:latin typeface="Courier New" panose="02070309020205020404" pitchFamily="49" charset="0"/>
+                <a:cs typeface="Courier New" panose="02070309020205020404" pitchFamily="49" charset="0"/>
+              </a:rPr>
+              <a:t> the </a:t>
+            </a:r>
+            <a:r>
+              <a:rPr lang="nl-NL" sz="1400" i="1" kern="0" dirty="0" err="1">
+                <a:latin typeface="Courier New" panose="02070309020205020404" pitchFamily="49" charset="0"/>
+                <a:cs typeface="Courier New" panose="02070309020205020404" pitchFamily="49" charset="0"/>
+              </a:rPr>
+              <a:t>c</a:t>
+            </a:r>
+            <a:r>
+              <a:rPr lang="nl-NL" sz="1400" i="1" kern="0" dirty="0" err="1" smtClean="0">
+                <a:latin typeface="Courier New" panose="02070309020205020404" pitchFamily="49" charset="0"/>
+                <a:cs typeface="Courier New" panose="02070309020205020404" pitchFamily="49" charset="0"/>
+              </a:rPr>
+              <a:t>ookbook</a:t>
+            </a:r>
+            <a:r>
+              <a:rPr lang="nl-NL" sz="1400" i="1" kern="0" dirty="0" smtClean="0">
+                <a:latin typeface="Courier New" panose="02070309020205020404" pitchFamily="49" charset="0"/>
+                <a:cs typeface="Courier New" panose="02070309020205020404" pitchFamily="49" charset="0"/>
+              </a:rPr>
+              <a:t> </a:t>
+            </a:r>
+            <a:r>
+              <a:rPr lang="nl-NL" sz="1400" kern="0" dirty="0" err="1" smtClean="0">
+                <a:latin typeface="Courier New" panose="02070309020205020404" pitchFamily="49" charset="0"/>
+                <a:cs typeface="Courier New" panose="02070309020205020404" pitchFamily="49" charset="0"/>
+              </a:rPr>
+              <a:t>for</a:t>
+            </a:r>
+            <a:r>
+              <a:rPr lang="nl-NL" sz="1400" kern="0" dirty="0" smtClean="0">
+                <a:latin typeface="Courier New" panose="02070309020205020404" pitchFamily="49" charset="0"/>
+                <a:cs typeface="Courier New" panose="02070309020205020404" pitchFamily="49" charset="0"/>
+              </a:rPr>
+              <a:t> </a:t>
+            </a:r>
+            <a:r>
+              <a:rPr lang="nl-NL" sz="1400" kern="0" dirty="0" err="1" smtClean="0">
+                <a:latin typeface="Courier New" panose="02070309020205020404" pitchFamily="49" charset="0"/>
+                <a:cs typeface="Courier New" panose="02070309020205020404" pitchFamily="49" charset="0"/>
+              </a:rPr>
+              <a:t>reference</a:t>
+            </a:r>
+            <a:r>
+              <a:rPr lang="nl-NL" sz="1400" kern="0" dirty="0" smtClean="0">
+                <a:latin typeface="Courier New" panose="02070309020205020404" pitchFamily="49" charset="0"/>
+                <a:cs typeface="Courier New" panose="02070309020205020404" pitchFamily="49" charset="0"/>
+              </a:rPr>
+              <a:t> </a:t>
+            </a:r>
+            <a:r>
+              <a:rPr lang="nl-NL" sz="1400" kern="0" dirty="0" err="1" smtClean="0">
+                <a:latin typeface="Courier New" panose="02070309020205020404" pitchFamily="49" charset="0"/>
+                <a:cs typeface="Courier New" panose="02070309020205020404" pitchFamily="49" charset="0"/>
+              </a:rPr>
+              <a:t>to</a:t>
+            </a:r>
+            <a:r>
+              <a:rPr lang="nl-NL" sz="1400" kern="0" dirty="0" smtClean="0">
+                <a:latin typeface="Courier New" panose="02070309020205020404" pitchFamily="49" charset="0"/>
+                <a:cs typeface="Courier New" panose="02070309020205020404" pitchFamily="49" charset="0"/>
+              </a:rPr>
+              <a:t> </a:t>
+            </a:r>
+            <a:r>
+              <a:rPr lang="nl-NL" sz="1400" kern="0" dirty="0" err="1" smtClean="0">
+                <a:latin typeface="Courier New" panose="02070309020205020404" pitchFamily="49" charset="0"/>
+                <a:cs typeface="Courier New" panose="02070309020205020404" pitchFamily="49" charset="0"/>
+              </a:rPr>
+              <a:t>material</a:t>
+            </a:r>
+            <a:r>
+              <a:rPr lang="nl-NL" sz="1400" kern="0" dirty="0" smtClean="0">
+                <a:latin typeface="Courier New" panose="02070309020205020404" pitchFamily="49" charset="0"/>
+                <a:cs typeface="Courier New" panose="02070309020205020404" pitchFamily="49" charset="0"/>
+              </a:rPr>
+              <a:t> from </a:t>
+            </a:r>
+            <a:r>
+              <a:rPr lang="nl-NL" sz="1400" kern="0" dirty="0" err="1" smtClean="0">
+                <a:latin typeface="Courier New" panose="02070309020205020404" pitchFamily="49" charset="0"/>
+                <a:cs typeface="Courier New" panose="02070309020205020404" pitchFamily="49" charset="0"/>
+              </a:rPr>
+              <a:t>earlier</a:t>
+            </a:r>
+            <a:r>
+              <a:rPr lang="nl-NL" sz="1400" kern="0" dirty="0" smtClean="0">
+                <a:latin typeface="Courier New" panose="02070309020205020404" pitchFamily="49" charset="0"/>
+                <a:cs typeface="Courier New" panose="02070309020205020404" pitchFamily="49" charset="0"/>
+              </a:rPr>
+              <a:t> weeks. See the </a:t>
+            </a:r>
+            <a:r>
+              <a:rPr lang="nl-NL" sz="1400" i="1" kern="0" dirty="0" err="1" smtClean="0">
+                <a:latin typeface="Courier New" panose="02070309020205020404" pitchFamily="49" charset="0"/>
+                <a:cs typeface="Courier New" panose="02070309020205020404" pitchFamily="49" charset="0"/>
+              </a:rPr>
+              <a:t>Exercise</a:t>
+            </a:r>
+            <a:r>
+              <a:rPr lang="nl-NL" sz="1400" i="1" kern="0" dirty="0" smtClean="0">
+                <a:latin typeface="Courier New" panose="02070309020205020404" pitchFamily="49" charset="0"/>
+                <a:cs typeface="Courier New" panose="02070309020205020404" pitchFamily="49" charset="0"/>
+              </a:rPr>
+              <a:t> </a:t>
+            </a:r>
+            <a:r>
+              <a:rPr lang="nl-NL" sz="1400" kern="0" dirty="0" smtClean="0">
+                <a:latin typeface="Courier New" panose="02070309020205020404" pitchFamily="49" charset="0"/>
+                <a:cs typeface="Courier New" panose="02070309020205020404" pitchFamily="49" charset="0"/>
+              </a:rPr>
+              <a:t>folder </a:t>
+            </a:r>
+            <a:r>
+              <a:rPr lang="nl-NL" sz="1400" kern="0" dirty="0" err="1" smtClean="0">
+                <a:latin typeface="Courier New" panose="02070309020205020404" pitchFamily="49" charset="0"/>
+                <a:cs typeface="Courier New" panose="02070309020205020404" pitchFamily="49" charset="0"/>
+              </a:rPr>
+              <a:t>for</a:t>
+            </a:r>
+            <a:r>
+              <a:rPr lang="nl-NL" sz="1400" kern="0" dirty="0" smtClean="0">
+                <a:latin typeface="Courier New" panose="02070309020205020404" pitchFamily="49" charset="0"/>
+                <a:cs typeface="Courier New" panose="02070309020205020404" pitchFamily="49" charset="0"/>
+              </a:rPr>
+              <a:t> the data set.</a:t>
+            </a:r>
+          </a:p>
+          <a:p>
+            <a:pPr marL="0" indent="0">
+              <a:buNone/>
+            </a:pPr>
+            <a:endParaRPr lang="nl-NL" sz="1400" kern="0" dirty="0">
+              <a:latin typeface="Courier New" panose="02070309020205020404" pitchFamily="49" charset="0"/>
+              <a:cs typeface="Courier New" panose="02070309020205020404" pitchFamily="49" charset="0"/>
+            </a:endParaRPr>
+          </a:p>
+          <a:p>
+            <a:pPr>
+              <a:buFont typeface="+mj-lt"/>
+              <a:buAutoNum type="arabicPeriod"/>
+            </a:pPr>
+            <a:r>
+              <a:rPr lang="nl-NL" sz="1400" kern="0" dirty="0" smtClean="0">
+                <a:latin typeface="Courier New" panose="02070309020205020404" pitchFamily="49" charset="0"/>
+                <a:cs typeface="Courier New" panose="02070309020205020404" pitchFamily="49" charset="0"/>
+              </a:rPr>
+              <a:t>Load the files </a:t>
+            </a:r>
+            <a:r>
+              <a:rPr lang="nl-NL" sz="1400" i="1" kern="0" dirty="0" smtClean="0">
+                <a:latin typeface="Courier New" panose="02070309020205020404" pitchFamily="49" charset="0"/>
+                <a:cs typeface="Courier New" panose="02070309020205020404" pitchFamily="49" charset="0"/>
+              </a:rPr>
+              <a:t>ratings.csv </a:t>
+            </a:r>
+            <a:r>
+              <a:rPr lang="nl-NL" sz="1400" kern="0" dirty="0" err="1" smtClean="0">
+                <a:latin typeface="Courier New" panose="02070309020205020404" pitchFamily="49" charset="0"/>
+                <a:cs typeface="Courier New" panose="02070309020205020404" pitchFamily="49" charset="0"/>
+              </a:rPr>
+              <a:t>and</a:t>
+            </a:r>
+            <a:r>
+              <a:rPr lang="nl-NL" sz="1400" kern="0" dirty="0" smtClean="0">
+                <a:latin typeface="Courier New" panose="02070309020205020404" pitchFamily="49" charset="0"/>
+                <a:cs typeface="Courier New" panose="02070309020205020404" pitchFamily="49" charset="0"/>
+              </a:rPr>
+              <a:t> </a:t>
+            </a:r>
+            <a:r>
+              <a:rPr lang="nl-NL" sz="1400" i="1" kern="0" dirty="0" smtClean="0">
+                <a:latin typeface="Courier New" panose="02070309020205020404" pitchFamily="49" charset="0"/>
+                <a:cs typeface="Courier New" panose="02070309020205020404" pitchFamily="49" charset="0"/>
+              </a:rPr>
+              <a:t>movies.csv</a:t>
+            </a:r>
+            <a:r>
+              <a:rPr lang="nl-NL" sz="1400" kern="0" dirty="0" smtClean="0">
+                <a:latin typeface="Courier New" panose="02070309020205020404" pitchFamily="49" charset="0"/>
+                <a:cs typeface="Courier New" panose="02070309020205020404" pitchFamily="49" charset="0"/>
+              </a:rPr>
+              <a:t> in a Notebook </a:t>
+            </a:r>
+            <a:r>
+              <a:rPr lang="nl-NL" sz="1400" kern="0" dirty="0" err="1" smtClean="0">
+                <a:latin typeface="Courier New" panose="02070309020205020404" pitchFamily="49" charset="0"/>
+                <a:cs typeface="Courier New" panose="02070309020205020404" pitchFamily="49" charset="0"/>
+              </a:rPr>
+              <a:t>and</a:t>
+            </a:r>
+            <a:r>
+              <a:rPr lang="nl-NL" sz="1400" kern="0" dirty="0" smtClean="0">
+                <a:latin typeface="Courier New" panose="02070309020205020404" pitchFamily="49" charset="0"/>
+                <a:cs typeface="Courier New" panose="02070309020205020404" pitchFamily="49" charset="0"/>
+              </a:rPr>
+              <a:t> </a:t>
+            </a:r>
+            <a:r>
+              <a:rPr lang="nl-NL" sz="1400" kern="0" dirty="0" err="1" smtClean="0">
+                <a:latin typeface="Courier New" panose="02070309020205020404" pitchFamily="49" charset="0"/>
+                <a:cs typeface="Courier New" panose="02070309020205020404" pitchFamily="49" charset="0"/>
+              </a:rPr>
+              <a:t>merge</a:t>
+            </a:r>
+            <a:r>
+              <a:rPr lang="nl-NL" sz="1400" kern="0" dirty="0" smtClean="0">
+                <a:latin typeface="Courier New" panose="02070309020205020404" pitchFamily="49" charset="0"/>
+                <a:cs typeface="Courier New" panose="02070309020205020404" pitchFamily="49" charset="0"/>
+              </a:rPr>
+              <a:t> </a:t>
+            </a:r>
+            <a:r>
+              <a:rPr lang="nl-NL" sz="1400" kern="0" dirty="0" err="1" smtClean="0">
+                <a:latin typeface="Courier New" panose="02070309020205020404" pitchFamily="49" charset="0"/>
+                <a:cs typeface="Courier New" panose="02070309020205020404" pitchFamily="49" charset="0"/>
+              </a:rPr>
+              <a:t>them</a:t>
+            </a:r>
+            <a:r>
+              <a:rPr lang="nl-NL" sz="1400" kern="0" dirty="0" smtClean="0">
+                <a:latin typeface="Courier New" panose="02070309020205020404" pitchFamily="49" charset="0"/>
+                <a:cs typeface="Courier New" panose="02070309020205020404" pitchFamily="49" charset="0"/>
+              </a:rPr>
+              <a:t> (</a:t>
+            </a:r>
+            <a:r>
+              <a:rPr lang="nl-NL" sz="1400" kern="0" dirty="0" err="1" smtClean="0">
+                <a:latin typeface="Courier New" panose="02070309020205020404" pitchFamily="49" charset="0"/>
+                <a:cs typeface="Courier New" panose="02070309020205020404" pitchFamily="49" charset="0"/>
+              </a:rPr>
+              <a:t>remember</a:t>
+            </a:r>
+            <a:r>
+              <a:rPr lang="nl-NL" sz="1400" kern="0" dirty="0" smtClean="0">
+                <a:latin typeface="Courier New" panose="02070309020205020404" pitchFamily="49" charset="0"/>
+                <a:cs typeface="Courier New" panose="02070309020205020404" pitchFamily="49" charset="0"/>
+              </a:rPr>
+              <a:t> </a:t>
+            </a:r>
+            <a:r>
+              <a:rPr lang="nl-NL" sz="1400" kern="0" dirty="0" err="1" smtClean="0">
+                <a:latin typeface="Courier New" panose="02070309020205020404" pitchFamily="49" charset="0"/>
+                <a:cs typeface="Courier New" panose="02070309020205020404" pitchFamily="49" charset="0"/>
+              </a:rPr>
+              <a:t>which</a:t>
+            </a:r>
+            <a:r>
+              <a:rPr lang="nl-NL" sz="1400" kern="0" dirty="0" smtClean="0">
+                <a:latin typeface="Courier New" panose="02070309020205020404" pitchFamily="49" charset="0"/>
+                <a:cs typeface="Courier New" panose="02070309020205020404" pitchFamily="49" charset="0"/>
+              </a:rPr>
+              <a:t> </a:t>
+            </a:r>
+            <a:r>
+              <a:rPr lang="nl-NL" sz="1400" kern="0" dirty="0" err="1" smtClean="0">
+                <a:latin typeface="Courier New" panose="02070309020205020404" pitchFamily="49" charset="0"/>
+                <a:cs typeface="Courier New" panose="02070309020205020404" pitchFamily="49" charset="0"/>
+              </a:rPr>
+              <a:t>function</a:t>
+            </a:r>
+            <a:r>
+              <a:rPr lang="nl-NL" sz="1400" kern="0" dirty="0" smtClean="0">
+                <a:latin typeface="Courier New" panose="02070309020205020404" pitchFamily="49" charset="0"/>
+                <a:cs typeface="Courier New" panose="02070309020205020404" pitchFamily="49" charset="0"/>
+              </a:rPr>
+              <a:t> </a:t>
+            </a:r>
+            <a:r>
+              <a:rPr lang="nl-NL" sz="1400" kern="0" dirty="0" err="1" smtClean="0">
+                <a:latin typeface="Courier New" panose="02070309020205020404" pitchFamily="49" charset="0"/>
+                <a:cs typeface="Courier New" panose="02070309020205020404" pitchFamily="49" charset="0"/>
+              </a:rPr>
+              <a:t>to</a:t>
+            </a:r>
+            <a:r>
+              <a:rPr lang="nl-NL" sz="1400" kern="0" dirty="0" smtClean="0">
+                <a:latin typeface="Courier New" panose="02070309020205020404" pitchFamily="49" charset="0"/>
+                <a:cs typeface="Courier New" panose="02070309020205020404" pitchFamily="49" charset="0"/>
+              </a:rPr>
+              <a:t> </a:t>
+            </a:r>
+            <a:r>
+              <a:rPr lang="nl-NL" sz="1400" kern="0" dirty="0" err="1" smtClean="0">
+                <a:latin typeface="Courier New" panose="02070309020205020404" pitchFamily="49" charset="0"/>
+                <a:cs typeface="Courier New" panose="02070309020205020404" pitchFamily="49" charset="0"/>
+              </a:rPr>
+              <a:t>use</a:t>
+            </a:r>
+            <a:r>
+              <a:rPr lang="nl-NL" sz="1400" kern="0" dirty="0" smtClean="0">
+                <a:latin typeface="Courier New" panose="02070309020205020404" pitchFamily="49" charset="0"/>
+                <a:cs typeface="Courier New" panose="02070309020205020404" pitchFamily="49" charset="0"/>
+              </a:rPr>
+              <a:t>?).</a:t>
+            </a:r>
+          </a:p>
+          <a:p>
+            <a:pPr>
+              <a:buFont typeface="+mj-lt"/>
+              <a:buAutoNum type="arabicPeriod"/>
+            </a:pPr>
+            <a:endParaRPr lang="nl-NL" sz="1400" kern="0" dirty="0" smtClean="0">
+              <a:latin typeface="Courier New" panose="02070309020205020404" pitchFamily="49" charset="0"/>
+              <a:cs typeface="Courier New" panose="02070309020205020404" pitchFamily="49" charset="0"/>
+            </a:endParaRPr>
+          </a:p>
+          <a:p>
+            <a:pPr>
+              <a:buFont typeface="+mj-lt"/>
+              <a:buAutoNum type="arabicPeriod"/>
+            </a:pPr>
+            <a:r>
+              <a:rPr lang="nl-NL" sz="1400" kern="0" dirty="0" smtClean="0">
+                <a:latin typeface="Courier New" panose="02070309020205020404" pitchFamily="49" charset="0"/>
+                <a:cs typeface="Courier New" panose="02070309020205020404" pitchFamily="49" charset="0"/>
+              </a:rPr>
+              <a:t>Look at the </a:t>
+            </a:r>
+            <a:r>
+              <a:rPr lang="nl-NL" sz="1400" i="1" kern="0" dirty="0" err="1" smtClean="0">
+                <a:latin typeface="Courier New" panose="02070309020205020404" pitchFamily="49" charset="0"/>
+                <a:cs typeface="Courier New" panose="02070309020205020404" pitchFamily="49" charset="0"/>
+              </a:rPr>
+              <a:t>pivot_table</a:t>
+            </a:r>
+            <a:r>
+              <a:rPr lang="nl-NL" sz="1400" i="1" kern="0" dirty="0" smtClean="0">
+                <a:latin typeface="Courier New" panose="02070309020205020404" pitchFamily="49" charset="0"/>
+                <a:cs typeface="Courier New" panose="02070309020205020404" pitchFamily="49" charset="0"/>
+              </a:rPr>
+              <a:t> </a:t>
+            </a:r>
+            <a:r>
+              <a:rPr lang="nl-NL" sz="1400" kern="0" dirty="0" smtClean="0">
+                <a:latin typeface="Courier New" panose="02070309020205020404" pitchFamily="49" charset="0"/>
+                <a:cs typeface="Courier New" panose="02070309020205020404" pitchFamily="49" charset="0"/>
+              </a:rPr>
+              <a:t>Notebook in the </a:t>
+            </a:r>
+            <a:r>
+              <a:rPr lang="nl-NL" sz="1400" kern="0" dirty="0" err="1" smtClean="0">
+                <a:latin typeface="Courier New" panose="02070309020205020404" pitchFamily="49" charset="0"/>
+                <a:cs typeface="Courier New" panose="02070309020205020404" pitchFamily="49" charset="0"/>
+              </a:rPr>
+              <a:t>Examples</a:t>
+            </a:r>
+            <a:r>
+              <a:rPr lang="nl-NL" sz="1400" kern="0" dirty="0" smtClean="0">
+                <a:latin typeface="Courier New" panose="02070309020205020404" pitchFamily="49" charset="0"/>
+                <a:cs typeface="Courier New" panose="02070309020205020404" pitchFamily="49" charset="0"/>
+              </a:rPr>
+              <a:t> folder. How </a:t>
+            </a:r>
+            <a:r>
+              <a:rPr lang="nl-NL" sz="1400" kern="0" dirty="0" err="1" smtClean="0">
+                <a:latin typeface="Courier New" panose="02070309020205020404" pitchFamily="49" charset="0"/>
+                <a:cs typeface="Courier New" panose="02070309020205020404" pitchFamily="49" charset="0"/>
+              </a:rPr>
+              <a:t>might</a:t>
+            </a:r>
+            <a:r>
+              <a:rPr lang="nl-NL" sz="1400" kern="0" dirty="0" smtClean="0">
+                <a:latin typeface="Courier New" panose="02070309020205020404" pitchFamily="49" charset="0"/>
+                <a:cs typeface="Courier New" panose="02070309020205020404" pitchFamily="49" charset="0"/>
+              </a:rPr>
+              <a:t> </a:t>
+            </a:r>
+            <a:r>
+              <a:rPr lang="nl-NL" sz="1400" kern="0" dirty="0" err="1" smtClean="0">
+                <a:latin typeface="Courier New" panose="02070309020205020404" pitchFamily="49" charset="0"/>
+                <a:cs typeface="Courier New" panose="02070309020205020404" pitchFamily="49" charset="0"/>
+              </a:rPr>
+              <a:t>you</a:t>
+            </a:r>
+            <a:r>
+              <a:rPr lang="nl-NL" sz="1400" kern="0" dirty="0" smtClean="0">
+                <a:latin typeface="Courier New" panose="02070309020205020404" pitchFamily="49" charset="0"/>
+                <a:cs typeface="Courier New" panose="02070309020205020404" pitchFamily="49" charset="0"/>
+              </a:rPr>
+              <a:t> </a:t>
+            </a:r>
+            <a:r>
+              <a:rPr lang="nl-NL" sz="1400" kern="0" dirty="0" err="1" smtClean="0">
+                <a:latin typeface="Courier New" panose="02070309020205020404" pitchFamily="49" charset="0"/>
+                <a:cs typeface="Courier New" panose="02070309020205020404" pitchFamily="49" charset="0"/>
+              </a:rPr>
+              <a:t>use</a:t>
+            </a:r>
+            <a:r>
+              <a:rPr lang="nl-NL" sz="1400" kern="0" dirty="0" smtClean="0">
+                <a:latin typeface="Courier New" panose="02070309020205020404" pitchFamily="49" charset="0"/>
+                <a:cs typeface="Courier New" panose="02070309020205020404" pitchFamily="49" charset="0"/>
+              </a:rPr>
+              <a:t> a pivot </a:t>
+            </a:r>
+            <a:r>
+              <a:rPr lang="nl-NL" sz="1400" kern="0" dirty="0" err="1" smtClean="0">
+                <a:latin typeface="Courier New" panose="02070309020205020404" pitchFamily="49" charset="0"/>
+                <a:cs typeface="Courier New" panose="02070309020205020404" pitchFamily="49" charset="0"/>
+              </a:rPr>
+              <a:t>table</a:t>
+            </a:r>
+            <a:r>
+              <a:rPr lang="nl-NL" sz="1400" kern="0" dirty="0" smtClean="0">
+                <a:latin typeface="Courier New" panose="02070309020205020404" pitchFamily="49" charset="0"/>
+                <a:cs typeface="Courier New" panose="02070309020205020404" pitchFamily="49" charset="0"/>
+              </a:rPr>
+              <a:t> </a:t>
+            </a:r>
+            <a:r>
+              <a:rPr lang="nl-NL" sz="1400" kern="0" dirty="0" err="1" smtClean="0">
+                <a:latin typeface="Courier New" panose="02070309020205020404" pitchFamily="49" charset="0"/>
+                <a:cs typeface="Courier New" panose="02070309020205020404" pitchFamily="49" charset="0"/>
+              </a:rPr>
+              <a:t>to</a:t>
+            </a:r>
+            <a:r>
+              <a:rPr lang="nl-NL" sz="1400" kern="0" dirty="0" smtClean="0">
+                <a:latin typeface="Courier New" panose="02070309020205020404" pitchFamily="49" charset="0"/>
+                <a:cs typeface="Courier New" panose="02070309020205020404" pitchFamily="49" charset="0"/>
+              </a:rPr>
+              <a:t> make a user-item matrix? </a:t>
+            </a:r>
+            <a:r>
+              <a:rPr lang="nl-NL" sz="1400" kern="0" dirty="0" err="1" smtClean="0">
+                <a:latin typeface="Courier New" panose="02070309020205020404" pitchFamily="49" charset="0"/>
+                <a:cs typeface="Courier New" panose="02070309020205020404" pitchFamily="49" charset="0"/>
+              </a:rPr>
+              <a:t>Remember</a:t>
+            </a:r>
+            <a:r>
+              <a:rPr lang="nl-NL" sz="1400" kern="0" dirty="0" smtClean="0">
+                <a:latin typeface="Courier New" panose="02070309020205020404" pitchFamily="49" charset="0"/>
+                <a:cs typeface="Courier New" panose="02070309020205020404" pitchFamily="49" charset="0"/>
+              </a:rPr>
+              <a:t>: a user-item matrix is a </a:t>
+            </a:r>
+            <a:r>
+              <a:rPr lang="nl-NL" sz="1400" kern="0" dirty="0" err="1" smtClean="0">
+                <a:latin typeface="Courier New" panose="02070309020205020404" pitchFamily="49" charset="0"/>
+                <a:cs typeface="Courier New" panose="02070309020205020404" pitchFamily="49" charset="0"/>
+              </a:rPr>
+              <a:t>table</a:t>
+            </a:r>
+            <a:r>
+              <a:rPr lang="nl-NL" sz="1400" kern="0" dirty="0" smtClean="0">
+                <a:latin typeface="Courier New" panose="02070309020205020404" pitchFamily="49" charset="0"/>
+                <a:cs typeface="Courier New" panose="02070309020205020404" pitchFamily="49" charset="0"/>
+              </a:rPr>
+              <a:t> of the ratings, </a:t>
+            </a:r>
+            <a:r>
+              <a:rPr lang="nl-NL" sz="1400" kern="0" dirty="0" err="1" smtClean="0">
+                <a:latin typeface="Courier New" panose="02070309020205020404" pitchFamily="49" charset="0"/>
+                <a:cs typeface="Courier New" panose="02070309020205020404" pitchFamily="49" charset="0"/>
+              </a:rPr>
+              <a:t>with</a:t>
+            </a:r>
+            <a:r>
+              <a:rPr lang="nl-NL" sz="1400" kern="0" dirty="0" smtClean="0">
+                <a:latin typeface="Courier New" panose="02070309020205020404" pitchFamily="49" charset="0"/>
+                <a:cs typeface="Courier New" panose="02070309020205020404" pitchFamily="49" charset="0"/>
+              </a:rPr>
+              <a:t> users in the </a:t>
+            </a:r>
+            <a:r>
+              <a:rPr lang="nl-NL" sz="1400" kern="0" dirty="0" err="1" smtClean="0">
+                <a:latin typeface="Courier New" panose="02070309020205020404" pitchFamily="49" charset="0"/>
+                <a:cs typeface="Courier New" panose="02070309020205020404" pitchFamily="49" charset="0"/>
+              </a:rPr>
+              <a:t>rows</a:t>
+            </a:r>
+            <a:r>
+              <a:rPr lang="nl-NL" sz="1400" kern="0" dirty="0" smtClean="0">
+                <a:latin typeface="Courier New" panose="02070309020205020404" pitchFamily="49" charset="0"/>
+                <a:cs typeface="Courier New" panose="02070309020205020404" pitchFamily="49" charset="0"/>
+              </a:rPr>
+              <a:t> </a:t>
+            </a:r>
+            <a:r>
+              <a:rPr lang="nl-NL" sz="1400" kern="0" dirty="0" err="1" smtClean="0">
+                <a:latin typeface="Courier New" panose="02070309020205020404" pitchFamily="49" charset="0"/>
+                <a:cs typeface="Courier New" panose="02070309020205020404" pitchFamily="49" charset="0"/>
+              </a:rPr>
+              <a:t>and</a:t>
+            </a:r>
+            <a:r>
+              <a:rPr lang="nl-NL" sz="1400" kern="0" dirty="0" smtClean="0">
+                <a:latin typeface="Courier New" panose="02070309020205020404" pitchFamily="49" charset="0"/>
+                <a:cs typeface="Courier New" panose="02070309020205020404" pitchFamily="49" charset="0"/>
+              </a:rPr>
+              <a:t> items in the columns. </a:t>
+            </a:r>
+            <a:r>
+              <a:rPr lang="nl-NL" sz="1400" kern="0" dirty="0" err="1" smtClean="0">
+                <a:latin typeface="Courier New" panose="02070309020205020404" pitchFamily="49" charset="0"/>
+                <a:cs typeface="Courier New" panose="02070309020205020404" pitchFamily="49" charset="0"/>
+              </a:rPr>
+              <a:t>What</a:t>
+            </a:r>
+            <a:r>
+              <a:rPr lang="nl-NL" sz="1400" kern="0" dirty="0" smtClean="0">
+                <a:latin typeface="Courier New" panose="02070309020205020404" pitchFamily="49" charset="0"/>
+                <a:cs typeface="Courier New" panose="02070309020205020404" pitchFamily="49" charset="0"/>
+              </a:rPr>
+              <a:t> are the items?</a:t>
+            </a:r>
+          </a:p>
+          <a:p>
+            <a:pPr>
+              <a:buFont typeface="+mj-lt"/>
+              <a:buAutoNum type="arabicPeriod"/>
+            </a:pPr>
+            <a:endParaRPr lang="nl-NL" sz="1400" kern="0" dirty="0">
+              <a:latin typeface="Courier New" panose="02070309020205020404" pitchFamily="49" charset="0"/>
+              <a:cs typeface="Courier New" panose="02070309020205020404" pitchFamily="49" charset="0"/>
+            </a:endParaRPr>
+          </a:p>
+          <a:p>
+            <a:pPr>
+              <a:buFont typeface="+mj-lt"/>
+              <a:buAutoNum type="arabicPeriod"/>
+            </a:pPr>
+            <a:r>
+              <a:rPr lang="nl-NL" sz="1400" kern="0" dirty="0" smtClean="0">
+                <a:latin typeface="Courier New" panose="02070309020205020404" pitchFamily="49" charset="0"/>
+                <a:cs typeface="Courier New" panose="02070309020205020404" pitchFamily="49" charset="0"/>
+              </a:rPr>
+              <a:t>Using </a:t>
+            </a:r>
+            <a:r>
+              <a:rPr lang="nl-NL" sz="1400" i="1" kern="0" dirty="0" err="1" smtClean="0">
+                <a:latin typeface="Courier New" panose="02070309020205020404" pitchFamily="49" charset="0"/>
+                <a:cs typeface="Courier New" panose="02070309020205020404" pitchFamily="49" charset="0"/>
+              </a:rPr>
+              <a:t>head</a:t>
+            </a:r>
+            <a:r>
+              <a:rPr lang="nl-NL" sz="1400" i="1" kern="0" dirty="0" smtClean="0">
+                <a:latin typeface="Courier New" panose="02070309020205020404" pitchFamily="49" charset="0"/>
+                <a:cs typeface="Courier New" panose="02070309020205020404" pitchFamily="49" charset="0"/>
+              </a:rPr>
+              <a:t>()</a:t>
+            </a:r>
+            <a:r>
+              <a:rPr lang="nl-NL" sz="1400" kern="0" dirty="0" smtClean="0">
+                <a:latin typeface="Courier New" panose="02070309020205020404" pitchFamily="49" charset="0"/>
+                <a:cs typeface="Courier New" panose="02070309020205020404" pitchFamily="49" charset="0"/>
+              </a:rPr>
+              <a:t>, check </a:t>
+            </a:r>
+            <a:r>
+              <a:rPr lang="nl-NL" sz="1400" kern="0" dirty="0" err="1" smtClean="0">
+                <a:latin typeface="Courier New" panose="02070309020205020404" pitchFamily="49" charset="0"/>
+                <a:cs typeface="Courier New" panose="02070309020205020404" pitchFamily="49" charset="0"/>
+              </a:rPr>
+              <a:t>if</a:t>
+            </a:r>
+            <a:r>
+              <a:rPr lang="nl-NL" sz="1400" kern="0" dirty="0" smtClean="0">
+                <a:latin typeface="Courier New" panose="02070309020205020404" pitchFamily="49" charset="0"/>
+                <a:cs typeface="Courier New" panose="02070309020205020404" pitchFamily="49" charset="0"/>
+              </a:rPr>
+              <a:t> </a:t>
+            </a:r>
+            <a:r>
+              <a:rPr lang="nl-NL" sz="1400" kern="0" dirty="0" err="1" smtClean="0">
+                <a:latin typeface="Courier New" panose="02070309020205020404" pitchFamily="49" charset="0"/>
+                <a:cs typeface="Courier New" panose="02070309020205020404" pitchFamily="49" charset="0"/>
+              </a:rPr>
+              <a:t>your</a:t>
+            </a:r>
+            <a:r>
+              <a:rPr lang="nl-NL" sz="1400" kern="0" dirty="0" smtClean="0">
+                <a:latin typeface="Courier New" panose="02070309020205020404" pitchFamily="49" charset="0"/>
+                <a:cs typeface="Courier New" panose="02070309020205020404" pitchFamily="49" charset="0"/>
+              </a:rPr>
+              <a:t> matrix is correct.</a:t>
+            </a:r>
+            <a:endParaRPr lang="nl-NL" sz="1400" kern="0" dirty="0">
+              <a:latin typeface="Courier New" panose="02070309020205020404" pitchFamily="49" charset="0"/>
+              <a:cs typeface="Courier New" panose="02070309020205020404" pitchFamily="49" charset="0"/>
+            </a:endParaRPr>
+          </a:p>
+          <a:p>
+            <a:pPr>
+              <a:buFont typeface="+mj-lt"/>
+              <a:buAutoNum type="arabicPeriod"/>
+            </a:pPr>
+            <a:endParaRPr lang="nl-NL" sz="1400" kern="0" dirty="0" smtClean="0">
+              <a:latin typeface="Courier New" panose="02070309020205020404" pitchFamily="49" charset="0"/>
+              <a:cs typeface="Courier New" panose="02070309020205020404" pitchFamily="49" charset="0"/>
+            </a:endParaRPr>
+          </a:p>
+          <a:p>
+            <a:pPr>
+              <a:buFont typeface="+mj-lt"/>
+              <a:buAutoNum type="arabicPeriod"/>
+            </a:pPr>
+            <a:r>
+              <a:rPr lang="nl-NL" sz="1400" kern="0" dirty="0" smtClean="0">
+                <a:latin typeface="Courier New" panose="02070309020205020404" pitchFamily="49" charset="0"/>
+                <a:cs typeface="Courier New" panose="02070309020205020404" pitchFamily="49" charset="0"/>
+              </a:rPr>
+              <a:t>Plot a histogram of </a:t>
+            </a:r>
+            <a:r>
+              <a:rPr lang="nl-NL" sz="1400" kern="0" dirty="0" err="1" smtClean="0">
+                <a:latin typeface="Courier New" panose="02070309020205020404" pitchFamily="49" charset="0"/>
+                <a:cs typeface="Courier New" panose="02070309020205020404" pitchFamily="49" charset="0"/>
+              </a:rPr>
+              <a:t>all</a:t>
+            </a:r>
+            <a:r>
+              <a:rPr lang="nl-NL" sz="1400" kern="0" dirty="0" smtClean="0">
+                <a:latin typeface="Courier New" panose="02070309020205020404" pitchFamily="49" charset="0"/>
+                <a:cs typeface="Courier New" panose="02070309020205020404" pitchFamily="49" charset="0"/>
+              </a:rPr>
+              <a:t> the ratings of a movie of </a:t>
+            </a:r>
+            <a:r>
+              <a:rPr lang="nl-NL" sz="1400" kern="0" dirty="0" err="1" smtClean="0">
+                <a:latin typeface="Courier New" panose="02070309020205020404" pitchFamily="49" charset="0"/>
+                <a:cs typeface="Courier New" panose="02070309020205020404" pitchFamily="49" charset="0"/>
+              </a:rPr>
+              <a:t>your</a:t>
+            </a:r>
+            <a:r>
+              <a:rPr lang="nl-NL" sz="1400" kern="0" dirty="0" smtClean="0">
+                <a:latin typeface="Courier New" panose="02070309020205020404" pitchFamily="49" charset="0"/>
+                <a:cs typeface="Courier New" panose="02070309020205020404" pitchFamily="49" charset="0"/>
+              </a:rPr>
+              <a:t> </a:t>
+            </a:r>
+            <a:r>
+              <a:rPr lang="nl-NL" sz="1400" kern="0" dirty="0" err="1" smtClean="0">
+                <a:latin typeface="Courier New" panose="02070309020205020404" pitchFamily="49" charset="0"/>
+                <a:cs typeface="Courier New" panose="02070309020205020404" pitchFamily="49" charset="0"/>
+              </a:rPr>
+              <a:t>choice</a:t>
+            </a:r>
+            <a:r>
+              <a:rPr lang="nl-NL" sz="1400" kern="0" dirty="0" smtClean="0">
+                <a:latin typeface="Courier New" panose="02070309020205020404" pitchFamily="49" charset="0"/>
+                <a:cs typeface="Courier New" panose="02070309020205020404" pitchFamily="49" charset="0"/>
+              </a:rPr>
+              <a:t>.</a:t>
+            </a:r>
+          </a:p>
+          <a:p>
+            <a:pPr>
+              <a:buFont typeface="+mj-lt"/>
+              <a:buAutoNum type="arabicPeriod"/>
+            </a:pPr>
+            <a:endParaRPr lang="nl-NL" sz="1400" kern="0" dirty="0">
+              <a:latin typeface="Courier New" panose="02070309020205020404" pitchFamily="49" charset="0"/>
+              <a:cs typeface="Courier New" panose="02070309020205020404" pitchFamily="49" charset="0"/>
+            </a:endParaRPr>
+          </a:p>
+          <a:p>
+            <a:pPr>
+              <a:buFont typeface="+mj-lt"/>
+              <a:buAutoNum type="arabicPeriod"/>
+            </a:pPr>
+            <a:endParaRPr lang="nl-NL" sz="1400" kern="0" dirty="0" smtClean="0">
+              <a:latin typeface="Courier New" panose="02070309020205020404" pitchFamily="49" charset="0"/>
+              <a:cs typeface="Courier New" panose="02070309020205020404" pitchFamily="49" charset="0"/>
+            </a:endParaRPr>
+          </a:p>
+          <a:p>
+            <a:pPr marL="0" indent="0">
+              <a:buFont typeface="Zapf Dingbats" charset="2"/>
+              <a:buNone/>
+            </a:pPr>
+            <a:endParaRPr lang="nl-NL" sz="1400" kern="0" dirty="0">
+              <a:latin typeface="Courier New" panose="02070309020205020404" pitchFamily="49" charset="0"/>
+              <a:cs typeface="Courier New" panose="02070309020205020404" pitchFamily="49" charset="0"/>
+            </a:endParaRPr>
+          </a:p>
+          <a:p>
+            <a:pPr marL="0" indent="0">
+              <a:buFont typeface="Zapf Dingbats" charset="2"/>
+              <a:buNone/>
+            </a:pPr>
+            <a:endParaRPr lang="nl-NL" sz="1400" kern="0" dirty="0">
+              <a:latin typeface="Courier New" panose="02070309020205020404" pitchFamily="49" charset="0"/>
+              <a:cs typeface="Courier New" panose="02070309020205020404" pitchFamily="49" charset="0"/>
+            </a:endParaRPr>
+          </a:p>
+          <a:p>
+            <a:pPr marL="0" indent="0">
+              <a:buFont typeface="Zapf Dingbats" charset="2"/>
+              <a:buNone/>
+            </a:pPr>
+            <a:endParaRPr lang="nl-NL" sz="1400" kern="0" dirty="0">
+              <a:latin typeface="Courier New" panose="02070309020205020404" pitchFamily="49" charset="0"/>
+              <a:cs typeface="Courier New" panose="02070309020205020404" pitchFamily="49" charset="0"/>
+            </a:endParaRPr>
+          </a:p>
+          <a:p>
+            <a:pPr marL="0" indent="0">
+              <a:buFont typeface="Zapf Dingbats" charset="2"/>
+              <a:buNone/>
+            </a:pPr>
+            <a:endParaRPr lang="nl-NL" sz="1400" kern="0" dirty="0" smtClean="0">
+              <a:latin typeface="Courier New" panose="02070309020205020404" pitchFamily="49" charset="0"/>
+              <a:cs typeface="Courier New" panose="02070309020205020404" pitchFamily="49" charset="0"/>
+            </a:endParaRPr>
+          </a:p>
+          <a:p>
+            <a:pPr marL="0" indent="0">
+              <a:buFont typeface="Zapf Dingbats" charset="2"/>
+              <a:buNone/>
+            </a:pPr>
+            <a:endParaRPr lang="nl-NL" sz="1400" kern="0" dirty="0">
+              <a:latin typeface="Courier New" panose="02070309020205020404" pitchFamily="49" charset="0"/>
+              <a:cs typeface="Courier New" panose="02070309020205020404" pitchFamily="49" charset="0"/>
+            </a:endParaRPr>
+          </a:p>
+          <a:p>
+            <a:pPr marL="0" indent="0">
+              <a:buFont typeface="Zapf Dingbats" charset="2"/>
+              <a:buNone/>
+            </a:pPr>
+            <a:endParaRPr lang="nl-NL" sz="1400" kern="0" dirty="0" smtClean="0">
+              <a:latin typeface="Courier New" panose="02070309020205020404" pitchFamily="49" charset="0"/>
+              <a:cs typeface="Courier New" panose="02070309020205020404" pitchFamily="49" charset="0"/>
+            </a:endParaRPr>
+          </a:p>
+        </p:txBody>
+      </p:sp>
+    </p:spTree>
+    <p:extLst>
+      <p:ext uri="{BB962C8B-B14F-4D97-AF65-F5344CB8AC3E}">
+        <p14:creationId xmlns:p14="http://schemas.microsoft.com/office/powerpoint/2010/main" val="2151871792"/>
+      </p:ext>
+    </p:extLst>
+  </p:cSld>
+  <p:clrMapOvr>
+    <a:masterClrMapping/>
+  </p:clrMapOvr>
+  <p:timing>
+    <p:tnLst>
+      <p:par>
+        <p:cTn id="1" dur="indefinite" restart="never" nodeType="tmRoot"/>
+      </p:par>
+    </p:tnLst>
+  </p:timing>
+</p:sld>
+</file>
+
+<file path=ppt/slides/slide11.xml><?xml version="1.0" encoding="utf-8"?>
+<p:sld xmlns:a="http://schemas.openxmlformats.org/drawingml/2006/main" xmlns:r="http://schemas.openxmlformats.org/officeDocument/2006/relationships" xmlns:p="http://schemas.openxmlformats.org/presentationml/2006/main">
+  <p:cSld>
+    <p:spTree>
+      <p:nvGrpSpPr>
+        <p:cNvPr id="1" name=""/>
+        <p:cNvGrpSpPr/>
+        <p:nvPr/>
+      </p:nvGrpSpPr>
+      <p:grpSpPr>
+        <a:xfrm>
+          <a:off x="0" y="0"/>
+          <a:ext cx="0" cy="0"/>
+          <a:chOff x="0" y="0"/>
+          <a:chExt cx="0" cy="0"/>
+        </a:xfrm>
+      </p:grpSpPr>
+      <p:sp>
+        <p:nvSpPr>
+          <p:cNvPr id="2" name="Titel 1"/>
+          <p:cNvSpPr>
+            <a:spLocks noGrp="1"/>
+          </p:cNvSpPr>
+          <p:nvPr>
+            <p:ph type="title"/>
+          </p:nvPr>
+        </p:nvSpPr>
+        <p:spPr/>
+        <p:txBody>
+          <a:bodyPr/>
+          <a:lstStyle/>
+          <a:p>
+            <a:r>
               <a:rPr lang="nl-NL" dirty="0" smtClean="0"/>
               <a:t>Topics</a:t>
             </a:r>
@@ -5649,7 +6853,7 @@
 </p:sld>
 </file>
 
-<file path=ppt/slides/slide11.xml><?xml version="1.0" encoding="utf-8"?>
+<file path=ppt/slides/slide12.xml><?xml version="1.0" encoding="utf-8"?>
 <p:sld xmlns:a="http://schemas.openxmlformats.org/drawingml/2006/main" xmlns:r="http://schemas.openxmlformats.org/officeDocument/2006/relationships" xmlns:p="http://schemas.openxmlformats.org/presentationml/2006/main">
   <p:cSld>
     <p:spTree>
@@ -6426,7 +7630,7 @@
 </p:sld>
 </file>
 
-<file path=ppt/slides/slide12.xml><?xml version="1.0" encoding="utf-8"?>
+<file path=ppt/slides/slide13.xml><?xml version="1.0" encoding="utf-8"?>
 <p:sld xmlns:a="http://schemas.openxmlformats.org/drawingml/2006/main" xmlns:r="http://schemas.openxmlformats.org/officeDocument/2006/relationships" xmlns:p="http://schemas.openxmlformats.org/presentationml/2006/main">
   <p:cSld>
     <p:spTree>
@@ -6704,7 +7908,7 @@
 </p:sld>
 </file>
 
-<file path=ppt/slides/slide13.xml><?xml version="1.0" encoding="utf-8"?>
+<file path=ppt/slides/slide14.xml><?xml version="1.0" encoding="utf-8"?>
 <p:sld xmlns:a="http://schemas.openxmlformats.org/drawingml/2006/main" xmlns:r="http://schemas.openxmlformats.org/officeDocument/2006/relationships" xmlns:p="http://schemas.openxmlformats.org/presentationml/2006/main">
   <p:cSld>
     <p:spTree>
@@ -7282,7 +8486,7 @@
 </p:sld>
 </file>
 
-<file path=ppt/slides/slide14.xml><?xml version="1.0" encoding="utf-8"?>
+<file path=ppt/slides/slide15.xml><?xml version="1.0" encoding="utf-8"?>
 <p:sld xmlns:a="http://schemas.openxmlformats.org/drawingml/2006/main" xmlns:r="http://schemas.openxmlformats.org/officeDocument/2006/relationships" xmlns:p="http://schemas.openxmlformats.org/presentationml/2006/main">
   <p:cSld>
     <p:spTree>
@@ -7831,7 +9035,7 @@
 </p:sld>
 </file>
 
-<file path=ppt/slides/slide15.xml><?xml version="1.0" encoding="utf-8"?>
+<file path=ppt/slides/slide16.xml><?xml version="1.0" encoding="utf-8"?>
 <p:sld xmlns:a="http://schemas.openxmlformats.org/drawingml/2006/main" xmlns:r="http://schemas.openxmlformats.org/officeDocument/2006/relationships" xmlns:p="http://schemas.openxmlformats.org/presentationml/2006/main">
   <p:cSld>
     <p:spTree>
@@ -7945,7 +9149,7 @@
 </p:sld>
 </file>
 
-<file path=ppt/slides/slide16.xml><?xml version="1.0" encoding="utf-8"?>
+<file path=ppt/slides/slide17.xml><?xml version="1.0" encoding="utf-8"?>
 <p:sld xmlns:a="http://schemas.openxmlformats.org/drawingml/2006/main" xmlns:r="http://schemas.openxmlformats.org/officeDocument/2006/relationships" xmlns:p="http://schemas.openxmlformats.org/presentationml/2006/main">
   <p:cSld>
     <p:spTree>
@@ -8961,7 +10165,7 @@
 </p:sld>
 </file>
 
-<file path=ppt/slides/slide17.xml><?xml version="1.0" encoding="utf-8"?>
+<file path=ppt/slides/slide18.xml><?xml version="1.0" encoding="utf-8"?>
 <p:sld xmlns:a="http://schemas.openxmlformats.org/drawingml/2006/main" xmlns:r="http://schemas.openxmlformats.org/officeDocument/2006/relationships" xmlns:p="http://schemas.openxmlformats.org/presentationml/2006/main">
   <p:cSld>
     <p:spTree>
@@ -9050,7 +10254,7 @@
 </p:sld>
 </file>
 
-<file path=ppt/slides/slide18.xml><?xml version="1.0" encoding="utf-8"?>
+<file path=ppt/slides/slide19.xml><?xml version="1.0" encoding="utf-8"?>
 <p:sld xmlns:a="http://schemas.openxmlformats.org/drawingml/2006/main" xmlns:r="http://schemas.openxmlformats.org/officeDocument/2006/relationships" xmlns:p="http://schemas.openxmlformats.org/presentationml/2006/main">
   <p:cSld>
     <p:spTree>
@@ -10540,213 +11744,6 @@
 </p:sld>
 </file>
 
-<file path=ppt/slides/slide19.xml><?xml version="1.0" encoding="utf-8"?>
-<p:sld xmlns:a="http://schemas.openxmlformats.org/drawingml/2006/main" xmlns:r="http://schemas.openxmlformats.org/officeDocument/2006/relationships" xmlns:p="http://schemas.openxmlformats.org/presentationml/2006/main">
-  <p:cSld>
-    <p:spTree>
-      <p:nvGrpSpPr>
-        <p:cNvPr id="1" name=""/>
-        <p:cNvGrpSpPr/>
-        <p:nvPr/>
-      </p:nvGrpSpPr>
-      <p:grpSpPr>
-        <a:xfrm>
-          <a:off x="0" y="0"/>
-          <a:ext cx="0" cy="0"/>
-          <a:chOff x="0" y="0"/>
-          <a:chExt cx="0" cy="0"/>
-        </a:xfrm>
-      </p:grpSpPr>
-      <p:sp>
-        <p:nvSpPr>
-          <p:cNvPr id="2" name="Titel 1"/>
-          <p:cNvSpPr>
-            <a:spLocks noGrp="1"/>
-          </p:cNvSpPr>
-          <p:nvPr>
-            <p:ph type="title"/>
-          </p:nvPr>
-        </p:nvSpPr>
-        <p:spPr/>
-        <p:txBody>
-          <a:bodyPr/>
-          <a:lstStyle/>
-          <a:p>
-            <a:r>
-              <a:rPr lang="nl-NL" dirty="0" err="1" smtClean="0"/>
-              <a:t>Problems</a:t>
-            </a:r>
-            <a:r>
-              <a:rPr lang="nl-NL" dirty="0" smtClean="0"/>
-              <a:t> </a:t>
-            </a:r>
-            <a:r>
-              <a:rPr lang="nl-NL" dirty="0" err="1" smtClean="0"/>
-              <a:t>with</a:t>
-            </a:r>
-            <a:r>
-              <a:rPr lang="nl-NL" dirty="0" smtClean="0"/>
-              <a:t> </a:t>
-            </a:r>
-            <a:r>
-              <a:rPr lang="nl-NL" i="1" dirty="0" smtClean="0"/>
-              <a:t>k</a:t>
-            </a:r>
-            <a:r>
-              <a:rPr lang="nl-NL" dirty="0" smtClean="0"/>
-              <a:t>-means</a:t>
-            </a:r>
-            <a:endParaRPr lang="nl-NL" i="1" dirty="0"/>
-          </a:p>
-        </p:txBody>
-      </p:sp>
-      <p:sp>
-        <p:nvSpPr>
-          <p:cNvPr id="3" name="Tijdelijke aanduiding voor inhoud 2"/>
-          <p:cNvSpPr>
-            <a:spLocks noGrp="1"/>
-          </p:cNvSpPr>
-          <p:nvPr>
-            <p:ph idx="1"/>
-          </p:nvPr>
-        </p:nvSpPr>
-        <p:spPr>
-          <a:xfrm>
-            <a:off x="762000" y="1762125"/>
-            <a:ext cx="7881938" cy="2603790"/>
-          </a:xfrm>
-        </p:spPr>
-        <p:txBody>
-          <a:bodyPr/>
-          <a:lstStyle/>
-          <a:p>
-            <a:r>
-              <a:rPr lang="nl-NL" sz="2400" i="1" dirty="0"/>
-              <a:t>k</a:t>
-            </a:r>
-            <a:r>
-              <a:rPr lang="nl-NL" sz="2400" dirty="0" smtClean="0"/>
-              <a:t>-means </a:t>
-            </a:r>
-            <a:r>
-              <a:rPr lang="nl-NL" sz="2400" dirty="0" err="1" smtClean="0"/>
-              <a:t>can</a:t>
-            </a:r>
-            <a:r>
-              <a:rPr lang="nl-NL" sz="2400" dirty="0" smtClean="0"/>
-              <a:t> </a:t>
-            </a:r>
-            <a:r>
-              <a:rPr lang="nl-NL" sz="2400" dirty="0" err="1" smtClean="0"/>
-              <a:t>only</a:t>
-            </a:r>
-            <a:r>
-              <a:rPr lang="nl-NL" sz="2400" dirty="0" smtClean="0"/>
-              <a:t> make </a:t>
-            </a:r>
-            <a:r>
-              <a:rPr lang="nl-NL" sz="2400" dirty="0" err="1" smtClean="0"/>
-              <a:t>Voronoi</a:t>
-            </a:r>
-            <a:r>
-              <a:rPr lang="nl-NL" sz="2400" dirty="0" smtClean="0"/>
-              <a:t> </a:t>
-            </a:r>
-            <a:r>
-              <a:rPr lang="nl-NL" sz="2400" dirty="0" err="1" smtClean="0"/>
-              <a:t>cells</a:t>
-            </a:r>
-            <a:r>
-              <a:rPr lang="nl-NL" sz="2400" dirty="0" smtClean="0"/>
-              <a:t> (straight </a:t>
-            </a:r>
-            <a:r>
-              <a:rPr lang="nl-NL" sz="2400" dirty="0" err="1" smtClean="0"/>
-              <a:t>lines</a:t>
-            </a:r>
-            <a:r>
-              <a:rPr lang="nl-NL" sz="2400" dirty="0" smtClean="0"/>
-              <a:t>)</a:t>
-            </a:r>
-          </a:p>
-          <a:p>
-            <a:endParaRPr lang="nl-NL" sz="2400" dirty="0"/>
-          </a:p>
-          <a:p>
-            <a:r>
-              <a:rPr lang="nl-NL" sz="2400" dirty="0" err="1" smtClean="0"/>
-              <a:t>Suitable</a:t>
-            </a:r>
-            <a:r>
-              <a:rPr lang="nl-NL" sz="2400" dirty="0" smtClean="0"/>
-              <a:t> </a:t>
-            </a:r>
-            <a:r>
-              <a:rPr lang="nl-NL" sz="2400" dirty="0" err="1" smtClean="0"/>
-              <a:t>number</a:t>
-            </a:r>
-            <a:r>
-              <a:rPr lang="nl-NL" sz="2400" dirty="0" smtClean="0"/>
-              <a:t> of clusters </a:t>
-            </a:r>
-            <a:r>
-              <a:rPr lang="nl-NL" sz="2400" dirty="0" err="1" smtClean="0"/>
-              <a:t>often</a:t>
-            </a:r>
-            <a:r>
-              <a:rPr lang="nl-NL" sz="2400" dirty="0" smtClean="0"/>
-              <a:t> hard </a:t>
-            </a:r>
-            <a:r>
-              <a:rPr lang="nl-NL" sz="2400" dirty="0" err="1" smtClean="0"/>
-              <a:t>to</a:t>
-            </a:r>
-            <a:r>
-              <a:rPr lang="nl-NL" sz="2400" dirty="0" smtClean="0"/>
-              <a:t> </a:t>
-            </a:r>
-            <a:r>
-              <a:rPr lang="nl-NL" sz="2400" dirty="0" err="1" smtClean="0"/>
-              <a:t>determine</a:t>
-            </a:r>
-            <a:r>
-              <a:rPr lang="nl-NL" sz="2400" dirty="0" smtClean="0"/>
-              <a:t> in </a:t>
-            </a:r>
-            <a:r>
-              <a:rPr lang="nl-NL" sz="2400" dirty="0" err="1" smtClean="0"/>
-              <a:t>practice</a:t>
-            </a:r>
-            <a:endParaRPr lang="nl-NL" sz="2400" dirty="0" smtClean="0"/>
-          </a:p>
-          <a:p>
-            <a:endParaRPr lang="nl-NL" sz="2400" dirty="0"/>
-          </a:p>
-          <a:p>
-            <a:endParaRPr lang="nl-NL" sz="2400" dirty="0"/>
-          </a:p>
-        </p:txBody>
-      </p:sp>
-    </p:spTree>
-    <p:extLst>
-      <p:ext uri="{BB962C8B-B14F-4D97-AF65-F5344CB8AC3E}">
-        <p14:creationId xmlns:p14="http://schemas.microsoft.com/office/powerpoint/2010/main" val="1217448092"/>
-      </p:ext>
-    </p:extLst>
-  </p:cSld>
-  <p:clrMapOvr>
-    <a:masterClrMapping/>
-  </p:clrMapOvr>
-  <p:timing>
-    <p:tnLst>
-      <p:par>
-        <p:cTn id="1" dur="indefinite" restart="never" nodeType="tmRoot"/>
-      </p:par>
-    </p:tnLst>
-  </p:timing>
-</p:sld>
-</file>
-
 <file path=ppt/slides/slide2.xml><?xml version="1.0" encoding="utf-8"?>
 <p:sld xmlns:a="http://schemas.openxmlformats.org/drawingml/2006/main" xmlns:r="http://schemas.openxmlformats.org/officeDocument/2006/relationships" xmlns:p="http://schemas.openxmlformats.org/presentationml/2006/main">
   <p:cSld>
@@ -10899,6 +11896,2027 @@
 </file>
 
 <file path=ppt/slides/slide20.xml><?xml version="1.0" encoding="utf-8"?>
+<p:sld xmlns:a="http://schemas.openxmlformats.org/drawingml/2006/main" xmlns:r="http://schemas.openxmlformats.org/officeDocument/2006/relationships" xmlns:p="http://schemas.openxmlformats.org/presentationml/2006/main">
+  <p:cSld>
+    <p:spTree>
+      <p:nvGrpSpPr>
+        <p:cNvPr id="1" name=""/>
+        <p:cNvGrpSpPr/>
+        <p:nvPr/>
+      </p:nvGrpSpPr>
+      <p:grpSpPr>
+        <a:xfrm>
+          <a:off x="0" y="0"/>
+          <a:ext cx="0" cy="0"/>
+          <a:chOff x="0" y="0"/>
+          <a:chExt cx="0" cy="0"/>
+        </a:xfrm>
+      </p:grpSpPr>
+      <p:sp>
+        <p:nvSpPr>
+          <p:cNvPr id="2" name="Titel 1"/>
+          <p:cNvSpPr>
+            <a:spLocks noGrp="1"/>
+          </p:cNvSpPr>
+          <p:nvPr>
+            <p:ph type="title"/>
+          </p:nvPr>
+        </p:nvSpPr>
+        <p:spPr/>
+        <p:txBody>
+          <a:bodyPr/>
+          <a:lstStyle/>
+          <a:p>
+            <a:r>
+              <a:rPr lang="nl-NL" dirty="0" err="1" smtClean="0"/>
+              <a:t>Problems</a:t>
+            </a:r>
+            <a:r>
+              <a:rPr lang="nl-NL" dirty="0" smtClean="0"/>
+              <a:t> </a:t>
+            </a:r>
+            <a:r>
+              <a:rPr lang="nl-NL" dirty="0" err="1" smtClean="0"/>
+              <a:t>with</a:t>
+            </a:r>
+            <a:r>
+              <a:rPr lang="nl-NL" dirty="0" smtClean="0"/>
+              <a:t> </a:t>
+            </a:r>
+            <a:r>
+              <a:rPr lang="nl-NL" i="1" dirty="0" smtClean="0"/>
+              <a:t>k</a:t>
+            </a:r>
+            <a:r>
+              <a:rPr lang="nl-NL" dirty="0" smtClean="0"/>
+              <a:t>-means</a:t>
+            </a:r>
+            <a:endParaRPr lang="nl-NL" i="1" dirty="0"/>
+          </a:p>
+        </p:txBody>
+      </p:sp>
+      <p:sp>
+        <p:nvSpPr>
+          <p:cNvPr id="3" name="Tijdelijke aanduiding voor inhoud 2"/>
+          <p:cNvSpPr>
+            <a:spLocks noGrp="1"/>
+          </p:cNvSpPr>
+          <p:nvPr>
+            <p:ph idx="1"/>
+          </p:nvPr>
+        </p:nvSpPr>
+        <p:spPr>
+          <a:xfrm>
+            <a:off x="762000" y="1762125"/>
+            <a:ext cx="7881938" cy="2603790"/>
+          </a:xfrm>
+        </p:spPr>
+        <p:txBody>
+          <a:bodyPr/>
+          <a:lstStyle/>
+          <a:p>
+            <a:r>
+              <a:rPr lang="nl-NL" sz="2400" i="1" dirty="0"/>
+              <a:t>k</a:t>
+            </a:r>
+            <a:r>
+              <a:rPr lang="nl-NL" sz="2400" dirty="0" smtClean="0"/>
+              <a:t>-means </a:t>
+            </a:r>
+            <a:r>
+              <a:rPr lang="nl-NL" sz="2400" dirty="0" err="1" smtClean="0"/>
+              <a:t>can</a:t>
+            </a:r>
+            <a:r>
+              <a:rPr lang="nl-NL" sz="2400" dirty="0" smtClean="0"/>
+              <a:t> </a:t>
+            </a:r>
+            <a:r>
+              <a:rPr lang="nl-NL" sz="2400" dirty="0" err="1" smtClean="0"/>
+              <a:t>only</a:t>
+            </a:r>
+            <a:r>
+              <a:rPr lang="nl-NL" sz="2400" dirty="0" smtClean="0"/>
+              <a:t> make </a:t>
+            </a:r>
+            <a:r>
+              <a:rPr lang="nl-NL" sz="2400" dirty="0" err="1" smtClean="0"/>
+              <a:t>Voronoi</a:t>
+            </a:r>
+            <a:r>
+              <a:rPr lang="nl-NL" sz="2400" dirty="0" smtClean="0"/>
+              <a:t> </a:t>
+            </a:r>
+            <a:r>
+              <a:rPr lang="nl-NL" sz="2400" dirty="0" err="1" smtClean="0"/>
+              <a:t>cells</a:t>
+            </a:r>
+            <a:r>
+              <a:rPr lang="nl-NL" sz="2400" dirty="0" smtClean="0"/>
+              <a:t> (straight </a:t>
+            </a:r>
+            <a:r>
+              <a:rPr lang="nl-NL" sz="2400" dirty="0" err="1" smtClean="0"/>
+              <a:t>lines</a:t>
+            </a:r>
+            <a:r>
+              <a:rPr lang="nl-NL" sz="2400" dirty="0" smtClean="0"/>
+              <a:t>)</a:t>
+            </a:r>
+          </a:p>
+          <a:p>
+            <a:endParaRPr lang="nl-NL" sz="2400" dirty="0"/>
+          </a:p>
+          <a:p>
+            <a:r>
+              <a:rPr lang="nl-NL" sz="2400" dirty="0" err="1" smtClean="0"/>
+              <a:t>Suitable</a:t>
+            </a:r>
+            <a:r>
+              <a:rPr lang="nl-NL" sz="2400" dirty="0" smtClean="0"/>
+              <a:t> </a:t>
+            </a:r>
+            <a:r>
+              <a:rPr lang="nl-NL" sz="2400" dirty="0" err="1" smtClean="0"/>
+              <a:t>number</a:t>
+            </a:r>
+            <a:r>
+              <a:rPr lang="nl-NL" sz="2400" dirty="0" smtClean="0"/>
+              <a:t> of clusters </a:t>
+            </a:r>
+            <a:r>
+              <a:rPr lang="nl-NL" sz="2400" dirty="0" err="1" smtClean="0"/>
+              <a:t>often</a:t>
+            </a:r>
+            <a:r>
+              <a:rPr lang="nl-NL" sz="2400" dirty="0" smtClean="0"/>
+              <a:t> hard </a:t>
+            </a:r>
+            <a:r>
+              <a:rPr lang="nl-NL" sz="2400" dirty="0" err="1" smtClean="0"/>
+              <a:t>to</a:t>
+            </a:r>
+            <a:r>
+              <a:rPr lang="nl-NL" sz="2400" dirty="0" smtClean="0"/>
+              <a:t> </a:t>
+            </a:r>
+            <a:r>
+              <a:rPr lang="nl-NL" sz="2400" dirty="0" err="1" smtClean="0"/>
+              <a:t>determine</a:t>
+            </a:r>
+            <a:r>
+              <a:rPr lang="nl-NL" sz="2400" dirty="0" smtClean="0"/>
+              <a:t> in </a:t>
+            </a:r>
+            <a:r>
+              <a:rPr lang="nl-NL" sz="2400" dirty="0" err="1" smtClean="0"/>
+              <a:t>practice</a:t>
+            </a:r>
+            <a:endParaRPr lang="nl-NL" sz="2400" dirty="0" smtClean="0"/>
+          </a:p>
+          <a:p>
+            <a:endParaRPr lang="nl-NL" sz="2400" dirty="0"/>
+          </a:p>
+          <a:p>
+            <a:endParaRPr lang="nl-NL" sz="2400" dirty="0"/>
+          </a:p>
+        </p:txBody>
+      </p:sp>
+    </p:spTree>
+    <p:extLst>
+      <p:ext uri="{BB962C8B-B14F-4D97-AF65-F5344CB8AC3E}">
+        <p14:creationId xmlns:p14="http://schemas.microsoft.com/office/powerpoint/2010/main" val="1217448092"/>
+      </p:ext>
+    </p:extLst>
+  </p:cSld>
+  <p:clrMapOvr>
+    <a:masterClrMapping/>
+  </p:clrMapOvr>
+  <p:timing>
+    <p:tnLst>
+      <p:par>
+        <p:cTn id="1" dur="indefinite" restart="never" nodeType="tmRoot"/>
+      </p:par>
+    </p:tnLst>
+  </p:timing>
+</p:sld>
+</file>
+
+<file path=ppt/slides/slide21.xml><?xml version="1.0" encoding="utf-8"?>
+<p:sld xmlns:a="http://schemas.openxmlformats.org/drawingml/2006/main" xmlns:r="http://schemas.openxmlformats.org/officeDocument/2006/relationships" xmlns:p="http://schemas.openxmlformats.org/presentationml/2006/main">
+  <p:cSld>
+    <p:spTree>
+      <p:nvGrpSpPr>
+        <p:cNvPr id="1" name=""/>
+        <p:cNvGrpSpPr/>
+        <p:nvPr/>
+      </p:nvGrpSpPr>
+      <p:grpSpPr>
+        <a:xfrm>
+          <a:off x="0" y="0"/>
+          <a:ext cx="0" cy="0"/>
+          <a:chOff x="0" y="0"/>
+          <a:chExt cx="0" cy="0"/>
+        </a:xfrm>
+      </p:grpSpPr>
+      <p:sp>
+        <p:nvSpPr>
+          <p:cNvPr id="2" name="Titel 1"/>
+          <p:cNvSpPr>
+            <a:spLocks noGrp="1"/>
+          </p:cNvSpPr>
+          <p:nvPr>
+            <p:ph type="title"/>
+          </p:nvPr>
+        </p:nvSpPr>
+        <p:spPr/>
+        <p:txBody>
+          <a:bodyPr/>
+          <a:lstStyle/>
+          <a:p>
+            <a:r>
+              <a:rPr lang="nl-NL" dirty="0" err="1" smtClean="0"/>
+              <a:t>Exercise</a:t>
+            </a:r>
+            <a:r>
+              <a:rPr lang="nl-NL" dirty="0" smtClean="0"/>
+              <a:t> </a:t>
+            </a:r>
+            <a:r>
+              <a:rPr lang="nl-NL" dirty="0" smtClean="0"/>
+              <a:t>3</a:t>
+            </a:r>
+            <a:endParaRPr lang="nl-NL" dirty="0"/>
+          </a:p>
+        </p:txBody>
+      </p:sp>
+      <p:sp>
+        <p:nvSpPr>
+          <p:cNvPr id="3" name="Tijdelijke aanduiding voor inhoud 2"/>
+          <p:cNvSpPr>
+            <a:spLocks noGrp="1"/>
+          </p:cNvSpPr>
+          <p:nvPr>
+            <p:ph idx="1"/>
+          </p:nvPr>
+        </p:nvSpPr>
+        <p:spPr>
+          <a:xfrm>
+            <a:off x="762000" y="1762125"/>
+            <a:ext cx="7881938" cy="3822585"/>
+          </a:xfrm>
+        </p:spPr>
+        <p:txBody>
+          <a:bodyPr/>
+          <a:lstStyle/>
+          <a:p>
+            <a:r>
+              <a:rPr lang="nl-NL" sz="2400" dirty="0" smtClean="0"/>
+              <a:t>For </a:t>
+            </a:r>
+            <a:r>
+              <a:rPr lang="nl-NL" sz="2400" dirty="0" err="1" smtClean="0"/>
+              <a:t>exercise</a:t>
+            </a:r>
+            <a:r>
+              <a:rPr lang="nl-NL" sz="2400" dirty="0" smtClean="0"/>
+              <a:t> </a:t>
+            </a:r>
+            <a:r>
+              <a:rPr lang="nl-NL" sz="2400" dirty="0"/>
+              <a:t>3</a:t>
+            </a:r>
+            <a:r>
+              <a:rPr lang="nl-NL" sz="2400" dirty="0" smtClean="0"/>
+              <a:t>, </a:t>
+            </a:r>
+            <a:r>
+              <a:rPr lang="nl-NL" sz="2400" dirty="0" err="1" smtClean="0"/>
+              <a:t>some</a:t>
+            </a:r>
+            <a:r>
+              <a:rPr lang="nl-NL" sz="2400" dirty="0" smtClean="0"/>
+              <a:t> pre-processing has been </a:t>
+            </a:r>
+            <a:r>
+              <a:rPr lang="nl-NL" sz="2400" dirty="0" err="1" smtClean="0"/>
+              <a:t>done</a:t>
+            </a:r>
+            <a:r>
+              <a:rPr lang="nl-NL" sz="2400" dirty="0" smtClean="0"/>
+              <a:t>:</a:t>
+            </a:r>
+            <a:endParaRPr lang="nl-NL" sz="2400" dirty="0"/>
+          </a:p>
+          <a:p>
+            <a:endParaRPr lang="nl-NL" sz="2400" dirty="0" smtClean="0"/>
+          </a:p>
+          <a:p>
+            <a:pPr lvl="1"/>
+            <a:r>
+              <a:rPr lang="nl-NL" sz="2200" dirty="0" err="1" smtClean="0"/>
+              <a:t>Filling</a:t>
+            </a:r>
+            <a:r>
+              <a:rPr lang="nl-NL" sz="2200" dirty="0" smtClean="0"/>
+              <a:t> the </a:t>
+            </a:r>
+            <a:r>
+              <a:rPr lang="nl-NL" sz="2200" dirty="0" err="1" smtClean="0"/>
+              <a:t>NaN</a:t>
+            </a:r>
+            <a:r>
+              <a:rPr lang="nl-NL" sz="2200" dirty="0" smtClean="0"/>
+              <a:t> of </a:t>
+            </a:r>
+            <a:r>
+              <a:rPr lang="nl-NL" sz="2200" dirty="0" err="1" smtClean="0"/>
+              <a:t>unrated</a:t>
+            </a:r>
+            <a:r>
+              <a:rPr lang="nl-NL" sz="2200" dirty="0" smtClean="0"/>
+              <a:t> </a:t>
+            </a:r>
+            <a:r>
+              <a:rPr lang="nl-NL" sz="2200" dirty="0" err="1" smtClean="0"/>
+              <a:t>movies</a:t>
+            </a:r>
+            <a:r>
+              <a:rPr lang="nl-NL" sz="2200" dirty="0" smtClean="0"/>
+              <a:t> </a:t>
+            </a:r>
+            <a:r>
+              <a:rPr lang="nl-NL" sz="2200" dirty="0" err="1" smtClean="0"/>
+              <a:t>with</a:t>
+            </a:r>
+            <a:r>
+              <a:rPr lang="nl-NL" sz="2200" dirty="0" smtClean="0"/>
+              <a:t> 0 (</a:t>
+            </a:r>
+            <a:r>
+              <a:rPr lang="nl-NL" sz="2200" dirty="0" err="1" smtClean="0"/>
+              <a:t>not</a:t>
+            </a:r>
+            <a:r>
+              <a:rPr lang="nl-NL" sz="2200" dirty="0" smtClean="0"/>
+              <a:t> at </a:t>
+            </a:r>
+            <a:r>
+              <a:rPr lang="nl-NL" sz="2200" dirty="0" err="1" smtClean="0"/>
+              <a:t>all</a:t>
+            </a:r>
+            <a:r>
+              <a:rPr lang="nl-NL" sz="2200" dirty="0" smtClean="0"/>
+              <a:t> a </a:t>
+            </a:r>
+            <a:r>
+              <a:rPr lang="nl-NL" sz="2200" dirty="0" err="1" smtClean="0"/>
+              <a:t>great</a:t>
+            </a:r>
+            <a:r>
+              <a:rPr lang="nl-NL" sz="2200" dirty="0" smtClean="0"/>
+              <a:t> solution -&gt; </a:t>
+            </a:r>
+            <a:r>
+              <a:rPr lang="nl-NL" sz="2200" dirty="0" err="1" smtClean="0"/>
+              <a:t>why</a:t>
+            </a:r>
+            <a:r>
+              <a:rPr lang="nl-NL" sz="2200" dirty="0" smtClean="0"/>
+              <a:t> </a:t>
+            </a:r>
+            <a:r>
+              <a:rPr lang="nl-NL" sz="2200" dirty="0" err="1" smtClean="0"/>
+              <a:t>not</a:t>
+            </a:r>
+            <a:r>
+              <a:rPr lang="nl-NL" sz="2200" dirty="0" smtClean="0"/>
+              <a:t>?)</a:t>
+            </a:r>
+          </a:p>
+          <a:p>
+            <a:endParaRPr lang="nl-NL" sz="2400" dirty="0"/>
+          </a:p>
+          <a:p>
+            <a:pPr lvl="1"/>
+            <a:r>
+              <a:rPr lang="nl-NL" sz="2200" dirty="0" smtClean="0"/>
+              <a:t>Ordering the columns of the dataframe from most </a:t>
+            </a:r>
+            <a:r>
+              <a:rPr lang="nl-NL" sz="2200" dirty="0" err="1" smtClean="0"/>
+              <a:t>frequently</a:t>
+            </a:r>
+            <a:r>
+              <a:rPr lang="nl-NL" sz="2200" dirty="0" smtClean="0"/>
+              <a:t> </a:t>
+            </a:r>
+            <a:r>
+              <a:rPr lang="nl-NL" sz="2200" dirty="0" err="1" smtClean="0"/>
+              <a:t>rated</a:t>
+            </a:r>
+            <a:r>
+              <a:rPr lang="nl-NL" sz="2200" dirty="0" smtClean="0"/>
+              <a:t> </a:t>
+            </a:r>
+            <a:r>
+              <a:rPr lang="nl-NL" sz="2200" dirty="0" err="1" smtClean="0"/>
+              <a:t>to</a:t>
+            </a:r>
+            <a:r>
+              <a:rPr lang="nl-NL" sz="2200" dirty="0" smtClean="0"/>
+              <a:t> </a:t>
+            </a:r>
+            <a:r>
+              <a:rPr lang="nl-NL" sz="2200" dirty="0" err="1" smtClean="0"/>
+              <a:t>least</a:t>
+            </a:r>
+            <a:r>
+              <a:rPr lang="nl-NL" sz="2200" dirty="0" smtClean="0"/>
+              <a:t> </a:t>
+            </a:r>
+            <a:r>
+              <a:rPr lang="nl-NL" sz="2200" dirty="0" err="1" smtClean="0"/>
+              <a:t>frequently</a:t>
+            </a:r>
+            <a:r>
+              <a:rPr lang="nl-NL" sz="2200" dirty="0" smtClean="0"/>
+              <a:t> </a:t>
+            </a:r>
+            <a:r>
+              <a:rPr lang="nl-NL" sz="2200" dirty="0" err="1" smtClean="0"/>
+              <a:t>rated</a:t>
+            </a:r>
+            <a:endParaRPr lang="nl-NL" sz="2200" dirty="0"/>
+          </a:p>
+          <a:p>
+            <a:endParaRPr lang="nl-NL" sz="2400" dirty="0" smtClean="0"/>
+          </a:p>
+          <a:p>
+            <a:r>
+              <a:rPr lang="nl-NL" sz="2400" dirty="0" err="1" smtClean="0"/>
+              <a:t>Your</a:t>
+            </a:r>
+            <a:r>
+              <a:rPr lang="nl-NL" sz="2400" dirty="0" smtClean="0"/>
+              <a:t> job is </a:t>
+            </a:r>
+            <a:r>
+              <a:rPr lang="nl-NL" sz="2400" dirty="0" err="1" smtClean="0"/>
+              <a:t>to</a:t>
+            </a:r>
+            <a:r>
+              <a:rPr lang="nl-NL" sz="2400" dirty="0" smtClean="0"/>
+              <a:t> finish the </a:t>
+            </a:r>
+            <a:r>
+              <a:rPr lang="nl-NL" sz="2400" dirty="0" err="1" smtClean="0"/>
+              <a:t>example</a:t>
+            </a:r>
+            <a:r>
+              <a:rPr lang="nl-NL" sz="2400" dirty="0" smtClean="0"/>
+              <a:t> code</a:t>
+            </a:r>
+            <a:endParaRPr lang="nl-NL" sz="2400" dirty="0"/>
+          </a:p>
+        </p:txBody>
+      </p:sp>
+    </p:spTree>
+    <p:extLst>
+      <p:ext uri="{BB962C8B-B14F-4D97-AF65-F5344CB8AC3E}">
+        <p14:creationId xmlns:p14="http://schemas.microsoft.com/office/powerpoint/2010/main" val="2036934016"/>
+      </p:ext>
+    </p:extLst>
+  </p:cSld>
+  <p:clrMapOvr>
+    <a:masterClrMapping/>
+  </p:clrMapOvr>
+</p:sld>
+</file>
+
+<file path=ppt/slides/slide22.xml><?xml version="1.0" encoding="utf-8"?>
+<p:sld xmlns:a="http://schemas.openxmlformats.org/drawingml/2006/main" xmlns:r="http://schemas.openxmlformats.org/officeDocument/2006/relationships" xmlns:p="http://schemas.openxmlformats.org/presentationml/2006/main">
+  <p:cSld>
+    <p:spTree>
+      <p:nvGrpSpPr>
+        <p:cNvPr id="1" name=""/>
+        <p:cNvGrpSpPr/>
+        <p:nvPr/>
+      </p:nvGrpSpPr>
+      <p:grpSpPr>
+        <a:xfrm>
+          <a:off x="0" y="0"/>
+          <a:ext cx="0" cy="0"/>
+          <a:chOff x="0" y="0"/>
+          <a:chExt cx="0" cy="0"/>
+        </a:xfrm>
+      </p:grpSpPr>
+      <p:sp>
+        <p:nvSpPr>
+          <p:cNvPr id="2" name="Titel 1"/>
+          <p:cNvSpPr>
+            <a:spLocks noGrp="1"/>
+          </p:cNvSpPr>
+          <p:nvPr>
+            <p:ph type="title"/>
+          </p:nvPr>
+        </p:nvSpPr>
+        <p:spPr/>
+        <p:txBody>
+          <a:bodyPr/>
+          <a:lstStyle/>
+          <a:p>
+            <a:r>
+              <a:rPr lang="nl-NL" dirty="0" err="1" smtClean="0"/>
+              <a:t>Exercise</a:t>
+            </a:r>
+            <a:r>
+              <a:rPr lang="nl-NL" dirty="0" smtClean="0"/>
+              <a:t> </a:t>
+            </a:r>
+            <a:r>
+              <a:rPr lang="nl-NL" dirty="0" smtClean="0"/>
+              <a:t>3: </a:t>
+            </a:r>
+            <a:r>
+              <a:rPr lang="nl-NL" dirty="0" smtClean="0"/>
+              <a:t>clustering users</a:t>
+            </a:r>
+            <a:endParaRPr lang="nl-NL" dirty="0"/>
+          </a:p>
+        </p:txBody>
+      </p:sp>
+      <p:sp>
+        <p:nvSpPr>
+          <p:cNvPr id="4" name="Tijdelijke aanduiding voor inhoud 2"/>
+          <p:cNvSpPr txBox="1">
+            <a:spLocks/>
+          </p:cNvSpPr>
+          <p:nvPr/>
+        </p:nvSpPr>
+        <p:spPr bwMode="auto">
+          <a:xfrm>
+            <a:off x="683568" y="1340768"/>
+            <a:ext cx="7881938" cy="6124754"/>
+          </a:xfrm>
+          <a:prstGeom prst="rect">
+            <a:avLst/>
+          </a:prstGeom>
+          <a:noFill/>
+          <a:ln w="9525">
+            <a:noFill/>
+            <a:miter lim="800000"/>
+            <a:headEnd/>
+            <a:tailEnd/>
+          </a:ln>
+          <a:effectLst/>
+        </p:spPr>
+        <p:txBody>
+          <a:bodyPr vert="horz" wrap="square" lIns="91440" tIns="45720" rIns="91440" bIns="45720" numCol="1" anchor="t" anchorCtr="0" compatLnSpc="1">
+            <a:prstTxWarp prst="textNoShape">
+              <a:avLst/>
+            </a:prstTxWarp>
+            <a:spAutoFit/>
+          </a:bodyPr>
+          <a:lstStyle>
+            <a:lvl1pPr marL="342900" indent="-342900" algn="l" rtl="0" fontAlgn="base">
+              <a:spcBef>
+                <a:spcPct val="20000"/>
+              </a:spcBef>
+              <a:spcAft>
+                <a:spcPct val="0"/>
+              </a:spcAft>
+              <a:buClr>
+                <a:srgbClr val="ED0010"/>
+              </a:buClr>
+              <a:buSzPct val="60000"/>
+              <a:buFont typeface="Zapf Dingbats" charset="2"/>
+              <a:buChar char="n"/>
+              <a:defRPr sz="2800">
+                <a:solidFill>
+                  <a:srgbClr val="000000"/>
+                </a:solidFill>
+                <a:latin typeface="+mn-lt"/>
+                <a:ea typeface="+mn-ea"/>
+                <a:cs typeface="+mn-cs"/>
+              </a:defRPr>
+            </a:lvl1pPr>
+            <a:lvl2pPr marL="819150" indent="-285750" algn="l" rtl="0" fontAlgn="base">
+              <a:spcBef>
+                <a:spcPct val="20000"/>
+              </a:spcBef>
+              <a:spcAft>
+                <a:spcPct val="0"/>
+              </a:spcAft>
+              <a:buClr>
+                <a:schemeClr val="accent1"/>
+              </a:buClr>
+              <a:buSzPct val="60000"/>
+              <a:buFont typeface="Zapf Dingbats" charset="2"/>
+              <a:buChar char="n"/>
+              <a:defRPr sz="2600">
+                <a:solidFill>
+                  <a:srgbClr val="000000"/>
+                </a:solidFill>
+                <a:latin typeface="+mn-lt"/>
+              </a:defRPr>
+            </a:lvl2pPr>
+            <a:lvl3pPr marL="1143000" indent="-228600" algn="l" rtl="0" fontAlgn="base">
+              <a:spcBef>
+                <a:spcPct val="20000"/>
+              </a:spcBef>
+              <a:spcAft>
+                <a:spcPct val="0"/>
+              </a:spcAft>
+              <a:buClr>
+                <a:schemeClr val="accent1"/>
+              </a:buClr>
+              <a:buSzPct val="60000"/>
+              <a:buFont typeface="Zapf Dingbats" charset="2"/>
+              <a:buChar char="n"/>
+              <a:defRPr sz="2400">
+                <a:solidFill>
+                  <a:srgbClr val="000000"/>
+                </a:solidFill>
+                <a:latin typeface="+mn-lt"/>
+              </a:defRPr>
+            </a:lvl3pPr>
+            <a:lvl4pPr marL="1562100" indent="-228600" algn="l" rtl="0" fontAlgn="base">
+              <a:spcBef>
+                <a:spcPct val="20000"/>
+              </a:spcBef>
+              <a:spcAft>
+                <a:spcPct val="0"/>
+              </a:spcAft>
+              <a:buClr>
+                <a:schemeClr val="accent1"/>
+              </a:buClr>
+              <a:buSzPct val="60000"/>
+              <a:buFont typeface="Zapf Dingbats" charset="2"/>
+              <a:buChar char="n"/>
+              <a:defRPr sz="2200">
+                <a:solidFill>
+                  <a:srgbClr val="000000"/>
+                </a:solidFill>
+                <a:latin typeface="+mn-lt"/>
+              </a:defRPr>
+            </a:lvl4pPr>
+            <a:lvl5pPr marL="1981200" indent="-228600" algn="l" rtl="0" fontAlgn="base">
+              <a:spcBef>
+                <a:spcPct val="20000"/>
+              </a:spcBef>
+              <a:spcAft>
+                <a:spcPct val="0"/>
+              </a:spcAft>
+              <a:buClr>
+                <a:schemeClr val="accent1"/>
+              </a:buClr>
+              <a:buSzPct val="60000"/>
+              <a:buFont typeface="Zapf Dingbats" charset="2"/>
+              <a:buChar char="n"/>
+              <a:defRPr sz="2000">
+                <a:solidFill>
+                  <a:srgbClr val="000000"/>
+                </a:solidFill>
+                <a:latin typeface="+mn-lt"/>
+              </a:defRPr>
+            </a:lvl5pPr>
+            <a:lvl6pPr marL="2438400" indent="-228600" algn="l" rtl="0" fontAlgn="base">
+              <a:spcBef>
+                <a:spcPct val="20000"/>
+              </a:spcBef>
+              <a:spcAft>
+                <a:spcPct val="0"/>
+              </a:spcAft>
+              <a:buClr>
+                <a:schemeClr val="accent1"/>
+              </a:buClr>
+              <a:buSzPct val="60000"/>
+              <a:buFont typeface="Zapf Dingbats" charset="2"/>
+              <a:buChar char="n"/>
+              <a:defRPr sz="2000">
+                <a:solidFill>
+                  <a:srgbClr val="000000"/>
+                </a:solidFill>
+                <a:latin typeface="+mn-lt"/>
+              </a:defRPr>
+            </a:lvl6pPr>
+            <a:lvl7pPr marL="2895600" indent="-228600" algn="l" rtl="0" fontAlgn="base">
+              <a:spcBef>
+                <a:spcPct val="20000"/>
+              </a:spcBef>
+              <a:spcAft>
+                <a:spcPct val="0"/>
+              </a:spcAft>
+              <a:buClr>
+                <a:schemeClr val="accent1"/>
+              </a:buClr>
+              <a:buSzPct val="60000"/>
+              <a:buFont typeface="Zapf Dingbats" charset="2"/>
+              <a:buChar char="n"/>
+              <a:defRPr sz="2000">
+                <a:solidFill>
+                  <a:srgbClr val="000000"/>
+                </a:solidFill>
+                <a:latin typeface="+mn-lt"/>
+              </a:defRPr>
+            </a:lvl7pPr>
+            <a:lvl8pPr marL="3352800" indent="-228600" algn="l" rtl="0" fontAlgn="base">
+              <a:spcBef>
+                <a:spcPct val="20000"/>
+              </a:spcBef>
+              <a:spcAft>
+                <a:spcPct val="0"/>
+              </a:spcAft>
+              <a:buClr>
+                <a:schemeClr val="accent1"/>
+              </a:buClr>
+              <a:buSzPct val="60000"/>
+              <a:buFont typeface="Zapf Dingbats" charset="2"/>
+              <a:buChar char="n"/>
+              <a:defRPr sz="2000">
+                <a:solidFill>
+                  <a:srgbClr val="000000"/>
+                </a:solidFill>
+                <a:latin typeface="+mn-lt"/>
+              </a:defRPr>
+            </a:lvl8pPr>
+            <a:lvl9pPr marL="3810000" indent="-228600" algn="l" rtl="0" fontAlgn="base">
+              <a:spcBef>
+                <a:spcPct val="20000"/>
+              </a:spcBef>
+              <a:spcAft>
+                <a:spcPct val="0"/>
+              </a:spcAft>
+              <a:buClr>
+                <a:schemeClr val="accent1"/>
+              </a:buClr>
+              <a:buSzPct val="60000"/>
+              <a:buFont typeface="Zapf Dingbats" charset="2"/>
+              <a:buChar char="n"/>
+              <a:defRPr sz="2000">
+                <a:solidFill>
+                  <a:srgbClr val="000000"/>
+                </a:solidFill>
+                <a:latin typeface="+mn-lt"/>
+              </a:defRPr>
+            </a:lvl9pPr>
+          </a:lstStyle>
+          <a:p>
+            <a:pPr marL="0" indent="0">
+              <a:buFont typeface="Zapf Dingbats" charset="2"/>
+              <a:buNone/>
+            </a:pPr>
+            <a:r>
+              <a:rPr lang="nl-NL" sz="1400" kern="0" dirty="0" smtClean="0">
+                <a:latin typeface="Courier New" panose="02070309020205020404" pitchFamily="49" charset="0"/>
+                <a:cs typeface="Courier New" panose="02070309020205020404" pitchFamily="49" charset="0"/>
+              </a:rPr>
+              <a:t>In this </a:t>
+            </a:r>
+            <a:r>
+              <a:rPr lang="nl-NL" sz="1400" kern="0" dirty="0" err="1" smtClean="0">
+                <a:latin typeface="Courier New" panose="02070309020205020404" pitchFamily="49" charset="0"/>
+                <a:cs typeface="Courier New" panose="02070309020205020404" pitchFamily="49" charset="0"/>
+              </a:rPr>
+              <a:t>Exercise</a:t>
+            </a:r>
+            <a:r>
+              <a:rPr lang="nl-NL" sz="1400" kern="0" dirty="0" smtClean="0">
+                <a:latin typeface="Courier New" panose="02070309020205020404" pitchFamily="49" charset="0"/>
+                <a:cs typeface="Courier New" panose="02070309020205020404" pitchFamily="49" charset="0"/>
+              </a:rPr>
+              <a:t>, </a:t>
+            </a:r>
+            <a:r>
+              <a:rPr lang="nl-NL" sz="1400" kern="0" dirty="0" err="1" smtClean="0">
+                <a:latin typeface="Courier New" panose="02070309020205020404" pitchFamily="49" charset="0"/>
+                <a:cs typeface="Courier New" panose="02070309020205020404" pitchFamily="49" charset="0"/>
+              </a:rPr>
+              <a:t>you</a:t>
+            </a:r>
+            <a:r>
+              <a:rPr lang="nl-NL" sz="1400" kern="0" dirty="0" smtClean="0">
+                <a:latin typeface="Courier New" panose="02070309020205020404" pitchFamily="49" charset="0"/>
+                <a:cs typeface="Courier New" panose="02070309020205020404" pitchFamily="49" charset="0"/>
+              </a:rPr>
+              <a:t> </a:t>
+            </a:r>
+            <a:r>
+              <a:rPr lang="nl-NL" sz="1400" kern="0" dirty="0" err="1" smtClean="0">
+                <a:latin typeface="Courier New" panose="02070309020205020404" pitchFamily="49" charset="0"/>
+                <a:cs typeface="Courier New" panose="02070309020205020404" pitchFamily="49" charset="0"/>
+              </a:rPr>
+              <a:t>will</a:t>
+            </a:r>
+            <a:r>
+              <a:rPr lang="nl-NL" sz="1400" kern="0" dirty="0" smtClean="0">
+                <a:latin typeface="Courier New" panose="02070309020205020404" pitchFamily="49" charset="0"/>
+                <a:cs typeface="Courier New" panose="02070309020205020404" pitchFamily="49" charset="0"/>
+              </a:rPr>
+              <a:t> </a:t>
+            </a:r>
+            <a:r>
+              <a:rPr lang="nl-NL" sz="1400" kern="0" dirty="0" err="1" smtClean="0">
+                <a:latin typeface="Courier New" panose="02070309020205020404" pitchFamily="49" charset="0"/>
+                <a:cs typeface="Courier New" panose="02070309020205020404" pitchFamily="49" charset="0"/>
+              </a:rPr>
+              <a:t>use</a:t>
+            </a:r>
+            <a:r>
+              <a:rPr lang="nl-NL" sz="1400" kern="0" dirty="0" smtClean="0">
+                <a:latin typeface="Courier New" panose="02070309020205020404" pitchFamily="49" charset="0"/>
+                <a:cs typeface="Courier New" panose="02070309020205020404" pitchFamily="49" charset="0"/>
+              </a:rPr>
+              <a:t> the Movielens data </a:t>
+            </a:r>
+            <a:r>
+              <a:rPr lang="nl-NL" sz="1400" kern="0" dirty="0" err="1" smtClean="0">
+                <a:latin typeface="Courier New" panose="02070309020205020404" pitchFamily="49" charset="0"/>
+                <a:cs typeface="Courier New" panose="02070309020205020404" pitchFamily="49" charset="0"/>
+              </a:rPr>
+              <a:t>to</a:t>
+            </a:r>
+            <a:r>
+              <a:rPr lang="nl-NL" sz="1400" kern="0" dirty="0" smtClean="0">
+                <a:latin typeface="Courier New" panose="02070309020205020404" pitchFamily="49" charset="0"/>
+                <a:cs typeface="Courier New" panose="02070309020205020404" pitchFamily="49" charset="0"/>
+              </a:rPr>
+              <a:t> </a:t>
+            </a:r>
+            <a:r>
+              <a:rPr lang="nl-NL" sz="1400" kern="0" dirty="0" err="1" smtClean="0">
+                <a:latin typeface="Courier New" panose="02070309020205020404" pitchFamily="49" charset="0"/>
+                <a:cs typeface="Courier New" panose="02070309020205020404" pitchFamily="49" charset="0"/>
+              </a:rPr>
+              <a:t>find</a:t>
+            </a:r>
+            <a:r>
+              <a:rPr lang="nl-NL" sz="1400" kern="0" dirty="0" smtClean="0">
+                <a:latin typeface="Courier New" panose="02070309020205020404" pitchFamily="49" charset="0"/>
+                <a:cs typeface="Courier New" panose="02070309020205020404" pitchFamily="49" charset="0"/>
+              </a:rPr>
+              <a:t> user clusters </a:t>
+            </a:r>
+            <a:r>
+              <a:rPr lang="nl-NL" sz="1400" kern="0" dirty="0" err="1" smtClean="0">
+                <a:latin typeface="Courier New" panose="02070309020205020404" pitchFamily="49" charset="0"/>
+                <a:cs typeface="Courier New" panose="02070309020205020404" pitchFamily="49" charset="0"/>
+              </a:rPr>
+              <a:t>with</a:t>
+            </a:r>
+            <a:r>
+              <a:rPr lang="nl-NL" sz="1400" kern="0" dirty="0" smtClean="0">
+                <a:latin typeface="Courier New" panose="02070309020205020404" pitchFamily="49" charset="0"/>
+                <a:cs typeface="Courier New" panose="02070309020205020404" pitchFamily="49" charset="0"/>
+              </a:rPr>
+              <a:t> </a:t>
+            </a:r>
+            <a:r>
+              <a:rPr lang="nl-NL" sz="1400" kern="0" dirty="0" err="1" smtClean="0">
+                <a:latin typeface="Courier New" panose="02070309020205020404" pitchFamily="49" charset="0"/>
+                <a:cs typeface="Courier New" panose="02070309020205020404" pitchFamily="49" charset="0"/>
+              </a:rPr>
+              <a:t>similar</a:t>
+            </a:r>
+            <a:r>
+              <a:rPr lang="nl-NL" sz="1400" kern="0" dirty="0" smtClean="0">
+                <a:latin typeface="Courier New" panose="02070309020205020404" pitchFamily="49" charset="0"/>
+                <a:cs typeface="Courier New" panose="02070309020205020404" pitchFamily="49" charset="0"/>
+              </a:rPr>
+              <a:t> taste. The first part has been </a:t>
+            </a:r>
+            <a:r>
+              <a:rPr lang="nl-NL" sz="1400" kern="0" dirty="0" err="1" smtClean="0">
+                <a:latin typeface="Courier New" panose="02070309020205020404" pitchFamily="49" charset="0"/>
+                <a:cs typeface="Courier New" panose="02070309020205020404" pitchFamily="49" charset="0"/>
+              </a:rPr>
+              <a:t>done</a:t>
+            </a:r>
+            <a:r>
+              <a:rPr lang="nl-NL" sz="1400" kern="0" dirty="0" smtClean="0">
+                <a:latin typeface="Courier New" panose="02070309020205020404" pitchFamily="49" charset="0"/>
+                <a:cs typeface="Courier New" panose="02070309020205020404" pitchFamily="49" charset="0"/>
+              </a:rPr>
+              <a:t>, </a:t>
+            </a:r>
+            <a:r>
+              <a:rPr lang="nl-NL" sz="1400" kern="0" dirty="0" err="1" smtClean="0">
+                <a:latin typeface="Courier New" panose="02070309020205020404" pitchFamily="49" charset="0"/>
+                <a:cs typeface="Courier New" panose="02070309020205020404" pitchFamily="49" charset="0"/>
+              </a:rPr>
+              <a:t>see</a:t>
+            </a:r>
+            <a:r>
+              <a:rPr lang="nl-NL" sz="1400" kern="0" dirty="0" smtClean="0">
+                <a:latin typeface="Courier New" panose="02070309020205020404" pitchFamily="49" charset="0"/>
+                <a:cs typeface="Courier New" panose="02070309020205020404" pitchFamily="49" charset="0"/>
+              </a:rPr>
+              <a:t> </a:t>
+            </a:r>
+            <a:r>
+              <a:rPr lang="nl-NL" sz="1400" i="1" kern="0" dirty="0" err="1" smtClean="0">
+                <a:latin typeface="Courier New" panose="02070309020205020404" pitchFamily="49" charset="0"/>
+                <a:cs typeface="Courier New" panose="02070309020205020404" pitchFamily="49" charset="0"/>
+              </a:rPr>
+              <a:t>movielens_clustering</a:t>
+            </a:r>
+            <a:r>
+              <a:rPr lang="nl-NL" sz="1400" kern="0" dirty="0" smtClean="0">
+                <a:latin typeface="Courier New" panose="02070309020205020404" pitchFamily="49" charset="0"/>
+                <a:cs typeface="Courier New" panose="02070309020205020404" pitchFamily="49" charset="0"/>
+              </a:rPr>
+              <a:t> in the </a:t>
+            </a:r>
+            <a:r>
+              <a:rPr lang="nl-NL" sz="1400" i="1" kern="0" dirty="0" err="1" smtClean="0">
+                <a:latin typeface="Courier New" panose="02070309020205020404" pitchFamily="49" charset="0"/>
+                <a:cs typeface="Courier New" panose="02070309020205020404" pitchFamily="49" charset="0"/>
+              </a:rPr>
+              <a:t>Examples</a:t>
+            </a:r>
+            <a:r>
+              <a:rPr lang="nl-NL" sz="1400" kern="0" dirty="0" smtClean="0">
+                <a:latin typeface="Courier New" panose="02070309020205020404" pitchFamily="49" charset="0"/>
+                <a:cs typeface="Courier New" panose="02070309020205020404" pitchFamily="49" charset="0"/>
+              </a:rPr>
+              <a:t> folder.</a:t>
+            </a:r>
+          </a:p>
+          <a:p>
+            <a:pPr marL="0" indent="0">
+              <a:buFont typeface="Zapf Dingbats" charset="2"/>
+              <a:buNone/>
+            </a:pPr>
+            <a:endParaRPr lang="nl-NL" sz="1400" kern="0" dirty="0">
+              <a:latin typeface="Courier New" panose="02070309020205020404" pitchFamily="49" charset="0"/>
+              <a:cs typeface="Courier New" panose="02070309020205020404" pitchFamily="49" charset="0"/>
+            </a:endParaRPr>
+          </a:p>
+          <a:p>
+            <a:pPr>
+              <a:buFont typeface="+mj-lt"/>
+              <a:buAutoNum type="arabicPeriod"/>
+            </a:pPr>
+            <a:r>
+              <a:rPr lang="nl-NL" sz="1400" kern="0" dirty="0" err="1" smtClean="0">
+                <a:latin typeface="Courier New" panose="02070309020205020404" pitchFamily="49" charset="0"/>
+                <a:cs typeface="Courier New" panose="02070309020205020404" pitchFamily="49" charset="0"/>
+              </a:rPr>
+              <a:t>What</a:t>
+            </a:r>
+            <a:r>
+              <a:rPr lang="nl-NL" sz="1400" kern="0" dirty="0" smtClean="0">
+                <a:latin typeface="Courier New" panose="02070309020205020404" pitchFamily="49" charset="0"/>
+                <a:cs typeface="Courier New" panose="02070309020205020404" pitchFamily="49" charset="0"/>
+              </a:rPr>
+              <a:t> </a:t>
+            </a:r>
+            <a:r>
+              <a:rPr lang="nl-NL" sz="1400" kern="0" dirty="0" err="1" smtClean="0">
+                <a:latin typeface="Courier New" panose="02070309020205020404" pitchFamily="49" charset="0"/>
+                <a:cs typeface="Courier New" panose="02070309020205020404" pitchFamily="49" charset="0"/>
+              </a:rPr>
+              <a:t>would</a:t>
+            </a:r>
+            <a:r>
+              <a:rPr lang="nl-NL" sz="1400" kern="0" dirty="0" smtClean="0">
+                <a:latin typeface="Courier New" panose="02070309020205020404" pitchFamily="49" charset="0"/>
+                <a:cs typeface="Courier New" panose="02070309020205020404" pitchFamily="49" charset="0"/>
+              </a:rPr>
+              <a:t> </a:t>
+            </a:r>
+            <a:r>
+              <a:rPr lang="nl-NL" sz="1400" kern="0" dirty="0" err="1" smtClean="0">
+                <a:latin typeface="Courier New" panose="02070309020205020404" pitchFamily="49" charset="0"/>
+                <a:cs typeface="Courier New" panose="02070309020205020404" pitchFamily="49" charset="0"/>
+              </a:rPr>
+              <a:t>be</a:t>
+            </a:r>
+            <a:r>
+              <a:rPr lang="nl-NL" sz="1400" kern="0" dirty="0" smtClean="0">
+                <a:latin typeface="Courier New" panose="02070309020205020404" pitchFamily="49" charset="0"/>
+                <a:cs typeface="Courier New" panose="02070309020205020404" pitchFamily="49" charset="0"/>
+              </a:rPr>
+              <a:t> a </a:t>
+            </a:r>
+            <a:r>
+              <a:rPr lang="nl-NL" sz="1400" kern="0" dirty="0" err="1" smtClean="0">
+                <a:latin typeface="Courier New" panose="02070309020205020404" pitchFamily="49" charset="0"/>
+                <a:cs typeface="Courier New" panose="02070309020205020404" pitchFamily="49" charset="0"/>
+              </a:rPr>
+              <a:t>suitable</a:t>
+            </a:r>
+            <a:r>
+              <a:rPr lang="nl-NL" sz="1400" kern="0" dirty="0" smtClean="0">
+                <a:latin typeface="Courier New" panose="02070309020205020404" pitchFamily="49" charset="0"/>
+                <a:cs typeface="Courier New" panose="02070309020205020404" pitchFamily="49" charset="0"/>
+              </a:rPr>
+              <a:t> </a:t>
+            </a:r>
+            <a:r>
+              <a:rPr lang="nl-NL" sz="1400" kern="0" dirty="0" err="1" smtClean="0">
+                <a:latin typeface="Courier New" panose="02070309020205020404" pitchFamily="49" charset="0"/>
+                <a:cs typeface="Courier New" panose="02070309020205020404" pitchFamily="49" charset="0"/>
+              </a:rPr>
+              <a:t>number</a:t>
+            </a:r>
+            <a:r>
+              <a:rPr lang="nl-NL" sz="1400" kern="0" dirty="0" smtClean="0">
+                <a:latin typeface="Courier New" panose="02070309020205020404" pitchFamily="49" charset="0"/>
+                <a:cs typeface="Courier New" panose="02070309020205020404" pitchFamily="49" charset="0"/>
+              </a:rPr>
+              <a:t> of clusters </a:t>
+            </a:r>
+            <a:r>
+              <a:rPr lang="nl-NL" sz="1400" kern="0" dirty="0" err="1" smtClean="0">
+                <a:latin typeface="Courier New" panose="02070309020205020404" pitchFamily="49" charset="0"/>
+                <a:cs typeface="Courier New" panose="02070309020205020404" pitchFamily="49" charset="0"/>
+              </a:rPr>
+              <a:t>to</a:t>
+            </a:r>
+            <a:r>
+              <a:rPr lang="nl-NL" sz="1400" kern="0" dirty="0" smtClean="0">
+                <a:latin typeface="Courier New" panose="02070309020205020404" pitchFamily="49" charset="0"/>
+                <a:cs typeface="Courier New" panose="02070309020205020404" pitchFamily="49" charset="0"/>
+              </a:rPr>
+              <a:t> </a:t>
+            </a:r>
+            <a:r>
+              <a:rPr lang="nl-NL" sz="1400" kern="0" dirty="0" err="1" smtClean="0">
+                <a:latin typeface="Courier New" panose="02070309020205020404" pitchFamily="49" charset="0"/>
+                <a:cs typeface="Courier New" panose="02070309020205020404" pitchFamily="49" charset="0"/>
+              </a:rPr>
+              <a:t>divide</a:t>
+            </a:r>
+            <a:r>
+              <a:rPr lang="nl-NL" sz="1400" kern="0" dirty="0" smtClean="0">
+                <a:latin typeface="Courier New" panose="02070309020205020404" pitchFamily="49" charset="0"/>
+                <a:cs typeface="Courier New" panose="02070309020205020404" pitchFamily="49" charset="0"/>
+              </a:rPr>
+              <a:t> </a:t>
+            </a:r>
+            <a:r>
+              <a:rPr lang="nl-NL" sz="1400" kern="0" dirty="0" err="1" smtClean="0">
+                <a:latin typeface="Courier New" panose="02070309020205020404" pitchFamily="49" charset="0"/>
+                <a:cs typeface="Courier New" panose="02070309020205020404" pitchFamily="49" charset="0"/>
+              </a:rPr>
+              <a:t>moviegoers</a:t>
+            </a:r>
+            <a:r>
+              <a:rPr lang="nl-NL" sz="1400" kern="0" dirty="0" smtClean="0">
+                <a:latin typeface="Courier New" panose="02070309020205020404" pitchFamily="49" charset="0"/>
+                <a:cs typeface="Courier New" panose="02070309020205020404" pitchFamily="49" charset="0"/>
+              </a:rPr>
+              <a:t> </a:t>
+            </a:r>
+            <a:r>
+              <a:rPr lang="nl-NL" sz="1400" kern="0" dirty="0" err="1" smtClean="0">
+                <a:latin typeface="Courier New" panose="02070309020205020404" pitchFamily="49" charset="0"/>
+                <a:cs typeface="Courier New" panose="02070309020205020404" pitchFamily="49" charset="0"/>
+              </a:rPr>
+              <a:t>into</a:t>
+            </a:r>
+            <a:r>
+              <a:rPr lang="nl-NL" sz="1400" kern="0" dirty="0" smtClean="0">
+                <a:latin typeface="Courier New" panose="02070309020205020404" pitchFamily="49" charset="0"/>
+                <a:cs typeface="Courier New" panose="02070309020205020404" pitchFamily="49" charset="0"/>
+              </a:rPr>
+              <a:t>? </a:t>
+            </a:r>
+          </a:p>
+          <a:p>
+            <a:pPr>
+              <a:buFont typeface="+mj-lt"/>
+              <a:buAutoNum type="arabicPeriod"/>
+            </a:pPr>
+            <a:endParaRPr lang="nl-NL" sz="1400" kern="0" dirty="0">
+              <a:latin typeface="Courier New" panose="02070309020205020404" pitchFamily="49" charset="0"/>
+              <a:cs typeface="Courier New" panose="02070309020205020404" pitchFamily="49" charset="0"/>
+            </a:endParaRPr>
+          </a:p>
+          <a:p>
+            <a:pPr>
+              <a:buFont typeface="+mj-lt"/>
+              <a:buAutoNum type="arabicPeriod"/>
+            </a:pPr>
+            <a:r>
+              <a:rPr lang="nl-NL" sz="1400" kern="0" dirty="0" err="1" smtClean="0">
+                <a:latin typeface="Courier New" panose="02070309020205020404" pitchFamily="49" charset="0"/>
+                <a:cs typeface="Courier New" panose="02070309020205020404" pitchFamily="49" charset="0"/>
+              </a:rPr>
+              <a:t>Apply</a:t>
+            </a:r>
+            <a:r>
+              <a:rPr lang="nl-NL" sz="1400" kern="0" dirty="0" smtClean="0">
+                <a:latin typeface="Courier New" panose="02070309020205020404" pitchFamily="49" charset="0"/>
+                <a:cs typeface="Courier New" panose="02070309020205020404" pitchFamily="49" charset="0"/>
+              </a:rPr>
+              <a:t> the </a:t>
+            </a:r>
+            <a:r>
+              <a:rPr lang="nl-NL" sz="1400" i="1" kern="0" dirty="0" smtClean="0">
+                <a:latin typeface="Courier New" panose="02070309020205020404" pitchFamily="49" charset="0"/>
+                <a:cs typeface="Courier New" panose="02070309020205020404" pitchFamily="49" charset="0"/>
+              </a:rPr>
+              <a:t>k</a:t>
+            </a:r>
+            <a:r>
+              <a:rPr lang="nl-NL" sz="1400" kern="0" dirty="0" smtClean="0">
+                <a:latin typeface="Courier New" panose="02070309020205020404" pitchFamily="49" charset="0"/>
+                <a:cs typeface="Courier New" panose="02070309020205020404" pitchFamily="49" charset="0"/>
+              </a:rPr>
+              <a:t>-means </a:t>
+            </a:r>
+            <a:r>
+              <a:rPr lang="nl-NL" sz="1400" kern="0" dirty="0" err="1" smtClean="0">
+                <a:latin typeface="Courier New" panose="02070309020205020404" pitchFamily="49" charset="0"/>
+                <a:cs typeface="Courier New" panose="02070309020205020404" pitchFamily="49" charset="0"/>
+              </a:rPr>
+              <a:t>algorithm</a:t>
+            </a:r>
+            <a:r>
+              <a:rPr lang="nl-NL" sz="1400" kern="0" dirty="0" smtClean="0">
+                <a:latin typeface="Courier New" panose="02070309020205020404" pitchFamily="49" charset="0"/>
+                <a:cs typeface="Courier New" panose="02070309020205020404" pitchFamily="49" charset="0"/>
+              </a:rPr>
+              <a:t> </a:t>
+            </a:r>
+            <a:r>
+              <a:rPr lang="nl-NL" sz="1400" kern="0" dirty="0" err="1" smtClean="0">
+                <a:latin typeface="Courier New" panose="02070309020205020404" pitchFamily="49" charset="0"/>
+                <a:cs typeface="Courier New" panose="02070309020205020404" pitchFamily="49" charset="0"/>
+              </a:rPr>
+              <a:t>to</a:t>
+            </a:r>
+            <a:r>
+              <a:rPr lang="nl-NL" sz="1400" kern="0" dirty="0" smtClean="0">
+                <a:latin typeface="Courier New" panose="02070309020205020404" pitchFamily="49" charset="0"/>
+                <a:cs typeface="Courier New" panose="02070309020205020404" pitchFamily="49" charset="0"/>
+              </a:rPr>
+              <a:t> the Movielens user-item matrix </a:t>
+            </a:r>
+            <a:r>
+              <a:rPr lang="nl-NL" sz="1400" kern="0" dirty="0" err="1" smtClean="0">
+                <a:latin typeface="Courier New" panose="02070309020205020404" pitchFamily="49" charset="0"/>
+                <a:cs typeface="Courier New" panose="02070309020205020404" pitchFamily="49" charset="0"/>
+              </a:rPr>
+              <a:t>that</a:t>
+            </a:r>
+            <a:r>
+              <a:rPr lang="nl-NL" sz="1400" kern="0" dirty="0" smtClean="0">
+                <a:latin typeface="Courier New" panose="02070309020205020404" pitchFamily="49" charset="0"/>
+                <a:cs typeface="Courier New" panose="02070309020205020404" pitchFamily="49" charset="0"/>
+              </a:rPr>
+              <a:t> is in the code. Store the cluster </a:t>
+            </a:r>
+            <a:r>
+              <a:rPr lang="nl-NL" sz="1400" kern="0" dirty="0" err="1" smtClean="0">
+                <a:latin typeface="Courier New" panose="02070309020205020404" pitchFamily="49" charset="0"/>
+                <a:cs typeface="Courier New" panose="02070309020205020404" pitchFamily="49" charset="0"/>
+              </a:rPr>
+              <a:t>predictions</a:t>
+            </a:r>
+            <a:r>
+              <a:rPr lang="nl-NL" sz="1400" kern="0" dirty="0">
+                <a:latin typeface="Courier New" panose="02070309020205020404" pitchFamily="49" charset="0"/>
+                <a:cs typeface="Courier New" panose="02070309020205020404" pitchFamily="49" charset="0"/>
+              </a:rPr>
+              <a:t> </a:t>
+            </a:r>
+            <a:r>
+              <a:rPr lang="nl-NL" sz="1400" kern="0" dirty="0" smtClean="0">
+                <a:latin typeface="Courier New" panose="02070309020205020404" pitchFamily="49" charset="0"/>
+                <a:cs typeface="Courier New" panose="02070309020205020404" pitchFamily="49" charset="0"/>
+              </a:rPr>
+              <a:t>in the </a:t>
+            </a:r>
+            <a:r>
+              <a:rPr lang="nl-NL" sz="1400" b="1" kern="0" dirty="0" err="1" smtClean="0">
+                <a:latin typeface="Courier New" panose="02070309020205020404" pitchFamily="49" charset="0"/>
+                <a:cs typeface="Courier New" panose="02070309020205020404" pitchFamily="49" charset="0"/>
+              </a:rPr>
+              <a:t>original</a:t>
+            </a:r>
+            <a:r>
+              <a:rPr lang="nl-NL" sz="1400" b="1" kern="0" dirty="0" smtClean="0">
+                <a:latin typeface="Courier New" panose="02070309020205020404" pitchFamily="49" charset="0"/>
+                <a:cs typeface="Courier New" panose="02070309020205020404" pitchFamily="49" charset="0"/>
+              </a:rPr>
+              <a:t> </a:t>
+            </a:r>
+            <a:r>
+              <a:rPr lang="nl-NL" sz="1400" i="1" kern="0" dirty="0" smtClean="0">
+                <a:latin typeface="Courier New" panose="02070309020205020404" pitchFamily="49" charset="0"/>
+                <a:cs typeface="Courier New" panose="02070309020205020404" pitchFamily="49" charset="0"/>
+              </a:rPr>
+              <a:t>ratings </a:t>
+            </a:r>
+            <a:r>
+              <a:rPr lang="nl-NL" sz="1400" kern="0" dirty="0" smtClean="0">
+                <a:latin typeface="Courier New" panose="02070309020205020404" pitchFamily="49" charset="0"/>
+                <a:cs typeface="Courier New" panose="02070309020205020404" pitchFamily="49" charset="0"/>
+              </a:rPr>
+              <a:t>dataframe </a:t>
+            </a:r>
+            <a:r>
+              <a:rPr lang="nl-NL" sz="1400" kern="0" dirty="0" err="1" smtClean="0">
+                <a:latin typeface="Courier New" panose="02070309020205020404" pitchFamily="49" charset="0"/>
+                <a:cs typeface="Courier New" panose="02070309020205020404" pitchFamily="49" charset="0"/>
+              </a:rPr>
+              <a:t>and</a:t>
+            </a:r>
+            <a:r>
+              <a:rPr lang="nl-NL" sz="1400" kern="0" dirty="0" smtClean="0">
+                <a:latin typeface="Courier New" panose="02070309020205020404" pitchFamily="49" charset="0"/>
+                <a:cs typeface="Courier New" panose="02070309020205020404" pitchFamily="49" charset="0"/>
+              </a:rPr>
+              <a:t> continue </a:t>
+            </a:r>
+            <a:r>
+              <a:rPr lang="nl-NL" sz="1400" kern="0" dirty="0" err="1" smtClean="0">
+                <a:latin typeface="Courier New" panose="02070309020205020404" pitchFamily="49" charset="0"/>
+                <a:cs typeface="Courier New" panose="02070309020205020404" pitchFamily="49" charset="0"/>
+              </a:rPr>
+              <a:t>working</a:t>
+            </a:r>
+            <a:r>
+              <a:rPr lang="nl-NL" sz="1400" kern="0" dirty="0" smtClean="0">
+                <a:latin typeface="Courier New" panose="02070309020205020404" pitchFamily="49" charset="0"/>
+                <a:cs typeface="Courier New" panose="02070309020205020404" pitchFamily="49" charset="0"/>
+              </a:rPr>
+              <a:t> </a:t>
+            </a:r>
+            <a:r>
+              <a:rPr lang="nl-NL" sz="1400" kern="0" dirty="0" err="1" smtClean="0">
+                <a:latin typeface="Courier New" panose="02070309020205020404" pitchFamily="49" charset="0"/>
+                <a:cs typeface="Courier New" panose="02070309020205020404" pitchFamily="49" charset="0"/>
+              </a:rPr>
+              <a:t>with</a:t>
+            </a:r>
+            <a:r>
+              <a:rPr lang="nl-NL" sz="1400" kern="0" dirty="0" smtClean="0">
+                <a:latin typeface="Courier New" panose="02070309020205020404" pitchFamily="49" charset="0"/>
+                <a:cs typeface="Courier New" panose="02070309020205020404" pitchFamily="49" charset="0"/>
+              </a:rPr>
+              <a:t> </a:t>
+            </a:r>
+            <a:r>
+              <a:rPr lang="nl-NL" sz="1400" kern="0" dirty="0" err="1" smtClean="0">
+                <a:latin typeface="Courier New" panose="02070309020205020404" pitchFamily="49" charset="0"/>
+                <a:cs typeface="Courier New" panose="02070309020205020404" pitchFamily="49" charset="0"/>
+              </a:rPr>
+              <a:t>that</a:t>
+            </a:r>
+            <a:r>
+              <a:rPr lang="nl-NL" sz="1400" kern="0" dirty="0" smtClean="0">
+                <a:latin typeface="Courier New" panose="02070309020205020404" pitchFamily="49" charset="0"/>
+                <a:cs typeface="Courier New" panose="02070309020205020404" pitchFamily="49" charset="0"/>
+              </a:rPr>
+              <a:t> dataframe (</a:t>
+            </a:r>
+            <a:r>
+              <a:rPr lang="nl-NL" sz="1400" kern="0" dirty="0" err="1" smtClean="0">
+                <a:latin typeface="Courier New" panose="02070309020205020404" pitchFamily="49" charset="0"/>
+                <a:cs typeface="Courier New" panose="02070309020205020404" pitchFamily="49" charset="0"/>
+              </a:rPr>
+              <a:t>why</a:t>
+            </a:r>
+            <a:r>
+              <a:rPr lang="nl-NL" sz="1400" kern="0" dirty="0" smtClean="0">
+                <a:latin typeface="Courier New" panose="02070309020205020404" pitchFamily="49" charset="0"/>
+                <a:cs typeface="Courier New" panose="02070309020205020404" pitchFamily="49" charset="0"/>
+              </a:rPr>
+              <a:t>?).</a:t>
+            </a:r>
+          </a:p>
+          <a:p>
+            <a:pPr>
+              <a:buFont typeface="+mj-lt"/>
+              <a:buAutoNum type="arabicPeriod"/>
+            </a:pPr>
+            <a:endParaRPr lang="nl-NL" sz="1400" kern="0" dirty="0">
+              <a:latin typeface="Courier New" panose="02070309020205020404" pitchFamily="49" charset="0"/>
+              <a:cs typeface="Courier New" panose="02070309020205020404" pitchFamily="49" charset="0"/>
+            </a:endParaRPr>
+          </a:p>
+          <a:p>
+            <a:pPr>
+              <a:buFont typeface="+mj-lt"/>
+              <a:buAutoNum type="arabicPeriod"/>
+            </a:pPr>
+            <a:r>
+              <a:rPr lang="nl-NL" sz="1400" kern="0" dirty="0" smtClean="0">
+                <a:latin typeface="Courier New" panose="02070309020205020404" pitchFamily="49" charset="0"/>
+                <a:cs typeface="Courier New" panose="02070309020205020404" pitchFamily="49" charset="0"/>
+              </a:rPr>
+              <a:t>How </a:t>
+            </a:r>
+            <a:r>
+              <a:rPr lang="nl-NL" sz="1400" kern="0" dirty="0" err="1" smtClean="0">
+                <a:latin typeface="Courier New" panose="02070309020205020404" pitchFamily="49" charset="0"/>
+                <a:cs typeface="Courier New" panose="02070309020205020404" pitchFamily="49" charset="0"/>
+              </a:rPr>
+              <a:t>many</a:t>
+            </a:r>
+            <a:r>
+              <a:rPr lang="nl-NL" sz="1400" kern="0" dirty="0" smtClean="0">
+                <a:latin typeface="Courier New" panose="02070309020205020404" pitchFamily="49" charset="0"/>
+                <a:cs typeface="Courier New" panose="02070309020205020404" pitchFamily="49" charset="0"/>
+              </a:rPr>
+              <a:t> users are </a:t>
+            </a:r>
+            <a:r>
+              <a:rPr lang="nl-NL" sz="1400" kern="0" dirty="0" err="1" smtClean="0">
+                <a:latin typeface="Courier New" panose="02070309020205020404" pitchFamily="49" charset="0"/>
+                <a:cs typeface="Courier New" panose="02070309020205020404" pitchFamily="49" charset="0"/>
+              </a:rPr>
+              <a:t>there</a:t>
+            </a:r>
+            <a:r>
+              <a:rPr lang="nl-NL" sz="1400" kern="0" dirty="0" smtClean="0">
+                <a:latin typeface="Courier New" panose="02070309020205020404" pitchFamily="49" charset="0"/>
+                <a:cs typeface="Courier New" panose="02070309020205020404" pitchFamily="49" charset="0"/>
+              </a:rPr>
+              <a:t> per cluster (</a:t>
+            </a:r>
+            <a:r>
+              <a:rPr lang="nl-NL" sz="1400" kern="0" dirty="0" err="1" smtClean="0">
+                <a:latin typeface="Courier New" panose="02070309020205020404" pitchFamily="49" charset="0"/>
+                <a:cs typeface="Courier New" panose="02070309020205020404" pitchFamily="49" charset="0"/>
+              </a:rPr>
+              <a:t>which</a:t>
+            </a:r>
+            <a:r>
+              <a:rPr lang="nl-NL" sz="1400" kern="0" dirty="0" smtClean="0">
+                <a:latin typeface="Courier New" panose="02070309020205020404" pitchFamily="49" charset="0"/>
+                <a:cs typeface="Courier New" panose="02070309020205020404" pitchFamily="49" charset="0"/>
+              </a:rPr>
+              <a:t> </a:t>
+            </a:r>
+            <a:r>
+              <a:rPr lang="nl-NL" sz="1400" kern="0" dirty="0" err="1" smtClean="0">
+                <a:latin typeface="Courier New" panose="02070309020205020404" pitchFamily="49" charset="0"/>
+                <a:cs typeface="Courier New" panose="02070309020205020404" pitchFamily="49" charset="0"/>
+              </a:rPr>
+              <a:t>Pandas</a:t>
+            </a:r>
+            <a:r>
+              <a:rPr lang="nl-NL" sz="1400" kern="0" dirty="0" smtClean="0">
+                <a:latin typeface="Courier New" panose="02070309020205020404" pitchFamily="49" charset="0"/>
+                <a:cs typeface="Courier New" panose="02070309020205020404" pitchFamily="49" charset="0"/>
+              </a:rPr>
+              <a:t> </a:t>
+            </a:r>
+            <a:r>
+              <a:rPr lang="nl-NL" sz="1400" kern="0" dirty="0" err="1" smtClean="0">
+                <a:latin typeface="Courier New" panose="02070309020205020404" pitchFamily="49" charset="0"/>
+                <a:cs typeface="Courier New" panose="02070309020205020404" pitchFamily="49" charset="0"/>
+              </a:rPr>
+              <a:t>function</a:t>
+            </a:r>
+            <a:r>
+              <a:rPr lang="nl-NL" sz="1400" kern="0" dirty="0" smtClean="0">
+                <a:latin typeface="Courier New" panose="02070309020205020404" pitchFamily="49" charset="0"/>
+                <a:cs typeface="Courier New" panose="02070309020205020404" pitchFamily="49" charset="0"/>
+              </a:rPr>
+              <a:t> do </a:t>
+            </a:r>
+            <a:r>
+              <a:rPr lang="nl-NL" sz="1400" kern="0" dirty="0" err="1" smtClean="0">
+                <a:latin typeface="Courier New" panose="02070309020205020404" pitchFamily="49" charset="0"/>
+                <a:cs typeface="Courier New" panose="02070309020205020404" pitchFamily="49" charset="0"/>
+              </a:rPr>
+              <a:t>you</a:t>
+            </a:r>
+            <a:r>
+              <a:rPr lang="nl-NL" sz="1400" kern="0" dirty="0" smtClean="0">
+                <a:latin typeface="Courier New" panose="02070309020205020404" pitchFamily="49" charset="0"/>
+                <a:cs typeface="Courier New" panose="02070309020205020404" pitchFamily="49" charset="0"/>
+              </a:rPr>
+              <a:t> </a:t>
+            </a:r>
+            <a:r>
+              <a:rPr lang="nl-NL" sz="1400" kern="0" dirty="0" err="1" smtClean="0">
+                <a:latin typeface="Courier New" panose="02070309020205020404" pitchFamily="49" charset="0"/>
+                <a:cs typeface="Courier New" panose="02070309020205020404" pitchFamily="49" charset="0"/>
+              </a:rPr>
+              <a:t>need</a:t>
+            </a:r>
+            <a:r>
+              <a:rPr lang="nl-NL" sz="1400" kern="0" dirty="0" smtClean="0">
+                <a:latin typeface="Courier New" panose="02070309020205020404" pitchFamily="49" charset="0"/>
+                <a:cs typeface="Courier New" panose="02070309020205020404" pitchFamily="49" charset="0"/>
+              </a:rPr>
+              <a:t>?)?</a:t>
+            </a:r>
+          </a:p>
+          <a:p>
+            <a:pPr>
+              <a:buFont typeface="+mj-lt"/>
+              <a:buAutoNum type="arabicPeriod"/>
+            </a:pPr>
+            <a:endParaRPr lang="nl-NL" sz="1400" kern="0" dirty="0">
+              <a:latin typeface="Courier New" panose="02070309020205020404" pitchFamily="49" charset="0"/>
+              <a:cs typeface="Courier New" panose="02070309020205020404" pitchFamily="49" charset="0"/>
+            </a:endParaRPr>
+          </a:p>
+          <a:p>
+            <a:pPr>
+              <a:buFont typeface="+mj-lt"/>
+              <a:buAutoNum type="arabicPeriod"/>
+            </a:pPr>
+            <a:r>
+              <a:rPr lang="nl-NL" sz="1400" kern="0" dirty="0" err="1" smtClean="0">
+                <a:latin typeface="Courier New" panose="02070309020205020404" pitchFamily="49" charset="0"/>
+                <a:cs typeface="Courier New" panose="02070309020205020404" pitchFamily="49" charset="0"/>
+              </a:rPr>
+              <a:t>Calculate</a:t>
+            </a:r>
+            <a:r>
+              <a:rPr lang="nl-NL" sz="1400" kern="0" dirty="0" smtClean="0">
+                <a:latin typeface="Courier New" panose="02070309020205020404" pitchFamily="49" charset="0"/>
+                <a:cs typeface="Courier New" panose="02070309020205020404" pitchFamily="49" charset="0"/>
+              </a:rPr>
+              <a:t> the mean rating </a:t>
+            </a:r>
+            <a:r>
+              <a:rPr lang="nl-NL" sz="1400" kern="0" dirty="0" err="1" smtClean="0">
+                <a:latin typeface="Courier New" panose="02070309020205020404" pitchFamily="49" charset="0"/>
+                <a:cs typeface="Courier New" panose="02070309020205020404" pitchFamily="49" charset="0"/>
+              </a:rPr>
+              <a:t>by</a:t>
+            </a:r>
+            <a:r>
+              <a:rPr lang="nl-NL" sz="1400" kern="0" dirty="0" smtClean="0">
+                <a:latin typeface="Courier New" panose="02070309020205020404" pitchFamily="49" charset="0"/>
+                <a:cs typeface="Courier New" panose="02070309020205020404" pitchFamily="49" charset="0"/>
+              </a:rPr>
+              <a:t> user cluster </a:t>
+            </a:r>
+            <a:r>
+              <a:rPr lang="nl-NL" sz="1400" kern="0" dirty="0" err="1" smtClean="0">
+                <a:latin typeface="Courier New" panose="02070309020205020404" pitchFamily="49" charset="0"/>
+                <a:cs typeface="Courier New" panose="02070309020205020404" pitchFamily="49" charset="0"/>
+              </a:rPr>
+              <a:t>using</a:t>
+            </a:r>
+            <a:r>
+              <a:rPr lang="nl-NL" sz="1400" kern="0" dirty="0" smtClean="0">
+                <a:latin typeface="Courier New" panose="02070309020205020404" pitchFamily="49" charset="0"/>
+                <a:cs typeface="Courier New" panose="02070309020205020404" pitchFamily="49" charset="0"/>
+              </a:rPr>
+              <a:t> the </a:t>
+            </a:r>
+            <a:r>
+              <a:rPr lang="nl-NL" sz="1400" kern="0" dirty="0" err="1" smtClean="0">
+                <a:latin typeface="Courier New" panose="02070309020205020404" pitchFamily="49" charset="0"/>
+                <a:cs typeface="Courier New" panose="02070309020205020404" pitchFamily="49" charset="0"/>
+              </a:rPr>
+              <a:t>Pandas</a:t>
+            </a:r>
+            <a:r>
+              <a:rPr lang="nl-NL" sz="1400" kern="0" dirty="0" smtClean="0">
+                <a:latin typeface="Courier New" panose="02070309020205020404" pitchFamily="49" charset="0"/>
+                <a:cs typeface="Courier New" panose="02070309020205020404" pitchFamily="49" charset="0"/>
+              </a:rPr>
+              <a:t> </a:t>
+            </a:r>
+            <a:r>
+              <a:rPr lang="nl-NL" sz="1400" i="1" kern="0" dirty="0" err="1" smtClean="0">
+                <a:latin typeface="Courier New" panose="02070309020205020404" pitchFamily="49" charset="0"/>
+                <a:cs typeface="Courier New" panose="02070309020205020404" pitchFamily="49" charset="0"/>
+              </a:rPr>
+              <a:t>pivot_table</a:t>
+            </a:r>
+            <a:r>
+              <a:rPr lang="nl-NL" sz="1400" i="1" kern="0" dirty="0" smtClean="0">
+                <a:latin typeface="Courier New" panose="02070309020205020404" pitchFamily="49" charset="0"/>
+                <a:cs typeface="Courier New" panose="02070309020205020404" pitchFamily="49" charset="0"/>
+              </a:rPr>
+              <a:t> </a:t>
+            </a:r>
+            <a:r>
+              <a:rPr lang="nl-NL" sz="1400" kern="0" dirty="0" err="1" smtClean="0">
+                <a:latin typeface="Courier New" panose="02070309020205020404" pitchFamily="49" charset="0"/>
+                <a:cs typeface="Courier New" panose="02070309020205020404" pitchFamily="49" charset="0"/>
+              </a:rPr>
+              <a:t>function</a:t>
+            </a:r>
+            <a:r>
+              <a:rPr lang="nl-NL" sz="1400" kern="0" dirty="0" smtClean="0">
+                <a:latin typeface="Courier New" panose="02070309020205020404" pitchFamily="49" charset="0"/>
+                <a:cs typeface="Courier New" panose="02070309020205020404" pitchFamily="49" charset="0"/>
+              </a:rPr>
+              <a:t>. </a:t>
+            </a:r>
+            <a:r>
+              <a:rPr lang="nl-NL" sz="1400" kern="0" dirty="0" err="1" smtClean="0">
+                <a:latin typeface="Courier New" panose="02070309020205020404" pitchFamily="49" charset="0"/>
+                <a:cs typeface="Courier New" panose="02070309020205020404" pitchFamily="49" charset="0"/>
+              </a:rPr>
+              <a:t>Pandas</a:t>
+            </a:r>
+            <a:r>
+              <a:rPr lang="nl-NL" sz="1400" kern="0" dirty="0" smtClean="0">
+                <a:latin typeface="Courier New" panose="02070309020205020404" pitchFamily="49" charset="0"/>
+                <a:cs typeface="Courier New" panose="02070309020205020404" pitchFamily="49" charset="0"/>
+              </a:rPr>
+              <a:t> </a:t>
+            </a:r>
+            <a:r>
+              <a:rPr lang="nl-NL" sz="1400" kern="0" dirty="0" err="1" smtClean="0">
+                <a:latin typeface="Courier New" panose="02070309020205020404" pitchFamily="49" charset="0"/>
+                <a:cs typeface="Courier New" panose="02070309020205020404" pitchFamily="49" charset="0"/>
+              </a:rPr>
+              <a:t>will</a:t>
+            </a:r>
+            <a:r>
+              <a:rPr lang="nl-NL" sz="1400" kern="0" dirty="0" smtClean="0">
+                <a:latin typeface="Courier New" panose="02070309020205020404" pitchFamily="49" charset="0"/>
+                <a:cs typeface="Courier New" panose="02070309020205020404" pitchFamily="49" charset="0"/>
+              </a:rPr>
+              <a:t> </a:t>
+            </a:r>
+            <a:r>
+              <a:rPr lang="nl-NL" sz="1400" kern="0" dirty="0" err="1" smtClean="0">
+                <a:latin typeface="Courier New" panose="02070309020205020404" pitchFamily="49" charset="0"/>
+                <a:cs typeface="Courier New" panose="02070309020205020404" pitchFamily="49" charset="0"/>
+              </a:rPr>
+              <a:t>sort</a:t>
+            </a:r>
+            <a:r>
+              <a:rPr lang="nl-NL" sz="1400" kern="0" dirty="0" smtClean="0">
+                <a:latin typeface="Courier New" panose="02070309020205020404" pitchFamily="49" charset="0"/>
+                <a:cs typeface="Courier New" panose="02070309020205020404" pitchFamily="49" charset="0"/>
+              </a:rPr>
+              <a:t> </a:t>
+            </a:r>
+            <a:r>
+              <a:rPr lang="nl-NL" sz="1400" kern="0" dirty="0" err="1" smtClean="0">
+                <a:latin typeface="Courier New" panose="02070309020205020404" pitchFamily="49" charset="0"/>
+                <a:cs typeface="Courier New" panose="02070309020205020404" pitchFamily="49" charset="0"/>
+              </a:rPr>
+              <a:t>alphabetically</a:t>
+            </a:r>
+            <a:r>
+              <a:rPr lang="nl-NL" sz="1400" kern="0" dirty="0" smtClean="0">
+                <a:latin typeface="Courier New" panose="02070309020205020404" pitchFamily="49" charset="0"/>
+                <a:cs typeface="Courier New" panose="02070309020205020404" pitchFamily="49" charset="0"/>
+              </a:rPr>
+              <a:t>, </a:t>
+            </a:r>
+            <a:r>
+              <a:rPr lang="nl-NL" sz="1400" kern="0" dirty="0" err="1" smtClean="0">
+                <a:latin typeface="Courier New" panose="02070309020205020404" pitchFamily="49" charset="0"/>
+                <a:cs typeface="Courier New" panose="02070309020205020404" pitchFamily="49" charset="0"/>
+              </a:rPr>
+              <a:t>so</a:t>
+            </a:r>
+            <a:r>
+              <a:rPr lang="nl-NL" sz="1400" kern="0" dirty="0" smtClean="0">
+                <a:latin typeface="Courier New" panose="02070309020205020404" pitchFamily="49" charset="0"/>
+                <a:cs typeface="Courier New" panose="02070309020205020404" pitchFamily="49" charset="0"/>
+              </a:rPr>
+              <a:t> </a:t>
+            </a:r>
+            <a:r>
+              <a:rPr lang="nl-NL" sz="1400" kern="0" dirty="0" err="1" smtClean="0">
+                <a:latin typeface="Courier New" panose="02070309020205020404" pitchFamily="49" charset="0"/>
+                <a:cs typeface="Courier New" panose="02070309020205020404" pitchFamily="49" charset="0"/>
+              </a:rPr>
+              <a:t>you</a:t>
+            </a:r>
+            <a:r>
+              <a:rPr lang="nl-NL" sz="1400" kern="0" dirty="0" smtClean="0">
+                <a:latin typeface="Courier New" panose="02070309020205020404" pitchFamily="49" charset="0"/>
+                <a:cs typeface="Courier New" panose="02070309020205020404" pitchFamily="49" charset="0"/>
+              </a:rPr>
+              <a:t> </a:t>
+            </a:r>
+            <a:r>
+              <a:rPr lang="nl-NL" sz="1400" kern="0" dirty="0" err="1" smtClean="0">
+                <a:latin typeface="Courier New" panose="02070309020205020404" pitchFamily="49" charset="0"/>
+                <a:cs typeface="Courier New" panose="02070309020205020404" pitchFamily="49" charset="0"/>
+              </a:rPr>
+              <a:t>will</a:t>
+            </a:r>
+            <a:r>
+              <a:rPr lang="nl-NL" sz="1400" kern="0" dirty="0" smtClean="0">
+                <a:latin typeface="Courier New" panose="02070309020205020404" pitchFamily="49" charset="0"/>
+                <a:cs typeface="Courier New" panose="02070309020205020404" pitchFamily="49" charset="0"/>
+              </a:rPr>
+              <a:t> </a:t>
+            </a:r>
+            <a:r>
+              <a:rPr lang="nl-NL" sz="1400" kern="0" dirty="0" err="1" smtClean="0">
+                <a:latin typeface="Courier New" panose="02070309020205020404" pitchFamily="49" charset="0"/>
+                <a:cs typeface="Courier New" panose="02070309020205020404" pitchFamily="49" charset="0"/>
+              </a:rPr>
+              <a:t>need</a:t>
+            </a:r>
+            <a:r>
+              <a:rPr lang="nl-NL" sz="1400" kern="0" dirty="0" smtClean="0">
+                <a:latin typeface="Courier New" panose="02070309020205020404" pitchFamily="49" charset="0"/>
+                <a:cs typeface="Courier New" panose="02070309020205020404" pitchFamily="49" charset="0"/>
+              </a:rPr>
+              <a:t> </a:t>
+            </a:r>
+            <a:r>
+              <a:rPr lang="nl-NL" sz="1400" kern="0" dirty="0" err="1" smtClean="0">
+                <a:latin typeface="Courier New" panose="02070309020205020404" pitchFamily="49" charset="0"/>
+                <a:cs typeface="Courier New" panose="02070309020205020404" pitchFamily="49" charset="0"/>
+              </a:rPr>
+              <a:t>to</a:t>
+            </a:r>
+            <a:r>
+              <a:rPr lang="nl-NL" sz="1400" kern="0" dirty="0" smtClean="0">
+                <a:latin typeface="Courier New" panose="02070309020205020404" pitchFamily="49" charset="0"/>
+                <a:cs typeface="Courier New" panose="02070309020205020404" pitchFamily="49" charset="0"/>
+              </a:rPr>
+              <a:t> </a:t>
+            </a:r>
+            <a:r>
+              <a:rPr lang="nl-NL" sz="1400" kern="0" dirty="0" err="1" smtClean="0">
+                <a:latin typeface="Courier New" panose="02070309020205020404" pitchFamily="49" charset="0"/>
+                <a:cs typeface="Courier New" panose="02070309020205020404" pitchFamily="49" charset="0"/>
+              </a:rPr>
+              <a:t>reorder</a:t>
+            </a:r>
+            <a:r>
+              <a:rPr lang="nl-NL" sz="1400" kern="0" dirty="0" smtClean="0">
+                <a:latin typeface="Courier New" panose="02070309020205020404" pitchFamily="49" charset="0"/>
+                <a:cs typeface="Courier New" panose="02070309020205020404" pitchFamily="49" charset="0"/>
+              </a:rPr>
+              <a:t> </a:t>
+            </a:r>
+            <a:r>
+              <a:rPr lang="nl-NL" sz="1400" kern="0" dirty="0" err="1" smtClean="0">
+                <a:latin typeface="Courier New" panose="02070309020205020404" pitchFamily="49" charset="0"/>
+                <a:cs typeface="Courier New" panose="02070309020205020404" pitchFamily="49" charset="0"/>
+              </a:rPr>
+              <a:t>your</a:t>
+            </a:r>
+            <a:r>
+              <a:rPr lang="nl-NL" sz="1400" kern="0" dirty="0" smtClean="0">
+                <a:latin typeface="Courier New" panose="02070309020205020404" pitchFamily="49" charset="0"/>
+                <a:cs typeface="Courier New" panose="02070309020205020404" pitchFamily="49" charset="0"/>
+              </a:rPr>
+              <a:t> pivot </a:t>
+            </a:r>
+            <a:r>
+              <a:rPr lang="nl-NL" sz="1400" kern="0" dirty="0" err="1" smtClean="0">
+                <a:latin typeface="Courier New" panose="02070309020205020404" pitchFamily="49" charset="0"/>
+                <a:cs typeface="Courier New" panose="02070309020205020404" pitchFamily="49" charset="0"/>
+              </a:rPr>
+              <a:t>table</a:t>
+            </a:r>
+            <a:r>
+              <a:rPr lang="nl-NL" sz="1400" kern="0" dirty="0" smtClean="0">
+                <a:latin typeface="Courier New" panose="02070309020205020404" pitchFamily="49" charset="0"/>
+                <a:cs typeface="Courier New" panose="02070309020205020404" pitchFamily="49" charset="0"/>
+              </a:rPr>
+              <a:t> </a:t>
+            </a:r>
+            <a:r>
+              <a:rPr lang="nl-NL" sz="1400" kern="0" dirty="0" err="1" smtClean="0">
+                <a:latin typeface="Courier New" panose="02070309020205020404" pitchFamily="49" charset="0"/>
+                <a:cs typeface="Courier New" panose="02070309020205020404" pitchFamily="49" charset="0"/>
+              </a:rPr>
+              <a:t>with</a:t>
+            </a:r>
+            <a:r>
+              <a:rPr lang="nl-NL" sz="1400" kern="0" dirty="0" smtClean="0">
+                <a:latin typeface="Courier New" panose="02070309020205020404" pitchFamily="49" charset="0"/>
+                <a:cs typeface="Courier New" panose="02070309020205020404" pitchFamily="49" charset="0"/>
+              </a:rPr>
+              <a:t> </a:t>
+            </a:r>
+            <a:r>
+              <a:rPr lang="nl-NL" sz="1400" i="1" kern="0" dirty="0" err="1" smtClean="0">
+                <a:latin typeface="Courier New" panose="02070309020205020404" pitchFamily="49" charset="0"/>
+                <a:cs typeface="Courier New" panose="02070309020205020404" pitchFamily="49" charset="0"/>
+              </a:rPr>
+              <a:t>my_pivot.reindex</a:t>
+            </a:r>
+            <a:r>
+              <a:rPr lang="nl-NL" sz="1400" i="1" kern="0" dirty="0" smtClean="0">
+                <a:latin typeface="Courier New" panose="02070309020205020404" pitchFamily="49" charset="0"/>
+                <a:cs typeface="Courier New" panose="02070309020205020404" pitchFamily="49" charset="0"/>
+              </a:rPr>
+              <a:t>(</a:t>
+            </a:r>
+            <a:r>
+              <a:rPr lang="nl-NL" sz="1400" i="1" kern="0" dirty="0" err="1" smtClean="0">
+                <a:latin typeface="Courier New" panose="02070309020205020404" pitchFamily="49" charset="0"/>
+                <a:cs typeface="Courier New" panose="02070309020205020404" pitchFamily="49" charset="0"/>
+              </a:rPr>
+              <a:t>ratings.count</a:t>
+            </a:r>
+            <a:r>
+              <a:rPr lang="nl-NL" sz="1400" i="1" kern="0" dirty="0">
+                <a:latin typeface="Courier New" panose="02070309020205020404" pitchFamily="49" charset="0"/>
+                <a:cs typeface="Courier New" panose="02070309020205020404" pitchFamily="49" charset="0"/>
+              </a:rPr>
+              <a:t>().</a:t>
+            </a:r>
+            <a:r>
+              <a:rPr lang="nl-NL" sz="1400" i="1" kern="0" dirty="0" err="1">
+                <a:latin typeface="Courier New" panose="02070309020205020404" pitchFamily="49" charset="0"/>
+                <a:cs typeface="Courier New" panose="02070309020205020404" pitchFamily="49" charset="0"/>
+              </a:rPr>
+              <a:t>sort_values</a:t>
+            </a:r>
+            <a:r>
+              <a:rPr lang="nl-NL" sz="1400" i="1" kern="0" dirty="0">
+                <a:latin typeface="Courier New" panose="02070309020205020404" pitchFamily="49" charset="0"/>
+                <a:cs typeface="Courier New" panose="02070309020205020404" pitchFamily="49" charset="0"/>
+              </a:rPr>
+              <a:t>(</a:t>
+            </a:r>
+            <a:r>
+              <a:rPr lang="nl-NL" sz="1400" i="1" kern="0" dirty="0" err="1">
+                <a:latin typeface="Courier New" panose="02070309020205020404" pitchFamily="49" charset="0"/>
+                <a:cs typeface="Courier New" panose="02070309020205020404" pitchFamily="49" charset="0"/>
+              </a:rPr>
+              <a:t>ascending</a:t>
+            </a:r>
+            <a:r>
+              <a:rPr lang="nl-NL" sz="1400" i="1" kern="0" dirty="0">
+                <a:latin typeface="Courier New" panose="02070309020205020404" pitchFamily="49" charset="0"/>
+                <a:cs typeface="Courier New" panose="02070309020205020404" pitchFamily="49" charset="0"/>
+              </a:rPr>
+              <a:t>=</a:t>
+            </a:r>
+            <a:r>
+              <a:rPr lang="nl-NL" sz="1400" i="1" kern="0" dirty="0" err="1">
+                <a:latin typeface="Courier New" panose="02070309020205020404" pitchFamily="49" charset="0"/>
+                <a:cs typeface="Courier New" panose="02070309020205020404" pitchFamily="49" charset="0"/>
+              </a:rPr>
+              <a:t>False</a:t>
+            </a:r>
+            <a:r>
+              <a:rPr lang="nl-NL" sz="1400" i="1" kern="0" dirty="0">
+                <a:latin typeface="Courier New" panose="02070309020205020404" pitchFamily="49" charset="0"/>
+                <a:cs typeface="Courier New" panose="02070309020205020404" pitchFamily="49" charset="0"/>
+              </a:rPr>
+              <a:t>).index, </a:t>
+            </a:r>
+            <a:r>
+              <a:rPr lang="nl-NL" sz="1400" i="1" kern="0" dirty="0" err="1">
+                <a:latin typeface="Courier New" panose="02070309020205020404" pitchFamily="49" charset="0"/>
+                <a:cs typeface="Courier New" panose="02070309020205020404" pitchFamily="49" charset="0"/>
+              </a:rPr>
+              <a:t>axis</a:t>
+            </a:r>
+            <a:r>
+              <a:rPr lang="nl-NL" sz="1400" i="1" kern="0" dirty="0">
+                <a:latin typeface="Courier New" panose="02070309020205020404" pitchFamily="49" charset="0"/>
+                <a:cs typeface="Courier New" panose="02070309020205020404" pitchFamily="49" charset="0"/>
+              </a:rPr>
+              <a:t>=1</a:t>
+            </a:r>
+            <a:r>
+              <a:rPr lang="nl-NL" sz="1400" i="1" kern="0" dirty="0" smtClean="0">
+                <a:latin typeface="Courier New" panose="02070309020205020404" pitchFamily="49" charset="0"/>
+                <a:cs typeface="Courier New" panose="02070309020205020404" pitchFamily="49" charset="0"/>
+              </a:rPr>
+              <a:t>)</a:t>
+            </a:r>
+          </a:p>
+          <a:p>
+            <a:pPr>
+              <a:buFont typeface="+mj-lt"/>
+              <a:buAutoNum type="arabicPeriod"/>
+            </a:pPr>
+            <a:endParaRPr lang="nl-NL" sz="1400" kern="0" dirty="0">
+              <a:latin typeface="Courier New" panose="02070309020205020404" pitchFamily="49" charset="0"/>
+              <a:cs typeface="Courier New" panose="02070309020205020404" pitchFamily="49" charset="0"/>
+            </a:endParaRPr>
+          </a:p>
+          <a:p>
+            <a:pPr>
+              <a:buFont typeface="+mj-lt"/>
+              <a:buAutoNum type="arabicPeriod"/>
+            </a:pPr>
+            <a:r>
+              <a:rPr lang="nl-NL" sz="1400" kern="0" dirty="0" err="1" smtClean="0">
+                <a:latin typeface="Courier New" panose="02070309020205020404" pitchFamily="49" charset="0"/>
+                <a:cs typeface="Courier New" panose="02070309020205020404" pitchFamily="49" charset="0"/>
+              </a:rPr>
+              <a:t>Examine</a:t>
+            </a:r>
+            <a:r>
+              <a:rPr lang="nl-NL" sz="1400" kern="0" dirty="0" smtClean="0">
+                <a:latin typeface="Courier New" panose="02070309020205020404" pitchFamily="49" charset="0"/>
+                <a:cs typeface="Courier New" panose="02070309020205020404" pitchFamily="49" charset="0"/>
+              </a:rPr>
+              <a:t> the mean ratings of the top </a:t>
+            </a:r>
+            <a:r>
+              <a:rPr lang="nl-NL" sz="1400" kern="0" dirty="0" err="1" smtClean="0">
+                <a:latin typeface="Courier New" panose="02070309020205020404" pitchFamily="49" charset="0"/>
+                <a:cs typeface="Courier New" panose="02070309020205020404" pitchFamily="49" charset="0"/>
+              </a:rPr>
+              <a:t>rated</a:t>
+            </a:r>
+            <a:r>
+              <a:rPr lang="nl-NL" sz="1400" kern="0" dirty="0" smtClean="0">
+                <a:latin typeface="Courier New" panose="02070309020205020404" pitchFamily="49" charset="0"/>
+                <a:cs typeface="Courier New" panose="02070309020205020404" pitchFamily="49" charset="0"/>
+              </a:rPr>
+              <a:t> </a:t>
+            </a:r>
+            <a:r>
+              <a:rPr lang="nl-NL" sz="1400" kern="0" dirty="0" err="1" smtClean="0">
+                <a:latin typeface="Courier New" panose="02070309020205020404" pitchFamily="49" charset="0"/>
+                <a:cs typeface="Courier New" panose="02070309020205020404" pitchFamily="49" charset="0"/>
+              </a:rPr>
+              <a:t>movies</a:t>
+            </a:r>
+            <a:r>
+              <a:rPr lang="nl-NL" sz="1400" kern="0" dirty="0" smtClean="0">
+                <a:latin typeface="Courier New" panose="02070309020205020404" pitchFamily="49" charset="0"/>
+                <a:cs typeface="Courier New" panose="02070309020205020404" pitchFamily="49" charset="0"/>
+              </a:rPr>
+              <a:t> </a:t>
+            </a:r>
+            <a:r>
+              <a:rPr lang="nl-NL" sz="1400" kern="0" dirty="0" err="1" smtClean="0">
+                <a:latin typeface="Courier New" panose="02070309020205020404" pitchFamily="49" charset="0"/>
+                <a:cs typeface="Courier New" panose="02070309020205020404" pitchFamily="49" charset="0"/>
+              </a:rPr>
+              <a:t>by</a:t>
+            </a:r>
+            <a:r>
+              <a:rPr lang="nl-NL" sz="1400" kern="0" dirty="0" smtClean="0">
+                <a:latin typeface="Courier New" panose="02070309020205020404" pitchFamily="49" charset="0"/>
+                <a:cs typeface="Courier New" panose="02070309020205020404" pitchFamily="49" charset="0"/>
+              </a:rPr>
+              <a:t> user cluster. </a:t>
+            </a:r>
+            <a:r>
+              <a:rPr lang="nl-NL" sz="1400" kern="0" dirty="0" err="1" smtClean="0">
+                <a:latin typeface="Courier New" panose="02070309020205020404" pitchFamily="49" charset="0"/>
+                <a:cs typeface="Courier New" panose="02070309020205020404" pitchFamily="49" charset="0"/>
+              </a:rPr>
+              <a:t>Can</a:t>
+            </a:r>
+            <a:r>
+              <a:rPr lang="nl-NL" sz="1400" kern="0" dirty="0" smtClean="0">
+                <a:latin typeface="Courier New" panose="02070309020205020404" pitchFamily="49" charset="0"/>
+                <a:cs typeface="Courier New" panose="02070309020205020404" pitchFamily="49" charset="0"/>
+              </a:rPr>
+              <a:t> </a:t>
+            </a:r>
+            <a:r>
+              <a:rPr lang="nl-NL" sz="1400" kern="0" dirty="0" err="1" smtClean="0">
+                <a:latin typeface="Courier New" panose="02070309020205020404" pitchFamily="49" charset="0"/>
+                <a:cs typeface="Courier New" panose="02070309020205020404" pitchFamily="49" charset="0"/>
+              </a:rPr>
+              <a:t>you</a:t>
+            </a:r>
+            <a:r>
+              <a:rPr lang="nl-NL" sz="1400" kern="0" dirty="0" smtClean="0">
+                <a:latin typeface="Courier New" panose="02070309020205020404" pitchFamily="49" charset="0"/>
+                <a:cs typeface="Courier New" panose="02070309020205020404" pitchFamily="49" charset="0"/>
+              </a:rPr>
+              <a:t> </a:t>
+            </a:r>
+            <a:r>
+              <a:rPr lang="nl-NL" sz="1400" kern="0" dirty="0" err="1" smtClean="0">
+                <a:latin typeface="Courier New" panose="02070309020205020404" pitchFamily="49" charset="0"/>
+                <a:cs typeface="Courier New" panose="02070309020205020404" pitchFamily="49" charset="0"/>
+              </a:rPr>
+              <a:t>describe</a:t>
+            </a:r>
+            <a:r>
+              <a:rPr lang="nl-NL" sz="1400" kern="0" dirty="0" smtClean="0">
+                <a:latin typeface="Courier New" panose="02070309020205020404" pitchFamily="49" charset="0"/>
+                <a:cs typeface="Courier New" panose="02070309020205020404" pitchFamily="49" charset="0"/>
+              </a:rPr>
+              <a:t> the user clusters in </a:t>
+            </a:r>
+            <a:r>
+              <a:rPr lang="nl-NL" sz="1400" kern="0" dirty="0" err="1" smtClean="0">
+                <a:latin typeface="Courier New" panose="02070309020205020404" pitchFamily="49" charset="0"/>
+                <a:cs typeface="Courier New" panose="02070309020205020404" pitchFamily="49" charset="0"/>
+              </a:rPr>
+              <a:t>plain</a:t>
+            </a:r>
+            <a:r>
+              <a:rPr lang="nl-NL" sz="1400" kern="0" dirty="0" smtClean="0">
+                <a:latin typeface="Courier New" panose="02070309020205020404" pitchFamily="49" charset="0"/>
+                <a:cs typeface="Courier New" panose="02070309020205020404" pitchFamily="49" charset="0"/>
+              </a:rPr>
+              <a:t> </a:t>
+            </a:r>
+            <a:r>
+              <a:rPr lang="nl-NL" sz="1400" kern="0" dirty="0" err="1" smtClean="0">
+                <a:latin typeface="Courier New" panose="02070309020205020404" pitchFamily="49" charset="0"/>
+                <a:cs typeface="Courier New" panose="02070309020205020404" pitchFamily="49" charset="0"/>
+              </a:rPr>
+              <a:t>language</a:t>
+            </a:r>
+            <a:r>
+              <a:rPr lang="nl-NL" sz="1400" kern="0" dirty="0" smtClean="0">
+                <a:latin typeface="Courier New" panose="02070309020205020404" pitchFamily="49" charset="0"/>
+                <a:cs typeface="Courier New" panose="02070309020205020404" pitchFamily="49" charset="0"/>
+              </a:rPr>
+              <a:t> (e.g., ‘</a:t>
+            </a:r>
+            <a:r>
+              <a:rPr lang="nl-NL" sz="1400" kern="0" dirty="0" err="1" smtClean="0">
+                <a:latin typeface="Courier New" panose="02070309020205020404" pitchFamily="49" charset="0"/>
+                <a:cs typeface="Courier New" panose="02070309020205020404" pitchFamily="49" charset="0"/>
+              </a:rPr>
+              <a:t>simple-minded</a:t>
+            </a:r>
+            <a:r>
+              <a:rPr lang="nl-NL" sz="1400" kern="0" dirty="0" smtClean="0">
+                <a:latin typeface="Courier New" panose="02070309020205020404" pitchFamily="49" charset="0"/>
+                <a:cs typeface="Courier New" panose="02070309020205020404" pitchFamily="49" charset="0"/>
+              </a:rPr>
+              <a:t> action movie lover’)? This </a:t>
+            </a:r>
+            <a:r>
+              <a:rPr lang="nl-NL" sz="1400" kern="0" dirty="0" err="1" smtClean="0">
+                <a:latin typeface="Courier New" panose="02070309020205020404" pitchFamily="49" charset="0"/>
+                <a:cs typeface="Courier New" panose="02070309020205020404" pitchFamily="49" charset="0"/>
+              </a:rPr>
+              <a:t>may</a:t>
+            </a:r>
+            <a:r>
+              <a:rPr lang="nl-NL" sz="1400" kern="0" dirty="0" smtClean="0">
+                <a:latin typeface="Courier New" panose="02070309020205020404" pitchFamily="49" charset="0"/>
+                <a:cs typeface="Courier New" panose="02070309020205020404" pitchFamily="49" charset="0"/>
+              </a:rPr>
+              <a:t> </a:t>
+            </a:r>
+            <a:r>
+              <a:rPr lang="nl-NL" sz="1400" kern="0" dirty="0" err="1" smtClean="0">
+                <a:latin typeface="Courier New" panose="02070309020205020404" pitchFamily="49" charset="0"/>
+                <a:cs typeface="Courier New" panose="02070309020205020404" pitchFamily="49" charset="0"/>
+              </a:rPr>
+              <a:t>be</a:t>
+            </a:r>
+            <a:r>
+              <a:rPr lang="nl-NL" sz="1400" kern="0" dirty="0">
+                <a:latin typeface="Courier New" panose="02070309020205020404" pitchFamily="49" charset="0"/>
+                <a:cs typeface="Courier New" panose="02070309020205020404" pitchFamily="49" charset="0"/>
+              </a:rPr>
+              <a:t> </a:t>
+            </a:r>
+            <a:r>
+              <a:rPr lang="nl-NL" sz="1400" kern="0" dirty="0" smtClean="0">
+                <a:latin typeface="Courier New" panose="02070309020205020404" pitchFamily="49" charset="0"/>
+                <a:cs typeface="Courier New" panose="02070309020205020404" pitchFamily="49" charset="0"/>
+              </a:rPr>
+              <a:t>hard…</a:t>
+            </a:r>
+          </a:p>
+          <a:p>
+            <a:endParaRPr lang="nl-NL" sz="1100" kern="0" dirty="0" smtClean="0">
+              <a:latin typeface="Courier New" panose="02070309020205020404" pitchFamily="49" charset="0"/>
+              <a:cs typeface="Courier New" panose="02070309020205020404" pitchFamily="49" charset="0"/>
+            </a:endParaRPr>
+          </a:p>
+          <a:p>
+            <a:pPr marL="0" indent="0">
+              <a:buFont typeface="Zapf Dingbats" charset="2"/>
+              <a:buNone/>
+            </a:pPr>
+            <a:endParaRPr lang="nl-NL" sz="1200" kern="0" dirty="0">
+              <a:latin typeface="Courier New" panose="02070309020205020404" pitchFamily="49" charset="0"/>
+              <a:cs typeface="Courier New" panose="02070309020205020404" pitchFamily="49" charset="0"/>
+            </a:endParaRPr>
+          </a:p>
+          <a:p>
+            <a:pPr marL="0" indent="0">
+              <a:buFont typeface="Zapf Dingbats" charset="2"/>
+              <a:buNone/>
+            </a:pPr>
+            <a:endParaRPr lang="nl-NL" sz="1200" kern="0" dirty="0" smtClean="0">
+              <a:latin typeface="Courier New" panose="02070309020205020404" pitchFamily="49" charset="0"/>
+              <a:cs typeface="Courier New" panose="02070309020205020404" pitchFamily="49" charset="0"/>
+            </a:endParaRPr>
+          </a:p>
+        </p:txBody>
+      </p:sp>
+    </p:spTree>
+    <p:extLst>
+      <p:ext uri="{BB962C8B-B14F-4D97-AF65-F5344CB8AC3E}">
+        <p14:creationId xmlns:p14="http://schemas.microsoft.com/office/powerpoint/2010/main" val="3516661382"/>
+      </p:ext>
+    </p:extLst>
+  </p:cSld>
+  <p:clrMapOvr>
+    <a:masterClrMapping/>
+  </p:clrMapOvr>
+</p:sld>
+</file>
+
+<file path=ppt/slides/slide23.xml><?xml version="1.0" encoding="utf-8"?>
 <p:sld xmlns:a="http://schemas.openxmlformats.org/drawingml/2006/main" xmlns:r="http://schemas.openxmlformats.org/officeDocument/2006/relationships" xmlns:p="http://schemas.openxmlformats.org/presentationml/2006/main">
   <p:cSld>
     <p:spTree>
@@ -12545,16 +15563,8 @@
           <a:lstStyle/>
           <a:p>
             <a:r>
-              <a:rPr lang="nl-NL" dirty="0" err="1" smtClean="0"/>
-              <a:t>Exercise</a:t>
-            </a:r>
-            <a:r>
               <a:rPr lang="nl-NL" dirty="0" smtClean="0"/>
-              <a:t> 1: data </a:t>
-            </a:r>
-            <a:r>
-              <a:rPr lang="nl-NL" dirty="0" err="1" smtClean="0"/>
-              <a:t>wrangling</a:t>
+              <a:t>User ratings</a:t>
             </a:r>
             <a:endParaRPr lang="nl-NL" dirty="0"/>
           </a:p>
@@ -12562,1161 +15572,171 @@
       </p:sp>
       <p:sp>
         <p:nvSpPr>
-          <p:cNvPr id="4" name="Tijdelijke aanduiding voor inhoud 2"/>
-          <p:cNvSpPr txBox="1">
-            <a:spLocks/>
+          <p:cNvPr id="3" name="Tijdelijke aanduiding voor inhoud 2"/>
+          <p:cNvSpPr>
+            <a:spLocks noGrp="1"/>
           </p:cNvSpPr>
+          <p:nvPr>
+            <p:ph idx="1"/>
+          </p:nvPr>
+        </p:nvSpPr>
+        <p:spPr>
+          <a:xfrm>
+            <a:off x="683568" y="4653136"/>
+            <a:ext cx="7881938" cy="1754326"/>
+          </a:xfrm>
+        </p:spPr>
+        <p:txBody>
+          <a:bodyPr/>
+          <a:lstStyle/>
+          <a:p>
+            <a:pPr>
+              <a:buFont typeface="Wingdings" panose="05000000000000000000" pitchFamily="2" charset="2"/>
+              <a:buChar char="§"/>
+            </a:pPr>
+            <a:r>
+              <a:rPr lang="nl-NL" sz="2000" dirty="0" smtClean="0"/>
+              <a:t>Ratings are </a:t>
+            </a:r>
+            <a:r>
+              <a:rPr lang="nl-NL" sz="2000" dirty="0" err="1" smtClean="0"/>
+              <a:t>typically</a:t>
+            </a:r>
+            <a:r>
+              <a:rPr lang="nl-NL" sz="2000" dirty="0" smtClean="0"/>
+              <a:t> </a:t>
+            </a:r>
+            <a:r>
+              <a:rPr lang="nl-NL" sz="2000" dirty="0" err="1" smtClean="0"/>
+              <a:t>left-skewed</a:t>
+            </a:r>
+            <a:r>
+              <a:rPr lang="nl-NL" sz="2000" dirty="0" smtClean="0"/>
+              <a:t> </a:t>
+            </a:r>
+            <a:r>
+              <a:rPr lang="nl-NL" sz="2000" dirty="0" err="1" smtClean="0"/>
+              <a:t>and</a:t>
+            </a:r>
+            <a:r>
+              <a:rPr lang="nl-NL" sz="2000" dirty="0" smtClean="0"/>
+              <a:t> the mean is </a:t>
+            </a:r>
+            <a:r>
+              <a:rPr lang="nl-NL" sz="2000" dirty="0" err="1" smtClean="0"/>
+              <a:t>above</a:t>
+            </a:r>
+            <a:r>
+              <a:rPr lang="nl-NL" sz="2000" dirty="0" smtClean="0"/>
+              <a:t> the center of the </a:t>
+            </a:r>
+            <a:r>
+              <a:rPr lang="nl-NL" sz="2000" dirty="0" err="1" smtClean="0"/>
+              <a:t>scale</a:t>
+            </a:r>
+            <a:endParaRPr lang="nl-NL" sz="2000" dirty="0" smtClean="0"/>
+          </a:p>
+          <a:p>
+            <a:pPr>
+              <a:buFont typeface="Wingdings" panose="05000000000000000000" pitchFamily="2" charset="2"/>
+              <a:buChar char="§"/>
+            </a:pPr>
+            <a:r>
+              <a:rPr lang="nl-NL" sz="2000" dirty="0" smtClean="0"/>
+              <a:t>Ratings (</a:t>
+            </a:r>
+            <a:r>
+              <a:rPr lang="nl-NL" sz="2000" dirty="0" err="1" smtClean="0"/>
+              <a:t>especially</a:t>
+            </a:r>
+            <a:r>
+              <a:rPr lang="nl-NL" sz="2000" dirty="0" smtClean="0"/>
+              <a:t> product ratings) </a:t>
+            </a:r>
+            <a:r>
+              <a:rPr lang="nl-NL" sz="2000" dirty="0" err="1" smtClean="0"/>
+              <a:t>may</a:t>
+            </a:r>
+            <a:r>
+              <a:rPr lang="nl-NL" sz="2000" dirty="0" smtClean="0"/>
+              <a:t> have a smaller peak at the low end</a:t>
+            </a:r>
+          </a:p>
+          <a:p>
+            <a:pPr>
+              <a:buFont typeface="Wingdings" panose="05000000000000000000" pitchFamily="2" charset="2"/>
+              <a:buChar char="§"/>
+            </a:pPr>
+            <a:r>
+              <a:rPr lang="nl-NL" sz="2000" dirty="0" smtClean="0"/>
+              <a:t>People </a:t>
+            </a:r>
+            <a:r>
+              <a:rPr lang="nl-NL" sz="2000" dirty="0" err="1" smtClean="0"/>
+              <a:t>vote</a:t>
+            </a:r>
+            <a:r>
+              <a:rPr lang="nl-NL" sz="2000" dirty="0" smtClean="0"/>
+              <a:t> </a:t>
+            </a:r>
+            <a:r>
+              <a:rPr lang="nl-NL" sz="2000" dirty="0" err="1" smtClean="0"/>
+              <a:t>for</a:t>
+            </a:r>
+            <a:r>
+              <a:rPr lang="nl-NL" sz="2000" dirty="0" smtClean="0"/>
+              <a:t> </a:t>
+            </a:r>
+            <a:r>
+              <a:rPr lang="nl-NL" sz="2000" dirty="0" err="1" smtClean="0"/>
+              <a:t>their</a:t>
+            </a:r>
+            <a:r>
+              <a:rPr lang="nl-NL" sz="2000" dirty="0" smtClean="0"/>
+              <a:t> </a:t>
+            </a:r>
+            <a:r>
+              <a:rPr lang="nl-NL" sz="2000" dirty="0" err="1" smtClean="0"/>
+              <a:t>favorites</a:t>
+            </a:r>
+            <a:endParaRPr lang="nl-NL" sz="2000" dirty="0" smtClean="0"/>
+          </a:p>
+        </p:txBody>
+      </p:sp>
+      <p:pic>
+        <p:nvPicPr>
+          <p:cNvPr id="4" name="Afbeelding 3"/>
+          <p:cNvPicPr>
+            <a:picLocks noChangeAspect="1"/>
+          </p:cNvPicPr>
           <p:nvPr/>
-        </p:nvSpPr>
-        <p:spPr bwMode="auto">
+        </p:nvPicPr>
+        <p:blipFill>
+          <a:blip r:embed="rId2"/>
+          <a:stretch>
+            <a:fillRect/>
+          </a:stretch>
+        </p:blipFill>
+        <p:spPr>
           <a:xfrm>
-            <a:off x="833592" y="1556792"/>
-            <a:ext cx="7881938" cy="5952399"/>
+            <a:off x="802324" y="1844824"/>
+            <a:ext cx="7277881" cy="2562634"/>
           </a:xfrm>
           <a:prstGeom prst="rect">
             <a:avLst/>
           </a:prstGeom>
-          <a:noFill/>
-          <a:ln w="9525">
-            <a:noFill/>
-            <a:miter lim="800000"/>
-            <a:headEnd/>
-            <a:tailEnd/>
-          </a:ln>
-          <a:effectLst/>
         </p:spPr>
-        <p:txBody>
-          <a:bodyPr vert="horz" wrap="square" lIns="91440" tIns="45720" rIns="91440" bIns="45720" numCol="1" anchor="t" anchorCtr="0" compatLnSpc="1">
-            <a:prstTxWarp prst="textNoShape">
-              <a:avLst/>
-            </a:prstTxWarp>
-            <a:spAutoFit/>
-          </a:bodyPr>
-          <a:lstStyle>
-            <a:lvl1pPr marL="342900" indent="-342900" algn="l" rtl="0" fontAlgn="base">
-              <a:spcBef>
-                <a:spcPct val="20000"/>
-              </a:spcBef>
-              <a:spcAft>
-                <a:spcPct val="0"/>
-              </a:spcAft>
-              <a:buClr>
-                <a:srgbClr val="ED0010"/>
-              </a:buClr>
-              <a:buSzPct val="60000"/>
-              <a:buFont typeface="Zapf Dingbats" charset="2"/>
-              <a:buChar char="n"/>
-              <a:defRPr sz="2800">
-                <a:solidFill>
-                  <a:srgbClr val="000000"/>
-                </a:solidFill>
-                <a:latin typeface="+mn-lt"/>
-                <a:ea typeface="+mn-ea"/>
-                <a:cs typeface="+mn-cs"/>
-              </a:defRPr>
-            </a:lvl1pPr>
-            <a:lvl2pPr marL="819150" indent="-285750" algn="l" rtl="0" fontAlgn="base">
-              <a:spcBef>
-                <a:spcPct val="20000"/>
-              </a:spcBef>
-              <a:spcAft>
-                <a:spcPct val="0"/>
-              </a:spcAft>
-              <a:buClr>
-                <a:schemeClr val="accent1"/>
-              </a:buClr>
-              <a:buSzPct val="60000"/>
-              <a:buFont typeface="Zapf Dingbats" charset="2"/>
-              <a:buChar char="n"/>
-              <a:defRPr sz="2600">
-                <a:solidFill>
-                  <a:srgbClr val="000000"/>
-                </a:solidFill>
-                <a:latin typeface="+mn-lt"/>
-              </a:defRPr>
-            </a:lvl2pPr>
-            <a:lvl3pPr marL="1143000" indent="-228600" algn="l" rtl="0" fontAlgn="base">
-              <a:spcBef>
-                <a:spcPct val="20000"/>
-              </a:spcBef>
-              <a:spcAft>
-                <a:spcPct val="0"/>
-              </a:spcAft>
-              <a:buClr>
-                <a:schemeClr val="accent1"/>
-              </a:buClr>
-              <a:buSzPct val="60000"/>
-              <a:buFont typeface="Zapf Dingbats" charset="2"/>
-              <a:buChar char="n"/>
-              <a:defRPr sz="2400">
-                <a:solidFill>
-                  <a:srgbClr val="000000"/>
-                </a:solidFill>
-                <a:latin typeface="+mn-lt"/>
-              </a:defRPr>
-            </a:lvl3pPr>
-            <a:lvl4pPr marL="1562100" indent="-228600" algn="l" rtl="0" fontAlgn="base">
-              <a:spcBef>
-                <a:spcPct val="20000"/>
-              </a:spcBef>
-              <a:spcAft>
-                <a:spcPct val="0"/>
-              </a:spcAft>
-              <a:buClr>
-                <a:schemeClr val="accent1"/>
-              </a:buClr>
-              <a:buSzPct val="60000"/>
-              <a:buFont typeface="Zapf Dingbats" charset="2"/>
-              <a:buChar char="n"/>
-              <a:defRPr sz="2200">
-                <a:solidFill>
-                  <a:srgbClr val="000000"/>
-                </a:solidFill>
-                <a:latin typeface="+mn-lt"/>
-              </a:defRPr>
-            </a:lvl4pPr>
-            <a:lvl5pPr marL="1981200" indent="-228600" algn="l" rtl="0" fontAlgn="base">
-              <a:spcBef>
-                <a:spcPct val="20000"/>
-              </a:spcBef>
-              <a:spcAft>
-                <a:spcPct val="0"/>
-              </a:spcAft>
-              <a:buClr>
-                <a:schemeClr val="accent1"/>
-              </a:buClr>
-              <a:buSzPct val="60000"/>
-              <a:buFont typeface="Zapf Dingbats" charset="2"/>
-              <a:buChar char="n"/>
-              <a:defRPr sz="2000">
-                <a:solidFill>
-                  <a:srgbClr val="000000"/>
-                </a:solidFill>
-                <a:latin typeface="+mn-lt"/>
-              </a:defRPr>
-            </a:lvl5pPr>
-            <a:lvl6pPr marL="2438400" indent="-228600" algn="l" rtl="0" fontAlgn="base">
-              <a:spcBef>
-                <a:spcPct val="20000"/>
-              </a:spcBef>
-              <a:spcAft>
-                <a:spcPct val="0"/>
-              </a:spcAft>
-              <a:buClr>
-                <a:schemeClr val="accent1"/>
-              </a:buClr>
-              <a:buSzPct val="60000"/>
-              <a:buFont typeface="Zapf Dingbats" charset="2"/>
-              <a:buChar char="n"/>
-              <a:defRPr sz="2000">
-                <a:solidFill>
-                  <a:srgbClr val="000000"/>
-                </a:solidFill>
-                <a:latin typeface="+mn-lt"/>
-              </a:defRPr>
-            </a:lvl6pPr>
-            <a:lvl7pPr marL="2895600" indent="-228600" algn="l" rtl="0" fontAlgn="base">
-              <a:spcBef>
-                <a:spcPct val="20000"/>
-              </a:spcBef>
-              <a:spcAft>
-                <a:spcPct val="0"/>
-              </a:spcAft>
-              <a:buClr>
-                <a:schemeClr val="accent1"/>
-              </a:buClr>
-              <a:buSzPct val="60000"/>
-              <a:buFont typeface="Zapf Dingbats" charset="2"/>
-              <a:buChar char="n"/>
-              <a:defRPr sz="2000">
-                <a:solidFill>
-                  <a:srgbClr val="000000"/>
-                </a:solidFill>
-                <a:latin typeface="+mn-lt"/>
-              </a:defRPr>
-            </a:lvl7pPr>
-            <a:lvl8pPr marL="3352800" indent="-228600" algn="l" rtl="0" fontAlgn="base">
-              <a:spcBef>
-                <a:spcPct val="20000"/>
-              </a:spcBef>
-              <a:spcAft>
-                <a:spcPct val="0"/>
-              </a:spcAft>
-              <a:buClr>
-                <a:schemeClr val="accent1"/>
-              </a:buClr>
-              <a:buSzPct val="60000"/>
-              <a:buFont typeface="Zapf Dingbats" charset="2"/>
-              <a:buChar char="n"/>
-              <a:defRPr sz="2000">
-                <a:solidFill>
-                  <a:srgbClr val="000000"/>
-                </a:solidFill>
-                <a:latin typeface="+mn-lt"/>
-              </a:defRPr>
-            </a:lvl8pPr>
-            <a:lvl9pPr marL="3810000" indent="-228600" algn="l" rtl="0" fontAlgn="base">
-              <a:spcBef>
-                <a:spcPct val="20000"/>
-              </a:spcBef>
-              <a:spcAft>
-                <a:spcPct val="0"/>
-              </a:spcAft>
-              <a:buClr>
-                <a:schemeClr val="accent1"/>
-              </a:buClr>
-              <a:buSzPct val="60000"/>
-              <a:buFont typeface="Zapf Dingbats" charset="2"/>
-              <a:buChar char="n"/>
-              <a:defRPr sz="2000">
-                <a:solidFill>
-                  <a:srgbClr val="000000"/>
-                </a:solidFill>
-                <a:latin typeface="+mn-lt"/>
-              </a:defRPr>
-            </a:lvl9pPr>
-          </a:lstStyle>
-          <a:p>
-            <a:pPr marL="0" indent="0">
-              <a:buNone/>
-            </a:pPr>
-            <a:r>
-              <a:rPr lang="nl-NL" sz="1400" kern="0" dirty="0" smtClean="0">
-                <a:latin typeface="Courier New" panose="02070309020205020404" pitchFamily="49" charset="0"/>
-                <a:cs typeface="Courier New" panose="02070309020205020404" pitchFamily="49" charset="0"/>
-              </a:rPr>
-              <a:t>In this </a:t>
-            </a:r>
-            <a:r>
-              <a:rPr lang="nl-NL" sz="1400" kern="0" dirty="0" err="1" smtClean="0">
-                <a:latin typeface="Courier New" panose="02070309020205020404" pitchFamily="49" charset="0"/>
-                <a:cs typeface="Courier New" panose="02070309020205020404" pitchFamily="49" charset="0"/>
-              </a:rPr>
-              <a:t>Exercise</a:t>
-            </a:r>
-            <a:r>
-              <a:rPr lang="nl-NL" sz="1400" kern="0" dirty="0" smtClean="0">
-                <a:latin typeface="Courier New" panose="02070309020205020404" pitchFamily="49" charset="0"/>
-                <a:cs typeface="Courier New" panose="02070309020205020404" pitchFamily="49" charset="0"/>
-              </a:rPr>
-              <a:t> </a:t>
-            </a:r>
-            <a:r>
-              <a:rPr lang="nl-NL" sz="1400" kern="0" dirty="0" err="1" smtClean="0">
-                <a:latin typeface="Courier New" panose="02070309020205020404" pitchFamily="49" charset="0"/>
-                <a:cs typeface="Courier New" panose="02070309020205020404" pitchFamily="49" charset="0"/>
-              </a:rPr>
-              <a:t>you</a:t>
-            </a:r>
-            <a:r>
-              <a:rPr lang="nl-NL" sz="1400" kern="0" dirty="0" smtClean="0">
-                <a:latin typeface="Courier New" panose="02070309020205020404" pitchFamily="49" charset="0"/>
-                <a:cs typeface="Courier New" panose="02070309020205020404" pitchFamily="49" charset="0"/>
-              </a:rPr>
-              <a:t> are </a:t>
-            </a:r>
-            <a:r>
-              <a:rPr lang="nl-NL" sz="1400" kern="0" dirty="0" err="1" smtClean="0">
-                <a:latin typeface="Courier New" panose="02070309020205020404" pitchFamily="49" charset="0"/>
-                <a:cs typeface="Courier New" panose="02070309020205020404" pitchFamily="49" charset="0"/>
-              </a:rPr>
-              <a:t>going</a:t>
-            </a:r>
-            <a:r>
-              <a:rPr lang="nl-NL" sz="1400" kern="0" dirty="0" smtClean="0">
-                <a:latin typeface="Courier New" panose="02070309020205020404" pitchFamily="49" charset="0"/>
-                <a:cs typeface="Courier New" panose="02070309020205020404" pitchFamily="49" charset="0"/>
-              </a:rPr>
-              <a:t> </a:t>
-            </a:r>
-            <a:r>
-              <a:rPr lang="nl-NL" sz="1400" kern="0" dirty="0" err="1" smtClean="0">
-                <a:latin typeface="Courier New" panose="02070309020205020404" pitchFamily="49" charset="0"/>
-                <a:cs typeface="Courier New" panose="02070309020205020404" pitchFamily="49" charset="0"/>
-              </a:rPr>
-              <a:t>to</a:t>
-            </a:r>
-            <a:r>
-              <a:rPr lang="nl-NL" sz="1400" kern="0" dirty="0" smtClean="0">
-                <a:latin typeface="Courier New" panose="02070309020205020404" pitchFamily="49" charset="0"/>
-                <a:cs typeface="Courier New" panose="02070309020205020404" pitchFamily="49" charset="0"/>
-              </a:rPr>
-              <a:t> </a:t>
-            </a:r>
-            <a:r>
-              <a:rPr lang="nl-NL" sz="1400" kern="0" dirty="0" err="1" smtClean="0">
-                <a:latin typeface="Courier New" panose="02070309020205020404" pitchFamily="49" charset="0"/>
-                <a:cs typeface="Courier New" panose="02070309020205020404" pitchFamily="49" charset="0"/>
-              </a:rPr>
-              <a:t>prepare</a:t>
-            </a:r>
-            <a:r>
-              <a:rPr lang="nl-NL" sz="1400" kern="0" dirty="0" smtClean="0">
-                <a:latin typeface="Courier New" panose="02070309020205020404" pitchFamily="49" charset="0"/>
-                <a:cs typeface="Courier New" panose="02070309020205020404" pitchFamily="49" charset="0"/>
-              </a:rPr>
-              <a:t> the </a:t>
-            </a:r>
-            <a:r>
-              <a:rPr lang="nl-NL" sz="1400" kern="0" dirty="0" err="1" smtClean="0">
-                <a:latin typeface="Courier New" panose="02070309020205020404" pitchFamily="49" charset="0"/>
-                <a:cs typeface="Courier New" panose="02070309020205020404" pitchFamily="49" charset="0"/>
-              </a:rPr>
-              <a:t>MovieLens</a:t>
-            </a:r>
-            <a:r>
-              <a:rPr lang="nl-NL" sz="1400" kern="0" dirty="0" smtClean="0">
-                <a:latin typeface="Courier New" panose="02070309020205020404" pitchFamily="49" charset="0"/>
-                <a:cs typeface="Courier New" panose="02070309020205020404" pitchFamily="49" charset="0"/>
-              </a:rPr>
-              <a:t> dataset </a:t>
-            </a:r>
-            <a:r>
-              <a:rPr lang="nl-NL" sz="1400" kern="0" dirty="0" err="1" smtClean="0">
-                <a:latin typeface="Courier New" panose="02070309020205020404" pitchFamily="49" charset="0"/>
-                <a:cs typeface="Courier New" panose="02070309020205020404" pitchFamily="49" charset="0"/>
-              </a:rPr>
-              <a:t>for</a:t>
-            </a:r>
-            <a:r>
-              <a:rPr lang="nl-NL" sz="1400" kern="0" dirty="0" smtClean="0">
-                <a:latin typeface="Courier New" panose="02070309020205020404" pitchFamily="49" charset="0"/>
-                <a:cs typeface="Courier New" panose="02070309020205020404" pitchFamily="49" charset="0"/>
-              </a:rPr>
-              <a:t> </a:t>
-            </a:r>
-            <a:r>
-              <a:rPr lang="nl-NL" sz="1400" kern="0" dirty="0" err="1" smtClean="0">
-                <a:latin typeface="Courier New" panose="02070309020205020404" pitchFamily="49" charset="0"/>
-                <a:cs typeface="Courier New" panose="02070309020205020404" pitchFamily="49" charset="0"/>
-              </a:rPr>
-              <a:t>use</a:t>
-            </a:r>
-            <a:r>
-              <a:rPr lang="nl-NL" sz="1400" kern="0" dirty="0" smtClean="0">
-                <a:latin typeface="Courier New" panose="02070309020205020404" pitchFamily="49" charset="0"/>
-                <a:cs typeface="Courier New" panose="02070309020205020404" pitchFamily="49" charset="0"/>
-              </a:rPr>
-              <a:t> this week. See the </a:t>
-            </a:r>
-            <a:r>
-              <a:rPr lang="nl-NL" sz="1400" i="1" kern="0" dirty="0" err="1" smtClean="0">
-                <a:latin typeface="Courier New" panose="02070309020205020404" pitchFamily="49" charset="0"/>
-                <a:cs typeface="Courier New" panose="02070309020205020404" pitchFamily="49" charset="0"/>
-              </a:rPr>
-              <a:t>pivot_table</a:t>
-            </a:r>
-            <a:r>
-              <a:rPr lang="nl-NL" sz="1400" i="1" kern="0" dirty="0" smtClean="0">
-                <a:latin typeface="Courier New" panose="02070309020205020404" pitchFamily="49" charset="0"/>
-                <a:cs typeface="Courier New" panose="02070309020205020404" pitchFamily="49" charset="0"/>
-              </a:rPr>
-              <a:t> </a:t>
-            </a:r>
-            <a:r>
-              <a:rPr lang="nl-NL" sz="1400" kern="0" dirty="0" smtClean="0">
-                <a:latin typeface="Courier New" panose="02070309020205020404" pitchFamily="49" charset="0"/>
-                <a:cs typeface="Courier New" panose="02070309020205020404" pitchFamily="49" charset="0"/>
-              </a:rPr>
-              <a:t>Notebook</a:t>
-            </a:r>
-            <a:r>
-              <a:rPr lang="nl-NL" sz="1400" i="1" kern="0" dirty="0" smtClean="0">
-                <a:latin typeface="Courier New" panose="02070309020205020404" pitchFamily="49" charset="0"/>
-                <a:cs typeface="Courier New" panose="02070309020205020404" pitchFamily="49" charset="0"/>
-              </a:rPr>
-              <a:t> </a:t>
-            </a:r>
-            <a:r>
-              <a:rPr lang="nl-NL" sz="1400" kern="0" dirty="0" smtClean="0">
-                <a:latin typeface="Courier New" panose="02070309020205020404" pitchFamily="49" charset="0"/>
-                <a:cs typeface="Courier New" panose="02070309020205020404" pitchFamily="49" charset="0"/>
-              </a:rPr>
-              <a:t>in the </a:t>
-            </a:r>
-            <a:r>
-              <a:rPr lang="nl-NL" sz="1400" i="1" kern="0" dirty="0" err="1" smtClean="0">
-                <a:latin typeface="Courier New" panose="02070309020205020404" pitchFamily="49" charset="0"/>
-                <a:cs typeface="Courier New" panose="02070309020205020404" pitchFamily="49" charset="0"/>
-              </a:rPr>
-              <a:t>Examples</a:t>
-            </a:r>
-            <a:r>
-              <a:rPr lang="nl-NL" sz="1400" kern="0" dirty="0" smtClean="0">
-                <a:latin typeface="Courier New" panose="02070309020205020404" pitchFamily="49" charset="0"/>
-                <a:cs typeface="Courier New" panose="02070309020205020404" pitchFamily="49" charset="0"/>
-              </a:rPr>
-              <a:t> folder </a:t>
-            </a:r>
-            <a:r>
-              <a:rPr lang="nl-NL" sz="1400" kern="0" dirty="0" err="1" smtClean="0">
-                <a:latin typeface="Courier New" panose="02070309020205020404" pitchFamily="49" charset="0"/>
-                <a:cs typeface="Courier New" panose="02070309020205020404" pitchFamily="49" charset="0"/>
-              </a:rPr>
-              <a:t>and</a:t>
-            </a:r>
-            <a:r>
-              <a:rPr lang="nl-NL" sz="1400" kern="0" dirty="0" smtClean="0">
-                <a:latin typeface="Courier New" panose="02070309020205020404" pitchFamily="49" charset="0"/>
-                <a:cs typeface="Courier New" panose="02070309020205020404" pitchFamily="49" charset="0"/>
-              </a:rPr>
-              <a:t> the </a:t>
-            </a:r>
-            <a:r>
-              <a:rPr lang="nl-NL" sz="1400" i="1" kern="0" dirty="0" err="1">
-                <a:latin typeface="Courier New" panose="02070309020205020404" pitchFamily="49" charset="0"/>
-                <a:cs typeface="Courier New" panose="02070309020205020404" pitchFamily="49" charset="0"/>
-              </a:rPr>
-              <a:t>c</a:t>
-            </a:r>
-            <a:r>
-              <a:rPr lang="nl-NL" sz="1400" i="1" kern="0" dirty="0" err="1" smtClean="0">
-                <a:latin typeface="Courier New" panose="02070309020205020404" pitchFamily="49" charset="0"/>
-                <a:cs typeface="Courier New" panose="02070309020205020404" pitchFamily="49" charset="0"/>
-              </a:rPr>
-              <a:t>ookbook</a:t>
-            </a:r>
-            <a:r>
-              <a:rPr lang="nl-NL" sz="1400" i="1" kern="0" dirty="0" smtClean="0">
-                <a:latin typeface="Courier New" panose="02070309020205020404" pitchFamily="49" charset="0"/>
-                <a:cs typeface="Courier New" panose="02070309020205020404" pitchFamily="49" charset="0"/>
-              </a:rPr>
-              <a:t> </a:t>
-            </a:r>
-            <a:r>
-              <a:rPr lang="nl-NL" sz="1400" kern="0" dirty="0" err="1" smtClean="0">
-                <a:latin typeface="Courier New" panose="02070309020205020404" pitchFamily="49" charset="0"/>
-                <a:cs typeface="Courier New" panose="02070309020205020404" pitchFamily="49" charset="0"/>
-              </a:rPr>
-              <a:t>for</a:t>
-            </a:r>
-            <a:r>
-              <a:rPr lang="nl-NL" sz="1400" kern="0" dirty="0" smtClean="0">
-                <a:latin typeface="Courier New" panose="02070309020205020404" pitchFamily="49" charset="0"/>
-                <a:cs typeface="Courier New" panose="02070309020205020404" pitchFamily="49" charset="0"/>
-              </a:rPr>
-              <a:t> </a:t>
-            </a:r>
-            <a:r>
-              <a:rPr lang="nl-NL" sz="1400" kern="0" dirty="0" err="1" smtClean="0">
-                <a:latin typeface="Courier New" panose="02070309020205020404" pitchFamily="49" charset="0"/>
-                <a:cs typeface="Courier New" panose="02070309020205020404" pitchFamily="49" charset="0"/>
-              </a:rPr>
-              <a:t>reference</a:t>
-            </a:r>
-            <a:r>
-              <a:rPr lang="nl-NL" sz="1400" kern="0" dirty="0" smtClean="0">
-                <a:latin typeface="Courier New" panose="02070309020205020404" pitchFamily="49" charset="0"/>
-                <a:cs typeface="Courier New" panose="02070309020205020404" pitchFamily="49" charset="0"/>
-              </a:rPr>
-              <a:t> </a:t>
-            </a:r>
-            <a:r>
-              <a:rPr lang="nl-NL" sz="1400" kern="0" dirty="0" err="1" smtClean="0">
-                <a:latin typeface="Courier New" panose="02070309020205020404" pitchFamily="49" charset="0"/>
-                <a:cs typeface="Courier New" panose="02070309020205020404" pitchFamily="49" charset="0"/>
-              </a:rPr>
-              <a:t>to</a:t>
-            </a:r>
-            <a:r>
-              <a:rPr lang="nl-NL" sz="1400" kern="0" dirty="0" smtClean="0">
-                <a:latin typeface="Courier New" panose="02070309020205020404" pitchFamily="49" charset="0"/>
-                <a:cs typeface="Courier New" panose="02070309020205020404" pitchFamily="49" charset="0"/>
-              </a:rPr>
-              <a:t> </a:t>
-            </a:r>
-            <a:r>
-              <a:rPr lang="nl-NL" sz="1400" kern="0" dirty="0" err="1" smtClean="0">
-                <a:latin typeface="Courier New" panose="02070309020205020404" pitchFamily="49" charset="0"/>
-                <a:cs typeface="Courier New" panose="02070309020205020404" pitchFamily="49" charset="0"/>
-              </a:rPr>
-              <a:t>material</a:t>
-            </a:r>
-            <a:r>
-              <a:rPr lang="nl-NL" sz="1400" kern="0" dirty="0" smtClean="0">
-                <a:latin typeface="Courier New" panose="02070309020205020404" pitchFamily="49" charset="0"/>
-                <a:cs typeface="Courier New" panose="02070309020205020404" pitchFamily="49" charset="0"/>
-              </a:rPr>
-              <a:t> from </a:t>
-            </a:r>
-            <a:r>
-              <a:rPr lang="nl-NL" sz="1400" kern="0" dirty="0" err="1" smtClean="0">
-                <a:latin typeface="Courier New" panose="02070309020205020404" pitchFamily="49" charset="0"/>
-                <a:cs typeface="Courier New" panose="02070309020205020404" pitchFamily="49" charset="0"/>
-              </a:rPr>
-              <a:t>earlier</a:t>
-            </a:r>
-            <a:r>
-              <a:rPr lang="nl-NL" sz="1400" kern="0" dirty="0" smtClean="0">
-                <a:latin typeface="Courier New" panose="02070309020205020404" pitchFamily="49" charset="0"/>
-                <a:cs typeface="Courier New" panose="02070309020205020404" pitchFamily="49" charset="0"/>
-              </a:rPr>
-              <a:t> weeks. See the </a:t>
-            </a:r>
-            <a:r>
-              <a:rPr lang="nl-NL" sz="1400" i="1" kern="0" dirty="0" err="1" smtClean="0">
-                <a:latin typeface="Courier New" panose="02070309020205020404" pitchFamily="49" charset="0"/>
-                <a:cs typeface="Courier New" panose="02070309020205020404" pitchFamily="49" charset="0"/>
-              </a:rPr>
-              <a:t>Exercise</a:t>
-            </a:r>
-            <a:r>
-              <a:rPr lang="nl-NL" sz="1400" i="1" kern="0" dirty="0" smtClean="0">
-                <a:latin typeface="Courier New" panose="02070309020205020404" pitchFamily="49" charset="0"/>
-                <a:cs typeface="Courier New" panose="02070309020205020404" pitchFamily="49" charset="0"/>
-              </a:rPr>
-              <a:t> </a:t>
-            </a:r>
-            <a:r>
-              <a:rPr lang="nl-NL" sz="1400" kern="0" dirty="0" smtClean="0">
-                <a:latin typeface="Courier New" panose="02070309020205020404" pitchFamily="49" charset="0"/>
-                <a:cs typeface="Courier New" panose="02070309020205020404" pitchFamily="49" charset="0"/>
-              </a:rPr>
-              <a:t>folder </a:t>
-            </a:r>
-            <a:r>
-              <a:rPr lang="nl-NL" sz="1400" kern="0" dirty="0" err="1" smtClean="0">
-                <a:latin typeface="Courier New" panose="02070309020205020404" pitchFamily="49" charset="0"/>
-                <a:cs typeface="Courier New" panose="02070309020205020404" pitchFamily="49" charset="0"/>
-              </a:rPr>
-              <a:t>for</a:t>
-            </a:r>
-            <a:r>
-              <a:rPr lang="nl-NL" sz="1400" kern="0" dirty="0" smtClean="0">
-                <a:latin typeface="Courier New" panose="02070309020205020404" pitchFamily="49" charset="0"/>
-                <a:cs typeface="Courier New" panose="02070309020205020404" pitchFamily="49" charset="0"/>
-              </a:rPr>
-              <a:t> the data set.</a:t>
-            </a:r>
-          </a:p>
-          <a:p>
-            <a:pPr marL="0" indent="0">
-              <a:buNone/>
-            </a:pPr>
-            <a:endParaRPr lang="nl-NL" sz="1400" kern="0" dirty="0">
-              <a:latin typeface="Courier New" panose="02070309020205020404" pitchFamily="49" charset="0"/>
-              <a:cs typeface="Courier New" panose="02070309020205020404" pitchFamily="49" charset="0"/>
-            </a:endParaRPr>
-          </a:p>
-          <a:p>
-            <a:pPr>
-              <a:buFont typeface="+mj-lt"/>
-              <a:buAutoNum type="arabicPeriod"/>
-            </a:pPr>
-            <a:r>
-              <a:rPr lang="nl-NL" sz="1400" kern="0" dirty="0" smtClean="0">
-                <a:latin typeface="Courier New" panose="02070309020205020404" pitchFamily="49" charset="0"/>
-                <a:cs typeface="Courier New" panose="02070309020205020404" pitchFamily="49" charset="0"/>
-              </a:rPr>
-              <a:t>Load the files </a:t>
-            </a:r>
-            <a:r>
-              <a:rPr lang="nl-NL" sz="1400" i="1" kern="0" dirty="0" smtClean="0">
-                <a:latin typeface="Courier New" panose="02070309020205020404" pitchFamily="49" charset="0"/>
-                <a:cs typeface="Courier New" panose="02070309020205020404" pitchFamily="49" charset="0"/>
-              </a:rPr>
-              <a:t>ratings.csv </a:t>
-            </a:r>
-            <a:r>
-              <a:rPr lang="nl-NL" sz="1400" kern="0" dirty="0" err="1" smtClean="0">
-                <a:latin typeface="Courier New" panose="02070309020205020404" pitchFamily="49" charset="0"/>
-                <a:cs typeface="Courier New" panose="02070309020205020404" pitchFamily="49" charset="0"/>
-              </a:rPr>
-              <a:t>and</a:t>
-            </a:r>
-            <a:r>
-              <a:rPr lang="nl-NL" sz="1400" kern="0" dirty="0" smtClean="0">
-                <a:latin typeface="Courier New" panose="02070309020205020404" pitchFamily="49" charset="0"/>
-                <a:cs typeface="Courier New" panose="02070309020205020404" pitchFamily="49" charset="0"/>
-              </a:rPr>
-              <a:t> </a:t>
-            </a:r>
-            <a:r>
-              <a:rPr lang="nl-NL" sz="1400" i="1" kern="0" dirty="0" smtClean="0">
-                <a:latin typeface="Courier New" panose="02070309020205020404" pitchFamily="49" charset="0"/>
-                <a:cs typeface="Courier New" panose="02070309020205020404" pitchFamily="49" charset="0"/>
-              </a:rPr>
-              <a:t>movies.csv</a:t>
-            </a:r>
-            <a:r>
-              <a:rPr lang="nl-NL" sz="1400" kern="0" dirty="0" smtClean="0">
-                <a:latin typeface="Courier New" panose="02070309020205020404" pitchFamily="49" charset="0"/>
-                <a:cs typeface="Courier New" panose="02070309020205020404" pitchFamily="49" charset="0"/>
-              </a:rPr>
-              <a:t> in </a:t>
-            </a:r>
-            <a:r>
-              <a:rPr lang="nl-NL" sz="1400" kern="0" dirty="0" smtClean="0">
-                <a:latin typeface="Courier New" panose="02070309020205020404" pitchFamily="49" charset="0"/>
-                <a:cs typeface="Courier New" panose="02070309020205020404" pitchFamily="49" charset="0"/>
-              </a:rPr>
-              <a:t>a Notebook </a:t>
-            </a:r>
-            <a:r>
-              <a:rPr lang="nl-NL" sz="1400" kern="0" dirty="0" err="1" smtClean="0">
-                <a:latin typeface="Courier New" panose="02070309020205020404" pitchFamily="49" charset="0"/>
-                <a:cs typeface="Courier New" panose="02070309020205020404" pitchFamily="49" charset="0"/>
-              </a:rPr>
-              <a:t>and</a:t>
-            </a:r>
-            <a:r>
-              <a:rPr lang="nl-NL" sz="1400" kern="0" dirty="0" smtClean="0">
-                <a:latin typeface="Courier New" panose="02070309020205020404" pitchFamily="49" charset="0"/>
-                <a:cs typeface="Courier New" panose="02070309020205020404" pitchFamily="49" charset="0"/>
-              </a:rPr>
-              <a:t> </a:t>
-            </a:r>
-            <a:r>
-              <a:rPr lang="nl-NL" sz="1400" kern="0" dirty="0" err="1" smtClean="0">
-                <a:latin typeface="Courier New" panose="02070309020205020404" pitchFamily="49" charset="0"/>
-                <a:cs typeface="Courier New" panose="02070309020205020404" pitchFamily="49" charset="0"/>
-              </a:rPr>
-              <a:t>merge</a:t>
-            </a:r>
-            <a:r>
-              <a:rPr lang="nl-NL" sz="1400" kern="0" dirty="0" smtClean="0">
-                <a:latin typeface="Courier New" panose="02070309020205020404" pitchFamily="49" charset="0"/>
-                <a:cs typeface="Courier New" panose="02070309020205020404" pitchFamily="49" charset="0"/>
-              </a:rPr>
-              <a:t> </a:t>
-            </a:r>
-            <a:r>
-              <a:rPr lang="nl-NL" sz="1400" kern="0" dirty="0" err="1" smtClean="0">
-                <a:latin typeface="Courier New" panose="02070309020205020404" pitchFamily="49" charset="0"/>
-                <a:cs typeface="Courier New" panose="02070309020205020404" pitchFamily="49" charset="0"/>
-              </a:rPr>
-              <a:t>them</a:t>
-            </a:r>
-            <a:r>
-              <a:rPr lang="nl-NL" sz="1400" kern="0" dirty="0" smtClean="0">
-                <a:latin typeface="Courier New" panose="02070309020205020404" pitchFamily="49" charset="0"/>
-                <a:cs typeface="Courier New" panose="02070309020205020404" pitchFamily="49" charset="0"/>
-              </a:rPr>
-              <a:t> (</a:t>
-            </a:r>
-            <a:r>
-              <a:rPr lang="nl-NL" sz="1400" kern="0" dirty="0" err="1" smtClean="0">
-                <a:latin typeface="Courier New" panose="02070309020205020404" pitchFamily="49" charset="0"/>
-                <a:cs typeface="Courier New" panose="02070309020205020404" pitchFamily="49" charset="0"/>
-              </a:rPr>
-              <a:t>remember</a:t>
-            </a:r>
-            <a:r>
-              <a:rPr lang="nl-NL" sz="1400" kern="0" dirty="0" smtClean="0">
-                <a:latin typeface="Courier New" panose="02070309020205020404" pitchFamily="49" charset="0"/>
-                <a:cs typeface="Courier New" panose="02070309020205020404" pitchFamily="49" charset="0"/>
-              </a:rPr>
-              <a:t> </a:t>
-            </a:r>
-            <a:r>
-              <a:rPr lang="nl-NL" sz="1400" kern="0" dirty="0" err="1" smtClean="0">
-                <a:latin typeface="Courier New" panose="02070309020205020404" pitchFamily="49" charset="0"/>
-                <a:cs typeface="Courier New" panose="02070309020205020404" pitchFamily="49" charset="0"/>
-              </a:rPr>
-              <a:t>which</a:t>
-            </a:r>
-            <a:r>
-              <a:rPr lang="nl-NL" sz="1400" kern="0" dirty="0" smtClean="0">
-                <a:latin typeface="Courier New" panose="02070309020205020404" pitchFamily="49" charset="0"/>
-                <a:cs typeface="Courier New" panose="02070309020205020404" pitchFamily="49" charset="0"/>
-              </a:rPr>
-              <a:t> </a:t>
-            </a:r>
-            <a:r>
-              <a:rPr lang="nl-NL" sz="1400" kern="0" dirty="0" err="1" smtClean="0">
-                <a:latin typeface="Courier New" panose="02070309020205020404" pitchFamily="49" charset="0"/>
-                <a:cs typeface="Courier New" panose="02070309020205020404" pitchFamily="49" charset="0"/>
-              </a:rPr>
-              <a:t>function</a:t>
-            </a:r>
-            <a:r>
-              <a:rPr lang="nl-NL" sz="1400" kern="0" dirty="0" smtClean="0">
-                <a:latin typeface="Courier New" panose="02070309020205020404" pitchFamily="49" charset="0"/>
-                <a:cs typeface="Courier New" panose="02070309020205020404" pitchFamily="49" charset="0"/>
-              </a:rPr>
-              <a:t> </a:t>
-            </a:r>
-            <a:r>
-              <a:rPr lang="nl-NL" sz="1400" kern="0" dirty="0" err="1" smtClean="0">
-                <a:latin typeface="Courier New" panose="02070309020205020404" pitchFamily="49" charset="0"/>
-                <a:cs typeface="Courier New" panose="02070309020205020404" pitchFamily="49" charset="0"/>
-              </a:rPr>
-              <a:t>to</a:t>
-            </a:r>
-            <a:r>
-              <a:rPr lang="nl-NL" sz="1400" kern="0" dirty="0" smtClean="0">
-                <a:latin typeface="Courier New" panose="02070309020205020404" pitchFamily="49" charset="0"/>
-                <a:cs typeface="Courier New" panose="02070309020205020404" pitchFamily="49" charset="0"/>
-              </a:rPr>
-              <a:t> </a:t>
-            </a:r>
-            <a:r>
-              <a:rPr lang="nl-NL" sz="1400" kern="0" dirty="0" err="1" smtClean="0">
-                <a:latin typeface="Courier New" panose="02070309020205020404" pitchFamily="49" charset="0"/>
-                <a:cs typeface="Courier New" panose="02070309020205020404" pitchFamily="49" charset="0"/>
-              </a:rPr>
-              <a:t>use</a:t>
-            </a:r>
-            <a:r>
-              <a:rPr lang="nl-NL" sz="1400" kern="0" dirty="0" smtClean="0">
-                <a:latin typeface="Courier New" panose="02070309020205020404" pitchFamily="49" charset="0"/>
-                <a:cs typeface="Courier New" panose="02070309020205020404" pitchFamily="49" charset="0"/>
-              </a:rPr>
-              <a:t>?).</a:t>
-            </a:r>
-          </a:p>
-          <a:p>
-            <a:pPr>
-              <a:buFont typeface="+mj-lt"/>
-              <a:buAutoNum type="arabicPeriod"/>
-            </a:pPr>
-            <a:endParaRPr lang="nl-NL" sz="1400" kern="0" dirty="0" smtClean="0">
-              <a:latin typeface="Courier New" panose="02070309020205020404" pitchFamily="49" charset="0"/>
-              <a:cs typeface="Courier New" panose="02070309020205020404" pitchFamily="49" charset="0"/>
-            </a:endParaRPr>
-          </a:p>
-          <a:p>
-            <a:pPr>
-              <a:buFont typeface="+mj-lt"/>
-              <a:buAutoNum type="arabicPeriod"/>
-            </a:pPr>
-            <a:r>
-              <a:rPr lang="nl-NL" sz="1400" kern="0" dirty="0" smtClean="0">
-                <a:latin typeface="Courier New" panose="02070309020205020404" pitchFamily="49" charset="0"/>
-                <a:cs typeface="Courier New" panose="02070309020205020404" pitchFamily="49" charset="0"/>
-              </a:rPr>
-              <a:t>Look at the </a:t>
-            </a:r>
-            <a:r>
-              <a:rPr lang="nl-NL" sz="1400" i="1" kern="0" dirty="0" err="1" smtClean="0">
-                <a:latin typeface="Courier New" panose="02070309020205020404" pitchFamily="49" charset="0"/>
-                <a:cs typeface="Courier New" panose="02070309020205020404" pitchFamily="49" charset="0"/>
-              </a:rPr>
-              <a:t>pivot_table</a:t>
-            </a:r>
-            <a:r>
-              <a:rPr lang="nl-NL" sz="1400" i="1" kern="0" dirty="0" smtClean="0">
-                <a:latin typeface="Courier New" panose="02070309020205020404" pitchFamily="49" charset="0"/>
-                <a:cs typeface="Courier New" panose="02070309020205020404" pitchFamily="49" charset="0"/>
-              </a:rPr>
-              <a:t> </a:t>
-            </a:r>
-            <a:r>
-              <a:rPr lang="nl-NL" sz="1400" kern="0" dirty="0" smtClean="0">
-                <a:latin typeface="Courier New" panose="02070309020205020404" pitchFamily="49" charset="0"/>
-                <a:cs typeface="Courier New" panose="02070309020205020404" pitchFamily="49" charset="0"/>
-              </a:rPr>
-              <a:t>Notebook in the </a:t>
-            </a:r>
-            <a:r>
-              <a:rPr lang="nl-NL" sz="1400" kern="0" dirty="0" err="1" smtClean="0">
-                <a:latin typeface="Courier New" panose="02070309020205020404" pitchFamily="49" charset="0"/>
-                <a:cs typeface="Courier New" panose="02070309020205020404" pitchFamily="49" charset="0"/>
-              </a:rPr>
-              <a:t>Examples</a:t>
-            </a:r>
-            <a:r>
-              <a:rPr lang="nl-NL" sz="1400" kern="0" dirty="0" smtClean="0">
-                <a:latin typeface="Courier New" panose="02070309020205020404" pitchFamily="49" charset="0"/>
-                <a:cs typeface="Courier New" panose="02070309020205020404" pitchFamily="49" charset="0"/>
-              </a:rPr>
-              <a:t> folder. How </a:t>
-            </a:r>
-            <a:r>
-              <a:rPr lang="nl-NL" sz="1400" kern="0" dirty="0" err="1" smtClean="0">
-                <a:latin typeface="Courier New" panose="02070309020205020404" pitchFamily="49" charset="0"/>
-                <a:cs typeface="Courier New" panose="02070309020205020404" pitchFamily="49" charset="0"/>
-              </a:rPr>
-              <a:t>might</a:t>
-            </a:r>
-            <a:r>
-              <a:rPr lang="nl-NL" sz="1400" kern="0" dirty="0" smtClean="0">
-                <a:latin typeface="Courier New" panose="02070309020205020404" pitchFamily="49" charset="0"/>
-                <a:cs typeface="Courier New" panose="02070309020205020404" pitchFamily="49" charset="0"/>
-              </a:rPr>
-              <a:t> </a:t>
-            </a:r>
-            <a:r>
-              <a:rPr lang="nl-NL" sz="1400" kern="0" dirty="0" err="1" smtClean="0">
-                <a:latin typeface="Courier New" panose="02070309020205020404" pitchFamily="49" charset="0"/>
-                <a:cs typeface="Courier New" panose="02070309020205020404" pitchFamily="49" charset="0"/>
-              </a:rPr>
-              <a:t>you</a:t>
-            </a:r>
-            <a:r>
-              <a:rPr lang="nl-NL" sz="1400" kern="0" dirty="0" smtClean="0">
-                <a:latin typeface="Courier New" panose="02070309020205020404" pitchFamily="49" charset="0"/>
-                <a:cs typeface="Courier New" panose="02070309020205020404" pitchFamily="49" charset="0"/>
-              </a:rPr>
-              <a:t> </a:t>
-            </a:r>
-            <a:r>
-              <a:rPr lang="nl-NL" sz="1400" kern="0" dirty="0" err="1" smtClean="0">
-                <a:latin typeface="Courier New" panose="02070309020205020404" pitchFamily="49" charset="0"/>
-                <a:cs typeface="Courier New" panose="02070309020205020404" pitchFamily="49" charset="0"/>
-              </a:rPr>
-              <a:t>use</a:t>
-            </a:r>
-            <a:r>
-              <a:rPr lang="nl-NL" sz="1400" kern="0" dirty="0" smtClean="0">
-                <a:latin typeface="Courier New" panose="02070309020205020404" pitchFamily="49" charset="0"/>
-                <a:cs typeface="Courier New" panose="02070309020205020404" pitchFamily="49" charset="0"/>
-              </a:rPr>
-              <a:t> a pivot </a:t>
-            </a:r>
-            <a:r>
-              <a:rPr lang="nl-NL" sz="1400" kern="0" dirty="0" err="1" smtClean="0">
-                <a:latin typeface="Courier New" panose="02070309020205020404" pitchFamily="49" charset="0"/>
-                <a:cs typeface="Courier New" panose="02070309020205020404" pitchFamily="49" charset="0"/>
-              </a:rPr>
-              <a:t>table</a:t>
-            </a:r>
-            <a:r>
-              <a:rPr lang="nl-NL" sz="1400" kern="0" dirty="0" smtClean="0">
-                <a:latin typeface="Courier New" panose="02070309020205020404" pitchFamily="49" charset="0"/>
-                <a:cs typeface="Courier New" panose="02070309020205020404" pitchFamily="49" charset="0"/>
-              </a:rPr>
-              <a:t> </a:t>
-            </a:r>
-            <a:r>
-              <a:rPr lang="nl-NL" sz="1400" kern="0" dirty="0" err="1" smtClean="0">
-                <a:latin typeface="Courier New" panose="02070309020205020404" pitchFamily="49" charset="0"/>
-                <a:cs typeface="Courier New" panose="02070309020205020404" pitchFamily="49" charset="0"/>
-              </a:rPr>
-              <a:t>to</a:t>
-            </a:r>
-            <a:r>
-              <a:rPr lang="nl-NL" sz="1400" kern="0" dirty="0" smtClean="0">
-                <a:latin typeface="Courier New" panose="02070309020205020404" pitchFamily="49" charset="0"/>
-                <a:cs typeface="Courier New" panose="02070309020205020404" pitchFamily="49" charset="0"/>
-              </a:rPr>
-              <a:t> make a user-item matrix? </a:t>
-            </a:r>
-            <a:r>
-              <a:rPr lang="nl-NL" sz="1400" kern="0" dirty="0" err="1" smtClean="0">
-                <a:latin typeface="Courier New" panose="02070309020205020404" pitchFamily="49" charset="0"/>
-                <a:cs typeface="Courier New" panose="02070309020205020404" pitchFamily="49" charset="0"/>
-              </a:rPr>
-              <a:t>Remember</a:t>
-            </a:r>
-            <a:r>
-              <a:rPr lang="nl-NL" sz="1400" kern="0" dirty="0" smtClean="0">
-                <a:latin typeface="Courier New" panose="02070309020205020404" pitchFamily="49" charset="0"/>
-                <a:cs typeface="Courier New" panose="02070309020205020404" pitchFamily="49" charset="0"/>
-              </a:rPr>
-              <a:t>: a user-item matrix is a </a:t>
-            </a:r>
-            <a:r>
-              <a:rPr lang="nl-NL" sz="1400" kern="0" dirty="0" err="1" smtClean="0">
-                <a:latin typeface="Courier New" panose="02070309020205020404" pitchFamily="49" charset="0"/>
-                <a:cs typeface="Courier New" panose="02070309020205020404" pitchFamily="49" charset="0"/>
-              </a:rPr>
-              <a:t>table</a:t>
-            </a:r>
-            <a:r>
-              <a:rPr lang="nl-NL" sz="1400" kern="0" dirty="0" smtClean="0">
-                <a:latin typeface="Courier New" panose="02070309020205020404" pitchFamily="49" charset="0"/>
-                <a:cs typeface="Courier New" panose="02070309020205020404" pitchFamily="49" charset="0"/>
-              </a:rPr>
-              <a:t> of the ratings, </a:t>
-            </a:r>
-            <a:r>
-              <a:rPr lang="nl-NL" sz="1400" kern="0" dirty="0" err="1" smtClean="0">
-                <a:latin typeface="Courier New" panose="02070309020205020404" pitchFamily="49" charset="0"/>
-                <a:cs typeface="Courier New" panose="02070309020205020404" pitchFamily="49" charset="0"/>
-              </a:rPr>
-              <a:t>with</a:t>
-            </a:r>
-            <a:r>
-              <a:rPr lang="nl-NL" sz="1400" kern="0" dirty="0" smtClean="0">
-                <a:latin typeface="Courier New" panose="02070309020205020404" pitchFamily="49" charset="0"/>
-                <a:cs typeface="Courier New" panose="02070309020205020404" pitchFamily="49" charset="0"/>
-              </a:rPr>
-              <a:t> users in the </a:t>
-            </a:r>
-            <a:r>
-              <a:rPr lang="nl-NL" sz="1400" kern="0" dirty="0" err="1" smtClean="0">
-                <a:latin typeface="Courier New" panose="02070309020205020404" pitchFamily="49" charset="0"/>
-                <a:cs typeface="Courier New" panose="02070309020205020404" pitchFamily="49" charset="0"/>
-              </a:rPr>
-              <a:t>rows</a:t>
-            </a:r>
-            <a:r>
-              <a:rPr lang="nl-NL" sz="1400" kern="0" dirty="0" smtClean="0">
-                <a:latin typeface="Courier New" panose="02070309020205020404" pitchFamily="49" charset="0"/>
-                <a:cs typeface="Courier New" panose="02070309020205020404" pitchFamily="49" charset="0"/>
-              </a:rPr>
-              <a:t> </a:t>
-            </a:r>
-            <a:r>
-              <a:rPr lang="nl-NL" sz="1400" kern="0" dirty="0" err="1" smtClean="0">
-                <a:latin typeface="Courier New" panose="02070309020205020404" pitchFamily="49" charset="0"/>
-                <a:cs typeface="Courier New" panose="02070309020205020404" pitchFamily="49" charset="0"/>
-              </a:rPr>
-              <a:t>and</a:t>
-            </a:r>
-            <a:r>
-              <a:rPr lang="nl-NL" sz="1400" kern="0" dirty="0" smtClean="0">
-                <a:latin typeface="Courier New" panose="02070309020205020404" pitchFamily="49" charset="0"/>
-                <a:cs typeface="Courier New" panose="02070309020205020404" pitchFamily="49" charset="0"/>
-              </a:rPr>
-              <a:t> items in the columns. </a:t>
-            </a:r>
-            <a:r>
-              <a:rPr lang="nl-NL" sz="1400" kern="0" dirty="0" err="1" smtClean="0">
-                <a:latin typeface="Courier New" panose="02070309020205020404" pitchFamily="49" charset="0"/>
-                <a:cs typeface="Courier New" panose="02070309020205020404" pitchFamily="49" charset="0"/>
-              </a:rPr>
-              <a:t>What</a:t>
-            </a:r>
-            <a:r>
-              <a:rPr lang="nl-NL" sz="1400" kern="0" dirty="0" smtClean="0">
-                <a:latin typeface="Courier New" panose="02070309020205020404" pitchFamily="49" charset="0"/>
-                <a:cs typeface="Courier New" panose="02070309020205020404" pitchFamily="49" charset="0"/>
-              </a:rPr>
-              <a:t> are the items?</a:t>
-            </a:r>
-          </a:p>
-          <a:p>
-            <a:pPr>
-              <a:buFont typeface="+mj-lt"/>
-              <a:buAutoNum type="arabicPeriod"/>
-            </a:pPr>
-            <a:endParaRPr lang="nl-NL" sz="1400" kern="0" dirty="0">
-              <a:latin typeface="Courier New" panose="02070309020205020404" pitchFamily="49" charset="0"/>
-              <a:cs typeface="Courier New" panose="02070309020205020404" pitchFamily="49" charset="0"/>
-            </a:endParaRPr>
-          </a:p>
-          <a:p>
-            <a:pPr>
-              <a:buFont typeface="+mj-lt"/>
-              <a:buAutoNum type="arabicPeriod"/>
-            </a:pPr>
-            <a:r>
-              <a:rPr lang="nl-NL" sz="1400" kern="0" dirty="0" smtClean="0">
-                <a:latin typeface="Courier New" panose="02070309020205020404" pitchFamily="49" charset="0"/>
-                <a:cs typeface="Courier New" panose="02070309020205020404" pitchFamily="49" charset="0"/>
-              </a:rPr>
-              <a:t>Using </a:t>
-            </a:r>
-            <a:r>
-              <a:rPr lang="nl-NL" sz="1400" i="1" kern="0" dirty="0" err="1" smtClean="0">
-                <a:latin typeface="Courier New" panose="02070309020205020404" pitchFamily="49" charset="0"/>
-                <a:cs typeface="Courier New" panose="02070309020205020404" pitchFamily="49" charset="0"/>
-              </a:rPr>
-              <a:t>head</a:t>
-            </a:r>
-            <a:r>
-              <a:rPr lang="nl-NL" sz="1400" i="1" kern="0" dirty="0" smtClean="0">
-                <a:latin typeface="Courier New" panose="02070309020205020404" pitchFamily="49" charset="0"/>
-                <a:cs typeface="Courier New" panose="02070309020205020404" pitchFamily="49" charset="0"/>
-              </a:rPr>
-              <a:t>()</a:t>
-            </a:r>
-            <a:r>
-              <a:rPr lang="nl-NL" sz="1400" kern="0" dirty="0" smtClean="0">
-                <a:latin typeface="Courier New" panose="02070309020205020404" pitchFamily="49" charset="0"/>
-                <a:cs typeface="Courier New" panose="02070309020205020404" pitchFamily="49" charset="0"/>
-              </a:rPr>
-              <a:t>, check </a:t>
-            </a:r>
-            <a:r>
-              <a:rPr lang="nl-NL" sz="1400" kern="0" dirty="0" err="1" smtClean="0">
-                <a:latin typeface="Courier New" panose="02070309020205020404" pitchFamily="49" charset="0"/>
-                <a:cs typeface="Courier New" panose="02070309020205020404" pitchFamily="49" charset="0"/>
-              </a:rPr>
-              <a:t>if</a:t>
-            </a:r>
-            <a:r>
-              <a:rPr lang="nl-NL" sz="1400" kern="0" dirty="0" smtClean="0">
-                <a:latin typeface="Courier New" panose="02070309020205020404" pitchFamily="49" charset="0"/>
-                <a:cs typeface="Courier New" panose="02070309020205020404" pitchFamily="49" charset="0"/>
-              </a:rPr>
-              <a:t> </a:t>
-            </a:r>
-            <a:r>
-              <a:rPr lang="nl-NL" sz="1400" kern="0" dirty="0" err="1" smtClean="0">
-                <a:latin typeface="Courier New" panose="02070309020205020404" pitchFamily="49" charset="0"/>
-                <a:cs typeface="Courier New" panose="02070309020205020404" pitchFamily="49" charset="0"/>
-              </a:rPr>
-              <a:t>your</a:t>
-            </a:r>
-            <a:r>
-              <a:rPr lang="nl-NL" sz="1400" kern="0" dirty="0" smtClean="0">
-                <a:latin typeface="Courier New" panose="02070309020205020404" pitchFamily="49" charset="0"/>
-                <a:cs typeface="Courier New" panose="02070309020205020404" pitchFamily="49" charset="0"/>
-              </a:rPr>
-              <a:t> matrix is correct.</a:t>
-            </a:r>
-            <a:endParaRPr lang="nl-NL" sz="1400" kern="0" dirty="0">
-              <a:latin typeface="Courier New" panose="02070309020205020404" pitchFamily="49" charset="0"/>
-              <a:cs typeface="Courier New" panose="02070309020205020404" pitchFamily="49" charset="0"/>
-            </a:endParaRPr>
-          </a:p>
-          <a:p>
-            <a:pPr>
-              <a:buFont typeface="+mj-lt"/>
-              <a:buAutoNum type="arabicPeriod"/>
-            </a:pPr>
-            <a:endParaRPr lang="nl-NL" sz="1400" kern="0" dirty="0" smtClean="0">
-              <a:latin typeface="Courier New" panose="02070309020205020404" pitchFamily="49" charset="0"/>
-              <a:cs typeface="Courier New" panose="02070309020205020404" pitchFamily="49" charset="0"/>
-            </a:endParaRPr>
-          </a:p>
-          <a:p>
-            <a:pPr>
-              <a:buFont typeface="+mj-lt"/>
-              <a:buAutoNum type="arabicPeriod"/>
-            </a:pPr>
-            <a:r>
-              <a:rPr lang="nl-NL" sz="1400" kern="0" dirty="0" smtClean="0">
-                <a:latin typeface="Courier New" panose="02070309020205020404" pitchFamily="49" charset="0"/>
-                <a:cs typeface="Courier New" panose="02070309020205020404" pitchFamily="49" charset="0"/>
-              </a:rPr>
-              <a:t>Plot a histogram of </a:t>
-            </a:r>
-            <a:r>
-              <a:rPr lang="nl-NL" sz="1400" kern="0" dirty="0" err="1" smtClean="0">
-                <a:latin typeface="Courier New" panose="02070309020205020404" pitchFamily="49" charset="0"/>
-                <a:cs typeface="Courier New" panose="02070309020205020404" pitchFamily="49" charset="0"/>
-              </a:rPr>
-              <a:t>all</a:t>
-            </a:r>
-            <a:r>
-              <a:rPr lang="nl-NL" sz="1400" kern="0" dirty="0" smtClean="0">
-                <a:latin typeface="Courier New" panose="02070309020205020404" pitchFamily="49" charset="0"/>
-                <a:cs typeface="Courier New" panose="02070309020205020404" pitchFamily="49" charset="0"/>
-              </a:rPr>
-              <a:t> the ratings of a movie of </a:t>
-            </a:r>
-            <a:r>
-              <a:rPr lang="nl-NL" sz="1400" kern="0" dirty="0" err="1" smtClean="0">
-                <a:latin typeface="Courier New" panose="02070309020205020404" pitchFamily="49" charset="0"/>
-                <a:cs typeface="Courier New" panose="02070309020205020404" pitchFamily="49" charset="0"/>
-              </a:rPr>
-              <a:t>your</a:t>
-            </a:r>
-            <a:r>
-              <a:rPr lang="nl-NL" sz="1400" kern="0" dirty="0" smtClean="0">
-                <a:latin typeface="Courier New" panose="02070309020205020404" pitchFamily="49" charset="0"/>
-                <a:cs typeface="Courier New" panose="02070309020205020404" pitchFamily="49" charset="0"/>
-              </a:rPr>
-              <a:t> </a:t>
-            </a:r>
-            <a:r>
-              <a:rPr lang="nl-NL" sz="1400" kern="0" dirty="0" err="1" smtClean="0">
-                <a:latin typeface="Courier New" panose="02070309020205020404" pitchFamily="49" charset="0"/>
-                <a:cs typeface="Courier New" panose="02070309020205020404" pitchFamily="49" charset="0"/>
-              </a:rPr>
-              <a:t>choice</a:t>
-            </a:r>
-            <a:r>
-              <a:rPr lang="nl-NL" sz="1400" kern="0" dirty="0" smtClean="0">
-                <a:latin typeface="Courier New" panose="02070309020205020404" pitchFamily="49" charset="0"/>
-                <a:cs typeface="Courier New" panose="02070309020205020404" pitchFamily="49" charset="0"/>
-              </a:rPr>
-              <a:t>.</a:t>
-            </a:r>
-          </a:p>
-          <a:p>
-            <a:pPr>
-              <a:buFont typeface="+mj-lt"/>
-              <a:buAutoNum type="arabicPeriod"/>
-            </a:pPr>
-            <a:endParaRPr lang="nl-NL" sz="1400" kern="0" dirty="0">
-              <a:latin typeface="Courier New" panose="02070309020205020404" pitchFamily="49" charset="0"/>
-              <a:cs typeface="Courier New" panose="02070309020205020404" pitchFamily="49" charset="0"/>
-            </a:endParaRPr>
-          </a:p>
-          <a:p>
-            <a:pPr>
-              <a:buFont typeface="+mj-lt"/>
-              <a:buAutoNum type="arabicPeriod"/>
-            </a:pPr>
-            <a:endParaRPr lang="nl-NL" sz="1400" kern="0" dirty="0" smtClean="0">
-              <a:latin typeface="Courier New" panose="02070309020205020404" pitchFamily="49" charset="0"/>
-              <a:cs typeface="Courier New" panose="02070309020205020404" pitchFamily="49" charset="0"/>
-            </a:endParaRPr>
-          </a:p>
-          <a:p>
-            <a:pPr marL="0" indent="0">
-              <a:buFont typeface="Zapf Dingbats" charset="2"/>
-              <a:buNone/>
-            </a:pPr>
-            <a:endParaRPr lang="nl-NL" sz="1400" kern="0" dirty="0">
-              <a:latin typeface="Courier New" panose="02070309020205020404" pitchFamily="49" charset="0"/>
-              <a:cs typeface="Courier New" panose="02070309020205020404" pitchFamily="49" charset="0"/>
-            </a:endParaRPr>
-          </a:p>
-          <a:p>
-            <a:pPr marL="0" indent="0">
-              <a:buFont typeface="Zapf Dingbats" charset="2"/>
-              <a:buNone/>
-            </a:pPr>
-            <a:endParaRPr lang="nl-NL" sz="1400" kern="0" dirty="0">
-              <a:latin typeface="Courier New" panose="02070309020205020404" pitchFamily="49" charset="0"/>
-              <a:cs typeface="Courier New" panose="02070309020205020404" pitchFamily="49" charset="0"/>
-            </a:endParaRPr>
-          </a:p>
-          <a:p>
-            <a:pPr marL="0" indent="0">
-              <a:buFont typeface="Zapf Dingbats" charset="2"/>
-              <a:buNone/>
-            </a:pPr>
-            <a:endParaRPr lang="nl-NL" sz="1400" kern="0" dirty="0">
-              <a:latin typeface="Courier New" panose="02070309020205020404" pitchFamily="49" charset="0"/>
-              <a:cs typeface="Courier New" panose="02070309020205020404" pitchFamily="49" charset="0"/>
-            </a:endParaRPr>
-          </a:p>
-          <a:p>
-            <a:pPr marL="0" indent="0">
-              <a:buFont typeface="Zapf Dingbats" charset="2"/>
-              <a:buNone/>
-            </a:pPr>
-            <a:endParaRPr lang="nl-NL" sz="1400" kern="0" dirty="0" smtClean="0">
-              <a:latin typeface="Courier New" panose="02070309020205020404" pitchFamily="49" charset="0"/>
-              <a:cs typeface="Courier New" panose="02070309020205020404" pitchFamily="49" charset="0"/>
-            </a:endParaRPr>
-          </a:p>
-          <a:p>
-            <a:pPr marL="0" indent="0">
-              <a:buFont typeface="Zapf Dingbats" charset="2"/>
-              <a:buNone/>
-            </a:pPr>
-            <a:endParaRPr lang="nl-NL" sz="1400" kern="0" dirty="0">
-              <a:latin typeface="Courier New" panose="02070309020205020404" pitchFamily="49" charset="0"/>
-              <a:cs typeface="Courier New" panose="02070309020205020404" pitchFamily="49" charset="0"/>
-            </a:endParaRPr>
-          </a:p>
-          <a:p>
-            <a:pPr marL="0" indent="0">
-              <a:buFont typeface="Zapf Dingbats" charset="2"/>
-              <a:buNone/>
-            </a:pPr>
-            <a:endParaRPr lang="nl-NL" sz="1400" kern="0" dirty="0" smtClean="0">
-              <a:latin typeface="Courier New" panose="02070309020205020404" pitchFamily="49" charset="0"/>
-              <a:cs typeface="Courier New" panose="02070309020205020404" pitchFamily="49" charset="0"/>
-            </a:endParaRPr>
-          </a:p>
-        </p:txBody>
-      </p:sp>
+      </p:pic>
     </p:spTree>
     <p:extLst>
       <p:ext uri="{BB962C8B-B14F-4D97-AF65-F5344CB8AC3E}">
-        <p14:creationId xmlns:p14="http://schemas.microsoft.com/office/powerpoint/2010/main" val="2151871792"/>
+        <p14:creationId xmlns:p14="http://schemas.microsoft.com/office/powerpoint/2010/main" val="3418130390"/>
       </p:ext>
     </p:extLst>
   </p:cSld>
   <p:clrMapOvr>
     <a:masterClrMapping/>
   </p:clrMapOvr>
-  <p:timing>
-    <p:tnLst>
-      <p:par>
-        <p:cTn id="1" dur="indefinite" restart="never" nodeType="tmRoot"/>
-      </p:par>
-    </p:tnLst>
-  </p:timing>
 </p:sld>
 </file>
 
